--- a/presentation/Group 3 – FINANCIAL ANALYSIS.pptx
+++ b/presentation/Group 3 – FINANCIAL ANALYSIS.pptx
@@ -29,14 +29,15 @@
     <p:sldId id="274" r:id="rId23"/>
     <p:sldId id="275" r:id="rId24"/>
     <p:sldId id="276" r:id="rId25"/>
+    <p:sldId id="277" r:id="rId26"/>
   </p:sldIdLst>
   <p:sldSz cy="6858000" cx="12192000"/>
   <p:notesSz cx="6858000" cy="9144000"/>
   <p:embeddedFontLst>
     <p:embeddedFont>
       <p:font typeface="Gill Sans"/>
-      <p:regular r:id="rId26"/>
-      <p:bold r:id="rId27"/>
+      <p:regular r:id="rId27"/>
+      <p:bold r:id="rId28"/>
     </p:embeddedFont>
   </p:embeddedFontLst>
   <p:defaultTextStyle>
@@ -270,7 +271,7 @@
   </p:defaultTextStyle>
   <p:extLst>
     <p:ext uri="GoogleSlidesCustomDataVersion2">
-      <go:slidesCustomData xmlns:go="http://customooxmlschemas.google.com/" r:id="rId28" roundtripDataSignature="AMtx7miQMIw9UsTGPFd1EIkATZfnwGu5UQ=="/>
+      <go:slidesCustomData xmlns:go="http://customooxmlschemas.google.com/" r:id="rId29" roundtripDataSignature="AMtx7mj395Opauwxy4ZiFVffEToAcjB0Nw=="/>
     </p:ext>
   </p:extLst>
 </p:presentation>
@@ -806,7 +807,7 @@
   <p:cSld>
     <p:spTree>
       <p:nvGrpSpPr>
-        <p:cNvPr id="151" name="Shape 151"/>
+        <p:cNvPr id="155" name="Shape 155"/>
         <p:cNvGrpSpPr/>
         <p:nvPr/>
       </p:nvGrpSpPr>
@@ -820,7 +821,7 @@
       </p:grpSpPr>
       <p:sp>
         <p:nvSpPr>
-          <p:cNvPr id="152" name="Google Shape;152;p10:notes"/>
+          <p:cNvPr id="156" name="Google Shape;156;p9:notes"/>
           <p:cNvSpPr txBox="1"/>
           <p:nvPr>
             <p:ph idx="1" type="body"/>
@@ -859,7 +860,7 @@
       </p:sp>
       <p:sp>
         <p:nvSpPr>
-          <p:cNvPr id="153" name="Google Shape;153;p10:notes"/>
+          <p:cNvPr id="157" name="Google Shape;157;p9:notes"/>
           <p:cNvSpPr/>
           <p:nvPr>
             <p:ph idx="2" type="sldImg"/>
@@ -905,7 +906,7 @@
   <p:cSld>
     <p:spTree>
       <p:nvGrpSpPr>
-        <p:cNvPr id="159" name="Shape 159"/>
+        <p:cNvPr id="163" name="Shape 163"/>
         <p:cNvGrpSpPr/>
         <p:nvPr/>
       </p:nvGrpSpPr>
@@ -919,7 +920,7 @@
       </p:grpSpPr>
       <p:sp>
         <p:nvSpPr>
-          <p:cNvPr id="160" name="Google Shape;160;p12:notes"/>
+          <p:cNvPr id="164" name="Google Shape;164;p10:notes"/>
           <p:cNvSpPr txBox="1"/>
           <p:nvPr>
             <p:ph idx="1" type="body"/>
@@ -958,7 +959,7 @@
       </p:sp>
       <p:sp>
         <p:nvSpPr>
-          <p:cNvPr id="161" name="Google Shape;161;p12:notes"/>
+          <p:cNvPr id="165" name="Google Shape;165;p10:notes"/>
           <p:cNvSpPr/>
           <p:nvPr>
             <p:ph idx="2" type="sldImg"/>
@@ -1004,7 +1005,7 @@
   <p:cSld>
     <p:spTree>
       <p:nvGrpSpPr>
-        <p:cNvPr id="166" name="Shape 166"/>
+        <p:cNvPr id="171" name="Shape 171"/>
         <p:cNvGrpSpPr/>
         <p:nvPr/>
       </p:nvGrpSpPr>
@@ -1018,42 +1019,7 @@
       </p:grpSpPr>
       <p:sp>
         <p:nvSpPr>
-          <p:cNvPr id="167" name="Google Shape;167;g2c48598d1a9_3_0:notes"/>
-          <p:cNvSpPr/>
-          <p:nvPr>
-            <p:ph idx="2" type="sldImg"/>
-          </p:nvPr>
-        </p:nvSpPr>
-        <p:spPr>
-          <a:xfrm>
-            <a:off x="1143225" y="685800"/>
-            <a:ext cx="4572300" cy="3429000"/>
-          </a:xfrm>
-          <a:custGeom>
-            <a:rect b="b" l="l" r="r" t="t"/>
-            <a:pathLst>
-              <a:path extrusionOk="0" h="120000" w="120000">
-                <a:moveTo>
-                  <a:pt x="0" y="0"/>
-                </a:moveTo>
-                <a:lnTo>
-                  <a:pt x="120000" y="0"/>
-                </a:lnTo>
-                <a:lnTo>
-                  <a:pt x="120000" y="120000"/>
-                </a:lnTo>
-                <a:lnTo>
-                  <a:pt x="0" y="120000"/>
-                </a:lnTo>
-                <a:close/>
-              </a:path>
-            </a:pathLst>
-          </a:custGeom>
-        </p:spPr>
-      </p:sp>
-      <p:sp>
-        <p:nvSpPr>
-          <p:cNvPr id="168" name="Google Shape;168;g2c48598d1a9_3_0:notes"/>
+          <p:cNvPr id="172" name="Google Shape;172;p12:notes"/>
           <p:cNvSpPr txBox="1"/>
           <p:nvPr>
             <p:ph idx="1" type="body"/>
@@ -1090,73 +1056,9 @@
           </a:p>
         </p:txBody>
       </p:sp>
-    </p:spTree>
-  </p:cSld>
-  <p:clrMapOvr>
-    <a:masterClrMapping/>
-  </p:clrMapOvr>
-</p:notes>
-</file>
-
-<file path=ppt/notesSlides/notesSlide13.xml><?xml version="1.0" encoding="utf-8"?>
-<p:notes xmlns:a="http://schemas.openxmlformats.org/drawingml/2006/main" xmlns:r="http://schemas.openxmlformats.org/officeDocument/2006/relationships" xmlns:mc="http://schemas.openxmlformats.org/markup-compatibility/2006" xmlns:mv="urn:schemas-microsoft-com:mac:vml" xmlns:p="http://schemas.openxmlformats.org/presentationml/2006/main" xmlns:c="http://schemas.openxmlformats.org/drawingml/2006/chart" xmlns:dgm="http://schemas.openxmlformats.org/drawingml/2006/diagram" xmlns:o="urn:schemas-microsoft-com:office:office" xmlns:v="urn:schemas-microsoft-com:vml" xmlns:pvml="urn:schemas-microsoft-com:office:powerpoint" xmlns:com="http://schemas.openxmlformats.org/drawingml/2006/compatibility" xmlns:p14="http://schemas.microsoft.com/office/powerpoint/2010/main" xmlns:p15="http://schemas.microsoft.com/office/powerpoint/2012/main" xmlns:ahyp="http://schemas.microsoft.com/office/drawing/2018/hyperlinkcolor" showMasterPhAnim="0" showMasterSp="0">
-  <p:cSld>
-    <p:spTree>
-      <p:nvGrpSpPr>
-        <p:cNvPr id="172" name="Shape 172"/>
-        <p:cNvGrpSpPr/>
-        <p:nvPr/>
-      </p:nvGrpSpPr>
-      <p:grpSpPr>
-        <a:xfrm>
-          <a:off x="0" y="0"/>
-          <a:ext cx="0" cy="0"/>
-          <a:chOff x="0" y="0"/>
-          <a:chExt cx="0" cy="0"/>
-        </a:xfrm>
-      </p:grpSpPr>
       <p:sp>
         <p:nvSpPr>
-          <p:cNvPr id="173" name="Google Shape;173;p14:notes"/>
-          <p:cNvSpPr txBox="1"/>
-          <p:nvPr>
-            <p:ph idx="1" type="body"/>
-          </p:nvPr>
-        </p:nvSpPr>
-        <p:spPr>
-          <a:xfrm>
-            <a:off x="685800" y="4343400"/>
-            <a:ext cx="5486400" cy="4114800"/>
-          </a:xfrm>
-          <a:prstGeom prst="rect">
-            <a:avLst/>
-          </a:prstGeom>
-        </p:spPr>
-        <p:txBody>
-          <a:bodyPr anchorCtr="0" anchor="t" bIns="91425" lIns="91425" spcFirstLastPara="1" rIns="91425" wrap="square" tIns="91425">
-            <a:noAutofit/>
-          </a:bodyPr>
-          <a:lstStyle/>
-          <a:p>
-            <a:pPr indent="0" lvl="0" marL="0" rtl="0" algn="l">
-              <a:spcBef>
-                <a:spcPts val="0"/>
-              </a:spcBef>
-              <a:spcAft>
-                <a:spcPts val="0"/>
-              </a:spcAft>
-              <a:buNone/>
-            </a:pPr>
-            <a:r>
-              <a:t/>
-            </a:r>
-            <a:endParaRPr/>
-          </a:p>
-        </p:txBody>
-      </p:sp>
-      <p:sp>
-        <p:nvSpPr>
-          <p:cNvPr id="174" name="Google Shape;174;p14:notes"/>
+          <p:cNvPr id="173" name="Google Shape;173;p12:notes"/>
           <p:cNvSpPr/>
           <p:nvPr>
             <p:ph idx="2" type="sldImg"/>
@@ -1197,7 +1099,7 @@
 </p:notes>
 </file>
 
-<file path=ppt/notesSlides/notesSlide14.xml><?xml version="1.0" encoding="utf-8"?>
+<file path=ppt/notesSlides/notesSlide13.xml><?xml version="1.0" encoding="utf-8"?>
 <p:notes xmlns:a="http://schemas.openxmlformats.org/drawingml/2006/main" xmlns:r="http://schemas.openxmlformats.org/officeDocument/2006/relationships" xmlns:mc="http://schemas.openxmlformats.org/markup-compatibility/2006" xmlns:mv="urn:schemas-microsoft-com:mac:vml" xmlns:p="http://schemas.openxmlformats.org/presentationml/2006/main" xmlns:c="http://schemas.openxmlformats.org/drawingml/2006/chart" xmlns:dgm="http://schemas.openxmlformats.org/drawingml/2006/diagram" xmlns:o="urn:schemas-microsoft-com:office:office" xmlns:v="urn:schemas-microsoft-com:vml" xmlns:pvml="urn:schemas-microsoft-com:office:powerpoint" xmlns:com="http://schemas.openxmlformats.org/drawingml/2006/compatibility" xmlns:p14="http://schemas.microsoft.com/office/powerpoint/2010/main" xmlns:p15="http://schemas.microsoft.com/office/powerpoint/2012/main" xmlns:ahyp="http://schemas.microsoft.com/office/drawing/2018/hyperlinkcolor" showMasterPhAnim="0" showMasterSp="0">
   <p:cSld>
     <p:spTree>
@@ -1216,7 +1118,42 @@
       </p:grpSpPr>
       <p:sp>
         <p:nvSpPr>
-          <p:cNvPr id="179" name="Google Shape;179;p15:notes"/>
+          <p:cNvPr id="179" name="Google Shape;179;g2c48598d1a9_3_0:notes"/>
+          <p:cNvSpPr/>
+          <p:nvPr>
+            <p:ph idx="2" type="sldImg"/>
+          </p:nvPr>
+        </p:nvSpPr>
+        <p:spPr>
+          <a:xfrm>
+            <a:off x="1143225" y="685800"/>
+            <a:ext cx="4572300" cy="3429000"/>
+          </a:xfrm>
+          <a:custGeom>
+            <a:rect b="b" l="l" r="r" t="t"/>
+            <a:pathLst>
+              <a:path extrusionOk="0" h="120000" w="120000">
+                <a:moveTo>
+                  <a:pt x="0" y="0"/>
+                </a:moveTo>
+                <a:lnTo>
+                  <a:pt x="120000" y="0"/>
+                </a:lnTo>
+                <a:lnTo>
+                  <a:pt x="120000" y="120000"/>
+                </a:lnTo>
+                <a:lnTo>
+                  <a:pt x="0" y="120000"/>
+                </a:lnTo>
+                <a:close/>
+              </a:path>
+            </a:pathLst>
+          </a:custGeom>
+        </p:spPr>
+      </p:sp>
+      <p:sp>
+        <p:nvSpPr>
+          <p:cNvPr id="180" name="Google Shape;180;g2c48598d1a9_3_0:notes"/>
           <p:cNvSpPr txBox="1"/>
           <p:nvPr>
             <p:ph idx="1" type="body"/>
@@ -1253,9 +1190,73 @@
           </a:p>
         </p:txBody>
       </p:sp>
+    </p:spTree>
+  </p:cSld>
+  <p:clrMapOvr>
+    <a:masterClrMapping/>
+  </p:clrMapOvr>
+</p:notes>
+</file>
+
+<file path=ppt/notesSlides/notesSlide14.xml><?xml version="1.0" encoding="utf-8"?>
+<p:notes xmlns:a="http://schemas.openxmlformats.org/drawingml/2006/main" xmlns:r="http://schemas.openxmlformats.org/officeDocument/2006/relationships" xmlns:mc="http://schemas.openxmlformats.org/markup-compatibility/2006" xmlns:mv="urn:schemas-microsoft-com:mac:vml" xmlns:p="http://schemas.openxmlformats.org/presentationml/2006/main" xmlns:c="http://schemas.openxmlformats.org/drawingml/2006/chart" xmlns:dgm="http://schemas.openxmlformats.org/drawingml/2006/diagram" xmlns:o="urn:schemas-microsoft-com:office:office" xmlns:v="urn:schemas-microsoft-com:vml" xmlns:pvml="urn:schemas-microsoft-com:office:powerpoint" xmlns:com="http://schemas.openxmlformats.org/drawingml/2006/compatibility" xmlns:p14="http://schemas.microsoft.com/office/powerpoint/2010/main" xmlns:p15="http://schemas.microsoft.com/office/powerpoint/2012/main" xmlns:ahyp="http://schemas.microsoft.com/office/drawing/2018/hyperlinkcolor" showMasterPhAnim="0" showMasterSp="0">
+  <p:cSld>
+    <p:spTree>
+      <p:nvGrpSpPr>
+        <p:cNvPr id="184" name="Shape 184"/>
+        <p:cNvGrpSpPr/>
+        <p:nvPr/>
+      </p:nvGrpSpPr>
+      <p:grpSpPr>
+        <a:xfrm>
+          <a:off x="0" y="0"/>
+          <a:ext cx="0" cy="0"/>
+          <a:chOff x="0" y="0"/>
+          <a:chExt cx="0" cy="0"/>
+        </a:xfrm>
+      </p:grpSpPr>
       <p:sp>
         <p:nvSpPr>
-          <p:cNvPr id="180" name="Google Shape;180;p15:notes"/>
+          <p:cNvPr id="185" name="Google Shape;185;p14:notes"/>
+          <p:cNvSpPr txBox="1"/>
+          <p:nvPr>
+            <p:ph idx="1" type="body"/>
+          </p:nvPr>
+        </p:nvSpPr>
+        <p:spPr>
+          <a:xfrm>
+            <a:off x="685800" y="4343400"/>
+            <a:ext cx="5486400" cy="4114800"/>
+          </a:xfrm>
+          <a:prstGeom prst="rect">
+            <a:avLst/>
+          </a:prstGeom>
+        </p:spPr>
+        <p:txBody>
+          <a:bodyPr anchorCtr="0" anchor="t" bIns="91425" lIns="91425" spcFirstLastPara="1" rIns="91425" wrap="square" tIns="91425">
+            <a:noAutofit/>
+          </a:bodyPr>
+          <a:lstStyle/>
+          <a:p>
+            <a:pPr indent="0" lvl="0" marL="0" rtl="0" algn="l">
+              <a:spcBef>
+                <a:spcPts val="0"/>
+              </a:spcBef>
+              <a:spcAft>
+                <a:spcPts val="0"/>
+              </a:spcAft>
+              <a:buNone/>
+            </a:pPr>
+            <a:r>
+              <a:t/>
+            </a:r>
+            <a:endParaRPr/>
+          </a:p>
+        </p:txBody>
+      </p:sp>
+      <p:sp>
+        <p:nvSpPr>
+          <p:cNvPr id="186" name="Google Shape;186;p14:notes"/>
           <p:cNvSpPr/>
           <p:nvPr>
             <p:ph idx="2" type="sldImg"/>
@@ -1301,7 +1302,7 @@
   <p:cSld>
     <p:spTree>
       <p:nvGrpSpPr>
-        <p:cNvPr id="184" name="Shape 184"/>
+        <p:cNvPr id="190" name="Shape 190"/>
         <p:cNvGrpSpPr/>
         <p:nvPr/>
       </p:nvGrpSpPr>
@@ -1315,7 +1316,7 @@
       </p:grpSpPr>
       <p:sp>
         <p:nvSpPr>
-          <p:cNvPr id="185" name="Google Shape;185;p20:notes"/>
+          <p:cNvPr id="191" name="Google Shape;191;p15:notes"/>
           <p:cNvSpPr txBox="1"/>
           <p:nvPr>
             <p:ph idx="1" type="body"/>
@@ -1354,7 +1355,7 @@
       </p:sp>
       <p:sp>
         <p:nvSpPr>
-          <p:cNvPr id="186" name="Google Shape;186;p20:notes"/>
+          <p:cNvPr id="192" name="Google Shape;192;p15:notes"/>
           <p:cNvSpPr/>
           <p:nvPr>
             <p:ph idx="2" type="sldImg"/>
@@ -1400,7 +1401,7 @@
   <p:cSld>
     <p:spTree>
       <p:nvGrpSpPr>
-        <p:cNvPr id="191" name="Shape 191"/>
+        <p:cNvPr id="196" name="Shape 196"/>
         <p:cNvGrpSpPr/>
         <p:nvPr/>
       </p:nvGrpSpPr>
@@ -1414,7 +1415,7 @@
       </p:grpSpPr>
       <p:sp>
         <p:nvSpPr>
-          <p:cNvPr id="192" name="Google Shape;192;p22:notes"/>
+          <p:cNvPr id="197" name="Google Shape;197;p20:notes"/>
           <p:cNvSpPr txBox="1"/>
           <p:nvPr>
             <p:ph idx="1" type="body"/>
@@ -1453,7 +1454,7 @@
       </p:sp>
       <p:sp>
         <p:nvSpPr>
-          <p:cNvPr id="193" name="Google Shape;193;p22:notes"/>
+          <p:cNvPr id="198" name="Google Shape;198;p20:notes"/>
           <p:cNvSpPr/>
           <p:nvPr>
             <p:ph idx="2" type="sldImg"/>
@@ -1499,7 +1500,7 @@
   <p:cSld>
     <p:spTree>
       <p:nvGrpSpPr>
-        <p:cNvPr id="197" name="Shape 197"/>
+        <p:cNvPr id="203" name="Shape 203"/>
         <p:cNvGrpSpPr/>
         <p:nvPr/>
       </p:nvGrpSpPr>
@@ -1513,42 +1514,7 @@
       </p:grpSpPr>
       <p:sp>
         <p:nvSpPr>
-          <p:cNvPr id="198" name="Google Shape;198;g2c48598d1a9_3_5:notes"/>
-          <p:cNvSpPr/>
-          <p:nvPr>
-            <p:ph idx="2" type="sldImg"/>
-          </p:nvPr>
-        </p:nvSpPr>
-        <p:spPr>
-          <a:xfrm>
-            <a:off x="1143225" y="685800"/>
-            <a:ext cx="4572300" cy="3429000"/>
-          </a:xfrm>
-          <a:custGeom>
-            <a:rect b="b" l="l" r="r" t="t"/>
-            <a:pathLst>
-              <a:path extrusionOk="0" h="120000" w="120000">
-                <a:moveTo>
-                  <a:pt x="0" y="0"/>
-                </a:moveTo>
-                <a:lnTo>
-                  <a:pt x="120000" y="0"/>
-                </a:lnTo>
-                <a:lnTo>
-                  <a:pt x="120000" y="120000"/>
-                </a:lnTo>
-                <a:lnTo>
-                  <a:pt x="0" y="120000"/>
-                </a:lnTo>
-                <a:close/>
-              </a:path>
-            </a:pathLst>
-          </a:custGeom>
-        </p:spPr>
-      </p:sp>
-      <p:sp>
-        <p:nvSpPr>
-          <p:cNvPr id="199" name="Google Shape;199;g2c48598d1a9_3_5:notes"/>
+          <p:cNvPr id="204" name="Google Shape;204;p22:notes"/>
           <p:cNvSpPr txBox="1"/>
           <p:nvPr>
             <p:ph idx="1" type="body"/>
@@ -1585,73 +1551,9 @@
           </a:p>
         </p:txBody>
       </p:sp>
-    </p:spTree>
-  </p:cSld>
-  <p:clrMapOvr>
-    <a:masterClrMapping/>
-  </p:clrMapOvr>
-</p:notes>
-</file>
-
-<file path=ppt/notesSlides/notesSlide18.xml><?xml version="1.0" encoding="utf-8"?>
-<p:notes xmlns:a="http://schemas.openxmlformats.org/drawingml/2006/main" xmlns:r="http://schemas.openxmlformats.org/officeDocument/2006/relationships" xmlns:mc="http://schemas.openxmlformats.org/markup-compatibility/2006" xmlns:mv="urn:schemas-microsoft-com:mac:vml" xmlns:p="http://schemas.openxmlformats.org/presentationml/2006/main" xmlns:c="http://schemas.openxmlformats.org/drawingml/2006/chart" xmlns:dgm="http://schemas.openxmlformats.org/drawingml/2006/diagram" xmlns:o="urn:schemas-microsoft-com:office:office" xmlns:v="urn:schemas-microsoft-com:vml" xmlns:pvml="urn:schemas-microsoft-com:office:powerpoint" xmlns:com="http://schemas.openxmlformats.org/drawingml/2006/compatibility" xmlns:p14="http://schemas.microsoft.com/office/powerpoint/2010/main" xmlns:p15="http://schemas.microsoft.com/office/powerpoint/2012/main" xmlns:ahyp="http://schemas.microsoft.com/office/drawing/2018/hyperlinkcolor" showMasterPhAnim="0" showMasterSp="0">
-  <p:cSld>
-    <p:spTree>
-      <p:nvGrpSpPr>
-        <p:cNvPr id="203" name="Shape 203"/>
-        <p:cNvGrpSpPr/>
-        <p:nvPr/>
-      </p:nvGrpSpPr>
-      <p:grpSpPr>
-        <a:xfrm>
-          <a:off x="0" y="0"/>
-          <a:ext cx="0" cy="0"/>
-          <a:chOff x="0" y="0"/>
-          <a:chExt cx="0" cy="0"/>
-        </a:xfrm>
-      </p:grpSpPr>
       <p:sp>
         <p:nvSpPr>
-          <p:cNvPr id="204" name="Google Shape;204;p18:notes"/>
-          <p:cNvSpPr txBox="1"/>
-          <p:nvPr>
-            <p:ph idx="1" type="body"/>
-          </p:nvPr>
-        </p:nvSpPr>
-        <p:spPr>
-          <a:xfrm>
-            <a:off x="685800" y="4343400"/>
-            <a:ext cx="5486400" cy="4114800"/>
-          </a:xfrm>
-          <a:prstGeom prst="rect">
-            <a:avLst/>
-          </a:prstGeom>
-        </p:spPr>
-        <p:txBody>
-          <a:bodyPr anchorCtr="0" anchor="t" bIns="91425" lIns="91425" spcFirstLastPara="1" rIns="91425" wrap="square" tIns="91425">
-            <a:noAutofit/>
-          </a:bodyPr>
-          <a:lstStyle/>
-          <a:p>
-            <a:pPr indent="0" lvl="0" marL="0" rtl="0" algn="l">
-              <a:spcBef>
-                <a:spcPts val="0"/>
-              </a:spcBef>
-              <a:spcAft>
-                <a:spcPts val="0"/>
-              </a:spcAft>
-              <a:buNone/>
-            </a:pPr>
-            <a:r>
-              <a:t/>
-            </a:r>
-            <a:endParaRPr/>
-          </a:p>
-        </p:txBody>
-      </p:sp>
-      <p:sp>
-        <p:nvSpPr>
-          <p:cNvPr id="205" name="Google Shape;205;p18:notes"/>
+          <p:cNvPr id="205" name="Google Shape;205;p22:notes"/>
           <p:cNvSpPr/>
           <p:nvPr>
             <p:ph idx="2" type="sldImg"/>
@@ -1692,12 +1594,12 @@
 </p:notes>
 </file>
 
-<file path=ppt/notesSlides/notesSlide19.xml><?xml version="1.0" encoding="utf-8"?>
+<file path=ppt/notesSlides/notesSlide18.xml><?xml version="1.0" encoding="utf-8"?>
 <p:notes xmlns:a="http://schemas.openxmlformats.org/drawingml/2006/main" xmlns:r="http://schemas.openxmlformats.org/officeDocument/2006/relationships" xmlns:mc="http://schemas.openxmlformats.org/markup-compatibility/2006" xmlns:mv="urn:schemas-microsoft-com:mac:vml" xmlns:p="http://schemas.openxmlformats.org/presentationml/2006/main" xmlns:c="http://schemas.openxmlformats.org/drawingml/2006/chart" xmlns:dgm="http://schemas.openxmlformats.org/drawingml/2006/diagram" xmlns:o="urn:schemas-microsoft-com:office:office" xmlns:v="urn:schemas-microsoft-com:vml" xmlns:pvml="urn:schemas-microsoft-com:office:powerpoint" xmlns:com="http://schemas.openxmlformats.org/drawingml/2006/compatibility" xmlns:p14="http://schemas.microsoft.com/office/powerpoint/2010/main" xmlns:p15="http://schemas.microsoft.com/office/powerpoint/2012/main" xmlns:ahyp="http://schemas.microsoft.com/office/drawing/2018/hyperlinkcolor" showMasterPhAnim="0" showMasterSp="0">
   <p:cSld>
     <p:spTree>
       <p:nvGrpSpPr>
-        <p:cNvPr id="210" name="Shape 210"/>
+        <p:cNvPr id="209" name="Shape 209"/>
         <p:cNvGrpSpPr/>
         <p:nvPr/>
       </p:nvGrpSpPr>
@@ -1711,7 +1613,42 @@
       </p:grpSpPr>
       <p:sp>
         <p:nvSpPr>
-          <p:cNvPr id="211" name="Google Shape;211;p17:notes"/>
+          <p:cNvPr id="210" name="Google Shape;210;g2c48598d1a9_3_5:notes"/>
+          <p:cNvSpPr/>
+          <p:nvPr>
+            <p:ph idx="2" type="sldImg"/>
+          </p:nvPr>
+        </p:nvSpPr>
+        <p:spPr>
+          <a:xfrm>
+            <a:off x="1143225" y="685800"/>
+            <a:ext cx="4572300" cy="3429000"/>
+          </a:xfrm>
+          <a:custGeom>
+            <a:rect b="b" l="l" r="r" t="t"/>
+            <a:pathLst>
+              <a:path extrusionOk="0" h="120000" w="120000">
+                <a:moveTo>
+                  <a:pt x="0" y="0"/>
+                </a:moveTo>
+                <a:lnTo>
+                  <a:pt x="120000" y="0"/>
+                </a:lnTo>
+                <a:lnTo>
+                  <a:pt x="120000" y="120000"/>
+                </a:lnTo>
+                <a:lnTo>
+                  <a:pt x="0" y="120000"/>
+                </a:lnTo>
+                <a:close/>
+              </a:path>
+            </a:pathLst>
+          </a:custGeom>
+        </p:spPr>
+      </p:sp>
+      <p:sp>
+        <p:nvSpPr>
+          <p:cNvPr id="211" name="Google Shape;211;g2c48598d1a9_3_5:notes"/>
           <p:cNvSpPr txBox="1"/>
           <p:nvPr>
             <p:ph idx="1" type="body"/>
@@ -1748,9 +1685,73 @@
           </a:p>
         </p:txBody>
       </p:sp>
+    </p:spTree>
+  </p:cSld>
+  <p:clrMapOvr>
+    <a:masterClrMapping/>
+  </p:clrMapOvr>
+</p:notes>
+</file>
+
+<file path=ppt/notesSlides/notesSlide19.xml><?xml version="1.0" encoding="utf-8"?>
+<p:notes xmlns:a="http://schemas.openxmlformats.org/drawingml/2006/main" xmlns:r="http://schemas.openxmlformats.org/officeDocument/2006/relationships" xmlns:mc="http://schemas.openxmlformats.org/markup-compatibility/2006" xmlns:mv="urn:schemas-microsoft-com:mac:vml" xmlns:p="http://schemas.openxmlformats.org/presentationml/2006/main" xmlns:c="http://schemas.openxmlformats.org/drawingml/2006/chart" xmlns:dgm="http://schemas.openxmlformats.org/drawingml/2006/diagram" xmlns:o="urn:schemas-microsoft-com:office:office" xmlns:v="urn:schemas-microsoft-com:vml" xmlns:pvml="urn:schemas-microsoft-com:office:powerpoint" xmlns:com="http://schemas.openxmlformats.org/drawingml/2006/compatibility" xmlns:p14="http://schemas.microsoft.com/office/powerpoint/2010/main" xmlns:p15="http://schemas.microsoft.com/office/powerpoint/2012/main" xmlns:ahyp="http://schemas.microsoft.com/office/drawing/2018/hyperlinkcolor" showMasterPhAnim="0" showMasterSp="0">
+  <p:cSld>
+    <p:spTree>
+      <p:nvGrpSpPr>
+        <p:cNvPr id="215" name="Shape 215"/>
+        <p:cNvGrpSpPr/>
+        <p:nvPr/>
+      </p:nvGrpSpPr>
+      <p:grpSpPr>
+        <a:xfrm>
+          <a:off x="0" y="0"/>
+          <a:ext cx="0" cy="0"/>
+          <a:chOff x="0" y="0"/>
+          <a:chExt cx="0" cy="0"/>
+        </a:xfrm>
+      </p:grpSpPr>
       <p:sp>
         <p:nvSpPr>
-          <p:cNvPr id="212" name="Google Shape;212;p17:notes"/>
+          <p:cNvPr id="216" name="Google Shape;216;p18:notes"/>
+          <p:cNvSpPr txBox="1"/>
+          <p:nvPr>
+            <p:ph idx="1" type="body"/>
+          </p:nvPr>
+        </p:nvSpPr>
+        <p:spPr>
+          <a:xfrm>
+            <a:off x="685800" y="4343400"/>
+            <a:ext cx="5486400" cy="4114800"/>
+          </a:xfrm>
+          <a:prstGeom prst="rect">
+            <a:avLst/>
+          </a:prstGeom>
+        </p:spPr>
+        <p:txBody>
+          <a:bodyPr anchorCtr="0" anchor="t" bIns="91425" lIns="91425" spcFirstLastPara="1" rIns="91425" wrap="square" tIns="91425">
+            <a:noAutofit/>
+          </a:bodyPr>
+          <a:lstStyle/>
+          <a:p>
+            <a:pPr indent="0" lvl="0" marL="0" rtl="0" algn="l">
+              <a:spcBef>
+                <a:spcPts val="0"/>
+              </a:spcBef>
+              <a:spcAft>
+                <a:spcPts val="0"/>
+              </a:spcAft>
+              <a:buNone/>
+            </a:pPr>
+            <a:r>
+              <a:t/>
+            </a:r>
+            <a:endParaRPr/>
+          </a:p>
+        </p:txBody>
+      </p:sp>
+      <p:sp>
+        <p:nvSpPr>
+          <p:cNvPr id="217" name="Google Shape;217;p18:notes"/>
           <p:cNvSpPr/>
           <p:nvPr>
             <p:ph idx="2" type="sldImg"/>
@@ -1796,7 +1797,7 @@
   <p:cSld>
     <p:spTree>
       <p:nvGrpSpPr>
-        <p:cNvPr id="99" name="Shape 99"/>
+        <p:cNvPr id="100" name="Shape 100"/>
         <p:cNvGrpSpPr/>
         <p:nvPr/>
       </p:nvGrpSpPr>
@@ -1810,7 +1811,7 @@
       </p:grpSpPr>
       <p:sp>
         <p:nvSpPr>
-          <p:cNvPr id="100" name="Google Shape;100;p2:notes"/>
+          <p:cNvPr id="101" name="Google Shape;101;p2:notes"/>
           <p:cNvSpPr txBox="1"/>
           <p:nvPr>
             <p:ph idx="1" type="body"/>
@@ -1849,7 +1850,7 @@
       </p:sp>
       <p:sp>
         <p:nvSpPr>
-          <p:cNvPr id="101" name="Google Shape;101;p2:notes"/>
+          <p:cNvPr id="102" name="Google Shape;102;p2:notes"/>
           <p:cNvSpPr/>
           <p:nvPr>
             <p:ph idx="2" type="sldImg"/>
@@ -1895,7 +1896,7 @@
   <p:cSld>
     <p:spTree>
       <p:nvGrpSpPr>
-        <p:cNvPr id="217" name="Shape 217"/>
+        <p:cNvPr id="222" name="Shape 222"/>
         <p:cNvGrpSpPr/>
         <p:nvPr/>
       </p:nvGrpSpPr>
@@ -1909,7 +1910,7 @@
       </p:grpSpPr>
       <p:sp>
         <p:nvSpPr>
-          <p:cNvPr id="218" name="Google Shape;218;p24:notes"/>
+          <p:cNvPr id="223" name="Google Shape;223;p17:notes"/>
           <p:cNvSpPr txBox="1"/>
           <p:nvPr>
             <p:ph idx="1" type="body"/>
@@ -1948,7 +1949,7 @@
       </p:sp>
       <p:sp>
         <p:nvSpPr>
-          <p:cNvPr id="219" name="Google Shape;219;p24:notes"/>
+          <p:cNvPr id="224" name="Google Shape;224;p17:notes"/>
           <p:cNvSpPr/>
           <p:nvPr>
             <p:ph idx="2" type="sldImg"/>
@@ -1994,7 +1995,7 @@
   <p:cSld>
     <p:spTree>
       <p:nvGrpSpPr>
-        <p:cNvPr id="223" name="Shape 223"/>
+        <p:cNvPr id="229" name="Shape 229"/>
         <p:cNvGrpSpPr/>
         <p:nvPr/>
       </p:nvGrpSpPr>
@@ -2008,7 +2009,7 @@
       </p:grpSpPr>
       <p:sp>
         <p:nvSpPr>
-          <p:cNvPr id="224" name="Google Shape;224;p25:notes"/>
+          <p:cNvPr id="230" name="Google Shape;230;p24:notes"/>
           <p:cNvSpPr txBox="1"/>
           <p:nvPr>
             <p:ph idx="1" type="body"/>
@@ -2047,7 +2048,106 @@
       </p:sp>
       <p:sp>
         <p:nvSpPr>
-          <p:cNvPr id="225" name="Google Shape;225;p25:notes"/>
+          <p:cNvPr id="231" name="Google Shape;231;p24:notes"/>
+          <p:cNvSpPr/>
+          <p:nvPr>
+            <p:ph idx="2" type="sldImg"/>
+          </p:nvPr>
+        </p:nvSpPr>
+        <p:spPr>
+          <a:xfrm>
+            <a:off x="1143225" y="685800"/>
+            <a:ext cx="4572225" cy="3429000"/>
+          </a:xfrm>
+          <a:custGeom>
+            <a:rect b="b" l="l" r="r" t="t"/>
+            <a:pathLst>
+              <a:path extrusionOk="0" h="120000" w="120000">
+                <a:moveTo>
+                  <a:pt x="0" y="0"/>
+                </a:moveTo>
+                <a:lnTo>
+                  <a:pt x="120000" y="0"/>
+                </a:lnTo>
+                <a:lnTo>
+                  <a:pt x="120000" y="120000"/>
+                </a:lnTo>
+                <a:lnTo>
+                  <a:pt x="0" y="120000"/>
+                </a:lnTo>
+                <a:close/>
+              </a:path>
+            </a:pathLst>
+          </a:custGeom>
+        </p:spPr>
+      </p:sp>
+    </p:spTree>
+  </p:cSld>
+  <p:clrMapOvr>
+    <a:masterClrMapping/>
+  </p:clrMapOvr>
+</p:notes>
+</file>
+
+<file path=ppt/notesSlides/notesSlide22.xml><?xml version="1.0" encoding="utf-8"?>
+<p:notes xmlns:a="http://schemas.openxmlformats.org/drawingml/2006/main" xmlns:r="http://schemas.openxmlformats.org/officeDocument/2006/relationships" xmlns:mc="http://schemas.openxmlformats.org/markup-compatibility/2006" xmlns:mv="urn:schemas-microsoft-com:mac:vml" xmlns:p="http://schemas.openxmlformats.org/presentationml/2006/main" xmlns:c="http://schemas.openxmlformats.org/drawingml/2006/chart" xmlns:dgm="http://schemas.openxmlformats.org/drawingml/2006/diagram" xmlns:o="urn:schemas-microsoft-com:office:office" xmlns:v="urn:schemas-microsoft-com:vml" xmlns:pvml="urn:schemas-microsoft-com:office:powerpoint" xmlns:com="http://schemas.openxmlformats.org/drawingml/2006/compatibility" xmlns:p14="http://schemas.microsoft.com/office/powerpoint/2010/main" xmlns:p15="http://schemas.microsoft.com/office/powerpoint/2012/main" xmlns:ahyp="http://schemas.microsoft.com/office/drawing/2018/hyperlinkcolor" showMasterPhAnim="0" showMasterSp="0">
+  <p:cSld>
+    <p:spTree>
+      <p:nvGrpSpPr>
+        <p:cNvPr id="235" name="Shape 235"/>
+        <p:cNvGrpSpPr/>
+        <p:nvPr/>
+      </p:nvGrpSpPr>
+      <p:grpSpPr>
+        <a:xfrm>
+          <a:off x="0" y="0"/>
+          <a:ext cx="0" cy="0"/>
+          <a:chOff x="0" y="0"/>
+          <a:chExt cx="0" cy="0"/>
+        </a:xfrm>
+      </p:grpSpPr>
+      <p:sp>
+        <p:nvSpPr>
+          <p:cNvPr id="236" name="Google Shape;236;p25:notes"/>
+          <p:cNvSpPr txBox="1"/>
+          <p:nvPr>
+            <p:ph idx="1" type="body"/>
+          </p:nvPr>
+        </p:nvSpPr>
+        <p:spPr>
+          <a:xfrm>
+            <a:off x="685800" y="4343400"/>
+            <a:ext cx="5486400" cy="4114800"/>
+          </a:xfrm>
+          <a:prstGeom prst="rect">
+            <a:avLst/>
+          </a:prstGeom>
+        </p:spPr>
+        <p:txBody>
+          <a:bodyPr anchorCtr="0" anchor="t" bIns="91425" lIns="91425" spcFirstLastPara="1" rIns="91425" wrap="square" tIns="91425">
+            <a:noAutofit/>
+          </a:bodyPr>
+          <a:lstStyle/>
+          <a:p>
+            <a:pPr indent="0" lvl="0" marL="0" rtl="0" algn="l">
+              <a:spcBef>
+                <a:spcPts val="0"/>
+              </a:spcBef>
+              <a:spcAft>
+                <a:spcPts val="0"/>
+              </a:spcAft>
+              <a:buNone/>
+            </a:pPr>
+            <a:r>
+              <a:t/>
+            </a:r>
+            <a:endParaRPr/>
+          </a:p>
+        </p:txBody>
+      </p:sp>
+      <p:sp>
+        <p:nvSpPr>
+          <p:cNvPr id="237" name="Google Shape;237;p25:notes"/>
           <p:cNvSpPr/>
           <p:nvPr>
             <p:ph idx="2" type="sldImg"/>
@@ -2093,7 +2193,7 @@
   <p:cSld>
     <p:spTree>
       <p:nvGrpSpPr>
-        <p:cNvPr id="105" name="Shape 105"/>
+        <p:cNvPr id="106" name="Shape 106"/>
         <p:cNvGrpSpPr/>
         <p:nvPr/>
       </p:nvGrpSpPr>
@@ -2107,46 +2207,7 @@
       </p:grpSpPr>
       <p:sp>
         <p:nvSpPr>
-          <p:cNvPr id="106" name="Google Shape;106;p3:notes"/>
-          <p:cNvSpPr txBox="1"/>
-          <p:nvPr>
-            <p:ph idx="1" type="body"/>
-          </p:nvPr>
-        </p:nvSpPr>
-        <p:spPr>
-          <a:xfrm>
-            <a:off x="685800" y="4343400"/>
-            <a:ext cx="5486400" cy="4114800"/>
-          </a:xfrm>
-          <a:prstGeom prst="rect">
-            <a:avLst/>
-          </a:prstGeom>
-        </p:spPr>
-        <p:txBody>
-          <a:bodyPr anchorCtr="0" anchor="t" bIns="91425" lIns="91425" spcFirstLastPara="1" rIns="91425" wrap="square" tIns="91425">
-            <a:noAutofit/>
-          </a:bodyPr>
-          <a:lstStyle/>
-          <a:p>
-            <a:pPr indent="0" lvl="0" marL="0" rtl="0" algn="l">
-              <a:spcBef>
-                <a:spcPts val="0"/>
-              </a:spcBef>
-              <a:spcAft>
-                <a:spcPts val="0"/>
-              </a:spcAft>
-              <a:buNone/>
-            </a:pPr>
-            <a:r>
-              <a:t/>
-            </a:r>
-            <a:endParaRPr/>
-          </a:p>
-        </p:txBody>
-      </p:sp>
-      <p:sp>
-        <p:nvSpPr>
-          <p:cNvPr id="107" name="Google Shape;107;p3:notes"/>
+          <p:cNvPr id="107" name="Google Shape;107;g2c48598d1a9_1_1:notes"/>
           <p:cNvSpPr/>
           <p:nvPr>
             <p:ph idx="2" type="sldImg"/>
@@ -2155,7 +2216,7 @@
         <p:spPr>
           <a:xfrm>
             <a:off x="1143225" y="685800"/>
-            <a:ext cx="4572225" cy="3429000"/>
+            <a:ext cx="4572300" cy="3429000"/>
           </a:xfrm>
           <a:custGeom>
             <a:rect b="b" l="l" r="r" t="t"/>
@@ -2179,34 +2240,9 @@
           </a:custGeom>
         </p:spPr>
       </p:sp>
-    </p:spTree>
-  </p:cSld>
-  <p:clrMapOvr>
-    <a:masterClrMapping/>
-  </p:clrMapOvr>
-</p:notes>
-</file>
-
-<file path=ppt/notesSlides/notesSlide4.xml><?xml version="1.0" encoding="utf-8"?>
-<p:notes xmlns:a="http://schemas.openxmlformats.org/drawingml/2006/main" xmlns:r="http://schemas.openxmlformats.org/officeDocument/2006/relationships" xmlns:mc="http://schemas.openxmlformats.org/markup-compatibility/2006" xmlns:mv="urn:schemas-microsoft-com:mac:vml" xmlns:p="http://schemas.openxmlformats.org/presentationml/2006/main" xmlns:c="http://schemas.openxmlformats.org/drawingml/2006/chart" xmlns:dgm="http://schemas.openxmlformats.org/drawingml/2006/diagram" xmlns:o="urn:schemas-microsoft-com:office:office" xmlns:v="urn:schemas-microsoft-com:vml" xmlns:pvml="urn:schemas-microsoft-com:office:powerpoint" xmlns:com="http://schemas.openxmlformats.org/drawingml/2006/compatibility" xmlns:p14="http://schemas.microsoft.com/office/powerpoint/2010/main" xmlns:p15="http://schemas.microsoft.com/office/powerpoint/2012/main" xmlns:ahyp="http://schemas.microsoft.com/office/drawing/2018/hyperlinkcolor" showMasterPhAnim="0" showMasterSp="0">
-  <p:cSld>
-    <p:spTree>
-      <p:nvGrpSpPr>
-        <p:cNvPr id="111" name="Shape 111"/>
-        <p:cNvGrpSpPr/>
-        <p:nvPr/>
-      </p:nvGrpSpPr>
-      <p:grpSpPr>
-        <a:xfrm>
-          <a:off x="0" y="0"/>
-          <a:ext cx="0" cy="0"/>
-          <a:chOff x="0" y="0"/>
-          <a:chExt cx="0" cy="0"/>
-        </a:xfrm>
-      </p:grpSpPr>
       <p:sp>
         <p:nvSpPr>
-          <p:cNvPr id="112" name="Google Shape;112;p4:notes"/>
+          <p:cNvPr id="108" name="Google Shape;108;g2c48598d1a9_1_1:notes"/>
           <p:cNvSpPr txBox="1"/>
           <p:nvPr>
             <p:ph idx="1" type="body"/>
@@ -2243,9 +2279,73 @@
           </a:p>
         </p:txBody>
       </p:sp>
+    </p:spTree>
+  </p:cSld>
+  <p:clrMapOvr>
+    <a:masterClrMapping/>
+  </p:clrMapOvr>
+</p:notes>
+</file>
+
+<file path=ppt/notesSlides/notesSlide4.xml><?xml version="1.0" encoding="utf-8"?>
+<p:notes xmlns:a="http://schemas.openxmlformats.org/drawingml/2006/main" xmlns:r="http://schemas.openxmlformats.org/officeDocument/2006/relationships" xmlns:mc="http://schemas.openxmlformats.org/markup-compatibility/2006" xmlns:mv="urn:schemas-microsoft-com:mac:vml" xmlns:p="http://schemas.openxmlformats.org/presentationml/2006/main" xmlns:c="http://schemas.openxmlformats.org/drawingml/2006/chart" xmlns:dgm="http://schemas.openxmlformats.org/drawingml/2006/diagram" xmlns:o="urn:schemas-microsoft-com:office:office" xmlns:v="urn:schemas-microsoft-com:vml" xmlns:pvml="urn:schemas-microsoft-com:office:powerpoint" xmlns:com="http://schemas.openxmlformats.org/drawingml/2006/compatibility" xmlns:p14="http://schemas.microsoft.com/office/powerpoint/2010/main" xmlns:p15="http://schemas.microsoft.com/office/powerpoint/2012/main" xmlns:ahyp="http://schemas.microsoft.com/office/drawing/2018/hyperlinkcolor" showMasterPhAnim="0" showMasterSp="0">
+  <p:cSld>
+    <p:spTree>
+      <p:nvGrpSpPr>
+        <p:cNvPr id="117" name="Shape 117"/>
+        <p:cNvGrpSpPr/>
+        <p:nvPr/>
+      </p:nvGrpSpPr>
+      <p:grpSpPr>
+        <a:xfrm>
+          <a:off x="0" y="0"/>
+          <a:ext cx="0" cy="0"/>
+          <a:chOff x="0" y="0"/>
+          <a:chExt cx="0" cy="0"/>
+        </a:xfrm>
+      </p:grpSpPr>
       <p:sp>
         <p:nvSpPr>
-          <p:cNvPr id="113" name="Google Shape;113;p4:notes"/>
+          <p:cNvPr id="118" name="Google Shape;118;p3:notes"/>
+          <p:cNvSpPr txBox="1"/>
+          <p:nvPr>
+            <p:ph idx="1" type="body"/>
+          </p:nvPr>
+        </p:nvSpPr>
+        <p:spPr>
+          <a:xfrm>
+            <a:off x="685800" y="4343400"/>
+            <a:ext cx="5486400" cy="4114800"/>
+          </a:xfrm>
+          <a:prstGeom prst="rect">
+            <a:avLst/>
+          </a:prstGeom>
+        </p:spPr>
+        <p:txBody>
+          <a:bodyPr anchorCtr="0" anchor="t" bIns="91425" lIns="91425" spcFirstLastPara="1" rIns="91425" wrap="square" tIns="91425">
+            <a:noAutofit/>
+          </a:bodyPr>
+          <a:lstStyle/>
+          <a:p>
+            <a:pPr indent="0" lvl="0" marL="0" rtl="0" algn="l">
+              <a:spcBef>
+                <a:spcPts val="0"/>
+              </a:spcBef>
+              <a:spcAft>
+                <a:spcPts val="0"/>
+              </a:spcAft>
+              <a:buNone/>
+            </a:pPr>
+            <a:r>
+              <a:t/>
+            </a:r>
+            <a:endParaRPr/>
+          </a:p>
+        </p:txBody>
+      </p:sp>
+      <p:sp>
+        <p:nvSpPr>
+          <p:cNvPr id="119" name="Google Shape;119;p3:notes"/>
           <p:cNvSpPr/>
           <p:nvPr>
             <p:ph idx="2" type="sldImg"/>
@@ -2291,7 +2391,7 @@
   <p:cSld>
     <p:spTree>
       <p:nvGrpSpPr>
-        <p:cNvPr id="117" name="Shape 117"/>
+        <p:cNvPr id="123" name="Shape 123"/>
         <p:cNvGrpSpPr/>
         <p:nvPr/>
       </p:nvGrpSpPr>
@@ -2305,7 +2405,7 @@
       </p:grpSpPr>
       <p:sp>
         <p:nvSpPr>
-          <p:cNvPr id="118" name="Google Shape;118;p5:notes"/>
+          <p:cNvPr id="124" name="Google Shape;124;p4:notes"/>
           <p:cNvSpPr txBox="1"/>
           <p:nvPr>
             <p:ph idx="1" type="body"/>
@@ -2344,7 +2444,7 @@
       </p:sp>
       <p:sp>
         <p:nvSpPr>
-          <p:cNvPr id="119" name="Google Shape;119;p5:notes"/>
+          <p:cNvPr id="125" name="Google Shape;125;p4:notes"/>
           <p:cNvSpPr/>
           <p:nvPr>
             <p:ph idx="2" type="sldImg"/>
@@ -2390,7 +2490,7 @@
   <p:cSld>
     <p:spTree>
       <p:nvGrpSpPr>
-        <p:cNvPr id="123" name="Shape 123"/>
+        <p:cNvPr id="129" name="Shape 129"/>
         <p:cNvGrpSpPr/>
         <p:nvPr/>
       </p:nvGrpSpPr>
@@ -2404,7 +2504,7 @@
       </p:grpSpPr>
       <p:sp>
         <p:nvSpPr>
-          <p:cNvPr id="124" name="Google Shape;124;p6:notes"/>
+          <p:cNvPr id="130" name="Google Shape;130;p5:notes"/>
           <p:cNvSpPr txBox="1"/>
           <p:nvPr>
             <p:ph idx="1" type="body"/>
@@ -2443,7 +2543,7 @@
       </p:sp>
       <p:sp>
         <p:nvSpPr>
-          <p:cNvPr id="125" name="Google Shape;125;p6:notes"/>
+          <p:cNvPr id="131" name="Google Shape;131;p5:notes"/>
           <p:cNvSpPr/>
           <p:nvPr>
             <p:ph idx="2" type="sldImg"/>
@@ -2489,7 +2589,7 @@
   <p:cSld>
     <p:spTree>
       <p:nvGrpSpPr>
-        <p:cNvPr id="129" name="Shape 129"/>
+        <p:cNvPr id="135" name="Shape 135"/>
         <p:cNvGrpSpPr/>
         <p:nvPr/>
       </p:nvGrpSpPr>
@@ -2503,7 +2603,7 @@
       </p:grpSpPr>
       <p:sp>
         <p:nvSpPr>
-          <p:cNvPr id="130" name="Google Shape;130;p7:notes"/>
+          <p:cNvPr id="136" name="Google Shape;136;p6:notes"/>
           <p:cNvSpPr txBox="1"/>
           <p:nvPr>
             <p:ph idx="1" type="body"/>
@@ -2542,7 +2642,7 @@
       </p:sp>
       <p:sp>
         <p:nvSpPr>
-          <p:cNvPr id="131" name="Google Shape;131;p7:notes"/>
+          <p:cNvPr id="137" name="Google Shape;137;p6:notes"/>
           <p:cNvSpPr/>
           <p:nvPr>
             <p:ph idx="2" type="sldImg"/>
@@ -2588,7 +2688,7 @@
   <p:cSld>
     <p:spTree>
       <p:nvGrpSpPr>
-        <p:cNvPr id="136" name="Shape 136"/>
+        <p:cNvPr id="141" name="Shape 141"/>
         <p:cNvGrpSpPr/>
         <p:nvPr/>
       </p:nvGrpSpPr>
@@ -2602,7 +2702,7 @@
       </p:grpSpPr>
       <p:sp>
         <p:nvSpPr>
-          <p:cNvPr id="137" name="Google Shape;137;p8:notes"/>
+          <p:cNvPr id="142" name="Google Shape;142;p7:notes"/>
           <p:cNvSpPr txBox="1"/>
           <p:nvPr>
             <p:ph idx="1" type="body"/>
@@ -2641,7 +2741,7 @@
       </p:sp>
       <p:sp>
         <p:nvSpPr>
-          <p:cNvPr id="138" name="Google Shape;138;p8:notes"/>
+          <p:cNvPr id="143" name="Google Shape;143;p7:notes"/>
           <p:cNvSpPr/>
           <p:nvPr>
             <p:ph idx="2" type="sldImg"/>
@@ -2687,7 +2787,7 @@
   <p:cSld>
     <p:spTree>
       <p:nvGrpSpPr>
-        <p:cNvPr id="143" name="Shape 143"/>
+        <p:cNvPr id="148" name="Shape 148"/>
         <p:cNvGrpSpPr/>
         <p:nvPr/>
       </p:nvGrpSpPr>
@@ -2701,7 +2801,7 @@
       </p:grpSpPr>
       <p:sp>
         <p:nvSpPr>
-          <p:cNvPr id="144" name="Google Shape;144;p9:notes"/>
+          <p:cNvPr id="149" name="Google Shape;149;p8:notes"/>
           <p:cNvSpPr txBox="1"/>
           <p:nvPr>
             <p:ph idx="1" type="body"/>
@@ -2740,7 +2840,7 @@
       </p:sp>
       <p:sp>
         <p:nvSpPr>
-          <p:cNvPr id="145" name="Google Shape;145;p9:notes"/>
+          <p:cNvPr id="150" name="Google Shape;150;p8:notes"/>
           <p:cNvSpPr/>
           <p:nvPr>
             <p:ph idx="2" type="sldImg"/>
@@ -13043,14 +13143,14 @@
               <a:spcAft>
                 <a:spcPts val="0"/>
               </a:spcAft>
-              <a:buSzPct val="92000"/>
+              <a:buSzPct val="74077"/>
               <a:buNone/>
             </a:pPr>
             <a:r>
-              <a:rPr lang="en-US"/>
+              <a:rPr lang="en-US" sz="1987"/>
               <a:t>WHICH IS THE BEST SUPERMARKET FOR US TO INVEST IN?</a:t>
             </a:r>
-            <a:endParaRPr/>
+            <a:endParaRPr sz="1987"/>
           </a:p>
         </p:txBody>
       </p:sp>
@@ -13062,8 +13162,8 @@
         </p:nvSpPr>
         <p:spPr>
           <a:xfrm>
-            <a:off x="1219200" y="3683000"/>
-            <a:ext cx="7022628" cy="369332"/>
+            <a:off x="1581950" y="3308925"/>
+            <a:ext cx="1875300" cy="2862900"/>
           </a:xfrm>
           <a:prstGeom prst="rect">
             <a:avLst/>
@@ -13098,7 +13198,519 @@
                 <a:cs typeface="Gill Sans"/>
                 <a:sym typeface="Gill Sans"/>
               </a:rPr>
-              <a:t>Group Members – Alex, Murali, Eleanor, Devon, Archie, Vavara and Zainab</a:t>
+              <a:t>Group Members</a:t>
+            </a:r>
+            <a:r>
+              <a:rPr lang="en-US" sz="1800">
+                <a:solidFill>
+                  <a:schemeClr val="lt1"/>
+                </a:solidFill>
+                <a:latin typeface="Gill Sans"/>
+                <a:ea typeface="Gill Sans"/>
+                <a:cs typeface="Gill Sans"/>
+                <a:sym typeface="Gill Sans"/>
+              </a:rPr>
+              <a:t>:</a:t>
+            </a:r>
+            <a:endParaRPr sz="1800">
+              <a:solidFill>
+                <a:schemeClr val="lt1"/>
+              </a:solidFill>
+              <a:latin typeface="Gill Sans"/>
+              <a:ea typeface="Gill Sans"/>
+              <a:cs typeface="Gill Sans"/>
+              <a:sym typeface="Gill Sans"/>
+            </a:endParaRPr>
+          </a:p>
+          <a:p>
+            <a:pPr indent="0" lvl="0" marL="0" marR="0" rtl="0" algn="l">
+              <a:spcBef>
+                <a:spcPts val="0"/>
+              </a:spcBef>
+              <a:spcAft>
+                <a:spcPts val="0"/>
+              </a:spcAft>
+              <a:buNone/>
+            </a:pPr>
+            <a:r>
+              <a:t/>
+            </a:r>
+            <a:endParaRPr sz="1800">
+              <a:solidFill>
+                <a:schemeClr val="lt1"/>
+              </a:solidFill>
+              <a:latin typeface="Gill Sans"/>
+              <a:ea typeface="Gill Sans"/>
+              <a:cs typeface="Gill Sans"/>
+              <a:sym typeface="Gill Sans"/>
+            </a:endParaRPr>
+          </a:p>
+          <a:p>
+            <a:pPr indent="0" lvl="0" marL="0" marR="0" rtl="0" algn="l">
+              <a:spcBef>
+                <a:spcPts val="0"/>
+              </a:spcBef>
+              <a:spcAft>
+                <a:spcPts val="0"/>
+              </a:spcAft>
+              <a:buNone/>
+            </a:pPr>
+            <a:r>
+              <a:rPr b="1" i="0" lang="en-US" sz="1800" u="none" cap="none" strike="noStrike">
+                <a:solidFill>
+                  <a:schemeClr val="lt1"/>
+                </a:solidFill>
+                <a:latin typeface="Gill Sans"/>
+                <a:ea typeface="Gill Sans"/>
+                <a:cs typeface="Gill Sans"/>
+                <a:sym typeface="Gill Sans"/>
+              </a:rPr>
+              <a:t>Alex</a:t>
+            </a:r>
+            <a:endParaRPr b="1" sz="1800">
+              <a:solidFill>
+                <a:schemeClr val="lt1"/>
+              </a:solidFill>
+              <a:latin typeface="Gill Sans"/>
+              <a:ea typeface="Gill Sans"/>
+              <a:cs typeface="Gill Sans"/>
+              <a:sym typeface="Gill Sans"/>
+            </a:endParaRPr>
+          </a:p>
+          <a:p>
+            <a:pPr indent="0" lvl="0" marL="0" marR="0" rtl="0" algn="l">
+              <a:spcBef>
+                <a:spcPts val="0"/>
+              </a:spcBef>
+              <a:spcAft>
+                <a:spcPts val="0"/>
+              </a:spcAft>
+              <a:buNone/>
+            </a:pPr>
+            <a:r>
+              <a:rPr b="1" i="0" lang="en-US" sz="1800" u="none" cap="none" strike="noStrike">
+                <a:solidFill>
+                  <a:schemeClr val="lt1"/>
+                </a:solidFill>
+                <a:latin typeface="Gill Sans"/>
+                <a:ea typeface="Gill Sans"/>
+                <a:cs typeface="Gill Sans"/>
+                <a:sym typeface="Gill Sans"/>
+              </a:rPr>
+              <a:t>Murali</a:t>
+            </a:r>
+            <a:endParaRPr b="1" sz="1800">
+              <a:solidFill>
+                <a:schemeClr val="lt1"/>
+              </a:solidFill>
+              <a:latin typeface="Gill Sans"/>
+              <a:ea typeface="Gill Sans"/>
+              <a:cs typeface="Gill Sans"/>
+              <a:sym typeface="Gill Sans"/>
+            </a:endParaRPr>
+          </a:p>
+          <a:p>
+            <a:pPr indent="0" lvl="0" marL="0" marR="0" rtl="0" algn="l">
+              <a:spcBef>
+                <a:spcPts val="0"/>
+              </a:spcBef>
+              <a:spcAft>
+                <a:spcPts val="0"/>
+              </a:spcAft>
+              <a:buNone/>
+            </a:pPr>
+            <a:r>
+              <a:rPr b="1" i="0" lang="en-US" sz="1800" u="none" cap="none" strike="noStrike">
+                <a:solidFill>
+                  <a:schemeClr val="lt1"/>
+                </a:solidFill>
+                <a:latin typeface="Gill Sans"/>
+                <a:ea typeface="Gill Sans"/>
+                <a:cs typeface="Gill Sans"/>
+                <a:sym typeface="Gill Sans"/>
+              </a:rPr>
+              <a:t>Eleanor</a:t>
+            </a:r>
+            <a:endParaRPr b="1" sz="1800">
+              <a:solidFill>
+                <a:schemeClr val="lt1"/>
+              </a:solidFill>
+              <a:latin typeface="Gill Sans"/>
+              <a:ea typeface="Gill Sans"/>
+              <a:cs typeface="Gill Sans"/>
+              <a:sym typeface="Gill Sans"/>
+            </a:endParaRPr>
+          </a:p>
+          <a:p>
+            <a:pPr indent="0" lvl="0" marL="0" marR="0" rtl="0" algn="l">
+              <a:spcBef>
+                <a:spcPts val="0"/>
+              </a:spcBef>
+              <a:spcAft>
+                <a:spcPts val="0"/>
+              </a:spcAft>
+              <a:buNone/>
+            </a:pPr>
+            <a:r>
+              <a:rPr b="1" i="0" lang="en-US" sz="1800" u="none" cap="none" strike="noStrike">
+                <a:solidFill>
+                  <a:schemeClr val="lt1"/>
+                </a:solidFill>
+                <a:latin typeface="Gill Sans"/>
+                <a:ea typeface="Gill Sans"/>
+                <a:cs typeface="Gill Sans"/>
+                <a:sym typeface="Gill Sans"/>
+              </a:rPr>
+              <a:t>Devon</a:t>
+            </a:r>
+            <a:endParaRPr b="1" sz="1800">
+              <a:solidFill>
+                <a:schemeClr val="lt1"/>
+              </a:solidFill>
+              <a:latin typeface="Gill Sans"/>
+              <a:ea typeface="Gill Sans"/>
+              <a:cs typeface="Gill Sans"/>
+              <a:sym typeface="Gill Sans"/>
+            </a:endParaRPr>
+          </a:p>
+          <a:p>
+            <a:pPr indent="0" lvl="0" marL="0" marR="0" rtl="0" algn="l">
+              <a:spcBef>
+                <a:spcPts val="0"/>
+              </a:spcBef>
+              <a:spcAft>
+                <a:spcPts val="0"/>
+              </a:spcAft>
+              <a:buNone/>
+            </a:pPr>
+            <a:r>
+              <a:rPr b="1" i="0" lang="en-US" sz="1800" u="none" cap="none" strike="noStrike">
+                <a:solidFill>
+                  <a:schemeClr val="lt1"/>
+                </a:solidFill>
+                <a:latin typeface="Gill Sans"/>
+                <a:ea typeface="Gill Sans"/>
+                <a:cs typeface="Gill Sans"/>
+                <a:sym typeface="Gill Sans"/>
+              </a:rPr>
+              <a:t>Archie</a:t>
+            </a:r>
+            <a:endParaRPr b="1" sz="1800">
+              <a:solidFill>
+                <a:schemeClr val="lt1"/>
+              </a:solidFill>
+              <a:latin typeface="Gill Sans"/>
+              <a:ea typeface="Gill Sans"/>
+              <a:cs typeface="Gill Sans"/>
+              <a:sym typeface="Gill Sans"/>
+            </a:endParaRPr>
+          </a:p>
+          <a:p>
+            <a:pPr indent="0" lvl="0" marL="0" marR="0" rtl="0" algn="l">
+              <a:spcBef>
+                <a:spcPts val="0"/>
+              </a:spcBef>
+              <a:spcAft>
+                <a:spcPts val="0"/>
+              </a:spcAft>
+              <a:buNone/>
+            </a:pPr>
+            <a:r>
+              <a:rPr b="1" i="0" lang="en-US" sz="1800" u="none" cap="none" strike="noStrike">
+                <a:solidFill>
+                  <a:schemeClr val="lt1"/>
+                </a:solidFill>
+                <a:latin typeface="Gill Sans"/>
+                <a:ea typeface="Gill Sans"/>
+                <a:cs typeface="Gill Sans"/>
+                <a:sym typeface="Gill Sans"/>
+              </a:rPr>
+              <a:t>Vavara</a:t>
+            </a:r>
+            <a:endParaRPr b="1" sz="1800">
+              <a:solidFill>
+                <a:schemeClr val="lt1"/>
+              </a:solidFill>
+              <a:latin typeface="Gill Sans"/>
+              <a:ea typeface="Gill Sans"/>
+              <a:cs typeface="Gill Sans"/>
+              <a:sym typeface="Gill Sans"/>
+            </a:endParaRPr>
+          </a:p>
+          <a:p>
+            <a:pPr indent="0" lvl="0" marL="0" marR="0" rtl="0" algn="l">
+              <a:spcBef>
+                <a:spcPts val="0"/>
+              </a:spcBef>
+              <a:spcAft>
+                <a:spcPts val="0"/>
+              </a:spcAft>
+              <a:buNone/>
+            </a:pPr>
+            <a:r>
+              <a:rPr b="1" i="0" lang="en-US" sz="1800" u="none" cap="none" strike="noStrike">
+                <a:solidFill>
+                  <a:schemeClr val="lt1"/>
+                </a:solidFill>
+                <a:latin typeface="Gill Sans"/>
+                <a:ea typeface="Gill Sans"/>
+                <a:cs typeface="Gill Sans"/>
+                <a:sym typeface="Gill Sans"/>
+              </a:rPr>
+              <a:t>Zainab</a:t>
+            </a:r>
+            <a:endParaRPr b="1" i="0" sz="1800" u="none" cap="none" strike="noStrike">
+              <a:solidFill>
+                <a:schemeClr val="lt1"/>
+              </a:solidFill>
+              <a:latin typeface="Gill Sans"/>
+              <a:ea typeface="Gill Sans"/>
+              <a:cs typeface="Gill Sans"/>
+              <a:sym typeface="Gill Sans"/>
+            </a:endParaRPr>
+          </a:p>
+          <a:p>
+            <a:pPr indent="0" lvl="0" marL="0" marR="0" rtl="0" algn="l">
+              <a:spcBef>
+                <a:spcPts val="0"/>
+              </a:spcBef>
+              <a:spcAft>
+                <a:spcPts val="0"/>
+              </a:spcAft>
+              <a:buNone/>
+            </a:pPr>
+            <a:r>
+              <a:rPr b="1" lang="en-US" sz="1800">
+                <a:solidFill>
+                  <a:schemeClr val="lt1"/>
+                </a:solidFill>
+                <a:latin typeface="Gill Sans"/>
+                <a:ea typeface="Gill Sans"/>
+                <a:cs typeface="Gill Sans"/>
+                <a:sym typeface="Gill Sans"/>
+              </a:rPr>
+              <a:t>Ayesha</a:t>
+            </a:r>
+            <a:endParaRPr b="1" sz="1800">
+              <a:solidFill>
+                <a:schemeClr val="lt1"/>
+              </a:solidFill>
+              <a:latin typeface="Gill Sans"/>
+              <a:ea typeface="Gill Sans"/>
+              <a:cs typeface="Gill Sans"/>
+              <a:sym typeface="Gill Sans"/>
+            </a:endParaRPr>
+          </a:p>
+        </p:txBody>
+      </p:sp>
+      <p:pic>
+        <p:nvPicPr>
+          <p:cNvPr id="99" name="Google Shape;99;p1"/>
+          <p:cNvPicPr preferRelativeResize="0"/>
+          <p:nvPr/>
+        </p:nvPicPr>
+        <p:blipFill>
+          <a:blip r:embed="rId3">
+            <a:alphaModFix/>
+          </a:blip>
+          <a:stretch>
+            <a:fillRect/>
+          </a:stretch>
+        </p:blipFill>
+        <p:spPr>
+          <a:xfrm>
+            <a:off x="5067000" y="3234975"/>
+            <a:ext cx="3010801" cy="3010801"/>
+          </a:xfrm>
+          <a:prstGeom prst="rect">
+            <a:avLst/>
+          </a:prstGeom>
+          <a:noFill/>
+          <a:ln>
+            <a:noFill/>
+          </a:ln>
+        </p:spPr>
+      </p:pic>
+    </p:spTree>
+  </p:cSld>
+  <p:clrMapOvr>
+    <a:masterClrMapping/>
+  </p:clrMapOvr>
+</p:sld>
+</file>
+
+<file path=ppt/slides/slide10.xml><?xml version="1.0" encoding="utf-8"?>
+<p:sld xmlns:a="http://schemas.openxmlformats.org/drawingml/2006/main" xmlns:r="http://schemas.openxmlformats.org/officeDocument/2006/relationships" xmlns:mc="http://schemas.openxmlformats.org/markup-compatibility/2006" xmlns:mv="urn:schemas-microsoft-com:mac:vml" xmlns:p="http://schemas.openxmlformats.org/presentationml/2006/main" xmlns:c="http://schemas.openxmlformats.org/drawingml/2006/chart" xmlns:dgm="http://schemas.openxmlformats.org/drawingml/2006/diagram" xmlns:o="urn:schemas-microsoft-com:office:office" xmlns:v="urn:schemas-microsoft-com:vml" xmlns:pvml="urn:schemas-microsoft-com:office:powerpoint" xmlns:com="http://schemas.openxmlformats.org/drawingml/2006/compatibility" xmlns:p14="http://schemas.microsoft.com/office/powerpoint/2010/main" xmlns:p15="http://schemas.microsoft.com/office/powerpoint/2012/main" xmlns:ahyp="http://schemas.microsoft.com/office/drawing/2018/hyperlinkcolor">
+  <p:cSld>
+    <p:spTree>
+      <p:nvGrpSpPr>
+        <p:cNvPr id="158" name="Shape 158"/>
+        <p:cNvGrpSpPr/>
+        <p:nvPr/>
+      </p:nvGrpSpPr>
+      <p:grpSpPr>
+        <a:xfrm>
+          <a:off x="0" y="0"/>
+          <a:ext cx="0" cy="0"/>
+          <a:chOff x="0" y="0"/>
+          <a:chExt cx="0" cy="0"/>
+        </a:xfrm>
+      </p:grpSpPr>
+      <p:sp>
+        <p:nvSpPr>
+          <p:cNvPr id="159" name="Google Shape;159;p9"/>
+          <p:cNvSpPr txBox="1"/>
+          <p:nvPr>
+            <p:ph type="title"/>
+          </p:nvPr>
+        </p:nvSpPr>
+        <p:spPr>
+          <a:xfrm>
+            <a:off x="448844" y="590385"/>
+            <a:ext cx="11029616" cy="567844"/>
+          </a:xfrm>
+          <a:prstGeom prst="rect">
+            <a:avLst/>
+          </a:prstGeom>
+          <a:noFill/>
+          <a:ln>
+            <a:noFill/>
+          </a:ln>
+        </p:spPr>
+        <p:txBody>
+          <a:bodyPr anchorCtr="0" anchor="b" bIns="45700" lIns="91425" spcFirstLastPara="1" rIns="91425" wrap="square" tIns="45700">
+            <a:normAutofit/>
+          </a:bodyPr>
+          <a:lstStyle/>
+          <a:p>
+            <a:pPr indent="0" lvl="0" marL="0" rtl="0" algn="l">
+              <a:spcBef>
+                <a:spcPts val="0"/>
+              </a:spcBef>
+              <a:spcAft>
+                <a:spcPts val="0"/>
+              </a:spcAft>
+              <a:buClr>
+                <a:schemeClr val="lt1"/>
+              </a:buClr>
+              <a:buSzPts val="2800"/>
+              <a:buFont typeface="Gill Sans"/>
+              <a:buNone/>
+            </a:pPr>
+            <a:r>
+              <a:rPr lang="en-US"/>
+              <a:t>HOW DOES THE STOCK PRICE CHANGE OVER TIME</a:t>
+            </a:r>
+            <a:r>
+              <a:rPr lang="en-US"/>
+              <a:t>?</a:t>
+            </a:r>
+            <a:endParaRPr/>
+          </a:p>
+        </p:txBody>
+      </p:sp>
+      <p:sp>
+        <p:nvSpPr>
+          <p:cNvPr id="160" name="Google Shape;160;p9"/>
+          <p:cNvSpPr txBox="1"/>
+          <p:nvPr/>
+        </p:nvSpPr>
+        <p:spPr>
+          <a:xfrm>
+            <a:off x="581192" y="6096000"/>
+            <a:ext cx="7041351" cy="369332"/>
+          </a:xfrm>
+          <a:prstGeom prst="rect">
+            <a:avLst/>
+          </a:prstGeom>
+          <a:noFill/>
+          <a:ln>
+            <a:noFill/>
+          </a:ln>
+        </p:spPr>
+        <p:txBody>
+          <a:bodyPr anchorCtr="0" anchor="t" bIns="45700" lIns="91425" spcFirstLastPara="1" rIns="91425" wrap="square" tIns="45700">
+            <a:spAutoFit/>
+          </a:bodyPr>
+          <a:lstStyle/>
+          <a:p>
+            <a:pPr indent="0" lvl="0" marL="0" marR="0" rtl="0" algn="l">
+              <a:spcBef>
+                <a:spcPts val="0"/>
+              </a:spcBef>
+              <a:spcAft>
+                <a:spcPts val="0"/>
+              </a:spcAft>
+              <a:buNone/>
+            </a:pPr>
+            <a:r>
+              <a:rPr lang="en-US" sz="1800">
+                <a:solidFill>
+                  <a:schemeClr val="dk1"/>
+                </a:solidFill>
+                <a:latin typeface="Gill Sans"/>
+                <a:ea typeface="Gill Sans"/>
+                <a:cs typeface="Gill Sans"/>
+                <a:sym typeface="Gill Sans"/>
+              </a:rPr>
+              <a:t>NB – Albertsons has only been trading in its current form since Mid 2020</a:t>
+            </a:r>
+            <a:endParaRPr sz="1800">
+              <a:solidFill>
+                <a:schemeClr val="dk1"/>
+              </a:solidFill>
+              <a:latin typeface="Gill Sans"/>
+              <a:ea typeface="Gill Sans"/>
+              <a:cs typeface="Gill Sans"/>
+              <a:sym typeface="Gill Sans"/>
+            </a:endParaRPr>
+          </a:p>
+        </p:txBody>
+      </p:sp>
+      <p:sp>
+        <p:nvSpPr>
+          <p:cNvPr id="161" name="Google Shape;161;p9"/>
+          <p:cNvSpPr/>
+          <p:nvPr/>
+        </p:nvSpPr>
+        <p:spPr>
+          <a:xfrm>
+            <a:off x="336884" y="1158229"/>
+            <a:ext cx="11598442" cy="730729"/>
+          </a:xfrm>
+          <a:prstGeom prst="rect">
+            <a:avLst/>
+          </a:prstGeom>
+          <a:solidFill>
+            <a:schemeClr val="lt1"/>
+          </a:solidFill>
+          <a:ln cap="rnd" cmpd="sng" w="22225">
+            <a:solidFill>
+              <a:schemeClr val="lt1"/>
+            </a:solidFill>
+            <a:prstDash val="solid"/>
+            <a:round/>
+            <a:headEnd len="sm" w="sm" type="none"/>
+            <a:tailEnd len="sm" w="sm" type="none"/>
+          </a:ln>
+        </p:spPr>
+        <p:txBody>
+          <a:bodyPr anchorCtr="0" anchor="ctr" bIns="45700" lIns="91425" spcFirstLastPara="1" rIns="91425" wrap="square" tIns="45700">
+            <a:noAutofit/>
+          </a:bodyPr>
+          <a:lstStyle/>
+          <a:p>
+            <a:pPr indent="0" lvl="0" marL="0" marR="0" rtl="0" algn="ctr">
+              <a:spcBef>
+                <a:spcPts val="0"/>
+              </a:spcBef>
+              <a:spcAft>
+                <a:spcPts val="0"/>
+              </a:spcAft>
+              <a:buNone/>
+            </a:pPr>
+            <a:r>
+              <a:t/>
             </a:r>
             <a:endParaRPr sz="1800">
               <a:solidFill>
@@ -13112,6 +13724,35 @@
           </a:p>
         </p:txBody>
       </p:sp>
+      <p:pic>
+        <p:nvPicPr>
+          <p:cNvPr id="162" name="Google Shape;162;p9"/>
+          <p:cNvPicPr preferRelativeResize="0"/>
+          <p:nvPr>
+            <p:ph idx="1" type="body"/>
+          </p:nvPr>
+        </p:nvPicPr>
+        <p:blipFill rotWithShape="1">
+          <a:blip r:embed="rId3">
+            <a:alphaModFix/>
+          </a:blip>
+          <a:srcRect b="0" l="0" r="0" t="0"/>
+          <a:stretch/>
+        </p:blipFill>
+        <p:spPr>
+          <a:xfrm>
+            <a:off x="77202" y="1243639"/>
+            <a:ext cx="11772900" cy="4852361"/>
+          </a:xfrm>
+          <a:prstGeom prst="rect">
+            <a:avLst/>
+          </a:prstGeom>
+          <a:noFill/>
+          <a:ln>
+            <a:noFill/>
+          </a:ln>
+        </p:spPr>
+      </p:pic>
     </p:spTree>
   </p:cSld>
   <p:clrMapOvr>
@@ -13120,12 +13761,12 @@
 </p:sld>
 </file>
 
-<file path=ppt/slides/slide10.xml><?xml version="1.0" encoding="utf-8"?>
+<file path=ppt/slides/slide11.xml><?xml version="1.0" encoding="utf-8"?>
 <p:sld xmlns:a="http://schemas.openxmlformats.org/drawingml/2006/main" xmlns:r="http://schemas.openxmlformats.org/officeDocument/2006/relationships" xmlns:mc="http://schemas.openxmlformats.org/markup-compatibility/2006" xmlns:mv="urn:schemas-microsoft-com:mac:vml" xmlns:p="http://schemas.openxmlformats.org/presentationml/2006/main" xmlns:c="http://schemas.openxmlformats.org/drawingml/2006/chart" xmlns:dgm="http://schemas.openxmlformats.org/drawingml/2006/diagram" xmlns:o="urn:schemas-microsoft-com:office:office" xmlns:v="urn:schemas-microsoft-com:vml" xmlns:pvml="urn:schemas-microsoft-com:office:powerpoint" xmlns:com="http://schemas.openxmlformats.org/drawingml/2006/compatibility" xmlns:p14="http://schemas.microsoft.com/office/powerpoint/2010/main" xmlns:p15="http://schemas.microsoft.com/office/powerpoint/2012/main" xmlns:ahyp="http://schemas.microsoft.com/office/drawing/2018/hyperlinkcolor">
   <p:cSld>
     <p:spTree>
       <p:nvGrpSpPr>
-        <p:cNvPr id="154" name="Shape 154"/>
+        <p:cNvPr id="166" name="Shape 166"/>
         <p:cNvGrpSpPr/>
         <p:nvPr/>
       </p:nvGrpSpPr>
@@ -13139,7 +13780,7 @@
       </p:grpSpPr>
       <p:sp>
         <p:nvSpPr>
-          <p:cNvPr id="155" name="Google Shape;155;p10"/>
+          <p:cNvPr id="167" name="Google Shape;167;p10"/>
           <p:cNvSpPr txBox="1"/>
           <p:nvPr>
             <p:ph type="title"/>
@@ -13192,7 +13833,7 @@
       </p:sp>
       <p:sp>
         <p:nvSpPr>
-          <p:cNvPr id="156" name="Google Shape;156;p10"/>
+          <p:cNvPr id="168" name="Google Shape;168;p10"/>
           <p:cNvSpPr/>
           <p:nvPr/>
         </p:nvSpPr>
@@ -13243,7 +13884,7 @@
       </p:sp>
       <p:sp>
         <p:nvSpPr>
-          <p:cNvPr id="157" name="Google Shape;157;p10"/>
+          <p:cNvPr id="169" name="Google Shape;169;p10"/>
           <p:cNvSpPr txBox="1"/>
           <p:nvPr/>
         </p:nvSpPr>
@@ -13395,7 +14036,7 @@
       </p:sp>
       <p:pic>
         <p:nvPicPr>
-          <p:cNvPr id="158" name="Google Shape;158;p10"/>
+          <p:cNvPr id="170" name="Google Shape;170;p10"/>
           <p:cNvPicPr preferRelativeResize="0"/>
           <p:nvPr/>
         </p:nvPicPr>
@@ -13428,12 +14069,12 @@
 </p:sld>
 </file>
 
-<file path=ppt/slides/slide11.xml><?xml version="1.0" encoding="utf-8"?>
+<file path=ppt/slides/slide12.xml><?xml version="1.0" encoding="utf-8"?>
 <p:sld xmlns:a="http://schemas.openxmlformats.org/drawingml/2006/main" xmlns:r="http://schemas.openxmlformats.org/officeDocument/2006/relationships" xmlns:mc="http://schemas.openxmlformats.org/markup-compatibility/2006" xmlns:mv="urn:schemas-microsoft-com:mac:vml" xmlns:p="http://schemas.openxmlformats.org/presentationml/2006/main" xmlns:c="http://schemas.openxmlformats.org/drawingml/2006/chart" xmlns:dgm="http://schemas.openxmlformats.org/drawingml/2006/diagram" xmlns:o="urn:schemas-microsoft-com:office:office" xmlns:v="urn:schemas-microsoft-com:vml" xmlns:pvml="urn:schemas-microsoft-com:office:powerpoint" xmlns:com="http://schemas.openxmlformats.org/drawingml/2006/compatibility" xmlns:p14="http://schemas.microsoft.com/office/powerpoint/2010/main" xmlns:p15="http://schemas.microsoft.com/office/powerpoint/2012/main" xmlns:ahyp="http://schemas.microsoft.com/office/drawing/2018/hyperlinkcolor">
   <p:cSld>
     <p:spTree>
       <p:nvGrpSpPr>
-        <p:cNvPr id="162" name="Shape 162"/>
+        <p:cNvPr id="174" name="Shape 174"/>
         <p:cNvGrpSpPr/>
         <p:nvPr/>
       </p:nvGrpSpPr>
@@ -13447,7 +14088,7 @@
       </p:grpSpPr>
       <p:sp>
         <p:nvSpPr>
-          <p:cNvPr id="163" name="Google Shape;163;p12"/>
+          <p:cNvPr id="175" name="Google Shape;175;p12"/>
           <p:cNvSpPr txBox="1"/>
           <p:nvPr>
             <p:ph type="title"/>
@@ -13496,7 +14137,7 @@
       </p:sp>
       <p:pic>
         <p:nvPicPr>
-          <p:cNvPr id="164" name="Google Shape;164;p12"/>
+          <p:cNvPr id="176" name="Google Shape;176;p12"/>
           <p:cNvPicPr preferRelativeResize="0"/>
           <p:nvPr>
             <p:ph idx="1" type="body"/>
@@ -13525,7 +14166,7 @@
       </p:pic>
       <p:sp>
         <p:nvSpPr>
-          <p:cNvPr id="165" name="Google Shape;165;p12"/>
+          <p:cNvPr id="177" name="Google Shape;177;p12"/>
           <p:cNvSpPr txBox="1"/>
           <p:nvPr/>
         </p:nvSpPr>
@@ -13730,12 +14371,12 @@
 </p:sld>
 </file>
 
-<file path=ppt/slides/slide12.xml><?xml version="1.0" encoding="utf-8"?>
+<file path=ppt/slides/slide13.xml><?xml version="1.0" encoding="utf-8"?>
 <p:sld xmlns:a="http://schemas.openxmlformats.org/drawingml/2006/main" xmlns:r="http://schemas.openxmlformats.org/officeDocument/2006/relationships" xmlns:mc="http://schemas.openxmlformats.org/markup-compatibility/2006" xmlns:mv="urn:schemas-microsoft-com:mac:vml" xmlns:p="http://schemas.openxmlformats.org/presentationml/2006/main" xmlns:c="http://schemas.openxmlformats.org/drawingml/2006/chart" xmlns:dgm="http://schemas.openxmlformats.org/drawingml/2006/diagram" xmlns:o="urn:schemas-microsoft-com:office:office" xmlns:v="urn:schemas-microsoft-com:vml" xmlns:pvml="urn:schemas-microsoft-com:office:powerpoint" xmlns:com="http://schemas.openxmlformats.org/drawingml/2006/compatibility" xmlns:p14="http://schemas.microsoft.com/office/powerpoint/2010/main" xmlns:p15="http://schemas.microsoft.com/office/powerpoint/2012/main" xmlns:ahyp="http://schemas.microsoft.com/office/drawing/2018/hyperlinkcolor">
   <p:cSld>
     <p:spTree>
       <p:nvGrpSpPr>
-        <p:cNvPr id="169" name="Shape 169"/>
+        <p:cNvPr id="181" name="Shape 181"/>
         <p:cNvGrpSpPr/>
         <p:nvPr/>
       </p:nvGrpSpPr>
@@ -13749,7 +14390,7 @@
       </p:grpSpPr>
       <p:sp>
         <p:nvSpPr>
-          <p:cNvPr id="170" name="Google Shape;170;g2c48598d1a9_3_0"/>
+          <p:cNvPr id="182" name="Google Shape;182;g2c48598d1a9_3_0"/>
           <p:cNvSpPr txBox="1"/>
           <p:nvPr>
             <p:ph type="title"/>
@@ -13809,7 +14450,7 @@
       </p:sp>
       <p:pic>
         <p:nvPicPr>
-          <p:cNvPr id="171" name="Google Shape;171;g2c48598d1a9_3_0"/>
+          <p:cNvPr id="183" name="Google Shape;183;g2c48598d1a9_3_0"/>
           <p:cNvPicPr preferRelativeResize="0"/>
           <p:nvPr/>
         </p:nvPicPr>
@@ -13843,12 +14484,12 @@
 </p:sld>
 </file>
 
-<file path=ppt/slides/slide13.xml><?xml version="1.0" encoding="utf-8"?>
+<file path=ppt/slides/slide14.xml><?xml version="1.0" encoding="utf-8"?>
 <p:sld xmlns:a="http://schemas.openxmlformats.org/drawingml/2006/main" xmlns:r="http://schemas.openxmlformats.org/officeDocument/2006/relationships" xmlns:mc="http://schemas.openxmlformats.org/markup-compatibility/2006" xmlns:mv="urn:schemas-microsoft-com:mac:vml" xmlns:p="http://schemas.openxmlformats.org/presentationml/2006/main" xmlns:c="http://schemas.openxmlformats.org/drawingml/2006/chart" xmlns:dgm="http://schemas.openxmlformats.org/drawingml/2006/diagram" xmlns:o="urn:schemas-microsoft-com:office:office" xmlns:v="urn:schemas-microsoft-com:vml" xmlns:pvml="urn:schemas-microsoft-com:office:powerpoint" xmlns:com="http://schemas.openxmlformats.org/drawingml/2006/compatibility" xmlns:p14="http://schemas.microsoft.com/office/powerpoint/2010/main" xmlns:p15="http://schemas.microsoft.com/office/powerpoint/2012/main" xmlns:ahyp="http://schemas.microsoft.com/office/drawing/2018/hyperlinkcolor">
   <p:cSld>
     <p:spTree>
       <p:nvGrpSpPr>
-        <p:cNvPr id="175" name="Shape 175"/>
+        <p:cNvPr id="187" name="Shape 187"/>
         <p:cNvGrpSpPr/>
         <p:nvPr/>
       </p:nvGrpSpPr>
@@ -13862,7 +14503,7 @@
       </p:grpSpPr>
       <p:sp>
         <p:nvSpPr>
-          <p:cNvPr id="176" name="Google Shape;176;p14"/>
+          <p:cNvPr id="188" name="Google Shape;188;p14"/>
           <p:cNvSpPr txBox="1"/>
           <p:nvPr>
             <p:ph type="title"/>
@@ -13911,7 +14552,7 @@
       </p:sp>
       <p:pic>
         <p:nvPicPr>
-          <p:cNvPr id="177" name="Google Shape;177;p14"/>
+          <p:cNvPr id="189" name="Google Shape;189;p14"/>
           <p:cNvPicPr preferRelativeResize="0"/>
           <p:nvPr/>
         </p:nvPicPr>
@@ -13944,12 +14585,12 @@
 </p:sld>
 </file>
 
-<file path=ppt/slides/slide14.xml><?xml version="1.0" encoding="utf-8"?>
+<file path=ppt/slides/slide15.xml><?xml version="1.0" encoding="utf-8"?>
 <p:sld xmlns:a="http://schemas.openxmlformats.org/drawingml/2006/main" xmlns:r="http://schemas.openxmlformats.org/officeDocument/2006/relationships" xmlns:mc="http://schemas.openxmlformats.org/markup-compatibility/2006" xmlns:mv="urn:schemas-microsoft-com:mac:vml" xmlns:p="http://schemas.openxmlformats.org/presentationml/2006/main" xmlns:c="http://schemas.openxmlformats.org/drawingml/2006/chart" xmlns:dgm="http://schemas.openxmlformats.org/drawingml/2006/diagram" xmlns:o="urn:schemas-microsoft-com:office:office" xmlns:v="urn:schemas-microsoft-com:vml" xmlns:pvml="urn:schemas-microsoft-com:office:powerpoint" xmlns:com="http://schemas.openxmlformats.org/drawingml/2006/compatibility" xmlns:p14="http://schemas.microsoft.com/office/powerpoint/2010/main" xmlns:p15="http://schemas.microsoft.com/office/powerpoint/2012/main" xmlns:ahyp="http://schemas.microsoft.com/office/drawing/2018/hyperlinkcolor">
   <p:cSld>
     <p:spTree>
       <p:nvGrpSpPr>
-        <p:cNvPr id="181" name="Shape 181"/>
+        <p:cNvPr id="193" name="Shape 193"/>
         <p:cNvGrpSpPr/>
         <p:nvPr/>
       </p:nvGrpSpPr>
@@ -13963,7 +14604,7 @@
       </p:grpSpPr>
       <p:sp>
         <p:nvSpPr>
-          <p:cNvPr id="182" name="Google Shape;182;p15"/>
+          <p:cNvPr id="194" name="Google Shape;194;p15"/>
           <p:cNvSpPr txBox="1"/>
           <p:nvPr>
             <p:ph type="title"/>
@@ -14012,7 +14653,7 @@
       </p:sp>
       <p:pic>
         <p:nvPicPr>
-          <p:cNvPr id="183" name="Google Shape;183;p15"/>
+          <p:cNvPr id="195" name="Google Shape;195;p15"/>
           <p:cNvPicPr preferRelativeResize="0"/>
           <p:nvPr/>
         </p:nvPicPr>
@@ -14045,12 +14686,12 @@
 </p:sld>
 </file>
 
-<file path=ppt/slides/slide15.xml><?xml version="1.0" encoding="utf-8"?>
+<file path=ppt/slides/slide16.xml><?xml version="1.0" encoding="utf-8"?>
 <p:sld xmlns:a="http://schemas.openxmlformats.org/drawingml/2006/main" xmlns:r="http://schemas.openxmlformats.org/officeDocument/2006/relationships" xmlns:mc="http://schemas.openxmlformats.org/markup-compatibility/2006" xmlns:mv="urn:schemas-microsoft-com:mac:vml" xmlns:p="http://schemas.openxmlformats.org/presentationml/2006/main" xmlns:c="http://schemas.openxmlformats.org/drawingml/2006/chart" xmlns:dgm="http://schemas.openxmlformats.org/drawingml/2006/diagram" xmlns:o="urn:schemas-microsoft-com:office:office" xmlns:v="urn:schemas-microsoft-com:vml" xmlns:pvml="urn:schemas-microsoft-com:office:powerpoint" xmlns:com="http://schemas.openxmlformats.org/drawingml/2006/compatibility" xmlns:p14="http://schemas.microsoft.com/office/powerpoint/2010/main" xmlns:p15="http://schemas.microsoft.com/office/powerpoint/2012/main" xmlns:ahyp="http://schemas.microsoft.com/office/drawing/2018/hyperlinkcolor">
   <p:cSld>
     <p:spTree>
       <p:nvGrpSpPr>
-        <p:cNvPr id="187" name="Shape 187"/>
+        <p:cNvPr id="199" name="Shape 199"/>
         <p:cNvGrpSpPr/>
         <p:nvPr/>
       </p:nvGrpSpPr>
@@ -14064,7 +14705,7 @@
       </p:grpSpPr>
       <p:sp>
         <p:nvSpPr>
-          <p:cNvPr id="188" name="Google Shape;188;p20"/>
+          <p:cNvPr id="200" name="Google Shape;200;p20"/>
           <p:cNvSpPr txBox="1"/>
           <p:nvPr>
             <p:ph type="title"/>
@@ -14113,7 +14754,7 @@
       </p:sp>
       <p:pic>
         <p:nvPicPr>
-          <p:cNvPr id="189" name="Google Shape;189;p20"/>
+          <p:cNvPr id="201" name="Google Shape;201;p20"/>
           <p:cNvPicPr preferRelativeResize="0"/>
           <p:nvPr>
             <p:ph idx="1" type="body"/>
@@ -14142,7 +14783,7 @@
       </p:pic>
       <p:sp>
         <p:nvSpPr>
-          <p:cNvPr id="190" name="Google Shape;190;p20"/>
+          <p:cNvPr id="202" name="Google Shape;202;p20"/>
           <p:cNvSpPr txBox="1"/>
           <p:nvPr/>
         </p:nvSpPr>
@@ -14347,12 +14988,12 @@
 </p:sld>
 </file>
 
-<file path=ppt/slides/slide16.xml><?xml version="1.0" encoding="utf-8"?>
+<file path=ppt/slides/slide17.xml><?xml version="1.0" encoding="utf-8"?>
 <p:sld xmlns:a="http://schemas.openxmlformats.org/drawingml/2006/main" xmlns:r="http://schemas.openxmlformats.org/officeDocument/2006/relationships" xmlns:mc="http://schemas.openxmlformats.org/markup-compatibility/2006" xmlns:mv="urn:schemas-microsoft-com:mac:vml" xmlns:p="http://schemas.openxmlformats.org/presentationml/2006/main" xmlns:c="http://schemas.openxmlformats.org/drawingml/2006/chart" xmlns:dgm="http://schemas.openxmlformats.org/drawingml/2006/diagram" xmlns:o="urn:schemas-microsoft-com:office:office" xmlns:v="urn:schemas-microsoft-com:vml" xmlns:pvml="urn:schemas-microsoft-com:office:powerpoint" xmlns:com="http://schemas.openxmlformats.org/drawingml/2006/compatibility" xmlns:p14="http://schemas.microsoft.com/office/powerpoint/2010/main" xmlns:p15="http://schemas.microsoft.com/office/powerpoint/2012/main" xmlns:ahyp="http://schemas.microsoft.com/office/drawing/2018/hyperlinkcolor">
   <p:cSld>
     <p:spTree>
       <p:nvGrpSpPr>
-        <p:cNvPr id="194" name="Shape 194"/>
+        <p:cNvPr id="206" name="Shape 206"/>
         <p:cNvGrpSpPr/>
         <p:nvPr/>
       </p:nvGrpSpPr>
@@ -14366,7 +15007,7 @@
       </p:grpSpPr>
       <p:sp>
         <p:nvSpPr>
-          <p:cNvPr id="195" name="Google Shape;195;p22"/>
+          <p:cNvPr id="207" name="Google Shape;207;p22"/>
           <p:cNvSpPr txBox="1"/>
           <p:nvPr>
             <p:ph type="title"/>
@@ -14415,7 +15056,7 @@
       </p:sp>
       <p:pic>
         <p:nvPicPr>
-          <p:cNvPr id="196" name="Google Shape;196;p22"/>
+          <p:cNvPr id="208" name="Google Shape;208;p22"/>
           <p:cNvPicPr preferRelativeResize="0"/>
           <p:nvPr>
             <p:ph idx="1" type="body"/>
@@ -14450,12 +15091,12 @@
 </p:sld>
 </file>
 
-<file path=ppt/slides/slide17.xml><?xml version="1.0" encoding="utf-8"?>
+<file path=ppt/slides/slide18.xml><?xml version="1.0" encoding="utf-8"?>
 <p:sld xmlns:a="http://schemas.openxmlformats.org/drawingml/2006/main" xmlns:r="http://schemas.openxmlformats.org/officeDocument/2006/relationships" xmlns:mc="http://schemas.openxmlformats.org/markup-compatibility/2006" xmlns:mv="urn:schemas-microsoft-com:mac:vml" xmlns:p="http://schemas.openxmlformats.org/presentationml/2006/main" xmlns:c="http://schemas.openxmlformats.org/drawingml/2006/chart" xmlns:dgm="http://schemas.openxmlformats.org/drawingml/2006/diagram" xmlns:o="urn:schemas-microsoft-com:office:office" xmlns:v="urn:schemas-microsoft-com:vml" xmlns:pvml="urn:schemas-microsoft-com:office:powerpoint" xmlns:com="http://schemas.openxmlformats.org/drawingml/2006/compatibility" xmlns:p14="http://schemas.microsoft.com/office/powerpoint/2010/main" xmlns:p15="http://schemas.microsoft.com/office/powerpoint/2012/main" xmlns:ahyp="http://schemas.microsoft.com/office/drawing/2018/hyperlinkcolor">
   <p:cSld>
     <p:spTree>
       <p:nvGrpSpPr>
-        <p:cNvPr id="200" name="Shape 200"/>
+        <p:cNvPr id="212" name="Shape 212"/>
         <p:cNvGrpSpPr/>
         <p:nvPr/>
       </p:nvGrpSpPr>
@@ -14469,7 +15110,7 @@
       </p:grpSpPr>
       <p:sp>
         <p:nvSpPr>
-          <p:cNvPr id="201" name="Google Shape;201;g2c48598d1a9_3_5"/>
+          <p:cNvPr id="213" name="Google Shape;213;g2c48598d1a9_3_5"/>
           <p:cNvSpPr txBox="1"/>
           <p:nvPr>
             <p:ph type="title"/>
@@ -14514,7 +15155,7 @@
       </p:sp>
       <p:sp>
         <p:nvSpPr>
-          <p:cNvPr id="202" name="Google Shape;202;g2c48598d1a9_3_5"/>
+          <p:cNvPr id="214" name="Google Shape;214;g2c48598d1a9_3_5"/>
           <p:cNvSpPr txBox="1"/>
           <p:nvPr>
             <p:ph idx="1" type="body"/>
@@ -14559,12 +15200,12 @@
 </p:sld>
 </file>
 
-<file path=ppt/slides/slide18.xml><?xml version="1.0" encoding="utf-8"?>
+<file path=ppt/slides/slide19.xml><?xml version="1.0" encoding="utf-8"?>
 <p:sld xmlns:a="http://schemas.openxmlformats.org/drawingml/2006/main" xmlns:r="http://schemas.openxmlformats.org/officeDocument/2006/relationships" xmlns:mc="http://schemas.openxmlformats.org/markup-compatibility/2006" xmlns:mv="urn:schemas-microsoft-com:mac:vml" xmlns:p="http://schemas.openxmlformats.org/presentationml/2006/main" xmlns:c="http://schemas.openxmlformats.org/drawingml/2006/chart" xmlns:dgm="http://schemas.openxmlformats.org/drawingml/2006/diagram" xmlns:o="urn:schemas-microsoft-com:office:office" xmlns:v="urn:schemas-microsoft-com:vml" xmlns:pvml="urn:schemas-microsoft-com:office:powerpoint" xmlns:com="http://schemas.openxmlformats.org/drawingml/2006/compatibility" xmlns:p14="http://schemas.microsoft.com/office/powerpoint/2010/main" xmlns:p15="http://schemas.microsoft.com/office/powerpoint/2012/main" xmlns:ahyp="http://schemas.microsoft.com/office/drawing/2018/hyperlinkcolor">
   <p:cSld>
     <p:spTree>
       <p:nvGrpSpPr>
-        <p:cNvPr id="206" name="Shape 206"/>
+        <p:cNvPr id="218" name="Shape 218"/>
         <p:cNvGrpSpPr/>
         <p:nvPr/>
       </p:nvGrpSpPr>
@@ -14578,7 +15219,7 @@
       </p:grpSpPr>
       <p:sp>
         <p:nvSpPr>
-          <p:cNvPr id="207" name="Google Shape;207;p18"/>
+          <p:cNvPr id="219" name="Google Shape;219;p18"/>
           <p:cNvSpPr txBox="1"/>
           <p:nvPr>
             <p:ph type="title"/>
@@ -14627,7 +15268,7 @@
       </p:sp>
       <p:pic>
         <p:nvPicPr>
-          <p:cNvPr id="208" name="Google Shape;208;p18"/>
+          <p:cNvPr id="220" name="Google Shape;220;p18"/>
           <p:cNvPicPr preferRelativeResize="0"/>
           <p:nvPr/>
         </p:nvPicPr>
@@ -14654,7 +15295,7 @@
       </p:pic>
       <p:sp>
         <p:nvSpPr>
-          <p:cNvPr id="209" name="Google Shape;209;p18"/>
+          <p:cNvPr id="221" name="Google Shape;221;p18"/>
           <p:cNvSpPr txBox="1"/>
           <p:nvPr/>
         </p:nvSpPr>
@@ -14906,12 +15547,12 @@
 </p:sld>
 </file>
 
-<file path=ppt/slides/slide19.xml><?xml version="1.0" encoding="utf-8"?>
+<file path=ppt/slides/slide2.xml><?xml version="1.0" encoding="utf-8"?>
 <p:sld xmlns:a="http://schemas.openxmlformats.org/drawingml/2006/main" xmlns:r="http://schemas.openxmlformats.org/officeDocument/2006/relationships" xmlns:mc="http://schemas.openxmlformats.org/markup-compatibility/2006" xmlns:mv="urn:schemas-microsoft-com:mac:vml" xmlns:p="http://schemas.openxmlformats.org/presentationml/2006/main" xmlns:c="http://schemas.openxmlformats.org/drawingml/2006/chart" xmlns:dgm="http://schemas.openxmlformats.org/drawingml/2006/diagram" xmlns:o="urn:schemas-microsoft-com:office:office" xmlns:v="urn:schemas-microsoft-com:vml" xmlns:pvml="urn:schemas-microsoft-com:office:powerpoint" xmlns:com="http://schemas.openxmlformats.org/drawingml/2006/compatibility" xmlns:p14="http://schemas.microsoft.com/office/powerpoint/2010/main" xmlns:p15="http://schemas.microsoft.com/office/powerpoint/2012/main" xmlns:ahyp="http://schemas.microsoft.com/office/drawing/2018/hyperlinkcolor">
   <p:cSld>
     <p:spTree>
       <p:nvGrpSpPr>
-        <p:cNvPr id="213" name="Shape 213"/>
+        <p:cNvPr id="103" name="Shape 103"/>
         <p:cNvGrpSpPr/>
         <p:nvPr/>
       </p:nvGrpSpPr>
@@ -14925,7 +15566,7 @@
       </p:grpSpPr>
       <p:sp>
         <p:nvSpPr>
-          <p:cNvPr id="214" name="Google Shape;214;p17"/>
+          <p:cNvPr id="104" name="Google Shape;104;p2"/>
           <p:cNvSpPr txBox="1"/>
           <p:nvPr>
             <p:ph type="title"/>
@@ -14966,7 +15607,224 @@
             </a:pPr>
             <a:r>
               <a:rPr lang="en-US"/>
-              <a:t>ARE THERE ANY OTHER FACTORS THAT CAN INFLUENCE OUR DECISION?</a:t>
+              <a:t>WHAT INFORMS INVESTMENT DECISIONS?</a:t>
+            </a:r>
+            <a:endParaRPr/>
+          </a:p>
+        </p:txBody>
+      </p:sp>
+      <p:sp>
+        <p:nvSpPr>
+          <p:cNvPr id="105" name="Google Shape;105;p2"/>
+          <p:cNvSpPr txBox="1"/>
+          <p:nvPr>
+            <p:ph idx="1" type="body"/>
+          </p:nvPr>
+        </p:nvSpPr>
+        <p:spPr>
+          <a:xfrm>
+            <a:off x="581192" y="2180496"/>
+            <a:ext cx="11029615" cy="3678303"/>
+          </a:xfrm>
+          <a:prstGeom prst="rect">
+            <a:avLst/>
+          </a:prstGeom>
+          <a:noFill/>
+          <a:ln>
+            <a:noFill/>
+          </a:ln>
+        </p:spPr>
+        <p:txBody>
+          <a:bodyPr anchorCtr="0" anchor="ctr" bIns="45700" lIns="91425" spcFirstLastPara="1" rIns="91425" wrap="square" tIns="45700">
+            <a:normAutofit/>
+          </a:bodyPr>
+          <a:lstStyle/>
+          <a:p>
+            <a:pPr indent="0" lvl="0" marL="0" rtl="0" algn="l">
+              <a:spcBef>
+                <a:spcPts val="0"/>
+              </a:spcBef>
+              <a:spcAft>
+                <a:spcPts val="0"/>
+              </a:spcAft>
+              <a:buSzPts val="1656"/>
+              <a:buNone/>
+            </a:pPr>
+            <a:r>
+              <a:rPr lang="en-US"/>
+              <a:t>We are a group of investors who want to buy stock in one of the four big U.S. supermarket groups – which one should we put out money in?</a:t>
+            </a:r>
+            <a:endParaRPr/>
+          </a:p>
+          <a:p>
+            <a:pPr indent="0" lvl="0" marL="0" rtl="0" algn="l">
+              <a:spcBef>
+                <a:spcPts val="960"/>
+              </a:spcBef>
+              <a:spcAft>
+                <a:spcPts val="0"/>
+              </a:spcAft>
+              <a:buSzPts val="1656"/>
+              <a:buNone/>
+            </a:pPr>
+            <a:r>
+              <a:t/>
+            </a:r>
+            <a:endParaRPr/>
+          </a:p>
+          <a:p>
+            <a:pPr indent="0" lvl="0" marL="0" rtl="0" algn="l">
+              <a:spcBef>
+                <a:spcPts val="960"/>
+              </a:spcBef>
+              <a:spcAft>
+                <a:spcPts val="0"/>
+              </a:spcAft>
+              <a:buSzPts val="1656"/>
+              <a:buNone/>
+            </a:pPr>
+            <a:r>
+              <a:rPr lang="en-US"/>
+              <a:t>What informs our decision?</a:t>
+            </a:r>
+            <a:endParaRPr/>
+          </a:p>
+          <a:p>
+            <a:pPr indent="0" lvl="0" marL="0" rtl="0" algn="l">
+              <a:spcBef>
+                <a:spcPts val="960"/>
+              </a:spcBef>
+              <a:spcAft>
+                <a:spcPts val="0"/>
+              </a:spcAft>
+              <a:buSzPts val="1656"/>
+              <a:buNone/>
+            </a:pPr>
+            <a:r>
+              <a:t/>
+            </a:r>
+            <a:endParaRPr/>
+          </a:p>
+          <a:p>
+            <a:pPr indent="0" lvl="0" marL="0" rtl="0" algn="l">
+              <a:spcBef>
+                <a:spcPts val="960"/>
+              </a:spcBef>
+              <a:spcAft>
+                <a:spcPts val="0"/>
+              </a:spcAft>
+              <a:buSzPts val="1656"/>
+              <a:buNone/>
+            </a:pPr>
+            <a:r>
+              <a:rPr lang="en-US"/>
+              <a:t>What information can we use?</a:t>
+            </a:r>
+            <a:endParaRPr/>
+          </a:p>
+          <a:p>
+            <a:pPr indent="0" lvl="0" marL="0" rtl="0" algn="l">
+              <a:spcBef>
+                <a:spcPts val="960"/>
+              </a:spcBef>
+              <a:spcAft>
+                <a:spcPts val="0"/>
+              </a:spcAft>
+              <a:buSzPts val="1656"/>
+              <a:buNone/>
+            </a:pPr>
+            <a:r>
+              <a:t/>
+            </a:r>
+            <a:endParaRPr/>
+          </a:p>
+          <a:p>
+            <a:pPr indent="0" lvl="0" marL="0" rtl="0" algn="l">
+              <a:spcBef>
+                <a:spcPts val="960"/>
+              </a:spcBef>
+              <a:spcAft>
+                <a:spcPts val="0"/>
+              </a:spcAft>
+              <a:buSzPts val="1656"/>
+              <a:buNone/>
+            </a:pPr>
+            <a:r>
+              <a:rPr lang="en-US"/>
+              <a:t>What other factors do we need to consider?</a:t>
+            </a:r>
+            <a:endParaRPr/>
+          </a:p>
+        </p:txBody>
+      </p:sp>
+    </p:spTree>
+  </p:cSld>
+  <p:clrMapOvr>
+    <a:masterClrMapping/>
+  </p:clrMapOvr>
+</p:sld>
+</file>
+
+<file path=ppt/slides/slide20.xml><?xml version="1.0" encoding="utf-8"?>
+<p:sld xmlns:a="http://schemas.openxmlformats.org/drawingml/2006/main" xmlns:r="http://schemas.openxmlformats.org/officeDocument/2006/relationships" xmlns:mc="http://schemas.openxmlformats.org/markup-compatibility/2006" xmlns:mv="urn:schemas-microsoft-com:mac:vml" xmlns:p="http://schemas.openxmlformats.org/presentationml/2006/main" xmlns:c="http://schemas.openxmlformats.org/drawingml/2006/chart" xmlns:dgm="http://schemas.openxmlformats.org/drawingml/2006/diagram" xmlns:o="urn:schemas-microsoft-com:office:office" xmlns:v="urn:schemas-microsoft-com:vml" xmlns:pvml="urn:schemas-microsoft-com:office:powerpoint" xmlns:com="http://schemas.openxmlformats.org/drawingml/2006/compatibility" xmlns:p14="http://schemas.microsoft.com/office/powerpoint/2010/main" xmlns:p15="http://schemas.microsoft.com/office/powerpoint/2012/main" xmlns:ahyp="http://schemas.microsoft.com/office/drawing/2018/hyperlinkcolor">
+  <p:cSld>
+    <p:spTree>
+      <p:nvGrpSpPr>
+        <p:cNvPr id="225" name="Shape 225"/>
+        <p:cNvGrpSpPr/>
+        <p:nvPr/>
+      </p:nvGrpSpPr>
+      <p:grpSpPr>
+        <a:xfrm>
+          <a:off x="0" y="0"/>
+          <a:ext cx="0" cy="0"/>
+          <a:chOff x="0" y="0"/>
+          <a:chExt cx="0" cy="0"/>
+        </a:xfrm>
+      </p:grpSpPr>
+      <p:sp>
+        <p:nvSpPr>
+          <p:cNvPr id="226" name="Google Shape;226;p17"/>
+          <p:cNvSpPr txBox="1"/>
+          <p:nvPr>
+            <p:ph type="title"/>
+          </p:nvPr>
+        </p:nvSpPr>
+        <p:spPr>
+          <a:xfrm>
+            <a:off x="581192" y="702156"/>
+            <a:ext cx="11029616" cy="1013800"/>
+          </a:xfrm>
+          <a:prstGeom prst="rect">
+            <a:avLst/>
+          </a:prstGeom>
+          <a:noFill/>
+          <a:ln>
+            <a:noFill/>
+          </a:ln>
+        </p:spPr>
+        <p:txBody>
+          <a:bodyPr anchorCtr="0" anchor="b" bIns="45700" lIns="91425" spcFirstLastPara="1" rIns="91425" wrap="square" tIns="45700">
+            <a:normAutofit/>
+          </a:bodyPr>
+          <a:lstStyle/>
+          <a:p>
+            <a:pPr indent="0" lvl="0" marL="0" rtl="0" algn="l">
+              <a:spcBef>
+                <a:spcPts val="0"/>
+              </a:spcBef>
+              <a:spcAft>
+                <a:spcPts val="0"/>
+              </a:spcAft>
+              <a:buClr>
+                <a:schemeClr val="lt1"/>
+              </a:buClr>
+              <a:buSzPts val="2800"/>
+              <a:buFont typeface="Gill Sans"/>
+              <a:buNone/>
+            </a:pPr>
+            <a:r>
+              <a:t/>
             </a:r>
             <a:endParaRPr/>
           </a:p>
@@ -14974,7 +15832,7 @@
       </p:sp>
       <p:pic>
         <p:nvPicPr>
-          <p:cNvPr id="215" name="Google Shape;215;p17"/>
+          <p:cNvPr id="227" name="Google Shape;227;p17"/>
           <p:cNvPicPr preferRelativeResize="0"/>
           <p:nvPr>
             <p:ph idx="1" type="body"/>
@@ -15003,7 +15861,7 @@
       </p:pic>
       <p:pic>
         <p:nvPicPr>
-          <p:cNvPr id="216" name="Google Shape;216;p17"/>
+          <p:cNvPr id="228" name="Google Shape;228;p17"/>
           <p:cNvPicPr preferRelativeResize="0"/>
           <p:nvPr/>
         </p:nvPicPr>
@@ -15036,12 +15894,12 @@
 </p:sld>
 </file>
 
-<file path=ppt/slides/slide2.xml><?xml version="1.0" encoding="utf-8"?>
+<file path=ppt/slides/slide21.xml><?xml version="1.0" encoding="utf-8"?>
 <p:sld xmlns:a="http://schemas.openxmlformats.org/drawingml/2006/main" xmlns:r="http://schemas.openxmlformats.org/officeDocument/2006/relationships" xmlns:mc="http://schemas.openxmlformats.org/markup-compatibility/2006" xmlns:mv="urn:schemas-microsoft-com:mac:vml" xmlns:p="http://schemas.openxmlformats.org/presentationml/2006/main" xmlns:c="http://schemas.openxmlformats.org/drawingml/2006/chart" xmlns:dgm="http://schemas.openxmlformats.org/drawingml/2006/diagram" xmlns:o="urn:schemas-microsoft-com:office:office" xmlns:v="urn:schemas-microsoft-com:vml" xmlns:pvml="urn:schemas-microsoft-com:office:powerpoint" xmlns:com="http://schemas.openxmlformats.org/drawingml/2006/compatibility" xmlns:p14="http://schemas.microsoft.com/office/powerpoint/2010/main" xmlns:p15="http://schemas.microsoft.com/office/powerpoint/2012/main" xmlns:ahyp="http://schemas.microsoft.com/office/drawing/2018/hyperlinkcolor">
   <p:cSld>
     <p:spTree>
       <p:nvGrpSpPr>
-        <p:cNvPr id="102" name="Shape 102"/>
+        <p:cNvPr id="232" name="Shape 232"/>
         <p:cNvGrpSpPr/>
         <p:nvPr/>
       </p:nvGrpSpPr>
@@ -15055,7 +15913,7 @@
       </p:grpSpPr>
       <p:sp>
         <p:nvSpPr>
-          <p:cNvPr id="103" name="Google Shape;103;p2"/>
+          <p:cNvPr id="233" name="Google Shape;233;p24"/>
           <p:cNvSpPr txBox="1"/>
           <p:nvPr>
             <p:ph type="title"/>
@@ -15096,7 +15954,7 @@
             </a:pPr>
             <a:r>
               <a:rPr lang="en-US"/>
-              <a:t>WHAT INFORMS INVESTMENT DECISIONS?</a:t>
+              <a:t>SO WHO SHOULD WE INVEST IN BASED ON THIS DATA?</a:t>
             </a:r>
             <a:endParaRPr/>
           </a:p>
@@ -15104,7 +15962,7 @@
       </p:sp>
       <p:sp>
         <p:nvSpPr>
-          <p:cNvPr id="104" name="Google Shape;104;p2"/>
+          <p:cNvPr id="234" name="Google Shape;234;p24"/>
           <p:cNvSpPr txBox="1"/>
           <p:nvPr>
             <p:ph idx="1" type="body"/>
@@ -15129,7 +15987,7 @@
           </a:bodyPr>
           <a:lstStyle/>
           <a:p>
-            <a:pPr indent="0" lvl="0" marL="0" rtl="0" algn="l">
+            <a:pPr indent="-200844" lvl="0" marL="306000" rtl="0" algn="l">
               <a:spcBef>
                 <a:spcPts val="0"/>
               </a:spcBef>
@@ -15141,14 +15999,14 @@
             </a:pPr>
             <a:r>
               <a:rPr lang="en-US"/>
-              <a:t>We are a group of investors who want to buy stock in one of the four big U.S. supermarket groups – which one should we put out money in?</a:t>
+              <a:t>Based on ROI, it is hard to look past Costco!</a:t>
             </a:r>
             <a:endParaRPr/>
           </a:p>
           <a:p>
-            <a:pPr indent="0" lvl="0" marL="0" rtl="0" algn="l">
-              <a:spcBef>
-                <a:spcPts val="960"/>
+            <a:pPr indent="-200844" lvl="0" marL="306000" rtl="0" algn="l">
+              <a:spcBef>
+                <a:spcPts val="0"/>
               </a:spcBef>
               <a:spcAft>
                 <a:spcPts val="0"/>
@@ -15162,9 +16020,9 @@
             <a:endParaRPr/>
           </a:p>
           <a:p>
-            <a:pPr indent="0" lvl="0" marL="0" rtl="0" algn="l">
-              <a:spcBef>
-                <a:spcPts val="960"/>
+            <a:pPr indent="-200844" lvl="0" marL="306000" rtl="0" algn="l">
+              <a:spcBef>
+                <a:spcPts val="0"/>
               </a:spcBef>
               <a:spcAft>
                 <a:spcPts val="0"/>
@@ -15174,14 +16032,14 @@
             </a:pPr>
             <a:r>
               <a:rPr lang="en-US"/>
-              <a:t>What informs our decision?</a:t>
+              <a:t>However, over the last 3 months, its share price has been declining - do we think this is a pattern of things to come? </a:t>
             </a:r>
             <a:endParaRPr/>
           </a:p>
           <a:p>
-            <a:pPr indent="0" lvl="0" marL="0" rtl="0" algn="l">
-              <a:spcBef>
-                <a:spcPts val="960"/>
+            <a:pPr indent="-200844" lvl="0" marL="306000" rtl="0" algn="l">
+              <a:spcBef>
+                <a:spcPts val="0"/>
               </a:spcBef>
               <a:spcAft>
                 <a:spcPts val="0"/>
@@ -15195,9 +16053,9 @@
             <a:endParaRPr/>
           </a:p>
           <a:p>
-            <a:pPr indent="0" lvl="0" marL="0" rtl="0" algn="l">
-              <a:spcBef>
-                <a:spcPts val="960"/>
+            <a:pPr indent="-200844" lvl="0" marL="306000" rtl="0" algn="l">
+              <a:spcBef>
+                <a:spcPts val="0"/>
               </a:spcBef>
               <a:spcAft>
                 <a:spcPts val="0"/>
@@ -15207,40 +16065,7 @@
             </a:pPr>
             <a:r>
               <a:rPr lang="en-US"/>
-              <a:t>What information can we use?</a:t>
-            </a:r>
-            <a:endParaRPr/>
-          </a:p>
-          <a:p>
-            <a:pPr indent="0" lvl="0" marL="0" rtl="0" algn="l">
-              <a:spcBef>
-                <a:spcPts val="960"/>
-              </a:spcBef>
-              <a:spcAft>
-                <a:spcPts val="0"/>
-              </a:spcAft>
-              <a:buSzPts val="1656"/>
-              <a:buNone/>
-            </a:pPr>
-            <a:r>
-              <a:t/>
-            </a:r>
-            <a:endParaRPr/>
-          </a:p>
-          <a:p>
-            <a:pPr indent="0" lvl="0" marL="0" rtl="0" algn="l">
-              <a:spcBef>
-                <a:spcPts val="960"/>
-              </a:spcBef>
-              <a:spcAft>
-                <a:spcPts val="0"/>
-              </a:spcAft>
-              <a:buSzPts val="1656"/>
-              <a:buNone/>
-            </a:pPr>
-            <a:r>
-              <a:rPr lang="en-US"/>
-              <a:t>What other factors do we need to consider?</a:t>
+              <a:t> </a:t>
             </a:r>
             <a:endParaRPr/>
           </a:p>
@@ -15254,12 +16079,12 @@
 </p:sld>
 </file>
 
-<file path=ppt/slides/slide20.xml><?xml version="1.0" encoding="utf-8"?>
+<file path=ppt/slides/slide22.xml><?xml version="1.0" encoding="utf-8"?>
 <p:sld xmlns:a="http://schemas.openxmlformats.org/drawingml/2006/main" xmlns:r="http://schemas.openxmlformats.org/officeDocument/2006/relationships" xmlns:mc="http://schemas.openxmlformats.org/markup-compatibility/2006" xmlns:mv="urn:schemas-microsoft-com:mac:vml" xmlns:p="http://schemas.openxmlformats.org/presentationml/2006/main" xmlns:c="http://schemas.openxmlformats.org/drawingml/2006/chart" xmlns:dgm="http://schemas.openxmlformats.org/drawingml/2006/diagram" xmlns:o="urn:schemas-microsoft-com:office:office" xmlns:v="urn:schemas-microsoft-com:vml" xmlns:pvml="urn:schemas-microsoft-com:office:powerpoint" xmlns:com="http://schemas.openxmlformats.org/drawingml/2006/compatibility" xmlns:p14="http://schemas.microsoft.com/office/powerpoint/2010/main" xmlns:p15="http://schemas.microsoft.com/office/powerpoint/2012/main" xmlns:ahyp="http://schemas.microsoft.com/office/drawing/2018/hyperlinkcolor">
   <p:cSld>
     <p:spTree>
       <p:nvGrpSpPr>
-        <p:cNvPr id="220" name="Shape 220"/>
+        <p:cNvPr id="238" name="Shape 238"/>
         <p:cNvGrpSpPr/>
         <p:nvPr/>
       </p:nvGrpSpPr>
@@ -15273,7 +16098,7 @@
       </p:grpSpPr>
       <p:sp>
         <p:nvSpPr>
-          <p:cNvPr id="221" name="Google Shape;221;p24"/>
+          <p:cNvPr id="239" name="Google Shape;239;p25"/>
           <p:cNvSpPr txBox="1"/>
           <p:nvPr>
             <p:ph type="title"/>
@@ -15314,7 +16139,7 @@
             </a:pPr>
             <a:r>
               <a:rPr lang="en-US"/>
-              <a:t>SO WHO SHOULD WE INVEST IN BASED ON THIS DATA?</a:t>
+              <a:t>FURTHER CONSIDERATIONS</a:t>
             </a:r>
             <a:endParaRPr/>
           </a:p>
@@ -15322,7 +16147,7 @@
       </p:sp>
       <p:sp>
         <p:nvSpPr>
-          <p:cNvPr id="222" name="Google Shape;222;p24"/>
+          <p:cNvPr id="240" name="Google Shape;240;p25"/>
           <p:cNvSpPr txBox="1"/>
           <p:nvPr>
             <p:ph idx="1" type="body"/>
@@ -15347,7 +16172,7 @@
           </a:bodyPr>
           <a:lstStyle/>
           <a:p>
-            <a:pPr indent="-200844" lvl="0" marL="306000" rtl="0" algn="l">
+            <a:pPr indent="-306000" lvl="0" marL="306000" rtl="0" algn="l">
               <a:spcBef>
                 <a:spcPts val="0"/>
               </a:spcBef>
@@ -15355,18 +16180,18 @@
                 <a:spcPts val="0"/>
               </a:spcAft>
               <a:buSzPts val="1656"/>
-              <a:buNone/>
+              <a:buChar char="◼"/>
             </a:pPr>
             <a:r>
               <a:rPr lang="en-US"/>
-              <a:t>Based on ROI, it is hard to look past Costco!</a:t>
+              <a:t>Before any decision is made, further scrutiny of the company would need to be done – for example, examining the Trading Profit and Loss Account and Balance Sheet and performing other statistical measures such as the “Acid Test”.</a:t>
             </a:r>
             <a:endParaRPr/>
           </a:p>
           <a:p>
             <a:pPr indent="-200844" lvl="0" marL="306000" rtl="0" algn="l">
               <a:spcBef>
-                <a:spcPts val="0"/>
+                <a:spcPts val="960"/>
               </a:spcBef>
               <a:spcAft>
                 <a:spcPts val="0"/>
@@ -15380,26 +16205,26 @@
             <a:endParaRPr/>
           </a:p>
           <a:p>
-            <a:pPr indent="-200844" lvl="0" marL="306000" rtl="0" algn="l">
-              <a:spcBef>
-                <a:spcPts val="0"/>
+            <a:pPr indent="-306000" lvl="0" marL="306000" rtl="0" algn="l">
+              <a:spcBef>
+                <a:spcPts val="960"/>
               </a:spcBef>
               <a:spcAft>
                 <a:spcPts val="0"/>
               </a:spcAft>
               <a:buSzPts val="1656"/>
-              <a:buNone/>
+              <a:buChar char="◼"/>
             </a:pPr>
             <a:r>
               <a:rPr lang="en-US"/>
-              <a:t>However, over the last 3 months, its share price has been declining - do we think this is a pattern of things to come? </a:t>
+              <a:t>What is your investor / risk profile?  Are you a Pension Fund Manager or a day trader?  A Day trader may be prepared to absorb a higher level of risk than a Pension Fund Manager who has to ensure that any trades will cover their commitments no matter what.</a:t>
             </a:r>
             <a:endParaRPr/>
           </a:p>
           <a:p>
             <a:pPr indent="-200844" lvl="0" marL="306000" rtl="0" algn="l">
               <a:spcBef>
-                <a:spcPts val="0"/>
+                <a:spcPts val="960"/>
               </a:spcBef>
               <a:spcAft>
                 <a:spcPts val="0"/>
@@ -15413,19 +16238,19 @@
             <a:endParaRPr/>
           </a:p>
           <a:p>
-            <a:pPr indent="-200844" lvl="0" marL="306000" rtl="0" algn="l">
-              <a:spcBef>
-                <a:spcPts val="0"/>
+            <a:pPr indent="-306000" lvl="0" marL="306000" rtl="0" algn="l">
+              <a:spcBef>
+                <a:spcPts val="960"/>
               </a:spcBef>
               <a:spcAft>
                 <a:spcPts val="0"/>
               </a:spcAft>
               <a:buSzPts val="1656"/>
-              <a:buNone/>
+              <a:buChar char="◼"/>
             </a:pPr>
             <a:r>
               <a:rPr lang="en-US"/>
-              <a:t> </a:t>
+              <a:t>Are there other sectors who are greatly outperforming this one – and would be a more attractive investment opportunity?</a:t>
             </a:r>
             <a:endParaRPr/>
           </a:p>
@@ -15439,12 +16264,12 @@
 </p:sld>
 </file>
 
-<file path=ppt/slides/slide21.xml><?xml version="1.0" encoding="utf-8"?>
+<file path=ppt/slides/slide3.xml><?xml version="1.0" encoding="utf-8"?>
 <p:sld xmlns:a="http://schemas.openxmlformats.org/drawingml/2006/main" xmlns:r="http://schemas.openxmlformats.org/officeDocument/2006/relationships" xmlns:mc="http://schemas.openxmlformats.org/markup-compatibility/2006" xmlns:mv="urn:schemas-microsoft-com:mac:vml" xmlns:p="http://schemas.openxmlformats.org/presentationml/2006/main" xmlns:c="http://schemas.openxmlformats.org/drawingml/2006/chart" xmlns:dgm="http://schemas.openxmlformats.org/drawingml/2006/diagram" xmlns:o="urn:schemas-microsoft-com:office:office" xmlns:v="urn:schemas-microsoft-com:vml" xmlns:pvml="urn:schemas-microsoft-com:office:powerpoint" xmlns:com="http://schemas.openxmlformats.org/drawingml/2006/compatibility" xmlns:p14="http://schemas.microsoft.com/office/powerpoint/2010/main" xmlns:p15="http://schemas.microsoft.com/office/powerpoint/2012/main" xmlns:ahyp="http://schemas.microsoft.com/office/drawing/2018/hyperlinkcolor">
   <p:cSld>
     <p:spTree>
       <p:nvGrpSpPr>
-        <p:cNvPr id="226" name="Shape 226"/>
+        <p:cNvPr id="109" name="Shape 109"/>
         <p:cNvGrpSpPr/>
         <p:nvPr/>
       </p:nvGrpSpPr>
@@ -15458,7 +16283,267 @@
       </p:grpSpPr>
       <p:sp>
         <p:nvSpPr>
-          <p:cNvPr id="227" name="Google Shape;227;p25"/>
+          <p:cNvPr id="110" name="Google Shape;110;g2c48598d1a9_1_1"/>
+          <p:cNvSpPr txBox="1"/>
+          <p:nvPr>
+            <p:ph type="title"/>
+          </p:nvPr>
+        </p:nvSpPr>
+        <p:spPr>
+          <a:xfrm>
+            <a:off x="581193" y="729658"/>
+            <a:ext cx="11029500" cy="988200"/>
+          </a:xfrm>
+          <a:prstGeom prst="rect">
+            <a:avLst/>
+          </a:prstGeom>
+        </p:spPr>
+        <p:txBody>
+          <a:bodyPr anchorCtr="0" anchor="b" bIns="45700" lIns="91425" spcFirstLastPara="1" rIns="91425" wrap="square" tIns="45700">
+            <a:normAutofit/>
+          </a:bodyPr>
+          <a:lstStyle/>
+          <a:p>
+            <a:pPr indent="0" lvl="0" marL="0" rtl="0" algn="l">
+              <a:spcBef>
+                <a:spcPts val="848"/>
+              </a:spcBef>
+              <a:spcAft>
+                <a:spcPts val="0"/>
+              </a:spcAft>
+              <a:buClr>
+                <a:schemeClr val="dk1"/>
+              </a:buClr>
+              <a:buSzPts val="1472"/>
+              <a:buFont typeface="Arial"/>
+              <a:buNone/>
+            </a:pPr>
+            <a:r>
+              <a:rPr lang="en-US" sz="1987"/>
+              <a:t>WHICH IS THE BEST SUPERMARKET FOR US TO INVEST IN?</a:t>
+            </a:r>
+            <a:endParaRPr/>
+          </a:p>
+        </p:txBody>
+      </p:sp>
+      <p:sp>
+        <p:nvSpPr>
+          <p:cNvPr id="111" name="Google Shape;111;g2c48598d1a9_1_1"/>
+          <p:cNvSpPr txBox="1"/>
+          <p:nvPr>
+            <p:ph idx="1" type="body"/>
+          </p:nvPr>
+        </p:nvSpPr>
+        <p:spPr>
+          <a:xfrm>
+            <a:off x="581193" y="2228003"/>
+            <a:ext cx="5422500" cy="3633000"/>
+          </a:xfrm>
+          <a:prstGeom prst="rect">
+            <a:avLst/>
+          </a:prstGeom>
+        </p:spPr>
+        <p:txBody>
+          <a:bodyPr anchorCtr="0" anchor="ctr" bIns="45700" lIns="91425" spcFirstLastPara="1" rIns="91425" wrap="square" tIns="45700">
+            <a:normAutofit/>
+          </a:bodyPr>
+          <a:lstStyle/>
+          <a:p>
+            <a:pPr indent="0" lvl="0" marL="0" rtl="0" algn="l">
+              <a:spcBef>
+                <a:spcPts val="360"/>
+              </a:spcBef>
+              <a:spcAft>
+                <a:spcPts val="600"/>
+              </a:spcAft>
+              <a:buNone/>
+            </a:pPr>
+            <a:r>
+              <a:t/>
+            </a:r>
+            <a:endParaRPr/>
+          </a:p>
+        </p:txBody>
+      </p:sp>
+      <p:sp>
+        <p:nvSpPr>
+          <p:cNvPr id="112" name="Google Shape;112;g2c48598d1a9_1_1"/>
+          <p:cNvSpPr txBox="1"/>
+          <p:nvPr>
+            <p:ph idx="2" type="body"/>
+          </p:nvPr>
+        </p:nvSpPr>
+        <p:spPr>
+          <a:xfrm>
+            <a:off x="6188417" y="2228003"/>
+            <a:ext cx="5422500" cy="3633000"/>
+          </a:xfrm>
+          <a:prstGeom prst="rect">
+            <a:avLst/>
+          </a:prstGeom>
+        </p:spPr>
+        <p:txBody>
+          <a:bodyPr anchorCtr="0" anchor="ctr" bIns="45700" lIns="91425" spcFirstLastPara="1" rIns="91425" wrap="square" tIns="45700">
+            <a:normAutofit/>
+          </a:bodyPr>
+          <a:lstStyle/>
+          <a:p>
+            <a:pPr indent="0" lvl="0" marL="0" rtl="0" algn="l">
+              <a:spcBef>
+                <a:spcPts val="360"/>
+              </a:spcBef>
+              <a:spcAft>
+                <a:spcPts val="600"/>
+              </a:spcAft>
+              <a:buNone/>
+            </a:pPr>
+            <a:r>
+              <a:t/>
+            </a:r>
+            <a:endParaRPr/>
+          </a:p>
+        </p:txBody>
+      </p:sp>
+      <p:pic>
+        <p:nvPicPr>
+          <p:cNvPr id="113" name="Google Shape;113;g2c48598d1a9_1_1"/>
+          <p:cNvPicPr preferRelativeResize="0"/>
+          <p:nvPr/>
+        </p:nvPicPr>
+        <p:blipFill>
+          <a:blip r:embed="rId3">
+            <a:alphaModFix/>
+          </a:blip>
+          <a:stretch>
+            <a:fillRect/>
+          </a:stretch>
+        </p:blipFill>
+        <p:spPr>
+          <a:xfrm>
+            <a:off x="6188425" y="2228000"/>
+            <a:ext cx="2279225" cy="1709400"/>
+          </a:xfrm>
+          <a:prstGeom prst="rect">
+            <a:avLst/>
+          </a:prstGeom>
+          <a:noFill/>
+          <a:ln>
+            <a:noFill/>
+          </a:ln>
+        </p:spPr>
+      </p:pic>
+      <p:pic>
+        <p:nvPicPr>
+          <p:cNvPr id="114" name="Google Shape;114;g2c48598d1a9_1_1"/>
+          <p:cNvPicPr preferRelativeResize="0"/>
+          <p:nvPr/>
+        </p:nvPicPr>
+        <p:blipFill>
+          <a:blip r:embed="rId4">
+            <a:alphaModFix/>
+          </a:blip>
+          <a:stretch>
+            <a:fillRect/>
+          </a:stretch>
+        </p:blipFill>
+        <p:spPr>
+          <a:xfrm>
+            <a:off x="8921075" y="2205378"/>
+            <a:ext cx="1732009" cy="1732024"/>
+          </a:xfrm>
+          <a:prstGeom prst="rect">
+            <a:avLst/>
+          </a:prstGeom>
+          <a:noFill/>
+          <a:ln>
+            <a:noFill/>
+          </a:ln>
+        </p:spPr>
+      </p:pic>
+      <p:pic>
+        <p:nvPicPr>
+          <p:cNvPr id="115" name="Google Shape;115;g2c48598d1a9_1_1"/>
+          <p:cNvPicPr preferRelativeResize="0"/>
+          <p:nvPr/>
+        </p:nvPicPr>
+        <p:blipFill>
+          <a:blip r:embed="rId5">
+            <a:alphaModFix/>
+          </a:blip>
+          <a:stretch>
+            <a:fillRect/>
+          </a:stretch>
+        </p:blipFill>
+        <p:spPr>
+          <a:xfrm>
+            <a:off x="6238325" y="4137608"/>
+            <a:ext cx="2229325" cy="1253992"/>
+          </a:xfrm>
+          <a:prstGeom prst="rect">
+            <a:avLst/>
+          </a:prstGeom>
+          <a:noFill/>
+          <a:ln>
+            <a:noFill/>
+          </a:ln>
+        </p:spPr>
+      </p:pic>
+      <p:pic>
+        <p:nvPicPr>
+          <p:cNvPr id="116" name="Google Shape;116;g2c48598d1a9_1_1"/>
+          <p:cNvPicPr preferRelativeResize="0"/>
+          <p:nvPr/>
+        </p:nvPicPr>
+        <p:blipFill>
+          <a:blip r:embed="rId6">
+            <a:alphaModFix/>
+          </a:blip>
+          <a:stretch>
+            <a:fillRect/>
+          </a:stretch>
+        </p:blipFill>
+        <p:spPr>
+          <a:xfrm>
+            <a:off x="8767025" y="3974275"/>
+            <a:ext cx="2525600" cy="1417325"/>
+          </a:xfrm>
+          <a:prstGeom prst="rect">
+            <a:avLst/>
+          </a:prstGeom>
+          <a:noFill/>
+          <a:ln>
+            <a:noFill/>
+          </a:ln>
+        </p:spPr>
+      </p:pic>
+    </p:spTree>
+  </p:cSld>
+  <p:clrMapOvr>
+    <a:masterClrMapping/>
+  </p:clrMapOvr>
+</p:sld>
+</file>
+
+<file path=ppt/slides/slide4.xml><?xml version="1.0" encoding="utf-8"?>
+<p:sld xmlns:a="http://schemas.openxmlformats.org/drawingml/2006/main" xmlns:r="http://schemas.openxmlformats.org/officeDocument/2006/relationships" xmlns:mc="http://schemas.openxmlformats.org/markup-compatibility/2006" xmlns:mv="urn:schemas-microsoft-com:mac:vml" xmlns:p="http://schemas.openxmlformats.org/presentationml/2006/main" xmlns:c="http://schemas.openxmlformats.org/drawingml/2006/chart" xmlns:dgm="http://schemas.openxmlformats.org/drawingml/2006/diagram" xmlns:o="urn:schemas-microsoft-com:office:office" xmlns:v="urn:schemas-microsoft-com:vml" xmlns:pvml="urn:schemas-microsoft-com:office:powerpoint" xmlns:com="http://schemas.openxmlformats.org/drawingml/2006/compatibility" xmlns:p14="http://schemas.microsoft.com/office/powerpoint/2010/main" xmlns:p15="http://schemas.microsoft.com/office/powerpoint/2012/main" xmlns:ahyp="http://schemas.microsoft.com/office/drawing/2018/hyperlinkcolor">
+  <p:cSld>
+    <p:spTree>
+      <p:nvGrpSpPr>
+        <p:cNvPr id="120" name="Shape 120"/>
+        <p:cNvGrpSpPr/>
+        <p:nvPr/>
+      </p:nvGrpSpPr>
+      <p:grpSpPr>
+        <a:xfrm>
+          <a:off x="0" y="0"/>
+          <a:ext cx="0" cy="0"/>
+          <a:chOff x="0" y="0"/>
+          <a:chExt cx="0" cy="0"/>
+        </a:xfrm>
+      </p:grpSpPr>
+      <p:sp>
+        <p:nvSpPr>
+          <p:cNvPr id="121" name="Google Shape;121;p3"/>
           <p:cNvSpPr txBox="1"/>
           <p:nvPr>
             <p:ph type="title"/>
@@ -15499,7 +16584,7 @@
             </a:pPr>
             <a:r>
               <a:rPr lang="en-US"/>
-              <a:t>FURTHER CONSIDERATIONS</a:t>
+              <a:t>METHODOLOGY</a:t>
             </a:r>
             <a:endParaRPr/>
           </a:p>
@@ -15507,7 +16592,911 @@
       </p:sp>
       <p:sp>
         <p:nvSpPr>
-          <p:cNvPr id="228" name="Google Shape;228;p25"/>
+          <p:cNvPr id="122" name="Google Shape;122;p3"/>
+          <p:cNvSpPr txBox="1"/>
+          <p:nvPr>
+            <p:ph idx="1" type="body"/>
+          </p:nvPr>
+        </p:nvSpPr>
+        <p:spPr>
+          <a:xfrm>
+            <a:off x="581192" y="2180496"/>
+            <a:ext cx="11029615" cy="4512404"/>
+          </a:xfrm>
+          <a:prstGeom prst="rect">
+            <a:avLst/>
+          </a:prstGeom>
+          <a:noFill/>
+          <a:ln>
+            <a:noFill/>
+          </a:ln>
+        </p:spPr>
+        <p:txBody>
+          <a:bodyPr anchorCtr="0" anchor="ctr" bIns="45700" lIns="91425" spcFirstLastPara="1" rIns="91425" wrap="square" tIns="45700">
+            <a:normAutofit fontScale="92500" lnSpcReduction="20000"/>
+          </a:bodyPr>
+          <a:lstStyle/>
+          <a:p>
+            <a:pPr indent="-306000" lvl="0" marL="306000" rtl="0" algn="l">
+              <a:spcBef>
+                <a:spcPts val="0"/>
+              </a:spcBef>
+              <a:spcAft>
+                <a:spcPts val="0"/>
+              </a:spcAft>
+              <a:buSzPct val="91999"/>
+              <a:buChar char="◼"/>
+            </a:pPr>
+            <a:r>
+              <a:rPr lang="en-US"/>
+              <a:t>The four big supermarkets in the U.S. are Walmart, Costco, Target and Albertsons.</a:t>
+            </a:r>
+            <a:endParaRPr/>
+          </a:p>
+          <a:p>
+            <a:pPr indent="-208730" lvl="0" marL="306000" rtl="0" algn="l">
+              <a:spcBef>
+                <a:spcPts val="933"/>
+              </a:spcBef>
+              <a:spcAft>
+                <a:spcPts val="0"/>
+              </a:spcAft>
+              <a:buSzPct val="91999"/>
+              <a:buNone/>
+            </a:pPr>
+            <a:r>
+              <a:t/>
+            </a:r>
+            <a:endParaRPr/>
+          </a:p>
+          <a:p>
+            <a:pPr indent="-306000" lvl="0" marL="306000" rtl="0" algn="l">
+              <a:spcBef>
+                <a:spcPts val="933"/>
+              </a:spcBef>
+              <a:spcAft>
+                <a:spcPts val="0"/>
+              </a:spcAft>
+              <a:buSzPct val="91999"/>
+              <a:buChar char="◼"/>
+            </a:pPr>
+            <a:r>
+              <a:rPr lang="en-US"/>
+              <a:t>Data was sourced from Yahoo Finance.  Share price and dividend data was readily available – thank you Chace!</a:t>
+            </a:r>
+            <a:endParaRPr/>
+          </a:p>
+          <a:p>
+            <a:pPr indent="-208730" lvl="0" marL="306000" rtl="0" algn="l">
+              <a:spcBef>
+                <a:spcPts val="933"/>
+              </a:spcBef>
+              <a:spcAft>
+                <a:spcPts val="0"/>
+              </a:spcAft>
+              <a:buSzPct val="91999"/>
+              <a:buNone/>
+            </a:pPr>
+            <a:r>
+              <a:t/>
+            </a:r>
+            <a:endParaRPr/>
+          </a:p>
+          <a:p>
+            <a:pPr indent="-306000" lvl="0" marL="306000" rtl="0" algn="l">
+              <a:spcBef>
+                <a:spcPts val="933"/>
+              </a:spcBef>
+              <a:spcAft>
+                <a:spcPts val="0"/>
+              </a:spcAft>
+              <a:buSzPct val="91999"/>
+              <a:buChar char="◼"/>
+            </a:pPr>
+            <a:r>
+              <a:rPr lang="en-US"/>
+              <a:t>We did initially try to use the NASDAQ API key but found that we were limited to 14 lines of data –which we felt was not enough.</a:t>
+            </a:r>
+            <a:endParaRPr/>
+          </a:p>
+          <a:p>
+            <a:pPr indent="-208730" lvl="0" marL="306000" rtl="0" algn="l">
+              <a:spcBef>
+                <a:spcPts val="933"/>
+              </a:spcBef>
+              <a:spcAft>
+                <a:spcPts val="0"/>
+              </a:spcAft>
+              <a:buSzPct val="91999"/>
+              <a:buNone/>
+            </a:pPr>
+            <a:r>
+              <a:t/>
+            </a:r>
+            <a:endParaRPr/>
+          </a:p>
+          <a:p>
+            <a:pPr indent="-306000" lvl="0" marL="306000" rtl="0" algn="l">
+              <a:spcBef>
+                <a:spcPts val="933"/>
+              </a:spcBef>
+              <a:spcAft>
+                <a:spcPts val="0"/>
+              </a:spcAft>
+              <a:buSzPct val="91999"/>
+              <a:buChar char="◼"/>
+            </a:pPr>
+            <a:r>
+              <a:rPr lang="en-US"/>
+              <a:t>Information initially looked for:  Opening Stock Price</a:t>
+            </a:r>
+            <a:endParaRPr/>
+          </a:p>
+          <a:p>
+            <a:pPr indent="0" lvl="0" marL="0" rtl="0" algn="l">
+              <a:spcBef>
+                <a:spcPts val="933"/>
+              </a:spcBef>
+              <a:spcAft>
+                <a:spcPts val="0"/>
+              </a:spcAft>
+              <a:buSzPct val="91999"/>
+              <a:buNone/>
+            </a:pPr>
+            <a:r>
+              <a:rPr lang="en-US"/>
+              <a:t>						      Closing Stock Price</a:t>
+            </a:r>
+            <a:endParaRPr/>
+          </a:p>
+          <a:p>
+            <a:pPr indent="0" lvl="0" marL="0" rtl="0" algn="l">
+              <a:spcBef>
+                <a:spcPts val="933"/>
+              </a:spcBef>
+              <a:spcAft>
+                <a:spcPts val="0"/>
+              </a:spcAft>
+              <a:buSzPct val="91999"/>
+              <a:buNone/>
+            </a:pPr>
+            <a:r>
+              <a:rPr lang="en-US"/>
+              <a:t>						      Stock Volume Traded</a:t>
+            </a:r>
+            <a:endParaRPr/>
+          </a:p>
+          <a:p>
+            <a:pPr indent="0" lvl="0" marL="0" rtl="0" algn="l">
+              <a:spcBef>
+                <a:spcPts val="933"/>
+              </a:spcBef>
+              <a:spcAft>
+                <a:spcPts val="0"/>
+              </a:spcAft>
+              <a:buSzPct val="91999"/>
+              <a:buNone/>
+            </a:pPr>
+            <a:r>
+              <a:rPr lang="en-US"/>
+              <a:t>   						      Time</a:t>
+            </a:r>
+            <a:endParaRPr/>
+          </a:p>
+          <a:p>
+            <a:pPr indent="-208730" lvl="0" marL="306000" rtl="0" algn="l">
+              <a:spcBef>
+                <a:spcPts val="933"/>
+              </a:spcBef>
+              <a:spcAft>
+                <a:spcPts val="0"/>
+              </a:spcAft>
+              <a:buSzPct val="91999"/>
+              <a:buNone/>
+            </a:pPr>
+            <a:r>
+              <a:t/>
+            </a:r>
+            <a:endParaRPr/>
+          </a:p>
+          <a:p>
+            <a:pPr indent="-306000" lvl="0" marL="306000" rtl="0" algn="l">
+              <a:spcBef>
+                <a:spcPts val="933"/>
+              </a:spcBef>
+              <a:spcAft>
+                <a:spcPts val="0"/>
+              </a:spcAft>
+              <a:buSzPct val="91999"/>
+              <a:buChar char="◼"/>
+            </a:pPr>
+            <a:r>
+              <a:rPr lang="en-US"/>
+              <a:t>This then evolved into incorporating dividends.</a:t>
+            </a:r>
+            <a:endParaRPr/>
+          </a:p>
+          <a:p>
+            <a:pPr indent="-208730" lvl="0" marL="306000" rtl="0" algn="l">
+              <a:spcBef>
+                <a:spcPts val="933"/>
+              </a:spcBef>
+              <a:spcAft>
+                <a:spcPts val="0"/>
+              </a:spcAft>
+              <a:buSzPct val="91999"/>
+              <a:buNone/>
+            </a:pPr>
+            <a:r>
+              <a:t/>
+            </a:r>
+            <a:endParaRPr/>
+          </a:p>
+        </p:txBody>
+      </p:sp>
+    </p:spTree>
+  </p:cSld>
+  <p:clrMapOvr>
+    <a:masterClrMapping/>
+  </p:clrMapOvr>
+</p:sld>
+</file>
+
+<file path=ppt/slides/slide5.xml><?xml version="1.0" encoding="utf-8"?>
+<p:sld xmlns:a="http://schemas.openxmlformats.org/drawingml/2006/main" xmlns:r="http://schemas.openxmlformats.org/officeDocument/2006/relationships" xmlns:mc="http://schemas.openxmlformats.org/markup-compatibility/2006" xmlns:mv="urn:schemas-microsoft-com:mac:vml" xmlns:p="http://schemas.openxmlformats.org/presentationml/2006/main" xmlns:c="http://schemas.openxmlformats.org/drawingml/2006/chart" xmlns:dgm="http://schemas.openxmlformats.org/drawingml/2006/diagram" xmlns:o="urn:schemas-microsoft-com:office:office" xmlns:v="urn:schemas-microsoft-com:vml" xmlns:pvml="urn:schemas-microsoft-com:office:powerpoint" xmlns:com="http://schemas.openxmlformats.org/drawingml/2006/compatibility" xmlns:p14="http://schemas.microsoft.com/office/powerpoint/2010/main" xmlns:p15="http://schemas.microsoft.com/office/powerpoint/2012/main" xmlns:ahyp="http://schemas.microsoft.com/office/drawing/2018/hyperlinkcolor">
+  <p:cSld>
+    <p:spTree>
+      <p:nvGrpSpPr>
+        <p:cNvPr id="126" name="Shape 126"/>
+        <p:cNvGrpSpPr/>
+        <p:nvPr/>
+      </p:nvGrpSpPr>
+      <p:grpSpPr>
+        <a:xfrm>
+          <a:off x="0" y="0"/>
+          <a:ext cx="0" cy="0"/>
+          <a:chOff x="0" y="0"/>
+          <a:chExt cx="0" cy="0"/>
+        </a:xfrm>
+      </p:grpSpPr>
+      <p:sp>
+        <p:nvSpPr>
+          <p:cNvPr id="127" name="Google Shape;127;p4"/>
+          <p:cNvSpPr txBox="1"/>
+          <p:nvPr>
+            <p:ph type="title"/>
+          </p:nvPr>
+        </p:nvSpPr>
+        <p:spPr>
+          <a:xfrm>
+            <a:off x="581192" y="702156"/>
+            <a:ext cx="11029616" cy="1013800"/>
+          </a:xfrm>
+          <a:prstGeom prst="rect">
+            <a:avLst/>
+          </a:prstGeom>
+          <a:noFill/>
+          <a:ln>
+            <a:noFill/>
+          </a:ln>
+        </p:spPr>
+        <p:txBody>
+          <a:bodyPr anchorCtr="0" anchor="b" bIns="45700" lIns="91425" spcFirstLastPara="1" rIns="91425" wrap="square" tIns="45700">
+            <a:normAutofit/>
+          </a:bodyPr>
+          <a:lstStyle/>
+          <a:p>
+            <a:pPr indent="0" lvl="0" marL="0" rtl="0" algn="l">
+              <a:spcBef>
+                <a:spcPts val="0"/>
+              </a:spcBef>
+              <a:spcAft>
+                <a:spcPts val="0"/>
+              </a:spcAft>
+              <a:buClr>
+                <a:schemeClr val="lt1"/>
+              </a:buClr>
+              <a:buSzPts val="2800"/>
+              <a:buFont typeface="Gill Sans"/>
+              <a:buNone/>
+            </a:pPr>
+            <a:r>
+              <a:rPr lang="en-US"/>
+              <a:t>WHAT DO INVESTORS LOOK FOR?</a:t>
+            </a:r>
+            <a:endParaRPr/>
+          </a:p>
+        </p:txBody>
+      </p:sp>
+      <p:sp>
+        <p:nvSpPr>
+          <p:cNvPr id="128" name="Google Shape;128;p4"/>
+          <p:cNvSpPr txBox="1"/>
+          <p:nvPr>
+            <p:ph idx="1" type="body"/>
+          </p:nvPr>
+        </p:nvSpPr>
+        <p:spPr>
+          <a:xfrm>
+            <a:off x="581192" y="2180496"/>
+            <a:ext cx="11029615" cy="3678303"/>
+          </a:xfrm>
+          <a:prstGeom prst="rect">
+            <a:avLst/>
+          </a:prstGeom>
+          <a:noFill/>
+          <a:ln>
+            <a:noFill/>
+          </a:ln>
+        </p:spPr>
+        <p:txBody>
+          <a:bodyPr anchorCtr="0" anchor="ctr" bIns="45700" lIns="91425" spcFirstLastPara="1" rIns="91425" wrap="square" tIns="45700">
+            <a:normAutofit fontScale="77500" lnSpcReduction="20000"/>
+          </a:bodyPr>
+          <a:lstStyle/>
+          <a:p>
+            <a:pPr indent="-306000" lvl="0" marL="306000" rtl="0" algn="l">
+              <a:spcBef>
+                <a:spcPts val="0"/>
+              </a:spcBef>
+              <a:spcAft>
+                <a:spcPts val="0"/>
+              </a:spcAft>
+              <a:buSzPct val="91999"/>
+              <a:buChar char="◼"/>
+            </a:pPr>
+            <a:r>
+              <a:rPr lang="en-US"/>
+              <a:t>Simple – a return on their investment!</a:t>
+            </a:r>
+            <a:endParaRPr/>
+          </a:p>
+          <a:p>
+            <a:pPr indent="-224504" lvl="0" marL="306000" rtl="0" algn="l">
+              <a:spcBef>
+                <a:spcPts val="879"/>
+              </a:spcBef>
+              <a:spcAft>
+                <a:spcPts val="0"/>
+              </a:spcAft>
+              <a:buSzPct val="91999"/>
+              <a:buNone/>
+            </a:pPr>
+            <a:r>
+              <a:t/>
+            </a:r>
+            <a:endParaRPr/>
+          </a:p>
+          <a:p>
+            <a:pPr indent="-306000" lvl="0" marL="306000" rtl="0" algn="l">
+              <a:spcBef>
+                <a:spcPts val="879"/>
+              </a:spcBef>
+              <a:spcAft>
+                <a:spcPts val="0"/>
+              </a:spcAft>
+              <a:buSzPct val="91999"/>
+              <a:buChar char="◼"/>
+            </a:pPr>
+            <a:r>
+              <a:rPr lang="en-US"/>
+              <a:t>Investors make money by a combination of dividend payments and (theoretically) selling their stock at a higher price than what they brought it for.</a:t>
+            </a:r>
+            <a:endParaRPr/>
+          </a:p>
+          <a:p>
+            <a:pPr indent="-224504" lvl="0" marL="306000" rtl="0" algn="l">
+              <a:spcBef>
+                <a:spcPts val="879"/>
+              </a:spcBef>
+              <a:spcAft>
+                <a:spcPts val="0"/>
+              </a:spcAft>
+              <a:buSzPct val="91999"/>
+              <a:buNone/>
+            </a:pPr>
+            <a:r>
+              <a:t/>
+            </a:r>
+            <a:endParaRPr/>
+          </a:p>
+          <a:p>
+            <a:pPr indent="-306000" lvl="0" marL="306000" rtl="0" algn="l">
+              <a:spcBef>
+                <a:spcPts val="879"/>
+              </a:spcBef>
+              <a:spcAft>
+                <a:spcPts val="0"/>
+              </a:spcAft>
+              <a:buSzPct val="91999"/>
+              <a:buChar char="◼"/>
+            </a:pPr>
+            <a:r>
+              <a:rPr lang="en-US"/>
+              <a:t>Factors to consider:  Overall increase in stock price</a:t>
+            </a:r>
+            <a:endParaRPr/>
+          </a:p>
+          <a:p>
+            <a:pPr indent="0" lvl="0" marL="0" rtl="0" algn="l">
+              <a:spcBef>
+                <a:spcPts val="879"/>
+              </a:spcBef>
+              <a:spcAft>
+                <a:spcPts val="0"/>
+              </a:spcAft>
+              <a:buSzPct val="91999"/>
+              <a:buNone/>
+            </a:pPr>
+            <a:r>
+              <a:rPr lang="en-US"/>
+              <a:t>				Amount and frequency of dividend payouts</a:t>
+            </a:r>
+            <a:endParaRPr/>
+          </a:p>
+          <a:p>
+            <a:pPr indent="0" lvl="0" marL="0" rtl="0" algn="l">
+              <a:spcBef>
+                <a:spcPts val="879"/>
+              </a:spcBef>
+              <a:spcAft>
+                <a:spcPts val="0"/>
+              </a:spcAft>
+              <a:buSzPct val="91999"/>
+              <a:buNone/>
+            </a:pPr>
+            <a:r>
+              <a:rPr lang="en-US"/>
+              <a:t>				Volatility</a:t>
+            </a:r>
+            <a:endParaRPr/>
+          </a:p>
+          <a:p>
+            <a:pPr indent="0" lvl="0" marL="0" rtl="0" algn="l">
+              <a:spcBef>
+                <a:spcPts val="879"/>
+              </a:spcBef>
+              <a:spcAft>
+                <a:spcPts val="0"/>
+              </a:spcAft>
+              <a:buSzPct val="91999"/>
+              <a:buNone/>
+            </a:pPr>
+            <a:r>
+              <a:rPr lang="en-US"/>
+              <a:t>				Company specific factors</a:t>
+            </a:r>
+            <a:endParaRPr/>
+          </a:p>
+          <a:p>
+            <a:pPr indent="0" lvl="0" marL="0" rtl="0" algn="l">
+              <a:spcBef>
+                <a:spcPts val="879"/>
+              </a:spcBef>
+              <a:spcAft>
+                <a:spcPts val="0"/>
+              </a:spcAft>
+              <a:buSzPct val="91999"/>
+              <a:buNone/>
+            </a:pPr>
+            <a:r>
+              <a:rPr lang="en-US"/>
+              <a:t>				Industry / legislative factors.</a:t>
+            </a:r>
+            <a:endParaRPr/>
+          </a:p>
+          <a:p>
+            <a:pPr indent="0" lvl="0" marL="0" rtl="0" algn="l">
+              <a:spcBef>
+                <a:spcPts val="879"/>
+              </a:spcBef>
+              <a:spcAft>
+                <a:spcPts val="0"/>
+              </a:spcAft>
+              <a:buSzPct val="91999"/>
+              <a:buNone/>
+            </a:pPr>
+            <a:r>
+              <a:t/>
+            </a:r>
+            <a:endParaRPr/>
+          </a:p>
+          <a:p>
+            <a:pPr indent="0" lvl="0" marL="0" rtl="0" algn="l">
+              <a:spcBef>
+                <a:spcPts val="879"/>
+              </a:spcBef>
+              <a:spcAft>
+                <a:spcPts val="0"/>
+              </a:spcAft>
+              <a:buSzPct val="91999"/>
+              <a:buNone/>
+            </a:pPr>
+            <a:r>
+              <a:rPr lang="en-US"/>
+              <a:t>For the purposes of this project company specific,  industry and legislative factors were not considered.  No qualitative analysis was done primarily because none of us are terribly knowledgeable of the U.S. supermarket sector!</a:t>
+            </a:r>
+            <a:endParaRPr/>
+          </a:p>
+        </p:txBody>
+      </p:sp>
+    </p:spTree>
+  </p:cSld>
+  <p:clrMapOvr>
+    <a:masterClrMapping/>
+  </p:clrMapOvr>
+</p:sld>
+</file>
+
+<file path=ppt/slides/slide6.xml><?xml version="1.0" encoding="utf-8"?>
+<p:sld xmlns:a="http://schemas.openxmlformats.org/drawingml/2006/main" xmlns:r="http://schemas.openxmlformats.org/officeDocument/2006/relationships" xmlns:mc="http://schemas.openxmlformats.org/markup-compatibility/2006" xmlns:mv="urn:schemas-microsoft-com:mac:vml" xmlns:p="http://schemas.openxmlformats.org/presentationml/2006/main" xmlns:c="http://schemas.openxmlformats.org/drawingml/2006/chart" xmlns:dgm="http://schemas.openxmlformats.org/drawingml/2006/diagram" xmlns:o="urn:schemas-microsoft-com:office:office" xmlns:v="urn:schemas-microsoft-com:vml" xmlns:pvml="urn:schemas-microsoft-com:office:powerpoint" xmlns:com="http://schemas.openxmlformats.org/drawingml/2006/compatibility" xmlns:p14="http://schemas.microsoft.com/office/powerpoint/2010/main" xmlns:p15="http://schemas.microsoft.com/office/powerpoint/2012/main" xmlns:ahyp="http://schemas.microsoft.com/office/drawing/2018/hyperlinkcolor">
+  <p:cSld>
+    <p:spTree>
+      <p:nvGrpSpPr>
+        <p:cNvPr id="132" name="Shape 132"/>
+        <p:cNvGrpSpPr/>
+        <p:nvPr/>
+      </p:nvGrpSpPr>
+      <p:grpSpPr>
+        <a:xfrm>
+          <a:off x="0" y="0"/>
+          <a:ext cx="0" cy="0"/>
+          <a:chOff x="0" y="0"/>
+          <a:chExt cx="0" cy="0"/>
+        </a:xfrm>
+      </p:grpSpPr>
+      <p:sp>
+        <p:nvSpPr>
+          <p:cNvPr id="133" name="Google Shape;133;p5"/>
+          <p:cNvSpPr txBox="1"/>
+          <p:nvPr>
+            <p:ph type="title"/>
+          </p:nvPr>
+        </p:nvSpPr>
+        <p:spPr>
+          <a:xfrm>
+            <a:off x="581192" y="702156"/>
+            <a:ext cx="11029616" cy="1013800"/>
+          </a:xfrm>
+          <a:prstGeom prst="rect">
+            <a:avLst/>
+          </a:prstGeom>
+          <a:noFill/>
+          <a:ln>
+            <a:noFill/>
+          </a:ln>
+        </p:spPr>
+        <p:txBody>
+          <a:bodyPr anchorCtr="0" anchor="b" bIns="45700" lIns="91425" spcFirstLastPara="1" rIns="91425" wrap="square" tIns="45700">
+            <a:normAutofit/>
+          </a:bodyPr>
+          <a:lstStyle/>
+          <a:p>
+            <a:pPr indent="0" lvl="0" marL="0" rtl="0" algn="l">
+              <a:spcBef>
+                <a:spcPts val="0"/>
+              </a:spcBef>
+              <a:spcAft>
+                <a:spcPts val="0"/>
+              </a:spcAft>
+              <a:buClr>
+                <a:schemeClr val="lt1"/>
+              </a:buClr>
+              <a:buSzPts val="2800"/>
+              <a:buFont typeface="Gill Sans"/>
+              <a:buNone/>
+            </a:pPr>
+            <a:r>
+              <a:rPr lang="en-US"/>
+              <a:t>6 KEY QUESTIONS</a:t>
+            </a:r>
+            <a:endParaRPr/>
+          </a:p>
+        </p:txBody>
+      </p:sp>
+      <p:sp>
+        <p:nvSpPr>
+          <p:cNvPr id="134" name="Google Shape;134;p5"/>
+          <p:cNvSpPr txBox="1"/>
+          <p:nvPr>
+            <p:ph idx="1" type="body"/>
+          </p:nvPr>
+        </p:nvSpPr>
+        <p:spPr>
+          <a:xfrm>
+            <a:off x="581192" y="2180496"/>
+            <a:ext cx="11029615" cy="3678303"/>
+          </a:xfrm>
+          <a:prstGeom prst="rect">
+            <a:avLst/>
+          </a:prstGeom>
+          <a:noFill/>
+          <a:ln>
+            <a:noFill/>
+          </a:ln>
+        </p:spPr>
+        <p:txBody>
+          <a:bodyPr anchorCtr="0" anchor="ctr" bIns="45700" lIns="91425" spcFirstLastPara="1" rIns="91425" wrap="square" tIns="45700">
+            <a:normAutofit fontScale="85000" lnSpcReduction="20000"/>
+          </a:bodyPr>
+          <a:lstStyle/>
+          <a:p>
+            <a:pPr indent="-306000" lvl="0" marL="306000" rtl="0" algn="l">
+              <a:spcBef>
+                <a:spcPts val="0"/>
+              </a:spcBef>
+              <a:spcAft>
+                <a:spcPts val="0"/>
+              </a:spcAft>
+              <a:buSzPct val="91999"/>
+              <a:buChar char="◼"/>
+            </a:pPr>
+            <a:r>
+              <a:rPr lang="en-US"/>
+              <a:t>How does the stock price change over time?</a:t>
+            </a:r>
+            <a:endParaRPr/>
+          </a:p>
+          <a:p>
+            <a:pPr indent="-216617" lvl="0" marL="306000" rtl="0" algn="l">
+              <a:spcBef>
+                <a:spcPts val="906"/>
+              </a:spcBef>
+              <a:spcAft>
+                <a:spcPts val="0"/>
+              </a:spcAft>
+              <a:buSzPct val="91999"/>
+              <a:buNone/>
+            </a:pPr>
+            <a:r>
+              <a:t/>
+            </a:r>
+            <a:endParaRPr/>
+          </a:p>
+          <a:p>
+            <a:pPr indent="-306000" lvl="0" marL="306000" rtl="0" algn="l">
+              <a:spcBef>
+                <a:spcPts val="906"/>
+              </a:spcBef>
+              <a:spcAft>
+                <a:spcPts val="0"/>
+              </a:spcAft>
+              <a:buSzPct val="91999"/>
+              <a:buChar char="◼"/>
+            </a:pPr>
+            <a:r>
+              <a:rPr lang="en-US"/>
+              <a:t>How are dividends treated by the company?</a:t>
+            </a:r>
+            <a:endParaRPr/>
+          </a:p>
+          <a:p>
+            <a:pPr indent="-216617" lvl="0" marL="306000" rtl="0" algn="l">
+              <a:spcBef>
+                <a:spcPts val="906"/>
+              </a:spcBef>
+              <a:spcAft>
+                <a:spcPts val="0"/>
+              </a:spcAft>
+              <a:buSzPct val="91999"/>
+              <a:buNone/>
+            </a:pPr>
+            <a:r>
+              <a:t/>
+            </a:r>
+            <a:endParaRPr/>
+          </a:p>
+          <a:p>
+            <a:pPr indent="-306000" lvl="0" marL="306000" rtl="0" algn="l">
+              <a:spcBef>
+                <a:spcPts val="906"/>
+              </a:spcBef>
+              <a:spcAft>
+                <a:spcPts val="0"/>
+              </a:spcAft>
+              <a:buSzPct val="91999"/>
+              <a:buChar char="◼"/>
+            </a:pPr>
+            <a:r>
+              <a:rPr lang="en-US"/>
+              <a:t>Does any of the stock have a greater degree of risk associated with it than the others?</a:t>
+            </a:r>
+            <a:endParaRPr/>
+          </a:p>
+          <a:p>
+            <a:pPr indent="0" lvl="0" marL="0" rtl="0" algn="l">
+              <a:spcBef>
+                <a:spcPts val="906"/>
+              </a:spcBef>
+              <a:spcAft>
+                <a:spcPts val="0"/>
+              </a:spcAft>
+              <a:buSzPct val="91999"/>
+              <a:buNone/>
+            </a:pPr>
+            <a:r>
+              <a:t/>
+            </a:r>
+            <a:endParaRPr/>
+          </a:p>
+          <a:p>
+            <a:pPr indent="-306000" lvl="0" marL="306000" rtl="0" algn="l">
+              <a:spcBef>
+                <a:spcPts val="906"/>
+              </a:spcBef>
+              <a:spcAft>
+                <a:spcPts val="0"/>
+              </a:spcAft>
+              <a:buSzPct val="91999"/>
+              <a:buChar char="◼"/>
+            </a:pPr>
+            <a:r>
+              <a:rPr lang="en-US"/>
+              <a:t>Which stock gives us the greatest return on investment?</a:t>
+            </a:r>
+            <a:endParaRPr/>
+          </a:p>
+          <a:p>
+            <a:pPr indent="-216617" lvl="0" marL="306000" rtl="0" algn="l">
+              <a:spcBef>
+                <a:spcPts val="906"/>
+              </a:spcBef>
+              <a:spcAft>
+                <a:spcPts val="0"/>
+              </a:spcAft>
+              <a:buSzPct val="91999"/>
+              <a:buNone/>
+            </a:pPr>
+            <a:r>
+              <a:t/>
+            </a:r>
+            <a:endParaRPr/>
+          </a:p>
+          <a:p>
+            <a:pPr indent="-306000" lvl="0" marL="306000" rtl="0" algn="l">
+              <a:spcBef>
+                <a:spcPts val="906"/>
+              </a:spcBef>
+              <a:spcAft>
+                <a:spcPts val="0"/>
+              </a:spcAft>
+              <a:buSzPct val="91999"/>
+              <a:buChar char="◼"/>
+            </a:pPr>
+            <a:r>
+              <a:rPr lang="en-US"/>
+              <a:t>Is past financial performance a true indicator or future financial performance?</a:t>
+            </a:r>
+            <a:endParaRPr/>
+          </a:p>
+          <a:p>
+            <a:pPr indent="-216617" lvl="0" marL="306000" rtl="0" algn="l">
+              <a:spcBef>
+                <a:spcPts val="906"/>
+              </a:spcBef>
+              <a:spcAft>
+                <a:spcPts val="0"/>
+              </a:spcAft>
+              <a:buSzPct val="91999"/>
+              <a:buNone/>
+            </a:pPr>
+            <a:r>
+              <a:t/>
+            </a:r>
+            <a:endParaRPr/>
+          </a:p>
+          <a:p>
+            <a:pPr indent="-306000" lvl="0" marL="306000" rtl="0" algn="l">
+              <a:spcBef>
+                <a:spcPts val="906"/>
+              </a:spcBef>
+              <a:spcAft>
+                <a:spcPts val="0"/>
+              </a:spcAft>
+              <a:buSzPct val="91999"/>
+              <a:buChar char="◼"/>
+            </a:pPr>
+            <a:r>
+              <a:rPr lang="en-US"/>
+              <a:t>Are there any other factors that could influence our investment decision?</a:t>
+            </a:r>
+            <a:endParaRPr/>
+          </a:p>
+          <a:p>
+            <a:pPr indent="-216617" lvl="0" marL="306000" rtl="0" algn="l">
+              <a:spcBef>
+                <a:spcPts val="906"/>
+              </a:spcBef>
+              <a:spcAft>
+                <a:spcPts val="0"/>
+              </a:spcAft>
+              <a:buSzPct val="91999"/>
+              <a:buNone/>
+            </a:pPr>
+            <a:r>
+              <a:t/>
+            </a:r>
+            <a:endParaRPr/>
+          </a:p>
+        </p:txBody>
+      </p:sp>
+    </p:spTree>
+  </p:cSld>
+  <p:clrMapOvr>
+    <a:masterClrMapping/>
+  </p:clrMapOvr>
+</p:sld>
+</file>
+
+<file path=ppt/slides/slide7.xml><?xml version="1.0" encoding="utf-8"?>
+<p:sld xmlns:a="http://schemas.openxmlformats.org/drawingml/2006/main" xmlns:r="http://schemas.openxmlformats.org/officeDocument/2006/relationships" xmlns:mc="http://schemas.openxmlformats.org/markup-compatibility/2006" xmlns:mv="urn:schemas-microsoft-com:mac:vml" xmlns:p="http://schemas.openxmlformats.org/presentationml/2006/main" xmlns:c="http://schemas.openxmlformats.org/drawingml/2006/chart" xmlns:dgm="http://schemas.openxmlformats.org/drawingml/2006/diagram" xmlns:o="urn:schemas-microsoft-com:office:office" xmlns:v="urn:schemas-microsoft-com:vml" xmlns:pvml="urn:schemas-microsoft-com:office:powerpoint" xmlns:com="http://schemas.openxmlformats.org/drawingml/2006/compatibility" xmlns:p14="http://schemas.microsoft.com/office/powerpoint/2010/main" xmlns:p15="http://schemas.microsoft.com/office/powerpoint/2012/main" xmlns:ahyp="http://schemas.microsoft.com/office/drawing/2018/hyperlinkcolor">
+  <p:cSld>
+    <p:spTree>
+      <p:nvGrpSpPr>
+        <p:cNvPr id="138" name="Shape 138"/>
+        <p:cNvGrpSpPr/>
+        <p:nvPr/>
+      </p:nvGrpSpPr>
+      <p:grpSpPr>
+        <a:xfrm>
+          <a:off x="0" y="0"/>
+          <a:ext cx="0" cy="0"/>
+          <a:chOff x="0" y="0"/>
+          <a:chExt cx="0" cy="0"/>
+        </a:xfrm>
+      </p:grpSpPr>
+      <p:sp>
+        <p:nvSpPr>
+          <p:cNvPr id="139" name="Google Shape;139;p6"/>
+          <p:cNvSpPr txBox="1"/>
+          <p:nvPr>
+            <p:ph type="title"/>
+          </p:nvPr>
+        </p:nvSpPr>
+        <p:spPr>
+          <a:xfrm>
+            <a:off x="581192" y="702156"/>
+            <a:ext cx="11029616" cy="1013800"/>
+          </a:xfrm>
+          <a:prstGeom prst="rect">
+            <a:avLst/>
+          </a:prstGeom>
+          <a:noFill/>
+          <a:ln>
+            <a:noFill/>
+          </a:ln>
+        </p:spPr>
+        <p:txBody>
+          <a:bodyPr anchorCtr="0" anchor="b" bIns="45700" lIns="91425" spcFirstLastPara="1" rIns="91425" wrap="square" tIns="45700">
+            <a:normAutofit/>
+          </a:bodyPr>
+          <a:lstStyle/>
+          <a:p>
+            <a:pPr indent="0" lvl="0" marL="0" rtl="0" algn="l">
+              <a:spcBef>
+                <a:spcPts val="0"/>
+              </a:spcBef>
+              <a:spcAft>
+                <a:spcPts val="0"/>
+              </a:spcAft>
+              <a:buClr>
+                <a:schemeClr val="lt1"/>
+              </a:buClr>
+              <a:buSzPts val="2800"/>
+              <a:buFont typeface="Gill Sans"/>
+              <a:buNone/>
+            </a:pPr>
+            <a:r>
+              <a:rPr lang="en-US"/>
+              <a:t>HOW DOES THE STOCK PRICE CHANGE OVER TIME?</a:t>
+            </a:r>
+            <a:endParaRPr/>
+          </a:p>
+        </p:txBody>
+      </p:sp>
+      <p:sp>
+        <p:nvSpPr>
+          <p:cNvPr id="140" name="Google Shape;140;p6"/>
           <p:cNvSpPr txBox="1"/>
           <p:nvPr>
             <p:ph idx="1" type="body"/>
@@ -15544,1095 +17533,6 @@
             </a:pPr>
             <a:r>
               <a:rPr lang="en-US"/>
-              <a:t>Before any decision is made, further scrutiny of the company would need to be done – for example, examining the Trading Profit and Loss Account and Balance Sheet and performing other statistical measures such as the “Acid Test”.</a:t>
-            </a:r>
-            <a:endParaRPr/>
-          </a:p>
-          <a:p>
-            <a:pPr indent="-200844" lvl="0" marL="306000" rtl="0" algn="l">
-              <a:spcBef>
-                <a:spcPts val="960"/>
-              </a:spcBef>
-              <a:spcAft>
-                <a:spcPts val="0"/>
-              </a:spcAft>
-              <a:buSzPts val="1656"/>
-              <a:buNone/>
-            </a:pPr>
-            <a:r>
-              <a:t/>
-            </a:r>
-            <a:endParaRPr/>
-          </a:p>
-          <a:p>
-            <a:pPr indent="-306000" lvl="0" marL="306000" rtl="0" algn="l">
-              <a:spcBef>
-                <a:spcPts val="960"/>
-              </a:spcBef>
-              <a:spcAft>
-                <a:spcPts val="0"/>
-              </a:spcAft>
-              <a:buSzPts val="1656"/>
-              <a:buChar char="◼"/>
-            </a:pPr>
-            <a:r>
-              <a:rPr lang="en-US"/>
-              <a:t>What is your investor / risk profile?  Are you a Pension Fund Manager or a day trader?  A Day trader may be prepared to absorb a higher level of risk than a Pension Fund Manager who has to ensure that any trades will cover their commitments no matter what.</a:t>
-            </a:r>
-            <a:endParaRPr/>
-          </a:p>
-          <a:p>
-            <a:pPr indent="-200844" lvl="0" marL="306000" rtl="0" algn="l">
-              <a:spcBef>
-                <a:spcPts val="960"/>
-              </a:spcBef>
-              <a:spcAft>
-                <a:spcPts val="0"/>
-              </a:spcAft>
-              <a:buSzPts val="1656"/>
-              <a:buNone/>
-            </a:pPr>
-            <a:r>
-              <a:t/>
-            </a:r>
-            <a:endParaRPr/>
-          </a:p>
-          <a:p>
-            <a:pPr indent="-306000" lvl="0" marL="306000" rtl="0" algn="l">
-              <a:spcBef>
-                <a:spcPts val="960"/>
-              </a:spcBef>
-              <a:spcAft>
-                <a:spcPts val="0"/>
-              </a:spcAft>
-              <a:buSzPts val="1656"/>
-              <a:buChar char="◼"/>
-            </a:pPr>
-            <a:r>
-              <a:rPr lang="en-US"/>
-              <a:t>Are there other sectors who are greatly outperforming this one – and would be a more attractive investment opportunity?</a:t>
-            </a:r>
-            <a:endParaRPr/>
-          </a:p>
-        </p:txBody>
-      </p:sp>
-    </p:spTree>
-  </p:cSld>
-  <p:clrMapOvr>
-    <a:masterClrMapping/>
-  </p:clrMapOvr>
-</p:sld>
-</file>
-
-<file path=ppt/slides/slide3.xml><?xml version="1.0" encoding="utf-8"?>
-<p:sld xmlns:a="http://schemas.openxmlformats.org/drawingml/2006/main" xmlns:r="http://schemas.openxmlformats.org/officeDocument/2006/relationships" xmlns:mc="http://schemas.openxmlformats.org/markup-compatibility/2006" xmlns:mv="urn:schemas-microsoft-com:mac:vml" xmlns:p="http://schemas.openxmlformats.org/presentationml/2006/main" xmlns:c="http://schemas.openxmlformats.org/drawingml/2006/chart" xmlns:dgm="http://schemas.openxmlformats.org/drawingml/2006/diagram" xmlns:o="urn:schemas-microsoft-com:office:office" xmlns:v="urn:schemas-microsoft-com:vml" xmlns:pvml="urn:schemas-microsoft-com:office:powerpoint" xmlns:com="http://schemas.openxmlformats.org/drawingml/2006/compatibility" xmlns:p14="http://schemas.microsoft.com/office/powerpoint/2010/main" xmlns:p15="http://schemas.microsoft.com/office/powerpoint/2012/main" xmlns:ahyp="http://schemas.microsoft.com/office/drawing/2018/hyperlinkcolor">
-  <p:cSld>
-    <p:spTree>
-      <p:nvGrpSpPr>
-        <p:cNvPr id="108" name="Shape 108"/>
-        <p:cNvGrpSpPr/>
-        <p:nvPr/>
-      </p:nvGrpSpPr>
-      <p:grpSpPr>
-        <a:xfrm>
-          <a:off x="0" y="0"/>
-          <a:ext cx="0" cy="0"/>
-          <a:chOff x="0" y="0"/>
-          <a:chExt cx="0" cy="0"/>
-        </a:xfrm>
-      </p:grpSpPr>
-      <p:sp>
-        <p:nvSpPr>
-          <p:cNvPr id="109" name="Google Shape;109;p3"/>
-          <p:cNvSpPr txBox="1"/>
-          <p:nvPr>
-            <p:ph type="title"/>
-          </p:nvPr>
-        </p:nvSpPr>
-        <p:spPr>
-          <a:xfrm>
-            <a:off x="581192" y="702156"/>
-            <a:ext cx="11029616" cy="1013800"/>
-          </a:xfrm>
-          <a:prstGeom prst="rect">
-            <a:avLst/>
-          </a:prstGeom>
-          <a:noFill/>
-          <a:ln>
-            <a:noFill/>
-          </a:ln>
-        </p:spPr>
-        <p:txBody>
-          <a:bodyPr anchorCtr="0" anchor="b" bIns="45700" lIns="91425" spcFirstLastPara="1" rIns="91425" wrap="square" tIns="45700">
-            <a:normAutofit/>
-          </a:bodyPr>
-          <a:lstStyle/>
-          <a:p>
-            <a:pPr indent="0" lvl="0" marL="0" rtl="0" algn="l">
-              <a:spcBef>
-                <a:spcPts val="0"/>
-              </a:spcBef>
-              <a:spcAft>
-                <a:spcPts val="0"/>
-              </a:spcAft>
-              <a:buClr>
-                <a:schemeClr val="lt1"/>
-              </a:buClr>
-              <a:buSzPts val="2800"/>
-              <a:buFont typeface="Gill Sans"/>
-              <a:buNone/>
-            </a:pPr>
-            <a:r>
-              <a:rPr lang="en-US"/>
-              <a:t>METHODOLOGY</a:t>
-            </a:r>
-            <a:endParaRPr/>
-          </a:p>
-        </p:txBody>
-      </p:sp>
-      <p:sp>
-        <p:nvSpPr>
-          <p:cNvPr id="110" name="Google Shape;110;p3"/>
-          <p:cNvSpPr txBox="1"/>
-          <p:nvPr>
-            <p:ph idx="1" type="body"/>
-          </p:nvPr>
-        </p:nvSpPr>
-        <p:spPr>
-          <a:xfrm>
-            <a:off x="581192" y="2180496"/>
-            <a:ext cx="11029615" cy="4512404"/>
-          </a:xfrm>
-          <a:prstGeom prst="rect">
-            <a:avLst/>
-          </a:prstGeom>
-          <a:noFill/>
-          <a:ln>
-            <a:noFill/>
-          </a:ln>
-        </p:spPr>
-        <p:txBody>
-          <a:bodyPr anchorCtr="0" anchor="ctr" bIns="45700" lIns="91425" spcFirstLastPara="1" rIns="91425" wrap="square" tIns="45700">
-            <a:normAutofit fontScale="92500" lnSpcReduction="20000"/>
-          </a:bodyPr>
-          <a:lstStyle/>
-          <a:p>
-            <a:pPr indent="-306000" lvl="0" marL="306000" rtl="0" algn="l">
-              <a:spcBef>
-                <a:spcPts val="0"/>
-              </a:spcBef>
-              <a:spcAft>
-                <a:spcPts val="0"/>
-              </a:spcAft>
-              <a:buSzPct val="91999"/>
-              <a:buChar char="◼"/>
-            </a:pPr>
-            <a:r>
-              <a:rPr lang="en-US"/>
-              <a:t>The four big supermarkets in the U.S. are Walmart, Costco, Target and Albertsons.</a:t>
-            </a:r>
-            <a:endParaRPr/>
-          </a:p>
-          <a:p>
-            <a:pPr indent="-208730" lvl="0" marL="306000" rtl="0" algn="l">
-              <a:spcBef>
-                <a:spcPts val="933"/>
-              </a:spcBef>
-              <a:spcAft>
-                <a:spcPts val="0"/>
-              </a:spcAft>
-              <a:buSzPct val="91999"/>
-              <a:buNone/>
-            </a:pPr>
-            <a:r>
-              <a:t/>
-            </a:r>
-            <a:endParaRPr/>
-          </a:p>
-          <a:p>
-            <a:pPr indent="-306000" lvl="0" marL="306000" rtl="0" algn="l">
-              <a:spcBef>
-                <a:spcPts val="933"/>
-              </a:spcBef>
-              <a:spcAft>
-                <a:spcPts val="0"/>
-              </a:spcAft>
-              <a:buSzPct val="91999"/>
-              <a:buChar char="◼"/>
-            </a:pPr>
-            <a:r>
-              <a:rPr lang="en-US"/>
-              <a:t>Data was sourced from Yahoo Finance.  Share price and dividend data was readily available – thank you Chace!</a:t>
-            </a:r>
-            <a:endParaRPr/>
-          </a:p>
-          <a:p>
-            <a:pPr indent="-208730" lvl="0" marL="306000" rtl="0" algn="l">
-              <a:spcBef>
-                <a:spcPts val="933"/>
-              </a:spcBef>
-              <a:spcAft>
-                <a:spcPts val="0"/>
-              </a:spcAft>
-              <a:buSzPct val="91999"/>
-              <a:buNone/>
-            </a:pPr>
-            <a:r>
-              <a:t/>
-            </a:r>
-            <a:endParaRPr/>
-          </a:p>
-          <a:p>
-            <a:pPr indent="-306000" lvl="0" marL="306000" rtl="0" algn="l">
-              <a:spcBef>
-                <a:spcPts val="933"/>
-              </a:spcBef>
-              <a:spcAft>
-                <a:spcPts val="0"/>
-              </a:spcAft>
-              <a:buSzPct val="91999"/>
-              <a:buChar char="◼"/>
-            </a:pPr>
-            <a:r>
-              <a:rPr lang="en-US"/>
-              <a:t>We did initially try to use the NASDAQ API key but found that we were limited to 14 lines of data –which we felt was not enough.</a:t>
-            </a:r>
-            <a:endParaRPr/>
-          </a:p>
-          <a:p>
-            <a:pPr indent="-208730" lvl="0" marL="306000" rtl="0" algn="l">
-              <a:spcBef>
-                <a:spcPts val="933"/>
-              </a:spcBef>
-              <a:spcAft>
-                <a:spcPts val="0"/>
-              </a:spcAft>
-              <a:buSzPct val="91999"/>
-              <a:buNone/>
-            </a:pPr>
-            <a:r>
-              <a:t/>
-            </a:r>
-            <a:endParaRPr/>
-          </a:p>
-          <a:p>
-            <a:pPr indent="-306000" lvl="0" marL="306000" rtl="0" algn="l">
-              <a:spcBef>
-                <a:spcPts val="933"/>
-              </a:spcBef>
-              <a:spcAft>
-                <a:spcPts val="0"/>
-              </a:spcAft>
-              <a:buSzPct val="91999"/>
-              <a:buChar char="◼"/>
-            </a:pPr>
-            <a:r>
-              <a:rPr lang="en-US"/>
-              <a:t>Information initially looked for:  Opening Stock Price</a:t>
-            </a:r>
-            <a:endParaRPr/>
-          </a:p>
-          <a:p>
-            <a:pPr indent="0" lvl="0" marL="0" rtl="0" algn="l">
-              <a:spcBef>
-                <a:spcPts val="933"/>
-              </a:spcBef>
-              <a:spcAft>
-                <a:spcPts val="0"/>
-              </a:spcAft>
-              <a:buSzPct val="91999"/>
-              <a:buNone/>
-            </a:pPr>
-            <a:r>
-              <a:rPr lang="en-US"/>
-              <a:t>						      Closing Stock Price</a:t>
-            </a:r>
-            <a:endParaRPr/>
-          </a:p>
-          <a:p>
-            <a:pPr indent="0" lvl="0" marL="0" rtl="0" algn="l">
-              <a:spcBef>
-                <a:spcPts val="933"/>
-              </a:spcBef>
-              <a:spcAft>
-                <a:spcPts val="0"/>
-              </a:spcAft>
-              <a:buSzPct val="91999"/>
-              <a:buNone/>
-            </a:pPr>
-            <a:r>
-              <a:rPr lang="en-US"/>
-              <a:t>						      Stock Volume Traded</a:t>
-            </a:r>
-            <a:endParaRPr/>
-          </a:p>
-          <a:p>
-            <a:pPr indent="0" lvl="0" marL="0" rtl="0" algn="l">
-              <a:spcBef>
-                <a:spcPts val="933"/>
-              </a:spcBef>
-              <a:spcAft>
-                <a:spcPts val="0"/>
-              </a:spcAft>
-              <a:buSzPct val="91999"/>
-              <a:buNone/>
-            </a:pPr>
-            <a:r>
-              <a:rPr lang="en-US"/>
-              <a:t>   						      Time</a:t>
-            </a:r>
-            <a:endParaRPr/>
-          </a:p>
-          <a:p>
-            <a:pPr indent="-208730" lvl="0" marL="306000" rtl="0" algn="l">
-              <a:spcBef>
-                <a:spcPts val="933"/>
-              </a:spcBef>
-              <a:spcAft>
-                <a:spcPts val="0"/>
-              </a:spcAft>
-              <a:buSzPct val="91999"/>
-              <a:buNone/>
-            </a:pPr>
-            <a:r>
-              <a:t/>
-            </a:r>
-            <a:endParaRPr/>
-          </a:p>
-          <a:p>
-            <a:pPr indent="-306000" lvl="0" marL="306000" rtl="0" algn="l">
-              <a:spcBef>
-                <a:spcPts val="933"/>
-              </a:spcBef>
-              <a:spcAft>
-                <a:spcPts val="0"/>
-              </a:spcAft>
-              <a:buSzPct val="91999"/>
-              <a:buChar char="◼"/>
-            </a:pPr>
-            <a:r>
-              <a:rPr lang="en-US"/>
-              <a:t>This then evolved into incorporating dividends.</a:t>
-            </a:r>
-            <a:endParaRPr/>
-          </a:p>
-          <a:p>
-            <a:pPr indent="-208730" lvl="0" marL="306000" rtl="0" algn="l">
-              <a:spcBef>
-                <a:spcPts val="933"/>
-              </a:spcBef>
-              <a:spcAft>
-                <a:spcPts val="0"/>
-              </a:spcAft>
-              <a:buSzPct val="91999"/>
-              <a:buNone/>
-            </a:pPr>
-            <a:r>
-              <a:t/>
-            </a:r>
-            <a:endParaRPr/>
-          </a:p>
-        </p:txBody>
-      </p:sp>
-    </p:spTree>
-  </p:cSld>
-  <p:clrMapOvr>
-    <a:masterClrMapping/>
-  </p:clrMapOvr>
-</p:sld>
-</file>
-
-<file path=ppt/slides/slide4.xml><?xml version="1.0" encoding="utf-8"?>
-<p:sld xmlns:a="http://schemas.openxmlformats.org/drawingml/2006/main" xmlns:r="http://schemas.openxmlformats.org/officeDocument/2006/relationships" xmlns:mc="http://schemas.openxmlformats.org/markup-compatibility/2006" xmlns:mv="urn:schemas-microsoft-com:mac:vml" xmlns:p="http://schemas.openxmlformats.org/presentationml/2006/main" xmlns:c="http://schemas.openxmlformats.org/drawingml/2006/chart" xmlns:dgm="http://schemas.openxmlformats.org/drawingml/2006/diagram" xmlns:o="urn:schemas-microsoft-com:office:office" xmlns:v="urn:schemas-microsoft-com:vml" xmlns:pvml="urn:schemas-microsoft-com:office:powerpoint" xmlns:com="http://schemas.openxmlformats.org/drawingml/2006/compatibility" xmlns:p14="http://schemas.microsoft.com/office/powerpoint/2010/main" xmlns:p15="http://schemas.microsoft.com/office/powerpoint/2012/main" xmlns:ahyp="http://schemas.microsoft.com/office/drawing/2018/hyperlinkcolor">
-  <p:cSld>
-    <p:spTree>
-      <p:nvGrpSpPr>
-        <p:cNvPr id="114" name="Shape 114"/>
-        <p:cNvGrpSpPr/>
-        <p:nvPr/>
-      </p:nvGrpSpPr>
-      <p:grpSpPr>
-        <a:xfrm>
-          <a:off x="0" y="0"/>
-          <a:ext cx="0" cy="0"/>
-          <a:chOff x="0" y="0"/>
-          <a:chExt cx="0" cy="0"/>
-        </a:xfrm>
-      </p:grpSpPr>
-      <p:sp>
-        <p:nvSpPr>
-          <p:cNvPr id="115" name="Google Shape;115;p4"/>
-          <p:cNvSpPr txBox="1"/>
-          <p:nvPr>
-            <p:ph type="title"/>
-          </p:nvPr>
-        </p:nvSpPr>
-        <p:spPr>
-          <a:xfrm>
-            <a:off x="581192" y="702156"/>
-            <a:ext cx="11029616" cy="1013800"/>
-          </a:xfrm>
-          <a:prstGeom prst="rect">
-            <a:avLst/>
-          </a:prstGeom>
-          <a:noFill/>
-          <a:ln>
-            <a:noFill/>
-          </a:ln>
-        </p:spPr>
-        <p:txBody>
-          <a:bodyPr anchorCtr="0" anchor="b" bIns="45700" lIns="91425" spcFirstLastPara="1" rIns="91425" wrap="square" tIns="45700">
-            <a:normAutofit/>
-          </a:bodyPr>
-          <a:lstStyle/>
-          <a:p>
-            <a:pPr indent="0" lvl="0" marL="0" rtl="0" algn="l">
-              <a:spcBef>
-                <a:spcPts val="0"/>
-              </a:spcBef>
-              <a:spcAft>
-                <a:spcPts val="0"/>
-              </a:spcAft>
-              <a:buClr>
-                <a:schemeClr val="lt1"/>
-              </a:buClr>
-              <a:buSzPts val="2800"/>
-              <a:buFont typeface="Gill Sans"/>
-              <a:buNone/>
-            </a:pPr>
-            <a:r>
-              <a:rPr lang="en-US"/>
-              <a:t>WHAT DO INVESTORS LOOK FOR?</a:t>
-            </a:r>
-            <a:endParaRPr/>
-          </a:p>
-        </p:txBody>
-      </p:sp>
-      <p:sp>
-        <p:nvSpPr>
-          <p:cNvPr id="116" name="Google Shape;116;p4"/>
-          <p:cNvSpPr txBox="1"/>
-          <p:nvPr>
-            <p:ph idx="1" type="body"/>
-          </p:nvPr>
-        </p:nvSpPr>
-        <p:spPr>
-          <a:xfrm>
-            <a:off x="581192" y="2180496"/>
-            <a:ext cx="11029615" cy="3678303"/>
-          </a:xfrm>
-          <a:prstGeom prst="rect">
-            <a:avLst/>
-          </a:prstGeom>
-          <a:noFill/>
-          <a:ln>
-            <a:noFill/>
-          </a:ln>
-        </p:spPr>
-        <p:txBody>
-          <a:bodyPr anchorCtr="0" anchor="ctr" bIns="45700" lIns="91425" spcFirstLastPara="1" rIns="91425" wrap="square" tIns="45700">
-            <a:normAutofit fontScale="77500" lnSpcReduction="20000"/>
-          </a:bodyPr>
-          <a:lstStyle/>
-          <a:p>
-            <a:pPr indent="-306000" lvl="0" marL="306000" rtl="0" algn="l">
-              <a:spcBef>
-                <a:spcPts val="0"/>
-              </a:spcBef>
-              <a:spcAft>
-                <a:spcPts val="0"/>
-              </a:spcAft>
-              <a:buSzPct val="91999"/>
-              <a:buChar char="◼"/>
-            </a:pPr>
-            <a:r>
-              <a:rPr lang="en-US"/>
-              <a:t>Simple – a return on their investment!</a:t>
-            </a:r>
-            <a:endParaRPr/>
-          </a:p>
-          <a:p>
-            <a:pPr indent="-224504" lvl="0" marL="306000" rtl="0" algn="l">
-              <a:spcBef>
-                <a:spcPts val="879"/>
-              </a:spcBef>
-              <a:spcAft>
-                <a:spcPts val="0"/>
-              </a:spcAft>
-              <a:buSzPct val="91999"/>
-              <a:buNone/>
-            </a:pPr>
-            <a:r>
-              <a:t/>
-            </a:r>
-            <a:endParaRPr/>
-          </a:p>
-          <a:p>
-            <a:pPr indent="-306000" lvl="0" marL="306000" rtl="0" algn="l">
-              <a:spcBef>
-                <a:spcPts val="879"/>
-              </a:spcBef>
-              <a:spcAft>
-                <a:spcPts val="0"/>
-              </a:spcAft>
-              <a:buSzPct val="91999"/>
-              <a:buChar char="◼"/>
-            </a:pPr>
-            <a:r>
-              <a:rPr lang="en-US"/>
-              <a:t>Investors make money by a combination of dividend payments and (theoretically) selling their stock at a higher price than what they brought it for.</a:t>
-            </a:r>
-            <a:endParaRPr/>
-          </a:p>
-          <a:p>
-            <a:pPr indent="-224504" lvl="0" marL="306000" rtl="0" algn="l">
-              <a:spcBef>
-                <a:spcPts val="879"/>
-              </a:spcBef>
-              <a:spcAft>
-                <a:spcPts val="0"/>
-              </a:spcAft>
-              <a:buSzPct val="91999"/>
-              <a:buNone/>
-            </a:pPr>
-            <a:r>
-              <a:t/>
-            </a:r>
-            <a:endParaRPr/>
-          </a:p>
-          <a:p>
-            <a:pPr indent="-306000" lvl="0" marL="306000" rtl="0" algn="l">
-              <a:spcBef>
-                <a:spcPts val="879"/>
-              </a:spcBef>
-              <a:spcAft>
-                <a:spcPts val="0"/>
-              </a:spcAft>
-              <a:buSzPct val="91999"/>
-              <a:buChar char="◼"/>
-            </a:pPr>
-            <a:r>
-              <a:rPr lang="en-US"/>
-              <a:t>Factors to consider:  Overall increase in stock price</a:t>
-            </a:r>
-            <a:endParaRPr/>
-          </a:p>
-          <a:p>
-            <a:pPr indent="0" lvl="0" marL="0" rtl="0" algn="l">
-              <a:spcBef>
-                <a:spcPts val="879"/>
-              </a:spcBef>
-              <a:spcAft>
-                <a:spcPts val="0"/>
-              </a:spcAft>
-              <a:buSzPct val="91999"/>
-              <a:buNone/>
-            </a:pPr>
-            <a:r>
-              <a:rPr lang="en-US"/>
-              <a:t>				Amount and frequency of dividend payouts</a:t>
-            </a:r>
-            <a:endParaRPr/>
-          </a:p>
-          <a:p>
-            <a:pPr indent="0" lvl="0" marL="0" rtl="0" algn="l">
-              <a:spcBef>
-                <a:spcPts val="879"/>
-              </a:spcBef>
-              <a:spcAft>
-                <a:spcPts val="0"/>
-              </a:spcAft>
-              <a:buSzPct val="91999"/>
-              <a:buNone/>
-            </a:pPr>
-            <a:r>
-              <a:rPr lang="en-US"/>
-              <a:t>				Volatility</a:t>
-            </a:r>
-            <a:endParaRPr/>
-          </a:p>
-          <a:p>
-            <a:pPr indent="0" lvl="0" marL="0" rtl="0" algn="l">
-              <a:spcBef>
-                <a:spcPts val="879"/>
-              </a:spcBef>
-              <a:spcAft>
-                <a:spcPts val="0"/>
-              </a:spcAft>
-              <a:buSzPct val="91999"/>
-              <a:buNone/>
-            </a:pPr>
-            <a:r>
-              <a:rPr lang="en-US"/>
-              <a:t>				Company specific factors</a:t>
-            </a:r>
-            <a:endParaRPr/>
-          </a:p>
-          <a:p>
-            <a:pPr indent="0" lvl="0" marL="0" rtl="0" algn="l">
-              <a:spcBef>
-                <a:spcPts val="879"/>
-              </a:spcBef>
-              <a:spcAft>
-                <a:spcPts val="0"/>
-              </a:spcAft>
-              <a:buSzPct val="91999"/>
-              <a:buNone/>
-            </a:pPr>
-            <a:r>
-              <a:rPr lang="en-US"/>
-              <a:t>				Industry / legislative factors.</a:t>
-            </a:r>
-            <a:endParaRPr/>
-          </a:p>
-          <a:p>
-            <a:pPr indent="0" lvl="0" marL="0" rtl="0" algn="l">
-              <a:spcBef>
-                <a:spcPts val="879"/>
-              </a:spcBef>
-              <a:spcAft>
-                <a:spcPts val="0"/>
-              </a:spcAft>
-              <a:buSzPct val="91999"/>
-              <a:buNone/>
-            </a:pPr>
-            <a:r>
-              <a:t/>
-            </a:r>
-            <a:endParaRPr/>
-          </a:p>
-          <a:p>
-            <a:pPr indent="0" lvl="0" marL="0" rtl="0" algn="l">
-              <a:spcBef>
-                <a:spcPts val="879"/>
-              </a:spcBef>
-              <a:spcAft>
-                <a:spcPts val="0"/>
-              </a:spcAft>
-              <a:buSzPct val="91999"/>
-              <a:buNone/>
-            </a:pPr>
-            <a:r>
-              <a:rPr lang="en-US"/>
-              <a:t>For the purposes of this project company specific,  industry and legislative factors were not considered.  No qualitative analysis was done primarily because none of us are terribly knowledgeable of the U.S. supermarket sector!</a:t>
-            </a:r>
-            <a:endParaRPr/>
-          </a:p>
-        </p:txBody>
-      </p:sp>
-    </p:spTree>
-  </p:cSld>
-  <p:clrMapOvr>
-    <a:masterClrMapping/>
-  </p:clrMapOvr>
-</p:sld>
-</file>
-
-<file path=ppt/slides/slide5.xml><?xml version="1.0" encoding="utf-8"?>
-<p:sld xmlns:a="http://schemas.openxmlformats.org/drawingml/2006/main" xmlns:r="http://schemas.openxmlformats.org/officeDocument/2006/relationships" xmlns:mc="http://schemas.openxmlformats.org/markup-compatibility/2006" xmlns:mv="urn:schemas-microsoft-com:mac:vml" xmlns:p="http://schemas.openxmlformats.org/presentationml/2006/main" xmlns:c="http://schemas.openxmlformats.org/drawingml/2006/chart" xmlns:dgm="http://schemas.openxmlformats.org/drawingml/2006/diagram" xmlns:o="urn:schemas-microsoft-com:office:office" xmlns:v="urn:schemas-microsoft-com:vml" xmlns:pvml="urn:schemas-microsoft-com:office:powerpoint" xmlns:com="http://schemas.openxmlformats.org/drawingml/2006/compatibility" xmlns:p14="http://schemas.microsoft.com/office/powerpoint/2010/main" xmlns:p15="http://schemas.microsoft.com/office/powerpoint/2012/main" xmlns:ahyp="http://schemas.microsoft.com/office/drawing/2018/hyperlinkcolor">
-  <p:cSld>
-    <p:spTree>
-      <p:nvGrpSpPr>
-        <p:cNvPr id="120" name="Shape 120"/>
-        <p:cNvGrpSpPr/>
-        <p:nvPr/>
-      </p:nvGrpSpPr>
-      <p:grpSpPr>
-        <a:xfrm>
-          <a:off x="0" y="0"/>
-          <a:ext cx="0" cy="0"/>
-          <a:chOff x="0" y="0"/>
-          <a:chExt cx="0" cy="0"/>
-        </a:xfrm>
-      </p:grpSpPr>
-      <p:sp>
-        <p:nvSpPr>
-          <p:cNvPr id="121" name="Google Shape;121;p5"/>
-          <p:cNvSpPr txBox="1"/>
-          <p:nvPr>
-            <p:ph type="title"/>
-          </p:nvPr>
-        </p:nvSpPr>
-        <p:spPr>
-          <a:xfrm>
-            <a:off x="581192" y="702156"/>
-            <a:ext cx="11029616" cy="1013800"/>
-          </a:xfrm>
-          <a:prstGeom prst="rect">
-            <a:avLst/>
-          </a:prstGeom>
-          <a:noFill/>
-          <a:ln>
-            <a:noFill/>
-          </a:ln>
-        </p:spPr>
-        <p:txBody>
-          <a:bodyPr anchorCtr="0" anchor="b" bIns="45700" lIns="91425" spcFirstLastPara="1" rIns="91425" wrap="square" tIns="45700">
-            <a:normAutofit/>
-          </a:bodyPr>
-          <a:lstStyle/>
-          <a:p>
-            <a:pPr indent="0" lvl="0" marL="0" rtl="0" algn="l">
-              <a:spcBef>
-                <a:spcPts val="0"/>
-              </a:spcBef>
-              <a:spcAft>
-                <a:spcPts val="0"/>
-              </a:spcAft>
-              <a:buClr>
-                <a:schemeClr val="lt1"/>
-              </a:buClr>
-              <a:buSzPts val="2800"/>
-              <a:buFont typeface="Gill Sans"/>
-              <a:buNone/>
-            </a:pPr>
-            <a:r>
-              <a:rPr lang="en-US"/>
-              <a:t>6 KEY QUESTIONS</a:t>
-            </a:r>
-            <a:endParaRPr/>
-          </a:p>
-        </p:txBody>
-      </p:sp>
-      <p:sp>
-        <p:nvSpPr>
-          <p:cNvPr id="122" name="Google Shape;122;p5"/>
-          <p:cNvSpPr txBox="1"/>
-          <p:nvPr>
-            <p:ph idx="1" type="body"/>
-          </p:nvPr>
-        </p:nvSpPr>
-        <p:spPr>
-          <a:xfrm>
-            <a:off x="581192" y="2180496"/>
-            <a:ext cx="11029615" cy="3678303"/>
-          </a:xfrm>
-          <a:prstGeom prst="rect">
-            <a:avLst/>
-          </a:prstGeom>
-          <a:noFill/>
-          <a:ln>
-            <a:noFill/>
-          </a:ln>
-        </p:spPr>
-        <p:txBody>
-          <a:bodyPr anchorCtr="0" anchor="ctr" bIns="45700" lIns="91425" spcFirstLastPara="1" rIns="91425" wrap="square" tIns="45700">
-            <a:normAutofit fontScale="85000" lnSpcReduction="20000"/>
-          </a:bodyPr>
-          <a:lstStyle/>
-          <a:p>
-            <a:pPr indent="-306000" lvl="0" marL="306000" rtl="0" algn="l">
-              <a:spcBef>
-                <a:spcPts val="0"/>
-              </a:spcBef>
-              <a:spcAft>
-                <a:spcPts val="0"/>
-              </a:spcAft>
-              <a:buSzPct val="91999"/>
-              <a:buChar char="◼"/>
-            </a:pPr>
-            <a:r>
-              <a:rPr lang="en-US"/>
-              <a:t>How does the stock price change over time?</a:t>
-            </a:r>
-            <a:endParaRPr/>
-          </a:p>
-          <a:p>
-            <a:pPr indent="-216617" lvl="0" marL="306000" rtl="0" algn="l">
-              <a:spcBef>
-                <a:spcPts val="906"/>
-              </a:spcBef>
-              <a:spcAft>
-                <a:spcPts val="0"/>
-              </a:spcAft>
-              <a:buSzPct val="91999"/>
-              <a:buNone/>
-            </a:pPr>
-            <a:r>
-              <a:t/>
-            </a:r>
-            <a:endParaRPr/>
-          </a:p>
-          <a:p>
-            <a:pPr indent="-306000" lvl="0" marL="306000" rtl="0" algn="l">
-              <a:spcBef>
-                <a:spcPts val="906"/>
-              </a:spcBef>
-              <a:spcAft>
-                <a:spcPts val="0"/>
-              </a:spcAft>
-              <a:buSzPct val="91999"/>
-              <a:buChar char="◼"/>
-            </a:pPr>
-            <a:r>
-              <a:rPr lang="en-US"/>
-              <a:t>How are dividends treated by the company?</a:t>
-            </a:r>
-            <a:endParaRPr/>
-          </a:p>
-          <a:p>
-            <a:pPr indent="-216617" lvl="0" marL="306000" rtl="0" algn="l">
-              <a:spcBef>
-                <a:spcPts val="906"/>
-              </a:spcBef>
-              <a:spcAft>
-                <a:spcPts val="0"/>
-              </a:spcAft>
-              <a:buSzPct val="91999"/>
-              <a:buNone/>
-            </a:pPr>
-            <a:r>
-              <a:t/>
-            </a:r>
-            <a:endParaRPr/>
-          </a:p>
-          <a:p>
-            <a:pPr indent="-306000" lvl="0" marL="306000" rtl="0" algn="l">
-              <a:spcBef>
-                <a:spcPts val="906"/>
-              </a:spcBef>
-              <a:spcAft>
-                <a:spcPts val="0"/>
-              </a:spcAft>
-              <a:buSzPct val="91999"/>
-              <a:buChar char="◼"/>
-            </a:pPr>
-            <a:r>
-              <a:rPr lang="en-US"/>
-              <a:t>Does any of the stock have a greater degree of risk associated with it than the others?</a:t>
-            </a:r>
-            <a:endParaRPr/>
-          </a:p>
-          <a:p>
-            <a:pPr indent="0" lvl="0" marL="0" rtl="0" algn="l">
-              <a:spcBef>
-                <a:spcPts val="906"/>
-              </a:spcBef>
-              <a:spcAft>
-                <a:spcPts val="0"/>
-              </a:spcAft>
-              <a:buSzPct val="91999"/>
-              <a:buNone/>
-            </a:pPr>
-            <a:r>
-              <a:t/>
-            </a:r>
-            <a:endParaRPr/>
-          </a:p>
-          <a:p>
-            <a:pPr indent="-306000" lvl="0" marL="306000" rtl="0" algn="l">
-              <a:spcBef>
-                <a:spcPts val="906"/>
-              </a:spcBef>
-              <a:spcAft>
-                <a:spcPts val="0"/>
-              </a:spcAft>
-              <a:buSzPct val="91999"/>
-              <a:buChar char="◼"/>
-            </a:pPr>
-            <a:r>
-              <a:rPr lang="en-US"/>
-              <a:t>Which stock gives us the greatest return on investment?</a:t>
-            </a:r>
-            <a:endParaRPr/>
-          </a:p>
-          <a:p>
-            <a:pPr indent="-216617" lvl="0" marL="306000" rtl="0" algn="l">
-              <a:spcBef>
-                <a:spcPts val="906"/>
-              </a:spcBef>
-              <a:spcAft>
-                <a:spcPts val="0"/>
-              </a:spcAft>
-              <a:buSzPct val="91999"/>
-              <a:buNone/>
-            </a:pPr>
-            <a:r>
-              <a:t/>
-            </a:r>
-            <a:endParaRPr/>
-          </a:p>
-          <a:p>
-            <a:pPr indent="-306000" lvl="0" marL="306000" rtl="0" algn="l">
-              <a:spcBef>
-                <a:spcPts val="906"/>
-              </a:spcBef>
-              <a:spcAft>
-                <a:spcPts val="0"/>
-              </a:spcAft>
-              <a:buSzPct val="91999"/>
-              <a:buChar char="◼"/>
-            </a:pPr>
-            <a:r>
-              <a:rPr lang="en-US"/>
-              <a:t>Is past financial performance a true indicator or future financial performance?</a:t>
-            </a:r>
-            <a:endParaRPr/>
-          </a:p>
-          <a:p>
-            <a:pPr indent="-216617" lvl="0" marL="306000" rtl="0" algn="l">
-              <a:spcBef>
-                <a:spcPts val="906"/>
-              </a:spcBef>
-              <a:spcAft>
-                <a:spcPts val="0"/>
-              </a:spcAft>
-              <a:buSzPct val="91999"/>
-              <a:buNone/>
-            </a:pPr>
-            <a:r>
-              <a:t/>
-            </a:r>
-            <a:endParaRPr/>
-          </a:p>
-          <a:p>
-            <a:pPr indent="-306000" lvl="0" marL="306000" rtl="0" algn="l">
-              <a:spcBef>
-                <a:spcPts val="906"/>
-              </a:spcBef>
-              <a:spcAft>
-                <a:spcPts val="0"/>
-              </a:spcAft>
-              <a:buSzPct val="91999"/>
-              <a:buChar char="◼"/>
-            </a:pPr>
-            <a:r>
-              <a:rPr lang="en-US"/>
-              <a:t>Are there any other factors that could influence our investment decision?</a:t>
-            </a:r>
-            <a:endParaRPr/>
-          </a:p>
-          <a:p>
-            <a:pPr indent="-216617" lvl="0" marL="306000" rtl="0" algn="l">
-              <a:spcBef>
-                <a:spcPts val="906"/>
-              </a:spcBef>
-              <a:spcAft>
-                <a:spcPts val="0"/>
-              </a:spcAft>
-              <a:buSzPct val="91999"/>
-              <a:buNone/>
-            </a:pPr>
-            <a:r>
-              <a:t/>
-            </a:r>
-            <a:endParaRPr/>
-          </a:p>
-        </p:txBody>
-      </p:sp>
-    </p:spTree>
-  </p:cSld>
-  <p:clrMapOvr>
-    <a:masterClrMapping/>
-  </p:clrMapOvr>
-</p:sld>
-</file>
-
-<file path=ppt/slides/slide6.xml><?xml version="1.0" encoding="utf-8"?>
-<p:sld xmlns:a="http://schemas.openxmlformats.org/drawingml/2006/main" xmlns:r="http://schemas.openxmlformats.org/officeDocument/2006/relationships" xmlns:mc="http://schemas.openxmlformats.org/markup-compatibility/2006" xmlns:mv="urn:schemas-microsoft-com:mac:vml" xmlns:p="http://schemas.openxmlformats.org/presentationml/2006/main" xmlns:c="http://schemas.openxmlformats.org/drawingml/2006/chart" xmlns:dgm="http://schemas.openxmlformats.org/drawingml/2006/diagram" xmlns:o="urn:schemas-microsoft-com:office:office" xmlns:v="urn:schemas-microsoft-com:vml" xmlns:pvml="urn:schemas-microsoft-com:office:powerpoint" xmlns:com="http://schemas.openxmlformats.org/drawingml/2006/compatibility" xmlns:p14="http://schemas.microsoft.com/office/powerpoint/2010/main" xmlns:p15="http://schemas.microsoft.com/office/powerpoint/2012/main" xmlns:ahyp="http://schemas.microsoft.com/office/drawing/2018/hyperlinkcolor">
-  <p:cSld>
-    <p:spTree>
-      <p:nvGrpSpPr>
-        <p:cNvPr id="126" name="Shape 126"/>
-        <p:cNvGrpSpPr/>
-        <p:nvPr/>
-      </p:nvGrpSpPr>
-      <p:grpSpPr>
-        <a:xfrm>
-          <a:off x="0" y="0"/>
-          <a:ext cx="0" cy="0"/>
-          <a:chOff x="0" y="0"/>
-          <a:chExt cx="0" cy="0"/>
-        </a:xfrm>
-      </p:grpSpPr>
-      <p:sp>
-        <p:nvSpPr>
-          <p:cNvPr id="127" name="Google Shape;127;p6"/>
-          <p:cNvSpPr txBox="1"/>
-          <p:nvPr>
-            <p:ph type="title"/>
-          </p:nvPr>
-        </p:nvSpPr>
-        <p:spPr>
-          <a:xfrm>
-            <a:off x="581192" y="702156"/>
-            <a:ext cx="11029616" cy="1013800"/>
-          </a:xfrm>
-          <a:prstGeom prst="rect">
-            <a:avLst/>
-          </a:prstGeom>
-          <a:noFill/>
-          <a:ln>
-            <a:noFill/>
-          </a:ln>
-        </p:spPr>
-        <p:txBody>
-          <a:bodyPr anchorCtr="0" anchor="b" bIns="45700" lIns="91425" spcFirstLastPara="1" rIns="91425" wrap="square" tIns="45700">
-            <a:normAutofit/>
-          </a:bodyPr>
-          <a:lstStyle/>
-          <a:p>
-            <a:pPr indent="0" lvl="0" marL="0" rtl="0" algn="l">
-              <a:spcBef>
-                <a:spcPts val="0"/>
-              </a:spcBef>
-              <a:spcAft>
-                <a:spcPts val="0"/>
-              </a:spcAft>
-              <a:buClr>
-                <a:schemeClr val="lt1"/>
-              </a:buClr>
-              <a:buSzPts val="2800"/>
-              <a:buFont typeface="Gill Sans"/>
-              <a:buNone/>
-            </a:pPr>
-            <a:r>
-              <a:rPr lang="en-US"/>
-              <a:t>HOW DOES THE STOCK PRICE CHANGE OVER TIME?</a:t>
-            </a:r>
-            <a:endParaRPr/>
-          </a:p>
-        </p:txBody>
-      </p:sp>
-      <p:sp>
-        <p:nvSpPr>
-          <p:cNvPr id="128" name="Google Shape;128;p6"/>
-          <p:cNvSpPr txBox="1"/>
-          <p:nvPr>
-            <p:ph idx="1" type="body"/>
-          </p:nvPr>
-        </p:nvSpPr>
-        <p:spPr>
-          <a:xfrm>
-            <a:off x="581192" y="2180496"/>
-            <a:ext cx="11029615" cy="3678303"/>
-          </a:xfrm>
-          <a:prstGeom prst="rect">
-            <a:avLst/>
-          </a:prstGeom>
-          <a:noFill/>
-          <a:ln>
-            <a:noFill/>
-          </a:ln>
-        </p:spPr>
-        <p:txBody>
-          <a:bodyPr anchorCtr="0" anchor="ctr" bIns="45700" lIns="91425" spcFirstLastPara="1" rIns="91425" wrap="square" tIns="45700">
-            <a:normAutofit/>
-          </a:bodyPr>
-          <a:lstStyle/>
-          <a:p>
-            <a:pPr indent="-306000" lvl="0" marL="306000" rtl="0" algn="l">
-              <a:spcBef>
-                <a:spcPts val="0"/>
-              </a:spcBef>
-              <a:spcAft>
-                <a:spcPts val="0"/>
-              </a:spcAft>
-              <a:buSzPts val="1656"/>
-              <a:buChar char="◼"/>
-            </a:pPr>
-            <a:r>
-              <a:rPr lang="en-US"/>
               <a:t>To compare this, the increase of stock price was looked at in percentage terms over the last 5 years.</a:t>
             </a:r>
             <a:endParaRPr/>
@@ -16713,12 +17613,12 @@
 </p:sld>
 </file>
 
-<file path=ppt/slides/slide7.xml><?xml version="1.0" encoding="utf-8"?>
+<file path=ppt/slides/slide8.xml><?xml version="1.0" encoding="utf-8"?>
 <p:sld xmlns:a="http://schemas.openxmlformats.org/drawingml/2006/main" xmlns:r="http://schemas.openxmlformats.org/officeDocument/2006/relationships" xmlns:mc="http://schemas.openxmlformats.org/markup-compatibility/2006" xmlns:mv="urn:schemas-microsoft-com:mac:vml" xmlns:p="http://schemas.openxmlformats.org/presentationml/2006/main" xmlns:c="http://schemas.openxmlformats.org/drawingml/2006/chart" xmlns:dgm="http://schemas.openxmlformats.org/drawingml/2006/diagram" xmlns:o="urn:schemas-microsoft-com:office:office" xmlns:v="urn:schemas-microsoft-com:vml" xmlns:pvml="urn:schemas-microsoft-com:office:powerpoint" xmlns:com="http://schemas.openxmlformats.org/drawingml/2006/compatibility" xmlns:p14="http://schemas.microsoft.com/office/powerpoint/2010/main" xmlns:p15="http://schemas.microsoft.com/office/powerpoint/2012/main" xmlns:ahyp="http://schemas.microsoft.com/office/drawing/2018/hyperlinkcolor">
   <p:cSld>
     <p:spTree>
       <p:nvGrpSpPr>
-        <p:cNvPr id="132" name="Shape 132"/>
+        <p:cNvPr id="144" name="Shape 144"/>
         <p:cNvGrpSpPr/>
         <p:nvPr/>
       </p:nvGrpSpPr>
@@ -16732,7 +17632,7 @@
       </p:grpSpPr>
       <p:sp>
         <p:nvSpPr>
-          <p:cNvPr id="133" name="Google Shape;133;p7"/>
+          <p:cNvPr id="145" name="Google Shape;145;p7"/>
           <p:cNvSpPr txBox="1"/>
           <p:nvPr>
             <p:ph type="title"/>
@@ -16785,7 +17685,7 @@
       </p:sp>
       <p:pic>
         <p:nvPicPr>
-          <p:cNvPr id="134" name="Google Shape;134;p7"/>
+          <p:cNvPr id="146" name="Google Shape;146;p7"/>
           <p:cNvPicPr preferRelativeResize="0"/>
           <p:nvPr>
             <p:ph idx="1" type="body"/>
@@ -16814,7 +17714,7 @@
       </p:pic>
       <p:pic>
         <p:nvPicPr>
-          <p:cNvPr id="135" name="Google Shape;135;p7"/>
+          <p:cNvPr id="147" name="Google Shape;147;p7"/>
           <p:cNvPicPr preferRelativeResize="0"/>
           <p:nvPr>
             <p:ph idx="2" type="body"/>
@@ -16849,12 +17749,12 @@
 </p:sld>
 </file>
 
-<file path=ppt/slides/slide8.xml><?xml version="1.0" encoding="utf-8"?>
+<file path=ppt/slides/slide9.xml><?xml version="1.0" encoding="utf-8"?>
 <p:sld xmlns:a="http://schemas.openxmlformats.org/drawingml/2006/main" xmlns:r="http://schemas.openxmlformats.org/officeDocument/2006/relationships" xmlns:mc="http://schemas.openxmlformats.org/markup-compatibility/2006" xmlns:mv="urn:schemas-microsoft-com:mac:vml" xmlns:p="http://schemas.openxmlformats.org/presentationml/2006/main" xmlns:c="http://schemas.openxmlformats.org/drawingml/2006/chart" xmlns:dgm="http://schemas.openxmlformats.org/drawingml/2006/diagram" xmlns:o="urn:schemas-microsoft-com:office:office" xmlns:v="urn:schemas-microsoft-com:vml" xmlns:pvml="urn:schemas-microsoft-com:office:powerpoint" xmlns:com="http://schemas.openxmlformats.org/drawingml/2006/compatibility" xmlns:p14="http://schemas.microsoft.com/office/powerpoint/2010/main" xmlns:p15="http://schemas.microsoft.com/office/powerpoint/2012/main" xmlns:ahyp="http://schemas.microsoft.com/office/drawing/2018/hyperlinkcolor">
   <p:cSld>
     <p:spTree>
       <p:nvGrpSpPr>
-        <p:cNvPr id="139" name="Shape 139"/>
+        <p:cNvPr id="151" name="Shape 151"/>
         <p:cNvGrpSpPr/>
         <p:nvPr/>
       </p:nvGrpSpPr>
@@ -16868,7 +17768,7 @@
       </p:grpSpPr>
       <p:sp>
         <p:nvSpPr>
-          <p:cNvPr id="140" name="Google Shape;140;p8"/>
+          <p:cNvPr id="152" name="Google Shape;152;p8"/>
           <p:cNvSpPr txBox="1"/>
           <p:nvPr>
             <p:ph type="title"/>
@@ -16921,7 +17821,7 @@
       </p:sp>
       <p:pic>
         <p:nvPicPr>
-          <p:cNvPr id="141" name="Google Shape;141;p8"/>
+          <p:cNvPr id="153" name="Google Shape;153;p8"/>
           <p:cNvPicPr preferRelativeResize="0"/>
           <p:nvPr>
             <p:ph idx="2" type="body"/>
@@ -16950,7 +17850,7 @@
       </p:pic>
       <p:pic>
         <p:nvPicPr>
-          <p:cNvPr id="142" name="Google Shape;142;p8"/>
+          <p:cNvPr id="154" name="Google Shape;154;p8"/>
           <p:cNvPicPr preferRelativeResize="0"/>
           <p:nvPr>
             <p:ph idx="1" type="body"/>
@@ -16967,228 +17867,6 @@
           <a:xfrm>
             <a:off x="581025" y="2458097"/>
             <a:ext cx="5422900" cy="3172118"/>
-          </a:xfrm>
-          <a:prstGeom prst="rect">
-            <a:avLst/>
-          </a:prstGeom>
-          <a:noFill/>
-          <a:ln>
-            <a:noFill/>
-          </a:ln>
-        </p:spPr>
-      </p:pic>
-    </p:spTree>
-  </p:cSld>
-  <p:clrMapOvr>
-    <a:masterClrMapping/>
-  </p:clrMapOvr>
-</p:sld>
-</file>
-
-<file path=ppt/slides/slide9.xml><?xml version="1.0" encoding="utf-8"?>
-<p:sld xmlns:a="http://schemas.openxmlformats.org/drawingml/2006/main" xmlns:r="http://schemas.openxmlformats.org/officeDocument/2006/relationships" xmlns:mc="http://schemas.openxmlformats.org/markup-compatibility/2006" xmlns:mv="urn:schemas-microsoft-com:mac:vml" xmlns:p="http://schemas.openxmlformats.org/presentationml/2006/main" xmlns:c="http://schemas.openxmlformats.org/drawingml/2006/chart" xmlns:dgm="http://schemas.openxmlformats.org/drawingml/2006/diagram" xmlns:o="urn:schemas-microsoft-com:office:office" xmlns:v="urn:schemas-microsoft-com:vml" xmlns:pvml="urn:schemas-microsoft-com:office:powerpoint" xmlns:com="http://schemas.openxmlformats.org/drawingml/2006/compatibility" xmlns:p14="http://schemas.microsoft.com/office/powerpoint/2010/main" xmlns:p15="http://schemas.microsoft.com/office/powerpoint/2012/main" xmlns:ahyp="http://schemas.microsoft.com/office/drawing/2018/hyperlinkcolor">
-  <p:cSld>
-    <p:spTree>
-      <p:nvGrpSpPr>
-        <p:cNvPr id="146" name="Shape 146"/>
-        <p:cNvGrpSpPr/>
-        <p:nvPr/>
-      </p:nvGrpSpPr>
-      <p:grpSpPr>
-        <a:xfrm>
-          <a:off x="0" y="0"/>
-          <a:ext cx="0" cy="0"/>
-          <a:chOff x="0" y="0"/>
-          <a:chExt cx="0" cy="0"/>
-        </a:xfrm>
-      </p:grpSpPr>
-      <p:sp>
-        <p:nvSpPr>
-          <p:cNvPr id="147" name="Google Shape;147;p9"/>
-          <p:cNvSpPr txBox="1"/>
-          <p:nvPr>
-            <p:ph type="title"/>
-          </p:nvPr>
-        </p:nvSpPr>
-        <p:spPr>
-          <a:xfrm>
-            <a:off x="448844" y="590385"/>
-            <a:ext cx="11029616" cy="567844"/>
-          </a:xfrm>
-          <a:prstGeom prst="rect">
-            <a:avLst/>
-          </a:prstGeom>
-          <a:noFill/>
-          <a:ln>
-            <a:noFill/>
-          </a:ln>
-        </p:spPr>
-        <p:txBody>
-          <a:bodyPr anchorCtr="0" anchor="b" bIns="45700" lIns="91425" spcFirstLastPara="1" rIns="91425" wrap="square" tIns="45700">
-            <a:normAutofit/>
-          </a:bodyPr>
-          <a:lstStyle/>
-          <a:p>
-            <a:pPr indent="0" lvl="0" marL="0" rtl="0" algn="l">
-              <a:spcBef>
-                <a:spcPts val="0"/>
-              </a:spcBef>
-              <a:spcAft>
-                <a:spcPts val="0"/>
-              </a:spcAft>
-              <a:buClr>
-                <a:schemeClr val="lt1"/>
-              </a:buClr>
-              <a:buSzPts val="2800"/>
-              <a:buFont typeface="Gill Sans"/>
-              <a:buNone/>
-            </a:pPr>
-            <a:r>
-              <a:rPr lang="en-US"/>
-              <a:t>HOW DOES THE STOCK PRICE CHANGE OVER TIME</a:t>
-            </a:r>
-            <a:r>
-              <a:rPr lang="en-US"/>
-              <a:t>?</a:t>
-            </a:r>
-            <a:endParaRPr/>
-          </a:p>
-        </p:txBody>
-      </p:sp>
-      <p:sp>
-        <p:nvSpPr>
-          <p:cNvPr id="148" name="Google Shape;148;p9"/>
-          <p:cNvSpPr txBox="1"/>
-          <p:nvPr/>
-        </p:nvSpPr>
-        <p:spPr>
-          <a:xfrm>
-            <a:off x="581192" y="6096000"/>
-            <a:ext cx="7041351" cy="369332"/>
-          </a:xfrm>
-          <a:prstGeom prst="rect">
-            <a:avLst/>
-          </a:prstGeom>
-          <a:noFill/>
-          <a:ln>
-            <a:noFill/>
-          </a:ln>
-        </p:spPr>
-        <p:txBody>
-          <a:bodyPr anchorCtr="0" anchor="t" bIns="45700" lIns="91425" spcFirstLastPara="1" rIns="91425" wrap="square" tIns="45700">
-            <a:spAutoFit/>
-          </a:bodyPr>
-          <a:lstStyle/>
-          <a:p>
-            <a:pPr indent="0" lvl="0" marL="0" marR="0" rtl="0" algn="l">
-              <a:spcBef>
-                <a:spcPts val="0"/>
-              </a:spcBef>
-              <a:spcAft>
-                <a:spcPts val="0"/>
-              </a:spcAft>
-              <a:buNone/>
-            </a:pPr>
-            <a:r>
-              <a:rPr lang="en-US" sz="1800">
-                <a:solidFill>
-                  <a:schemeClr val="dk1"/>
-                </a:solidFill>
-                <a:latin typeface="Gill Sans"/>
-                <a:ea typeface="Gill Sans"/>
-                <a:cs typeface="Gill Sans"/>
-                <a:sym typeface="Gill Sans"/>
-              </a:rPr>
-              <a:t>NB – Albertsons has only been trading in its current form since Mid 2020</a:t>
-            </a:r>
-            <a:endParaRPr sz="1800">
-              <a:solidFill>
-                <a:schemeClr val="dk1"/>
-              </a:solidFill>
-              <a:latin typeface="Gill Sans"/>
-              <a:ea typeface="Gill Sans"/>
-              <a:cs typeface="Gill Sans"/>
-              <a:sym typeface="Gill Sans"/>
-            </a:endParaRPr>
-          </a:p>
-        </p:txBody>
-      </p:sp>
-      <p:sp>
-        <p:nvSpPr>
-          <p:cNvPr id="149" name="Google Shape;149;p9"/>
-          <p:cNvSpPr/>
-          <p:nvPr/>
-        </p:nvSpPr>
-        <p:spPr>
-          <a:xfrm>
-            <a:off x="336884" y="1158229"/>
-            <a:ext cx="11598442" cy="730729"/>
-          </a:xfrm>
-          <a:prstGeom prst="rect">
-            <a:avLst/>
-          </a:prstGeom>
-          <a:solidFill>
-            <a:schemeClr val="lt1"/>
-          </a:solidFill>
-          <a:ln cap="rnd" cmpd="sng" w="22225">
-            <a:solidFill>
-              <a:schemeClr val="lt1"/>
-            </a:solidFill>
-            <a:prstDash val="solid"/>
-            <a:round/>
-            <a:headEnd len="sm" w="sm" type="none"/>
-            <a:tailEnd len="sm" w="sm" type="none"/>
-          </a:ln>
-        </p:spPr>
-        <p:txBody>
-          <a:bodyPr anchorCtr="0" anchor="ctr" bIns="45700" lIns="91425" spcFirstLastPara="1" rIns="91425" wrap="square" tIns="45700">
-            <a:noAutofit/>
-          </a:bodyPr>
-          <a:lstStyle/>
-          <a:p>
-            <a:pPr indent="0" lvl="0" marL="0" marR="0" rtl="0" algn="ctr">
-              <a:spcBef>
-                <a:spcPts val="0"/>
-              </a:spcBef>
-              <a:spcAft>
-                <a:spcPts val="0"/>
-              </a:spcAft>
-              <a:buNone/>
-            </a:pPr>
-            <a:r>
-              <a:t/>
-            </a:r>
-            <a:endParaRPr sz="1800">
-              <a:solidFill>
-                <a:schemeClr val="lt1"/>
-              </a:solidFill>
-              <a:latin typeface="Gill Sans"/>
-              <a:ea typeface="Gill Sans"/>
-              <a:cs typeface="Gill Sans"/>
-              <a:sym typeface="Gill Sans"/>
-            </a:endParaRPr>
-          </a:p>
-        </p:txBody>
-      </p:sp>
-      <p:pic>
-        <p:nvPicPr>
-          <p:cNvPr id="150" name="Google Shape;150;p9"/>
-          <p:cNvPicPr preferRelativeResize="0"/>
-          <p:nvPr>
-            <p:ph idx="1" type="body"/>
-          </p:nvPr>
-        </p:nvPicPr>
-        <p:blipFill rotWithShape="1">
-          <a:blip r:embed="rId3">
-            <a:alphaModFix/>
-          </a:blip>
-          <a:srcRect b="0" l="0" r="0" t="0"/>
-          <a:stretch/>
-        </p:blipFill>
-        <p:spPr>
-          <a:xfrm>
-            <a:off x="77202" y="1243639"/>
-            <a:ext cx="11772900" cy="4852361"/>
           </a:xfrm>
           <a:prstGeom prst="rect">
             <a:avLst/>

--- a/presentation/Group 3 – FINANCIAL ANALYSIS.pptx
+++ b/presentation/Group 3 – FINANCIAL ANALYSIS.pptx
@@ -30,14 +30,15 @@
     <p:sldId id="275" r:id="rId24"/>
     <p:sldId id="276" r:id="rId25"/>
     <p:sldId id="277" r:id="rId26"/>
+    <p:sldId id="278" r:id="rId27"/>
   </p:sldIdLst>
   <p:sldSz cy="6858000" cx="12192000"/>
   <p:notesSz cx="6858000" cy="9144000"/>
   <p:embeddedFontLst>
     <p:embeddedFont>
       <p:font typeface="Gill Sans"/>
-      <p:regular r:id="rId27"/>
-      <p:bold r:id="rId28"/>
+      <p:regular r:id="rId28"/>
+      <p:bold r:id="rId29"/>
     </p:embeddedFont>
   </p:embeddedFontLst>
   <p:defaultTextStyle>
@@ -271,7 +272,7 @@
   </p:defaultTextStyle>
   <p:extLst>
     <p:ext uri="GoogleSlidesCustomDataVersion2">
-      <go:slidesCustomData xmlns:go="http://customooxmlschemas.google.com/" r:id="rId29" roundtripDataSignature="AMtx7mj395Opauwxy4ZiFVffEToAcjB0Nw=="/>
+      <go:slidesCustomData xmlns:go="http://customooxmlschemas.google.com/" r:id="rId30" roundtripDataSignature="AMtx7mgxSHYtHOrB7mPrssav4drK83poMQ=="/>
     </p:ext>
   </p:extLst>
 </p:presentation>
@@ -1514,7 +1515,42 @@
       </p:grpSpPr>
       <p:sp>
         <p:nvSpPr>
-          <p:cNvPr id="204" name="Google Shape;204;p22:notes"/>
+          <p:cNvPr id="204" name="Google Shape;204;g2c4b658579b_0_3:notes"/>
+          <p:cNvSpPr/>
+          <p:nvPr>
+            <p:ph idx="2" type="sldImg"/>
+          </p:nvPr>
+        </p:nvSpPr>
+        <p:spPr>
+          <a:xfrm>
+            <a:off x="1143225" y="685800"/>
+            <a:ext cx="4572300" cy="3429000"/>
+          </a:xfrm>
+          <a:custGeom>
+            <a:rect b="b" l="l" r="r" t="t"/>
+            <a:pathLst>
+              <a:path extrusionOk="0" h="120000" w="120000">
+                <a:moveTo>
+                  <a:pt x="0" y="0"/>
+                </a:moveTo>
+                <a:lnTo>
+                  <a:pt x="120000" y="0"/>
+                </a:lnTo>
+                <a:lnTo>
+                  <a:pt x="120000" y="120000"/>
+                </a:lnTo>
+                <a:lnTo>
+                  <a:pt x="0" y="120000"/>
+                </a:lnTo>
+                <a:close/>
+              </a:path>
+            </a:pathLst>
+          </a:custGeom>
+        </p:spPr>
+      </p:sp>
+      <p:sp>
+        <p:nvSpPr>
+          <p:cNvPr id="205" name="Google Shape;205;g2c4b658579b_0_3:notes"/>
           <p:cNvSpPr txBox="1"/>
           <p:nvPr>
             <p:ph idx="1" type="body"/>
@@ -1551,9 +1587,73 @@
           </a:p>
         </p:txBody>
       </p:sp>
+    </p:spTree>
+  </p:cSld>
+  <p:clrMapOvr>
+    <a:masterClrMapping/>
+  </p:clrMapOvr>
+</p:notes>
+</file>
+
+<file path=ppt/notesSlides/notesSlide18.xml><?xml version="1.0" encoding="utf-8"?>
+<p:notes xmlns:a="http://schemas.openxmlformats.org/drawingml/2006/main" xmlns:r="http://schemas.openxmlformats.org/officeDocument/2006/relationships" xmlns:mc="http://schemas.openxmlformats.org/markup-compatibility/2006" xmlns:mv="urn:schemas-microsoft-com:mac:vml" xmlns:p="http://schemas.openxmlformats.org/presentationml/2006/main" xmlns:c="http://schemas.openxmlformats.org/drawingml/2006/chart" xmlns:dgm="http://schemas.openxmlformats.org/drawingml/2006/diagram" xmlns:o="urn:schemas-microsoft-com:office:office" xmlns:v="urn:schemas-microsoft-com:vml" xmlns:pvml="urn:schemas-microsoft-com:office:powerpoint" xmlns:com="http://schemas.openxmlformats.org/drawingml/2006/compatibility" xmlns:p14="http://schemas.microsoft.com/office/powerpoint/2010/main" xmlns:p15="http://schemas.microsoft.com/office/powerpoint/2012/main" xmlns:ahyp="http://schemas.microsoft.com/office/drawing/2018/hyperlinkcolor" showMasterPhAnim="0" showMasterSp="0">
+  <p:cSld>
+    <p:spTree>
+      <p:nvGrpSpPr>
+        <p:cNvPr id="210" name="Shape 210"/>
+        <p:cNvGrpSpPr/>
+        <p:nvPr/>
+      </p:nvGrpSpPr>
+      <p:grpSpPr>
+        <a:xfrm>
+          <a:off x="0" y="0"/>
+          <a:ext cx="0" cy="0"/>
+          <a:chOff x="0" y="0"/>
+          <a:chExt cx="0" cy="0"/>
+        </a:xfrm>
+      </p:grpSpPr>
       <p:sp>
         <p:nvSpPr>
-          <p:cNvPr id="205" name="Google Shape;205;p22:notes"/>
+          <p:cNvPr id="211" name="Google Shape;211;p22:notes"/>
+          <p:cNvSpPr txBox="1"/>
+          <p:nvPr>
+            <p:ph idx="1" type="body"/>
+          </p:nvPr>
+        </p:nvSpPr>
+        <p:spPr>
+          <a:xfrm>
+            <a:off x="685800" y="4343400"/>
+            <a:ext cx="5486400" cy="4114800"/>
+          </a:xfrm>
+          <a:prstGeom prst="rect">
+            <a:avLst/>
+          </a:prstGeom>
+        </p:spPr>
+        <p:txBody>
+          <a:bodyPr anchorCtr="0" anchor="t" bIns="91425" lIns="91425" spcFirstLastPara="1" rIns="91425" wrap="square" tIns="91425">
+            <a:noAutofit/>
+          </a:bodyPr>
+          <a:lstStyle/>
+          <a:p>
+            <a:pPr indent="0" lvl="0" marL="0" rtl="0" algn="l">
+              <a:spcBef>
+                <a:spcPts val="0"/>
+              </a:spcBef>
+              <a:spcAft>
+                <a:spcPts val="0"/>
+              </a:spcAft>
+              <a:buNone/>
+            </a:pPr>
+            <a:r>
+              <a:t/>
+            </a:r>
+            <a:endParaRPr/>
+          </a:p>
+        </p:txBody>
+      </p:sp>
+      <p:sp>
+        <p:nvSpPr>
+          <p:cNvPr id="212" name="Google Shape;212;p22:notes"/>
           <p:cNvSpPr/>
           <p:nvPr>
             <p:ph idx="2" type="sldImg"/>
@@ -1594,12 +1694,12 @@
 </p:notes>
 </file>
 
-<file path=ppt/notesSlides/notesSlide18.xml><?xml version="1.0" encoding="utf-8"?>
+<file path=ppt/notesSlides/notesSlide19.xml><?xml version="1.0" encoding="utf-8"?>
 <p:notes xmlns:a="http://schemas.openxmlformats.org/drawingml/2006/main" xmlns:r="http://schemas.openxmlformats.org/officeDocument/2006/relationships" xmlns:mc="http://schemas.openxmlformats.org/markup-compatibility/2006" xmlns:mv="urn:schemas-microsoft-com:mac:vml" xmlns:p="http://schemas.openxmlformats.org/presentationml/2006/main" xmlns:c="http://schemas.openxmlformats.org/drawingml/2006/chart" xmlns:dgm="http://schemas.openxmlformats.org/drawingml/2006/diagram" xmlns:o="urn:schemas-microsoft-com:office:office" xmlns:v="urn:schemas-microsoft-com:vml" xmlns:pvml="urn:schemas-microsoft-com:office:powerpoint" xmlns:com="http://schemas.openxmlformats.org/drawingml/2006/compatibility" xmlns:p14="http://schemas.microsoft.com/office/powerpoint/2010/main" xmlns:p15="http://schemas.microsoft.com/office/powerpoint/2012/main" xmlns:ahyp="http://schemas.microsoft.com/office/drawing/2018/hyperlinkcolor" showMasterPhAnim="0" showMasterSp="0">
   <p:cSld>
     <p:spTree>
       <p:nvGrpSpPr>
-        <p:cNvPr id="209" name="Shape 209"/>
+        <p:cNvPr id="216" name="Shape 216"/>
         <p:cNvGrpSpPr/>
         <p:nvPr/>
       </p:nvGrpSpPr>
@@ -1613,7 +1713,7 @@
       </p:grpSpPr>
       <p:sp>
         <p:nvSpPr>
-          <p:cNvPr id="210" name="Google Shape;210;g2c48598d1a9_3_5:notes"/>
+          <p:cNvPr id="217" name="Google Shape;217;g2c48598d1a9_3_5:notes"/>
           <p:cNvSpPr/>
           <p:nvPr>
             <p:ph idx="2" type="sldImg"/>
@@ -1648,7 +1748,7 @@
       </p:sp>
       <p:sp>
         <p:nvSpPr>
-          <p:cNvPr id="211" name="Google Shape;211;g2c48598d1a9_3_5:notes"/>
+          <p:cNvPr id="218" name="Google Shape;218;g2c48598d1a9_3_5:notes"/>
           <p:cNvSpPr txBox="1"/>
           <p:nvPr>
             <p:ph idx="1" type="body"/>
@@ -1684,105 +1784,6 @@
             <a:endParaRPr/>
           </a:p>
         </p:txBody>
-      </p:sp>
-    </p:spTree>
-  </p:cSld>
-  <p:clrMapOvr>
-    <a:masterClrMapping/>
-  </p:clrMapOvr>
-</p:notes>
-</file>
-
-<file path=ppt/notesSlides/notesSlide19.xml><?xml version="1.0" encoding="utf-8"?>
-<p:notes xmlns:a="http://schemas.openxmlformats.org/drawingml/2006/main" xmlns:r="http://schemas.openxmlformats.org/officeDocument/2006/relationships" xmlns:mc="http://schemas.openxmlformats.org/markup-compatibility/2006" xmlns:mv="urn:schemas-microsoft-com:mac:vml" xmlns:p="http://schemas.openxmlformats.org/presentationml/2006/main" xmlns:c="http://schemas.openxmlformats.org/drawingml/2006/chart" xmlns:dgm="http://schemas.openxmlformats.org/drawingml/2006/diagram" xmlns:o="urn:schemas-microsoft-com:office:office" xmlns:v="urn:schemas-microsoft-com:vml" xmlns:pvml="urn:schemas-microsoft-com:office:powerpoint" xmlns:com="http://schemas.openxmlformats.org/drawingml/2006/compatibility" xmlns:p14="http://schemas.microsoft.com/office/powerpoint/2010/main" xmlns:p15="http://schemas.microsoft.com/office/powerpoint/2012/main" xmlns:ahyp="http://schemas.microsoft.com/office/drawing/2018/hyperlinkcolor" showMasterPhAnim="0" showMasterSp="0">
-  <p:cSld>
-    <p:spTree>
-      <p:nvGrpSpPr>
-        <p:cNvPr id="215" name="Shape 215"/>
-        <p:cNvGrpSpPr/>
-        <p:nvPr/>
-      </p:nvGrpSpPr>
-      <p:grpSpPr>
-        <a:xfrm>
-          <a:off x="0" y="0"/>
-          <a:ext cx="0" cy="0"/>
-          <a:chOff x="0" y="0"/>
-          <a:chExt cx="0" cy="0"/>
-        </a:xfrm>
-      </p:grpSpPr>
-      <p:sp>
-        <p:nvSpPr>
-          <p:cNvPr id="216" name="Google Shape;216;p18:notes"/>
-          <p:cNvSpPr txBox="1"/>
-          <p:nvPr>
-            <p:ph idx="1" type="body"/>
-          </p:nvPr>
-        </p:nvSpPr>
-        <p:spPr>
-          <a:xfrm>
-            <a:off x="685800" y="4343400"/>
-            <a:ext cx="5486400" cy="4114800"/>
-          </a:xfrm>
-          <a:prstGeom prst="rect">
-            <a:avLst/>
-          </a:prstGeom>
-        </p:spPr>
-        <p:txBody>
-          <a:bodyPr anchorCtr="0" anchor="t" bIns="91425" lIns="91425" spcFirstLastPara="1" rIns="91425" wrap="square" tIns="91425">
-            <a:noAutofit/>
-          </a:bodyPr>
-          <a:lstStyle/>
-          <a:p>
-            <a:pPr indent="0" lvl="0" marL="0" rtl="0" algn="l">
-              <a:spcBef>
-                <a:spcPts val="0"/>
-              </a:spcBef>
-              <a:spcAft>
-                <a:spcPts val="0"/>
-              </a:spcAft>
-              <a:buNone/>
-            </a:pPr>
-            <a:r>
-              <a:t/>
-            </a:r>
-            <a:endParaRPr/>
-          </a:p>
-        </p:txBody>
-      </p:sp>
-      <p:sp>
-        <p:nvSpPr>
-          <p:cNvPr id="217" name="Google Shape;217;p18:notes"/>
-          <p:cNvSpPr/>
-          <p:nvPr>
-            <p:ph idx="2" type="sldImg"/>
-          </p:nvPr>
-        </p:nvSpPr>
-        <p:spPr>
-          <a:xfrm>
-            <a:off x="1143225" y="685800"/>
-            <a:ext cx="4572225" cy="3429000"/>
-          </a:xfrm>
-          <a:custGeom>
-            <a:rect b="b" l="l" r="r" t="t"/>
-            <a:pathLst>
-              <a:path extrusionOk="0" h="120000" w="120000">
-                <a:moveTo>
-                  <a:pt x="0" y="0"/>
-                </a:moveTo>
-                <a:lnTo>
-                  <a:pt x="120000" y="0"/>
-                </a:lnTo>
-                <a:lnTo>
-                  <a:pt x="120000" y="120000"/>
-                </a:lnTo>
-                <a:lnTo>
-                  <a:pt x="0" y="120000"/>
-                </a:lnTo>
-                <a:close/>
-              </a:path>
-            </a:pathLst>
-          </a:custGeom>
-        </p:spPr>
       </p:sp>
     </p:spTree>
   </p:cSld>
@@ -1896,7 +1897,7 @@
   <p:cSld>
     <p:spTree>
       <p:nvGrpSpPr>
-        <p:cNvPr id="222" name="Shape 222"/>
+        <p:cNvPr id="223" name="Shape 223"/>
         <p:cNvGrpSpPr/>
         <p:nvPr/>
       </p:nvGrpSpPr>
@@ -1910,7 +1911,7 @@
       </p:grpSpPr>
       <p:sp>
         <p:nvSpPr>
-          <p:cNvPr id="223" name="Google Shape;223;p17:notes"/>
+          <p:cNvPr id="224" name="Google Shape;224;p18:notes"/>
           <p:cNvSpPr txBox="1"/>
           <p:nvPr>
             <p:ph idx="1" type="body"/>
@@ -1949,7 +1950,7 @@
       </p:sp>
       <p:sp>
         <p:nvSpPr>
-          <p:cNvPr id="224" name="Google Shape;224;p17:notes"/>
+          <p:cNvPr id="225" name="Google Shape;225;p18:notes"/>
           <p:cNvSpPr/>
           <p:nvPr>
             <p:ph idx="2" type="sldImg"/>
@@ -1995,7 +1996,7 @@
   <p:cSld>
     <p:spTree>
       <p:nvGrpSpPr>
-        <p:cNvPr id="229" name="Shape 229"/>
+        <p:cNvPr id="230" name="Shape 230"/>
         <p:cNvGrpSpPr/>
         <p:nvPr/>
       </p:nvGrpSpPr>
@@ -2009,7 +2010,7 @@
       </p:grpSpPr>
       <p:sp>
         <p:nvSpPr>
-          <p:cNvPr id="230" name="Google Shape;230;p24:notes"/>
+          <p:cNvPr id="231" name="Google Shape;231;p17:notes"/>
           <p:cNvSpPr txBox="1"/>
           <p:nvPr>
             <p:ph idx="1" type="body"/>
@@ -2048,7 +2049,7 @@
       </p:sp>
       <p:sp>
         <p:nvSpPr>
-          <p:cNvPr id="231" name="Google Shape;231;p24:notes"/>
+          <p:cNvPr id="232" name="Google Shape;232;p17:notes"/>
           <p:cNvSpPr/>
           <p:nvPr>
             <p:ph idx="2" type="sldImg"/>
@@ -2094,7 +2095,7 @@
   <p:cSld>
     <p:spTree>
       <p:nvGrpSpPr>
-        <p:cNvPr id="235" name="Shape 235"/>
+        <p:cNvPr id="237" name="Shape 237"/>
         <p:cNvGrpSpPr/>
         <p:nvPr/>
       </p:nvGrpSpPr>
@@ -2108,7 +2109,7 @@
       </p:grpSpPr>
       <p:sp>
         <p:nvSpPr>
-          <p:cNvPr id="236" name="Google Shape;236;p25:notes"/>
+          <p:cNvPr id="238" name="Google Shape;238;p24:notes"/>
           <p:cNvSpPr txBox="1"/>
           <p:nvPr>
             <p:ph idx="1" type="body"/>
@@ -2147,7 +2148,106 @@
       </p:sp>
       <p:sp>
         <p:nvSpPr>
-          <p:cNvPr id="237" name="Google Shape;237;p25:notes"/>
+          <p:cNvPr id="239" name="Google Shape;239;p24:notes"/>
+          <p:cNvSpPr/>
+          <p:nvPr>
+            <p:ph idx="2" type="sldImg"/>
+          </p:nvPr>
+        </p:nvSpPr>
+        <p:spPr>
+          <a:xfrm>
+            <a:off x="1143225" y="685800"/>
+            <a:ext cx="4572225" cy="3429000"/>
+          </a:xfrm>
+          <a:custGeom>
+            <a:rect b="b" l="l" r="r" t="t"/>
+            <a:pathLst>
+              <a:path extrusionOk="0" h="120000" w="120000">
+                <a:moveTo>
+                  <a:pt x="0" y="0"/>
+                </a:moveTo>
+                <a:lnTo>
+                  <a:pt x="120000" y="0"/>
+                </a:lnTo>
+                <a:lnTo>
+                  <a:pt x="120000" y="120000"/>
+                </a:lnTo>
+                <a:lnTo>
+                  <a:pt x="0" y="120000"/>
+                </a:lnTo>
+                <a:close/>
+              </a:path>
+            </a:pathLst>
+          </a:custGeom>
+        </p:spPr>
+      </p:sp>
+    </p:spTree>
+  </p:cSld>
+  <p:clrMapOvr>
+    <a:masterClrMapping/>
+  </p:clrMapOvr>
+</p:notes>
+</file>
+
+<file path=ppt/notesSlides/notesSlide23.xml><?xml version="1.0" encoding="utf-8"?>
+<p:notes xmlns:a="http://schemas.openxmlformats.org/drawingml/2006/main" xmlns:r="http://schemas.openxmlformats.org/officeDocument/2006/relationships" xmlns:mc="http://schemas.openxmlformats.org/markup-compatibility/2006" xmlns:mv="urn:schemas-microsoft-com:mac:vml" xmlns:p="http://schemas.openxmlformats.org/presentationml/2006/main" xmlns:c="http://schemas.openxmlformats.org/drawingml/2006/chart" xmlns:dgm="http://schemas.openxmlformats.org/drawingml/2006/diagram" xmlns:o="urn:schemas-microsoft-com:office:office" xmlns:v="urn:schemas-microsoft-com:vml" xmlns:pvml="urn:schemas-microsoft-com:office:powerpoint" xmlns:com="http://schemas.openxmlformats.org/drawingml/2006/compatibility" xmlns:p14="http://schemas.microsoft.com/office/powerpoint/2010/main" xmlns:p15="http://schemas.microsoft.com/office/powerpoint/2012/main" xmlns:ahyp="http://schemas.microsoft.com/office/drawing/2018/hyperlinkcolor" showMasterPhAnim="0" showMasterSp="0">
+  <p:cSld>
+    <p:spTree>
+      <p:nvGrpSpPr>
+        <p:cNvPr id="243" name="Shape 243"/>
+        <p:cNvGrpSpPr/>
+        <p:nvPr/>
+      </p:nvGrpSpPr>
+      <p:grpSpPr>
+        <a:xfrm>
+          <a:off x="0" y="0"/>
+          <a:ext cx="0" cy="0"/>
+          <a:chOff x="0" y="0"/>
+          <a:chExt cx="0" cy="0"/>
+        </a:xfrm>
+      </p:grpSpPr>
+      <p:sp>
+        <p:nvSpPr>
+          <p:cNvPr id="244" name="Google Shape;244;p25:notes"/>
+          <p:cNvSpPr txBox="1"/>
+          <p:nvPr>
+            <p:ph idx="1" type="body"/>
+          </p:nvPr>
+        </p:nvSpPr>
+        <p:spPr>
+          <a:xfrm>
+            <a:off x="685800" y="4343400"/>
+            <a:ext cx="5486400" cy="4114800"/>
+          </a:xfrm>
+          <a:prstGeom prst="rect">
+            <a:avLst/>
+          </a:prstGeom>
+        </p:spPr>
+        <p:txBody>
+          <a:bodyPr anchorCtr="0" anchor="t" bIns="91425" lIns="91425" spcFirstLastPara="1" rIns="91425" wrap="square" tIns="91425">
+            <a:noAutofit/>
+          </a:bodyPr>
+          <a:lstStyle/>
+          <a:p>
+            <a:pPr indent="0" lvl="0" marL="0" rtl="0" algn="l">
+              <a:spcBef>
+                <a:spcPts val="0"/>
+              </a:spcBef>
+              <a:spcAft>
+                <a:spcPts val="0"/>
+              </a:spcAft>
+              <a:buNone/>
+            </a:pPr>
+            <a:r>
+              <a:t/>
+            </a:r>
+            <a:endParaRPr/>
+          </a:p>
+        </p:txBody>
+      </p:sp>
+      <p:sp>
+        <p:nvSpPr>
+          <p:cNvPr id="245" name="Google Shape;245;p25:notes"/>
           <p:cNvSpPr/>
           <p:nvPr>
             <p:ph idx="2" type="sldImg"/>
@@ -13162,7 +13262,7 @@
         </p:nvSpPr>
         <p:spPr>
           <a:xfrm>
-            <a:off x="1581950" y="3308925"/>
+            <a:off x="2386775" y="3263575"/>
             <a:ext cx="1875300" cy="2862900"/>
           </a:xfrm>
           <a:prstGeom prst="rect">
@@ -13179,7 +13279,7 @@
           </a:bodyPr>
           <a:lstStyle/>
           <a:p>
-            <a:pPr indent="0" lvl="0" marL="0" marR="0" rtl="0" algn="l">
+            <a:pPr indent="0" lvl="0" marL="0" marR="0" rtl="0" algn="ctr">
               <a:spcBef>
                 <a:spcPts val="0"/>
               </a:spcBef>
@@ -13223,7 +13323,7 @@
             </a:endParaRPr>
           </a:p>
           <a:p>
-            <a:pPr indent="0" lvl="0" marL="0" marR="0" rtl="0" algn="l">
+            <a:pPr indent="0" lvl="0" marL="0" marR="0" rtl="0" algn="ctr">
               <a:spcBef>
                 <a:spcPts val="0"/>
               </a:spcBef>
@@ -13246,7 +13346,7 @@
             </a:endParaRPr>
           </a:p>
           <a:p>
-            <a:pPr indent="0" lvl="0" marL="0" marR="0" rtl="0" algn="l">
+            <a:pPr indent="0" lvl="0" marL="0" marR="0" rtl="0" algn="ctr">
               <a:spcBef>
                 <a:spcPts val="0"/>
               </a:spcBef>
@@ -13278,7 +13378,7 @@
             </a:endParaRPr>
           </a:p>
           <a:p>
-            <a:pPr indent="0" lvl="0" marL="0" marR="0" rtl="0" algn="l">
+            <a:pPr indent="0" lvl="0" marL="0" marR="0" rtl="0" algn="ctr">
               <a:spcBef>
                 <a:spcPts val="0"/>
               </a:spcBef>
@@ -13310,7 +13410,7 @@
             </a:endParaRPr>
           </a:p>
           <a:p>
-            <a:pPr indent="0" lvl="0" marL="0" marR="0" rtl="0" algn="l">
+            <a:pPr indent="0" lvl="0" marL="0" marR="0" rtl="0" algn="ctr">
               <a:spcBef>
                 <a:spcPts val="0"/>
               </a:spcBef>
@@ -13342,7 +13442,7 @@
             </a:endParaRPr>
           </a:p>
           <a:p>
-            <a:pPr indent="0" lvl="0" marL="0" marR="0" rtl="0" algn="l">
+            <a:pPr indent="0" lvl="0" marL="0" marR="0" rtl="0" algn="ctr">
               <a:spcBef>
                 <a:spcPts val="0"/>
               </a:spcBef>
@@ -13374,7 +13474,7 @@
             </a:endParaRPr>
           </a:p>
           <a:p>
-            <a:pPr indent="0" lvl="0" marL="0" marR="0" rtl="0" algn="l">
+            <a:pPr indent="0" lvl="0" marL="0" marR="0" rtl="0" algn="ctr">
               <a:spcBef>
                 <a:spcPts val="0"/>
               </a:spcBef>
@@ -13406,7 +13506,7 @@
             </a:endParaRPr>
           </a:p>
           <a:p>
-            <a:pPr indent="0" lvl="0" marL="0" marR="0" rtl="0" algn="l">
+            <a:pPr indent="0" lvl="0" marL="0" marR="0" rtl="0" algn="ctr">
               <a:spcBef>
                 <a:spcPts val="0"/>
               </a:spcBef>
@@ -13438,7 +13538,7 @@
             </a:endParaRPr>
           </a:p>
           <a:p>
-            <a:pPr indent="0" lvl="0" marL="0" marR="0" rtl="0" algn="l">
+            <a:pPr indent="0" lvl="0" marL="0" marR="0" rtl="0" algn="ctr">
               <a:spcBef>
                 <a:spcPts val="0"/>
               </a:spcBef>
@@ -13470,7 +13570,7 @@
             </a:endParaRPr>
           </a:p>
           <a:p>
-            <a:pPr indent="0" lvl="0" marL="0" marR="0" rtl="0" algn="l">
+            <a:pPr indent="0" lvl="0" marL="0" marR="0" rtl="0" algn="ctr">
               <a:spcBef>
                 <a:spcPts val="0"/>
               </a:spcBef>
@@ -13519,8 +13619,8 @@
         </p:blipFill>
         <p:spPr>
           <a:xfrm>
-            <a:off x="5067000" y="3234975"/>
-            <a:ext cx="3010801" cy="3010801"/>
+            <a:off x="5933450" y="3108613"/>
+            <a:ext cx="3263524" cy="3263524"/>
           </a:xfrm>
           <a:prstGeom prst="rect">
             <a:avLst/>
@@ -14556,17 +14656,18 @@
           <p:cNvPicPr preferRelativeResize="0"/>
           <p:nvPr/>
         </p:nvPicPr>
-        <p:blipFill rotWithShape="1">
+        <p:blipFill>
           <a:blip r:embed="rId3">
             <a:alphaModFix/>
           </a:blip>
-          <a:srcRect b="0" l="0" r="0" t="0"/>
-          <a:stretch/>
+          <a:stretch>
+            <a:fillRect/>
+          </a:stretch>
         </p:blipFill>
         <p:spPr>
           <a:xfrm>
-            <a:off x="1697037" y="1838325"/>
-            <a:ext cx="8391525" cy="5019675"/>
+            <a:off x="2188900" y="1885781"/>
+            <a:ext cx="8071235" cy="4837244"/>
           </a:xfrm>
           <a:prstGeom prst="rect">
             <a:avLst/>
@@ -15007,7 +15108,144 @@
       </p:grpSpPr>
       <p:sp>
         <p:nvSpPr>
-          <p:cNvPr id="207" name="Google Shape;207;p22"/>
+          <p:cNvPr id="207" name="Google Shape;207;g2c4b658579b_0_3"/>
+          <p:cNvSpPr txBox="1"/>
+          <p:nvPr>
+            <p:ph type="title"/>
+          </p:nvPr>
+        </p:nvSpPr>
+        <p:spPr>
+          <a:xfrm>
+            <a:off x="581200" y="702153"/>
+            <a:ext cx="11029500" cy="533700"/>
+          </a:xfrm>
+          <a:prstGeom prst="rect">
+            <a:avLst/>
+          </a:prstGeom>
+        </p:spPr>
+        <p:txBody>
+          <a:bodyPr anchorCtr="0" anchor="b" bIns="45700" lIns="91425" spcFirstLastPara="1" rIns="91425" wrap="square" tIns="45700">
+            <a:normAutofit/>
+          </a:bodyPr>
+          <a:lstStyle/>
+          <a:p>
+            <a:pPr indent="0" lvl="0" marL="0" rtl="0" algn="l">
+              <a:spcBef>
+                <a:spcPts val="0"/>
+              </a:spcBef>
+              <a:spcAft>
+                <a:spcPts val="0"/>
+              </a:spcAft>
+              <a:buClr>
+                <a:schemeClr val="lt1"/>
+              </a:buClr>
+              <a:buSzPts val="2800"/>
+              <a:buFont typeface="Gill Sans"/>
+              <a:buNone/>
+            </a:pPr>
+            <a:r>
+              <a:rPr lang="en-US"/>
+              <a:t>WHAT IS THE RETURN ON INVESTMENT?</a:t>
+            </a:r>
+            <a:endParaRPr/>
+          </a:p>
+        </p:txBody>
+      </p:sp>
+      <p:sp>
+        <p:nvSpPr>
+          <p:cNvPr id="208" name="Google Shape;208;g2c4b658579b_0_3"/>
+          <p:cNvSpPr txBox="1"/>
+          <p:nvPr>
+            <p:ph idx="1" type="body"/>
+          </p:nvPr>
+        </p:nvSpPr>
+        <p:spPr>
+          <a:xfrm>
+            <a:off x="581192" y="2180496"/>
+            <a:ext cx="11029500" cy="3678300"/>
+          </a:xfrm>
+          <a:prstGeom prst="rect">
+            <a:avLst/>
+          </a:prstGeom>
+        </p:spPr>
+        <p:txBody>
+          <a:bodyPr anchorCtr="0" anchor="ctr" bIns="45700" lIns="91425" spcFirstLastPara="1" rIns="91425" wrap="square" tIns="45700">
+            <a:normAutofit/>
+          </a:bodyPr>
+          <a:lstStyle/>
+          <a:p>
+            <a:pPr indent="0" lvl="0" marL="0" rtl="0" algn="l">
+              <a:spcBef>
+                <a:spcPts val="360"/>
+              </a:spcBef>
+              <a:spcAft>
+                <a:spcPts val="600"/>
+              </a:spcAft>
+              <a:buNone/>
+            </a:pPr>
+            <a:r>
+              <a:t/>
+            </a:r>
+            <a:endParaRPr/>
+          </a:p>
+        </p:txBody>
+      </p:sp>
+      <p:pic>
+        <p:nvPicPr>
+          <p:cNvPr id="209" name="Google Shape;209;g2c4b658579b_0_3"/>
+          <p:cNvPicPr preferRelativeResize="0"/>
+          <p:nvPr/>
+        </p:nvPicPr>
+        <p:blipFill>
+          <a:blip r:embed="rId3">
+            <a:alphaModFix/>
+          </a:blip>
+          <a:stretch>
+            <a:fillRect/>
+          </a:stretch>
+        </p:blipFill>
+        <p:spPr>
+          <a:xfrm>
+            <a:off x="433988" y="1345859"/>
+            <a:ext cx="11323925" cy="5858900"/>
+          </a:xfrm>
+          <a:prstGeom prst="rect">
+            <a:avLst/>
+          </a:prstGeom>
+          <a:noFill/>
+          <a:ln>
+            <a:noFill/>
+          </a:ln>
+        </p:spPr>
+      </p:pic>
+    </p:spTree>
+  </p:cSld>
+  <p:clrMapOvr>
+    <a:masterClrMapping/>
+  </p:clrMapOvr>
+</p:sld>
+</file>
+
+<file path=ppt/slides/slide18.xml><?xml version="1.0" encoding="utf-8"?>
+<p:sld xmlns:a="http://schemas.openxmlformats.org/drawingml/2006/main" xmlns:r="http://schemas.openxmlformats.org/officeDocument/2006/relationships" xmlns:mc="http://schemas.openxmlformats.org/markup-compatibility/2006" xmlns:mv="urn:schemas-microsoft-com:mac:vml" xmlns:p="http://schemas.openxmlformats.org/presentationml/2006/main" xmlns:c="http://schemas.openxmlformats.org/drawingml/2006/chart" xmlns:dgm="http://schemas.openxmlformats.org/drawingml/2006/diagram" xmlns:o="urn:schemas-microsoft-com:office:office" xmlns:v="urn:schemas-microsoft-com:vml" xmlns:pvml="urn:schemas-microsoft-com:office:powerpoint" xmlns:com="http://schemas.openxmlformats.org/drawingml/2006/compatibility" xmlns:p14="http://schemas.microsoft.com/office/powerpoint/2010/main" xmlns:p15="http://schemas.microsoft.com/office/powerpoint/2012/main" xmlns:ahyp="http://schemas.microsoft.com/office/drawing/2018/hyperlinkcolor">
+  <p:cSld>
+    <p:spTree>
+      <p:nvGrpSpPr>
+        <p:cNvPr id="213" name="Shape 213"/>
+        <p:cNvGrpSpPr/>
+        <p:nvPr/>
+      </p:nvGrpSpPr>
+      <p:grpSpPr>
+        <a:xfrm>
+          <a:off x="0" y="0"/>
+          <a:ext cx="0" cy="0"/>
+          <a:chOff x="0" y="0"/>
+          <a:chExt cx="0" cy="0"/>
+        </a:xfrm>
+      </p:grpSpPr>
+      <p:sp>
+        <p:nvSpPr>
+          <p:cNvPr id="214" name="Google Shape;214;p22"/>
           <p:cNvSpPr txBox="1"/>
           <p:nvPr>
             <p:ph type="title"/>
@@ -15056,7 +15294,7 @@
       </p:sp>
       <p:pic>
         <p:nvPicPr>
-          <p:cNvPr id="208" name="Google Shape;208;p22"/>
+          <p:cNvPr id="215" name="Google Shape;215;p22"/>
           <p:cNvPicPr preferRelativeResize="0"/>
           <p:nvPr>
             <p:ph idx="1" type="body"/>
@@ -15091,12 +15329,12 @@
 </p:sld>
 </file>
 
-<file path=ppt/slides/slide18.xml><?xml version="1.0" encoding="utf-8"?>
+<file path=ppt/slides/slide19.xml><?xml version="1.0" encoding="utf-8"?>
 <p:sld xmlns:a="http://schemas.openxmlformats.org/drawingml/2006/main" xmlns:r="http://schemas.openxmlformats.org/officeDocument/2006/relationships" xmlns:mc="http://schemas.openxmlformats.org/markup-compatibility/2006" xmlns:mv="urn:schemas-microsoft-com:mac:vml" xmlns:p="http://schemas.openxmlformats.org/presentationml/2006/main" xmlns:c="http://schemas.openxmlformats.org/drawingml/2006/chart" xmlns:dgm="http://schemas.openxmlformats.org/drawingml/2006/diagram" xmlns:o="urn:schemas-microsoft-com:office:office" xmlns:v="urn:schemas-microsoft-com:vml" xmlns:pvml="urn:schemas-microsoft-com:office:powerpoint" xmlns:com="http://schemas.openxmlformats.org/drawingml/2006/compatibility" xmlns:p14="http://schemas.microsoft.com/office/powerpoint/2010/main" xmlns:p15="http://schemas.microsoft.com/office/powerpoint/2012/main" xmlns:ahyp="http://schemas.microsoft.com/office/drawing/2018/hyperlinkcolor">
   <p:cSld>
     <p:spTree>
       <p:nvGrpSpPr>
-        <p:cNvPr id="212" name="Shape 212"/>
+        <p:cNvPr id="219" name="Shape 219"/>
         <p:cNvGrpSpPr/>
         <p:nvPr/>
       </p:nvGrpSpPr>
@@ -15110,7 +15348,7 @@
       </p:grpSpPr>
       <p:sp>
         <p:nvSpPr>
-          <p:cNvPr id="213" name="Google Shape;213;g2c48598d1a9_3_5"/>
+          <p:cNvPr id="220" name="Google Shape;220;g2c48598d1a9_3_5"/>
           <p:cNvSpPr txBox="1"/>
           <p:nvPr>
             <p:ph type="title"/>
@@ -15153,136 +15391,24 @@
           </a:p>
         </p:txBody>
       </p:sp>
-      <p:sp>
-        <p:nvSpPr>
-          <p:cNvPr id="214" name="Google Shape;214;g2c48598d1a9_3_5"/>
-          <p:cNvSpPr txBox="1"/>
-          <p:nvPr>
-            <p:ph idx="1" type="body"/>
-          </p:nvPr>
-        </p:nvSpPr>
-        <p:spPr>
-          <a:xfrm>
-            <a:off x="581192" y="2180496"/>
-            <a:ext cx="11029500" cy="3678300"/>
-          </a:xfrm>
-          <a:prstGeom prst="rect">
-            <a:avLst/>
-          </a:prstGeom>
-        </p:spPr>
-        <p:txBody>
-          <a:bodyPr anchorCtr="0" anchor="ctr" bIns="45700" lIns="91425" spcFirstLastPara="1" rIns="91425" wrap="square" tIns="45700">
-            <a:normAutofit/>
-          </a:bodyPr>
-          <a:lstStyle/>
-          <a:p>
-            <a:pPr indent="0" lvl="0" marL="0" rtl="0" algn="l">
-              <a:spcBef>
-                <a:spcPts val="360"/>
-              </a:spcBef>
-              <a:spcAft>
-                <a:spcPts val="600"/>
-              </a:spcAft>
-              <a:buNone/>
-            </a:pPr>
-            <a:r>
-              <a:t/>
-            </a:r>
-            <a:endParaRPr/>
-          </a:p>
-        </p:txBody>
-      </p:sp>
-    </p:spTree>
-  </p:cSld>
-  <p:clrMapOvr>
-    <a:masterClrMapping/>
-  </p:clrMapOvr>
-</p:sld>
-</file>
-
-<file path=ppt/slides/slide19.xml><?xml version="1.0" encoding="utf-8"?>
-<p:sld xmlns:a="http://schemas.openxmlformats.org/drawingml/2006/main" xmlns:r="http://schemas.openxmlformats.org/officeDocument/2006/relationships" xmlns:mc="http://schemas.openxmlformats.org/markup-compatibility/2006" xmlns:mv="urn:schemas-microsoft-com:mac:vml" xmlns:p="http://schemas.openxmlformats.org/presentationml/2006/main" xmlns:c="http://schemas.openxmlformats.org/drawingml/2006/chart" xmlns:dgm="http://schemas.openxmlformats.org/drawingml/2006/diagram" xmlns:o="urn:schemas-microsoft-com:office:office" xmlns:v="urn:schemas-microsoft-com:vml" xmlns:pvml="urn:schemas-microsoft-com:office:powerpoint" xmlns:com="http://schemas.openxmlformats.org/drawingml/2006/compatibility" xmlns:p14="http://schemas.microsoft.com/office/powerpoint/2010/main" xmlns:p15="http://schemas.microsoft.com/office/powerpoint/2012/main" xmlns:ahyp="http://schemas.microsoft.com/office/drawing/2018/hyperlinkcolor">
-  <p:cSld>
-    <p:spTree>
-      <p:nvGrpSpPr>
-        <p:cNvPr id="218" name="Shape 218"/>
-        <p:cNvGrpSpPr/>
-        <p:nvPr/>
-      </p:nvGrpSpPr>
-      <p:grpSpPr>
-        <a:xfrm>
-          <a:off x="0" y="0"/>
-          <a:ext cx="0" cy="0"/>
-          <a:chOff x="0" y="0"/>
-          <a:chExt cx="0" cy="0"/>
-        </a:xfrm>
-      </p:grpSpPr>
-      <p:sp>
-        <p:nvSpPr>
-          <p:cNvPr id="219" name="Google Shape;219;p18"/>
-          <p:cNvSpPr txBox="1"/>
-          <p:nvPr>
-            <p:ph type="title"/>
-          </p:nvPr>
-        </p:nvSpPr>
-        <p:spPr>
-          <a:xfrm>
-            <a:off x="581192" y="702156"/>
-            <a:ext cx="11029616" cy="1013800"/>
-          </a:xfrm>
-          <a:prstGeom prst="rect">
-            <a:avLst/>
-          </a:prstGeom>
-          <a:noFill/>
-          <a:ln>
-            <a:noFill/>
-          </a:ln>
-        </p:spPr>
-        <p:txBody>
-          <a:bodyPr anchorCtr="0" anchor="b" bIns="45700" lIns="91425" spcFirstLastPara="1" rIns="91425" wrap="square" tIns="45700">
-            <a:normAutofit/>
-          </a:bodyPr>
-          <a:lstStyle/>
-          <a:p>
-            <a:pPr indent="0" lvl="0" marL="0" rtl="0" algn="l">
-              <a:spcBef>
-                <a:spcPts val="0"/>
-              </a:spcBef>
-              <a:spcAft>
-                <a:spcPts val="0"/>
-              </a:spcAft>
-              <a:buClr>
-                <a:schemeClr val="lt1"/>
-              </a:buClr>
-              <a:buSzPts val="2800"/>
-              <a:buFont typeface="Gill Sans"/>
-              <a:buNone/>
-            </a:pPr>
-            <a:r>
-              <a:rPr lang="en-US"/>
-              <a:t>ARE THERE ANY OTHER FACTORS THAT CAN INFLUENCE OUR DECISION?</a:t>
-            </a:r>
-            <a:endParaRPr/>
-          </a:p>
-        </p:txBody>
-      </p:sp>
       <p:pic>
         <p:nvPicPr>
-          <p:cNvPr id="220" name="Google Shape;220;p18"/>
+          <p:cNvPr id="221" name="Google Shape;221;g2c48598d1a9_3_5"/>
           <p:cNvPicPr preferRelativeResize="0"/>
           <p:nvPr/>
         </p:nvPicPr>
-        <p:blipFill rotWithShape="1">
+        <p:blipFill>
           <a:blip r:embed="rId3">
             <a:alphaModFix/>
           </a:blip>
-          <a:srcRect b="0" l="0" r="0" t="0"/>
-          <a:stretch/>
+          <a:stretch>
+            <a:fillRect/>
+          </a:stretch>
         </p:blipFill>
         <p:spPr>
           <a:xfrm>
-            <a:off x="473690" y="1900012"/>
-            <a:ext cx="7536220" cy="4778851"/>
+            <a:off x="417176" y="1815451"/>
+            <a:ext cx="8198851" cy="4939675"/>
           </a:xfrm>
           <a:prstGeom prst="rect">
             <a:avLst/>
@@ -15295,14 +15421,14 @@
       </p:pic>
       <p:sp>
         <p:nvSpPr>
-          <p:cNvPr id="221" name="Google Shape;221;p18"/>
+          <p:cNvPr id="222" name="Google Shape;222;g2c48598d1a9_3_5"/>
           <p:cNvSpPr txBox="1"/>
           <p:nvPr/>
         </p:nvSpPr>
         <p:spPr>
           <a:xfrm>
-            <a:off x="8009910" y="2120900"/>
-            <a:ext cx="2750700" cy="2586000"/>
+            <a:off x="8616025" y="2140925"/>
+            <a:ext cx="3081000" cy="3786600"/>
           </a:xfrm>
           <a:prstGeom prst="rect">
             <a:avLst/>
@@ -15313,12 +15439,12 @@
           </a:ln>
         </p:spPr>
         <p:txBody>
-          <a:bodyPr anchorCtr="0" anchor="t" bIns="45700" lIns="91425" spcFirstLastPara="1" rIns="91425" wrap="square" tIns="45700">
+          <a:bodyPr anchorCtr="0" anchor="t" bIns="91425" lIns="91425" spcFirstLastPara="1" rIns="91425" wrap="square" tIns="91425">
             <a:spAutoFit/>
           </a:bodyPr>
           <a:lstStyle/>
           <a:p>
-            <a:pPr indent="0" lvl="0" marL="0" marR="0" rtl="0" algn="l">
+            <a:pPr indent="0" lvl="0" marL="0" rtl="0" algn="l">
               <a:spcBef>
                 <a:spcPts val="0"/>
               </a:spcBef>
@@ -15328,35 +15454,20 @@
               <a:buNone/>
             </a:pPr>
             <a:r>
-              <a:rPr lang="en-US" sz="1800">
+              <a:rPr lang="en-US" sz="1800" u="sng">
                 <a:solidFill>
-                  <a:schemeClr val="dk1"/>
+                  <a:schemeClr val="dk2"/>
                 </a:solidFill>
                 <a:latin typeface="Gill Sans"/>
                 <a:ea typeface="Gill Sans"/>
                 <a:cs typeface="Gill Sans"/>
                 <a:sym typeface="Gill Sans"/>
               </a:rPr>
-              <a:t>Correlation Co – efficients:</a:t>
+              <a:t>Assumptions:</a:t>
             </a:r>
-            <a:endParaRPr/>
-          </a:p>
-          <a:p>
-            <a:pPr indent="0" lvl="0" marL="0" marR="0" rtl="0" algn="l">
-              <a:spcBef>
-                <a:spcPts val="0"/>
-              </a:spcBef>
-              <a:spcAft>
-                <a:spcPts val="0"/>
-              </a:spcAft>
-              <a:buNone/>
-            </a:pPr>
-            <a:r>
-              <a:t/>
-            </a:r>
-            <a:endParaRPr sz="1800">
+            <a:endParaRPr sz="1800" u="sng">
               <a:solidFill>
-                <a:schemeClr val="dk1"/>
+                <a:schemeClr val="dk2"/>
               </a:solidFill>
               <a:latin typeface="Gill Sans"/>
               <a:ea typeface="Gill Sans"/>
@@ -15365,31 +15476,7 @@
             </a:endParaRPr>
           </a:p>
           <a:p>
-            <a:pPr indent="0" lvl="0" marL="0" marR="0" rtl="0" algn="l">
-              <a:spcBef>
-                <a:spcPts val="0"/>
-              </a:spcBef>
-              <a:spcAft>
-                <a:spcPts val="0"/>
-              </a:spcAft>
-              <a:buNone/>
-            </a:pPr>
-            <a:r>
-              <a:rPr lang="en-US" sz="1800">
-                <a:solidFill>
-                  <a:schemeClr val="dk1"/>
-                </a:solidFill>
-                <a:latin typeface="Gill Sans"/>
-                <a:ea typeface="Gill Sans"/>
-                <a:cs typeface="Gill Sans"/>
-                <a:sym typeface="Gill Sans"/>
-              </a:rPr>
-              <a:t>Walmart: -0.077</a:t>
-            </a:r>
-            <a:endParaRPr/>
-          </a:p>
-          <a:p>
-            <a:pPr indent="0" lvl="0" marL="0" marR="0" rtl="0" algn="l">
+            <a:pPr indent="0" lvl="0" marL="0" rtl="0" algn="l">
               <a:spcBef>
                 <a:spcPts val="0"/>
               </a:spcBef>
@@ -15401,9 +15488,9 @@
             <a:r>
               <a:t/>
             </a:r>
-            <a:endParaRPr sz="1800">
+            <a:endParaRPr sz="1800" u="sng">
               <a:solidFill>
-                <a:schemeClr val="dk1"/>
+                <a:schemeClr val="dk2"/>
               </a:solidFill>
               <a:latin typeface="Gill Sans"/>
               <a:ea typeface="Gill Sans"/>
@@ -15412,7 +15499,7 @@
             </a:endParaRPr>
           </a:p>
           <a:p>
-            <a:pPr indent="0" lvl="0" marL="0" marR="0" rtl="0" algn="l">
+            <a:pPr indent="0" lvl="0" marL="0" rtl="0" algn="l">
               <a:spcBef>
                 <a:spcPts val="0"/>
               </a:spcBef>
@@ -15424,33 +15511,18 @@
             <a:r>
               <a:rPr lang="en-US" sz="1800">
                 <a:solidFill>
-                  <a:schemeClr val="dk1"/>
+                  <a:schemeClr val="dk2"/>
                 </a:solidFill>
                 <a:latin typeface="Gill Sans"/>
                 <a:ea typeface="Gill Sans"/>
                 <a:cs typeface="Gill Sans"/>
                 <a:sym typeface="Gill Sans"/>
               </a:rPr>
-              <a:t>Costco:  -0.151</a:t>
-            </a:r>
-            <a:endParaRPr/>
-          </a:p>
-          <a:p>
-            <a:pPr indent="0" lvl="0" marL="0" marR="0" rtl="0" algn="l">
-              <a:spcBef>
-                <a:spcPts val="0"/>
-              </a:spcBef>
-              <a:spcAft>
-                <a:spcPts val="0"/>
-              </a:spcAft>
-              <a:buNone/>
-            </a:pPr>
-            <a:r>
-              <a:t/>
+              <a:t>$1000 worth of stock was invested using the original opening price - and used to calculate the number of shares held.</a:t>
             </a:r>
             <a:endParaRPr sz="1800">
               <a:solidFill>
-                <a:schemeClr val="dk1"/>
+                <a:schemeClr val="dk2"/>
               </a:solidFill>
               <a:latin typeface="Gill Sans"/>
               <a:ea typeface="Gill Sans"/>
@@ -15459,31 +15531,7 @@
             </a:endParaRPr>
           </a:p>
           <a:p>
-            <a:pPr indent="0" lvl="0" marL="0" marR="0" rtl="0" algn="l">
-              <a:spcBef>
-                <a:spcPts val="0"/>
-              </a:spcBef>
-              <a:spcAft>
-                <a:spcPts val="0"/>
-              </a:spcAft>
-              <a:buNone/>
-            </a:pPr>
-            <a:r>
-              <a:rPr lang="en-US" sz="1800">
-                <a:solidFill>
-                  <a:schemeClr val="dk1"/>
-                </a:solidFill>
-                <a:latin typeface="Gill Sans"/>
-                <a:ea typeface="Gill Sans"/>
-                <a:cs typeface="Gill Sans"/>
-                <a:sym typeface="Gill Sans"/>
-              </a:rPr>
-              <a:t>Target: -0.272</a:t>
-            </a:r>
-            <a:endParaRPr/>
-          </a:p>
-          <a:p>
-            <a:pPr indent="0" lvl="0" marL="0" marR="0" rtl="0" algn="l">
+            <a:pPr indent="0" lvl="0" marL="0" rtl="0" algn="l">
               <a:spcBef>
                 <a:spcPts val="0"/>
               </a:spcBef>
@@ -15497,7 +15545,7 @@
             </a:r>
             <a:endParaRPr sz="1800">
               <a:solidFill>
-                <a:schemeClr val="dk1"/>
+                <a:schemeClr val="dk2"/>
               </a:solidFill>
               <a:latin typeface="Gill Sans"/>
               <a:ea typeface="Gill Sans"/>
@@ -15506,7 +15554,7 @@
             </a:endParaRPr>
           </a:p>
           <a:p>
-            <a:pPr indent="0" lvl="0" marL="0" marR="0" rtl="0" algn="l">
+            <a:pPr indent="0" lvl="0" marL="0" rtl="0" algn="l">
               <a:spcBef>
                 <a:spcPts val="0"/>
               </a:spcBef>
@@ -15518,18 +15566,18 @@
             <a:r>
               <a:rPr lang="en-US" sz="1800">
                 <a:solidFill>
-                  <a:schemeClr val="dk1"/>
+                  <a:schemeClr val="dk2"/>
                 </a:solidFill>
                 <a:latin typeface="Gill Sans"/>
                 <a:ea typeface="Gill Sans"/>
                 <a:cs typeface="Gill Sans"/>
                 <a:sym typeface="Gill Sans"/>
               </a:rPr>
-              <a:t>Albertsons:  -0.118</a:t>
+              <a:t>Dividend earnings is the number of shares held multiplied by the dividend per share to give a total amount per dividend issue..</a:t>
             </a:r>
             <a:endParaRPr sz="1800">
               <a:solidFill>
-                <a:schemeClr val="dk1"/>
+                <a:schemeClr val="dk2"/>
               </a:solidFill>
               <a:latin typeface="Gill Sans"/>
               <a:ea typeface="Gill Sans"/>
@@ -15770,7 +15818,7 @@
   <p:cSld>
     <p:spTree>
       <p:nvGrpSpPr>
-        <p:cNvPr id="225" name="Shape 225"/>
+        <p:cNvPr id="226" name="Shape 226"/>
         <p:cNvGrpSpPr/>
         <p:nvPr/>
       </p:nvGrpSpPr>
@@ -15784,7 +15832,7 @@
       </p:grpSpPr>
       <p:sp>
         <p:nvSpPr>
-          <p:cNvPr id="226" name="Google Shape;226;p17"/>
+          <p:cNvPr id="227" name="Google Shape;227;p18"/>
           <p:cNvSpPr txBox="1"/>
           <p:nvPr>
             <p:ph type="title"/>
@@ -15824,7 +15872,8 @@
               <a:buNone/>
             </a:pPr>
             <a:r>
-              <a:t/>
+              <a:rPr lang="en-US"/>
+              <a:t>ARE THERE ANY OTHER FACTORS THAT CAN INFLUENCE OUR DECISION?</a:t>
             </a:r>
             <a:endParaRPr/>
           </a:p>
@@ -15832,7 +15881,354 @@
       </p:sp>
       <p:pic>
         <p:nvPicPr>
-          <p:cNvPr id="227" name="Google Shape;227;p17"/>
+          <p:cNvPr id="228" name="Google Shape;228;p18"/>
+          <p:cNvPicPr preferRelativeResize="0"/>
+          <p:nvPr/>
+        </p:nvPicPr>
+        <p:blipFill rotWithShape="1">
+          <a:blip r:embed="rId3">
+            <a:alphaModFix/>
+          </a:blip>
+          <a:srcRect b="0" l="0" r="0" t="0"/>
+          <a:stretch/>
+        </p:blipFill>
+        <p:spPr>
+          <a:xfrm>
+            <a:off x="473690" y="1900012"/>
+            <a:ext cx="7536220" cy="4778851"/>
+          </a:xfrm>
+          <a:prstGeom prst="rect">
+            <a:avLst/>
+          </a:prstGeom>
+          <a:noFill/>
+          <a:ln>
+            <a:noFill/>
+          </a:ln>
+        </p:spPr>
+      </p:pic>
+      <p:sp>
+        <p:nvSpPr>
+          <p:cNvPr id="229" name="Google Shape;229;p18"/>
+          <p:cNvSpPr txBox="1"/>
+          <p:nvPr/>
+        </p:nvSpPr>
+        <p:spPr>
+          <a:xfrm>
+            <a:off x="8009910" y="2120900"/>
+            <a:ext cx="2750700" cy="2586000"/>
+          </a:xfrm>
+          <a:prstGeom prst="rect">
+            <a:avLst/>
+          </a:prstGeom>
+          <a:noFill/>
+          <a:ln>
+            <a:noFill/>
+          </a:ln>
+        </p:spPr>
+        <p:txBody>
+          <a:bodyPr anchorCtr="0" anchor="t" bIns="45700" lIns="91425" spcFirstLastPara="1" rIns="91425" wrap="square" tIns="45700">
+            <a:spAutoFit/>
+          </a:bodyPr>
+          <a:lstStyle/>
+          <a:p>
+            <a:pPr indent="0" lvl="0" marL="0" marR="0" rtl="0" algn="l">
+              <a:spcBef>
+                <a:spcPts val="0"/>
+              </a:spcBef>
+              <a:spcAft>
+                <a:spcPts val="0"/>
+              </a:spcAft>
+              <a:buNone/>
+            </a:pPr>
+            <a:r>
+              <a:rPr lang="en-US" sz="1800">
+                <a:solidFill>
+                  <a:schemeClr val="dk1"/>
+                </a:solidFill>
+                <a:latin typeface="Gill Sans"/>
+                <a:ea typeface="Gill Sans"/>
+                <a:cs typeface="Gill Sans"/>
+                <a:sym typeface="Gill Sans"/>
+              </a:rPr>
+              <a:t>Correlation Co – efficients:</a:t>
+            </a:r>
+            <a:endParaRPr/>
+          </a:p>
+          <a:p>
+            <a:pPr indent="0" lvl="0" marL="0" marR="0" rtl="0" algn="l">
+              <a:spcBef>
+                <a:spcPts val="0"/>
+              </a:spcBef>
+              <a:spcAft>
+                <a:spcPts val="0"/>
+              </a:spcAft>
+              <a:buNone/>
+            </a:pPr>
+            <a:r>
+              <a:t/>
+            </a:r>
+            <a:endParaRPr sz="1800">
+              <a:solidFill>
+                <a:schemeClr val="dk1"/>
+              </a:solidFill>
+              <a:latin typeface="Gill Sans"/>
+              <a:ea typeface="Gill Sans"/>
+              <a:cs typeface="Gill Sans"/>
+              <a:sym typeface="Gill Sans"/>
+            </a:endParaRPr>
+          </a:p>
+          <a:p>
+            <a:pPr indent="0" lvl="0" marL="0" marR="0" rtl="0" algn="l">
+              <a:spcBef>
+                <a:spcPts val="0"/>
+              </a:spcBef>
+              <a:spcAft>
+                <a:spcPts val="0"/>
+              </a:spcAft>
+              <a:buNone/>
+            </a:pPr>
+            <a:r>
+              <a:rPr lang="en-US" sz="1800">
+                <a:solidFill>
+                  <a:schemeClr val="dk1"/>
+                </a:solidFill>
+                <a:latin typeface="Gill Sans"/>
+                <a:ea typeface="Gill Sans"/>
+                <a:cs typeface="Gill Sans"/>
+                <a:sym typeface="Gill Sans"/>
+              </a:rPr>
+              <a:t>Walmart: -0.077</a:t>
+            </a:r>
+            <a:endParaRPr/>
+          </a:p>
+          <a:p>
+            <a:pPr indent="0" lvl="0" marL="0" marR="0" rtl="0" algn="l">
+              <a:spcBef>
+                <a:spcPts val="0"/>
+              </a:spcBef>
+              <a:spcAft>
+                <a:spcPts val="0"/>
+              </a:spcAft>
+              <a:buNone/>
+            </a:pPr>
+            <a:r>
+              <a:t/>
+            </a:r>
+            <a:endParaRPr sz="1800">
+              <a:solidFill>
+                <a:schemeClr val="dk1"/>
+              </a:solidFill>
+              <a:latin typeface="Gill Sans"/>
+              <a:ea typeface="Gill Sans"/>
+              <a:cs typeface="Gill Sans"/>
+              <a:sym typeface="Gill Sans"/>
+            </a:endParaRPr>
+          </a:p>
+          <a:p>
+            <a:pPr indent="0" lvl="0" marL="0" marR="0" rtl="0" algn="l">
+              <a:spcBef>
+                <a:spcPts val="0"/>
+              </a:spcBef>
+              <a:spcAft>
+                <a:spcPts val="0"/>
+              </a:spcAft>
+              <a:buNone/>
+            </a:pPr>
+            <a:r>
+              <a:rPr lang="en-US" sz="1800">
+                <a:solidFill>
+                  <a:schemeClr val="dk1"/>
+                </a:solidFill>
+                <a:latin typeface="Gill Sans"/>
+                <a:ea typeface="Gill Sans"/>
+                <a:cs typeface="Gill Sans"/>
+                <a:sym typeface="Gill Sans"/>
+              </a:rPr>
+              <a:t>Costco:  -0.151</a:t>
+            </a:r>
+            <a:endParaRPr/>
+          </a:p>
+          <a:p>
+            <a:pPr indent="0" lvl="0" marL="0" marR="0" rtl="0" algn="l">
+              <a:spcBef>
+                <a:spcPts val="0"/>
+              </a:spcBef>
+              <a:spcAft>
+                <a:spcPts val="0"/>
+              </a:spcAft>
+              <a:buNone/>
+            </a:pPr>
+            <a:r>
+              <a:t/>
+            </a:r>
+            <a:endParaRPr sz="1800">
+              <a:solidFill>
+                <a:schemeClr val="dk1"/>
+              </a:solidFill>
+              <a:latin typeface="Gill Sans"/>
+              <a:ea typeface="Gill Sans"/>
+              <a:cs typeface="Gill Sans"/>
+              <a:sym typeface="Gill Sans"/>
+            </a:endParaRPr>
+          </a:p>
+          <a:p>
+            <a:pPr indent="0" lvl="0" marL="0" marR="0" rtl="0" algn="l">
+              <a:spcBef>
+                <a:spcPts val="0"/>
+              </a:spcBef>
+              <a:spcAft>
+                <a:spcPts val="0"/>
+              </a:spcAft>
+              <a:buNone/>
+            </a:pPr>
+            <a:r>
+              <a:rPr lang="en-US" sz="1800">
+                <a:solidFill>
+                  <a:schemeClr val="dk1"/>
+                </a:solidFill>
+                <a:latin typeface="Gill Sans"/>
+                <a:ea typeface="Gill Sans"/>
+                <a:cs typeface="Gill Sans"/>
+                <a:sym typeface="Gill Sans"/>
+              </a:rPr>
+              <a:t>Target: -0.272</a:t>
+            </a:r>
+            <a:endParaRPr/>
+          </a:p>
+          <a:p>
+            <a:pPr indent="0" lvl="0" marL="0" marR="0" rtl="0" algn="l">
+              <a:spcBef>
+                <a:spcPts val="0"/>
+              </a:spcBef>
+              <a:spcAft>
+                <a:spcPts val="0"/>
+              </a:spcAft>
+              <a:buNone/>
+            </a:pPr>
+            <a:r>
+              <a:t/>
+            </a:r>
+            <a:endParaRPr sz="1800">
+              <a:solidFill>
+                <a:schemeClr val="dk1"/>
+              </a:solidFill>
+              <a:latin typeface="Gill Sans"/>
+              <a:ea typeface="Gill Sans"/>
+              <a:cs typeface="Gill Sans"/>
+              <a:sym typeface="Gill Sans"/>
+            </a:endParaRPr>
+          </a:p>
+          <a:p>
+            <a:pPr indent="0" lvl="0" marL="0" marR="0" rtl="0" algn="l">
+              <a:spcBef>
+                <a:spcPts val="0"/>
+              </a:spcBef>
+              <a:spcAft>
+                <a:spcPts val="0"/>
+              </a:spcAft>
+              <a:buNone/>
+            </a:pPr>
+            <a:r>
+              <a:rPr lang="en-US" sz="1800">
+                <a:solidFill>
+                  <a:schemeClr val="dk1"/>
+                </a:solidFill>
+                <a:latin typeface="Gill Sans"/>
+                <a:ea typeface="Gill Sans"/>
+                <a:cs typeface="Gill Sans"/>
+                <a:sym typeface="Gill Sans"/>
+              </a:rPr>
+              <a:t>Albertsons:  -0.118</a:t>
+            </a:r>
+            <a:endParaRPr sz="1800">
+              <a:solidFill>
+                <a:schemeClr val="dk1"/>
+              </a:solidFill>
+              <a:latin typeface="Gill Sans"/>
+              <a:ea typeface="Gill Sans"/>
+              <a:cs typeface="Gill Sans"/>
+              <a:sym typeface="Gill Sans"/>
+            </a:endParaRPr>
+          </a:p>
+        </p:txBody>
+      </p:sp>
+    </p:spTree>
+  </p:cSld>
+  <p:clrMapOvr>
+    <a:masterClrMapping/>
+  </p:clrMapOvr>
+</p:sld>
+</file>
+
+<file path=ppt/slides/slide21.xml><?xml version="1.0" encoding="utf-8"?>
+<p:sld xmlns:a="http://schemas.openxmlformats.org/drawingml/2006/main" xmlns:r="http://schemas.openxmlformats.org/officeDocument/2006/relationships" xmlns:mc="http://schemas.openxmlformats.org/markup-compatibility/2006" xmlns:mv="urn:schemas-microsoft-com:mac:vml" xmlns:p="http://schemas.openxmlformats.org/presentationml/2006/main" xmlns:c="http://schemas.openxmlformats.org/drawingml/2006/chart" xmlns:dgm="http://schemas.openxmlformats.org/drawingml/2006/diagram" xmlns:o="urn:schemas-microsoft-com:office:office" xmlns:v="urn:schemas-microsoft-com:vml" xmlns:pvml="urn:schemas-microsoft-com:office:powerpoint" xmlns:com="http://schemas.openxmlformats.org/drawingml/2006/compatibility" xmlns:p14="http://schemas.microsoft.com/office/powerpoint/2010/main" xmlns:p15="http://schemas.microsoft.com/office/powerpoint/2012/main" xmlns:ahyp="http://schemas.microsoft.com/office/drawing/2018/hyperlinkcolor">
+  <p:cSld>
+    <p:spTree>
+      <p:nvGrpSpPr>
+        <p:cNvPr id="233" name="Shape 233"/>
+        <p:cNvGrpSpPr/>
+        <p:nvPr/>
+      </p:nvGrpSpPr>
+      <p:grpSpPr>
+        <a:xfrm>
+          <a:off x="0" y="0"/>
+          <a:ext cx="0" cy="0"/>
+          <a:chOff x="0" y="0"/>
+          <a:chExt cx="0" cy="0"/>
+        </a:xfrm>
+      </p:grpSpPr>
+      <p:sp>
+        <p:nvSpPr>
+          <p:cNvPr id="234" name="Google Shape;234;p17"/>
+          <p:cNvSpPr txBox="1"/>
+          <p:nvPr>
+            <p:ph type="title"/>
+          </p:nvPr>
+        </p:nvSpPr>
+        <p:spPr>
+          <a:xfrm>
+            <a:off x="581192" y="702156"/>
+            <a:ext cx="11029616" cy="1013800"/>
+          </a:xfrm>
+          <a:prstGeom prst="rect">
+            <a:avLst/>
+          </a:prstGeom>
+          <a:noFill/>
+          <a:ln>
+            <a:noFill/>
+          </a:ln>
+        </p:spPr>
+        <p:txBody>
+          <a:bodyPr anchorCtr="0" anchor="b" bIns="45700" lIns="91425" spcFirstLastPara="1" rIns="91425" wrap="square" tIns="45700">
+            <a:normAutofit/>
+          </a:bodyPr>
+          <a:lstStyle/>
+          <a:p>
+            <a:pPr indent="0" lvl="0" marL="0" rtl="0" algn="l">
+              <a:spcBef>
+                <a:spcPts val="0"/>
+              </a:spcBef>
+              <a:spcAft>
+                <a:spcPts val="0"/>
+              </a:spcAft>
+              <a:buClr>
+                <a:schemeClr val="lt1"/>
+              </a:buClr>
+              <a:buSzPts val="2800"/>
+              <a:buFont typeface="Gill Sans"/>
+              <a:buNone/>
+            </a:pPr>
+            <a:r>
+              <a:rPr lang="en-US"/>
+              <a:t>ARE THERE ANY OTHER FACTORS THAT CAN INFLUENCE OUR DECISION?</a:t>
+            </a:r>
+            <a:endParaRPr/>
+          </a:p>
+        </p:txBody>
+      </p:sp>
+      <p:pic>
+        <p:nvPicPr>
+          <p:cNvPr id="235" name="Google Shape;235;p17"/>
           <p:cNvPicPr preferRelativeResize="0"/>
           <p:nvPr>
             <p:ph idx="1" type="body"/>
@@ -15861,7 +16257,7 @@
       </p:pic>
       <p:pic>
         <p:nvPicPr>
-          <p:cNvPr id="228" name="Google Shape;228;p17"/>
+          <p:cNvPr id="236" name="Google Shape;236;p17"/>
           <p:cNvPicPr preferRelativeResize="0"/>
           <p:nvPr/>
         </p:nvPicPr>
@@ -15894,12 +16290,12 @@
 </p:sld>
 </file>
 
-<file path=ppt/slides/slide21.xml><?xml version="1.0" encoding="utf-8"?>
+<file path=ppt/slides/slide22.xml><?xml version="1.0" encoding="utf-8"?>
 <p:sld xmlns:a="http://schemas.openxmlformats.org/drawingml/2006/main" xmlns:r="http://schemas.openxmlformats.org/officeDocument/2006/relationships" xmlns:mc="http://schemas.openxmlformats.org/markup-compatibility/2006" xmlns:mv="urn:schemas-microsoft-com:mac:vml" xmlns:p="http://schemas.openxmlformats.org/presentationml/2006/main" xmlns:c="http://schemas.openxmlformats.org/drawingml/2006/chart" xmlns:dgm="http://schemas.openxmlformats.org/drawingml/2006/diagram" xmlns:o="urn:schemas-microsoft-com:office:office" xmlns:v="urn:schemas-microsoft-com:vml" xmlns:pvml="urn:schemas-microsoft-com:office:powerpoint" xmlns:com="http://schemas.openxmlformats.org/drawingml/2006/compatibility" xmlns:p14="http://schemas.microsoft.com/office/powerpoint/2010/main" xmlns:p15="http://schemas.microsoft.com/office/powerpoint/2012/main" xmlns:ahyp="http://schemas.microsoft.com/office/drawing/2018/hyperlinkcolor">
   <p:cSld>
     <p:spTree>
       <p:nvGrpSpPr>
-        <p:cNvPr id="232" name="Shape 232"/>
+        <p:cNvPr id="240" name="Shape 240"/>
         <p:cNvGrpSpPr/>
         <p:nvPr/>
       </p:nvGrpSpPr>
@@ -15913,7 +16309,7 @@
       </p:grpSpPr>
       <p:sp>
         <p:nvSpPr>
-          <p:cNvPr id="233" name="Google Shape;233;p24"/>
+          <p:cNvPr id="241" name="Google Shape;241;p24"/>
           <p:cNvSpPr txBox="1"/>
           <p:nvPr>
             <p:ph type="title"/>
@@ -15962,7 +16358,7 @@
       </p:sp>
       <p:sp>
         <p:nvSpPr>
-          <p:cNvPr id="234" name="Google Shape;234;p24"/>
+          <p:cNvPr id="242" name="Google Shape;242;p24"/>
           <p:cNvSpPr txBox="1"/>
           <p:nvPr>
             <p:ph idx="1" type="body"/>
@@ -15998,41 +16394,7 @@
               <a:buNone/>
             </a:pPr>
             <a:r>
-              <a:rPr lang="en-US"/>
-              <a:t>Based on ROI, it is hard to look past Costco!</a:t>
-            </a:r>
-            <a:endParaRPr/>
-          </a:p>
-          <a:p>
-            <a:pPr indent="-200844" lvl="0" marL="306000" rtl="0" algn="l">
-              <a:spcBef>
-                <a:spcPts val="0"/>
-              </a:spcBef>
-              <a:spcAft>
-                <a:spcPts val="0"/>
-              </a:spcAft>
-              <a:buSzPts val="1656"/>
-              <a:buNone/>
-            </a:pPr>
-            <a:r>
               <a:t/>
-            </a:r>
-            <a:endParaRPr/>
-          </a:p>
-          <a:p>
-            <a:pPr indent="-200844" lvl="0" marL="306000" rtl="0" algn="l">
-              <a:spcBef>
-                <a:spcPts val="0"/>
-              </a:spcBef>
-              <a:spcAft>
-                <a:spcPts val="0"/>
-              </a:spcAft>
-              <a:buSzPts val="1656"/>
-              <a:buNone/>
-            </a:pPr>
-            <a:r>
-              <a:rPr lang="en-US"/>
-              <a:t>However, over the last 3 months, its share price has been declining - do we think this is a pattern of things to come? </a:t>
             </a:r>
             <a:endParaRPr/>
           </a:p>
@@ -16079,12 +16441,12 @@
 </p:sld>
 </file>
 
-<file path=ppt/slides/slide22.xml><?xml version="1.0" encoding="utf-8"?>
+<file path=ppt/slides/slide23.xml><?xml version="1.0" encoding="utf-8"?>
 <p:sld xmlns:a="http://schemas.openxmlformats.org/drawingml/2006/main" xmlns:r="http://schemas.openxmlformats.org/officeDocument/2006/relationships" xmlns:mc="http://schemas.openxmlformats.org/markup-compatibility/2006" xmlns:mv="urn:schemas-microsoft-com:mac:vml" xmlns:p="http://schemas.openxmlformats.org/presentationml/2006/main" xmlns:c="http://schemas.openxmlformats.org/drawingml/2006/chart" xmlns:dgm="http://schemas.openxmlformats.org/drawingml/2006/diagram" xmlns:o="urn:schemas-microsoft-com:office:office" xmlns:v="urn:schemas-microsoft-com:vml" xmlns:pvml="urn:schemas-microsoft-com:office:powerpoint" xmlns:com="http://schemas.openxmlformats.org/drawingml/2006/compatibility" xmlns:p14="http://schemas.microsoft.com/office/powerpoint/2010/main" xmlns:p15="http://schemas.microsoft.com/office/powerpoint/2012/main" xmlns:ahyp="http://schemas.microsoft.com/office/drawing/2018/hyperlinkcolor">
   <p:cSld>
     <p:spTree>
       <p:nvGrpSpPr>
-        <p:cNvPr id="238" name="Shape 238"/>
+        <p:cNvPr id="246" name="Shape 246"/>
         <p:cNvGrpSpPr/>
         <p:nvPr/>
       </p:nvGrpSpPr>
@@ -16098,7 +16460,7 @@
       </p:grpSpPr>
       <p:sp>
         <p:nvSpPr>
-          <p:cNvPr id="239" name="Google Shape;239;p25"/>
+          <p:cNvPr id="247" name="Google Shape;247;p25"/>
           <p:cNvSpPr txBox="1"/>
           <p:nvPr>
             <p:ph type="title"/>
@@ -16147,7 +16509,7 @@
       </p:sp>
       <p:sp>
         <p:nvSpPr>
-          <p:cNvPr id="240" name="Google Shape;240;p25"/>
+          <p:cNvPr id="248" name="Google Shape;248;p25"/>
           <p:cNvSpPr txBox="1"/>
           <p:nvPr>
             <p:ph idx="1" type="body"/>
@@ -16344,7 +16706,7 @@
           </a:prstGeom>
         </p:spPr>
         <p:txBody>
-          <a:bodyPr anchorCtr="0" anchor="ctr" bIns="45700" lIns="91425" spcFirstLastPara="1" rIns="91425" wrap="square" tIns="45700">
+          <a:bodyPr anchorCtr="0" anchor="t" bIns="45700" lIns="91425" spcFirstLastPara="1" rIns="91425" wrap="square" tIns="45700">
             <a:normAutofit/>
           </a:bodyPr>
           <a:lstStyle/>
@@ -16354,14 +16716,150 @@
                 <a:spcPts val="360"/>
               </a:spcBef>
               <a:spcAft>
+                <a:spcPts val="0"/>
+              </a:spcAft>
+              <a:buNone/>
+            </a:pPr>
+            <a:r>
+              <a:rPr b="1" lang="en-US"/>
+              <a:t>Investment returns:</a:t>
+            </a:r>
+            <a:endParaRPr b="1"/>
+          </a:p>
+          <a:p>
+            <a:pPr indent="457200" lvl="0" marL="0" rtl="0" algn="l">
+              <a:spcBef>
                 <a:spcPts val="600"/>
+              </a:spcBef>
+              <a:spcAft>
+                <a:spcPts val="0"/>
+              </a:spcAft>
+              <a:buNone/>
+            </a:pPr>
+            <a:r>
+              <a:rPr lang="en-US"/>
+              <a:t>Increase in the Share Price </a:t>
+            </a:r>
+            <a:r>
+              <a:rPr lang="en-US">
+                <a:solidFill>
+                  <a:srgbClr val="6AA84F"/>
+                </a:solidFill>
+              </a:rPr>
+              <a:t>⬆</a:t>
+            </a:r>
+            <a:endParaRPr>
+              <a:solidFill>
+                <a:srgbClr val="6AA84F"/>
+              </a:solidFill>
+            </a:endParaRPr>
+          </a:p>
+          <a:p>
+            <a:pPr indent="457200" lvl="0" marL="0" rtl="0" algn="l">
+              <a:spcBef>
+                <a:spcPts val="600"/>
+              </a:spcBef>
+              <a:spcAft>
+                <a:spcPts val="0"/>
+              </a:spcAft>
+              <a:buNone/>
+            </a:pPr>
+            <a:r>
+              <a:rPr lang="en-US">
+                <a:solidFill>
+                  <a:schemeClr val="dk1"/>
+                </a:solidFill>
+              </a:rPr>
+              <a:t>Increase in Dividends </a:t>
+            </a:r>
+            <a:r>
+              <a:rPr lang="en-US">
+                <a:solidFill>
+                  <a:srgbClr val="6AA84F"/>
+                </a:solidFill>
+              </a:rPr>
+              <a:t>⬆</a:t>
+            </a:r>
+            <a:endParaRPr>
+              <a:solidFill>
+                <a:srgbClr val="6AA84F"/>
+              </a:solidFill>
+            </a:endParaRPr>
+          </a:p>
+          <a:p>
+            <a:pPr indent="0" lvl="0" marL="0" rtl="0" algn="l">
+              <a:spcBef>
+                <a:spcPts val="600"/>
+              </a:spcBef>
+              <a:spcAft>
+                <a:spcPts val="0"/>
               </a:spcAft>
               <a:buNone/>
             </a:pPr>
             <a:r>
               <a:t/>
             </a:r>
-            <a:endParaRPr/>
+            <a:endParaRPr>
+              <a:solidFill>
+                <a:srgbClr val="6AA84F"/>
+              </a:solidFill>
+            </a:endParaRPr>
+          </a:p>
+          <a:p>
+            <a:pPr indent="0" lvl="0" marL="0" rtl="0" algn="l">
+              <a:spcBef>
+                <a:spcPts val="600"/>
+              </a:spcBef>
+              <a:spcAft>
+                <a:spcPts val="0"/>
+              </a:spcAft>
+              <a:buNone/>
+            </a:pPr>
+            <a:r>
+              <a:rPr b="1" lang="en-US">
+                <a:solidFill>
+                  <a:schemeClr val="dk1"/>
+                </a:solidFill>
+              </a:rPr>
+              <a:t>Decision Aid:</a:t>
+            </a:r>
+            <a:endParaRPr b="1">
+              <a:solidFill>
+                <a:schemeClr val="dk1"/>
+              </a:solidFill>
+            </a:endParaRPr>
+          </a:p>
+          <a:p>
+            <a:pPr indent="0" lvl="0" marL="457200" rtl="0" algn="l">
+              <a:spcBef>
+                <a:spcPts val="600"/>
+              </a:spcBef>
+              <a:spcAft>
+                <a:spcPts val="600"/>
+              </a:spcAft>
+              <a:buNone/>
+            </a:pPr>
+            <a:r>
+              <a:rPr lang="en-US" sz="3600">
+                <a:solidFill>
+                  <a:srgbClr val="6AA84F"/>
+                </a:solidFill>
+              </a:rPr>
+              <a:t>6</a:t>
+            </a:r>
+            <a:r>
+              <a:rPr lang="en-US">
+                <a:solidFill>
+                  <a:schemeClr val="dk1"/>
+                </a:solidFill>
+              </a:rPr>
+              <a:t> Questions</a:t>
+            </a:r>
+            <a:endParaRPr>
+              <a:solidFill>
+                <a:schemeClr val="dk1"/>
+              </a:solidFill>
+            </a:endParaRPr>
           </a:p>
         </p:txBody>
       </p:sp>

--- a/presentation/Group 3 – FINANCIAL ANALYSIS.pptx
+++ b/presentation/Group 3 – FINANCIAL ANALYSIS.pptx
@@ -16379,9 +16379,206 @@
         </p:spPr>
         <p:txBody>
           <a:bodyPr anchorCtr="0" anchor="ctr" bIns="45700" lIns="91425" spcFirstLastPara="1" rIns="91425" wrap="square" tIns="45700">
-            <a:normAutofit/>
+            <a:normAutofit lnSpcReduction="10000"/>
           </a:bodyPr>
           <a:lstStyle/>
+          <a:p>
+            <a:pPr indent="0" lvl="0" marL="304800" rtl="0" algn="l">
+              <a:lnSpc>
+                <a:spcPct val="115000"/>
+              </a:lnSpc>
+              <a:spcBef>
+                <a:spcPts val="0"/>
+              </a:spcBef>
+              <a:spcAft>
+                <a:spcPts val="0"/>
+              </a:spcAft>
+              <a:buSzPts val="1100"/>
+              <a:buNone/>
+            </a:pPr>
+            <a:r>
+              <a:rPr lang="en-US">
+                <a:solidFill>
+                  <a:srgbClr val="3D3D3D"/>
+                </a:solidFill>
+              </a:rPr>
+              <a:t>Based on total ROI, it is hard to look past Costco!</a:t>
+            </a:r>
+            <a:endParaRPr>
+              <a:solidFill>
+                <a:srgbClr val="3D3D3D"/>
+              </a:solidFill>
+            </a:endParaRPr>
+          </a:p>
+          <a:p>
+            <a:pPr indent="0" lvl="0" marL="304800" rtl="0" algn="l">
+              <a:lnSpc>
+                <a:spcPct val="115000"/>
+              </a:lnSpc>
+              <a:spcBef>
+                <a:spcPts val="0"/>
+              </a:spcBef>
+              <a:spcAft>
+                <a:spcPts val="0"/>
+              </a:spcAft>
+              <a:buClr>
+                <a:schemeClr val="dk1"/>
+              </a:buClr>
+              <a:buSzPts val="1100"/>
+              <a:buFont typeface="Arial"/>
+              <a:buNone/>
+            </a:pPr>
+            <a:r>
+              <a:t/>
+            </a:r>
+            <a:endParaRPr>
+              <a:solidFill>
+                <a:srgbClr val="3D3D3D"/>
+              </a:solidFill>
+            </a:endParaRPr>
+          </a:p>
+          <a:p>
+            <a:pPr indent="0" lvl="0" marL="304800" rtl="0" algn="l">
+              <a:lnSpc>
+                <a:spcPct val="115000"/>
+              </a:lnSpc>
+              <a:spcBef>
+                <a:spcPts val="0"/>
+              </a:spcBef>
+              <a:spcAft>
+                <a:spcPts val="0"/>
+              </a:spcAft>
+              <a:buClr>
+                <a:schemeClr val="dk1"/>
+              </a:buClr>
+              <a:buSzPts val="1100"/>
+              <a:buFont typeface="Arial"/>
+              <a:buNone/>
+            </a:pPr>
+            <a:r>
+              <a:rPr lang="en-US">
+                <a:solidFill>
+                  <a:srgbClr val="3D3D3D"/>
+                </a:solidFill>
+              </a:rPr>
+              <a:t>This is in spite of in one year ROI was 0 - but for the other years, ROI was consistently above the other chains.</a:t>
+            </a:r>
+            <a:endParaRPr>
+              <a:solidFill>
+                <a:srgbClr val="3D3D3D"/>
+              </a:solidFill>
+            </a:endParaRPr>
+          </a:p>
+          <a:p>
+            <a:pPr indent="0" lvl="0" marL="304800" rtl="0" algn="l">
+              <a:lnSpc>
+                <a:spcPct val="115000"/>
+              </a:lnSpc>
+              <a:spcBef>
+                <a:spcPts val="0"/>
+              </a:spcBef>
+              <a:spcAft>
+                <a:spcPts val="0"/>
+              </a:spcAft>
+              <a:buSzPts val="1100"/>
+              <a:buNone/>
+            </a:pPr>
+            <a:r>
+              <a:t/>
+            </a:r>
+            <a:endParaRPr>
+              <a:solidFill>
+                <a:srgbClr val="3D3D3D"/>
+              </a:solidFill>
+            </a:endParaRPr>
+          </a:p>
+          <a:p>
+            <a:pPr indent="0" lvl="0" marL="304800" rtl="0" algn="l">
+              <a:lnSpc>
+                <a:spcPct val="115000"/>
+              </a:lnSpc>
+              <a:spcBef>
+                <a:spcPts val="0"/>
+              </a:spcBef>
+              <a:spcAft>
+                <a:spcPts val="0"/>
+              </a:spcAft>
+              <a:buSzPts val="1100"/>
+              <a:buNone/>
+            </a:pPr>
+            <a:r>
+              <a:rPr lang="en-US">
+                <a:solidFill>
+                  <a:srgbClr val="3D3D3D"/>
+                </a:solidFill>
+              </a:rPr>
+              <a:t>However, over the last 3 months, its share price has declined - do we think this is a pattern of things to come?</a:t>
+            </a:r>
+            <a:endParaRPr>
+              <a:solidFill>
+                <a:srgbClr val="3D3D3D"/>
+              </a:solidFill>
+            </a:endParaRPr>
+          </a:p>
+          <a:p>
+            <a:pPr indent="0" lvl="0" marL="304800" rtl="0" algn="l">
+              <a:lnSpc>
+                <a:spcPct val="115000"/>
+              </a:lnSpc>
+              <a:spcBef>
+                <a:spcPts val="0"/>
+              </a:spcBef>
+              <a:spcAft>
+                <a:spcPts val="0"/>
+              </a:spcAft>
+              <a:buClr>
+                <a:schemeClr val="dk1"/>
+              </a:buClr>
+              <a:buSzPts val="1100"/>
+              <a:buFont typeface="Arial"/>
+              <a:buNone/>
+            </a:pPr>
+            <a:r>
+              <a:t/>
+            </a:r>
+            <a:endParaRPr>
+              <a:solidFill>
+                <a:srgbClr val="3D3D3D"/>
+              </a:solidFill>
+            </a:endParaRPr>
+          </a:p>
+          <a:p>
+            <a:pPr indent="0" lvl="0" marL="304800" rtl="0" algn="l">
+              <a:lnSpc>
+                <a:spcPct val="115000"/>
+              </a:lnSpc>
+              <a:spcBef>
+                <a:spcPts val="0"/>
+              </a:spcBef>
+              <a:spcAft>
+                <a:spcPts val="0"/>
+              </a:spcAft>
+              <a:buClr>
+                <a:schemeClr val="dk1"/>
+              </a:buClr>
+              <a:buSzPts val="1100"/>
+              <a:buFont typeface="Arial"/>
+              <a:buNone/>
+            </a:pPr>
+            <a:r>
+              <a:rPr lang="en-US">
+                <a:solidFill>
+                  <a:srgbClr val="3D3D3D"/>
+                </a:solidFill>
+              </a:rPr>
+              <a:t>Total dividend payments are less relevant for Costco - its share price is a lot higher than the others so $1000 buysrelatively less shares compared to the others - so the vast majority of any return is generated by the share price increasing.</a:t>
+            </a:r>
+            <a:endParaRPr>
+              <a:solidFill>
+                <a:srgbClr val="3D3D3D"/>
+              </a:solidFill>
+            </a:endParaRPr>
+          </a:p>
           <a:p>
             <a:pPr indent="-200844" lvl="0" marL="306000" rtl="0" algn="l">
               <a:spcBef>

--- a/presentation/Group 3 – FINANCIAL ANALYSIS.pptx
+++ b/presentation/Group 3 – FINANCIAL ANALYSIS.pptx
@@ -31,14 +31,16 @@
     <p:sldId id="276" r:id="rId25"/>
     <p:sldId id="277" r:id="rId26"/>
     <p:sldId id="278" r:id="rId27"/>
+    <p:sldId id="279" r:id="rId28"/>
+    <p:sldId id="280" r:id="rId29"/>
   </p:sldIdLst>
   <p:sldSz cy="6858000" cx="12192000"/>
   <p:notesSz cx="6858000" cy="9144000"/>
   <p:embeddedFontLst>
     <p:embeddedFont>
       <p:font typeface="Gill Sans"/>
-      <p:regular r:id="rId28"/>
-      <p:bold r:id="rId29"/>
+      <p:regular r:id="rId30"/>
+      <p:bold r:id="rId31"/>
     </p:embeddedFont>
   </p:embeddedFontLst>
   <p:defaultTextStyle>
@@ -272,7 +274,7 @@
   </p:defaultTextStyle>
   <p:extLst>
     <p:ext uri="GoogleSlidesCustomDataVersion2">
-      <go:slidesCustomData xmlns:go="http://customooxmlschemas.google.com/" r:id="rId30" roundtripDataSignature="AMtx7mgxSHYtHOrB7mPrssav4drK83poMQ=="/>
+      <go:slidesCustomData xmlns:go="http://customooxmlschemas.google.com/" r:id="rId32" roundtripDataSignature="AMtx7mitaCHX8duN52nhlaZFNUe2NLA4Mg=="/>
     </p:ext>
   </p:extLst>
 </p:presentation>
@@ -808,7 +810,7 @@
   <p:cSld>
     <p:spTree>
       <p:nvGrpSpPr>
-        <p:cNvPr id="155" name="Shape 155"/>
+        <p:cNvPr id="154" name="Shape 154"/>
         <p:cNvGrpSpPr/>
         <p:nvPr/>
       </p:nvGrpSpPr>
@@ -822,7 +824,7 @@
       </p:grpSpPr>
       <p:sp>
         <p:nvSpPr>
-          <p:cNvPr id="156" name="Google Shape;156;p9:notes"/>
+          <p:cNvPr id="155" name="Google Shape;155;p8:notes"/>
           <p:cNvSpPr txBox="1"/>
           <p:nvPr>
             <p:ph idx="1" type="body"/>
@@ -861,7 +863,7 @@
       </p:sp>
       <p:sp>
         <p:nvSpPr>
-          <p:cNvPr id="157" name="Google Shape;157;p9:notes"/>
+          <p:cNvPr id="156" name="Google Shape;156;p8:notes"/>
           <p:cNvSpPr/>
           <p:nvPr>
             <p:ph idx="2" type="sldImg"/>
@@ -907,7 +909,7 @@
   <p:cSld>
     <p:spTree>
       <p:nvGrpSpPr>
-        <p:cNvPr id="163" name="Shape 163"/>
+        <p:cNvPr id="161" name="Shape 161"/>
         <p:cNvGrpSpPr/>
         <p:nvPr/>
       </p:nvGrpSpPr>
@@ -921,7 +923,7 @@
       </p:grpSpPr>
       <p:sp>
         <p:nvSpPr>
-          <p:cNvPr id="164" name="Google Shape;164;p10:notes"/>
+          <p:cNvPr id="162" name="Google Shape;162;p9:notes"/>
           <p:cNvSpPr txBox="1"/>
           <p:nvPr>
             <p:ph idx="1" type="body"/>
@@ -960,7 +962,7 @@
       </p:sp>
       <p:sp>
         <p:nvSpPr>
-          <p:cNvPr id="165" name="Google Shape;165;p10:notes"/>
+          <p:cNvPr id="163" name="Google Shape;163;p9:notes"/>
           <p:cNvSpPr/>
           <p:nvPr>
             <p:ph idx="2" type="sldImg"/>
@@ -1006,7 +1008,7 @@
   <p:cSld>
     <p:spTree>
       <p:nvGrpSpPr>
-        <p:cNvPr id="171" name="Shape 171"/>
+        <p:cNvPr id="169" name="Shape 169"/>
         <p:cNvGrpSpPr/>
         <p:nvPr/>
       </p:nvGrpSpPr>
@@ -1020,7 +1022,7 @@
       </p:grpSpPr>
       <p:sp>
         <p:nvSpPr>
-          <p:cNvPr id="172" name="Google Shape;172;p12:notes"/>
+          <p:cNvPr id="170" name="Google Shape;170;p10:notes"/>
           <p:cNvSpPr txBox="1"/>
           <p:nvPr>
             <p:ph idx="1" type="body"/>
@@ -1059,7 +1061,7 @@
       </p:sp>
       <p:sp>
         <p:nvSpPr>
-          <p:cNvPr id="173" name="Google Shape;173;p12:notes"/>
+          <p:cNvPr id="171" name="Google Shape;171;p10:notes"/>
           <p:cNvSpPr/>
           <p:nvPr>
             <p:ph idx="2" type="sldImg"/>
@@ -1105,7 +1107,7 @@
   <p:cSld>
     <p:spTree>
       <p:nvGrpSpPr>
-        <p:cNvPr id="178" name="Shape 178"/>
+        <p:cNvPr id="177" name="Shape 177"/>
         <p:cNvGrpSpPr/>
         <p:nvPr/>
       </p:nvGrpSpPr>
@@ -1119,42 +1121,7 @@
       </p:grpSpPr>
       <p:sp>
         <p:nvSpPr>
-          <p:cNvPr id="179" name="Google Shape;179;g2c48598d1a9_3_0:notes"/>
-          <p:cNvSpPr/>
-          <p:nvPr>
-            <p:ph idx="2" type="sldImg"/>
-          </p:nvPr>
-        </p:nvSpPr>
-        <p:spPr>
-          <a:xfrm>
-            <a:off x="1143225" y="685800"/>
-            <a:ext cx="4572300" cy="3429000"/>
-          </a:xfrm>
-          <a:custGeom>
-            <a:rect b="b" l="l" r="r" t="t"/>
-            <a:pathLst>
-              <a:path extrusionOk="0" h="120000" w="120000">
-                <a:moveTo>
-                  <a:pt x="0" y="0"/>
-                </a:moveTo>
-                <a:lnTo>
-                  <a:pt x="120000" y="0"/>
-                </a:lnTo>
-                <a:lnTo>
-                  <a:pt x="120000" y="120000"/>
-                </a:lnTo>
-                <a:lnTo>
-                  <a:pt x="0" y="120000"/>
-                </a:lnTo>
-                <a:close/>
-              </a:path>
-            </a:pathLst>
-          </a:custGeom>
-        </p:spPr>
-      </p:sp>
-      <p:sp>
-        <p:nvSpPr>
-          <p:cNvPr id="180" name="Google Shape;180;g2c48598d1a9_3_0:notes"/>
+          <p:cNvPr id="178" name="Google Shape;178;p12:notes"/>
           <p:cNvSpPr txBox="1"/>
           <p:nvPr>
             <p:ph idx="1" type="body"/>
@@ -1191,73 +1158,9 @@
           </a:p>
         </p:txBody>
       </p:sp>
-    </p:spTree>
-  </p:cSld>
-  <p:clrMapOvr>
-    <a:masterClrMapping/>
-  </p:clrMapOvr>
-</p:notes>
-</file>
-
-<file path=ppt/notesSlides/notesSlide14.xml><?xml version="1.0" encoding="utf-8"?>
-<p:notes xmlns:a="http://schemas.openxmlformats.org/drawingml/2006/main" xmlns:r="http://schemas.openxmlformats.org/officeDocument/2006/relationships" xmlns:mc="http://schemas.openxmlformats.org/markup-compatibility/2006" xmlns:mv="urn:schemas-microsoft-com:mac:vml" xmlns:p="http://schemas.openxmlformats.org/presentationml/2006/main" xmlns:c="http://schemas.openxmlformats.org/drawingml/2006/chart" xmlns:dgm="http://schemas.openxmlformats.org/drawingml/2006/diagram" xmlns:o="urn:schemas-microsoft-com:office:office" xmlns:v="urn:schemas-microsoft-com:vml" xmlns:pvml="urn:schemas-microsoft-com:office:powerpoint" xmlns:com="http://schemas.openxmlformats.org/drawingml/2006/compatibility" xmlns:p14="http://schemas.microsoft.com/office/powerpoint/2010/main" xmlns:p15="http://schemas.microsoft.com/office/powerpoint/2012/main" xmlns:ahyp="http://schemas.microsoft.com/office/drawing/2018/hyperlinkcolor" showMasterPhAnim="0" showMasterSp="0">
-  <p:cSld>
-    <p:spTree>
-      <p:nvGrpSpPr>
-        <p:cNvPr id="184" name="Shape 184"/>
-        <p:cNvGrpSpPr/>
-        <p:nvPr/>
-      </p:nvGrpSpPr>
-      <p:grpSpPr>
-        <a:xfrm>
-          <a:off x="0" y="0"/>
-          <a:ext cx="0" cy="0"/>
-          <a:chOff x="0" y="0"/>
-          <a:chExt cx="0" cy="0"/>
-        </a:xfrm>
-      </p:grpSpPr>
       <p:sp>
         <p:nvSpPr>
-          <p:cNvPr id="185" name="Google Shape;185;p14:notes"/>
-          <p:cNvSpPr txBox="1"/>
-          <p:nvPr>
-            <p:ph idx="1" type="body"/>
-          </p:nvPr>
-        </p:nvSpPr>
-        <p:spPr>
-          <a:xfrm>
-            <a:off x="685800" y="4343400"/>
-            <a:ext cx="5486400" cy="4114800"/>
-          </a:xfrm>
-          <a:prstGeom prst="rect">
-            <a:avLst/>
-          </a:prstGeom>
-        </p:spPr>
-        <p:txBody>
-          <a:bodyPr anchorCtr="0" anchor="t" bIns="91425" lIns="91425" spcFirstLastPara="1" rIns="91425" wrap="square" tIns="91425">
-            <a:noAutofit/>
-          </a:bodyPr>
-          <a:lstStyle/>
-          <a:p>
-            <a:pPr indent="0" lvl="0" marL="0" rtl="0" algn="l">
-              <a:spcBef>
-                <a:spcPts val="0"/>
-              </a:spcBef>
-              <a:spcAft>
-                <a:spcPts val="0"/>
-              </a:spcAft>
-              <a:buNone/>
-            </a:pPr>
-            <a:r>
-              <a:t/>
-            </a:r>
-            <a:endParaRPr/>
-          </a:p>
-        </p:txBody>
-      </p:sp>
-      <p:sp>
-        <p:nvSpPr>
-          <p:cNvPr id="186" name="Google Shape;186;p14:notes"/>
+          <p:cNvPr id="179" name="Google Shape;179;p12:notes"/>
           <p:cNvSpPr/>
           <p:nvPr>
             <p:ph idx="2" type="sldImg"/>
@@ -1298,6 +1201,105 @@
 </p:notes>
 </file>
 
+<file path=ppt/notesSlides/notesSlide14.xml><?xml version="1.0" encoding="utf-8"?>
+<p:notes xmlns:a="http://schemas.openxmlformats.org/drawingml/2006/main" xmlns:r="http://schemas.openxmlformats.org/officeDocument/2006/relationships" xmlns:mc="http://schemas.openxmlformats.org/markup-compatibility/2006" xmlns:mv="urn:schemas-microsoft-com:mac:vml" xmlns:p="http://schemas.openxmlformats.org/presentationml/2006/main" xmlns:c="http://schemas.openxmlformats.org/drawingml/2006/chart" xmlns:dgm="http://schemas.openxmlformats.org/drawingml/2006/diagram" xmlns:o="urn:schemas-microsoft-com:office:office" xmlns:v="urn:schemas-microsoft-com:vml" xmlns:pvml="urn:schemas-microsoft-com:office:powerpoint" xmlns:com="http://schemas.openxmlformats.org/drawingml/2006/compatibility" xmlns:p14="http://schemas.microsoft.com/office/powerpoint/2010/main" xmlns:p15="http://schemas.microsoft.com/office/powerpoint/2012/main" xmlns:ahyp="http://schemas.microsoft.com/office/drawing/2018/hyperlinkcolor" showMasterPhAnim="0" showMasterSp="0">
+  <p:cSld>
+    <p:spTree>
+      <p:nvGrpSpPr>
+        <p:cNvPr id="184" name="Shape 184"/>
+        <p:cNvGrpSpPr/>
+        <p:nvPr/>
+      </p:nvGrpSpPr>
+      <p:grpSpPr>
+        <a:xfrm>
+          <a:off x="0" y="0"/>
+          <a:ext cx="0" cy="0"/>
+          <a:chOff x="0" y="0"/>
+          <a:chExt cx="0" cy="0"/>
+        </a:xfrm>
+      </p:grpSpPr>
+      <p:sp>
+        <p:nvSpPr>
+          <p:cNvPr id="185" name="Google Shape;185;g2c48598d1a9_3_0:notes"/>
+          <p:cNvSpPr/>
+          <p:nvPr>
+            <p:ph idx="2" type="sldImg"/>
+          </p:nvPr>
+        </p:nvSpPr>
+        <p:spPr>
+          <a:xfrm>
+            <a:off x="1143225" y="685800"/>
+            <a:ext cx="4572300" cy="3429000"/>
+          </a:xfrm>
+          <a:custGeom>
+            <a:rect b="b" l="l" r="r" t="t"/>
+            <a:pathLst>
+              <a:path extrusionOk="0" h="120000" w="120000">
+                <a:moveTo>
+                  <a:pt x="0" y="0"/>
+                </a:moveTo>
+                <a:lnTo>
+                  <a:pt x="120000" y="0"/>
+                </a:lnTo>
+                <a:lnTo>
+                  <a:pt x="120000" y="120000"/>
+                </a:lnTo>
+                <a:lnTo>
+                  <a:pt x="0" y="120000"/>
+                </a:lnTo>
+                <a:close/>
+              </a:path>
+            </a:pathLst>
+          </a:custGeom>
+        </p:spPr>
+      </p:sp>
+      <p:sp>
+        <p:nvSpPr>
+          <p:cNvPr id="186" name="Google Shape;186;g2c48598d1a9_3_0:notes"/>
+          <p:cNvSpPr txBox="1"/>
+          <p:nvPr>
+            <p:ph idx="1" type="body"/>
+          </p:nvPr>
+        </p:nvSpPr>
+        <p:spPr>
+          <a:xfrm>
+            <a:off x="685800" y="4343400"/>
+            <a:ext cx="5486400" cy="4114800"/>
+          </a:xfrm>
+          <a:prstGeom prst="rect">
+            <a:avLst/>
+          </a:prstGeom>
+        </p:spPr>
+        <p:txBody>
+          <a:bodyPr anchorCtr="0" anchor="t" bIns="91425" lIns="91425" spcFirstLastPara="1" rIns="91425" wrap="square" tIns="91425">
+            <a:noAutofit/>
+          </a:bodyPr>
+          <a:lstStyle/>
+          <a:p>
+            <a:pPr indent="0" lvl="0" marL="0" rtl="0" algn="l">
+              <a:spcBef>
+                <a:spcPts val="0"/>
+              </a:spcBef>
+              <a:spcAft>
+                <a:spcPts val="0"/>
+              </a:spcAft>
+              <a:buNone/>
+            </a:pPr>
+            <a:r>
+              <a:t/>
+            </a:r>
+            <a:endParaRPr/>
+          </a:p>
+        </p:txBody>
+      </p:sp>
+    </p:spTree>
+  </p:cSld>
+  <p:clrMapOvr>
+    <a:masterClrMapping/>
+  </p:clrMapOvr>
+</p:notes>
+</file>
+
 <file path=ppt/notesSlides/notesSlide15.xml><?xml version="1.0" encoding="utf-8"?>
 <p:notes xmlns:a="http://schemas.openxmlformats.org/drawingml/2006/main" xmlns:r="http://schemas.openxmlformats.org/officeDocument/2006/relationships" xmlns:mc="http://schemas.openxmlformats.org/markup-compatibility/2006" xmlns:mv="urn:schemas-microsoft-com:mac:vml" xmlns:p="http://schemas.openxmlformats.org/presentationml/2006/main" xmlns:c="http://schemas.openxmlformats.org/drawingml/2006/chart" xmlns:dgm="http://schemas.openxmlformats.org/drawingml/2006/diagram" xmlns:o="urn:schemas-microsoft-com:office:office" xmlns:v="urn:schemas-microsoft-com:vml" xmlns:pvml="urn:schemas-microsoft-com:office:powerpoint" xmlns:com="http://schemas.openxmlformats.org/drawingml/2006/compatibility" xmlns:p14="http://schemas.microsoft.com/office/powerpoint/2010/main" xmlns:p15="http://schemas.microsoft.com/office/powerpoint/2012/main" xmlns:ahyp="http://schemas.microsoft.com/office/drawing/2018/hyperlinkcolor" showMasterPhAnim="0" showMasterSp="0">
   <p:cSld>
@@ -1317,7 +1319,7 @@
       </p:grpSpPr>
       <p:sp>
         <p:nvSpPr>
-          <p:cNvPr id="191" name="Google Shape;191;p15:notes"/>
+          <p:cNvPr id="191" name="Google Shape;191;p14:notes"/>
           <p:cNvSpPr txBox="1"/>
           <p:nvPr>
             <p:ph idx="1" type="body"/>
@@ -1356,7 +1358,7 @@
       </p:sp>
       <p:sp>
         <p:nvSpPr>
-          <p:cNvPr id="192" name="Google Shape;192;p15:notes"/>
+          <p:cNvPr id="192" name="Google Shape;192;p14:notes"/>
           <p:cNvSpPr/>
           <p:nvPr>
             <p:ph idx="2" type="sldImg"/>
@@ -1416,7 +1418,7 @@
       </p:grpSpPr>
       <p:sp>
         <p:nvSpPr>
-          <p:cNvPr id="197" name="Google Shape;197;p20:notes"/>
+          <p:cNvPr id="197" name="Google Shape;197;p15:notes"/>
           <p:cNvSpPr txBox="1"/>
           <p:nvPr>
             <p:ph idx="1" type="body"/>
@@ -1455,7 +1457,7 @@
       </p:sp>
       <p:sp>
         <p:nvSpPr>
-          <p:cNvPr id="198" name="Google Shape;198;p20:notes"/>
+          <p:cNvPr id="198" name="Google Shape;198;p15:notes"/>
           <p:cNvSpPr/>
           <p:nvPr>
             <p:ph idx="2" type="sldImg"/>
@@ -1501,7 +1503,7 @@
   <p:cSld>
     <p:spTree>
       <p:nvGrpSpPr>
-        <p:cNvPr id="203" name="Shape 203"/>
+        <p:cNvPr id="202" name="Shape 202"/>
         <p:cNvGrpSpPr/>
         <p:nvPr/>
       </p:nvGrpSpPr>
@@ -1515,42 +1517,7 @@
       </p:grpSpPr>
       <p:sp>
         <p:nvSpPr>
-          <p:cNvPr id="204" name="Google Shape;204;g2c4b658579b_0_3:notes"/>
-          <p:cNvSpPr/>
-          <p:nvPr>
-            <p:ph idx="2" type="sldImg"/>
-          </p:nvPr>
-        </p:nvSpPr>
-        <p:spPr>
-          <a:xfrm>
-            <a:off x="1143225" y="685800"/>
-            <a:ext cx="4572300" cy="3429000"/>
-          </a:xfrm>
-          <a:custGeom>
-            <a:rect b="b" l="l" r="r" t="t"/>
-            <a:pathLst>
-              <a:path extrusionOk="0" h="120000" w="120000">
-                <a:moveTo>
-                  <a:pt x="0" y="0"/>
-                </a:moveTo>
-                <a:lnTo>
-                  <a:pt x="120000" y="0"/>
-                </a:lnTo>
-                <a:lnTo>
-                  <a:pt x="120000" y="120000"/>
-                </a:lnTo>
-                <a:lnTo>
-                  <a:pt x="0" y="120000"/>
-                </a:lnTo>
-                <a:close/>
-              </a:path>
-            </a:pathLst>
-          </a:custGeom>
-        </p:spPr>
-      </p:sp>
-      <p:sp>
-        <p:nvSpPr>
-          <p:cNvPr id="205" name="Google Shape;205;g2c4b658579b_0_3:notes"/>
+          <p:cNvPr id="203" name="Google Shape;203;p20:notes"/>
           <p:cNvSpPr txBox="1"/>
           <p:nvPr>
             <p:ph idx="1" type="body"/>
@@ -1587,73 +1554,9 @@
           </a:p>
         </p:txBody>
       </p:sp>
-    </p:spTree>
-  </p:cSld>
-  <p:clrMapOvr>
-    <a:masterClrMapping/>
-  </p:clrMapOvr>
-</p:notes>
-</file>
-
-<file path=ppt/notesSlides/notesSlide18.xml><?xml version="1.0" encoding="utf-8"?>
-<p:notes xmlns:a="http://schemas.openxmlformats.org/drawingml/2006/main" xmlns:r="http://schemas.openxmlformats.org/officeDocument/2006/relationships" xmlns:mc="http://schemas.openxmlformats.org/markup-compatibility/2006" xmlns:mv="urn:schemas-microsoft-com:mac:vml" xmlns:p="http://schemas.openxmlformats.org/presentationml/2006/main" xmlns:c="http://schemas.openxmlformats.org/drawingml/2006/chart" xmlns:dgm="http://schemas.openxmlformats.org/drawingml/2006/diagram" xmlns:o="urn:schemas-microsoft-com:office:office" xmlns:v="urn:schemas-microsoft-com:vml" xmlns:pvml="urn:schemas-microsoft-com:office:powerpoint" xmlns:com="http://schemas.openxmlformats.org/drawingml/2006/compatibility" xmlns:p14="http://schemas.microsoft.com/office/powerpoint/2010/main" xmlns:p15="http://schemas.microsoft.com/office/powerpoint/2012/main" xmlns:ahyp="http://schemas.microsoft.com/office/drawing/2018/hyperlinkcolor" showMasterPhAnim="0" showMasterSp="0">
-  <p:cSld>
-    <p:spTree>
-      <p:nvGrpSpPr>
-        <p:cNvPr id="210" name="Shape 210"/>
-        <p:cNvGrpSpPr/>
-        <p:nvPr/>
-      </p:nvGrpSpPr>
-      <p:grpSpPr>
-        <a:xfrm>
-          <a:off x="0" y="0"/>
-          <a:ext cx="0" cy="0"/>
-          <a:chOff x="0" y="0"/>
-          <a:chExt cx="0" cy="0"/>
-        </a:xfrm>
-      </p:grpSpPr>
       <p:sp>
         <p:nvSpPr>
-          <p:cNvPr id="211" name="Google Shape;211;p22:notes"/>
-          <p:cNvSpPr txBox="1"/>
-          <p:nvPr>
-            <p:ph idx="1" type="body"/>
-          </p:nvPr>
-        </p:nvSpPr>
-        <p:spPr>
-          <a:xfrm>
-            <a:off x="685800" y="4343400"/>
-            <a:ext cx="5486400" cy="4114800"/>
-          </a:xfrm>
-          <a:prstGeom prst="rect">
-            <a:avLst/>
-          </a:prstGeom>
-        </p:spPr>
-        <p:txBody>
-          <a:bodyPr anchorCtr="0" anchor="t" bIns="91425" lIns="91425" spcFirstLastPara="1" rIns="91425" wrap="square" tIns="91425">
-            <a:noAutofit/>
-          </a:bodyPr>
-          <a:lstStyle/>
-          <a:p>
-            <a:pPr indent="0" lvl="0" marL="0" rtl="0" algn="l">
-              <a:spcBef>
-                <a:spcPts val="0"/>
-              </a:spcBef>
-              <a:spcAft>
-                <a:spcPts val="0"/>
-              </a:spcAft>
-              <a:buNone/>
-            </a:pPr>
-            <a:r>
-              <a:t/>
-            </a:r>
-            <a:endParaRPr/>
-          </a:p>
-        </p:txBody>
-      </p:sp>
-      <p:sp>
-        <p:nvSpPr>
-          <p:cNvPr id="212" name="Google Shape;212;p22:notes"/>
+          <p:cNvPr id="204" name="Google Shape;204;p20:notes"/>
           <p:cNvSpPr/>
           <p:nvPr>
             <p:ph idx="2" type="sldImg"/>
@@ -1694,12 +1597,12 @@
 </p:notes>
 </file>
 
-<file path=ppt/notesSlides/notesSlide19.xml><?xml version="1.0" encoding="utf-8"?>
+<file path=ppt/notesSlides/notesSlide18.xml><?xml version="1.0" encoding="utf-8"?>
 <p:notes xmlns:a="http://schemas.openxmlformats.org/drawingml/2006/main" xmlns:r="http://schemas.openxmlformats.org/officeDocument/2006/relationships" xmlns:mc="http://schemas.openxmlformats.org/markup-compatibility/2006" xmlns:mv="urn:schemas-microsoft-com:mac:vml" xmlns:p="http://schemas.openxmlformats.org/presentationml/2006/main" xmlns:c="http://schemas.openxmlformats.org/drawingml/2006/chart" xmlns:dgm="http://schemas.openxmlformats.org/drawingml/2006/diagram" xmlns:o="urn:schemas-microsoft-com:office:office" xmlns:v="urn:schemas-microsoft-com:vml" xmlns:pvml="urn:schemas-microsoft-com:office:powerpoint" xmlns:com="http://schemas.openxmlformats.org/drawingml/2006/compatibility" xmlns:p14="http://schemas.microsoft.com/office/powerpoint/2010/main" xmlns:p15="http://schemas.microsoft.com/office/powerpoint/2012/main" xmlns:ahyp="http://schemas.microsoft.com/office/drawing/2018/hyperlinkcolor" showMasterPhAnim="0" showMasterSp="0">
   <p:cSld>
     <p:spTree>
       <p:nvGrpSpPr>
-        <p:cNvPr id="216" name="Shape 216"/>
+        <p:cNvPr id="209" name="Shape 209"/>
         <p:cNvGrpSpPr/>
         <p:nvPr/>
       </p:nvGrpSpPr>
@@ -1713,7 +1616,7 @@
       </p:grpSpPr>
       <p:sp>
         <p:nvSpPr>
-          <p:cNvPr id="217" name="Google Shape;217;g2c48598d1a9_3_5:notes"/>
+          <p:cNvPr id="210" name="Google Shape;210;g2c4b658579b_0_3:notes"/>
           <p:cNvSpPr/>
           <p:nvPr>
             <p:ph idx="2" type="sldImg"/>
@@ -1748,7 +1651,7 @@
       </p:sp>
       <p:sp>
         <p:nvSpPr>
-          <p:cNvPr id="218" name="Google Shape;218;g2c48598d1a9_3_5:notes"/>
+          <p:cNvPr id="211" name="Google Shape;211;g2c4b658579b_0_3:notes"/>
           <p:cNvSpPr txBox="1"/>
           <p:nvPr>
             <p:ph idx="1" type="body"/>
@@ -1784,6 +1687,105 @@
             <a:endParaRPr/>
           </a:p>
         </p:txBody>
+      </p:sp>
+    </p:spTree>
+  </p:cSld>
+  <p:clrMapOvr>
+    <a:masterClrMapping/>
+  </p:clrMapOvr>
+</p:notes>
+</file>
+
+<file path=ppt/notesSlides/notesSlide19.xml><?xml version="1.0" encoding="utf-8"?>
+<p:notes xmlns:a="http://schemas.openxmlformats.org/drawingml/2006/main" xmlns:r="http://schemas.openxmlformats.org/officeDocument/2006/relationships" xmlns:mc="http://schemas.openxmlformats.org/markup-compatibility/2006" xmlns:mv="urn:schemas-microsoft-com:mac:vml" xmlns:p="http://schemas.openxmlformats.org/presentationml/2006/main" xmlns:c="http://schemas.openxmlformats.org/drawingml/2006/chart" xmlns:dgm="http://schemas.openxmlformats.org/drawingml/2006/diagram" xmlns:o="urn:schemas-microsoft-com:office:office" xmlns:v="urn:schemas-microsoft-com:vml" xmlns:pvml="urn:schemas-microsoft-com:office:powerpoint" xmlns:com="http://schemas.openxmlformats.org/drawingml/2006/compatibility" xmlns:p14="http://schemas.microsoft.com/office/powerpoint/2010/main" xmlns:p15="http://schemas.microsoft.com/office/powerpoint/2012/main" xmlns:ahyp="http://schemas.microsoft.com/office/drawing/2018/hyperlinkcolor" showMasterPhAnim="0" showMasterSp="0">
+  <p:cSld>
+    <p:spTree>
+      <p:nvGrpSpPr>
+        <p:cNvPr id="216" name="Shape 216"/>
+        <p:cNvGrpSpPr/>
+        <p:nvPr/>
+      </p:nvGrpSpPr>
+      <p:grpSpPr>
+        <a:xfrm>
+          <a:off x="0" y="0"/>
+          <a:ext cx="0" cy="0"/>
+          <a:chOff x="0" y="0"/>
+          <a:chExt cx="0" cy="0"/>
+        </a:xfrm>
+      </p:grpSpPr>
+      <p:sp>
+        <p:nvSpPr>
+          <p:cNvPr id="217" name="Google Shape;217;p22:notes"/>
+          <p:cNvSpPr txBox="1"/>
+          <p:nvPr>
+            <p:ph idx="1" type="body"/>
+          </p:nvPr>
+        </p:nvSpPr>
+        <p:spPr>
+          <a:xfrm>
+            <a:off x="685800" y="4343400"/>
+            <a:ext cx="5486400" cy="4114800"/>
+          </a:xfrm>
+          <a:prstGeom prst="rect">
+            <a:avLst/>
+          </a:prstGeom>
+        </p:spPr>
+        <p:txBody>
+          <a:bodyPr anchorCtr="0" anchor="t" bIns="91425" lIns="91425" spcFirstLastPara="1" rIns="91425" wrap="square" tIns="91425">
+            <a:noAutofit/>
+          </a:bodyPr>
+          <a:lstStyle/>
+          <a:p>
+            <a:pPr indent="0" lvl="0" marL="0" rtl="0" algn="l">
+              <a:spcBef>
+                <a:spcPts val="0"/>
+              </a:spcBef>
+              <a:spcAft>
+                <a:spcPts val="0"/>
+              </a:spcAft>
+              <a:buNone/>
+            </a:pPr>
+            <a:r>
+              <a:t/>
+            </a:r>
+            <a:endParaRPr/>
+          </a:p>
+        </p:txBody>
+      </p:sp>
+      <p:sp>
+        <p:nvSpPr>
+          <p:cNvPr id="218" name="Google Shape;218;p22:notes"/>
+          <p:cNvSpPr/>
+          <p:nvPr>
+            <p:ph idx="2" type="sldImg"/>
+          </p:nvPr>
+        </p:nvSpPr>
+        <p:spPr>
+          <a:xfrm>
+            <a:off x="1143225" y="685800"/>
+            <a:ext cx="4572225" cy="3429000"/>
+          </a:xfrm>
+          <a:custGeom>
+            <a:rect b="b" l="l" r="r" t="t"/>
+            <a:pathLst>
+              <a:path extrusionOk="0" h="120000" w="120000">
+                <a:moveTo>
+                  <a:pt x="0" y="0"/>
+                </a:moveTo>
+                <a:lnTo>
+                  <a:pt x="120000" y="0"/>
+                </a:lnTo>
+                <a:lnTo>
+                  <a:pt x="120000" y="120000"/>
+                </a:lnTo>
+                <a:lnTo>
+                  <a:pt x="0" y="120000"/>
+                </a:lnTo>
+                <a:close/>
+              </a:path>
+            </a:pathLst>
+          </a:custGeom>
+        </p:spPr>
       </p:sp>
     </p:spTree>
   </p:cSld>
@@ -1897,7 +1899,7 @@
   <p:cSld>
     <p:spTree>
       <p:nvGrpSpPr>
-        <p:cNvPr id="223" name="Shape 223"/>
+        <p:cNvPr id="222" name="Shape 222"/>
         <p:cNvGrpSpPr/>
         <p:nvPr/>
       </p:nvGrpSpPr>
@@ -1911,46 +1913,7 @@
       </p:grpSpPr>
       <p:sp>
         <p:nvSpPr>
-          <p:cNvPr id="224" name="Google Shape;224;p18:notes"/>
-          <p:cNvSpPr txBox="1"/>
-          <p:nvPr>
-            <p:ph idx="1" type="body"/>
-          </p:nvPr>
-        </p:nvSpPr>
-        <p:spPr>
-          <a:xfrm>
-            <a:off x="685800" y="4343400"/>
-            <a:ext cx="5486400" cy="4114800"/>
-          </a:xfrm>
-          <a:prstGeom prst="rect">
-            <a:avLst/>
-          </a:prstGeom>
-        </p:spPr>
-        <p:txBody>
-          <a:bodyPr anchorCtr="0" anchor="t" bIns="91425" lIns="91425" spcFirstLastPara="1" rIns="91425" wrap="square" tIns="91425">
-            <a:noAutofit/>
-          </a:bodyPr>
-          <a:lstStyle/>
-          <a:p>
-            <a:pPr indent="0" lvl="0" marL="0" rtl="0" algn="l">
-              <a:spcBef>
-                <a:spcPts val="0"/>
-              </a:spcBef>
-              <a:spcAft>
-                <a:spcPts val="0"/>
-              </a:spcAft>
-              <a:buNone/>
-            </a:pPr>
-            <a:r>
-              <a:t/>
-            </a:r>
-            <a:endParaRPr/>
-          </a:p>
-        </p:txBody>
-      </p:sp>
-      <p:sp>
-        <p:nvSpPr>
-          <p:cNvPr id="225" name="Google Shape;225;p18:notes"/>
+          <p:cNvPr id="223" name="Google Shape;223;g2c48598d1a9_3_5:notes"/>
           <p:cNvSpPr/>
           <p:nvPr>
             <p:ph idx="2" type="sldImg"/>
@@ -1959,7 +1922,7 @@
         <p:spPr>
           <a:xfrm>
             <a:off x="1143225" y="685800"/>
-            <a:ext cx="4572225" cy="3429000"/>
+            <a:ext cx="4572300" cy="3429000"/>
           </a:xfrm>
           <a:custGeom>
             <a:rect b="b" l="l" r="r" t="t"/>
@@ -1983,34 +1946,9 @@
           </a:custGeom>
         </p:spPr>
       </p:sp>
-    </p:spTree>
-  </p:cSld>
-  <p:clrMapOvr>
-    <a:masterClrMapping/>
-  </p:clrMapOvr>
-</p:notes>
-</file>
-
-<file path=ppt/notesSlides/notesSlide21.xml><?xml version="1.0" encoding="utf-8"?>
-<p:notes xmlns:a="http://schemas.openxmlformats.org/drawingml/2006/main" xmlns:r="http://schemas.openxmlformats.org/officeDocument/2006/relationships" xmlns:mc="http://schemas.openxmlformats.org/markup-compatibility/2006" xmlns:mv="urn:schemas-microsoft-com:mac:vml" xmlns:p="http://schemas.openxmlformats.org/presentationml/2006/main" xmlns:c="http://schemas.openxmlformats.org/drawingml/2006/chart" xmlns:dgm="http://schemas.openxmlformats.org/drawingml/2006/diagram" xmlns:o="urn:schemas-microsoft-com:office:office" xmlns:v="urn:schemas-microsoft-com:vml" xmlns:pvml="urn:schemas-microsoft-com:office:powerpoint" xmlns:com="http://schemas.openxmlformats.org/drawingml/2006/compatibility" xmlns:p14="http://schemas.microsoft.com/office/powerpoint/2010/main" xmlns:p15="http://schemas.microsoft.com/office/powerpoint/2012/main" xmlns:ahyp="http://schemas.microsoft.com/office/drawing/2018/hyperlinkcolor" showMasterPhAnim="0" showMasterSp="0">
-  <p:cSld>
-    <p:spTree>
-      <p:nvGrpSpPr>
-        <p:cNvPr id="230" name="Shape 230"/>
-        <p:cNvGrpSpPr/>
-        <p:nvPr/>
-      </p:nvGrpSpPr>
-      <p:grpSpPr>
-        <a:xfrm>
-          <a:off x="0" y="0"/>
-          <a:ext cx="0" cy="0"/>
-          <a:chOff x="0" y="0"/>
-          <a:chExt cx="0" cy="0"/>
-        </a:xfrm>
-      </p:grpSpPr>
       <p:sp>
         <p:nvSpPr>
-          <p:cNvPr id="231" name="Google Shape;231;p17:notes"/>
+          <p:cNvPr id="224" name="Google Shape;224;g2c48598d1a9_3_5:notes"/>
           <p:cNvSpPr txBox="1"/>
           <p:nvPr>
             <p:ph idx="1" type="body"/>
@@ -2047,9 +1985,73 @@
           </a:p>
         </p:txBody>
       </p:sp>
+    </p:spTree>
+  </p:cSld>
+  <p:clrMapOvr>
+    <a:masterClrMapping/>
+  </p:clrMapOvr>
+</p:notes>
+</file>
+
+<file path=ppt/notesSlides/notesSlide21.xml><?xml version="1.0" encoding="utf-8"?>
+<p:notes xmlns:a="http://schemas.openxmlformats.org/drawingml/2006/main" xmlns:r="http://schemas.openxmlformats.org/officeDocument/2006/relationships" xmlns:mc="http://schemas.openxmlformats.org/markup-compatibility/2006" xmlns:mv="urn:schemas-microsoft-com:mac:vml" xmlns:p="http://schemas.openxmlformats.org/presentationml/2006/main" xmlns:c="http://schemas.openxmlformats.org/drawingml/2006/chart" xmlns:dgm="http://schemas.openxmlformats.org/drawingml/2006/diagram" xmlns:o="urn:schemas-microsoft-com:office:office" xmlns:v="urn:schemas-microsoft-com:vml" xmlns:pvml="urn:schemas-microsoft-com:office:powerpoint" xmlns:com="http://schemas.openxmlformats.org/drawingml/2006/compatibility" xmlns:p14="http://schemas.microsoft.com/office/powerpoint/2010/main" xmlns:p15="http://schemas.microsoft.com/office/powerpoint/2012/main" xmlns:ahyp="http://schemas.microsoft.com/office/drawing/2018/hyperlinkcolor" showMasterPhAnim="0" showMasterSp="0">
+  <p:cSld>
+    <p:spTree>
+      <p:nvGrpSpPr>
+        <p:cNvPr id="229" name="Shape 229"/>
+        <p:cNvGrpSpPr/>
+        <p:nvPr/>
+      </p:nvGrpSpPr>
+      <p:grpSpPr>
+        <a:xfrm>
+          <a:off x="0" y="0"/>
+          <a:ext cx="0" cy="0"/>
+          <a:chOff x="0" y="0"/>
+          <a:chExt cx="0" cy="0"/>
+        </a:xfrm>
+      </p:grpSpPr>
       <p:sp>
         <p:nvSpPr>
-          <p:cNvPr id="232" name="Google Shape;232;p17:notes"/>
+          <p:cNvPr id="230" name="Google Shape;230;p17:notes"/>
+          <p:cNvSpPr txBox="1"/>
+          <p:nvPr>
+            <p:ph idx="1" type="body"/>
+          </p:nvPr>
+        </p:nvSpPr>
+        <p:spPr>
+          <a:xfrm>
+            <a:off x="685800" y="4343400"/>
+            <a:ext cx="5486400" cy="4114800"/>
+          </a:xfrm>
+          <a:prstGeom prst="rect">
+            <a:avLst/>
+          </a:prstGeom>
+        </p:spPr>
+        <p:txBody>
+          <a:bodyPr anchorCtr="0" anchor="t" bIns="91425" lIns="91425" spcFirstLastPara="1" rIns="91425" wrap="square" tIns="91425">
+            <a:noAutofit/>
+          </a:bodyPr>
+          <a:lstStyle/>
+          <a:p>
+            <a:pPr indent="0" lvl="0" marL="0" rtl="0" algn="l">
+              <a:spcBef>
+                <a:spcPts val="0"/>
+              </a:spcBef>
+              <a:spcAft>
+                <a:spcPts val="0"/>
+              </a:spcAft>
+              <a:buNone/>
+            </a:pPr>
+            <a:r>
+              <a:t/>
+            </a:r>
+            <a:endParaRPr/>
+          </a:p>
+        </p:txBody>
+      </p:sp>
+      <p:sp>
+        <p:nvSpPr>
+          <p:cNvPr id="231" name="Google Shape;231;p17:notes"/>
           <p:cNvSpPr/>
           <p:nvPr>
             <p:ph idx="2" type="sldImg"/>
@@ -2095,7 +2097,7 @@
   <p:cSld>
     <p:spTree>
       <p:nvGrpSpPr>
-        <p:cNvPr id="237" name="Shape 237"/>
+        <p:cNvPr id="236" name="Shape 236"/>
         <p:cNvGrpSpPr/>
         <p:nvPr/>
       </p:nvGrpSpPr>
@@ -2109,7 +2111,7 @@
       </p:grpSpPr>
       <p:sp>
         <p:nvSpPr>
-          <p:cNvPr id="238" name="Google Shape;238;p24:notes"/>
+          <p:cNvPr id="237" name="Google Shape;237;p18:notes"/>
           <p:cNvSpPr txBox="1"/>
           <p:nvPr>
             <p:ph idx="1" type="body"/>
@@ -2148,7 +2150,7 @@
       </p:sp>
       <p:sp>
         <p:nvSpPr>
-          <p:cNvPr id="239" name="Google Shape;239;p24:notes"/>
+          <p:cNvPr id="238" name="Google Shape;238;p18:notes"/>
           <p:cNvSpPr/>
           <p:nvPr>
             <p:ph idx="2" type="sldImg"/>
@@ -2208,7 +2210,42 @@
       </p:grpSpPr>
       <p:sp>
         <p:nvSpPr>
-          <p:cNvPr id="244" name="Google Shape;244;p25:notes"/>
+          <p:cNvPr id="244" name="Google Shape;244;g2c4c75c3d89_0_1:notes"/>
+          <p:cNvSpPr/>
+          <p:nvPr>
+            <p:ph idx="2" type="sldImg"/>
+          </p:nvPr>
+        </p:nvSpPr>
+        <p:spPr>
+          <a:xfrm>
+            <a:off x="1143225" y="685800"/>
+            <a:ext cx="4572300" cy="3429000"/>
+          </a:xfrm>
+          <a:custGeom>
+            <a:rect b="b" l="l" r="r" t="t"/>
+            <a:pathLst>
+              <a:path extrusionOk="0" h="120000" w="120000">
+                <a:moveTo>
+                  <a:pt x="0" y="0"/>
+                </a:moveTo>
+                <a:lnTo>
+                  <a:pt x="120000" y="0"/>
+                </a:lnTo>
+                <a:lnTo>
+                  <a:pt x="120000" y="120000"/>
+                </a:lnTo>
+                <a:lnTo>
+                  <a:pt x="0" y="120000"/>
+                </a:lnTo>
+                <a:close/>
+              </a:path>
+            </a:pathLst>
+          </a:custGeom>
+        </p:spPr>
+      </p:sp>
+      <p:sp>
+        <p:nvSpPr>
+          <p:cNvPr id="245" name="Google Shape;245;g2c4c75c3d89_0_1:notes"/>
           <p:cNvSpPr txBox="1"/>
           <p:nvPr>
             <p:ph idx="1" type="body"/>
@@ -2245,9 +2282,172 @@
           </a:p>
         </p:txBody>
       </p:sp>
+    </p:spTree>
+  </p:cSld>
+  <p:clrMapOvr>
+    <a:masterClrMapping/>
+  </p:clrMapOvr>
+</p:notes>
+</file>
+
+<file path=ppt/notesSlides/notesSlide24.xml><?xml version="1.0" encoding="utf-8"?>
+<p:notes xmlns:a="http://schemas.openxmlformats.org/drawingml/2006/main" xmlns:r="http://schemas.openxmlformats.org/officeDocument/2006/relationships" xmlns:mc="http://schemas.openxmlformats.org/markup-compatibility/2006" xmlns:mv="urn:schemas-microsoft-com:mac:vml" xmlns:p="http://schemas.openxmlformats.org/presentationml/2006/main" xmlns:c="http://schemas.openxmlformats.org/drawingml/2006/chart" xmlns:dgm="http://schemas.openxmlformats.org/drawingml/2006/diagram" xmlns:o="urn:schemas-microsoft-com:office:office" xmlns:v="urn:schemas-microsoft-com:vml" xmlns:pvml="urn:schemas-microsoft-com:office:powerpoint" xmlns:com="http://schemas.openxmlformats.org/drawingml/2006/compatibility" xmlns:p14="http://schemas.microsoft.com/office/powerpoint/2010/main" xmlns:p15="http://schemas.microsoft.com/office/powerpoint/2012/main" xmlns:ahyp="http://schemas.microsoft.com/office/drawing/2018/hyperlinkcolor" showMasterPhAnim="0" showMasterSp="0">
+  <p:cSld>
+    <p:spTree>
+      <p:nvGrpSpPr>
+        <p:cNvPr id="249" name="Shape 249"/>
+        <p:cNvGrpSpPr/>
+        <p:nvPr/>
+      </p:nvGrpSpPr>
+      <p:grpSpPr>
+        <a:xfrm>
+          <a:off x="0" y="0"/>
+          <a:ext cx="0" cy="0"/>
+          <a:chOff x="0" y="0"/>
+          <a:chExt cx="0" cy="0"/>
+        </a:xfrm>
+      </p:grpSpPr>
       <p:sp>
         <p:nvSpPr>
-          <p:cNvPr id="245" name="Google Shape;245;p25:notes"/>
+          <p:cNvPr id="250" name="Google Shape;250;p24:notes"/>
+          <p:cNvSpPr txBox="1"/>
+          <p:nvPr>
+            <p:ph idx="1" type="body"/>
+          </p:nvPr>
+        </p:nvSpPr>
+        <p:spPr>
+          <a:xfrm>
+            <a:off x="685800" y="4343400"/>
+            <a:ext cx="5486400" cy="4114800"/>
+          </a:xfrm>
+          <a:prstGeom prst="rect">
+            <a:avLst/>
+          </a:prstGeom>
+        </p:spPr>
+        <p:txBody>
+          <a:bodyPr anchorCtr="0" anchor="t" bIns="91425" lIns="91425" spcFirstLastPara="1" rIns="91425" wrap="square" tIns="91425">
+            <a:noAutofit/>
+          </a:bodyPr>
+          <a:lstStyle/>
+          <a:p>
+            <a:pPr indent="0" lvl="0" marL="0" rtl="0" algn="l">
+              <a:spcBef>
+                <a:spcPts val="0"/>
+              </a:spcBef>
+              <a:spcAft>
+                <a:spcPts val="0"/>
+              </a:spcAft>
+              <a:buNone/>
+            </a:pPr>
+            <a:r>
+              <a:t/>
+            </a:r>
+            <a:endParaRPr/>
+          </a:p>
+        </p:txBody>
+      </p:sp>
+      <p:sp>
+        <p:nvSpPr>
+          <p:cNvPr id="251" name="Google Shape;251;p24:notes"/>
+          <p:cNvSpPr/>
+          <p:nvPr>
+            <p:ph idx="2" type="sldImg"/>
+          </p:nvPr>
+        </p:nvSpPr>
+        <p:spPr>
+          <a:xfrm>
+            <a:off x="1143225" y="685800"/>
+            <a:ext cx="4572225" cy="3429000"/>
+          </a:xfrm>
+          <a:custGeom>
+            <a:rect b="b" l="l" r="r" t="t"/>
+            <a:pathLst>
+              <a:path extrusionOk="0" h="120000" w="120000">
+                <a:moveTo>
+                  <a:pt x="0" y="0"/>
+                </a:moveTo>
+                <a:lnTo>
+                  <a:pt x="120000" y="0"/>
+                </a:lnTo>
+                <a:lnTo>
+                  <a:pt x="120000" y="120000"/>
+                </a:lnTo>
+                <a:lnTo>
+                  <a:pt x="0" y="120000"/>
+                </a:lnTo>
+                <a:close/>
+              </a:path>
+            </a:pathLst>
+          </a:custGeom>
+        </p:spPr>
+      </p:sp>
+    </p:spTree>
+  </p:cSld>
+  <p:clrMapOvr>
+    <a:masterClrMapping/>
+  </p:clrMapOvr>
+</p:notes>
+</file>
+
+<file path=ppt/notesSlides/notesSlide25.xml><?xml version="1.0" encoding="utf-8"?>
+<p:notes xmlns:a="http://schemas.openxmlformats.org/drawingml/2006/main" xmlns:r="http://schemas.openxmlformats.org/officeDocument/2006/relationships" xmlns:mc="http://schemas.openxmlformats.org/markup-compatibility/2006" xmlns:mv="urn:schemas-microsoft-com:mac:vml" xmlns:p="http://schemas.openxmlformats.org/presentationml/2006/main" xmlns:c="http://schemas.openxmlformats.org/drawingml/2006/chart" xmlns:dgm="http://schemas.openxmlformats.org/drawingml/2006/diagram" xmlns:o="urn:schemas-microsoft-com:office:office" xmlns:v="urn:schemas-microsoft-com:vml" xmlns:pvml="urn:schemas-microsoft-com:office:powerpoint" xmlns:com="http://schemas.openxmlformats.org/drawingml/2006/compatibility" xmlns:p14="http://schemas.microsoft.com/office/powerpoint/2010/main" xmlns:p15="http://schemas.microsoft.com/office/powerpoint/2012/main" xmlns:ahyp="http://schemas.microsoft.com/office/drawing/2018/hyperlinkcolor" showMasterPhAnim="0" showMasterSp="0">
+  <p:cSld>
+    <p:spTree>
+      <p:nvGrpSpPr>
+        <p:cNvPr id="255" name="Shape 255"/>
+        <p:cNvGrpSpPr/>
+        <p:nvPr/>
+      </p:nvGrpSpPr>
+      <p:grpSpPr>
+        <a:xfrm>
+          <a:off x="0" y="0"/>
+          <a:ext cx="0" cy="0"/>
+          <a:chOff x="0" y="0"/>
+          <a:chExt cx="0" cy="0"/>
+        </a:xfrm>
+      </p:grpSpPr>
+      <p:sp>
+        <p:nvSpPr>
+          <p:cNvPr id="256" name="Google Shape;256;p25:notes"/>
+          <p:cNvSpPr txBox="1"/>
+          <p:nvPr>
+            <p:ph idx="1" type="body"/>
+          </p:nvPr>
+        </p:nvSpPr>
+        <p:spPr>
+          <a:xfrm>
+            <a:off x="685800" y="4343400"/>
+            <a:ext cx="5486400" cy="4114800"/>
+          </a:xfrm>
+          <a:prstGeom prst="rect">
+            <a:avLst/>
+          </a:prstGeom>
+        </p:spPr>
+        <p:txBody>
+          <a:bodyPr anchorCtr="0" anchor="t" bIns="91425" lIns="91425" spcFirstLastPara="1" rIns="91425" wrap="square" tIns="91425">
+            <a:noAutofit/>
+          </a:bodyPr>
+          <a:lstStyle/>
+          <a:p>
+            <a:pPr indent="0" lvl="0" marL="0" rtl="0" algn="l">
+              <a:spcBef>
+                <a:spcPts val="0"/>
+              </a:spcBef>
+              <a:spcAft>
+                <a:spcPts val="0"/>
+              </a:spcAft>
+              <a:buNone/>
+            </a:pPr>
+            <a:r>
+              <a:t/>
+            </a:r>
+            <a:endParaRPr/>
+          </a:p>
+        </p:txBody>
+      </p:sp>
+      <p:sp>
+        <p:nvSpPr>
+          <p:cNvPr id="257" name="Google Shape;257;p25:notes"/>
           <p:cNvSpPr/>
           <p:nvPr>
             <p:ph idx="2" type="sldImg"/>
@@ -2505,7 +2705,7 @@
       </p:grpSpPr>
       <p:sp>
         <p:nvSpPr>
-          <p:cNvPr id="124" name="Google Shape;124;p4:notes"/>
+          <p:cNvPr id="124" name="Google Shape;124;g2c4b658579b_3_1:notes"/>
           <p:cNvSpPr txBox="1"/>
           <p:nvPr>
             <p:ph idx="1" type="body"/>
@@ -2544,7 +2744,7 @@
       </p:sp>
       <p:sp>
         <p:nvSpPr>
-          <p:cNvPr id="125" name="Google Shape;125;p4:notes"/>
+          <p:cNvPr id="125" name="Google Shape;125;g2c4b658579b_3_1:notes"/>
           <p:cNvSpPr/>
           <p:nvPr>
             <p:ph idx="2" type="sldImg"/>
@@ -2553,7 +2753,7 @@
         <p:spPr>
           <a:xfrm>
             <a:off x="1143225" y="685800"/>
-            <a:ext cx="4572225" cy="3429000"/>
+            <a:ext cx="4572300" cy="3429000"/>
           </a:xfrm>
           <a:custGeom>
             <a:rect b="b" l="l" r="r" t="t"/>
@@ -2604,7 +2804,7 @@
       </p:grpSpPr>
       <p:sp>
         <p:nvSpPr>
-          <p:cNvPr id="130" name="Google Shape;130;p5:notes"/>
+          <p:cNvPr id="130" name="Google Shape;130;p4:notes"/>
           <p:cNvSpPr txBox="1"/>
           <p:nvPr>
             <p:ph idx="1" type="body"/>
@@ -2643,7 +2843,7 @@
       </p:sp>
       <p:sp>
         <p:nvSpPr>
-          <p:cNvPr id="131" name="Google Shape;131;p5:notes"/>
+          <p:cNvPr id="131" name="Google Shape;131;p4:notes"/>
           <p:cNvSpPr/>
           <p:nvPr>
             <p:ph idx="2" type="sldImg"/>
@@ -2703,7 +2903,7 @@
       </p:grpSpPr>
       <p:sp>
         <p:nvSpPr>
-          <p:cNvPr id="136" name="Google Shape;136;p6:notes"/>
+          <p:cNvPr id="136" name="Google Shape;136;p5:notes"/>
           <p:cNvSpPr txBox="1"/>
           <p:nvPr>
             <p:ph idx="1" type="body"/>
@@ -2742,7 +2942,7 @@
       </p:sp>
       <p:sp>
         <p:nvSpPr>
-          <p:cNvPr id="137" name="Google Shape;137;p6:notes"/>
+          <p:cNvPr id="137" name="Google Shape;137;p5:notes"/>
           <p:cNvSpPr/>
           <p:nvPr>
             <p:ph idx="2" type="sldImg"/>
@@ -2802,7 +3002,7 @@
       </p:grpSpPr>
       <p:sp>
         <p:nvSpPr>
-          <p:cNvPr id="142" name="Google Shape;142;p7:notes"/>
+          <p:cNvPr id="142" name="Google Shape;142;p6:notes"/>
           <p:cNvSpPr txBox="1"/>
           <p:nvPr>
             <p:ph idx="1" type="body"/>
@@ -2841,7 +3041,7 @@
       </p:sp>
       <p:sp>
         <p:nvSpPr>
-          <p:cNvPr id="143" name="Google Shape;143;p7:notes"/>
+          <p:cNvPr id="143" name="Google Shape;143;p6:notes"/>
           <p:cNvSpPr/>
           <p:nvPr>
             <p:ph idx="2" type="sldImg"/>
@@ -2887,7 +3087,7 @@
   <p:cSld>
     <p:spTree>
       <p:nvGrpSpPr>
-        <p:cNvPr id="148" name="Shape 148"/>
+        <p:cNvPr id="147" name="Shape 147"/>
         <p:cNvGrpSpPr/>
         <p:nvPr/>
       </p:nvGrpSpPr>
@@ -2901,7 +3101,7 @@
       </p:grpSpPr>
       <p:sp>
         <p:nvSpPr>
-          <p:cNvPr id="149" name="Google Shape;149;p8:notes"/>
+          <p:cNvPr id="148" name="Google Shape;148;p7:notes"/>
           <p:cNvSpPr txBox="1"/>
           <p:nvPr>
             <p:ph idx="1" type="body"/>
@@ -2940,7 +3140,7 @@
       </p:sp>
       <p:sp>
         <p:nvSpPr>
-          <p:cNvPr id="150" name="Google Shape;150;p8:notes"/>
+          <p:cNvPr id="149" name="Google Shape;149;p7:notes"/>
           <p:cNvSpPr/>
           <p:nvPr>
             <p:ph idx="2" type="sldImg"/>
@@ -13644,7 +13844,7 @@
   <p:cSld>
     <p:spTree>
       <p:nvGrpSpPr>
-        <p:cNvPr id="158" name="Shape 158"/>
+        <p:cNvPr id="157" name="Shape 157"/>
         <p:cNvGrpSpPr/>
         <p:nvPr/>
       </p:nvGrpSpPr>
@@ -13658,7 +13858,143 @@
       </p:grpSpPr>
       <p:sp>
         <p:nvSpPr>
-          <p:cNvPr id="159" name="Google Shape;159;p9"/>
+          <p:cNvPr id="158" name="Google Shape;158;p8"/>
+          <p:cNvSpPr txBox="1"/>
+          <p:nvPr>
+            <p:ph type="title"/>
+          </p:nvPr>
+        </p:nvSpPr>
+        <p:spPr>
+          <a:xfrm>
+            <a:off x="581193" y="729658"/>
+            <a:ext cx="11029616" cy="988332"/>
+          </a:xfrm>
+          <a:prstGeom prst="rect">
+            <a:avLst/>
+          </a:prstGeom>
+          <a:noFill/>
+          <a:ln>
+            <a:noFill/>
+          </a:ln>
+        </p:spPr>
+        <p:txBody>
+          <a:bodyPr anchorCtr="0" anchor="b" bIns="45700" lIns="91425" spcFirstLastPara="1" rIns="91425" wrap="square" tIns="45700">
+            <a:normAutofit/>
+          </a:bodyPr>
+          <a:lstStyle/>
+          <a:p>
+            <a:pPr indent="0" lvl="0" marL="0" rtl="0" algn="l">
+              <a:spcBef>
+                <a:spcPts val="0"/>
+              </a:spcBef>
+              <a:spcAft>
+                <a:spcPts val="0"/>
+              </a:spcAft>
+              <a:buClr>
+                <a:schemeClr val="lt1"/>
+              </a:buClr>
+              <a:buSzPts val="2800"/>
+              <a:buFont typeface="Gill Sans"/>
+              <a:buNone/>
+            </a:pPr>
+            <a:r>
+              <a:rPr lang="en-US"/>
+              <a:t>HOW DOES THE STOCK PRICE CHANGE OVER TIME</a:t>
+            </a:r>
+            <a:r>
+              <a:rPr lang="en-US"/>
+              <a:t>?</a:t>
+            </a:r>
+            <a:endParaRPr/>
+          </a:p>
+        </p:txBody>
+      </p:sp>
+      <p:pic>
+        <p:nvPicPr>
+          <p:cNvPr id="159" name="Google Shape;159;p8"/>
+          <p:cNvPicPr preferRelativeResize="0"/>
+          <p:nvPr>
+            <p:ph idx="2" type="body"/>
+          </p:nvPr>
+        </p:nvPicPr>
+        <p:blipFill rotWithShape="1">
+          <a:blip r:embed="rId3">
+            <a:alphaModFix/>
+          </a:blip>
+          <a:srcRect b="0" l="0" r="0" t="0"/>
+          <a:stretch/>
+        </p:blipFill>
+        <p:spPr>
+          <a:xfrm>
+            <a:off x="6188075" y="2471454"/>
+            <a:ext cx="5422900" cy="3145405"/>
+          </a:xfrm>
+          <a:prstGeom prst="rect">
+            <a:avLst/>
+          </a:prstGeom>
+          <a:noFill/>
+          <a:ln>
+            <a:noFill/>
+          </a:ln>
+        </p:spPr>
+      </p:pic>
+      <p:pic>
+        <p:nvPicPr>
+          <p:cNvPr id="160" name="Google Shape;160;p8"/>
+          <p:cNvPicPr preferRelativeResize="0"/>
+          <p:nvPr>
+            <p:ph idx="1" type="body"/>
+          </p:nvPr>
+        </p:nvPicPr>
+        <p:blipFill rotWithShape="1">
+          <a:blip r:embed="rId4">
+            <a:alphaModFix/>
+          </a:blip>
+          <a:srcRect b="0" l="0" r="0" t="0"/>
+          <a:stretch/>
+        </p:blipFill>
+        <p:spPr>
+          <a:xfrm>
+            <a:off x="581025" y="2458097"/>
+            <a:ext cx="5422900" cy="3172118"/>
+          </a:xfrm>
+          <a:prstGeom prst="rect">
+            <a:avLst/>
+          </a:prstGeom>
+          <a:noFill/>
+          <a:ln>
+            <a:noFill/>
+          </a:ln>
+        </p:spPr>
+      </p:pic>
+    </p:spTree>
+  </p:cSld>
+  <p:clrMapOvr>
+    <a:masterClrMapping/>
+  </p:clrMapOvr>
+</p:sld>
+</file>
+
+<file path=ppt/slides/slide11.xml><?xml version="1.0" encoding="utf-8"?>
+<p:sld xmlns:a="http://schemas.openxmlformats.org/drawingml/2006/main" xmlns:r="http://schemas.openxmlformats.org/officeDocument/2006/relationships" xmlns:mc="http://schemas.openxmlformats.org/markup-compatibility/2006" xmlns:mv="urn:schemas-microsoft-com:mac:vml" xmlns:p="http://schemas.openxmlformats.org/presentationml/2006/main" xmlns:c="http://schemas.openxmlformats.org/drawingml/2006/chart" xmlns:dgm="http://schemas.openxmlformats.org/drawingml/2006/diagram" xmlns:o="urn:schemas-microsoft-com:office:office" xmlns:v="urn:schemas-microsoft-com:vml" xmlns:pvml="urn:schemas-microsoft-com:office:powerpoint" xmlns:com="http://schemas.openxmlformats.org/drawingml/2006/compatibility" xmlns:p14="http://schemas.microsoft.com/office/powerpoint/2010/main" xmlns:p15="http://schemas.microsoft.com/office/powerpoint/2012/main" xmlns:ahyp="http://schemas.microsoft.com/office/drawing/2018/hyperlinkcolor">
+  <p:cSld>
+    <p:spTree>
+      <p:nvGrpSpPr>
+        <p:cNvPr id="164" name="Shape 164"/>
+        <p:cNvGrpSpPr/>
+        <p:nvPr/>
+      </p:nvGrpSpPr>
+      <p:grpSpPr>
+        <a:xfrm>
+          <a:off x="0" y="0"/>
+          <a:ext cx="0" cy="0"/>
+          <a:chOff x="0" y="0"/>
+          <a:chExt cx="0" cy="0"/>
+        </a:xfrm>
+      </p:grpSpPr>
+      <p:sp>
+        <p:nvSpPr>
+          <p:cNvPr id="165" name="Google Shape;165;p9"/>
           <p:cNvSpPr txBox="1"/>
           <p:nvPr>
             <p:ph type="title"/>
@@ -13711,7 +14047,7 @@
       </p:sp>
       <p:sp>
         <p:nvSpPr>
-          <p:cNvPr id="160" name="Google Shape;160;p9"/>
+          <p:cNvPr id="166" name="Google Shape;166;p9"/>
           <p:cNvSpPr txBox="1"/>
           <p:nvPr/>
         </p:nvSpPr>
@@ -13769,7 +14105,7 @@
       </p:sp>
       <p:sp>
         <p:nvSpPr>
-          <p:cNvPr id="161" name="Google Shape;161;p9"/>
+          <p:cNvPr id="167" name="Google Shape;167;p9"/>
           <p:cNvSpPr/>
           <p:nvPr/>
         </p:nvSpPr>
@@ -13826,7 +14162,7 @@
       </p:sp>
       <p:pic>
         <p:nvPicPr>
-          <p:cNvPr id="162" name="Google Shape;162;p9"/>
+          <p:cNvPr id="168" name="Google Shape;168;p9"/>
           <p:cNvPicPr preferRelativeResize="0"/>
           <p:nvPr>
             <p:ph idx="1" type="body"/>
@@ -13861,12 +14197,12 @@
 </p:sld>
 </file>
 
-<file path=ppt/slides/slide11.xml><?xml version="1.0" encoding="utf-8"?>
+<file path=ppt/slides/slide12.xml><?xml version="1.0" encoding="utf-8"?>
 <p:sld xmlns:a="http://schemas.openxmlformats.org/drawingml/2006/main" xmlns:r="http://schemas.openxmlformats.org/officeDocument/2006/relationships" xmlns:mc="http://schemas.openxmlformats.org/markup-compatibility/2006" xmlns:mv="urn:schemas-microsoft-com:mac:vml" xmlns:p="http://schemas.openxmlformats.org/presentationml/2006/main" xmlns:c="http://schemas.openxmlformats.org/drawingml/2006/chart" xmlns:dgm="http://schemas.openxmlformats.org/drawingml/2006/diagram" xmlns:o="urn:schemas-microsoft-com:office:office" xmlns:v="urn:schemas-microsoft-com:vml" xmlns:pvml="urn:schemas-microsoft-com:office:powerpoint" xmlns:com="http://schemas.openxmlformats.org/drawingml/2006/compatibility" xmlns:p14="http://schemas.microsoft.com/office/powerpoint/2010/main" xmlns:p15="http://schemas.microsoft.com/office/powerpoint/2012/main" xmlns:ahyp="http://schemas.microsoft.com/office/drawing/2018/hyperlinkcolor">
   <p:cSld>
     <p:spTree>
       <p:nvGrpSpPr>
-        <p:cNvPr id="166" name="Shape 166"/>
+        <p:cNvPr id="172" name="Shape 172"/>
         <p:cNvGrpSpPr/>
         <p:nvPr/>
       </p:nvGrpSpPr>
@@ -13880,7 +14216,7 @@
       </p:grpSpPr>
       <p:sp>
         <p:nvSpPr>
-          <p:cNvPr id="167" name="Google Shape;167;p10"/>
+          <p:cNvPr id="173" name="Google Shape;173;p10"/>
           <p:cNvSpPr txBox="1"/>
           <p:nvPr>
             <p:ph type="title"/>
@@ -13933,7 +14269,7 @@
       </p:sp>
       <p:sp>
         <p:nvSpPr>
-          <p:cNvPr id="168" name="Google Shape;168;p10"/>
+          <p:cNvPr id="174" name="Google Shape;174;p10"/>
           <p:cNvSpPr/>
           <p:nvPr/>
         </p:nvSpPr>
@@ -13984,7 +14320,7 @@
       </p:sp>
       <p:sp>
         <p:nvSpPr>
-          <p:cNvPr id="169" name="Google Shape;169;p10"/>
+          <p:cNvPr id="175" name="Google Shape;175;p10"/>
           <p:cNvSpPr txBox="1"/>
           <p:nvPr/>
         </p:nvSpPr>
@@ -14136,7 +14472,7 @@
       </p:sp>
       <p:pic>
         <p:nvPicPr>
-          <p:cNvPr id="170" name="Google Shape;170;p10"/>
+          <p:cNvPr id="176" name="Google Shape;176;p10"/>
           <p:cNvPicPr preferRelativeResize="0"/>
           <p:nvPr/>
         </p:nvPicPr>
@@ -14169,12 +14505,12 @@
 </p:sld>
 </file>
 
-<file path=ppt/slides/slide12.xml><?xml version="1.0" encoding="utf-8"?>
+<file path=ppt/slides/slide13.xml><?xml version="1.0" encoding="utf-8"?>
 <p:sld xmlns:a="http://schemas.openxmlformats.org/drawingml/2006/main" xmlns:r="http://schemas.openxmlformats.org/officeDocument/2006/relationships" xmlns:mc="http://schemas.openxmlformats.org/markup-compatibility/2006" xmlns:mv="urn:schemas-microsoft-com:mac:vml" xmlns:p="http://schemas.openxmlformats.org/presentationml/2006/main" xmlns:c="http://schemas.openxmlformats.org/drawingml/2006/chart" xmlns:dgm="http://schemas.openxmlformats.org/drawingml/2006/diagram" xmlns:o="urn:schemas-microsoft-com:office:office" xmlns:v="urn:schemas-microsoft-com:vml" xmlns:pvml="urn:schemas-microsoft-com:office:powerpoint" xmlns:com="http://schemas.openxmlformats.org/drawingml/2006/compatibility" xmlns:p14="http://schemas.microsoft.com/office/powerpoint/2010/main" xmlns:p15="http://schemas.microsoft.com/office/powerpoint/2012/main" xmlns:ahyp="http://schemas.microsoft.com/office/drawing/2018/hyperlinkcolor">
   <p:cSld>
     <p:spTree>
       <p:nvGrpSpPr>
-        <p:cNvPr id="174" name="Shape 174"/>
+        <p:cNvPr id="180" name="Shape 180"/>
         <p:cNvGrpSpPr/>
         <p:nvPr/>
       </p:nvGrpSpPr>
@@ -14188,7 +14524,7 @@
       </p:grpSpPr>
       <p:sp>
         <p:nvSpPr>
-          <p:cNvPr id="175" name="Google Shape;175;p12"/>
+          <p:cNvPr id="181" name="Google Shape;181;p12"/>
           <p:cNvSpPr txBox="1"/>
           <p:nvPr>
             <p:ph type="title"/>
@@ -14237,7 +14573,7 @@
       </p:sp>
       <p:pic>
         <p:nvPicPr>
-          <p:cNvPr id="176" name="Google Shape;176;p12"/>
+          <p:cNvPr id="182" name="Google Shape;182;p12"/>
           <p:cNvPicPr preferRelativeResize="0"/>
           <p:nvPr>
             <p:ph idx="1" type="body"/>
@@ -14266,7 +14602,7 @@
       </p:pic>
       <p:sp>
         <p:nvSpPr>
-          <p:cNvPr id="177" name="Google Shape;177;p12"/>
+          <p:cNvPr id="183" name="Google Shape;183;p12"/>
           <p:cNvSpPr txBox="1"/>
           <p:nvPr/>
         </p:nvSpPr>
@@ -14463,119 +14799,6 @@
           </a:p>
         </p:txBody>
       </p:sp>
-    </p:spTree>
-  </p:cSld>
-  <p:clrMapOvr>
-    <a:masterClrMapping/>
-  </p:clrMapOvr>
-</p:sld>
-</file>
-
-<file path=ppt/slides/slide13.xml><?xml version="1.0" encoding="utf-8"?>
-<p:sld xmlns:a="http://schemas.openxmlformats.org/drawingml/2006/main" xmlns:r="http://schemas.openxmlformats.org/officeDocument/2006/relationships" xmlns:mc="http://schemas.openxmlformats.org/markup-compatibility/2006" xmlns:mv="urn:schemas-microsoft-com:mac:vml" xmlns:p="http://schemas.openxmlformats.org/presentationml/2006/main" xmlns:c="http://schemas.openxmlformats.org/drawingml/2006/chart" xmlns:dgm="http://schemas.openxmlformats.org/drawingml/2006/diagram" xmlns:o="urn:schemas-microsoft-com:office:office" xmlns:v="urn:schemas-microsoft-com:vml" xmlns:pvml="urn:schemas-microsoft-com:office:powerpoint" xmlns:com="http://schemas.openxmlformats.org/drawingml/2006/compatibility" xmlns:p14="http://schemas.microsoft.com/office/powerpoint/2010/main" xmlns:p15="http://schemas.microsoft.com/office/powerpoint/2012/main" xmlns:ahyp="http://schemas.microsoft.com/office/drawing/2018/hyperlinkcolor">
-  <p:cSld>
-    <p:spTree>
-      <p:nvGrpSpPr>
-        <p:cNvPr id="181" name="Shape 181"/>
-        <p:cNvGrpSpPr/>
-        <p:nvPr/>
-      </p:nvGrpSpPr>
-      <p:grpSpPr>
-        <a:xfrm>
-          <a:off x="0" y="0"/>
-          <a:ext cx="0" cy="0"/>
-          <a:chOff x="0" y="0"/>
-          <a:chExt cx="0" cy="0"/>
-        </a:xfrm>
-      </p:grpSpPr>
-      <p:sp>
-        <p:nvSpPr>
-          <p:cNvPr id="182" name="Google Shape;182;g2c48598d1a9_3_0"/>
-          <p:cNvSpPr txBox="1"/>
-          <p:nvPr>
-            <p:ph type="title"/>
-          </p:nvPr>
-        </p:nvSpPr>
-        <p:spPr>
-          <a:xfrm>
-            <a:off x="581192" y="702156"/>
-            <a:ext cx="11029500" cy="1013700"/>
-          </a:xfrm>
-          <a:prstGeom prst="rect">
-            <a:avLst/>
-          </a:prstGeom>
-        </p:spPr>
-        <p:txBody>
-          <a:bodyPr anchorCtr="0" anchor="b" bIns="45700" lIns="91425" spcFirstLastPara="1" rIns="91425" wrap="square" tIns="45700">
-            <a:normAutofit/>
-          </a:bodyPr>
-          <a:lstStyle/>
-          <a:p>
-            <a:pPr indent="0" lvl="0" marL="0" rtl="0" algn="l">
-              <a:spcBef>
-                <a:spcPts val="0"/>
-              </a:spcBef>
-              <a:spcAft>
-                <a:spcPts val="0"/>
-              </a:spcAft>
-              <a:buClr>
-                <a:schemeClr val="lt1"/>
-              </a:buClr>
-              <a:buSzPts val="2800"/>
-              <a:buFont typeface="Gill Sans"/>
-              <a:buNone/>
-            </a:pPr>
-            <a:r>
-              <a:rPr lang="en-US"/>
-              <a:t>HOW ARE DIVIDENDS TREATED BY THE COMPANY?</a:t>
-            </a:r>
-            <a:endParaRPr/>
-          </a:p>
-          <a:p>
-            <a:pPr indent="0" lvl="0" marL="0" rtl="0" algn="l">
-              <a:spcBef>
-                <a:spcPts val="0"/>
-              </a:spcBef>
-              <a:spcAft>
-                <a:spcPts val="0"/>
-              </a:spcAft>
-              <a:buNone/>
-            </a:pPr>
-            <a:r>
-              <a:t/>
-            </a:r>
-            <a:endParaRPr/>
-          </a:p>
-        </p:txBody>
-      </p:sp>
-      <p:pic>
-        <p:nvPicPr>
-          <p:cNvPr id="183" name="Google Shape;183;g2c48598d1a9_3_0"/>
-          <p:cNvPicPr preferRelativeResize="0"/>
-          <p:nvPr/>
-        </p:nvPicPr>
-        <p:blipFill>
-          <a:blip r:embed="rId3">
-            <a:alphaModFix/>
-          </a:blip>
-          <a:stretch>
-            <a:fillRect/>
-          </a:stretch>
-        </p:blipFill>
-        <p:spPr>
-          <a:xfrm>
-            <a:off x="2450000" y="1864006"/>
-            <a:ext cx="6548450" cy="4837343"/>
-          </a:xfrm>
-          <a:prstGeom prst="rect">
-            <a:avLst/>
-          </a:prstGeom>
-          <a:noFill/>
-          <a:ln>
-            <a:noFill/>
-          </a:ln>
-        </p:spPr>
-      </p:pic>
     </p:spTree>
   </p:cSld>
   <p:clrMapOvr>
@@ -14603,7 +14826,7 @@
       </p:grpSpPr>
       <p:sp>
         <p:nvSpPr>
-          <p:cNvPr id="188" name="Google Shape;188;p14"/>
+          <p:cNvPr id="188" name="Google Shape;188;g2c48598d1a9_3_0"/>
           <p:cNvSpPr txBox="1"/>
           <p:nvPr>
             <p:ph type="title"/>
@@ -14612,15 +14835,11 @@
         <p:spPr>
           <a:xfrm>
             <a:off x="581192" y="702156"/>
-            <a:ext cx="11029616" cy="1013800"/>
+            <a:ext cx="11029500" cy="1013700"/>
           </a:xfrm>
           <a:prstGeom prst="rect">
             <a:avLst/>
           </a:prstGeom>
-          <a:noFill/>
-          <a:ln>
-            <a:noFill/>
-          </a:ln>
         </p:spPr>
         <p:txBody>
           <a:bodyPr anchorCtr="0" anchor="b" bIns="45700" lIns="91425" spcFirstLastPara="1" rIns="91425" wrap="square" tIns="45700">
@@ -14644,7 +14863,22 @@
             </a:pPr>
             <a:r>
               <a:rPr lang="en-US"/>
-              <a:t>HOW VOLATILE IS THE STOCK?</a:t>
+              <a:t>HOW ARE DIVIDENDS TREATED BY THE COMPANY?</a:t>
+            </a:r>
+            <a:endParaRPr/>
+          </a:p>
+          <a:p>
+            <a:pPr indent="0" lvl="0" marL="0" rtl="0" algn="l">
+              <a:spcBef>
+                <a:spcPts val="0"/>
+              </a:spcBef>
+              <a:spcAft>
+                <a:spcPts val="0"/>
+              </a:spcAft>
+              <a:buNone/>
+            </a:pPr>
+            <a:r>
+              <a:t/>
             </a:r>
             <a:endParaRPr/>
           </a:p>
@@ -14652,7 +14886,7 @@
       </p:sp>
       <p:pic>
         <p:nvPicPr>
-          <p:cNvPr id="189" name="Google Shape;189;p14"/>
+          <p:cNvPr id="189" name="Google Shape;189;g2c48598d1a9_3_0"/>
           <p:cNvPicPr preferRelativeResize="0"/>
           <p:nvPr/>
         </p:nvPicPr>
@@ -14666,8 +14900,8 @@
         </p:blipFill>
         <p:spPr>
           <a:xfrm>
-            <a:off x="2188900" y="1885781"/>
-            <a:ext cx="8071235" cy="4837244"/>
+            <a:off x="2450000" y="1864006"/>
+            <a:ext cx="6548450" cy="4837343"/>
           </a:xfrm>
           <a:prstGeom prst="rect">
             <a:avLst/>
@@ -14705,7 +14939,7 @@
       </p:grpSpPr>
       <p:sp>
         <p:nvSpPr>
-          <p:cNvPr id="194" name="Google Shape;194;p15"/>
+          <p:cNvPr id="194" name="Google Shape;194;p14"/>
           <p:cNvSpPr txBox="1"/>
           <p:nvPr>
             <p:ph type="title"/>
@@ -14754,21 +14988,22 @@
       </p:sp>
       <p:pic>
         <p:nvPicPr>
-          <p:cNvPr id="195" name="Google Shape;195;p15"/>
+          <p:cNvPr id="195" name="Google Shape;195;p14"/>
           <p:cNvPicPr preferRelativeResize="0"/>
           <p:nvPr/>
         </p:nvPicPr>
-        <p:blipFill rotWithShape="1">
+        <p:blipFill>
           <a:blip r:embed="rId3">
             <a:alphaModFix/>
           </a:blip>
-          <a:srcRect b="0" l="0" r="0" t="0"/>
-          <a:stretch/>
+          <a:stretch>
+            <a:fillRect/>
+          </a:stretch>
         </p:blipFill>
         <p:spPr>
           <a:xfrm>
-            <a:off x="998537" y="1878012"/>
-            <a:ext cx="9560438" cy="4764088"/>
+            <a:off x="2188900" y="1885781"/>
+            <a:ext cx="8071235" cy="4837244"/>
           </a:xfrm>
           <a:prstGeom prst="rect">
             <a:avLst/>
@@ -14806,7 +15041,7 @@
       </p:grpSpPr>
       <p:sp>
         <p:nvSpPr>
-          <p:cNvPr id="200" name="Google Shape;200;p20"/>
+          <p:cNvPr id="200" name="Google Shape;200;p15"/>
           <p:cNvSpPr txBox="1"/>
           <p:nvPr>
             <p:ph type="title"/>
@@ -14847,7 +15082,7 @@
             </a:pPr>
             <a:r>
               <a:rPr lang="en-US"/>
-              <a:t>WHAT IS THE RETURN ON INVESTMENT?</a:t>
+              <a:t>HOW VOLATILE IS THE STOCK?</a:t>
             </a:r>
             <a:endParaRPr/>
           </a:p>
@@ -14855,7 +15090,108 @@
       </p:sp>
       <p:pic>
         <p:nvPicPr>
-          <p:cNvPr id="201" name="Google Shape;201;p20"/>
+          <p:cNvPr id="201" name="Google Shape;201;p15"/>
+          <p:cNvPicPr preferRelativeResize="0"/>
+          <p:nvPr/>
+        </p:nvPicPr>
+        <p:blipFill rotWithShape="1">
+          <a:blip r:embed="rId3">
+            <a:alphaModFix/>
+          </a:blip>
+          <a:srcRect b="0" l="0" r="0" t="0"/>
+          <a:stretch/>
+        </p:blipFill>
+        <p:spPr>
+          <a:xfrm>
+            <a:off x="998537" y="1878012"/>
+            <a:ext cx="9560438" cy="4764088"/>
+          </a:xfrm>
+          <a:prstGeom prst="rect">
+            <a:avLst/>
+          </a:prstGeom>
+          <a:noFill/>
+          <a:ln>
+            <a:noFill/>
+          </a:ln>
+        </p:spPr>
+      </p:pic>
+    </p:spTree>
+  </p:cSld>
+  <p:clrMapOvr>
+    <a:masterClrMapping/>
+  </p:clrMapOvr>
+</p:sld>
+</file>
+
+<file path=ppt/slides/slide17.xml><?xml version="1.0" encoding="utf-8"?>
+<p:sld xmlns:a="http://schemas.openxmlformats.org/drawingml/2006/main" xmlns:r="http://schemas.openxmlformats.org/officeDocument/2006/relationships" xmlns:mc="http://schemas.openxmlformats.org/markup-compatibility/2006" xmlns:mv="urn:schemas-microsoft-com:mac:vml" xmlns:p="http://schemas.openxmlformats.org/presentationml/2006/main" xmlns:c="http://schemas.openxmlformats.org/drawingml/2006/chart" xmlns:dgm="http://schemas.openxmlformats.org/drawingml/2006/diagram" xmlns:o="urn:schemas-microsoft-com:office:office" xmlns:v="urn:schemas-microsoft-com:vml" xmlns:pvml="urn:schemas-microsoft-com:office:powerpoint" xmlns:com="http://schemas.openxmlformats.org/drawingml/2006/compatibility" xmlns:p14="http://schemas.microsoft.com/office/powerpoint/2010/main" xmlns:p15="http://schemas.microsoft.com/office/powerpoint/2012/main" xmlns:ahyp="http://schemas.microsoft.com/office/drawing/2018/hyperlinkcolor">
+  <p:cSld>
+    <p:spTree>
+      <p:nvGrpSpPr>
+        <p:cNvPr id="205" name="Shape 205"/>
+        <p:cNvGrpSpPr/>
+        <p:nvPr/>
+      </p:nvGrpSpPr>
+      <p:grpSpPr>
+        <a:xfrm>
+          <a:off x="0" y="0"/>
+          <a:ext cx="0" cy="0"/>
+          <a:chOff x="0" y="0"/>
+          <a:chExt cx="0" cy="0"/>
+        </a:xfrm>
+      </p:grpSpPr>
+      <p:sp>
+        <p:nvSpPr>
+          <p:cNvPr id="206" name="Google Shape;206;p20"/>
+          <p:cNvSpPr txBox="1"/>
+          <p:nvPr>
+            <p:ph type="title"/>
+          </p:nvPr>
+        </p:nvSpPr>
+        <p:spPr>
+          <a:xfrm>
+            <a:off x="581192" y="702156"/>
+            <a:ext cx="11029616" cy="1013800"/>
+          </a:xfrm>
+          <a:prstGeom prst="rect">
+            <a:avLst/>
+          </a:prstGeom>
+          <a:noFill/>
+          <a:ln>
+            <a:noFill/>
+          </a:ln>
+        </p:spPr>
+        <p:txBody>
+          <a:bodyPr anchorCtr="0" anchor="b" bIns="45700" lIns="91425" spcFirstLastPara="1" rIns="91425" wrap="square" tIns="45700">
+            <a:normAutofit/>
+          </a:bodyPr>
+          <a:lstStyle/>
+          <a:p>
+            <a:pPr indent="0" lvl="0" marL="0" rtl="0" algn="l">
+              <a:spcBef>
+                <a:spcPts val="0"/>
+              </a:spcBef>
+              <a:spcAft>
+                <a:spcPts val="0"/>
+              </a:spcAft>
+              <a:buClr>
+                <a:schemeClr val="lt1"/>
+              </a:buClr>
+              <a:buSzPts val="2800"/>
+              <a:buFont typeface="Gill Sans"/>
+              <a:buNone/>
+            </a:pPr>
+            <a:r>
+              <a:rPr lang="en-US"/>
+              <a:t>WHAT IS THE RETURN ON INVESTMENT?</a:t>
+            </a:r>
+            <a:endParaRPr/>
+          </a:p>
+        </p:txBody>
+      </p:sp>
+      <p:pic>
+        <p:nvPicPr>
+          <p:cNvPr id="207" name="Google Shape;207;p20"/>
           <p:cNvPicPr preferRelativeResize="0"/>
           <p:nvPr>
             <p:ph idx="1" type="body"/>
@@ -14884,7 +15220,7 @@
       </p:pic>
       <p:sp>
         <p:nvSpPr>
-          <p:cNvPr id="202" name="Google Shape;202;p20"/>
+          <p:cNvPr id="208" name="Google Shape;208;p20"/>
           <p:cNvSpPr txBox="1"/>
           <p:nvPr/>
         </p:nvSpPr>
@@ -15089,12 +15425,12 @@
 </p:sld>
 </file>
 
-<file path=ppt/slides/slide17.xml><?xml version="1.0" encoding="utf-8"?>
+<file path=ppt/slides/slide18.xml><?xml version="1.0" encoding="utf-8"?>
 <p:sld xmlns:a="http://schemas.openxmlformats.org/drawingml/2006/main" xmlns:r="http://schemas.openxmlformats.org/officeDocument/2006/relationships" xmlns:mc="http://schemas.openxmlformats.org/markup-compatibility/2006" xmlns:mv="urn:schemas-microsoft-com:mac:vml" xmlns:p="http://schemas.openxmlformats.org/presentationml/2006/main" xmlns:c="http://schemas.openxmlformats.org/drawingml/2006/chart" xmlns:dgm="http://schemas.openxmlformats.org/drawingml/2006/diagram" xmlns:o="urn:schemas-microsoft-com:office:office" xmlns:v="urn:schemas-microsoft-com:vml" xmlns:pvml="urn:schemas-microsoft-com:office:powerpoint" xmlns:com="http://schemas.openxmlformats.org/drawingml/2006/compatibility" xmlns:p14="http://schemas.microsoft.com/office/powerpoint/2010/main" xmlns:p15="http://schemas.microsoft.com/office/powerpoint/2012/main" xmlns:ahyp="http://schemas.microsoft.com/office/drawing/2018/hyperlinkcolor">
   <p:cSld>
     <p:spTree>
       <p:nvGrpSpPr>
-        <p:cNvPr id="206" name="Shape 206"/>
+        <p:cNvPr id="212" name="Shape 212"/>
         <p:cNvGrpSpPr/>
         <p:nvPr/>
       </p:nvGrpSpPr>
@@ -15108,7 +15444,7 @@
       </p:grpSpPr>
       <p:sp>
         <p:nvSpPr>
-          <p:cNvPr id="207" name="Google Shape;207;g2c4b658579b_0_3"/>
+          <p:cNvPr id="213" name="Google Shape;213;g2c4b658579b_0_3"/>
           <p:cNvSpPr txBox="1"/>
           <p:nvPr>
             <p:ph type="title"/>
@@ -15153,7 +15489,7 @@
       </p:sp>
       <p:sp>
         <p:nvSpPr>
-          <p:cNvPr id="208" name="Google Shape;208;g2c4b658579b_0_3"/>
+          <p:cNvPr id="214" name="Google Shape;214;g2c4b658579b_0_3"/>
           <p:cNvSpPr txBox="1"/>
           <p:nvPr>
             <p:ph idx="1" type="body"/>
@@ -15192,7 +15528,7 @@
       </p:sp>
       <p:pic>
         <p:nvPicPr>
-          <p:cNvPr id="209" name="Google Shape;209;g2c4b658579b_0_3"/>
+          <p:cNvPr id="215" name="Google Shape;215;g2c4b658579b_0_3"/>
           <p:cNvPicPr preferRelativeResize="0"/>
           <p:nvPr/>
         </p:nvPicPr>
@@ -15208,109 +15544,6 @@
           <a:xfrm>
             <a:off x="433988" y="1345859"/>
             <a:ext cx="11323925" cy="5858900"/>
-          </a:xfrm>
-          <a:prstGeom prst="rect">
-            <a:avLst/>
-          </a:prstGeom>
-          <a:noFill/>
-          <a:ln>
-            <a:noFill/>
-          </a:ln>
-        </p:spPr>
-      </p:pic>
-    </p:spTree>
-  </p:cSld>
-  <p:clrMapOvr>
-    <a:masterClrMapping/>
-  </p:clrMapOvr>
-</p:sld>
-</file>
-
-<file path=ppt/slides/slide18.xml><?xml version="1.0" encoding="utf-8"?>
-<p:sld xmlns:a="http://schemas.openxmlformats.org/drawingml/2006/main" xmlns:r="http://schemas.openxmlformats.org/officeDocument/2006/relationships" xmlns:mc="http://schemas.openxmlformats.org/markup-compatibility/2006" xmlns:mv="urn:schemas-microsoft-com:mac:vml" xmlns:p="http://schemas.openxmlformats.org/presentationml/2006/main" xmlns:c="http://schemas.openxmlformats.org/drawingml/2006/chart" xmlns:dgm="http://schemas.openxmlformats.org/drawingml/2006/diagram" xmlns:o="urn:schemas-microsoft-com:office:office" xmlns:v="urn:schemas-microsoft-com:vml" xmlns:pvml="urn:schemas-microsoft-com:office:powerpoint" xmlns:com="http://schemas.openxmlformats.org/drawingml/2006/compatibility" xmlns:p14="http://schemas.microsoft.com/office/powerpoint/2010/main" xmlns:p15="http://schemas.microsoft.com/office/powerpoint/2012/main" xmlns:ahyp="http://schemas.microsoft.com/office/drawing/2018/hyperlinkcolor">
-  <p:cSld>
-    <p:spTree>
-      <p:nvGrpSpPr>
-        <p:cNvPr id="213" name="Shape 213"/>
-        <p:cNvGrpSpPr/>
-        <p:nvPr/>
-      </p:nvGrpSpPr>
-      <p:grpSpPr>
-        <a:xfrm>
-          <a:off x="0" y="0"/>
-          <a:ext cx="0" cy="0"/>
-          <a:chOff x="0" y="0"/>
-          <a:chExt cx="0" cy="0"/>
-        </a:xfrm>
-      </p:grpSpPr>
-      <p:sp>
-        <p:nvSpPr>
-          <p:cNvPr id="214" name="Google Shape;214;p22"/>
-          <p:cNvSpPr txBox="1"/>
-          <p:nvPr>
-            <p:ph type="title"/>
-          </p:nvPr>
-        </p:nvSpPr>
-        <p:spPr>
-          <a:xfrm>
-            <a:off x="581192" y="702156"/>
-            <a:ext cx="11029616" cy="1013800"/>
-          </a:xfrm>
-          <a:prstGeom prst="rect">
-            <a:avLst/>
-          </a:prstGeom>
-          <a:noFill/>
-          <a:ln>
-            <a:noFill/>
-          </a:ln>
-        </p:spPr>
-        <p:txBody>
-          <a:bodyPr anchorCtr="0" anchor="b" bIns="45700" lIns="91425" spcFirstLastPara="1" rIns="91425" wrap="square" tIns="45700">
-            <a:normAutofit/>
-          </a:bodyPr>
-          <a:lstStyle/>
-          <a:p>
-            <a:pPr indent="0" lvl="0" marL="0" rtl="0" algn="l">
-              <a:spcBef>
-                <a:spcPts val="0"/>
-              </a:spcBef>
-              <a:spcAft>
-                <a:spcPts val="0"/>
-              </a:spcAft>
-              <a:buClr>
-                <a:schemeClr val="lt1"/>
-              </a:buClr>
-              <a:buSzPts val="2800"/>
-              <a:buFont typeface="Gill Sans"/>
-              <a:buNone/>
-            </a:pPr>
-            <a:r>
-              <a:rPr lang="en-US"/>
-              <a:t>IS PAST FINANCIAL PERFORMANCE A TRUE INDICATOR OR FUTURE FINANCIAL PERFORMANCE?</a:t>
-            </a:r>
-            <a:endParaRPr/>
-          </a:p>
-        </p:txBody>
-      </p:sp>
-      <p:pic>
-        <p:nvPicPr>
-          <p:cNvPr id="215" name="Google Shape;215;p22"/>
-          <p:cNvPicPr preferRelativeResize="0"/>
-          <p:nvPr>
-            <p:ph idx="1" type="body"/>
-          </p:nvPr>
-        </p:nvPicPr>
-        <p:blipFill rotWithShape="1">
-          <a:blip r:embed="rId3">
-            <a:alphaModFix/>
-          </a:blip>
-          <a:srcRect b="0" l="0" r="0" t="0"/>
-          <a:stretch/>
-        </p:blipFill>
-        <p:spPr>
-          <a:xfrm>
-            <a:off x="1765300" y="1886240"/>
-            <a:ext cx="8188015" cy="4857459"/>
           </a:xfrm>
           <a:prstGeom prst="rect">
             <a:avLst/>
@@ -15348,7 +15581,7 @@
       </p:grpSpPr>
       <p:sp>
         <p:nvSpPr>
-          <p:cNvPr id="220" name="Google Shape;220;g2c48598d1a9_3_5"/>
+          <p:cNvPr id="220" name="Google Shape;220;p22"/>
           <p:cNvSpPr txBox="1"/>
           <p:nvPr>
             <p:ph type="title"/>
@@ -15357,11 +15590,15 @@
         <p:spPr>
           <a:xfrm>
             <a:off x="581192" y="702156"/>
-            <a:ext cx="11029500" cy="1013700"/>
+            <a:ext cx="11029616" cy="1013800"/>
           </a:xfrm>
           <a:prstGeom prst="rect">
             <a:avLst/>
           </a:prstGeom>
+          <a:noFill/>
+          <a:ln>
+            <a:noFill/>
+          </a:ln>
         </p:spPr>
         <p:txBody>
           <a:bodyPr anchorCtr="0" anchor="b" bIns="45700" lIns="91425" spcFirstLastPara="1" rIns="91425" wrap="square" tIns="45700">
@@ -15393,22 +15630,23 @@
       </p:sp>
       <p:pic>
         <p:nvPicPr>
-          <p:cNvPr id="221" name="Google Shape;221;g2c48598d1a9_3_5"/>
+          <p:cNvPr id="221" name="Google Shape;221;p22"/>
           <p:cNvPicPr preferRelativeResize="0"/>
-          <p:nvPr/>
+          <p:nvPr>
+            <p:ph idx="1" type="body"/>
+          </p:nvPr>
         </p:nvPicPr>
-        <p:blipFill>
+        <p:blipFill rotWithShape="1">
           <a:blip r:embed="rId3">
             <a:alphaModFix/>
           </a:blip>
-          <a:stretch>
-            <a:fillRect/>
-          </a:stretch>
+          <a:srcRect b="0" l="0" r="0" t="0"/>
+          <a:stretch/>
         </p:blipFill>
         <p:spPr>
           <a:xfrm>
-            <a:off x="417176" y="1815451"/>
-            <a:ext cx="8198851" cy="4939675"/>
+            <a:off x="1765300" y="1886240"/>
+            <a:ext cx="8188015" cy="4857459"/>
           </a:xfrm>
           <a:prstGeom prst="rect">
             <a:avLst/>
@@ -15419,174 +15657,6 @@
           </a:ln>
         </p:spPr>
       </p:pic>
-      <p:sp>
-        <p:nvSpPr>
-          <p:cNvPr id="222" name="Google Shape;222;g2c48598d1a9_3_5"/>
-          <p:cNvSpPr txBox="1"/>
-          <p:nvPr/>
-        </p:nvSpPr>
-        <p:spPr>
-          <a:xfrm>
-            <a:off x="8616025" y="2140925"/>
-            <a:ext cx="3081000" cy="3786600"/>
-          </a:xfrm>
-          <a:prstGeom prst="rect">
-            <a:avLst/>
-          </a:prstGeom>
-          <a:noFill/>
-          <a:ln>
-            <a:noFill/>
-          </a:ln>
-        </p:spPr>
-        <p:txBody>
-          <a:bodyPr anchorCtr="0" anchor="t" bIns="91425" lIns="91425" spcFirstLastPara="1" rIns="91425" wrap="square" tIns="91425">
-            <a:spAutoFit/>
-          </a:bodyPr>
-          <a:lstStyle/>
-          <a:p>
-            <a:pPr indent="0" lvl="0" marL="0" rtl="0" algn="l">
-              <a:spcBef>
-                <a:spcPts val="0"/>
-              </a:spcBef>
-              <a:spcAft>
-                <a:spcPts val="0"/>
-              </a:spcAft>
-              <a:buNone/>
-            </a:pPr>
-            <a:r>
-              <a:rPr lang="en-US" sz="1800" u="sng">
-                <a:solidFill>
-                  <a:schemeClr val="dk2"/>
-                </a:solidFill>
-                <a:latin typeface="Gill Sans"/>
-                <a:ea typeface="Gill Sans"/>
-                <a:cs typeface="Gill Sans"/>
-                <a:sym typeface="Gill Sans"/>
-              </a:rPr>
-              <a:t>Assumptions:</a:t>
-            </a:r>
-            <a:endParaRPr sz="1800" u="sng">
-              <a:solidFill>
-                <a:schemeClr val="dk2"/>
-              </a:solidFill>
-              <a:latin typeface="Gill Sans"/>
-              <a:ea typeface="Gill Sans"/>
-              <a:cs typeface="Gill Sans"/>
-              <a:sym typeface="Gill Sans"/>
-            </a:endParaRPr>
-          </a:p>
-          <a:p>
-            <a:pPr indent="0" lvl="0" marL="0" rtl="0" algn="l">
-              <a:spcBef>
-                <a:spcPts val="0"/>
-              </a:spcBef>
-              <a:spcAft>
-                <a:spcPts val="0"/>
-              </a:spcAft>
-              <a:buNone/>
-            </a:pPr>
-            <a:r>
-              <a:t/>
-            </a:r>
-            <a:endParaRPr sz="1800" u="sng">
-              <a:solidFill>
-                <a:schemeClr val="dk2"/>
-              </a:solidFill>
-              <a:latin typeface="Gill Sans"/>
-              <a:ea typeface="Gill Sans"/>
-              <a:cs typeface="Gill Sans"/>
-              <a:sym typeface="Gill Sans"/>
-            </a:endParaRPr>
-          </a:p>
-          <a:p>
-            <a:pPr indent="0" lvl="0" marL="0" rtl="0" algn="l">
-              <a:spcBef>
-                <a:spcPts val="0"/>
-              </a:spcBef>
-              <a:spcAft>
-                <a:spcPts val="0"/>
-              </a:spcAft>
-              <a:buNone/>
-            </a:pPr>
-            <a:r>
-              <a:rPr lang="en-US" sz="1800">
-                <a:solidFill>
-                  <a:schemeClr val="dk2"/>
-                </a:solidFill>
-                <a:latin typeface="Gill Sans"/>
-                <a:ea typeface="Gill Sans"/>
-                <a:cs typeface="Gill Sans"/>
-                <a:sym typeface="Gill Sans"/>
-              </a:rPr>
-              <a:t>$1000 worth of stock was invested using the original opening price - and used to calculate the number of shares held.</a:t>
-            </a:r>
-            <a:endParaRPr sz="1800">
-              <a:solidFill>
-                <a:schemeClr val="dk2"/>
-              </a:solidFill>
-              <a:latin typeface="Gill Sans"/>
-              <a:ea typeface="Gill Sans"/>
-              <a:cs typeface="Gill Sans"/>
-              <a:sym typeface="Gill Sans"/>
-            </a:endParaRPr>
-          </a:p>
-          <a:p>
-            <a:pPr indent="0" lvl="0" marL="0" rtl="0" algn="l">
-              <a:spcBef>
-                <a:spcPts val="0"/>
-              </a:spcBef>
-              <a:spcAft>
-                <a:spcPts val="0"/>
-              </a:spcAft>
-              <a:buNone/>
-            </a:pPr>
-            <a:r>
-              <a:t/>
-            </a:r>
-            <a:endParaRPr sz="1800">
-              <a:solidFill>
-                <a:schemeClr val="dk2"/>
-              </a:solidFill>
-              <a:latin typeface="Gill Sans"/>
-              <a:ea typeface="Gill Sans"/>
-              <a:cs typeface="Gill Sans"/>
-              <a:sym typeface="Gill Sans"/>
-            </a:endParaRPr>
-          </a:p>
-          <a:p>
-            <a:pPr indent="0" lvl="0" marL="0" rtl="0" algn="l">
-              <a:spcBef>
-                <a:spcPts val="0"/>
-              </a:spcBef>
-              <a:spcAft>
-                <a:spcPts val="0"/>
-              </a:spcAft>
-              <a:buNone/>
-            </a:pPr>
-            <a:r>
-              <a:rPr lang="en-US" sz="1800">
-                <a:solidFill>
-                  <a:schemeClr val="dk2"/>
-                </a:solidFill>
-                <a:latin typeface="Gill Sans"/>
-                <a:ea typeface="Gill Sans"/>
-                <a:cs typeface="Gill Sans"/>
-                <a:sym typeface="Gill Sans"/>
-              </a:rPr>
-              <a:t>Dividend earnings is the number of shares held multiplied by the dividend per share to give a total amount per dividend issue..</a:t>
-            </a:r>
-            <a:endParaRPr sz="1800">
-              <a:solidFill>
-                <a:schemeClr val="dk2"/>
-              </a:solidFill>
-              <a:latin typeface="Gill Sans"/>
-              <a:ea typeface="Gill Sans"/>
-              <a:cs typeface="Gill Sans"/>
-              <a:sym typeface="Gill Sans"/>
-            </a:endParaRPr>
-          </a:p>
-        </p:txBody>
-      </p:sp>
     </p:spTree>
   </p:cSld>
   <p:clrMapOvr>
@@ -15818,7 +15888,7 @@
   <p:cSld>
     <p:spTree>
       <p:nvGrpSpPr>
-        <p:cNvPr id="226" name="Shape 226"/>
+        <p:cNvPr id="225" name="Shape 225"/>
         <p:cNvGrpSpPr/>
         <p:nvPr/>
       </p:nvGrpSpPr>
@@ -15832,7 +15902,273 @@
       </p:grpSpPr>
       <p:sp>
         <p:nvSpPr>
-          <p:cNvPr id="227" name="Google Shape;227;p18"/>
+          <p:cNvPr id="226" name="Google Shape;226;g2c48598d1a9_3_5"/>
+          <p:cNvSpPr txBox="1"/>
+          <p:nvPr>
+            <p:ph type="title"/>
+          </p:nvPr>
+        </p:nvSpPr>
+        <p:spPr>
+          <a:xfrm>
+            <a:off x="581192" y="702156"/>
+            <a:ext cx="11029500" cy="1013700"/>
+          </a:xfrm>
+          <a:prstGeom prst="rect">
+            <a:avLst/>
+          </a:prstGeom>
+        </p:spPr>
+        <p:txBody>
+          <a:bodyPr anchorCtr="0" anchor="b" bIns="45700" lIns="91425" spcFirstLastPara="1" rIns="91425" wrap="square" tIns="45700">
+            <a:normAutofit/>
+          </a:bodyPr>
+          <a:lstStyle/>
+          <a:p>
+            <a:pPr indent="0" lvl="0" marL="0" rtl="0" algn="l">
+              <a:spcBef>
+                <a:spcPts val="0"/>
+              </a:spcBef>
+              <a:spcAft>
+                <a:spcPts val="0"/>
+              </a:spcAft>
+              <a:buClr>
+                <a:schemeClr val="lt1"/>
+              </a:buClr>
+              <a:buSzPts val="2800"/>
+              <a:buFont typeface="Gill Sans"/>
+              <a:buNone/>
+            </a:pPr>
+            <a:r>
+              <a:rPr lang="en-US"/>
+              <a:t>IS PAST FINANCIAL PERFORMANCE A TRUE INDICATOR OR FUTURE FINANCIAL PERFORMANCE?</a:t>
+            </a:r>
+            <a:endParaRPr/>
+          </a:p>
+        </p:txBody>
+      </p:sp>
+      <p:pic>
+        <p:nvPicPr>
+          <p:cNvPr id="227" name="Google Shape;227;g2c48598d1a9_3_5"/>
+          <p:cNvPicPr preferRelativeResize="0"/>
+          <p:nvPr/>
+        </p:nvPicPr>
+        <p:blipFill>
+          <a:blip r:embed="rId3">
+            <a:alphaModFix/>
+          </a:blip>
+          <a:stretch>
+            <a:fillRect/>
+          </a:stretch>
+        </p:blipFill>
+        <p:spPr>
+          <a:xfrm>
+            <a:off x="417176" y="1815451"/>
+            <a:ext cx="8198851" cy="4939675"/>
+          </a:xfrm>
+          <a:prstGeom prst="rect">
+            <a:avLst/>
+          </a:prstGeom>
+          <a:noFill/>
+          <a:ln>
+            <a:noFill/>
+          </a:ln>
+        </p:spPr>
+      </p:pic>
+      <p:sp>
+        <p:nvSpPr>
+          <p:cNvPr id="228" name="Google Shape;228;g2c48598d1a9_3_5"/>
+          <p:cNvSpPr txBox="1"/>
+          <p:nvPr/>
+        </p:nvSpPr>
+        <p:spPr>
+          <a:xfrm>
+            <a:off x="8616025" y="2140925"/>
+            <a:ext cx="3081000" cy="3786600"/>
+          </a:xfrm>
+          <a:prstGeom prst="rect">
+            <a:avLst/>
+          </a:prstGeom>
+          <a:noFill/>
+          <a:ln>
+            <a:noFill/>
+          </a:ln>
+        </p:spPr>
+        <p:txBody>
+          <a:bodyPr anchorCtr="0" anchor="t" bIns="91425" lIns="91425" spcFirstLastPara="1" rIns="91425" wrap="square" tIns="91425">
+            <a:spAutoFit/>
+          </a:bodyPr>
+          <a:lstStyle/>
+          <a:p>
+            <a:pPr indent="0" lvl="0" marL="0" rtl="0" algn="l">
+              <a:spcBef>
+                <a:spcPts val="0"/>
+              </a:spcBef>
+              <a:spcAft>
+                <a:spcPts val="0"/>
+              </a:spcAft>
+              <a:buNone/>
+            </a:pPr>
+            <a:r>
+              <a:rPr lang="en-US" sz="1800" u="sng">
+                <a:solidFill>
+                  <a:schemeClr val="dk2"/>
+                </a:solidFill>
+                <a:latin typeface="Gill Sans"/>
+                <a:ea typeface="Gill Sans"/>
+                <a:cs typeface="Gill Sans"/>
+                <a:sym typeface="Gill Sans"/>
+              </a:rPr>
+              <a:t>Assumptions:</a:t>
+            </a:r>
+            <a:endParaRPr sz="1800" u="sng">
+              <a:solidFill>
+                <a:schemeClr val="dk2"/>
+              </a:solidFill>
+              <a:latin typeface="Gill Sans"/>
+              <a:ea typeface="Gill Sans"/>
+              <a:cs typeface="Gill Sans"/>
+              <a:sym typeface="Gill Sans"/>
+            </a:endParaRPr>
+          </a:p>
+          <a:p>
+            <a:pPr indent="0" lvl="0" marL="0" rtl="0" algn="l">
+              <a:spcBef>
+                <a:spcPts val="0"/>
+              </a:spcBef>
+              <a:spcAft>
+                <a:spcPts val="0"/>
+              </a:spcAft>
+              <a:buNone/>
+            </a:pPr>
+            <a:r>
+              <a:t/>
+            </a:r>
+            <a:endParaRPr sz="1800" u="sng">
+              <a:solidFill>
+                <a:schemeClr val="dk2"/>
+              </a:solidFill>
+              <a:latin typeface="Gill Sans"/>
+              <a:ea typeface="Gill Sans"/>
+              <a:cs typeface="Gill Sans"/>
+              <a:sym typeface="Gill Sans"/>
+            </a:endParaRPr>
+          </a:p>
+          <a:p>
+            <a:pPr indent="0" lvl="0" marL="0" rtl="0" algn="l">
+              <a:spcBef>
+                <a:spcPts val="0"/>
+              </a:spcBef>
+              <a:spcAft>
+                <a:spcPts val="0"/>
+              </a:spcAft>
+              <a:buNone/>
+            </a:pPr>
+            <a:r>
+              <a:rPr lang="en-US" sz="1800">
+                <a:solidFill>
+                  <a:schemeClr val="dk2"/>
+                </a:solidFill>
+                <a:latin typeface="Gill Sans"/>
+                <a:ea typeface="Gill Sans"/>
+                <a:cs typeface="Gill Sans"/>
+                <a:sym typeface="Gill Sans"/>
+              </a:rPr>
+              <a:t>$1000 worth of stock was invested using the original opening price - and used to calculate the number of shares held.</a:t>
+            </a:r>
+            <a:endParaRPr sz="1800">
+              <a:solidFill>
+                <a:schemeClr val="dk2"/>
+              </a:solidFill>
+              <a:latin typeface="Gill Sans"/>
+              <a:ea typeface="Gill Sans"/>
+              <a:cs typeface="Gill Sans"/>
+              <a:sym typeface="Gill Sans"/>
+            </a:endParaRPr>
+          </a:p>
+          <a:p>
+            <a:pPr indent="0" lvl="0" marL="0" rtl="0" algn="l">
+              <a:spcBef>
+                <a:spcPts val="0"/>
+              </a:spcBef>
+              <a:spcAft>
+                <a:spcPts val="0"/>
+              </a:spcAft>
+              <a:buNone/>
+            </a:pPr>
+            <a:r>
+              <a:t/>
+            </a:r>
+            <a:endParaRPr sz="1800">
+              <a:solidFill>
+                <a:schemeClr val="dk2"/>
+              </a:solidFill>
+              <a:latin typeface="Gill Sans"/>
+              <a:ea typeface="Gill Sans"/>
+              <a:cs typeface="Gill Sans"/>
+              <a:sym typeface="Gill Sans"/>
+            </a:endParaRPr>
+          </a:p>
+          <a:p>
+            <a:pPr indent="0" lvl="0" marL="0" rtl="0" algn="l">
+              <a:spcBef>
+                <a:spcPts val="0"/>
+              </a:spcBef>
+              <a:spcAft>
+                <a:spcPts val="0"/>
+              </a:spcAft>
+              <a:buNone/>
+            </a:pPr>
+            <a:r>
+              <a:rPr lang="en-US" sz="1800">
+                <a:solidFill>
+                  <a:schemeClr val="dk2"/>
+                </a:solidFill>
+                <a:latin typeface="Gill Sans"/>
+                <a:ea typeface="Gill Sans"/>
+                <a:cs typeface="Gill Sans"/>
+                <a:sym typeface="Gill Sans"/>
+              </a:rPr>
+              <a:t>Dividend earnings is the number of shares held multiplied by the dividend per share to give a total amount per dividend issue..</a:t>
+            </a:r>
+            <a:endParaRPr sz="1800">
+              <a:solidFill>
+                <a:schemeClr val="dk2"/>
+              </a:solidFill>
+              <a:latin typeface="Gill Sans"/>
+              <a:ea typeface="Gill Sans"/>
+              <a:cs typeface="Gill Sans"/>
+              <a:sym typeface="Gill Sans"/>
+            </a:endParaRPr>
+          </a:p>
+        </p:txBody>
+      </p:sp>
+    </p:spTree>
+  </p:cSld>
+  <p:clrMapOvr>
+    <a:masterClrMapping/>
+  </p:clrMapOvr>
+</p:sld>
+</file>
+
+<file path=ppt/slides/slide21.xml><?xml version="1.0" encoding="utf-8"?>
+<p:sld xmlns:a="http://schemas.openxmlformats.org/drawingml/2006/main" xmlns:r="http://schemas.openxmlformats.org/officeDocument/2006/relationships" xmlns:mc="http://schemas.openxmlformats.org/markup-compatibility/2006" xmlns:mv="urn:schemas-microsoft-com:mac:vml" xmlns:p="http://schemas.openxmlformats.org/presentationml/2006/main" xmlns:c="http://schemas.openxmlformats.org/drawingml/2006/chart" xmlns:dgm="http://schemas.openxmlformats.org/drawingml/2006/diagram" xmlns:o="urn:schemas-microsoft-com:office:office" xmlns:v="urn:schemas-microsoft-com:vml" xmlns:pvml="urn:schemas-microsoft-com:office:powerpoint" xmlns:com="http://schemas.openxmlformats.org/drawingml/2006/compatibility" xmlns:p14="http://schemas.microsoft.com/office/powerpoint/2010/main" xmlns:p15="http://schemas.microsoft.com/office/powerpoint/2012/main" xmlns:ahyp="http://schemas.microsoft.com/office/drawing/2018/hyperlinkcolor">
+  <p:cSld>
+    <p:spTree>
+      <p:nvGrpSpPr>
+        <p:cNvPr id="232" name="Shape 232"/>
+        <p:cNvGrpSpPr/>
+        <p:nvPr/>
+      </p:nvGrpSpPr>
+      <p:grpSpPr>
+        <a:xfrm>
+          <a:off x="0" y="0"/>
+          <a:ext cx="0" cy="0"/>
+          <a:chOff x="0" y="0"/>
+          <a:chExt cx="0" cy="0"/>
+        </a:xfrm>
+      </p:grpSpPr>
+      <p:sp>
+        <p:nvSpPr>
+          <p:cNvPr id="233" name="Google Shape;233;p17"/>
           <p:cNvSpPr txBox="1"/>
           <p:nvPr>
             <p:ph type="title"/>
@@ -15881,354 +16217,7 @@
       </p:sp>
       <p:pic>
         <p:nvPicPr>
-          <p:cNvPr id="228" name="Google Shape;228;p18"/>
-          <p:cNvPicPr preferRelativeResize="0"/>
-          <p:nvPr/>
-        </p:nvPicPr>
-        <p:blipFill rotWithShape="1">
-          <a:blip r:embed="rId3">
-            <a:alphaModFix/>
-          </a:blip>
-          <a:srcRect b="0" l="0" r="0" t="0"/>
-          <a:stretch/>
-        </p:blipFill>
-        <p:spPr>
-          <a:xfrm>
-            <a:off x="473690" y="1900012"/>
-            <a:ext cx="7536220" cy="4778851"/>
-          </a:xfrm>
-          <a:prstGeom prst="rect">
-            <a:avLst/>
-          </a:prstGeom>
-          <a:noFill/>
-          <a:ln>
-            <a:noFill/>
-          </a:ln>
-        </p:spPr>
-      </p:pic>
-      <p:sp>
-        <p:nvSpPr>
-          <p:cNvPr id="229" name="Google Shape;229;p18"/>
-          <p:cNvSpPr txBox="1"/>
-          <p:nvPr/>
-        </p:nvSpPr>
-        <p:spPr>
-          <a:xfrm>
-            <a:off x="8009910" y="2120900"/>
-            <a:ext cx="2750700" cy="2586000"/>
-          </a:xfrm>
-          <a:prstGeom prst="rect">
-            <a:avLst/>
-          </a:prstGeom>
-          <a:noFill/>
-          <a:ln>
-            <a:noFill/>
-          </a:ln>
-        </p:spPr>
-        <p:txBody>
-          <a:bodyPr anchorCtr="0" anchor="t" bIns="45700" lIns="91425" spcFirstLastPara="1" rIns="91425" wrap="square" tIns="45700">
-            <a:spAutoFit/>
-          </a:bodyPr>
-          <a:lstStyle/>
-          <a:p>
-            <a:pPr indent="0" lvl="0" marL="0" marR="0" rtl="0" algn="l">
-              <a:spcBef>
-                <a:spcPts val="0"/>
-              </a:spcBef>
-              <a:spcAft>
-                <a:spcPts val="0"/>
-              </a:spcAft>
-              <a:buNone/>
-            </a:pPr>
-            <a:r>
-              <a:rPr lang="en-US" sz="1800">
-                <a:solidFill>
-                  <a:schemeClr val="dk1"/>
-                </a:solidFill>
-                <a:latin typeface="Gill Sans"/>
-                <a:ea typeface="Gill Sans"/>
-                <a:cs typeface="Gill Sans"/>
-                <a:sym typeface="Gill Sans"/>
-              </a:rPr>
-              <a:t>Correlation Co – efficients:</a:t>
-            </a:r>
-            <a:endParaRPr/>
-          </a:p>
-          <a:p>
-            <a:pPr indent="0" lvl="0" marL="0" marR="0" rtl="0" algn="l">
-              <a:spcBef>
-                <a:spcPts val="0"/>
-              </a:spcBef>
-              <a:spcAft>
-                <a:spcPts val="0"/>
-              </a:spcAft>
-              <a:buNone/>
-            </a:pPr>
-            <a:r>
-              <a:t/>
-            </a:r>
-            <a:endParaRPr sz="1800">
-              <a:solidFill>
-                <a:schemeClr val="dk1"/>
-              </a:solidFill>
-              <a:latin typeface="Gill Sans"/>
-              <a:ea typeface="Gill Sans"/>
-              <a:cs typeface="Gill Sans"/>
-              <a:sym typeface="Gill Sans"/>
-            </a:endParaRPr>
-          </a:p>
-          <a:p>
-            <a:pPr indent="0" lvl="0" marL="0" marR="0" rtl="0" algn="l">
-              <a:spcBef>
-                <a:spcPts val="0"/>
-              </a:spcBef>
-              <a:spcAft>
-                <a:spcPts val="0"/>
-              </a:spcAft>
-              <a:buNone/>
-            </a:pPr>
-            <a:r>
-              <a:rPr lang="en-US" sz="1800">
-                <a:solidFill>
-                  <a:schemeClr val="dk1"/>
-                </a:solidFill>
-                <a:latin typeface="Gill Sans"/>
-                <a:ea typeface="Gill Sans"/>
-                <a:cs typeface="Gill Sans"/>
-                <a:sym typeface="Gill Sans"/>
-              </a:rPr>
-              <a:t>Walmart: -0.077</a:t>
-            </a:r>
-            <a:endParaRPr/>
-          </a:p>
-          <a:p>
-            <a:pPr indent="0" lvl="0" marL="0" marR="0" rtl="0" algn="l">
-              <a:spcBef>
-                <a:spcPts val="0"/>
-              </a:spcBef>
-              <a:spcAft>
-                <a:spcPts val="0"/>
-              </a:spcAft>
-              <a:buNone/>
-            </a:pPr>
-            <a:r>
-              <a:t/>
-            </a:r>
-            <a:endParaRPr sz="1800">
-              <a:solidFill>
-                <a:schemeClr val="dk1"/>
-              </a:solidFill>
-              <a:latin typeface="Gill Sans"/>
-              <a:ea typeface="Gill Sans"/>
-              <a:cs typeface="Gill Sans"/>
-              <a:sym typeface="Gill Sans"/>
-            </a:endParaRPr>
-          </a:p>
-          <a:p>
-            <a:pPr indent="0" lvl="0" marL="0" marR="0" rtl="0" algn="l">
-              <a:spcBef>
-                <a:spcPts val="0"/>
-              </a:spcBef>
-              <a:spcAft>
-                <a:spcPts val="0"/>
-              </a:spcAft>
-              <a:buNone/>
-            </a:pPr>
-            <a:r>
-              <a:rPr lang="en-US" sz="1800">
-                <a:solidFill>
-                  <a:schemeClr val="dk1"/>
-                </a:solidFill>
-                <a:latin typeface="Gill Sans"/>
-                <a:ea typeface="Gill Sans"/>
-                <a:cs typeface="Gill Sans"/>
-                <a:sym typeface="Gill Sans"/>
-              </a:rPr>
-              <a:t>Costco:  -0.151</a:t>
-            </a:r>
-            <a:endParaRPr/>
-          </a:p>
-          <a:p>
-            <a:pPr indent="0" lvl="0" marL="0" marR="0" rtl="0" algn="l">
-              <a:spcBef>
-                <a:spcPts val="0"/>
-              </a:spcBef>
-              <a:spcAft>
-                <a:spcPts val="0"/>
-              </a:spcAft>
-              <a:buNone/>
-            </a:pPr>
-            <a:r>
-              <a:t/>
-            </a:r>
-            <a:endParaRPr sz="1800">
-              <a:solidFill>
-                <a:schemeClr val="dk1"/>
-              </a:solidFill>
-              <a:latin typeface="Gill Sans"/>
-              <a:ea typeface="Gill Sans"/>
-              <a:cs typeface="Gill Sans"/>
-              <a:sym typeface="Gill Sans"/>
-            </a:endParaRPr>
-          </a:p>
-          <a:p>
-            <a:pPr indent="0" lvl="0" marL="0" marR="0" rtl="0" algn="l">
-              <a:spcBef>
-                <a:spcPts val="0"/>
-              </a:spcBef>
-              <a:spcAft>
-                <a:spcPts val="0"/>
-              </a:spcAft>
-              <a:buNone/>
-            </a:pPr>
-            <a:r>
-              <a:rPr lang="en-US" sz="1800">
-                <a:solidFill>
-                  <a:schemeClr val="dk1"/>
-                </a:solidFill>
-                <a:latin typeface="Gill Sans"/>
-                <a:ea typeface="Gill Sans"/>
-                <a:cs typeface="Gill Sans"/>
-                <a:sym typeface="Gill Sans"/>
-              </a:rPr>
-              <a:t>Target: -0.272</a:t>
-            </a:r>
-            <a:endParaRPr/>
-          </a:p>
-          <a:p>
-            <a:pPr indent="0" lvl="0" marL="0" marR="0" rtl="0" algn="l">
-              <a:spcBef>
-                <a:spcPts val="0"/>
-              </a:spcBef>
-              <a:spcAft>
-                <a:spcPts val="0"/>
-              </a:spcAft>
-              <a:buNone/>
-            </a:pPr>
-            <a:r>
-              <a:t/>
-            </a:r>
-            <a:endParaRPr sz="1800">
-              <a:solidFill>
-                <a:schemeClr val="dk1"/>
-              </a:solidFill>
-              <a:latin typeface="Gill Sans"/>
-              <a:ea typeface="Gill Sans"/>
-              <a:cs typeface="Gill Sans"/>
-              <a:sym typeface="Gill Sans"/>
-            </a:endParaRPr>
-          </a:p>
-          <a:p>
-            <a:pPr indent="0" lvl="0" marL="0" marR="0" rtl="0" algn="l">
-              <a:spcBef>
-                <a:spcPts val="0"/>
-              </a:spcBef>
-              <a:spcAft>
-                <a:spcPts val="0"/>
-              </a:spcAft>
-              <a:buNone/>
-            </a:pPr>
-            <a:r>
-              <a:rPr lang="en-US" sz="1800">
-                <a:solidFill>
-                  <a:schemeClr val="dk1"/>
-                </a:solidFill>
-                <a:latin typeface="Gill Sans"/>
-                <a:ea typeface="Gill Sans"/>
-                <a:cs typeface="Gill Sans"/>
-                <a:sym typeface="Gill Sans"/>
-              </a:rPr>
-              <a:t>Albertsons:  -0.118</a:t>
-            </a:r>
-            <a:endParaRPr sz="1800">
-              <a:solidFill>
-                <a:schemeClr val="dk1"/>
-              </a:solidFill>
-              <a:latin typeface="Gill Sans"/>
-              <a:ea typeface="Gill Sans"/>
-              <a:cs typeface="Gill Sans"/>
-              <a:sym typeface="Gill Sans"/>
-            </a:endParaRPr>
-          </a:p>
-        </p:txBody>
-      </p:sp>
-    </p:spTree>
-  </p:cSld>
-  <p:clrMapOvr>
-    <a:masterClrMapping/>
-  </p:clrMapOvr>
-</p:sld>
-</file>
-
-<file path=ppt/slides/slide21.xml><?xml version="1.0" encoding="utf-8"?>
-<p:sld xmlns:a="http://schemas.openxmlformats.org/drawingml/2006/main" xmlns:r="http://schemas.openxmlformats.org/officeDocument/2006/relationships" xmlns:mc="http://schemas.openxmlformats.org/markup-compatibility/2006" xmlns:mv="urn:schemas-microsoft-com:mac:vml" xmlns:p="http://schemas.openxmlformats.org/presentationml/2006/main" xmlns:c="http://schemas.openxmlformats.org/drawingml/2006/chart" xmlns:dgm="http://schemas.openxmlformats.org/drawingml/2006/diagram" xmlns:o="urn:schemas-microsoft-com:office:office" xmlns:v="urn:schemas-microsoft-com:vml" xmlns:pvml="urn:schemas-microsoft-com:office:powerpoint" xmlns:com="http://schemas.openxmlformats.org/drawingml/2006/compatibility" xmlns:p14="http://schemas.microsoft.com/office/powerpoint/2010/main" xmlns:p15="http://schemas.microsoft.com/office/powerpoint/2012/main" xmlns:ahyp="http://schemas.microsoft.com/office/drawing/2018/hyperlinkcolor">
-  <p:cSld>
-    <p:spTree>
-      <p:nvGrpSpPr>
-        <p:cNvPr id="233" name="Shape 233"/>
-        <p:cNvGrpSpPr/>
-        <p:nvPr/>
-      </p:nvGrpSpPr>
-      <p:grpSpPr>
-        <a:xfrm>
-          <a:off x="0" y="0"/>
-          <a:ext cx="0" cy="0"/>
-          <a:chOff x="0" y="0"/>
-          <a:chExt cx="0" cy="0"/>
-        </a:xfrm>
-      </p:grpSpPr>
-      <p:sp>
-        <p:nvSpPr>
           <p:cNvPr id="234" name="Google Shape;234;p17"/>
-          <p:cNvSpPr txBox="1"/>
-          <p:nvPr>
-            <p:ph type="title"/>
-          </p:nvPr>
-        </p:nvSpPr>
-        <p:spPr>
-          <a:xfrm>
-            <a:off x="581192" y="702156"/>
-            <a:ext cx="11029616" cy="1013800"/>
-          </a:xfrm>
-          <a:prstGeom prst="rect">
-            <a:avLst/>
-          </a:prstGeom>
-          <a:noFill/>
-          <a:ln>
-            <a:noFill/>
-          </a:ln>
-        </p:spPr>
-        <p:txBody>
-          <a:bodyPr anchorCtr="0" anchor="b" bIns="45700" lIns="91425" spcFirstLastPara="1" rIns="91425" wrap="square" tIns="45700">
-            <a:normAutofit/>
-          </a:bodyPr>
-          <a:lstStyle/>
-          <a:p>
-            <a:pPr indent="0" lvl="0" marL="0" rtl="0" algn="l">
-              <a:spcBef>
-                <a:spcPts val="0"/>
-              </a:spcBef>
-              <a:spcAft>
-                <a:spcPts val="0"/>
-              </a:spcAft>
-              <a:buClr>
-                <a:schemeClr val="lt1"/>
-              </a:buClr>
-              <a:buSzPts val="2800"/>
-              <a:buFont typeface="Gill Sans"/>
-              <a:buNone/>
-            </a:pPr>
-            <a:r>
-              <a:rPr lang="en-US"/>
-              <a:t>ARE THERE ANY OTHER FACTORS THAT CAN INFLUENCE OUR DECISION?</a:t>
-            </a:r>
-            <a:endParaRPr/>
-          </a:p>
-        </p:txBody>
-      </p:sp>
-      <p:pic>
-        <p:nvPicPr>
-          <p:cNvPr id="235" name="Google Shape;235;p17"/>
           <p:cNvPicPr preferRelativeResize="0"/>
           <p:nvPr>
             <p:ph idx="1" type="body"/>
@@ -16257,7 +16246,7 @@
       </p:pic>
       <p:pic>
         <p:nvPicPr>
-          <p:cNvPr id="236" name="Google Shape;236;p17"/>
+          <p:cNvPr id="235" name="Google Shape;235;p17"/>
           <p:cNvPicPr preferRelativeResize="0"/>
           <p:nvPr/>
         </p:nvPicPr>
@@ -16295,7 +16284,7 @@
   <p:cSld>
     <p:spTree>
       <p:nvGrpSpPr>
-        <p:cNvPr id="240" name="Shape 240"/>
+        <p:cNvPr id="239" name="Shape 239"/>
         <p:cNvGrpSpPr/>
         <p:nvPr/>
       </p:nvGrpSpPr>
@@ -16309,7 +16298,7 @@
       </p:grpSpPr>
       <p:sp>
         <p:nvSpPr>
-          <p:cNvPr id="241" name="Google Shape;241;p24"/>
+          <p:cNvPr id="240" name="Google Shape;240;p18"/>
           <p:cNvSpPr txBox="1"/>
           <p:nvPr>
             <p:ph type="title"/>
@@ -16350,24 +16339,49 @@
             </a:pPr>
             <a:r>
               <a:rPr lang="en-US"/>
-              <a:t>SO WHO SHOULD WE INVEST IN BASED ON THIS DATA?</a:t>
+              <a:t>ARE THERE ANY OTHER FACTORS THAT CAN INFLUENCE OUR DECISION?</a:t>
             </a:r>
             <a:endParaRPr/>
           </a:p>
         </p:txBody>
       </p:sp>
+      <p:pic>
+        <p:nvPicPr>
+          <p:cNvPr id="241" name="Google Shape;241;p18"/>
+          <p:cNvPicPr preferRelativeResize="0"/>
+          <p:nvPr/>
+        </p:nvPicPr>
+        <p:blipFill rotWithShape="1">
+          <a:blip r:embed="rId3">
+            <a:alphaModFix/>
+          </a:blip>
+          <a:srcRect b="0" l="0" r="0" t="0"/>
+          <a:stretch/>
+        </p:blipFill>
+        <p:spPr>
+          <a:xfrm>
+            <a:off x="473690" y="1900012"/>
+            <a:ext cx="7536220" cy="4778851"/>
+          </a:xfrm>
+          <a:prstGeom prst="rect">
+            <a:avLst/>
+          </a:prstGeom>
+          <a:noFill/>
+          <a:ln>
+            <a:noFill/>
+          </a:ln>
+        </p:spPr>
+      </p:pic>
       <p:sp>
         <p:nvSpPr>
-          <p:cNvPr id="242" name="Google Shape;242;p24"/>
+          <p:cNvPr id="242" name="Google Shape;242;p18"/>
           <p:cNvSpPr txBox="1"/>
-          <p:nvPr>
-            <p:ph idx="1" type="body"/>
-          </p:nvPr>
+          <p:nvPr/>
         </p:nvSpPr>
         <p:spPr>
           <a:xfrm>
-            <a:off x="581192" y="2180496"/>
-            <a:ext cx="11029615" cy="3678303"/>
+            <a:off x="8009910" y="2120900"/>
+            <a:ext cx="2750700" cy="2586000"/>
           </a:xfrm>
           <a:prstGeom prst="rect">
             <a:avLst/>
@@ -16378,255 +16392,229 @@
           </a:ln>
         </p:spPr>
         <p:txBody>
-          <a:bodyPr anchorCtr="0" anchor="ctr" bIns="45700" lIns="91425" spcFirstLastPara="1" rIns="91425" wrap="square" tIns="45700">
-            <a:normAutofit lnSpcReduction="10000"/>
+          <a:bodyPr anchorCtr="0" anchor="t" bIns="45700" lIns="91425" spcFirstLastPara="1" rIns="91425" wrap="square" tIns="45700">
+            <a:spAutoFit/>
           </a:bodyPr>
           <a:lstStyle/>
           <a:p>
-            <a:pPr indent="0" lvl="0" marL="304800" rtl="0" algn="l">
-              <a:lnSpc>
-                <a:spcPct val="115000"/>
-              </a:lnSpc>
-              <a:spcBef>
-                <a:spcPts val="0"/>
-              </a:spcBef>
-              <a:spcAft>
-                <a:spcPts val="0"/>
-              </a:spcAft>
-              <a:buSzPts val="1100"/>
-              <a:buNone/>
-            </a:pPr>
-            <a:r>
-              <a:rPr lang="en-US">
+            <a:pPr indent="0" lvl="0" marL="0" marR="0" rtl="0" algn="l">
+              <a:spcBef>
+                <a:spcPts val="0"/>
+              </a:spcBef>
+              <a:spcAft>
+                <a:spcPts val="0"/>
+              </a:spcAft>
+              <a:buNone/>
+            </a:pPr>
+            <a:r>
+              <a:rPr lang="en-US" sz="1800">
                 <a:solidFill>
-                  <a:srgbClr val="3D3D3D"/>
+                  <a:schemeClr val="dk1"/>
                 </a:solidFill>
+                <a:latin typeface="Gill Sans"/>
+                <a:ea typeface="Gill Sans"/>
+                <a:cs typeface="Gill Sans"/>
+                <a:sym typeface="Gill Sans"/>
               </a:rPr>
-              <a:t>Based on total ROI, it is hard to look past Costco!</a:t>
-            </a:r>
-            <a:endParaRPr>
+              <a:t>Correlation Co – efficients:</a:t>
+            </a:r>
+            <a:endParaRPr/>
+          </a:p>
+          <a:p>
+            <a:pPr indent="0" lvl="0" marL="0" marR="0" rtl="0" algn="l">
+              <a:spcBef>
+                <a:spcPts val="0"/>
+              </a:spcBef>
+              <a:spcAft>
+                <a:spcPts val="0"/>
+              </a:spcAft>
+              <a:buNone/>
+            </a:pPr>
+            <a:r>
+              <a:t/>
+            </a:r>
+            <a:endParaRPr sz="1800">
               <a:solidFill>
-                <a:srgbClr val="3D3D3D"/>
+                <a:schemeClr val="dk1"/>
               </a:solidFill>
+              <a:latin typeface="Gill Sans"/>
+              <a:ea typeface="Gill Sans"/>
+              <a:cs typeface="Gill Sans"/>
+              <a:sym typeface="Gill Sans"/>
             </a:endParaRPr>
           </a:p>
           <a:p>
-            <a:pPr indent="0" lvl="0" marL="304800" rtl="0" algn="l">
-              <a:lnSpc>
-                <a:spcPct val="115000"/>
-              </a:lnSpc>
-              <a:spcBef>
-                <a:spcPts val="0"/>
-              </a:spcBef>
-              <a:spcAft>
-                <a:spcPts val="0"/>
-              </a:spcAft>
-              <a:buClr>
+            <a:pPr indent="0" lvl="0" marL="0" marR="0" rtl="0" algn="l">
+              <a:spcBef>
+                <a:spcPts val="0"/>
+              </a:spcBef>
+              <a:spcAft>
+                <a:spcPts val="0"/>
+              </a:spcAft>
+              <a:buNone/>
+            </a:pPr>
+            <a:r>
+              <a:rPr lang="en-US" sz="1800">
+                <a:solidFill>
+                  <a:schemeClr val="dk1"/>
+                </a:solidFill>
+                <a:latin typeface="Gill Sans"/>
+                <a:ea typeface="Gill Sans"/>
+                <a:cs typeface="Gill Sans"/>
+                <a:sym typeface="Gill Sans"/>
+              </a:rPr>
+              <a:t>Walmart: -0.077</a:t>
+            </a:r>
+            <a:endParaRPr/>
+          </a:p>
+          <a:p>
+            <a:pPr indent="0" lvl="0" marL="0" marR="0" rtl="0" algn="l">
+              <a:spcBef>
+                <a:spcPts val="0"/>
+              </a:spcBef>
+              <a:spcAft>
+                <a:spcPts val="0"/>
+              </a:spcAft>
+              <a:buNone/>
+            </a:pPr>
+            <a:r>
+              <a:t/>
+            </a:r>
+            <a:endParaRPr sz="1800">
+              <a:solidFill>
                 <a:schemeClr val="dk1"/>
-              </a:buClr>
-              <a:buSzPts val="1100"/>
-              <a:buFont typeface="Arial"/>
+              </a:solidFill>
+              <a:latin typeface="Gill Sans"/>
+              <a:ea typeface="Gill Sans"/>
+              <a:cs typeface="Gill Sans"/>
+              <a:sym typeface="Gill Sans"/>
+            </a:endParaRPr>
+          </a:p>
+          <a:p>
+            <a:pPr indent="0" lvl="0" marL="0" marR="0" rtl="0" algn="l">
+              <a:spcBef>
+                <a:spcPts val="0"/>
+              </a:spcBef>
+              <a:spcAft>
+                <a:spcPts val="0"/>
+              </a:spcAft>
+              <a:buNone/>
+            </a:pPr>
+            <a:r>
+              <a:rPr lang="en-US" sz="1800">
+                <a:solidFill>
+                  <a:schemeClr val="dk1"/>
+                </a:solidFill>
+                <a:latin typeface="Gill Sans"/>
+                <a:ea typeface="Gill Sans"/>
+                <a:cs typeface="Gill Sans"/>
+                <a:sym typeface="Gill Sans"/>
+              </a:rPr>
+              <a:t>Costco:  -0.151</a:t>
+            </a:r>
+            <a:endParaRPr/>
+          </a:p>
+          <a:p>
+            <a:pPr indent="0" lvl="0" marL="0" marR="0" rtl="0" algn="l">
+              <a:spcBef>
+                <a:spcPts val="0"/>
+              </a:spcBef>
+              <a:spcAft>
+                <a:spcPts val="0"/>
+              </a:spcAft>
               <a:buNone/>
             </a:pPr>
             <a:r>
               <a:t/>
             </a:r>
-            <a:endParaRPr>
+            <a:endParaRPr sz="1800">
               <a:solidFill>
-                <a:srgbClr val="3D3D3D"/>
+                <a:schemeClr val="dk1"/>
               </a:solidFill>
+              <a:latin typeface="Gill Sans"/>
+              <a:ea typeface="Gill Sans"/>
+              <a:cs typeface="Gill Sans"/>
+              <a:sym typeface="Gill Sans"/>
             </a:endParaRPr>
           </a:p>
           <a:p>
-            <a:pPr indent="0" lvl="0" marL="304800" rtl="0" algn="l">
-              <a:lnSpc>
-                <a:spcPct val="115000"/>
-              </a:lnSpc>
-              <a:spcBef>
-                <a:spcPts val="0"/>
-              </a:spcBef>
-              <a:spcAft>
-                <a:spcPts val="0"/>
-              </a:spcAft>
-              <a:buClr>
+            <a:pPr indent="0" lvl="0" marL="0" marR="0" rtl="0" algn="l">
+              <a:spcBef>
+                <a:spcPts val="0"/>
+              </a:spcBef>
+              <a:spcAft>
+                <a:spcPts val="0"/>
+              </a:spcAft>
+              <a:buNone/>
+            </a:pPr>
+            <a:r>
+              <a:rPr lang="en-US" sz="1800">
+                <a:solidFill>
+                  <a:schemeClr val="dk1"/>
+                </a:solidFill>
+                <a:latin typeface="Gill Sans"/>
+                <a:ea typeface="Gill Sans"/>
+                <a:cs typeface="Gill Sans"/>
+                <a:sym typeface="Gill Sans"/>
+              </a:rPr>
+              <a:t>Target: -0.272</a:t>
+            </a:r>
+            <a:endParaRPr/>
+          </a:p>
+          <a:p>
+            <a:pPr indent="0" lvl="0" marL="0" marR="0" rtl="0" algn="l">
+              <a:spcBef>
+                <a:spcPts val="0"/>
+              </a:spcBef>
+              <a:spcAft>
+                <a:spcPts val="0"/>
+              </a:spcAft>
+              <a:buNone/>
+            </a:pPr>
+            <a:r>
+              <a:t/>
+            </a:r>
+            <a:endParaRPr sz="1800">
+              <a:solidFill>
                 <a:schemeClr val="dk1"/>
-              </a:buClr>
-              <a:buSzPts val="1100"/>
-              <a:buFont typeface="Arial"/>
-              <a:buNone/>
-            </a:pPr>
-            <a:r>
-              <a:rPr lang="en-US">
+              </a:solidFill>
+              <a:latin typeface="Gill Sans"/>
+              <a:ea typeface="Gill Sans"/>
+              <a:cs typeface="Gill Sans"/>
+              <a:sym typeface="Gill Sans"/>
+            </a:endParaRPr>
+          </a:p>
+          <a:p>
+            <a:pPr indent="0" lvl="0" marL="0" marR="0" rtl="0" algn="l">
+              <a:spcBef>
+                <a:spcPts val="0"/>
+              </a:spcBef>
+              <a:spcAft>
+                <a:spcPts val="0"/>
+              </a:spcAft>
+              <a:buNone/>
+            </a:pPr>
+            <a:r>
+              <a:rPr lang="en-US" sz="1800">
                 <a:solidFill>
-                  <a:srgbClr val="3D3D3D"/>
+                  <a:schemeClr val="dk1"/>
                 </a:solidFill>
+                <a:latin typeface="Gill Sans"/>
+                <a:ea typeface="Gill Sans"/>
+                <a:cs typeface="Gill Sans"/>
+                <a:sym typeface="Gill Sans"/>
               </a:rPr>
-              <a:t>This is in spite of in one year ROI was 0 - but for the other years, ROI was consistently above the other chains.</a:t>
-            </a:r>
-            <a:endParaRPr>
+              <a:t>Albertsons:  -0.118</a:t>
+            </a:r>
+            <a:endParaRPr sz="1800">
               <a:solidFill>
-                <a:srgbClr val="3D3D3D"/>
+                <a:schemeClr val="dk1"/>
               </a:solidFill>
+              <a:latin typeface="Gill Sans"/>
+              <a:ea typeface="Gill Sans"/>
+              <a:cs typeface="Gill Sans"/>
+              <a:sym typeface="Gill Sans"/>
             </a:endParaRPr>
-          </a:p>
-          <a:p>
-            <a:pPr indent="0" lvl="0" marL="304800" rtl="0" algn="l">
-              <a:lnSpc>
-                <a:spcPct val="115000"/>
-              </a:lnSpc>
-              <a:spcBef>
-                <a:spcPts val="0"/>
-              </a:spcBef>
-              <a:spcAft>
-                <a:spcPts val="0"/>
-              </a:spcAft>
-              <a:buSzPts val="1100"/>
-              <a:buNone/>
-            </a:pPr>
-            <a:r>
-              <a:t/>
-            </a:r>
-            <a:endParaRPr>
-              <a:solidFill>
-                <a:srgbClr val="3D3D3D"/>
-              </a:solidFill>
-            </a:endParaRPr>
-          </a:p>
-          <a:p>
-            <a:pPr indent="0" lvl="0" marL="304800" rtl="0" algn="l">
-              <a:lnSpc>
-                <a:spcPct val="115000"/>
-              </a:lnSpc>
-              <a:spcBef>
-                <a:spcPts val="0"/>
-              </a:spcBef>
-              <a:spcAft>
-                <a:spcPts val="0"/>
-              </a:spcAft>
-              <a:buSzPts val="1100"/>
-              <a:buNone/>
-            </a:pPr>
-            <a:r>
-              <a:rPr lang="en-US">
-                <a:solidFill>
-                  <a:srgbClr val="3D3D3D"/>
-                </a:solidFill>
-              </a:rPr>
-              <a:t>However, over the last 3 months, its share price has declined - do we think this is a pattern of things to come?</a:t>
-            </a:r>
-            <a:endParaRPr>
-              <a:solidFill>
-                <a:srgbClr val="3D3D3D"/>
-              </a:solidFill>
-            </a:endParaRPr>
-          </a:p>
-          <a:p>
-            <a:pPr indent="0" lvl="0" marL="304800" rtl="0" algn="l">
-              <a:lnSpc>
-                <a:spcPct val="115000"/>
-              </a:lnSpc>
-              <a:spcBef>
-                <a:spcPts val="0"/>
-              </a:spcBef>
-              <a:spcAft>
-                <a:spcPts val="0"/>
-              </a:spcAft>
-              <a:buClr>
-                <a:schemeClr val="dk1"/>
-              </a:buClr>
-              <a:buSzPts val="1100"/>
-              <a:buFont typeface="Arial"/>
-              <a:buNone/>
-            </a:pPr>
-            <a:r>
-              <a:t/>
-            </a:r>
-            <a:endParaRPr>
-              <a:solidFill>
-                <a:srgbClr val="3D3D3D"/>
-              </a:solidFill>
-            </a:endParaRPr>
-          </a:p>
-          <a:p>
-            <a:pPr indent="0" lvl="0" marL="304800" rtl="0" algn="l">
-              <a:lnSpc>
-                <a:spcPct val="115000"/>
-              </a:lnSpc>
-              <a:spcBef>
-                <a:spcPts val="0"/>
-              </a:spcBef>
-              <a:spcAft>
-                <a:spcPts val="0"/>
-              </a:spcAft>
-              <a:buClr>
-                <a:schemeClr val="dk1"/>
-              </a:buClr>
-              <a:buSzPts val="1100"/>
-              <a:buFont typeface="Arial"/>
-              <a:buNone/>
-            </a:pPr>
-            <a:r>
-              <a:rPr lang="en-US">
-                <a:solidFill>
-                  <a:srgbClr val="3D3D3D"/>
-                </a:solidFill>
-              </a:rPr>
-              <a:t>Total dividend payments are less relevant for Costco - its share price is a lot higher than the others so $1000 buysrelatively less shares compared to the others - so the vast majority of any return is generated by the share price increasing.</a:t>
-            </a:r>
-            <a:endParaRPr>
-              <a:solidFill>
-                <a:srgbClr val="3D3D3D"/>
-              </a:solidFill>
-            </a:endParaRPr>
-          </a:p>
-          <a:p>
-            <a:pPr indent="-200844" lvl="0" marL="306000" rtl="0" algn="l">
-              <a:spcBef>
-                <a:spcPts val="0"/>
-              </a:spcBef>
-              <a:spcAft>
-                <a:spcPts val="0"/>
-              </a:spcAft>
-              <a:buSzPts val="1656"/>
-              <a:buNone/>
-            </a:pPr>
-            <a:r>
-              <a:t/>
-            </a:r>
-            <a:endParaRPr/>
-          </a:p>
-          <a:p>
-            <a:pPr indent="-200844" lvl="0" marL="306000" rtl="0" algn="l">
-              <a:spcBef>
-                <a:spcPts val="0"/>
-              </a:spcBef>
-              <a:spcAft>
-                <a:spcPts val="0"/>
-              </a:spcAft>
-              <a:buSzPts val="1656"/>
-              <a:buNone/>
-            </a:pPr>
-            <a:r>
-              <a:t/>
-            </a:r>
-            <a:endParaRPr/>
-          </a:p>
-          <a:p>
-            <a:pPr indent="-200844" lvl="0" marL="306000" rtl="0" algn="l">
-              <a:spcBef>
-                <a:spcPts val="0"/>
-              </a:spcBef>
-              <a:spcAft>
-                <a:spcPts val="0"/>
-              </a:spcAft>
-              <a:buSzPts val="1656"/>
-              <a:buNone/>
-            </a:pPr>
-            <a:r>
-              <a:rPr lang="en-US"/>
-              <a:t> </a:t>
-            </a:r>
-            <a:endParaRPr/>
           </a:p>
         </p:txBody>
       </p:sp>
@@ -16657,7 +16645,179 @@
       </p:grpSpPr>
       <p:sp>
         <p:nvSpPr>
-          <p:cNvPr id="247" name="Google Shape;247;p25"/>
+          <p:cNvPr id="247" name="Google Shape;247;g2c4c75c3d89_0_1"/>
+          <p:cNvSpPr txBox="1"/>
+          <p:nvPr>
+            <p:ph type="title"/>
+          </p:nvPr>
+        </p:nvSpPr>
+        <p:spPr>
+          <a:xfrm>
+            <a:off x="581192" y="702156"/>
+            <a:ext cx="11029500" cy="1013700"/>
+          </a:xfrm>
+          <a:prstGeom prst="rect">
+            <a:avLst/>
+          </a:prstGeom>
+        </p:spPr>
+        <p:txBody>
+          <a:bodyPr anchorCtr="0" anchor="b" bIns="45700" lIns="91425" spcFirstLastPara="1" rIns="91425" wrap="square" tIns="45700">
+            <a:normAutofit/>
+          </a:bodyPr>
+          <a:lstStyle/>
+          <a:p>
+            <a:pPr indent="0" lvl="0" marL="0" rtl="0" algn="l">
+              <a:spcBef>
+                <a:spcPts val="0"/>
+              </a:spcBef>
+              <a:spcAft>
+                <a:spcPts val="0"/>
+              </a:spcAft>
+              <a:buClr>
+                <a:schemeClr val="lt1"/>
+              </a:buClr>
+              <a:buSzPts val="2800"/>
+              <a:buFont typeface="Gill Sans"/>
+              <a:buNone/>
+            </a:pPr>
+            <a:r>
+              <a:rPr lang="en-US"/>
+              <a:t>ARE THERE ANY OTHER FACTORS THAT CAN INFLUENCE OUR DECISION?</a:t>
+            </a:r>
+            <a:endParaRPr/>
+          </a:p>
+        </p:txBody>
+      </p:sp>
+      <p:sp>
+        <p:nvSpPr>
+          <p:cNvPr id="248" name="Google Shape;248;g2c4c75c3d89_0_1"/>
+          <p:cNvSpPr txBox="1"/>
+          <p:nvPr>
+            <p:ph idx="1" type="body"/>
+          </p:nvPr>
+        </p:nvSpPr>
+        <p:spPr>
+          <a:xfrm>
+            <a:off x="581192" y="2180496"/>
+            <a:ext cx="11029500" cy="3678300"/>
+          </a:xfrm>
+          <a:prstGeom prst="rect">
+            <a:avLst/>
+          </a:prstGeom>
+        </p:spPr>
+        <p:txBody>
+          <a:bodyPr anchorCtr="0" anchor="ctr" bIns="45700" lIns="91425" spcFirstLastPara="1" rIns="91425" wrap="square" tIns="45700">
+            <a:normAutofit/>
+          </a:bodyPr>
+          <a:lstStyle/>
+          <a:p>
+            <a:pPr indent="0" lvl="0" marL="0" rtl="0" algn="l">
+              <a:spcBef>
+                <a:spcPts val="360"/>
+              </a:spcBef>
+              <a:spcAft>
+                <a:spcPts val="0"/>
+              </a:spcAft>
+              <a:buNone/>
+            </a:pPr>
+            <a:r>
+              <a:rPr lang="en-US"/>
+              <a:t>Walmart - aggressive expansion plans - will it work?</a:t>
+            </a:r>
+            <a:endParaRPr/>
+          </a:p>
+          <a:p>
+            <a:pPr indent="0" lvl="0" marL="0" rtl="0" algn="l">
+              <a:spcBef>
+                <a:spcPts val="600"/>
+              </a:spcBef>
+              <a:spcAft>
+                <a:spcPts val="0"/>
+              </a:spcAft>
+              <a:buNone/>
+            </a:pPr>
+            <a:r>
+              <a:t/>
+            </a:r>
+            <a:endParaRPr/>
+          </a:p>
+          <a:p>
+            <a:pPr indent="0" lvl="0" marL="0" rtl="0" algn="l">
+              <a:spcBef>
+                <a:spcPts val="600"/>
+              </a:spcBef>
+              <a:spcAft>
+                <a:spcPts val="0"/>
+              </a:spcAft>
+              <a:buNone/>
+            </a:pPr>
+            <a:r>
+              <a:rPr lang="en-US"/>
+              <a:t>Albertson’s - implications of a blocked merger?</a:t>
+            </a:r>
+            <a:endParaRPr/>
+          </a:p>
+          <a:p>
+            <a:pPr indent="0" lvl="0" marL="0" rtl="0" algn="l">
+              <a:spcBef>
+                <a:spcPts val="600"/>
+              </a:spcBef>
+              <a:spcAft>
+                <a:spcPts val="0"/>
+              </a:spcAft>
+              <a:buNone/>
+            </a:pPr>
+            <a:r>
+              <a:t/>
+            </a:r>
+            <a:endParaRPr/>
+          </a:p>
+          <a:p>
+            <a:pPr indent="0" lvl="0" marL="0" rtl="0" algn="l">
+              <a:spcBef>
+                <a:spcPts val="600"/>
+              </a:spcBef>
+              <a:spcAft>
+                <a:spcPts val="600"/>
+              </a:spcAft>
+              <a:buNone/>
+            </a:pPr>
+            <a:r>
+              <a:rPr lang="en-US"/>
+              <a:t>Costco - an over - reliance on membership numbers? </a:t>
+            </a:r>
+            <a:endParaRPr/>
+          </a:p>
+        </p:txBody>
+      </p:sp>
+    </p:spTree>
+  </p:cSld>
+  <p:clrMapOvr>
+    <a:masterClrMapping/>
+  </p:clrMapOvr>
+</p:sld>
+</file>
+
+<file path=ppt/slides/slide24.xml><?xml version="1.0" encoding="utf-8"?>
+<p:sld xmlns:a="http://schemas.openxmlformats.org/drawingml/2006/main" xmlns:r="http://schemas.openxmlformats.org/officeDocument/2006/relationships" xmlns:mc="http://schemas.openxmlformats.org/markup-compatibility/2006" xmlns:mv="urn:schemas-microsoft-com:mac:vml" xmlns:p="http://schemas.openxmlformats.org/presentationml/2006/main" xmlns:c="http://schemas.openxmlformats.org/drawingml/2006/chart" xmlns:dgm="http://schemas.openxmlformats.org/drawingml/2006/diagram" xmlns:o="urn:schemas-microsoft-com:office:office" xmlns:v="urn:schemas-microsoft-com:vml" xmlns:pvml="urn:schemas-microsoft-com:office:powerpoint" xmlns:com="http://schemas.openxmlformats.org/drawingml/2006/compatibility" xmlns:p14="http://schemas.microsoft.com/office/powerpoint/2010/main" xmlns:p15="http://schemas.microsoft.com/office/powerpoint/2012/main" xmlns:ahyp="http://schemas.microsoft.com/office/drawing/2018/hyperlinkcolor">
+  <p:cSld>
+    <p:spTree>
+      <p:nvGrpSpPr>
+        <p:cNvPr id="252" name="Shape 252"/>
+        <p:cNvGrpSpPr/>
+        <p:nvPr/>
+      </p:nvGrpSpPr>
+      <p:grpSpPr>
+        <a:xfrm>
+          <a:off x="0" y="0"/>
+          <a:ext cx="0" cy="0"/>
+          <a:chOff x="0" y="0"/>
+          <a:chExt cx="0" cy="0"/>
+        </a:xfrm>
+      </p:grpSpPr>
+      <p:sp>
+        <p:nvSpPr>
+          <p:cNvPr id="253" name="Google Shape;253;p24"/>
           <p:cNvSpPr txBox="1"/>
           <p:nvPr>
             <p:ph type="title"/>
@@ -16698,7 +16858,7 @@
             </a:pPr>
             <a:r>
               <a:rPr lang="en-US"/>
-              <a:t>FURTHER CONSIDERATIONS</a:t>
+              <a:t>SO WHO SHOULD WE INVEST IN BASED ON THIS DATA?</a:t>
             </a:r>
             <a:endParaRPr/>
           </a:p>
@@ -16706,7 +16866,355 @@
       </p:sp>
       <p:sp>
         <p:nvSpPr>
-          <p:cNvPr id="248" name="Google Shape;248;p25"/>
+          <p:cNvPr id="254" name="Google Shape;254;p24"/>
+          <p:cNvSpPr txBox="1"/>
+          <p:nvPr>
+            <p:ph idx="1" type="body"/>
+          </p:nvPr>
+        </p:nvSpPr>
+        <p:spPr>
+          <a:xfrm>
+            <a:off x="581192" y="2180496"/>
+            <a:ext cx="11029615" cy="3678303"/>
+          </a:xfrm>
+          <a:prstGeom prst="rect">
+            <a:avLst/>
+          </a:prstGeom>
+          <a:noFill/>
+          <a:ln>
+            <a:noFill/>
+          </a:ln>
+        </p:spPr>
+        <p:txBody>
+          <a:bodyPr anchorCtr="0" anchor="ctr" bIns="45700" lIns="91425" spcFirstLastPara="1" rIns="91425" wrap="square" tIns="45700">
+            <a:normAutofit lnSpcReduction="10000"/>
+          </a:bodyPr>
+          <a:lstStyle/>
+          <a:p>
+            <a:pPr indent="0" lvl="0" marL="304800" rtl="0" algn="l">
+              <a:lnSpc>
+                <a:spcPct val="115000"/>
+              </a:lnSpc>
+              <a:spcBef>
+                <a:spcPts val="0"/>
+              </a:spcBef>
+              <a:spcAft>
+                <a:spcPts val="0"/>
+              </a:spcAft>
+              <a:buSzPts val="1100"/>
+              <a:buNone/>
+            </a:pPr>
+            <a:r>
+              <a:rPr lang="en-US">
+                <a:solidFill>
+                  <a:srgbClr val="3D3D3D"/>
+                </a:solidFill>
+              </a:rPr>
+              <a:t>Based on total ROI, it is hard to look past Costco!</a:t>
+            </a:r>
+            <a:endParaRPr>
+              <a:solidFill>
+                <a:srgbClr val="3D3D3D"/>
+              </a:solidFill>
+            </a:endParaRPr>
+          </a:p>
+          <a:p>
+            <a:pPr indent="0" lvl="0" marL="304800" rtl="0" algn="l">
+              <a:lnSpc>
+                <a:spcPct val="115000"/>
+              </a:lnSpc>
+              <a:spcBef>
+                <a:spcPts val="0"/>
+              </a:spcBef>
+              <a:spcAft>
+                <a:spcPts val="0"/>
+              </a:spcAft>
+              <a:buClr>
+                <a:schemeClr val="dk1"/>
+              </a:buClr>
+              <a:buSzPts val="1100"/>
+              <a:buFont typeface="Arial"/>
+              <a:buNone/>
+            </a:pPr>
+            <a:r>
+              <a:t/>
+            </a:r>
+            <a:endParaRPr>
+              <a:solidFill>
+                <a:srgbClr val="3D3D3D"/>
+              </a:solidFill>
+            </a:endParaRPr>
+          </a:p>
+          <a:p>
+            <a:pPr indent="0" lvl="0" marL="304800" rtl="0" algn="l">
+              <a:lnSpc>
+                <a:spcPct val="115000"/>
+              </a:lnSpc>
+              <a:spcBef>
+                <a:spcPts val="0"/>
+              </a:spcBef>
+              <a:spcAft>
+                <a:spcPts val="0"/>
+              </a:spcAft>
+              <a:buClr>
+                <a:schemeClr val="dk1"/>
+              </a:buClr>
+              <a:buSzPts val="1100"/>
+              <a:buFont typeface="Arial"/>
+              <a:buNone/>
+            </a:pPr>
+            <a:r>
+              <a:rPr lang="en-US">
+                <a:solidFill>
+                  <a:srgbClr val="3D3D3D"/>
+                </a:solidFill>
+              </a:rPr>
+              <a:t>This is in spite of in one year ROI was 0 - but for the other years, ROI was consistently above the other chains.</a:t>
+            </a:r>
+            <a:endParaRPr>
+              <a:solidFill>
+                <a:srgbClr val="3D3D3D"/>
+              </a:solidFill>
+            </a:endParaRPr>
+          </a:p>
+          <a:p>
+            <a:pPr indent="0" lvl="0" marL="304800" rtl="0" algn="l">
+              <a:lnSpc>
+                <a:spcPct val="115000"/>
+              </a:lnSpc>
+              <a:spcBef>
+                <a:spcPts val="0"/>
+              </a:spcBef>
+              <a:spcAft>
+                <a:spcPts val="0"/>
+              </a:spcAft>
+              <a:buSzPts val="1100"/>
+              <a:buNone/>
+            </a:pPr>
+            <a:r>
+              <a:t/>
+            </a:r>
+            <a:endParaRPr>
+              <a:solidFill>
+                <a:srgbClr val="3D3D3D"/>
+              </a:solidFill>
+            </a:endParaRPr>
+          </a:p>
+          <a:p>
+            <a:pPr indent="0" lvl="0" marL="304800" rtl="0" algn="l">
+              <a:lnSpc>
+                <a:spcPct val="115000"/>
+              </a:lnSpc>
+              <a:spcBef>
+                <a:spcPts val="0"/>
+              </a:spcBef>
+              <a:spcAft>
+                <a:spcPts val="0"/>
+              </a:spcAft>
+              <a:buSzPts val="1100"/>
+              <a:buNone/>
+            </a:pPr>
+            <a:r>
+              <a:rPr lang="en-US">
+                <a:solidFill>
+                  <a:srgbClr val="3D3D3D"/>
+                </a:solidFill>
+              </a:rPr>
+              <a:t>However, over the last 3 months, its share price has declined - do we think this is a pattern of things to come?</a:t>
+            </a:r>
+            <a:endParaRPr>
+              <a:solidFill>
+                <a:srgbClr val="3D3D3D"/>
+              </a:solidFill>
+            </a:endParaRPr>
+          </a:p>
+          <a:p>
+            <a:pPr indent="0" lvl="0" marL="304800" rtl="0" algn="l">
+              <a:lnSpc>
+                <a:spcPct val="115000"/>
+              </a:lnSpc>
+              <a:spcBef>
+                <a:spcPts val="0"/>
+              </a:spcBef>
+              <a:spcAft>
+                <a:spcPts val="0"/>
+              </a:spcAft>
+              <a:buClr>
+                <a:schemeClr val="dk1"/>
+              </a:buClr>
+              <a:buSzPts val="1100"/>
+              <a:buFont typeface="Arial"/>
+              <a:buNone/>
+            </a:pPr>
+            <a:r>
+              <a:t/>
+            </a:r>
+            <a:endParaRPr>
+              <a:solidFill>
+                <a:srgbClr val="3D3D3D"/>
+              </a:solidFill>
+            </a:endParaRPr>
+          </a:p>
+          <a:p>
+            <a:pPr indent="0" lvl="0" marL="304800" rtl="0" algn="l">
+              <a:lnSpc>
+                <a:spcPct val="115000"/>
+              </a:lnSpc>
+              <a:spcBef>
+                <a:spcPts val="0"/>
+              </a:spcBef>
+              <a:spcAft>
+                <a:spcPts val="0"/>
+              </a:spcAft>
+              <a:buClr>
+                <a:schemeClr val="dk1"/>
+              </a:buClr>
+              <a:buSzPts val="1100"/>
+              <a:buFont typeface="Arial"/>
+              <a:buNone/>
+            </a:pPr>
+            <a:r>
+              <a:rPr lang="en-US">
+                <a:solidFill>
+                  <a:srgbClr val="3D3D3D"/>
+                </a:solidFill>
+              </a:rPr>
+              <a:t>Total dividend payments are less relevant for Costco - its share price is a lot higher than the others so $1000 buys relatively less shares compared to the others - so the vast majority of any return is generated by the share price increasing.</a:t>
+            </a:r>
+            <a:endParaRPr>
+              <a:solidFill>
+                <a:srgbClr val="3D3D3D"/>
+              </a:solidFill>
+            </a:endParaRPr>
+          </a:p>
+          <a:p>
+            <a:pPr indent="-200844" lvl="0" marL="306000" rtl="0" algn="l">
+              <a:spcBef>
+                <a:spcPts val="0"/>
+              </a:spcBef>
+              <a:spcAft>
+                <a:spcPts val="0"/>
+              </a:spcAft>
+              <a:buSzPts val="1656"/>
+              <a:buNone/>
+            </a:pPr>
+            <a:r>
+              <a:t/>
+            </a:r>
+            <a:endParaRPr/>
+          </a:p>
+          <a:p>
+            <a:pPr indent="-200844" lvl="0" marL="306000" rtl="0" algn="l">
+              <a:spcBef>
+                <a:spcPts val="0"/>
+              </a:spcBef>
+              <a:spcAft>
+                <a:spcPts val="0"/>
+              </a:spcAft>
+              <a:buSzPts val="1656"/>
+              <a:buNone/>
+            </a:pPr>
+            <a:r>
+              <a:t/>
+            </a:r>
+            <a:endParaRPr/>
+          </a:p>
+          <a:p>
+            <a:pPr indent="-200844" lvl="0" marL="306000" rtl="0" algn="l">
+              <a:spcBef>
+                <a:spcPts val="0"/>
+              </a:spcBef>
+              <a:spcAft>
+                <a:spcPts val="0"/>
+              </a:spcAft>
+              <a:buSzPts val="1656"/>
+              <a:buNone/>
+            </a:pPr>
+            <a:r>
+              <a:rPr lang="en-US"/>
+              <a:t> </a:t>
+            </a:r>
+            <a:endParaRPr/>
+          </a:p>
+        </p:txBody>
+      </p:sp>
+    </p:spTree>
+  </p:cSld>
+  <p:clrMapOvr>
+    <a:masterClrMapping/>
+  </p:clrMapOvr>
+</p:sld>
+</file>
+
+<file path=ppt/slides/slide25.xml><?xml version="1.0" encoding="utf-8"?>
+<p:sld xmlns:a="http://schemas.openxmlformats.org/drawingml/2006/main" xmlns:r="http://schemas.openxmlformats.org/officeDocument/2006/relationships" xmlns:mc="http://schemas.openxmlformats.org/markup-compatibility/2006" xmlns:mv="urn:schemas-microsoft-com:mac:vml" xmlns:p="http://schemas.openxmlformats.org/presentationml/2006/main" xmlns:c="http://schemas.openxmlformats.org/drawingml/2006/chart" xmlns:dgm="http://schemas.openxmlformats.org/drawingml/2006/diagram" xmlns:o="urn:schemas-microsoft-com:office:office" xmlns:v="urn:schemas-microsoft-com:vml" xmlns:pvml="urn:schemas-microsoft-com:office:powerpoint" xmlns:com="http://schemas.openxmlformats.org/drawingml/2006/compatibility" xmlns:p14="http://schemas.microsoft.com/office/powerpoint/2010/main" xmlns:p15="http://schemas.microsoft.com/office/powerpoint/2012/main" xmlns:ahyp="http://schemas.microsoft.com/office/drawing/2018/hyperlinkcolor">
+  <p:cSld>
+    <p:spTree>
+      <p:nvGrpSpPr>
+        <p:cNvPr id="258" name="Shape 258"/>
+        <p:cNvGrpSpPr/>
+        <p:nvPr/>
+      </p:nvGrpSpPr>
+      <p:grpSpPr>
+        <a:xfrm>
+          <a:off x="0" y="0"/>
+          <a:ext cx="0" cy="0"/>
+          <a:chOff x="0" y="0"/>
+          <a:chExt cx="0" cy="0"/>
+        </a:xfrm>
+      </p:grpSpPr>
+      <p:sp>
+        <p:nvSpPr>
+          <p:cNvPr id="259" name="Google Shape;259;p25"/>
+          <p:cNvSpPr txBox="1"/>
+          <p:nvPr>
+            <p:ph type="title"/>
+          </p:nvPr>
+        </p:nvSpPr>
+        <p:spPr>
+          <a:xfrm>
+            <a:off x="581192" y="702156"/>
+            <a:ext cx="11029616" cy="1013800"/>
+          </a:xfrm>
+          <a:prstGeom prst="rect">
+            <a:avLst/>
+          </a:prstGeom>
+          <a:noFill/>
+          <a:ln>
+            <a:noFill/>
+          </a:ln>
+        </p:spPr>
+        <p:txBody>
+          <a:bodyPr anchorCtr="0" anchor="b" bIns="45700" lIns="91425" spcFirstLastPara="1" rIns="91425" wrap="square" tIns="45700">
+            <a:normAutofit/>
+          </a:bodyPr>
+          <a:lstStyle/>
+          <a:p>
+            <a:pPr indent="0" lvl="0" marL="0" rtl="0" algn="l">
+              <a:spcBef>
+                <a:spcPts val="0"/>
+              </a:spcBef>
+              <a:spcAft>
+                <a:spcPts val="0"/>
+              </a:spcAft>
+              <a:buClr>
+                <a:schemeClr val="lt1"/>
+              </a:buClr>
+              <a:buSzPts val="2800"/>
+              <a:buFont typeface="Gill Sans"/>
+              <a:buNone/>
+            </a:pPr>
+            <a:r>
+              <a:rPr lang="en-US"/>
+              <a:t>FURTHER CONSIDERATIONS</a:t>
+            </a:r>
+            <a:endParaRPr/>
+          </a:p>
+        </p:txBody>
+      </p:sp>
+      <p:sp>
+        <p:nvSpPr>
+          <p:cNvPr id="260" name="Google Shape;260;p25"/>
           <p:cNvSpPr txBox="1"/>
           <p:nvPr>
             <p:ph idx="1" type="body"/>
@@ -17556,7 +18064,7 @@
       </p:grpSpPr>
       <p:sp>
         <p:nvSpPr>
-          <p:cNvPr id="127" name="Google Shape;127;p4"/>
+          <p:cNvPr id="127" name="Google Shape;127;g2c4b658579b_3_1"/>
           <p:cNvSpPr txBox="1"/>
           <p:nvPr>
             <p:ph type="title"/>
@@ -17565,7 +18073,7 @@
         <p:spPr>
           <a:xfrm>
             <a:off x="581192" y="702156"/>
-            <a:ext cx="11029616" cy="1013800"/>
+            <a:ext cx="11029500" cy="1013700"/>
           </a:xfrm>
           <a:prstGeom prst="rect">
             <a:avLst/>
@@ -17597,7 +18105,7 @@
             </a:pPr>
             <a:r>
               <a:rPr lang="en-US"/>
-              <a:t>WHAT DO INVESTORS LOOK FOR?</a:t>
+              <a:t>METHODOLOGY</a:t>
             </a:r>
             <a:endParaRPr/>
           </a:p>
@@ -17605,7 +18113,7 @@
       </p:sp>
       <p:sp>
         <p:nvSpPr>
-          <p:cNvPr id="128" name="Google Shape;128;p4"/>
+          <p:cNvPr id="128" name="Google Shape;128;g2c4b658579b_3_1"/>
           <p:cNvSpPr txBox="1"/>
           <p:nvPr>
             <p:ph idx="1" type="body"/>
@@ -17614,7 +18122,7 @@
         <p:spPr>
           <a:xfrm>
             <a:off x="581192" y="2180496"/>
-            <a:ext cx="11029615" cy="3678303"/>
+            <a:ext cx="11029500" cy="4512300"/>
           </a:xfrm>
           <a:prstGeom prst="rect">
             <a:avLst/>
@@ -17626,7 +18134,7 @@
         </p:spPr>
         <p:txBody>
           <a:bodyPr anchorCtr="0" anchor="ctr" bIns="45700" lIns="91425" spcFirstLastPara="1" rIns="91425" wrap="square" tIns="45700">
-            <a:normAutofit fontScale="77500" lnSpcReduction="20000"/>
+            <a:normAutofit fontScale="92500" lnSpcReduction="20000"/>
           </a:bodyPr>
           <a:lstStyle/>
           <a:p>
@@ -17642,14 +18150,14 @@
             </a:pPr>
             <a:r>
               <a:rPr lang="en-US"/>
-              <a:t>Simple – a return on their investment!</a:t>
+              <a:t>The four big supermarkets in the U.S. are Walmart, Costco, Target and Albertsons.</a:t>
             </a:r>
             <a:endParaRPr/>
           </a:p>
           <a:p>
-            <a:pPr indent="-224504" lvl="0" marL="306000" rtl="0" algn="l">
-              <a:spcBef>
-                <a:spcPts val="879"/>
+            <a:pPr indent="-208730" lvl="0" marL="306000" rtl="0" algn="l">
+              <a:spcBef>
+                <a:spcPts val="933"/>
               </a:spcBef>
               <a:spcAft>
                 <a:spcPts val="0"/>
@@ -17665,7 +18173,7 @@
           <a:p>
             <a:pPr indent="-306000" lvl="0" marL="306000" rtl="0" algn="l">
               <a:spcBef>
-                <a:spcPts val="879"/>
+                <a:spcPts val="933"/>
               </a:spcBef>
               <a:spcAft>
                 <a:spcPts val="0"/>
@@ -17675,14 +18183,14 @@
             </a:pPr>
             <a:r>
               <a:rPr lang="en-US"/>
-              <a:t>Investors make money by a combination of dividend payments and (theoretically) selling their stock at a higher price than what they brought it for.</a:t>
+              <a:t>Data was sourced from Yahoo Finance.  Share price and dividend data was readily available – thank you Chace!</a:t>
             </a:r>
             <a:endParaRPr/>
           </a:p>
           <a:p>
-            <a:pPr indent="-224504" lvl="0" marL="306000" rtl="0" algn="l">
-              <a:spcBef>
-                <a:spcPts val="879"/>
+            <a:pPr indent="-208730" lvl="0" marL="306000" rtl="0" algn="l">
+              <a:spcBef>
+                <a:spcPts val="933"/>
               </a:spcBef>
               <a:spcAft>
                 <a:spcPts val="0"/>
@@ -17698,7 +18206,7 @@
           <a:p>
             <a:pPr indent="-306000" lvl="0" marL="306000" rtl="0" algn="l">
               <a:spcBef>
-                <a:spcPts val="879"/>
+                <a:spcPts val="933"/>
               </a:spcBef>
               <a:spcAft>
                 <a:spcPts val="0"/>
@@ -17708,14 +18216,47 @@
             </a:pPr>
             <a:r>
               <a:rPr lang="en-US"/>
-              <a:t>Factors to consider:  Overall increase in stock price</a:t>
+              <a:t>We did initially try to use the NASDAQ API key but found that we were limited to 14 lines of data –which we felt was not enough.</a:t>
             </a:r>
             <a:endParaRPr/>
           </a:p>
           <a:p>
+            <a:pPr indent="-208730" lvl="0" marL="306000" rtl="0" algn="l">
+              <a:spcBef>
+                <a:spcPts val="933"/>
+              </a:spcBef>
+              <a:spcAft>
+                <a:spcPts val="0"/>
+              </a:spcAft>
+              <a:buSzPct val="91999"/>
+              <a:buNone/>
+            </a:pPr>
+            <a:r>
+              <a:t/>
+            </a:r>
+            <a:endParaRPr/>
+          </a:p>
+          <a:p>
+            <a:pPr indent="-306000" lvl="0" marL="306000" rtl="0" algn="l">
+              <a:spcBef>
+                <a:spcPts val="933"/>
+              </a:spcBef>
+              <a:spcAft>
+                <a:spcPts val="0"/>
+              </a:spcAft>
+              <a:buSzPct val="91999"/>
+              <a:buChar char="◼"/>
+            </a:pPr>
+            <a:r>
+              <a:rPr lang="en-US"/>
+              <a:t>Information initially looked for:  Opening Stock Price</a:t>
+            </a:r>
+            <a:endParaRPr/>
+          </a:p>
+          <a:p>
             <a:pPr indent="0" lvl="0" marL="0" rtl="0" algn="l">
               <a:spcBef>
-                <a:spcPts val="879"/>
+                <a:spcPts val="933"/>
               </a:spcBef>
               <a:spcAft>
                 <a:spcPts val="0"/>
@@ -17725,14 +18266,14 @@
             </a:pPr>
             <a:r>
               <a:rPr lang="en-US"/>
-              <a:t>				Amount and frequency of dividend payouts</a:t>
+              <a:t>						      Closing Stock Price</a:t>
             </a:r>
             <a:endParaRPr/>
           </a:p>
           <a:p>
             <a:pPr indent="0" lvl="0" marL="0" rtl="0" algn="l">
               <a:spcBef>
-                <a:spcPts val="879"/>
+                <a:spcPts val="933"/>
               </a:spcBef>
               <a:spcAft>
                 <a:spcPts val="0"/>
@@ -17742,14 +18283,14 @@
             </a:pPr>
             <a:r>
               <a:rPr lang="en-US"/>
-              <a:t>				Volatility</a:t>
+              <a:t>						      Stock Volume Traded</a:t>
             </a:r>
             <a:endParaRPr/>
           </a:p>
           <a:p>
             <a:pPr indent="0" lvl="0" marL="0" rtl="0" algn="l">
               <a:spcBef>
-                <a:spcPts val="879"/>
+                <a:spcPts val="933"/>
               </a:spcBef>
               <a:spcAft>
                 <a:spcPts val="0"/>
@@ -17759,14 +18300,14 @@
             </a:pPr>
             <a:r>
               <a:rPr lang="en-US"/>
-              <a:t>				Company specific factors</a:t>
+              <a:t>   						      Time</a:t>
             </a:r>
             <a:endParaRPr/>
           </a:p>
           <a:p>
-            <a:pPr indent="0" lvl="0" marL="0" rtl="0" algn="l">
-              <a:spcBef>
-                <a:spcPts val="879"/>
+            <a:pPr indent="-208730" lvl="0" marL="306000" rtl="0" algn="l">
+              <a:spcBef>
+                <a:spcPts val="933"/>
               </a:spcBef>
               <a:spcAft>
                 <a:spcPts val="0"/>
@@ -17775,15 +18316,31 @@
               <a:buNone/>
             </a:pPr>
             <a:r>
+              <a:t/>
+            </a:r>
+            <a:endParaRPr/>
+          </a:p>
+          <a:p>
+            <a:pPr indent="-306000" lvl="0" marL="306000" rtl="0" algn="l">
+              <a:spcBef>
+                <a:spcPts val="933"/>
+              </a:spcBef>
+              <a:spcAft>
+                <a:spcPts val="0"/>
+              </a:spcAft>
+              <a:buSzPct val="91999"/>
+              <a:buChar char="◼"/>
+            </a:pPr>
+            <a:r>
               <a:rPr lang="en-US"/>
-              <a:t>				Industry / legislative factors.</a:t>
+              <a:t>This then evolved into incorporating dividends.</a:t>
             </a:r>
             <a:endParaRPr/>
           </a:p>
           <a:p>
-            <a:pPr indent="0" lvl="0" marL="0" rtl="0" algn="l">
-              <a:spcBef>
-                <a:spcPts val="879"/>
+            <a:pPr indent="-208730" lvl="0" marL="306000" rtl="0" algn="l">
+              <a:spcBef>
+                <a:spcPts val="933"/>
               </a:spcBef>
               <a:spcAft>
                 <a:spcPts val="0"/>
@@ -17793,23 +18350,6 @@
             </a:pPr>
             <a:r>
               <a:t/>
-            </a:r>
-            <a:endParaRPr/>
-          </a:p>
-          <a:p>
-            <a:pPr indent="0" lvl="0" marL="0" rtl="0" algn="l">
-              <a:spcBef>
-                <a:spcPts val="879"/>
-              </a:spcBef>
-              <a:spcAft>
-                <a:spcPts val="0"/>
-              </a:spcAft>
-              <a:buSzPct val="91999"/>
-              <a:buNone/>
-            </a:pPr>
-            <a:r>
-              <a:rPr lang="en-US"/>
-              <a:t>For the purposes of this project company specific,  industry and legislative factors were not considered.  No qualitative analysis was done primarily because none of us are terribly knowledgeable of the U.S. supermarket sector!</a:t>
             </a:r>
             <a:endParaRPr/>
           </a:p>
@@ -17842,7 +18382,7 @@
       </p:grpSpPr>
       <p:sp>
         <p:nvSpPr>
-          <p:cNvPr id="133" name="Google Shape;133;p5"/>
+          <p:cNvPr id="133" name="Google Shape;133;p4"/>
           <p:cNvSpPr txBox="1"/>
           <p:nvPr>
             <p:ph type="title"/>
@@ -17883,7 +18423,7 @@
             </a:pPr>
             <a:r>
               <a:rPr lang="en-US"/>
-              <a:t>6 KEY QUESTIONS</a:t>
+              <a:t>WHAT DO INVESTORS LOOK FOR?</a:t>
             </a:r>
             <a:endParaRPr/>
           </a:p>
@@ -17891,7 +18431,7 @@
       </p:sp>
       <p:sp>
         <p:nvSpPr>
-          <p:cNvPr id="134" name="Google Shape;134;p5"/>
+          <p:cNvPr id="134" name="Google Shape;134;p4"/>
           <p:cNvSpPr txBox="1"/>
           <p:nvPr>
             <p:ph idx="1" type="body"/>
@@ -17912,7 +18452,7 @@
         </p:spPr>
         <p:txBody>
           <a:bodyPr anchorCtr="0" anchor="ctr" bIns="45700" lIns="91425" spcFirstLastPara="1" rIns="91425" wrap="square" tIns="45700">
-            <a:normAutofit fontScale="85000" lnSpcReduction="20000"/>
+            <a:normAutofit fontScale="77500" lnSpcReduction="20000"/>
           </a:bodyPr>
           <a:lstStyle/>
           <a:p>
@@ -17928,14 +18468,14 @@
             </a:pPr>
             <a:r>
               <a:rPr lang="en-US"/>
-              <a:t>How does the stock price change over time?</a:t>
+              <a:t>Simple – a return on their investment!</a:t>
             </a:r>
             <a:endParaRPr/>
           </a:p>
           <a:p>
-            <a:pPr indent="-216617" lvl="0" marL="306000" rtl="0" algn="l">
-              <a:spcBef>
-                <a:spcPts val="906"/>
+            <a:pPr indent="-224504" lvl="0" marL="306000" rtl="0" algn="l">
+              <a:spcBef>
+                <a:spcPts val="879"/>
               </a:spcBef>
               <a:spcAft>
                 <a:spcPts val="0"/>
@@ -17951,7 +18491,7 @@
           <a:p>
             <a:pPr indent="-306000" lvl="0" marL="306000" rtl="0" algn="l">
               <a:spcBef>
-                <a:spcPts val="906"/>
+                <a:spcPts val="879"/>
               </a:spcBef>
               <a:spcAft>
                 <a:spcPts val="0"/>
@@ -17961,14 +18501,14 @@
             </a:pPr>
             <a:r>
               <a:rPr lang="en-US"/>
-              <a:t>How are dividends treated by the company?</a:t>
+              <a:t>Investors make money by a combination of dividend payments and (theoretically) selling their stock at a higher price than what they brought it for.</a:t>
             </a:r>
             <a:endParaRPr/>
           </a:p>
           <a:p>
-            <a:pPr indent="-216617" lvl="0" marL="306000" rtl="0" algn="l">
-              <a:spcBef>
-                <a:spcPts val="906"/>
+            <a:pPr indent="-224504" lvl="0" marL="306000" rtl="0" algn="l">
+              <a:spcBef>
+                <a:spcPts val="879"/>
               </a:spcBef>
               <a:spcAft>
                 <a:spcPts val="0"/>
@@ -17984,7 +18524,7 @@
           <a:p>
             <a:pPr indent="-306000" lvl="0" marL="306000" rtl="0" algn="l">
               <a:spcBef>
-                <a:spcPts val="906"/>
+                <a:spcPts val="879"/>
               </a:spcBef>
               <a:spcAft>
                 <a:spcPts val="0"/>
@@ -17994,14 +18534,14 @@
             </a:pPr>
             <a:r>
               <a:rPr lang="en-US"/>
-              <a:t>Does any of the stock have a greater degree of risk associated with it than the others?</a:t>
+              <a:t>Factors to consider:  Overall increase in stock price</a:t>
             </a:r>
             <a:endParaRPr/>
           </a:p>
           <a:p>
             <a:pPr indent="0" lvl="0" marL="0" rtl="0" algn="l">
               <a:spcBef>
-                <a:spcPts val="906"/>
+                <a:spcPts val="879"/>
               </a:spcBef>
               <a:spcAft>
                 <a:spcPts val="0"/>
@@ -18010,106 +18550,92 @@
               <a:buNone/>
             </a:pPr>
             <a:r>
+              <a:rPr lang="en-US"/>
+              <a:t>				Amount and frequency of dividend payouts</a:t>
+            </a:r>
+            <a:endParaRPr/>
+          </a:p>
+          <a:p>
+            <a:pPr indent="0" lvl="0" marL="0" rtl="0" algn="l">
+              <a:spcBef>
+                <a:spcPts val="879"/>
+              </a:spcBef>
+              <a:spcAft>
+                <a:spcPts val="0"/>
+              </a:spcAft>
+              <a:buSzPct val="91999"/>
+              <a:buNone/>
+            </a:pPr>
+            <a:r>
+              <a:rPr lang="en-US"/>
+              <a:t>				Volatility</a:t>
+            </a:r>
+            <a:endParaRPr/>
+          </a:p>
+          <a:p>
+            <a:pPr indent="0" lvl="0" marL="0" rtl="0" algn="l">
+              <a:spcBef>
+                <a:spcPts val="879"/>
+              </a:spcBef>
+              <a:spcAft>
+                <a:spcPts val="0"/>
+              </a:spcAft>
+              <a:buSzPct val="91999"/>
+              <a:buNone/>
+            </a:pPr>
+            <a:r>
+              <a:rPr lang="en-US"/>
+              <a:t>				Company specific factors</a:t>
+            </a:r>
+            <a:endParaRPr/>
+          </a:p>
+          <a:p>
+            <a:pPr indent="0" lvl="0" marL="0" rtl="0" algn="l">
+              <a:spcBef>
+                <a:spcPts val="879"/>
+              </a:spcBef>
+              <a:spcAft>
+                <a:spcPts val="0"/>
+              </a:spcAft>
+              <a:buSzPct val="91999"/>
+              <a:buNone/>
+            </a:pPr>
+            <a:r>
+              <a:rPr lang="en-US"/>
+              <a:t>				Industry / legislative factors.</a:t>
+            </a:r>
+            <a:endParaRPr/>
+          </a:p>
+          <a:p>
+            <a:pPr indent="0" lvl="0" marL="0" rtl="0" algn="l">
+              <a:spcBef>
+                <a:spcPts val="879"/>
+              </a:spcBef>
+              <a:spcAft>
+                <a:spcPts val="0"/>
+              </a:spcAft>
+              <a:buSzPct val="91999"/>
+              <a:buNone/>
+            </a:pPr>
+            <a:r>
               <a:t/>
             </a:r>
             <a:endParaRPr/>
           </a:p>
           <a:p>
-            <a:pPr indent="-306000" lvl="0" marL="306000" rtl="0" algn="l">
-              <a:spcBef>
-                <a:spcPts val="906"/>
+            <a:pPr indent="0" lvl="0" marL="0" rtl="0" algn="l">
+              <a:spcBef>
+                <a:spcPts val="879"/>
               </a:spcBef>
               <a:spcAft>
                 <a:spcPts val="0"/>
               </a:spcAft>
               <a:buSzPct val="91999"/>
-              <a:buChar char="◼"/>
+              <a:buNone/>
             </a:pPr>
             <a:r>
               <a:rPr lang="en-US"/>
-              <a:t>Which stock gives us the greatest return on investment?</a:t>
-            </a:r>
-            <a:endParaRPr/>
-          </a:p>
-          <a:p>
-            <a:pPr indent="-216617" lvl="0" marL="306000" rtl="0" algn="l">
-              <a:spcBef>
-                <a:spcPts val="906"/>
-              </a:spcBef>
-              <a:spcAft>
-                <a:spcPts val="0"/>
-              </a:spcAft>
-              <a:buSzPct val="91999"/>
-              <a:buNone/>
-            </a:pPr>
-            <a:r>
-              <a:t/>
-            </a:r>
-            <a:endParaRPr/>
-          </a:p>
-          <a:p>
-            <a:pPr indent="-306000" lvl="0" marL="306000" rtl="0" algn="l">
-              <a:spcBef>
-                <a:spcPts val="906"/>
-              </a:spcBef>
-              <a:spcAft>
-                <a:spcPts val="0"/>
-              </a:spcAft>
-              <a:buSzPct val="91999"/>
-              <a:buChar char="◼"/>
-            </a:pPr>
-            <a:r>
-              <a:rPr lang="en-US"/>
-              <a:t>Is past financial performance a true indicator or future financial performance?</a:t>
-            </a:r>
-            <a:endParaRPr/>
-          </a:p>
-          <a:p>
-            <a:pPr indent="-216617" lvl="0" marL="306000" rtl="0" algn="l">
-              <a:spcBef>
-                <a:spcPts val="906"/>
-              </a:spcBef>
-              <a:spcAft>
-                <a:spcPts val="0"/>
-              </a:spcAft>
-              <a:buSzPct val="91999"/>
-              <a:buNone/>
-            </a:pPr>
-            <a:r>
-              <a:t/>
-            </a:r>
-            <a:endParaRPr/>
-          </a:p>
-          <a:p>
-            <a:pPr indent="-306000" lvl="0" marL="306000" rtl="0" algn="l">
-              <a:spcBef>
-                <a:spcPts val="906"/>
-              </a:spcBef>
-              <a:spcAft>
-                <a:spcPts val="0"/>
-              </a:spcAft>
-              <a:buSzPct val="91999"/>
-              <a:buChar char="◼"/>
-            </a:pPr>
-            <a:r>
-              <a:rPr lang="en-US"/>
-              <a:t>Are there any other factors that could influence our investment decision?</a:t>
-            </a:r>
-            <a:endParaRPr/>
-          </a:p>
-          <a:p>
-            <a:pPr indent="-216617" lvl="0" marL="306000" rtl="0" algn="l">
-              <a:spcBef>
-                <a:spcPts val="906"/>
-              </a:spcBef>
-              <a:spcAft>
-                <a:spcPts val="0"/>
-              </a:spcAft>
-              <a:buSzPct val="91999"/>
-              <a:buNone/>
-            </a:pPr>
-            <a:r>
-              <a:t/>
+              <a:t>For the purposes of this project company specific,  industry and legislative factors were not considered.  No qualitative analysis was done primarily because none of us are terribly knowledgeable of the U.S. supermarket sector!</a:t>
             </a:r>
             <a:endParaRPr/>
           </a:p>
@@ -18142,7 +18668,7 @@
       </p:grpSpPr>
       <p:sp>
         <p:nvSpPr>
-          <p:cNvPr id="139" name="Google Shape;139;p6"/>
+          <p:cNvPr id="139" name="Google Shape;139;p5"/>
           <p:cNvSpPr txBox="1"/>
           <p:nvPr>
             <p:ph type="title"/>
@@ -18183,7 +18709,7 @@
             </a:pPr>
             <a:r>
               <a:rPr lang="en-US"/>
-              <a:t>HOW DOES THE STOCK PRICE CHANGE OVER TIME?</a:t>
+              <a:t>6 KEY QUESTIONS</a:t>
             </a:r>
             <a:endParaRPr/>
           </a:p>
@@ -18191,7 +18717,7 @@
       </p:sp>
       <p:sp>
         <p:nvSpPr>
-          <p:cNvPr id="140" name="Google Shape;140;p6"/>
+          <p:cNvPr id="140" name="Google Shape;140;p5"/>
           <p:cNvSpPr txBox="1"/>
           <p:nvPr>
             <p:ph idx="1" type="body"/>
@@ -18212,7 +18738,7 @@
         </p:spPr>
         <p:txBody>
           <a:bodyPr anchorCtr="0" anchor="ctr" bIns="45700" lIns="91425" spcFirstLastPara="1" rIns="91425" wrap="square" tIns="45700">
-            <a:normAutofit/>
+            <a:normAutofit fontScale="85000" lnSpcReduction="20000"/>
           </a:bodyPr>
           <a:lstStyle/>
           <a:p>
@@ -18223,24 +18749,24 @@
               <a:spcAft>
                 <a:spcPts val="0"/>
               </a:spcAft>
-              <a:buSzPts val="1656"/>
+              <a:buSzPct val="91999"/>
               <a:buChar char="◼"/>
             </a:pPr>
             <a:r>
               <a:rPr lang="en-US"/>
-              <a:t>To compare this, the increase of stock price was looked at in percentage terms over the last 5 years.</a:t>
+              <a:t>How does the stock price change over time?</a:t>
             </a:r>
             <a:endParaRPr/>
           </a:p>
           <a:p>
-            <a:pPr indent="-200844" lvl="0" marL="306000" rtl="0" algn="l">
-              <a:spcBef>
-                <a:spcPts val="960"/>
-              </a:spcBef>
-              <a:spcAft>
-                <a:spcPts val="0"/>
-              </a:spcAft>
-              <a:buSzPts val="1656"/>
+            <a:pPr indent="-216617" lvl="0" marL="306000" rtl="0" algn="l">
+              <a:spcBef>
+                <a:spcPts val="906"/>
+              </a:spcBef>
+              <a:spcAft>
+                <a:spcPts val="0"/>
+              </a:spcAft>
+              <a:buSzPct val="91999"/>
               <a:buNone/>
             </a:pPr>
             <a:r>
@@ -18251,29 +18777,29 @@
           <a:p>
             <a:pPr indent="-306000" lvl="0" marL="306000" rtl="0" algn="l">
               <a:spcBef>
-                <a:spcPts val="960"/>
-              </a:spcBef>
-              <a:spcAft>
-                <a:spcPts val="0"/>
-              </a:spcAft>
-              <a:buSzPts val="1656"/>
+                <a:spcPts val="906"/>
+              </a:spcBef>
+              <a:spcAft>
+                <a:spcPts val="0"/>
+              </a:spcAft>
+              <a:buSzPct val="91999"/>
               <a:buChar char="◼"/>
             </a:pPr>
             <a:r>
               <a:rPr lang="en-US"/>
-              <a:t>We took the view that a longer time frame theoretically would allow us to make more concrete conclusions as specific events could be “evened out” and not skew the data as much. </a:t>
+              <a:t>How are dividends treated by the company?</a:t>
             </a:r>
             <a:endParaRPr/>
           </a:p>
           <a:p>
-            <a:pPr indent="-200844" lvl="0" marL="306000" rtl="0" algn="l">
-              <a:spcBef>
-                <a:spcPts val="960"/>
-              </a:spcBef>
-              <a:spcAft>
-                <a:spcPts val="0"/>
-              </a:spcAft>
-              <a:buSzPts val="1656"/>
+            <a:pPr indent="-216617" lvl="0" marL="306000" rtl="0" algn="l">
+              <a:spcBef>
+                <a:spcPts val="906"/>
+              </a:spcBef>
+              <a:spcAft>
+                <a:spcPts val="0"/>
+              </a:spcAft>
+              <a:buSzPct val="91999"/>
               <a:buNone/>
             </a:pPr>
             <a:r>
@@ -18284,17 +18810,132 @@
           <a:p>
             <a:pPr indent="-306000" lvl="0" marL="306000" rtl="0" algn="l">
               <a:spcBef>
-                <a:spcPts val="960"/>
-              </a:spcBef>
-              <a:spcAft>
-                <a:spcPts val="0"/>
-              </a:spcAft>
-              <a:buSzPts val="1656"/>
+                <a:spcPts val="906"/>
+              </a:spcBef>
+              <a:spcAft>
+                <a:spcPts val="0"/>
+              </a:spcAft>
+              <a:buSzPct val="91999"/>
               <a:buChar char="◼"/>
             </a:pPr>
             <a:r>
               <a:rPr lang="en-US"/>
-              <a:t>Actual price was not considered – the actual stock price is more a barrier to entry rather than a measure of performance.</a:t>
+              <a:t>Does any of the stock have a greater degree of risk associated with it than the others?</a:t>
+            </a:r>
+            <a:endParaRPr/>
+          </a:p>
+          <a:p>
+            <a:pPr indent="0" lvl="0" marL="0" rtl="0" algn="l">
+              <a:spcBef>
+                <a:spcPts val="906"/>
+              </a:spcBef>
+              <a:spcAft>
+                <a:spcPts val="0"/>
+              </a:spcAft>
+              <a:buSzPct val="91999"/>
+              <a:buNone/>
+            </a:pPr>
+            <a:r>
+              <a:t/>
+            </a:r>
+            <a:endParaRPr/>
+          </a:p>
+          <a:p>
+            <a:pPr indent="-306000" lvl="0" marL="306000" rtl="0" algn="l">
+              <a:spcBef>
+                <a:spcPts val="906"/>
+              </a:spcBef>
+              <a:spcAft>
+                <a:spcPts val="0"/>
+              </a:spcAft>
+              <a:buSzPct val="91999"/>
+              <a:buChar char="◼"/>
+            </a:pPr>
+            <a:r>
+              <a:rPr lang="en-US"/>
+              <a:t>Which stock gives us the greatest return on investment?</a:t>
+            </a:r>
+            <a:endParaRPr/>
+          </a:p>
+          <a:p>
+            <a:pPr indent="-216617" lvl="0" marL="306000" rtl="0" algn="l">
+              <a:spcBef>
+                <a:spcPts val="906"/>
+              </a:spcBef>
+              <a:spcAft>
+                <a:spcPts val="0"/>
+              </a:spcAft>
+              <a:buSzPct val="91999"/>
+              <a:buNone/>
+            </a:pPr>
+            <a:r>
+              <a:t/>
+            </a:r>
+            <a:endParaRPr/>
+          </a:p>
+          <a:p>
+            <a:pPr indent="-306000" lvl="0" marL="306000" rtl="0" algn="l">
+              <a:spcBef>
+                <a:spcPts val="906"/>
+              </a:spcBef>
+              <a:spcAft>
+                <a:spcPts val="0"/>
+              </a:spcAft>
+              <a:buSzPct val="91999"/>
+              <a:buChar char="◼"/>
+            </a:pPr>
+            <a:r>
+              <a:rPr lang="en-US"/>
+              <a:t>Is past financial performance a true indicator or future financial performance?</a:t>
+            </a:r>
+            <a:endParaRPr/>
+          </a:p>
+          <a:p>
+            <a:pPr indent="-216617" lvl="0" marL="306000" rtl="0" algn="l">
+              <a:spcBef>
+                <a:spcPts val="906"/>
+              </a:spcBef>
+              <a:spcAft>
+                <a:spcPts val="0"/>
+              </a:spcAft>
+              <a:buSzPct val="91999"/>
+              <a:buNone/>
+            </a:pPr>
+            <a:r>
+              <a:t/>
+            </a:r>
+            <a:endParaRPr/>
+          </a:p>
+          <a:p>
+            <a:pPr indent="-306000" lvl="0" marL="306000" rtl="0" algn="l">
+              <a:spcBef>
+                <a:spcPts val="906"/>
+              </a:spcBef>
+              <a:spcAft>
+                <a:spcPts val="0"/>
+              </a:spcAft>
+              <a:buSzPct val="91999"/>
+              <a:buChar char="◼"/>
+            </a:pPr>
+            <a:r>
+              <a:rPr lang="en-US"/>
+              <a:t>Are there any other factors that could influence our investment decision?</a:t>
+            </a:r>
+            <a:endParaRPr/>
+          </a:p>
+          <a:p>
+            <a:pPr indent="-216617" lvl="0" marL="306000" rtl="0" algn="l">
+              <a:spcBef>
+                <a:spcPts val="906"/>
+              </a:spcBef>
+              <a:spcAft>
+                <a:spcPts val="0"/>
+              </a:spcAft>
+              <a:buSzPct val="91999"/>
+              <a:buNone/>
+            </a:pPr>
+            <a:r>
+              <a:t/>
             </a:r>
             <a:endParaRPr/>
           </a:p>
@@ -18327,7 +18968,192 @@
       </p:grpSpPr>
       <p:sp>
         <p:nvSpPr>
-          <p:cNvPr id="145" name="Google Shape;145;p7"/>
+          <p:cNvPr id="145" name="Google Shape;145;p6"/>
+          <p:cNvSpPr txBox="1"/>
+          <p:nvPr>
+            <p:ph type="title"/>
+          </p:nvPr>
+        </p:nvSpPr>
+        <p:spPr>
+          <a:xfrm>
+            <a:off x="581192" y="702156"/>
+            <a:ext cx="11029616" cy="1013800"/>
+          </a:xfrm>
+          <a:prstGeom prst="rect">
+            <a:avLst/>
+          </a:prstGeom>
+          <a:noFill/>
+          <a:ln>
+            <a:noFill/>
+          </a:ln>
+        </p:spPr>
+        <p:txBody>
+          <a:bodyPr anchorCtr="0" anchor="b" bIns="45700" lIns="91425" spcFirstLastPara="1" rIns="91425" wrap="square" tIns="45700">
+            <a:normAutofit/>
+          </a:bodyPr>
+          <a:lstStyle/>
+          <a:p>
+            <a:pPr indent="0" lvl="0" marL="0" rtl="0" algn="l">
+              <a:spcBef>
+                <a:spcPts val="0"/>
+              </a:spcBef>
+              <a:spcAft>
+                <a:spcPts val="0"/>
+              </a:spcAft>
+              <a:buClr>
+                <a:schemeClr val="lt1"/>
+              </a:buClr>
+              <a:buSzPts val="2800"/>
+              <a:buFont typeface="Gill Sans"/>
+              <a:buNone/>
+            </a:pPr>
+            <a:r>
+              <a:rPr lang="en-US"/>
+              <a:t>HOW DOES THE STOCK PRICE CHANGE OVER TIME?</a:t>
+            </a:r>
+            <a:endParaRPr/>
+          </a:p>
+        </p:txBody>
+      </p:sp>
+      <p:sp>
+        <p:nvSpPr>
+          <p:cNvPr id="146" name="Google Shape;146;p6"/>
+          <p:cNvSpPr txBox="1"/>
+          <p:nvPr>
+            <p:ph idx="1" type="body"/>
+          </p:nvPr>
+        </p:nvSpPr>
+        <p:spPr>
+          <a:xfrm>
+            <a:off x="581192" y="2180496"/>
+            <a:ext cx="11029615" cy="3678303"/>
+          </a:xfrm>
+          <a:prstGeom prst="rect">
+            <a:avLst/>
+          </a:prstGeom>
+          <a:noFill/>
+          <a:ln>
+            <a:noFill/>
+          </a:ln>
+        </p:spPr>
+        <p:txBody>
+          <a:bodyPr anchorCtr="0" anchor="ctr" bIns="45700" lIns="91425" spcFirstLastPara="1" rIns="91425" wrap="square" tIns="45700">
+            <a:normAutofit/>
+          </a:bodyPr>
+          <a:lstStyle/>
+          <a:p>
+            <a:pPr indent="-306000" lvl="0" marL="306000" rtl="0" algn="l">
+              <a:spcBef>
+                <a:spcPts val="0"/>
+              </a:spcBef>
+              <a:spcAft>
+                <a:spcPts val="0"/>
+              </a:spcAft>
+              <a:buSzPts val="1656"/>
+              <a:buChar char="◼"/>
+            </a:pPr>
+            <a:r>
+              <a:rPr lang="en-US"/>
+              <a:t>To compare this, the increase of stock price was looked at in percentage terms over the last 5 years.</a:t>
+            </a:r>
+            <a:endParaRPr/>
+          </a:p>
+          <a:p>
+            <a:pPr indent="-200844" lvl="0" marL="306000" rtl="0" algn="l">
+              <a:spcBef>
+                <a:spcPts val="960"/>
+              </a:spcBef>
+              <a:spcAft>
+                <a:spcPts val="0"/>
+              </a:spcAft>
+              <a:buSzPts val="1656"/>
+              <a:buNone/>
+            </a:pPr>
+            <a:r>
+              <a:t/>
+            </a:r>
+            <a:endParaRPr/>
+          </a:p>
+          <a:p>
+            <a:pPr indent="-306000" lvl="0" marL="306000" rtl="0" algn="l">
+              <a:spcBef>
+                <a:spcPts val="960"/>
+              </a:spcBef>
+              <a:spcAft>
+                <a:spcPts val="0"/>
+              </a:spcAft>
+              <a:buSzPts val="1656"/>
+              <a:buChar char="◼"/>
+            </a:pPr>
+            <a:r>
+              <a:rPr lang="en-US"/>
+              <a:t>We took the view that a longer time frame theoretically would allow us to make more concrete conclusions as specific events could be “evened out” and not skew the data as much. </a:t>
+            </a:r>
+            <a:endParaRPr/>
+          </a:p>
+          <a:p>
+            <a:pPr indent="-200844" lvl="0" marL="306000" rtl="0" algn="l">
+              <a:spcBef>
+                <a:spcPts val="960"/>
+              </a:spcBef>
+              <a:spcAft>
+                <a:spcPts val="0"/>
+              </a:spcAft>
+              <a:buSzPts val="1656"/>
+              <a:buNone/>
+            </a:pPr>
+            <a:r>
+              <a:t/>
+            </a:r>
+            <a:endParaRPr/>
+          </a:p>
+          <a:p>
+            <a:pPr indent="-306000" lvl="0" marL="306000" rtl="0" algn="l">
+              <a:spcBef>
+                <a:spcPts val="960"/>
+              </a:spcBef>
+              <a:spcAft>
+                <a:spcPts val="0"/>
+              </a:spcAft>
+              <a:buSzPts val="1656"/>
+              <a:buChar char="◼"/>
+            </a:pPr>
+            <a:r>
+              <a:rPr lang="en-US"/>
+              <a:t>Actual price was not considered – the actual stock price is more a barrier to entry rather than a measure of performance.</a:t>
+            </a:r>
+            <a:endParaRPr/>
+          </a:p>
+        </p:txBody>
+      </p:sp>
+    </p:spTree>
+  </p:cSld>
+  <p:clrMapOvr>
+    <a:masterClrMapping/>
+  </p:clrMapOvr>
+</p:sld>
+</file>
+
+<file path=ppt/slides/slide9.xml><?xml version="1.0" encoding="utf-8"?>
+<p:sld xmlns:a="http://schemas.openxmlformats.org/drawingml/2006/main" xmlns:r="http://schemas.openxmlformats.org/officeDocument/2006/relationships" xmlns:mc="http://schemas.openxmlformats.org/markup-compatibility/2006" xmlns:mv="urn:schemas-microsoft-com:mac:vml" xmlns:p="http://schemas.openxmlformats.org/presentationml/2006/main" xmlns:c="http://schemas.openxmlformats.org/drawingml/2006/chart" xmlns:dgm="http://schemas.openxmlformats.org/drawingml/2006/diagram" xmlns:o="urn:schemas-microsoft-com:office:office" xmlns:v="urn:schemas-microsoft-com:vml" xmlns:pvml="urn:schemas-microsoft-com:office:powerpoint" xmlns:com="http://schemas.openxmlformats.org/drawingml/2006/compatibility" xmlns:p14="http://schemas.microsoft.com/office/powerpoint/2010/main" xmlns:p15="http://schemas.microsoft.com/office/powerpoint/2012/main" xmlns:ahyp="http://schemas.microsoft.com/office/drawing/2018/hyperlinkcolor">
+  <p:cSld>
+    <p:spTree>
+      <p:nvGrpSpPr>
+        <p:cNvPr id="150" name="Shape 150"/>
+        <p:cNvGrpSpPr/>
+        <p:nvPr/>
+      </p:nvGrpSpPr>
+      <p:grpSpPr>
+        <a:xfrm>
+          <a:off x="0" y="0"/>
+          <a:ext cx="0" cy="0"/>
+          <a:chOff x="0" y="0"/>
+          <a:chExt cx="0" cy="0"/>
+        </a:xfrm>
+      </p:grpSpPr>
+      <p:sp>
+        <p:nvSpPr>
+          <p:cNvPr id="151" name="Google Shape;151;p7"/>
           <p:cNvSpPr txBox="1"/>
           <p:nvPr>
             <p:ph type="title"/>
@@ -18380,7 +19206,7 @@
       </p:sp>
       <p:pic>
         <p:nvPicPr>
-          <p:cNvPr id="146" name="Google Shape;146;p7"/>
+          <p:cNvPr id="152" name="Google Shape;152;p7"/>
           <p:cNvPicPr preferRelativeResize="0"/>
           <p:nvPr>
             <p:ph idx="1" type="body"/>
@@ -18409,7 +19235,7 @@
       </p:pic>
       <p:pic>
         <p:nvPicPr>
-          <p:cNvPr id="147" name="Google Shape;147;p7"/>
+          <p:cNvPr id="153" name="Google Shape;153;p7"/>
           <p:cNvPicPr preferRelativeResize="0"/>
           <p:nvPr>
             <p:ph idx="2" type="body"/>
@@ -18426,142 +19252,6 @@
           <a:xfrm>
             <a:off x="6188075" y="2443906"/>
             <a:ext cx="5422900" cy="3200501"/>
-          </a:xfrm>
-          <a:prstGeom prst="rect">
-            <a:avLst/>
-          </a:prstGeom>
-          <a:noFill/>
-          <a:ln>
-            <a:noFill/>
-          </a:ln>
-        </p:spPr>
-      </p:pic>
-    </p:spTree>
-  </p:cSld>
-  <p:clrMapOvr>
-    <a:masterClrMapping/>
-  </p:clrMapOvr>
-</p:sld>
-</file>
-
-<file path=ppt/slides/slide9.xml><?xml version="1.0" encoding="utf-8"?>
-<p:sld xmlns:a="http://schemas.openxmlformats.org/drawingml/2006/main" xmlns:r="http://schemas.openxmlformats.org/officeDocument/2006/relationships" xmlns:mc="http://schemas.openxmlformats.org/markup-compatibility/2006" xmlns:mv="urn:schemas-microsoft-com:mac:vml" xmlns:p="http://schemas.openxmlformats.org/presentationml/2006/main" xmlns:c="http://schemas.openxmlformats.org/drawingml/2006/chart" xmlns:dgm="http://schemas.openxmlformats.org/drawingml/2006/diagram" xmlns:o="urn:schemas-microsoft-com:office:office" xmlns:v="urn:schemas-microsoft-com:vml" xmlns:pvml="urn:schemas-microsoft-com:office:powerpoint" xmlns:com="http://schemas.openxmlformats.org/drawingml/2006/compatibility" xmlns:p14="http://schemas.microsoft.com/office/powerpoint/2010/main" xmlns:p15="http://schemas.microsoft.com/office/powerpoint/2012/main" xmlns:ahyp="http://schemas.microsoft.com/office/drawing/2018/hyperlinkcolor">
-  <p:cSld>
-    <p:spTree>
-      <p:nvGrpSpPr>
-        <p:cNvPr id="151" name="Shape 151"/>
-        <p:cNvGrpSpPr/>
-        <p:nvPr/>
-      </p:nvGrpSpPr>
-      <p:grpSpPr>
-        <a:xfrm>
-          <a:off x="0" y="0"/>
-          <a:ext cx="0" cy="0"/>
-          <a:chOff x="0" y="0"/>
-          <a:chExt cx="0" cy="0"/>
-        </a:xfrm>
-      </p:grpSpPr>
-      <p:sp>
-        <p:nvSpPr>
-          <p:cNvPr id="152" name="Google Shape;152;p8"/>
-          <p:cNvSpPr txBox="1"/>
-          <p:nvPr>
-            <p:ph type="title"/>
-          </p:nvPr>
-        </p:nvSpPr>
-        <p:spPr>
-          <a:xfrm>
-            <a:off x="581193" y="729658"/>
-            <a:ext cx="11029616" cy="988332"/>
-          </a:xfrm>
-          <a:prstGeom prst="rect">
-            <a:avLst/>
-          </a:prstGeom>
-          <a:noFill/>
-          <a:ln>
-            <a:noFill/>
-          </a:ln>
-        </p:spPr>
-        <p:txBody>
-          <a:bodyPr anchorCtr="0" anchor="b" bIns="45700" lIns="91425" spcFirstLastPara="1" rIns="91425" wrap="square" tIns="45700">
-            <a:normAutofit/>
-          </a:bodyPr>
-          <a:lstStyle/>
-          <a:p>
-            <a:pPr indent="0" lvl="0" marL="0" rtl="0" algn="l">
-              <a:spcBef>
-                <a:spcPts val="0"/>
-              </a:spcBef>
-              <a:spcAft>
-                <a:spcPts val="0"/>
-              </a:spcAft>
-              <a:buClr>
-                <a:schemeClr val="lt1"/>
-              </a:buClr>
-              <a:buSzPts val="2800"/>
-              <a:buFont typeface="Gill Sans"/>
-              <a:buNone/>
-            </a:pPr>
-            <a:r>
-              <a:rPr lang="en-US"/>
-              <a:t>HOW DOES THE STOCK PRICE CHANGE OVER TIME</a:t>
-            </a:r>
-            <a:r>
-              <a:rPr lang="en-US"/>
-              <a:t>?</a:t>
-            </a:r>
-            <a:endParaRPr/>
-          </a:p>
-        </p:txBody>
-      </p:sp>
-      <p:pic>
-        <p:nvPicPr>
-          <p:cNvPr id="153" name="Google Shape;153;p8"/>
-          <p:cNvPicPr preferRelativeResize="0"/>
-          <p:nvPr>
-            <p:ph idx="2" type="body"/>
-          </p:nvPr>
-        </p:nvPicPr>
-        <p:blipFill rotWithShape="1">
-          <a:blip r:embed="rId3">
-            <a:alphaModFix/>
-          </a:blip>
-          <a:srcRect b="0" l="0" r="0" t="0"/>
-          <a:stretch/>
-        </p:blipFill>
-        <p:spPr>
-          <a:xfrm>
-            <a:off x="6188075" y="2471454"/>
-            <a:ext cx="5422900" cy="3145405"/>
-          </a:xfrm>
-          <a:prstGeom prst="rect">
-            <a:avLst/>
-          </a:prstGeom>
-          <a:noFill/>
-          <a:ln>
-            <a:noFill/>
-          </a:ln>
-        </p:spPr>
-      </p:pic>
-      <p:pic>
-        <p:nvPicPr>
-          <p:cNvPr id="154" name="Google Shape;154;p8"/>
-          <p:cNvPicPr preferRelativeResize="0"/>
-          <p:nvPr>
-            <p:ph idx="1" type="body"/>
-          </p:nvPr>
-        </p:nvPicPr>
-        <p:blipFill rotWithShape="1">
-          <a:blip r:embed="rId4">
-            <a:alphaModFix/>
-          </a:blip>
-          <a:srcRect b="0" l="0" r="0" t="0"/>
-          <a:stretch/>
-        </p:blipFill>
-        <p:spPr>
-          <a:xfrm>
-            <a:off x="581025" y="2458097"/>
-            <a:ext cx="5422900" cy="3172118"/>
           </a:xfrm>
           <a:prstGeom prst="rect">
             <a:avLst/>

--- a/presentation/Group 3 – FINANCIAL ANALYSIS.pptx
+++ b/presentation/Group 3 – FINANCIAL ANALYSIS.pptx
@@ -17831,8 +17831,7 @@
               <a:buChar char="◼"/>
             </a:pPr>
             <a:r>
-              <a:rPr lang="en-US"/>
-              <a:t>The four big supermarkets in the U.S. are Walmart, Costco, Target and Albertsons.</a:t>
+              <a:t/>
             </a:r>
             <a:endParaRPr/>
           </a:p>

--- a/presentation/Group 3 – FINANCIAL ANALYSIS.pptx
+++ b/presentation/Group 3 – FINANCIAL ANALYSIS.pptx
@@ -17820,15 +17820,14 @@
           </a:bodyPr>
           <a:lstStyle/>
           <a:p>
-            <a:pPr indent="-306000" lvl="0" marL="306000" rtl="0" algn="l">
-              <a:spcBef>
-                <a:spcPts val="0"/>
-              </a:spcBef>
-              <a:spcAft>
-                <a:spcPts val="0"/>
-              </a:spcAft>
-              <a:buSzPct val="91999"/>
-              <a:buChar char="◼"/>
+            <a:pPr indent="0" lvl="0" marL="0" rtl="0" algn="l">
+              <a:spcBef>
+                <a:spcPts val="0"/>
+              </a:spcBef>
+              <a:spcAft>
+                <a:spcPts val="0"/>
+              </a:spcAft>
+              <a:buNone/>
             </a:pPr>
             <a:r>
               <a:t/>
@@ -19270,6 +19269,285 @@
 </file>
 
 <file path=ppt/theme/theme1.xml><?xml version="1.0" encoding="utf-8"?>
+<a:theme xmlns:a="http://schemas.openxmlformats.org/drawingml/2006/main" xmlns:r="http://schemas.openxmlformats.org/officeDocument/2006/relationships">
+  <a:themeElements>
+    <a:clrScheme name="Default">
+      <a:dk1>
+        <a:srgbClr val="000000"/>
+      </a:dk1>
+      <a:lt1>
+        <a:srgbClr val="FFFFFF"/>
+      </a:lt1>
+      <a:dk2>
+        <a:srgbClr val="158158"/>
+      </a:dk2>
+      <a:lt2>
+        <a:srgbClr val="F3F3F3"/>
+      </a:lt2>
+      <a:accent1>
+        <a:srgbClr val="058DC7"/>
+      </a:accent1>
+      <a:accent2>
+        <a:srgbClr val="50B432"/>
+      </a:accent2>
+      <a:accent3>
+        <a:srgbClr val="ED561B"/>
+      </a:accent3>
+      <a:accent4>
+        <a:srgbClr val="EDEF00"/>
+      </a:accent4>
+      <a:accent5>
+        <a:srgbClr val="24CBE5"/>
+      </a:accent5>
+      <a:accent6>
+        <a:srgbClr val="64E572"/>
+      </a:accent6>
+      <a:hlink>
+        <a:srgbClr val="2200CC"/>
+      </a:hlink>
+      <a:folHlink>
+        <a:srgbClr val="551A8B"/>
+      </a:folHlink>
+    </a:clrScheme>
+    <a:fontScheme name="Office">
+      <a:majorFont>
+        <a:latin typeface="Arial"/>
+        <a:ea typeface=""/>
+        <a:cs typeface=""/>
+        <a:font script="Jpan" typeface="ＭＳ Ｐゴシック"/>
+        <a:font script="Hang" typeface="맑은 고딕"/>
+        <a:font script="Hans" typeface="宋体"/>
+        <a:font script="Hant" typeface="新細明體"/>
+        <a:font script="Arab" typeface="Times New Roman"/>
+        <a:font script="Hebr" typeface="Times New Roman"/>
+        <a:font script="Thai" typeface="Angsana New"/>
+        <a:font script="Ethi" typeface="Nyala"/>
+        <a:font script="Beng" typeface="Vrinda"/>
+        <a:font script="Gujr" typeface="Shruti"/>
+        <a:font script="Khmr" typeface="MoolBoran"/>
+        <a:font script="Knda" typeface="Tunga"/>
+        <a:font script="Guru" typeface="Raavi"/>
+        <a:font script="Cans" typeface="Euphemia"/>
+        <a:font script="Cher" typeface="Plantagenet Cherokee"/>
+        <a:font script="Yiii" typeface="Microsoft Yi Baiti"/>
+        <a:font script="Tibt" typeface="Microsoft Himalaya"/>
+        <a:font script="Thaa" typeface="MV Boli"/>
+        <a:font script="Deva" typeface="Mangal"/>
+        <a:font script="Telu" typeface="Gautami"/>
+        <a:font script="Taml" typeface="Latha"/>
+        <a:font script="Syrc" typeface="Estrangelo Edessa"/>
+        <a:font script="Orya" typeface="Kalinga"/>
+        <a:font script="Mlym" typeface="Kartika"/>
+        <a:font script="Laoo" typeface="DokChampa"/>
+        <a:font script="Sinh" typeface="Iskoola Pota"/>
+        <a:font script="Mong" typeface="Mongolian Baiti"/>
+        <a:font script="Viet" typeface="Times New Roman"/>
+        <a:font script="Uigh" typeface="Microsoft Uighur"/>
+        <a:font script="Geor" typeface="Sylfaen"/>
+      </a:majorFont>
+      <a:minorFont>
+        <a:latin typeface="Arial"/>
+        <a:ea typeface=""/>
+        <a:cs typeface=""/>
+        <a:font script="Jpan" typeface="ＭＳ Ｐゴシック"/>
+        <a:font script="Hang" typeface="맑은 고딕"/>
+        <a:font script="Hans" typeface="宋体"/>
+        <a:font script="Hant" typeface="新細明體"/>
+        <a:font script="Arab" typeface="Arial"/>
+        <a:font script="Hebr" typeface="Arial"/>
+        <a:font script="Thai" typeface="Cordia New"/>
+        <a:font script="Ethi" typeface="Nyala"/>
+        <a:font script="Beng" typeface="Vrinda"/>
+        <a:font script="Gujr" typeface="Shruti"/>
+        <a:font script="Khmr" typeface="DaunPenh"/>
+        <a:font script="Knda" typeface="Tunga"/>
+        <a:font script="Guru" typeface="Raavi"/>
+        <a:font script="Cans" typeface="Euphemia"/>
+        <a:font script="Cher" typeface="Plantagenet Cherokee"/>
+        <a:font script="Yiii" typeface="Microsoft Yi Baiti"/>
+        <a:font script="Tibt" typeface="Microsoft Himalaya"/>
+        <a:font script="Thaa" typeface="MV Boli"/>
+        <a:font script="Deva" typeface="Mangal"/>
+        <a:font script="Telu" typeface="Gautami"/>
+        <a:font script="Taml" typeface="Latha"/>
+        <a:font script="Syrc" typeface="Estrangelo Edessa"/>
+        <a:font script="Orya" typeface="Kalinga"/>
+        <a:font script="Mlym" typeface="Kartika"/>
+        <a:font script="Laoo" typeface="DokChampa"/>
+        <a:font script="Sinh" typeface="Iskoola Pota"/>
+        <a:font script="Mong" typeface="Mongolian Baiti"/>
+        <a:font script="Viet" typeface="Arial"/>
+        <a:font script="Uigh" typeface="Microsoft Uighur"/>
+        <a:font script="Geor" typeface="Sylfaen"/>
+      </a:minorFont>
+    </a:fontScheme>
+    <a:fmtScheme name="Office">
+      <a:fillStyleLst>
+        <a:solidFill>
+          <a:schemeClr val="phClr"/>
+        </a:solidFill>
+        <a:gradFill rotWithShape="1">
+          <a:gsLst>
+            <a:gs pos="0">
+              <a:schemeClr val="phClr">
+                <a:tint val="50000"/>
+                <a:satMod val="300000"/>
+              </a:schemeClr>
+            </a:gs>
+            <a:gs pos="35000">
+              <a:schemeClr val="phClr">
+                <a:tint val="37000"/>
+                <a:satMod val="300000"/>
+              </a:schemeClr>
+            </a:gs>
+            <a:gs pos="100000">
+              <a:schemeClr val="phClr">
+                <a:tint val="15000"/>
+                <a:satMod val="350000"/>
+              </a:schemeClr>
+            </a:gs>
+          </a:gsLst>
+          <a:lin ang="16200000" scaled="1"/>
+        </a:gradFill>
+        <a:gradFill rotWithShape="1">
+          <a:gsLst>
+            <a:gs pos="0">
+              <a:schemeClr val="phClr">
+                <a:tint val="100000"/>
+                <a:shade val="100000"/>
+                <a:satMod val="130000"/>
+              </a:schemeClr>
+            </a:gs>
+            <a:gs pos="100000">
+              <a:schemeClr val="phClr">
+                <a:tint val="50000"/>
+                <a:shade val="100000"/>
+                <a:satMod val="350000"/>
+              </a:schemeClr>
+            </a:gs>
+          </a:gsLst>
+          <a:lin ang="16200000" scaled="0"/>
+        </a:gradFill>
+      </a:fillStyleLst>
+      <a:lnStyleLst>
+        <a:ln w="9525" cap="flat" cmpd="sng" algn="ctr">
+          <a:solidFill>
+            <a:schemeClr val="phClr">
+              <a:shade val="95000"/>
+              <a:satMod val="105000"/>
+            </a:schemeClr>
+          </a:solidFill>
+          <a:prstDash val="solid"/>
+        </a:ln>
+        <a:ln w="25400" cap="flat" cmpd="sng" algn="ctr">
+          <a:solidFill>
+            <a:schemeClr val="phClr"/>
+          </a:solidFill>
+          <a:prstDash val="solid"/>
+        </a:ln>
+        <a:ln w="38100" cap="flat" cmpd="sng" algn="ctr">
+          <a:solidFill>
+            <a:schemeClr val="phClr"/>
+          </a:solidFill>
+          <a:prstDash val="solid"/>
+        </a:ln>
+      </a:lnStyleLst>
+      <a:effectStyleLst>
+        <a:effectStyle>
+          <a:effectLst>
+            <a:outerShdw blurRad="40000" dist="20000" dir="5400000" rotWithShape="0">
+              <a:srgbClr val="000000">
+                <a:alpha val="38000"/>
+              </a:srgbClr>
+            </a:outerShdw>
+          </a:effectLst>
+        </a:effectStyle>
+        <a:effectStyle>
+          <a:effectLst>
+            <a:outerShdw blurRad="40000" dist="23000" dir="5400000" rotWithShape="0">
+              <a:srgbClr val="000000">
+                <a:alpha val="35000"/>
+              </a:srgbClr>
+            </a:outerShdw>
+          </a:effectLst>
+        </a:effectStyle>
+        <a:effectStyle>
+          <a:effectLst>
+            <a:outerShdw blurRad="40000" dist="23000" dir="5400000" rotWithShape="0">
+              <a:srgbClr val="000000">
+                <a:alpha val="35000"/>
+              </a:srgbClr>
+            </a:outerShdw>
+          </a:effectLst>
+          <a:scene3d>
+            <a:camera prst="orthographicFront">
+              <a:rot lat="0" lon="0" rev="0"/>
+            </a:camera>
+            <a:lightRig rig="threePt" dir="t">
+              <a:rot lat="0" lon="0" rev="1200000"/>
+            </a:lightRig>
+          </a:scene3d>
+          <a:sp3d>
+            <a:bevelT w="63500" h="25400"/>
+          </a:sp3d>
+        </a:effectStyle>
+      </a:effectStyleLst>
+      <a:bgFillStyleLst>
+        <a:solidFill>
+          <a:schemeClr val="phClr"/>
+        </a:solidFill>
+        <a:gradFill rotWithShape="1">
+          <a:gsLst>
+            <a:gs pos="0">
+              <a:schemeClr val="phClr">
+                <a:tint val="40000"/>
+                <a:satMod val="350000"/>
+              </a:schemeClr>
+            </a:gs>
+            <a:gs pos="40000">
+              <a:schemeClr val="phClr">
+                <a:tint val="45000"/>
+                <a:shade val="99000"/>
+                <a:satMod val="350000"/>
+              </a:schemeClr>
+            </a:gs>
+            <a:gs pos="100000">
+              <a:schemeClr val="phClr">
+                <a:shade val="20000"/>
+                <a:satMod val="255000"/>
+              </a:schemeClr>
+            </a:gs>
+          </a:gsLst>
+          <a:path path="circle">
+            <a:fillToRect l="50000" t="-80000" r="50000" b="180000"/>
+          </a:path>
+        </a:gradFill>
+        <a:gradFill rotWithShape="1">
+          <a:gsLst>
+            <a:gs pos="0">
+              <a:schemeClr val="phClr">
+                <a:tint val="80000"/>
+                <a:satMod val="300000"/>
+              </a:schemeClr>
+            </a:gs>
+            <a:gs pos="100000">
+              <a:schemeClr val="phClr">
+                <a:shade val="30000"/>
+                <a:satMod val="200000"/>
+              </a:schemeClr>
+            </a:gs>
+          </a:gsLst>
+          <a:path path="circle">
+            <a:fillToRect l="50000" t="50000" r="50000" b="50000"/>
+          </a:path>
+        </a:gradFill>
+      </a:bgFillStyleLst>
+    </a:fmtScheme>
+  </a:themeElements>
+</a:theme>
+</file>
+
+<file path=ppt/theme/theme2.xml><?xml version="1.0" encoding="utf-8"?>
 <a:theme xmlns:a="http://schemas.openxmlformats.org/drawingml/2006/main" xmlns:r="http://schemas.openxmlformats.org/officeDocument/2006/relationships" name="Dividend">
   <a:themeElements>
     <a:clrScheme name="Dividend">
@@ -19546,283 +19824,4 @@
     </a:fmtScheme>
   </a:themeElements>
 </a:theme>
-</file>
-
-<file path=ppt/theme/theme2.xml><?xml version="1.0" encoding="utf-8"?>
-<a:theme xmlns:a="http://schemas.openxmlformats.org/drawingml/2006/main" xmlns:r="http://schemas.openxmlformats.org/officeDocument/2006/relationships">
-  <a:themeElements>
-    <a:clrScheme name="Default">
-      <a:dk1>
-        <a:srgbClr val="000000"/>
-      </a:dk1>
-      <a:lt1>
-        <a:srgbClr val="FFFFFF"/>
-      </a:lt1>
-      <a:dk2>
-        <a:srgbClr val="158158"/>
-      </a:dk2>
-      <a:lt2>
-        <a:srgbClr val="F3F3F3"/>
-      </a:lt2>
-      <a:accent1>
-        <a:srgbClr val="058DC7"/>
-      </a:accent1>
-      <a:accent2>
-        <a:srgbClr val="50B432"/>
-      </a:accent2>
-      <a:accent3>
-        <a:srgbClr val="ED561B"/>
-      </a:accent3>
-      <a:accent4>
-        <a:srgbClr val="EDEF00"/>
-      </a:accent4>
-      <a:accent5>
-        <a:srgbClr val="24CBE5"/>
-      </a:accent5>
-      <a:accent6>
-        <a:srgbClr val="64E572"/>
-      </a:accent6>
-      <a:hlink>
-        <a:srgbClr val="2200CC"/>
-      </a:hlink>
-      <a:folHlink>
-        <a:srgbClr val="551A8B"/>
-      </a:folHlink>
-    </a:clrScheme>
-    <a:fontScheme name="Office">
-      <a:majorFont>
-        <a:latin typeface="Arial"/>
-        <a:ea typeface=""/>
-        <a:cs typeface=""/>
-        <a:font script="Jpan" typeface="ＭＳ Ｐゴシック"/>
-        <a:font script="Hang" typeface="맑은 고딕"/>
-        <a:font script="Hans" typeface="宋体"/>
-        <a:font script="Hant" typeface="新細明體"/>
-        <a:font script="Arab" typeface="Times New Roman"/>
-        <a:font script="Hebr" typeface="Times New Roman"/>
-        <a:font script="Thai" typeface="Angsana New"/>
-        <a:font script="Ethi" typeface="Nyala"/>
-        <a:font script="Beng" typeface="Vrinda"/>
-        <a:font script="Gujr" typeface="Shruti"/>
-        <a:font script="Khmr" typeface="MoolBoran"/>
-        <a:font script="Knda" typeface="Tunga"/>
-        <a:font script="Guru" typeface="Raavi"/>
-        <a:font script="Cans" typeface="Euphemia"/>
-        <a:font script="Cher" typeface="Plantagenet Cherokee"/>
-        <a:font script="Yiii" typeface="Microsoft Yi Baiti"/>
-        <a:font script="Tibt" typeface="Microsoft Himalaya"/>
-        <a:font script="Thaa" typeface="MV Boli"/>
-        <a:font script="Deva" typeface="Mangal"/>
-        <a:font script="Telu" typeface="Gautami"/>
-        <a:font script="Taml" typeface="Latha"/>
-        <a:font script="Syrc" typeface="Estrangelo Edessa"/>
-        <a:font script="Orya" typeface="Kalinga"/>
-        <a:font script="Mlym" typeface="Kartika"/>
-        <a:font script="Laoo" typeface="DokChampa"/>
-        <a:font script="Sinh" typeface="Iskoola Pota"/>
-        <a:font script="Mong" typeface="Mongolian Baiti"/>
-        <a:font script="Viet" typeface="Times New Roman"/>
-        <a:font script="Uigh" typeface="Microsoft Uighur"/>
-        <a:font script="Geor" typeface="Sylfaen"/>
-      </a:majorFont>
-      <a:minorFont>
-        <a:latin typeface="Arial"/>
-        <a:ea typeface=""/>
-        <a:cs typeface=""/>
-        <a:font script="Jpan" typeface="ＭＳ Ｐゴシック"/>
-        <a:font script="Hang" typeface="맑은 고딕"/>
-        <a:font script="Hans" typeface="宋体"/>
-        <a:font script="Hant" typeface="新細明體"/>
-        <a:font script="Arab" typeface="Arial"/>
-        <a:font script="Hebr" typeface="Arial"/>
-        <a:font script="Thai" typeface="Cordia New"/>
-        <a:font script="Ethi" typeface="Nyala"/>
-        <a:font script="Beng" typeface="Vrinda"/>
-        <a:font script="Gujr" typeface="Shruti"/>
-        <a:font script="Khmr" typeface="DaunPenh"/>
-        <a:font script="Knda" typeface="Tunga"/>
-        <a:font script="Guru" typeface="Raavi"/>
-        <a:font script="Cans" typeface="Euphemia"/>
-        <a:font script="Cher" typeface="Plantagenet Cherokee"/>
-        <a:font script="Yiii" typeface="Microsoft Yi Baiti"/>
-        <a:font script="Tibt" typeface="Microsoft Himalaya"/>
-        <a:font script="Thaa" typeface="MV Boli"/>
-        <a:font script="Deva" typeface="Mangal"/>
-        <a:font script="Telu" typeface="Gautami"/>
-        <a:font script="Taml" typeface="Latha"/>
-        <a:font script="Syrc" typeface="Estrangelo Edessa"/>
-        <a:font script="Orya" typeface="Kalinga"/>
-        <a:font script="Mlym" typeface="Kartika"/>
-        <a:font script="Laoo" typeface="DokChampa"/>
-        <a:font script="Sinh" typeface="Iskoola Pota"/>
-        <a:font script="Mong" typeface="Mongolian Baiti"/>
-        <a:font script="Viet" typeface="Arial"/>
-        <a:font script="Uigh" typeface="Microsoft Uighur"/>
-        <a:font script="Geor" typeface="Sylfaen"/>
-      </a:minorFont>
-    </a:fontScheme>
-    <a:fmtScheme name="Office">
-      <a:fillStyleLst>
-        <a:solidFill>
-          <a:schemeClr val="phClr"/>
-        </a:solidFill>
-        <a:gradFill rotWithShape="1">
-          <a:gsLst>
-            <a:gs pos="0">
-              <a:schemeClr val="phClr">
-                <a:tint val="50000"/>
-                <a:satMod val="300000"/>
-              </a:schemeClr>
-            </a:gs>
-            <a:gs pos="35000">
-              <a:schemeClr val="phClr">
-                <a:tint val="37000"/>
-                <a:satMod val="300000"/>
-              </a:schemeClr>
-            </a:gs>
-            <a:gs pos="100000">
-              <a:schemeClr val="phClr">
-                <a:tint val="15000"/>
-                <a:satMod val="350000"/>
-              </a:schemeClr>
-            </a:gs>
-          </a:gsLst>
-          <a:lin ang="16200000" scaled="1"/>
-        </a:gradFill>
-        <a:gradFill rotWithShape="1">
-          <a:gsLst>
-            <a:gs pos="0">
-              <a:schemeClr val="phClr">
-                <a:tint val="100000"/>
-                <a:shade val="100000"/>
-                <a:satMod val="130000"/>
-              </a:schemeClr>
-            </a:gs>
-            <a:gs pos="100000">
-              <a:schemeClr val="phClr">
-                <a:tint val="50000"/>
-                <a:shade val="100000"/>
-                <a:satMod val="350000"/>
-              </a:schemeClr>
-            </a:gs>
-          </a:gsLst>
-          <a:lin ang="16200000" scaled="0"/>
-        </a:gradFill>
-      </a:fillStyleLst>
-      <a:lnStyleLst>
-        <a:ln w="9525" cap="flat" cmpd="sng" algn="ctr">
-          <a:solidFill>
-            <a:schemeClr val="phClr">
-              <a:shade val="95000"/>
-              <a:satMod val="105000"/>
-            </a:schemeClr>
-          </a:solidFill>
-          <a:prstDash val="solid"/>
-        </a:ln>
-        <a:ln w="25400" cap="flat" cmpd="sng" algn="ctr">
-          <a:solidFill>
-            <a:schemeClr val="phClr"/>
-          </a:solidFill>
-          <a:prstDash val="solid"/>
-        </a:ln>
-        <a:ln w="38100" cap="flat" cmpd="sng" algn="ctr">
-          <a:solidFill>
-            <a:schemeClr val="phClr"/>
-          </a:solidFill>
-          <a:prstDash val="solid"/>
-        </a:ln>
-      </a:lnStyleLst>
-      <a:effectStyleLst>
-        <a:effectStyle>
-          <a:effectLst>
-            <a:outerShdw blurRad="40000" dist="20000" dir="5400000" rotWithShape="0">
-              <a:srgbClr val="000000">
-                <a:alpha val="38000"/>
-              </a:srgbClr>
-            </a:outerShdw>
-          </a:effectLst>
-        </a:effectStyle>
-        <a:effectStyle>
-          <a:effectLst>
-            <a:outerShdw blurRad="40000" dist="23000" dir="5400000" rotWithShape="0">
-              <a:srgbClr val="000000">
-                <a:alpha val="35000"/>
-              </a:srgbClr>
-            </a:outerShdw>
-          </a:effectLst>
-        </a:effectStyle>
-        <a:effectStyle>
-          <a:effectLst>
-            <a:outerShdw blurRad="40000" dist="23000" dir="5400000" rotWithShape="0">
-              <a:srgbClr val="000000">
-                <a:alpha val="35000"/>
-              </a:srgbClr>
-            </a:outerShdw>
-          </a:effectLst>
-          <a:scene3d>
-            <a:camera prst="orthographicFront">
-              <a:rot lat="0" lon="0" rev="0"/>
-            </a:camera>
-            <a:lightRig rig="threePt" dir="t">
-              <a:rot lat="0" lon="0" rev="1200000"/>
-            </a:lightRig>
-          </a:scene3d>
-          <a:sp3d>
-            <a:bevelT w="63500" h="25400"/>
-          </a:sp3d>
-        </a:effectStyle>
-      </a:effectStyleLst>
-      <a:bgFillStyleLst>
-        <a:solidFill>
-          <a:schemeClr val="phClr"/>
-        </a:solidFill>
-        <a:gradFill rotWithShape="1">
-          <a:gsLst>
-            <a:gs pos="0">
-              <a:schemeClr val="phClr">
-                <a:tint val="40000"/>
-                <a:satMod val="350000"/>
-              </a:schemeClr>
-            </a:gs>
-            <a:gs pos="40000">
-              <a:schemeClr val="phClr">
-                <a:tint val="45000"/>
-                <a:shade val="99000"/>
-                <a:satMod val="350000"/>
-              </a:schemeClr>
-            </a:gs>
-            <a:gs pos="100000">
-              <a:schemeClr val="phClr">
-                <a:shade val="20000"/>
-                <a:satMod val="255000"/>
-              </a:schemeClr>
-            </a:gs>
-          </a:gsLst>
-          <a:path path="circle">
-            <a:fillToRect l="50000" t="-80000" r="50000" b="180000"/>
-          </a:path>
-        </a:gradFill>
-        <a:gradFill rotWithShape="1">
-          <a:gsLst>
-            <a:gs pos="0">
-              <a:schemeClr val="phClr">
-                <a:tint val="80000"/>
-                <a:satMod val="300000"/>
-              </a:schemeClr>
-            </a:gs>
-            <a:gs pos="100000">
-              <a:schemeClr val="phClr">
-                <a:shade val="30000"/>
-                <a:satMod val="200000"/>
-              </a:schemeClr>
-            </a:gs>
-          </a:gsLst>
-          <a:path path="circle">
-            <a:fillToRect l="50000" t="50000" r="50000" b="50000"/>
-          </a:path>
-        </a:gradFill>
-      </a:bgFillStyleLst>
-    </a:fmtScheme>
-  </a:themeElements>
-</a:theme>
 </file>
--- a/presentation/Group 3 – FINANCIAL ANALYSIS.pptx
+++ b/presentation/Group 3 – FINANCIAL ANALYSIS.pptx
@@ -32,15 +32,14 @@
     <p:sldId id="277" r:id="rId26"/>
     <p:sldId id="278" r:id="rId27"/>
     <p:sldId id="279" r:id="rId28"/>
-    <p:sldId id="280" r:id="rId29"/>
   </p:sldIdLst>
   <p:sldSz cy="6858000" cx="12192000"/>
   <p:notesSz cx="6858000" cy="9144000"/>
   <p:embeddedFontLst>
     <p:embeddedFont>
       <p:font typeface="Gill Sans"/>
-      <p:regular r:id="rId30"/>
-      <p:bold r:id="rId31"/>
+      <p:regular r:id="rId29"/>
+      <p:bold r:id="rId30"/>
     </p:embeddedFont>
   </p:embeddedFontLst>
   <p:defaultTextStyle>
@@ -274,7 +273,7 @@
   </p:defaultTextStyle>
   <p:extLst>
     <p:ext uri="GoogleSlidesCustomDataVersion2">
-      <go:slidesCustomData xmlns:go="http://customooxmlschemas.google.com/" r:id="rId32" roundtripDataSignature="AMtx7mitaCHX8duN52nhlaZFNUe2NLA4Mg=="/>
+      <go:slidesCustomData xmlns:go="http://customooxmlschemas.google.com/" r:id="rId31" roundtripDataSignature="AMtx7mg65KaOljFjFn2Iwk8oarGRjpJVsA=="/>
     </p:ext>
   </p:extLst>
 </p:presentation>
@@ -810,7 +809,7 @@
   <p:cSld>
     <p:spTree>
       <p:nvGrpSpPr>
-        <p:cNvPr id="154" name="Shape 154"/>
+        <p:cNvPr id="159" name="Shape 159"/>
         <p:cNvGrpSpPr/>
         <p:nvPr/>
       </p:nvGrpSpPr>
@@ -824,7 +823,7 @@
       </p:grpSpPr>
       <p:sp>
         <p:nvSpPr>
-          <p:cNvPr id="155" name="Google Shape;155;p8:notes"/>
+          <p:cNvPr id="160" name="Google Shape;160;p9:notes"/>
           <p:cNvSpPr txBox="1"/>
           <p:nvPr>
             <p:ph idx="1" type="body"/>
@@ -863,7 +862,7 @@
       </p:sp>
       <p:sp>
         <p:nvSpPr>
-          <p:cNvPr id="156" name="Google Shape;156;p8:notes"/>
+          <p:cNvPr id="161" name="Google Shape;161;p9:notes"/>
           <p:cNvSpPr/>
           <p:nvPr>
             <p:ph idx="2" type="sldImg"/>
@@ -909,7 +908,7 @@
   <p:cSld>
     <p:spTree>
       <p:nvGrpSpPr>
-        <p:cNvPr id="161" name="Shape 161"/>
+        <p:cNvPr id="167" name="Shape 167"/>
         <p:cNvGrpSpPr/>
         <p:nvPr/>
       </p:nvGrpSpPr>
@@ -923,7 +922,7 @@
       </p:grpSpPr>
       <p:sp>
         <p:nvSpPr>
-          <p:cNvPr id="162" name="Google Shape;162;p9:notes"/>
+          <p:cNvPr id="168" name="Google Shape;168;p10:notes"/>
           <p:cNvSpPr txBox="1"/>
           <p:nvPr>
             <p:ph idx="1" type="body"/>
@@ -962,7 +961,7 @@
       </p:sp>
       <p:sp>
         <p:nvSpPr>
-          <p:cNvPr id="163" name="Google Shape;163;p9:notes"/>
+          <p:cNvPr id="169" name="Google Shape;169;p10:notes"/>
           <p:cNvSpPr/>
           <p:nvPr>
             <p:ph idx="2" type="sldImg"/>
@@ -1008,7 +1007,7 @@
   <p:cSld>
     <p:spTree>
       <p:nvGrpSpPr>
-        <p:cNvPr id="169" name="Shape 169"/>
+        <p:cNvPr id="175" name="Shape 175"/>
         <p:cNvGrpSpPr/>
         <p:nvPr/>
       </p:nvGrpSpPr>
@@ -1022,7 +1021,7 @@
       </p:grpSpPr>
       <p:sp>
         <p:nvSpPr>
-          <p:cNvPr id="170" name="Google Shape;170;p10:notes"/>
+          <p:cNvPr id="176" name="Google Shape;176;p12:notes"/>
           <p:cNvSpPr txBox="1"/>
           <p:nvPr>
             <p:ph idx="1" type="body"/>
@@ -1061,7 +1060,7 @@
       </p:sp>
       <p:sp>
         <p:nvSpPr>
-          <p:cNvPr id="171" name="Google Shape;171;p10:notes"/>
+          <p:cNvPr id="177" name="Google Shape;177;p12:notes"/>
           <p:cNvSpPr/>
           <p:nvPr>
             <p:ph idx="2" type="sldImg"/>
@@ -1107,7 +1106,7 @@
   <p:cSld>
     <p:spTree>
       <p:nvGrpSpPr>
-        <p:cNvPr id="177" name="Shape 177"/>
+        <p:cNvPr id="182" name="Shape 182"/>
         <p:cNvGrpSpPr/>
         <p:nvPr/>
       </p:nvGrpSpPr>
@@ -1121,7 +1120,42 @@
       </p:grpSpPr>
       <p:sp>
         <p:nvSpPr>
-          <p:cNvPr id="178" name="Google Shape;178;p12:notes"/>
+          <p:cNvPr id="183" name="Google Shape;183;g2c48598d1a9_3_0:notes"/>
+          <p:cNvSpPr/>
+          <p:nvPr>
+            <p:ph idx="2" type="sldImg"/>
+          </p:nvPr>
+        </p:nvSpPr>
+        <p:spPr>
+          <a:xfrm>
+            <a:off x="1143225" y="685800"/>
+            <a:ext cx="4572300" cy="3429000"/>
+          </a:xfrm>
+          <a:custGeom>
+            <a:rect b="b" l="l" r="r" t="t"/>
+            <a:pathLst>
+              <a:path extrusionOk="0" h="120000" w="120000">
+                <a:moveTo>
+                  <a:pt x="0" y="0"/>
+                </a:moveTo>
+                <a:lnTo>
+                  <a:pt x="120000" y="0"/>
+                </a:lnTo>
+                <a:lnTo>
+                  <a:pt x="120000" y="120000"/>
+                </a:lnTo>
+                <a:lnTo>
+                  <a:pt x="0" y="120000"/>
+                </a:lnTo>
+                <a:close/>
+              </a:path>
+            </a:pathLst>
+          </a:custGeom>
+        </p:spPr>
+      </p:sp>
+      <p:sp>
+        <p:nvSpPr>
+          <p:cNvPr id="184" name="Google Shape;184;g2c48598d1a9_3_0:notes"/>
           <p:cNvSpPr txBox="1"/>
           <p:nvPr>
             <p:ph idx="1" type="body"/>
@@ -1158,9 +1192,73 @@
           </a:p>
         </p:txBody>
       </p:sp>
+    </p:spTree>
+  </p:cSld>
+  <p:clrMapOvr>
+    <a:masterClrMapping/>
+  </p:clrMapOvr>
+</p:notes>
+</file>
+
+<file path=ppt/notesSlides/notesSlide14.xml><?xml version="1.0" encoding="utf-8"?>
+<p:notes xmlns:a="http://schemas.openxmlformats.org/drawingml/2006/main" xmlns:r="http://schemas.openxmlformats.org/officeDocument/2006/relationships" xmlns:mc="http://schemas.openxmlformats.org/markup-compatibility/2006" xmlns:mv="urn:schemas-microsoft-com:mac:vml" xmlns:p="http://schemas.openxmlformats.org/presentationml/2006/main" xmlns:c="http://schemas.openxmlformats.org/drawingml/2006/chart" xmlns:dgm="http://schemas.openxmlformats.org/drawingml/2006/diagram" xmlns:o="urn:schemas-microsoft-com:office:office" xmlns:v="urn:schemas-microsoft-com:vml" xmlns:pvml="urn:schemas-microsoft-com:office:powerpoint" xmlns:com="http://schemas.openxmlformats.org/drawingml/2006/compatibility" xmlns:p14="http://schemas.microsoft.com/office/powerpoint/2010/main" xmlns:p15="http://schemas.microsoft.com/office/powerpoint/2012/main" xmlns:ahyp="http://schemas.microsoft.com/office/drawing/2018/hyperlinkcolor" showMasterPhAnim="0" showMasterSp="0">
+  <p:cSld>
+    <p:spTree>
+      <p:nvGrpSpPr>
+        <p:cNvPr id="188" name="Shape 188"/>
+        <p:cNvGrpSpPr/>
+        <p:nvPr/>
+      </p:nvGrpSpPr>
+      <p:grpSpPr>
+        <a:xfrm>
+          <a:off x="0" y="0"/>
+          <a:ext cx="0" cy="0"/>
+          <a:chOff x="0" y="0"/>
+          <a:chExt cx="0" cy="0"/>
+        </a:xfrm>
+      </p:grpSpPr>
       <p:sp>
         <p:nvSpPr>
-          <p:cNvPr id="179" name="Google Shape;179;p12:notes"/>
+          <p:cNvPr id="189" name="Google Shape;189;p14:notes"/>
+          <p:cNvSpPr txBox="1"/>
+          <p:nvPr>
+            <p:ph idx="1" type="body"/>
+          </p:nvPr>
+        </p:nvSpPr>
+        <p:spPr>
+          <a:xfrm>
+            <a:off x="685800" y="4343400"/>
+            <a:ext cx="5486400" cy="4114800"/>
+          </a:xfrm>
+          <a:prstGeom prst="rect">
+            <a:avLst/>
+          </a:prstGeom>
+        </p:spPr>
+        <p:txBody>
+          <a:bodyPr anchorCtr="0" anchor="t" bIns="91425" lIns="91425" spcFirstLastPara="1" rIns="91425" wrap="square" tIns="91425">
+            <a:noAutofit/>
+          </a:bodyPr>
+          <a:lstStyle/>
+          <a:p>
+            <a:pPr indent="0" lvl="0" marL="0" rtl="0" algn="l">
+              <a:spcBef>
+                <a:spcPts val="0"/>
+              </a:spcBef>
+              <a:spcAft>
+                <a:spcPts val="0"/>
+              </a:spcAft>
+              <a:buNone/>
+            </a:pPr>
+            <a:r>
+              <a:t/>
+            </a:r>
+            <a:endParaRPr/>
+          </a:p>
+        </p:txBody>
+      </p:sp>
+      <p:sp>
+        <p:nvSpPr>
+          <p:cNvPr id="190" name="Google Shape;190;p14:notes"/>
           <p:cNvSpPr/>
           <p:nvPr>
             <p:ph idx="2" type="sldImg"/>
@@ -1201,12 +1299,12 @@
 </p:notes>
 </file>
 
-<file path=ppt/notesSlides/notesSlide14.xml><?xml version="1.0" encoding="utf-8"?>
+<file path=ppt/notesSlides/notesSlide15.xml><?xml version="1.0" encoding="utf-8"?>
 <p:notes xmlns:a="http://schemas.openxmlformats.org/drawingml/2006/main" xmlns:r="http://schemas.openxmlformats.org/officeDocument/2006/relationships" xmlns:mc="http://schemas.openxmlformats.org/markup-compatibility/2006" xmlns:mv="urn:schemas-microsoft-com:mac:vml" xmlns:p="http://schemas.openxmlformats.org/presentationml/2006/main" xmlns:c="http://schemas.openxmlformats.org/drawingml/2006/chart" xmlns:dgm="http://schemas.openxmlformats.org/drawingml/2006/diagram" xmlns:o="urn:schemas-microsoft-com:office:office" xmlns:v="urn:schemas-microsoft-com:vml" xmlns:pvml="urn:schemas-microsoft-com:office:powerpoint" xmlns:com="http://schemas.openxmlformats.org/drawingml/2006/compatibility" xmlns:p14="http://schemas.microsoft.com/office/powerpoint/2010/main" xmlns:p15="http://schemas.microsoft.com/office/powerpoint/2012/main" xmlns:ahyp="http://schemas.microsoft.com/office/drawing/2018/hyperlinkcolor" showMasterPhAnim="0" showMasterSp="0">
   <p:cSld>
     <p:spTree>
       <p:nvGrpSpPr>
-        <p:cNvPr id="184" name="Shape 184"/>
+        <p:cNvPr id="194" name="Shape 194"/>
         <p:cNvGrpSpPr/>
         <p:nvPr/>
       </p:nvGrpSpPr>
@@ -1220,42 +1318,7 @@
       </p:grpSpPr>
       <p:sp>
         <p:nvSpPr>
-          <p:cNvPr id="185" name="Google Shape;185;g2c48598d1a9_3_0:notes"/>
-          <p:cNvSpPr/>
-          <p:nvPr>
-            <p:ph idx="2" type="sldImg"/>
-          </p:nvPr>
-        </p:nvSpPr>
-        <p:spPr>
-          <a:xfrm>
-            <a:off x="1143225" y="685800"/>
-            <a:ext cx="4572300" cy="3429000"/>
-          </a:xfrm>
-          <a:custGeom>
-            <a:rect b="b" l="l" r="r" t="t"/>
-            <a:pathLst>
-              <a:path extrusionOk="0" h="120000" w="120000">
-                <a:moveTo>
-                  <a:pt x="0" y="0"/>
-                </a:moveTo>
-                <a:lnTo>
-                  <a:pt x="120000" y="0"/>
-                </a:lnTo>
-                <a:lnTo>
-                  <a:pt x="120000" y="120000"/>
-                </a:lnTo>
-                <a:lnTo>
-                  <a:pt x="0" y="120000"/>
-                </a:lnTo>
-                <a:close/>
-              </a:path>
-            </a:pathLst>
-          </a:custGeom>
-        </p:spPr>
-      </p:sp>
-      <p:sp>
-        <p:nvSpPr>
-          <p:cNvPr id="186" name="Google Shape;186;g2c48598d1a9_3_0:notes"/>
+          <p:cNvPr id="195" name="Google Shape;195;p15:notes"/>
           <p:cNvSpPr txBox="1"/>
           <p:nvPr>
             <p:ph idx="1" type="body"/>
@@ -1292,73 +1355,9 @@
           </a:p>
         </p:txBody>
       </p:sp>
-    </p:spTree>
-  </p:cSld>
-  <p:clrMapOvr>
-    <a:masterClrMapping/>
-  </p:clrMapOvr>
-</p:notes>
-</file>
-
-<file path=ppt/notesSlides/notesSlide15.xml><?xml version="1.0" encoding="utf-8"?>
-<p:notes xmlns:a="http://schemas.openxmlformats.org/drawingml/2006/main" xmlns:r="http://schemas.openxmlformats.org/officeDocument/2006/relationships" xmlns:mc="http://schemas.openxmlformats.org/markup-compatibility/2006" xmlns:mv="urn:schemas-microsoft-com:mac:vml" xmlns:p="http://schemas.openxmlformats.org/presentationml/2006/main" xmlns:c="http://schemas.openxmlformats.org/drawingml/2006/chart" xmlns:dgm="http://schemas.openxmlformats.org/drawingml/2006/diagram" xmlns:o="urn:schemas-microsoft-com:office:office" xmlns:v="urn:schemas-microsoft-com:vml" xmlns:pvml="urn:schemas-microsoft-com:office:powerpoint" xmlns:com="http://schemas.openxmlformats.org/drawingml/2006/compatibility" xmlns:p14="http://schemas.microsoft.com/office/powerpoint/2010/main" xmlns:p15="http://schemas.microsoft.com/office/powerpoint/2012/main" xmlns:ahyp="http://schemas.microsoft.com/office/drawing/2018/hyperlinkcolor" showMasterPhAnim="0" showMasterSp="0">
-  <p:cSld>
-    <p:spTree>
-      <p:nvGrpSpPr>
-        <p:cNvPr id="190" name="Shape 190"/>
-        <p:cNvGrpSpPr/>
-        <p:nvPr/>
-      </p:nvGrpSpPr>
-      <p:grpSpPr>
-        <a:xfrm>
-          <a:off x="0" y="0"/>
-          <a:ext cx="0" cy="0"/>
-          <a:chOff x="0" y="0"/>
-          <a:chExt cx="0" cy="0"/>
-        </a:xfrm>
-      </p:grpSpPr>
       <p:sp>
         <p:nvSpPr>
-          <p:cNvPr id="191" name="Google Shape;191;p14:notes"/>
-          <p:cNvSpPr txBox="1"/>
-          <p:nvPr>
-            <p:ph idx="1" type="body"/>
-          </p:nvPr>
-        </p:nvSpPr>
-        <p:spPr>
-          <a:xfrm>
-            <a:off x="685800" y="4343400"/>
-            <a:ext cx="5486400" cy="4114800"/>
-          </a:xfrm>
-          <a:prstGeom prst="rect">
-            <a:avLst/>
-          </a:prstGeom>
-        </p:spPr>
-        <p:txBody>
-          <a:bodyPr anchorCtr="0" anchor="t" bIns="91425" lIns="91425" spcFirstLastPara="1" rIns="91425" wrap="square" tIns="91425">
-            <a:noAutofit/>
-          </a:bodyPr>
-          <a:lstStyle/>
-          <a:p>
-            <a:pPr indent="0" lvl="0" marL="0" rtl="0" algn="l">
-              <a:spcBef>
-                <a:spcPts val="0"/>
-              </a:spcBef>
-              <a:spcAft>
-                <a:spcPts val="0"/>
-              </a:spcAft>
-              <a:buNone/>
-            </a:pPr>
-            <a:r>
-              <a:t/>
-            </a:r>
-            <a:endParaRPr/>
-          </a:p>
-        </p:txBody>
-      </p:sp>
-      <p:sp>
-        <p:nvSpPr>
-          <p:cNvPr id="192" name="Google Shape;192;p14:notes"/>
+          <p:cNvPr id="196" name="Google Shape;196;p15:notes"/>
           <p:cNvSpPr/>
           <p:nvPr>
             <p:ph idx="2" type="sldImg"/>
@@ -1404,7 +1403,7 @@
   <p:cSld>
     <p:spTree>
       <p:nvGrpSpPr>
-        <p:cNvPr id="196" name="Shape 196"/>
+        <p:cNvPr id="200" name="Shape 200"/>
         <p:cNvGrpSpPr/>
         <p:nvPr/>
       </p:nvGrpSpPr>
@@ -1418,7 +1417,7 @@
       </p:grpSpPr>
       <p:sp>
         <p:nvSpPr>
-          <p:cNvPr id="197" name="Google Shape;197;p15:notes"/>
+          <p:cNvPr id="201" name="Google Shape;201;p20:notes"/>
           <p:cNvSpPr txBox="1"/>
           <p:nvPr>
             <p:ph idx="1" type="body"/>
@@ -1457,7 +1456,7 @@
       </p:sp>
       <p:sp>
         <p:nvSpPr>
-          <p:cNvPr id="198" name="Google Shape;198;p15:notes"/>
+          <p:cNvPr id="202" name="Google Shape;202;p20:notes"/>
           <p:cNvSpPr/>
           <p:nvPr>
             <p:ph idx="2" type="sldImg"/>
@@ -1503,7 +1502,7 @@
   <p:cSld>
     <p:spTree>
       <p:nvGrpSpPr>
-        <p:cNvPr id="202" name="Shape 202"/>
+        <p:cNvPr id="207" name="Shape 207"/>
         <p:cNvGrpSpPr/>
         <p:nvPr/>
       </p:nvGrpSpPr>
@@ -1517,7 +1516,42 @@
       </p:grpSpPr>
       <p:sp>
         <p:nvSpPr>
-          <p:cNvPr id="203" name="Google Shape;203;p20:notes"/>
+          <p:cNvPr id="208" name="Google Shape;208;g2c4b658579b_0_3:notes"/>
+          <p:cNvSpPr/>
+          <p:nvPr>
+            <p:ph idx="2" type="sldImg"/>
+          </p:nvPr>
+        </p:nvSpPr>
+        <p:spPr>
+          <a:xfrm>
+            <a:off x="1143225" y="685800"/>
+            <a:ext cx="4572300" cy="3429000"/>
+          </a:xfrm>
+          <a:custGeom>
+            <a:rect b="b" l="l" r="r" t="t"/>
+            <a:pathLst>
+              <a:path extrusionOk="0" h="120000" w="120000">
+                <a:moveTo>
+                  <a:pt x="0" y="0"/>
+                </a:moveTo>
+                <a:lnTo>
+                  <a:pt x="120000" y="0"/>
+                </a:lnTo>
+                <a:lnTo>
+                  <a:pt x="120000" y="120000"/>
+                </a:lnTo>
+                <a:lnTo>
+                  <a:pt x="0" y="120000"/>
+                </a:lnTo>
+                <a:close/>
+              </a:path>
+            </a:pathLst>
+          </a:custGeom>
+        </p:spPr>
+      </p:sp>
+      <p:sp>
+        <p:nvSpPr>
+          <p:cNvPr id="209" name="Google Shape;209;g2c4b658579b_0_3:notes"/>
           <p:cNvSpPr txBox="1"/>
           <p:nvPr>
             <p:ph idx="1" type="body"/>
@@ -1554,9 +1588,73 @@
           </a:p>
         </p:txBody>
       </p:sp>
+    </p:spTree>
+  </p:cSld>
+  <p:clrMapOvr>
+    <a:masterClrMapping/>
+  </p:clrMapOvr>
+</p:notes>
+</file>
+
+<file path=ppt/notesSlides/notesSlide18.xml><?xml version="1.0" encoding="utf-8"?>
+<p:notes xmlns:a="http://schemas.openxmlformats.org/drawingml/2006/main" xmlns:r="http://schemas.openxmlformats.org/officeDocument/2006/relationships" xmlns:mc="http://schemas.openxmlformats.org/markup-compatibility/2006" xmlns:mv="urn:schemas-microsoft-com:mac:vml" xmlns:p="http://schemas.openxmlformats.org/presentationml/2006/main" xmlns:c="http://schemas.openxmlformats.org/drawingml/2006/chart" xmlns:dgm="http://schemas.openxmlformats.org/drawingml/2006/diagram" xmlns:o="urn:schemas-microsoft-com:office:office" xmlns:v="urn:schemas-microsoft-com:vml" xmlns:pvml="urn:schemas-microsoft-com:office:powerpoint" xmlns:com="http://schemas.openxmlformats.org/drawingml/2006/compatibility" xmlns:p14="http://schemas.microsoft.com/office/powerpoint/2010/main" xmlns:p15="http://schemas.microsoft.com/office/powerpoint/2012/main" xmlns:ahyp="http://schemas.microsoft.com/office/drawing/2018/hyperlinkcolor" showMasterPhAnim="0" showMasterSp="0">
+  <p:cSld>
+    <p:spTree>
+      <p:nvGrpSpPr>
+        <p:cNvPr id="214" name="Shape 214"/>
+        <p:cNvGrpSpPr/>
+        <p:nvPr/>
+      </p:nvGrpSpPr>
+      <p:grpSpPr>
+        <a:xfrm>
+          <a:off x="0" y="0"/>
+          <a:ext cx="0" cy="0"/>
+          <a:chOff x="0" y="0"/>
+          <a:chExt cx="0" cy="0"/>
+        </a:xfrm>
+      </p:grpSpPr>
       <p:sp>
         <p:nvSpPr>
-          <p:cNvPr id="204" name="Google Shape;204;p20:notes"/>
+          <p:cNvPr id="215" name="Google Shape;215;p22:notes"/>
+          <p:cNvSpPr txBox="1"/>
+          <p:nvPr>
+            <p:ph idx="1" type="body"/>
+          </p:nvPr>
+        </p:nvSpPr>
+        <p:spPr>
+          <a:xfrm>
+            <a:off x="685800" y="4343400"/>
+            <a:ext cx="5486400" cy="4114800"/>
+          </a:xfrm>
+          <a:prstGeom prst="rect">
+            <a:avLst/>
+          </a:prstGeom>
+        </p:spPr>
+        <p:txBody>
+          <a:bodyPr anchorCtr="0" anchor="t" bIns="91425" lIns="91425" spcFirstLastPara="1" rIns="91425" wrap="square" tIns="91425">
+            <a:noAutofit/>
+          </a:bodyPr>
+          <a:lstStyle/>
+          <a:p>
+            <a:pPr indent="0" lvl="0" marL="0" rtl="0" algn="l">
+              <a:spcBef>
+                <a:spcPts val="0"/>
+              </a:spcBef>
+              <a:spcAft>
+                <a:spcPts val="0"/>
+              </a:spcAft>
+              <a:buNone/>
+            </a:pPr>
+            <a:r>
+              <a:t/>
+            </a:r>
+            <a:endParaRPr/>
+          </a:p>
+        </p:txBody>
+      </p:sp>
+      <p:sp>
+        <p:nvSpPr>
+          <p:cNvPr id="216" name="Google Shape;216;p22:notes"/>
           <p:cNvSpPr/>
           <p:nvPr>
             <p:ph idx="2" type="sldImg"/>
@@ -1597,12 +1695,12 @@
 </p:notes>
 </file>
 
-<file path=ppt/notesSlides/notesSlide18.xml><?xml version="1.0" encoding="utf-8"?>
+<file path=ppt/notesSlides/notesSlide19.xml><?xml version="1.0" encoding="utf-8"?>
 <p:notes xmlns:a="http://schemas.openxmlformats.org/drawingml/2006/main" xmlns:r="http://schemas.openxmlformats.org/officeDocument/2006/relationships" xmlns:mc="http://schemas.openxmlformats.org/markup-compatibility/2006" xmlns:mv="urn:schemas-microsoft-com:mac:vml" xmlns:p="http://schemas.openxmlformats.org/presentationml/2006/main" xmlns:c="http://schemas.openxmlformats.org/drawingml/2006/chart" xmlns:dgm="http://schemas.openxmlformats.org/drawingml/2006/diagram" xmlns:o="urn:schemas-microsoft-com:office:office" xmlns:v="urn:schemas-microsoft-com:vml" xmlns:pvml="urn:schemas-microsoft-com:office:powerpoint" xmlns:com="http://schemas.openxmlformats.org/drawingml/2006/compatibility" xmlns:p14="http://schemas.microsoft.com/office/powerpoint/2010/main" xmlns:p15="http://schemas.microsoft.com/office/powerpoint/2012/main" xmlns:ahyp="http://schemas.microsoft.com/office/drawing/2018/hyperlinkcolor" showMasterPhAnim="0" showMasterSp="0">
   <p:cSld>
     <p:spTree>
       <p:nvGrpSpPr>
-        <p:cNvPr id="209" name="Shape 209"/>
+        <p:cNvPr id="220" name="Shape 220"/>
         <p:cNvGrpSpPr/>
         <p:nvPr/>
       </p:nvGrpSpPr>
@@ -1616,7 +1714,7 @@
       </p:grpSpPr>
       <p:sp>
         <p:nvSpPr>
-          <p:cNvPr id="210" name="Google Shape;210;g2c4b658579b_0_3:notes"/>
+          <p:cNvPr id="221" name="Google Shape;221;g2c48598d1a9_3_5:notes"/>
           <p:cNvSpPr/>
           <p:nvPr>
             <p:ph idx="2" type="sldImg"/>
@@ -1651,7 +1749,7 @@
       </p:sp>
       <p:sp>
         <p:nvSpPr>
-          <p:cNvPr id="211" name="Google Shape;211;g2c4b658579b_0_3:notes"/>
+          <p:cNvPr id="222" name="Google Shape;222;g2c48598d1a9_3_5:notes"/>
           <p:cNvSpPr txBox="1"/>
           <p:nvPr>
             <p:ph idx="1" type="body"/>
@@ -1696,12 +1794,12 @@
 </p:notes>
 </file>
 
-<file path=ppt/notesSlides/notesSlide19.xml><?xml version="1.0" encoding="utf-8"?>
+<file path=ppt/notesSlides/notesSlide2.xml><?xml version="1.0" encoding="utf-8"?>
 <p:notes xmlns:a="http://schemas.openxmlformats.org/drawingml/2006/main" xmlns:r="http://schemas.openxmlformats.org/officeDocument/2006/relationships" xmlns:mc="http://schemas.openxmlformats.org/markup-compatibility/2006" xmlns:mv="urn:schemas-microsoft-com:mac:vml" xmlns:p="http://schemas.openxmlformats.org/presentationml/2006/main" xmlns:c="http://schemas.openxmlformats.org/drawingml/2006/chart" xmlns:dgm="http://schemas.openxmlformats.org/drawingml/2006/diagram" xmlns:o="urn:schemas-microsoft-com:office:office" xmlns:v="urn:schemas-microsoft-com:vml" xmlns:pvml="urn:schemas-microsoft-com:office:powerpoint" xmlns:com="http://schemas.openxmlformats.org/drawingml/2006/compatibility" xmlns:p14="http://schemas.microsoft.com/office/powerpoint/2010/main" xmlns:p15="http://schemas.microsoft.com/office/powerpoint/2012/main" xmlns:ahyp="http://schemas.microsoft.com/office/drawing/2018/hyperlinkcolor" showMasterPhAnim="0" showMasterSp="0">
   <p:cSld>
     <p:spTree>
       <p:nvGrpSpPr>
-        <p:cNvPr id="216" name="Shape 216"/>
+        <p:cNvPr id="100" name="Shape 100"/>
         <p:cNvGrpSpPr/>
         <p:nvPr/>
       </p:nvGrpSpPr>
@@ -1715,7 +1813,42 @@
       </p:grpSpPr>
       <p:sp>
         <p:nvSpPr>
-          <p:cNvPr id="217" name="Google Shape;217;p22:notes"/>
+          <p:cNvPr id="101" name="Google Shape;101;g2c48598d1a9_1_1:notes"/>
+          <p:cNvSpPr/>
+          <p:nvPr>
+            <p:ph idx="2" type="sldImg"/>
+          </p:nvPr>
+        </p:nvSpPr>
+        <p:spPr>
+          <a:xfrm>
+            <a:off x="1143225" y="685800"/>
+            <a:ext cx="4572300" cy="3429000"/>
+          </a:xfrm>
+          <a:custGeom>
+            <a:rect b="b" l="l" r="r" t="t"/>
+            <a:pathLst>
+              <a:path extrusionOk="0" h="120000" w="120000">
+                <a:moveTo>
+                  <a:pt x="0" y="0"/>
+                </a:moveTo>
+                <a:lnTo>
+                  <a:pt x="120000" y="0"/>
+                </a:lnTo>
+                <a:lnTo>
+                  <a:pt x="120000" y="120000"/>
+                </a:lnTo>
+                <a:lnTo>
+                  <a:pt x="0" y="120000"/>
+                </a:lnTo>
+                <a:close/>
+              </a:path>
+            </a:pathLst>
+          </a:custGeom>
+        </p:spPr>
+      </p:sp>
+      <p:sp>
+        <p:nvSpPr>
+          <p:cNvPr id="102" name="Google Shape;102;g2c48598d1a9_1_1:notes"/>
           <p:cNvSpPr txBox="1"/>
           <p:nvPr>
             <p:ph idx="1" type="body"/>
@@ -1752,9 +1885,73 @@
           </a:p>
         </p:txBody>
       </p:sp>
+    </p:spTree>
+  </p:cSld>
+  <p:clrMapOvr>
+    <a:masterClrMapping/>
+  </p:clrMapOvr>
+</p:notes>
+</file>
+
+<file path=ppt/notesSlides/notesSlide20.xml><?xml version="1.0" encoding="utf-8"?>
+<p:notes xmlns:a="http://schemas.openxmlformats.org/drawingml/2006/main" xmlns:r="http://schemas.openxmlformats.org/officeDocument/2006/relationships" xmlns:mc="http://schemas.openxmlformats.org/markup-compatibility/2006" xmlns:mv="urn:schemas-microsoft-com:mac:vml" xmlns:p="http://schemas.openxmlformats.org/presentationml/2006/main" xmlns:c="http://schemas.openxmlformats.org/drawingml/2006/chart" xmlns:dgm="http://schemas.openxmlformats.org/drawingml/2006/diagram" xmlns:o="urn:schemas-microsoft-com:office:office" xmlns:v="urn:schemas-microsoft-com:vml" xmlns:pvml="urn:schemas-microsoft-com:office:powerpoint" xmlns:com="http://schemas.openxmlformats.org/drawingml/2006/compatibility" xmlns:p14="http://schemas.microsoft.com/office/powerpoint/2010/main" xmlns:p15="http://schemas.microsoft.com/office/powerpoint/2012/main" xmlns:ahyp="http://schemas.microsoft.com/office/drawing/2018/hyperlinkcolor" showMasterPhAnim="0" showMasterSp="0">
+  <p:cSld>
+    <p:spTree>
+      <p:nvGrpSpPr>
+        <p:cNvPr id="227" name="Shape 227"/>
+        <p:cNvGrpSpPr/>
+        <p:nvPr/>
+      </p:nvGrpSpPr>
+      <p:grpSpPr>
+        <a:xfrm>
+          <a:off x="0" y="0"/>
+          <a:ext cx="0" cy="0"/>
+          <a:chOff x="0" y="0"/>
+          <a:chExt cx="0" cy="0"/>
+        </a:xfrm>
+      </p:grpSpPr>
       <p:sp>
         <p:nvSpPr>
-          <p:cNvPr id="218" name="Google Shape;218;p22:notes"/>
+          <p:cNvPr id="228" name="Google Shape;228;p17:notes"/>
+          <p:cNvSpPr txBox="1"/>
+          <p:nvPr>
+            <p:ph idx="1" type="body"/>
+          </p:nvPr>
+        </p:nvSpPr>
+        <p:spPr>
+          <a:xfrm>
+            <a:off x="685800" y="4343400"/>
+            <a:ext cx="5486400" cy="4114800"/>
+          </a:xfrm>
+          <a:prstGeom prst="rect">
+            <a:avLst/>
+          </a:prstGeom>
+        </p:spPr>
+        <p:txBody>
+          <a:bodyPr anchorCtr="0" anchor="t" bIns="91425" lIns="91425" spcFirstLastPara="1" rIns="91425" wrap="square" tIns="91425">
+            <a:noAutofit/>
+          </a:bodyPr>
+          <a:lstStyle/>
+          <a:p>
+            <a:pPr indent="0" lvl="0" marL="0" rtl="0" algn="l">
+              <a:spcBef>
+                <a:spcPts val="0"/>
+              </a:spcBef>
+              <a:spcAft>
+                <a:spcPts val="0"/>
+              </a:spcAft>
+              <a:buNone/>
+            </a:pPr>
+            <a:r>
+              <a:t/>
+            </a:r>
+            <a:endParaRPr/>
+          </a:p>
+        </p:txBody>
+      </p:sp>
+      <p:sp>
+        <p:nvSpPr>
+          <p:cNvPr id="229" name="Google Shape;229;p17:notes"/>
           <p:cNvSpPr/>
           <p:nvPr>
             <p:ph idx="2" type="sldImg"/>
@@ -1795,12 +1992,12 @@
 </p:notes>
 </file>
 
-<file path=ppt/notesSlides/notesSlide2.xml><?xml version="1.0" encoding="utf-8"?>
+<file path=ppt/notesSlides/notesSlide21.xml><?xml version="1.0" encoding="utf-8"?>
 <p:notes xmlns:a="http://schemas.openxmlformats.org/drawingml/2006/main" xmlns:r="http://schemas.openxmlformats.org/officeDocument/2006/relationships" xmlns:mc="http://schemas.openxmlformats.org/markup-compatibility/2006" xmlns:mv="urn:schemas-microsoft-com:mac:vml" xmlns:p="http://schemas.openxmlformats.org/presentationml/2006/main" xmlns:c="http://schemas.openxmlformats.org/drawingml/2006/chart" xmlns:dgm="http://schemas.openxmlformats.org/drawingml/2006/diagram" xmlns:o="urn:schemas-microsoft-com:office:office" xmlns:v="urn:schemas-microsoft-com:vml" xmlns:pvml="urn:schemas-microsoft-com:office:powerpoint" xmlns:com="http://schemas.openxmlformats.org/drawingml/2006/compatibility" xmlns:p14="http://schemas.microsoft.com/office/powerpoint/2010/main" xmlns:p15="http://schemas.microsoft.com/office/powerpoint/2012/main" xmlns:ahyp="http://schemas.microsoft.com/office/drawing/2018/hyperlinkcolor" showMasterPhAnim="0" showMasterSp="0">
   <p:cSld>
     <p:spTree>
       <p:nvGrpSpPr>
-        <p:cNvPr id="100" name="Shape 100"/>
+        <p:cNvPr id="234" name="Shape 234"/>
         <p:cNvGrpSpPr/>
         <p:nvPr/>
       </p:nvGrpSpPr>
@@ -1814,7 +2011,7 @@
       </p:grpSpPr>
       <p:sp>
         <p:nvSpPr>
-          <p:cNvPr id="101" name="Google Shape;101;p2:notes"/>
+          <p:cNvPr id="235" name="Google Shape;235;p18:notes"/>
           <p:cNvSpPr txBox="1"/>
           <p:nvPr>
             <p:ph idx="1" type="body"/>
@@ -1853,205 +2050,7 @@
       </p:sp>
       <p:sp>
         <p:nvSpPr>
-          <p:cNvPr id="102" name="Google Shape;102;p2:notes"/>
-          <p:cNvSpPr/>
-          <p:nvPr>
-            <p:ph idx="2" type="sldImg"/>
-          </p:nvPr>
-        </p:nvSpPr>
-        <p:spPr>
-          <a:xfrm>
-            <a:off x="1143225" y="685800"/>
-            <a:ext cx="4572225" cy="3429000"/>
-          </a:xfrm>
-          <a:custGeom>
-            <a:rect b="b" l="l" r="r" t="t"/>
-            <a:pathLst>
-              <a:path extrusionOk="0" h="120000" w="120000">
-                <a:moveTo>
-                  <a:pt x="0" y="0"/>
-                </a:moveTo>
-                <a:lnTo>
-                  <a:pt x="120000" y="0"/>
-                </a:lnTo>
-                <a:lnTo>
-                  <a:pt x="120000" y="120000"/>
-                </a:lnTo>
-                <a:lnTo>
-                  <a:pt x="0" y="120000"/>
-                </a:lnTo>
-                <a:close/>
-              </a:path>
-            </a:pathLst>
-          </a:custGeom>
-        </p:spPr>
-      </p:sp>
-    </p:spTree>
-  </p:cSld>
-  <p:clrMapOvr>
-    <a:masterClrMapping/>
-  </p:clrMapOvr>
-</p:notes>
-</file>
-
-<file path=ppt/notesSlides/notesSlide20.xml><?xml version="1.0" encoding="utf-8"?>
-<p:notes xmlns:a="http://schemas.openxmlformats.org/drawingml/2006/main" xmlns:r="http://schemas.openxmlformats.org/officeDocument/2006/relationships" xmlns:mc="http://schemas.openxmlformats.org/markup-compatibility/2006" xmlns:mv="urn:schemas-microsoft-com:mac:vml" xmlns:p="http://schemas.openxmlformats.org/presentationml/2006/main" xmlns:c="http://schemas.openxmlformats.org/drawingml/2006/chart" xmlns:dgm="http://schemas.openxmlformats.org/drawingml/2006/diagram" xmlns:o="urn:schemas-microsoft-com:office:office" xmlns:v="urn:schemas-microsoft-com:vml" xmlns:pvml="urn:schemas-microsoft-com:office:powerpoint" xmlns:com="http://schemas.openxmlformats.org/drawingml/2006/compatibility" xmlns:p14="http://schemas.microsoft.com/office/powerpoint/2010/main" xmlns:p15="http://schemas.microsoft.com/office/powerpoint/2012/main" xmlns:ahyp="http://schemas.microsoft.com/office/drawing/2018/hyperlinkcolor" showMasterPhAnim="0" showMasterSp="0">
-  <p:cSld>
-    <p:spTree>
-      <p:nvGrpSpPr>
-        <p:cNvPr id="222" name="Shape 222"/>
-        <p:cNvGrpSpPr/>
-        <p:nvPr/>
-      </p:nvGrpSpPr>
-      <p:grpSpPr>
-        <a:xfrm>
-          <a:off x="0" y="0"/>
-          <a:ext cx="0" cy="0"/>
-          <a:chOff x="0" y="0"/>
-          <a:chExt cx="0" cy="0"/>
-        </a:xfrm>
-      </p:grpSpPr>
-      <p:sp>
-        <p:nvSpPr>
-          <p:cNvPr id="223" name="Google Shape;223;g2c48598d1a9_3_5:notes"/>
-          <p:cNvSpPr/>
-          <p:nvPr>
-            <p:ph idx="2" type="sldImg"/>
-          </p:nvPr>
-        </p:nvSpPr>
-        <p:spPr>
-          <a:xfrm>
-            <a:off x="1143225" y="685800"/>
-            <a:ext cx="4572300" cy="3429000"/>
-          </a:xfrm>
-          <a:custGeom>
-            <a:rect b="b" l="l" r="r" t="t"/>
-            <a:pathLst>
-              <a:path extrusionOk="0" h="120000" w="120000">
-                <a:moveTo>
-                  <a:pt x="0" y="0"/>
-                </a:moveTo>
-                <a:lnTo>
-                  <a:pt x="120000" y="0"/>
-                </a:lnTo>
-                <a:lnTo>
-                  <a:pt x="120000" y="120000"/>
-                </a:lnTo>
-                <a:lnTo>
-                  <a:pt x="0" y="120000"/>
-                </a:lnTo>
-                <a:close/>
-              </a:path>
-            </a:pathLst>
-          </a:custGeom>
-        </p:spPr>
-      </p:sp>
-      <p:sp>
-        <p:nvSpPr>
-          <p:cNvPr id="224" name="Google Shape;224;g2c48598d1a9_3_5:notes"/>
-          <p:cNvSpPr txBox="1"/>
-          <p:nvPr>
-            <p:ph idx="1" type="body"/>
-          </p:nvPr>
-        </p:nvSpPr>
-        <p:spPr>
-          <a:xfrm>
-            <a:off x="685800" y="4343400"/>
-            <a:ext cx="5486400" cy="4114800"/>
-          </a:xfrm>
-          <a:prstGeom prst="rect">
-            <a:avLst/>
-          </a:prstGeom>
-        </p:spPr>
-        <p:txBody>
-          <a:bodyPr anchorCtr="0" anchor="t" bIns="91425" lIns="91425" spcFirstLastPara="1" rIns="91425" wrap="square" tIns="91425">
-            <a:noAutofit/>
-          </a:bodyPr>
-          <a:lstStyle/>
-          <a:p>
-            <a:pPr indent="0" lvl="0" marL="0" rtl="0" algn="l">
-              <a:spcBef>
-                <a:spcPts val="0"/>
-              </a:spcBef>
-              <a:spcAft>
-                <a:spcPts val="0"/>
-              </a:spcAft>
-              <a:buNone/>
-            </a:pPr>
-            <a:r>
-              <a:t/>
-            </a:r>
-            <a:endParaRPr/>
-          </a:p>
-        </p:txBody>
-      </p:sp>
-    </p:spTree>
-  </p:cSld>
-  <p:clrMapOvr>
-    <a:masterClrMapping/>
-  </p:clrMapOvr>
-</p:notes>
-</file>
-
-<file path=ppt/notesSlides/notesSlide21.xml><?xml version="1.0" encoding="utf-8"?>
-<p:notes xmlns:a="http://schemas.openxmlformats.org/drawingml/2006/main" xmlns:r="http://schemas.openxmlformats.org/officeDocument/2006/relationships" xmlns:mc="http://schemas.openxmlformats.org/markup-compatibility/2006" xmlns:mv="urn:schemas-microsoft-com:mac:vml" xmlns:p="http://schemas.openxmlformats.org/presentationml/2006/main" xmlns:c="http://schemas.openxmlformats.org/drawingml/2006/chart" xmlns:dgm="http://schemas.openxmlformats.org/drawingml/2006/diagram" xmlns:o="urn:schemas-microsoft-com:office:office" xmlns:v="urn:schemas-microsoft-com:vml" xmlns:pvml="urn:schemas-microsoft-com:office:powerpoint" xmlns:com="http://schemas.openxmlformats.org/drawingml/2006/compatibility" xmlns:p14="http://schemas.microsoft.com/office/powerpoint/2010/main" xmlns:p15="http://schemas.microsoft.com/office/powerpoint/2012/main" xmlns:ahyp="http://schemas.microsoft.com/office/drawing/2018/hyperlinkcolor" showMasterPhAnim="0" showMasterSp="0">
-  <p:cSld>
-    <p:spTree>
-      <p:nvGrpSpPr>
-        <p:cNvPr id="229" name="Shape 229"/>
-        <p:cNvGrpSpPr/>
-        <p:nvPr/>
-      </p:nvGrpSpPr>
-      <p:grpSpPr>
-        <a:xfrm>
-          <a:off x="0" y="0"/>
-          <a:ext cx="0" cy="0"/>
-          <a:chOff x="0" y="0"/>
-          <a:chExt cx="0" cy="0"/>
-        </a:xfrm>
-      </p:grpSpPr>
-      <p:sp>
-        <p:nvSpPr>
-          <p:cNvPr id="230" name="Google Shape;230;p17:notes"/>
-          <p:cNvSpPr txBox="1"/>
-          <p:nvPr>
-            <p:ph idx="1" type="body"/>
-          </p:nvPr>
-        </p:nvSpPr>
-        <p:spPr>
-          <a:xfrm>
-            <a:off x="685800" y="4343400"/>
-            <a:ext cx="5486400" cy="4114800"/>
-          </a:xfrm>
-          <a:prstGeom prst="rect">
-            <a:avLst/>
-          </a:prstGeom>
-        </p:spPr>
-        <p:txBody>
-          <a:bodyPr anchorCtr="0" anchor="t" bIns="91425" lIns="91425" spcFirstLastPara="1" rIns="91425" wrap="square" tIns="91425">
-            <a:noAutofit/>
-          </a:bodyPr>
-          <a:lstStyle/>
-          <a:p>
-            <a:pPr indent="0" lvl="0" marL="0" rtl="0" algn="l">
-              <a:spcBef>
-                <a:spcPts val="0"/>
-              </a:spcBef>
-              <a:spcAft>
-                <a:spcPts val="0"/>
-              </a:spcAft>
-              <a:buNone/>
-            </a:pPr>
-            <a:r>
-              <a:t/>
-            </a:r>
-            <a:endParaRPr/>
-          </a:p>
-        </p:txBody>
-      </p:sp>
-      <p:sp>
-        <p:nvSpPr>
-          <p:cNvPr id="231" name="Google Shape;231;p17:notes"/>
+          <p:cNvPr id="236" name="Google Shape;236;p18:notes"/>
           <p:cNvSpPr/>
           <p:nvPr>
             <p:ph idx="2" type="sldImg"/>
@@ -2097,7 +2096,7 @@
   <p:cSld>
     <p:spTree>
       <p:nvGrpSpPr>
-        <p:cNvPr id="236" name="Shape 236"/>
+        <p:cNvPr id="241" name="Shape 241"/>
         <p:cNvGrpSpPr/>
         <p:nvPr/>
       </p:nvGrpSpPr>
@@ -2111,7 +2110,42 @@
       </p:grpSpPr>
       <p:sp>
         <p:nvSpPr>
-          <p:cNvPr id="237" name="Google Shape;237;p18:notes"/>
+          <p:cNvPr id="242" name="Google Shape;242;g2c4c75c3d89_0_1:notes"/>
+          <p:cNvSpPr/>
+          <p:nvPr>
+            <p:ph idx="2" type="sldImg"/>
+          </p:nvPr>
+        </p:nvSpPr>
+        <p:spPr>
+          <a:xfrm>
+            <a:off x="1143225" y="685800"/>
+            <a:ext cx="4572300" cy="3429000"/>
+          </a:xfrm>
+          <a:custGeom>
+            <a:rect b="b" l="l" r="r" t="t"/>
+            <a:pathLst>
+              <a:path extrusionOk="0" h="120000" w="120000">
+                <a:moveTo>
+                  <a:pt x="0" y="0"/>
+                </a:moveTo>
+                <a:lnTo>
+                  <a:pt x="120000" y="0"/>
+                </a:lnTo>
+                <a:lnTo>
+                  <a:pt x="120000" y="120000"/>
+                </a:lnTo>
+                <a:lnTo>
+                  <a:pt x="0" y="120000"/>
+                </a:lnTo>
+                <a:close/>
+              </a:path>
+            </a:pathLst>
+          </a:custGeom>
+        </p:spPr>
+      </p:sp>
+      <p:sp>
+        <p:nvSpPr>
+          <p:cNvPr id="243" name="Google Shape;243;g2c4c75c3d89_0_1:notes"/>
           <p:cNvSpPr txBox="1"/>
           <p:nvPr>
             <p:ph idx="1" type="body"/>
@@ -2148,9 +2182,73 @@
           </a:p>
         </p:txBody>
       </p:sp>
+    </p:spTree>
+  </p:cSld>
+  <p:clrMapOvr>
+    <a:masterClrMapping/>
+  </p:clrMapOvr>
+</p:notes>
+</file>
+
+<file path=ppt/notesSlides/notesSlide23.xml><?xml version="1.0" encoding="utf-8"?>
+<p:notes xmlns:a="http://schemas.openxmlformats.org/drawingml/2006/main" xmlns:r="http://schemas.openxmlformats.org/officeDocument/2006/relationships" xmlns:mc="http://schemas.openxmlformats.org/markup-compatibility/2006" xmlns:mv="urn:schemas-microsoft-com:mac:vml" xmlns:p="http://schemas.openxmlformats.org/presentationml/2006/main" xmlns:c="http://schemas.openxmlformats.org/drawingml/2006/chart" xmlns:dgm="http://schemas.openxmlformats.org/drawingml/2006/diagram" xmlns:o="urn:schemas-microsoft-com:office:office" xmlns:v="urn:schemas-microsoft-com:vml" xmlns:pvml="urn:schemas-microsoft-com:office:powerpoint" xmlns:com="http://schemas.openxmlformats.org/drawingml/2006/compatibility" xmlns:p14="http://schemas.microsoft.com/office/powerpoint/2010/main" xmlns:p15="http://schemas.microsoft.com/office/powerpoint/2012/main" xmlns:ahyp="http://schemas.microsoft.com/office/drawing/2018/hyperlinkcolor" showMasterPhAnim="0" showMasterSp="0">
+  <p:cSld>
+    <p:spTree>
+      <p:nvGrpSpPr>
+        <p:cNvPr id="247" name="Shape 247"/>
+        <p:cNvGrpSpPr/>
+        <p:nvPr/>
+      </p:nvGrpSpPr>
+      <p:grpSpPr>
+        <a:xfrm>
+          <a:off x="0" y="0"/>
+          <a:ext cx="0" cy="0"/>
+          <a:chOff x="0" y="0"/>
+          <a:chExt cx="0" cy="0"/>
+        </a:xfrm>
+      </p:grpSpPr>
       <p:sp>
         <p:nvSpPr>
-          <p:cNvPr id="238" name="Google Shape;238;p18:notes"/>
+          <p:cNvPr id="248" name="Google Shape;248;p24:notes"/>
+          <p:cNvSpPr txBox="1"/>
+          <p:nvPr>
+            <p:ph idx="1" type="body"/>
+          </p:nvPr>
+        </p:nvSpPr>
+        <p:spPr>
+          <a:xfrm>
+            <a:off x="685800" y="4343400"/>
+            <a:ext cx="5486400" cy="4114800"/>
+          </a:xfrm>
+          <a:prstGeom prst="rect">
+            <a:avLst/>
+          </a:prstGeom>
+        </p:spPr>
+        <p:txBody>
+          <a:bodyPr anchorCtr="0" anchor="t" bIns="91425" lIns="91425" spcFirstLastPara="1" rIns="91425" wrap="square" tIns="91425">
+            <a:noAutofit/>
+          </a:bodyPr>
+          <a:lstStyle/>
+          <a:p>
+            <a:pPr indent="0" lvl="0" marL="0" rtl="0" algn="l">
+              <a:spcBef>
+                <a:spcPts val="0"/>
+              </a:spcBef>
+              <a:spcAft>
+                <a:spcPts val="0"/>
+              </a:spcAft>
+              <a:buNone/>
+            </a:pPr>
+            <a:r>
+              <a:t/>
+            </a:r>
+            <a:endParaRPr/>
+          </a:p>
+        </p:txBody>
+      </p:sp>
+      <p:sp>
+        <p:nvSpPr>
+          <p:cNvPr id="249" name="Google Shape;249;p24:notes"/>
           <p:cNvSpPr/>
           <p:nvPr>
             <p:ph idx="2" type="sldImg"/>
@@ -2191,12 +2289,12 @@
 </p:notes>
 </file>
 
-<file path=ppt/notesSlides/notesSlide23.xml><?xml version="1.0" encoding="utf-8"?>
+<file path=ppt/notesSlides/notesSlide24.xml><?xml version="1.0" encoding="utf-8"?>
 <p:notes xmlns:a="http://schemas.openxmlformats.org/drawingml/2006/main" xmlns:r="http://schemas.openxmlformats.org/officeDocument/2006/relationships" xmlns:mc="http://schemas.openxmlformats.org/markup-compatibility/2006" xmlns:mv="urn:schemas-microsoft-com:mac:vml" xmlns:p="http://schemas.openxmlformats.org/presentationml/2006/main" xmlns:c="http://schemas.openxmlformats.org/drawingml/2006/chart" xmlns:dgm="http://schemas.openxmlformats.org/drawingml/2006/diagram" xmlns:o="urn:schemas-microsoft-com:office:office" xmlns:v="urn:schemas-microsoft-com:vml" xmlns:pvml="urn:schemas-microsoft-com:office:powerpoint" xmlns:com="http://schemas.openxmlformats.org/drawingml/2006/compatibility" xmlns:p14="http://schemas.microsoft.com/office/powerpoint/2010/main" xmlns:p15="http://schemas.microsoft.com/office/powerpoint/2012/main" xmlns:ahyp="http://schemas.microsoft.com/office/drawing/2018/hyperlinkcolor" showMasterPhAnim="0" showMasterSp="0">
   <p:cSld>
     <p:spTree>
       <p:nvGrpSpPr>
-        <p:cNvPr id="243" name="Shape 243"/>
+        <p:cNvPr id="253" name="Shape 253"/>
         <p:cNvGrpSpPr/>
         <p:nvPr/>
       </p:nvGrpSpPr>
@@ -2210,42 +2308,7 @@
       </p:grpSpPr>
       <p:sp>
         <p:nvSpPr>
-          <p:cNvPr id="244" name="Google Shape;244;g2c4c75c3d89_0_1:notes"/>
-          <p:cNvSpPr/>
-          <p:nvPr>
-            <p:ph idx="2" type="sldImg"/>
-          </p:nvPr>
-        </p:nvSpPr>
-        <p:spPr>
-          <a:xfrm>
-            <a:off x="1143225" y="685800"/>
-            <a:ext cx="4572300" cy="3429000"/>
-          </a:xfrm>
-          <a:custGeom>
-            <a:rect b="b" l="l" r="r" t="t"/>
-            <a:pathLst>
-              <a:path extrusionOk="0" h="120000" w="120000">
-                <a:moveTo>
-                  <a:pt x="0" y="0"/>
-                </a:moveTo>
-                <a:lnTo>
-                  <a:pt x="120000" y="0"/>
-                </a:lnTo>
-                <a:lnTo>
-                  <a:pt x="120000" y="120000"/>
-                </a:lnTo>
-                <a:lnTo>
-                  <a:pt x="0" y="120000"/>
-                </a:lnTo>
-                <a:close/>
-              </a:path>
-            </a:pathLst>
-          </a:custGeom>
-        </p:spPr>
-      </p:sp>
-      <p:sp>
-        <p:nvSpPr>
-          <p:cNvPr id="245" name="Google Shape;245;g2c4c75c3d89_0_1:notes"/>
+          <p:cNvPr id="254" name="Google Shape;254;p25:notes"/>
           <p:cNvSpPr txBox="1"/>
           <p:nvPr>
             <p:ph idx="1" type="body"/>
@@ -2282,172 +2345,9 @@
           </a:p>
         </p:txBody>
       </p:sp>
-    </p:spTree>
-  </p:cSld>
-  <p:clrMapOvr>
-    <a:masterClrMapping/>
-  </p:clrMapOvr>
-</p:notes>
-</file>
-
-<file path=ppt/notesSlides/notesSlide24.xml><?xml version="1.0" encoding="utf-8"?>
-<p:notes xmlns:a="http://schemas.openxmlformats.org/drawingml/2006/main" xmlns:r="http://schemas.openxmlformats.org/officeDocument/2006/relationships" xmlns:mc="http://schemas.openxmlformats.org/markup-compatibility/2006" xmlns:mv="urn:schemas-microsoft-com:mac:vml" xmlns:p="http://schemas.openxmlformats.org/presentationml/2006/main" xmlns:c="http://schemas.openxmlformats.org/drawingml/2006/chart" xmlns:dgm="http://schemas.openxmlformats.org/drawingml/2006/diagram" xmlns:o="urn:schemas-microsoft-com:office:office" xmlns:v="urn:schemas-microsoft-com:vml" xmlns:pvml="urn:schemas-microsoft-com:office:powerpoint" xmlns:com="http://schemas.openxmlformats.org/drawingml/2006/compatibility" xmlns:p14="http://schemas.microsoft.com/office/powerpoint/2010/main" xmlns:p15="http://schemas.microsoft.com/office/powerpoint/2012/main" xmlns:ahyp="http://schemas.microsoft.com/office/drawing/2018/hyperlinkcolor" showMasterPhAnim="0" showMasterSp="0">
-  <p:cSld>
-    <p:spTree>
-      <p:nvGrpSpPr>
-        <p:cNvPr id="249" name="Shape 249"/>
-        <p:cNvGrpSpPr/>
-        <p:nvPr/>
-      </p:nvGrpSpPr>
-      <p:grpSpPr>
-        <a:xfrm>
-          <a:off x="0" y="0"/>
-          <a:ext cx="0" cy="0"/>
-          <a:chOff x="0" y="0"/>
-          <a:chExt cx="0" cy="0"/>
-        </a:xfrm>
-      </p:grpSpPr>
       <p:sp>
         <p:nvSpPr>
-          <p:cNvPr id="250" name="Google Shape;250;p24:notes"/>
-          <p:cNvSpPr txBox="1"/>
-          <p:nvPr>
-            <p:ph idx="1" type="body"/>
-          </p:nvPr>
-        </p:nvSpPr>
-        <p:spPr>
-          <a:xfrm>
-            <a:off x="685800" y="4343400"/>
-            <a:ext cx="5486400" cy="4114800"/>
-          </a:xfrm>
-          <a:prstGeom prst="rect">
-            <a:avLst/>
-          </a:prstGeom>
-        </p:spPr>
-        <p:txBody>
-          <a:bodyPr anchorCtr="0" anchor="t" bIns="91425" lIns="91425" spcFirstLastPara="1" rIns="91425" wrap="square" tIns="91425">
-            <a:noAutofit/>
-          </a:bodyPr>
-          <a:lstStyle/>
-          <a:p>
-            <a:pPr indent="0" lvl="0" marL="0" rtl="0" algn="l">
-              <a:spcBef>
-                <a:spcPts val="0"/>
-              </a:spcBef>
-              <a:spcAft>
-                <a:spcPts val="0"/>
-              </a:spcAft>
-              <a:buNone/>
-            </a:pPr>
-            <a:r>
-              <a:t/>
-            </a:r>
-            <a:endParaRPr/>
-          </a:p>
-        </p:txBody>
-      </p:sp>
-      <p:sp>
-        <p:nvSpPr>
-          <p:cNvPr id="251" name="Google Shape;251;p24:notes"/>
-          <p:cNvSpPr/>
-          <p:nvPr>
-            <p:ph idx="2" type="sldImg"/>
-          </p:nvPr>
-        </p:nvSpPr>
-        <p:spPr>
-          <a:xfrm>
-            <a:off x="1143225" y="685800"/>
-            <a:ext cx="4572225" cy="3429000"/>
-          </a:xfrm>
-          <a:custGeom>
-            <a:rect b="b" l="l" r="r" t="t"/>
-            <a:pathLst>
-              <a:path extrusionOk="0" h="120000" w="120000">
-                <a:moveTo>
-                  <a:pt x="0" y="0"/>
-                </a:moveTo>
-                <a:lnTo>
-                  <a:pt x="120000" y="0"/>
-                </a:lnTo>
-                <a:lnTo>
-                  <a:pt x="120000" y="120000"/>
-                </a:lnTo>
-                <a:lnTo>
-                  <a:pt x="0" y="120000"/>
-                </a:lnTo>
-                <a:close/>
-              </a:path>
-            </a:pathLst>
-          </a:custGeom>
-        </p:spPr>
-      </p:sp>
-    </p:spTree>
-  </p:cSld>
-  <p:clrMapOvr>
-    <a:masterClrMapping/>
-  </p:clrMapOvr>
-</p:notes>
-</file>
-
-<file path=ppt/notesSlides/notesSlide25.xml><?xml version="1.0" encoding="utf-8"?>
-<p:notes xmlns:a="http://schemas.openxmlformats.org/drawingml/2006/main" xmlns:r="http://schemas.openxmlformats.org/officeDocument/2006/relationships" xmlns:mc="http://schemas.openxmlformats.org/markup-compatibility/2006" xmlns:mv="urn:schemas-microsoft-com:mac:vml" xmlns:p="http://schemas.openxmlformats.org/presentationml/2006/main" xmlns:c="http://schemas.openxmlformats.org/drawingml/2006/chart" xmlns:dgm="http://schemas.openxmlformats.org/drawingml/2006/diagram" xmlns:o="urn:schemas-microsoft-com:office:office" xmlns:v="urn:schemas-microsoft-com:vml" xmlns:pvml="urn:schemas-microsoft-com:office:powerpoint" xmlns:com="http://schemas.openxmlformats.org/drawingml/2006/compatibility" xmlns:p14="http://schemas.microsoft.com/office/powerpoint/2010/main" xmlns:p15="http://schemas.microsoft.com/office/powerpoint/2012/main" xmlns:ahyp="http://schemas.microsoft.com/office/drawing/2018/hyperlinkcolor" showMasterPhAnim="0" showMasterSp="0">
-  <p:cSld>
-    <p:spTree>
-      <p:nvGrpSpPr>
-        <p:cNvPr id="255" name="Shape 255"/>
-        <p:cNvGrpSpPr/>
-        <p:nvPr/>
-      </p:nvGrpSpPr>
-      <p:grpSpPr>
-        <a:xfrm>
-          <a:off x="0" y="0"/>
-          <a:ext cx="0" cy="0"/>
-          <a:chOff x="0" y="0"/>
-          <a:chExt cx="0" cy="0"/>
-        </a:xfrm>
-      </p:grpSpPr>
-      <p:sp>
-        <p:nvSpPr>
-          <p:cNvPr id="256" name="Google Shape;256;p25:notes"/>
-          <p:cNvSpPr txBox="1"/>
-          <p:nvPr>
-            <p:ph idx="1" type="body"/>
-          </p:nvPr>
-        </p:nvSpPr>
-        <p:spPr>
-          <a:xfrm>
-            <a:off x="685800" y="4343400"/>
-            <a:ext cx="5486400" cy="4114800"/>
-          </a:xfrm>
-          <a:prstGeom prst="rect">
-            <a:avLst/>
-          </a:prstGeom>
-        </p:spPr>
-        <p:txBody>
-          <a:bodyPr anchorCtr="0" anchor="t" bIns="91425" lIns="91425" spcFirstLastPara="1" rIns="91425" wrap="square" tIns="91425">
-            <a:noAutofit/>
-          </a:bodyPr>
-          <a:lstStyle/>
-          <a:p>
-            <a:pPr indent="0" lvl="0" marL="0" rtl="0" algn="l">
-              <a:spcBef>
-                <a:spcPts val="0"/>
-              </a:spcBef>
-              <a:spcAft>
-                <a:spcPts val="0"/>
-              </a:spcAft>
-              <a:buNone/>
-            </a:pPr>
-            <a:r>
-              <a:t/>
-            </a:r>
-            <a:endParaRPr/>
-          </a:p>
-        </p:txBody>
-      </p:sp>
-      <p:sp>
-        <p:nvSpPr>
-          <p:cNvPr id="257" name="Google Shape;257;p25:notes"/>
+          <p:cNvPr id="255" name="Google Shape;255;p25:notes"/>
           <p:cNvSpPr/>
           <p:nvPr>
             <p:ph idx="2" type="sldImg"/>
@@ -2493,7 +2393,7 @@
   <p:cSld>
     <p:spTree>
       <p:nvGrpSpPr>
-        <p:cNvPr id="106" name="Shape 106"/>
+        <p:cNvPr id="111" name="Shape 111"/>
         <p:cNvGrpSpPr/>
         <p:nvPr/>
       </p:nvGrpSpPr>
@@ -2507,42 +2407,7 @@
       </p:grpSpPr>
       <p:sp>
         <p:nvSpPr>
-          <p:cNvPr id="107" name="Google Shape;107;g2c48598d1a9_1_1:notes"/>
-          <p:cNvSpPr/>
-          <p:nvPr>
-            <p:ph idx="2" type="sldImg"/>
-          </p:nvPr>
-        </p:nvSpPr>
-        <p:spPr>
-          <a:xfrm>
-            <a:off x="1143225" y="685800"/>
-            <a:ext cx="4572300" cy="3429000"/>
-          </a:xfrm>
-          <a:custGeom>
-            <a:rect b="b" l="l" r="r" t="t"/>
-            <a:pathLst>
-              <a:path extrusionOk="0" h="120000" w="120000">
-                <a:moveTo>
-                  <a:pt x="0" y="0"/>
-                </a:moveTo>
-                <a:lnTo>
-                  <a:pt x="120000" y="0"/>
-                </a:lnTo>
-                <a:lnTo>
-                  <a:pt x="120000" y="120000"/>
-                </a:lnTo>
-                <a:lnTo>
-                  <a:pt x="0" y="120000"/>
-                </a:lnTo>
-                <a:close/>
-              </a:path>
-            </a:pathLst>
-          </a:custGeom>
-        </p:spPr>
-      </p:sp>
-      <p:sp>
-        <p:nvSpPr>
-          <p:cNvPr id="108" name="Google Shape;108;g2c48598d1a9_1_1:notes"/>
+          <p:cNvPr id="112" name="Google Shape;112;p3:notes"/>
           <p:cNvSpPr txBox="1"/>
           <p:nvPr>
             <p:ph idx="1" type="body"/>
@@ -2579,73 +2444,9 @@
           </a:p>
         </p:txBody>
       </p:sp>
-    </p:spTree>
-  </p:cSld>
-  <p:clrMapOvr>
-    <a:masterClrMapping/>
-  </p:clrMapOvr>
-</p:notes>
-</file>
-
-<file path=ppt/notesSlides/notesSlide4.xml><?xml version="1.0" encoding="utf-8"?>
-<p:notes xmlns:a="http://schemas.openxmlformats.org/drawingml/2006/main" xmlns:r="http://schemas.openxmlformats.org/officeDocument/2006/relationships" xmlns:mc="http://schemas.openxmlformats.org/markup-compatibility/2006" xmlns:mv="urn:schemas-microsoft-com:mac:vml" xmlns:p="http://schemas.openxmlformats.org/presentationml/2006/main" xmlns:c="http://schemas.openxmlformats.org/drawingml/2006/chart" xmlns:dgm="http://schemas.openxmlformats.org/drawingml/2006/diagram" xmlns:o="urn:schemas-microsoft-com:office:office" xmlns:v="urn:schemas-microsoft-com:vml" xmlns:pvml="urn:schemas-microsoft-com:office:powerpoint" xmlns:com="http://schemas.openxmlformats.org/drawingml/2006/compatibility" xmlns:p14="http://schemas.microsoft.com/office/powerpoint/2010/main" xmlns:p15="http://schemas.microsoft.com/office/powerpoint/2012/main" xmlns:ahyp="http://schemas.microsoft.com/office/drawing/2018/hyperlinkcolor" showMasterPhAnim="0" showMasterSp="0">
-  <p:cSld>
-    <p:spTree>
-      <p:nvGrpSpPr>
-        <p:cNvPr id="117" name="Shape 117"/>
-        <p:cNvGrpSpPr/>
-        <p:nvPr/>
-      </p:nvGrpSpPr>
-      <p:grpSpPr>
-        <a:xfrm>
-          <a:off x="0" y="0"/>
-          <a:ext cx="0" cy="0"/>
-          <a:chOff x="0" y="0"/>
-          <a:chExt cx="0" cy="0"/>
-        </a:xfrm>
-      </p:grpSpPr>
       <p:sp>
         <p:nvSpPr>
-          <p:cNvPr id="118" name="Google Shape;118;p3:notes"/>
-          <p:cNvSpPr txBox="1"/>
-          <p:nvPr>
-            <p:ph idx="1" type="body"/>
-          </p:nvPr>
-        </p:nvSpPr>
-        <p:spPr>
-          <a:xfrm>
-            <a:off x="685800" y="4343400"/>
-            <a:ext cx="5486400" cy="4114800"/>
-          </a:xfrm>
-          <a:prstGeom prst="rect">
-            <a:avLst/>
-          </a:prstGeom>
-        </p:spPr>
-        <p:txBody>
-          <a:bodyPr anchorCtr="0" anchor="t" bIns="91425" lIns="91425" spcFirstLastPara="1" rIns="91425" wrap="square" tIns="91425">
-            <a:noAutofit/>
-          </a:bodyPr>
-          <a:lstStyle/>
-          <a:p>
-            <a:pPr indent="0" lvl="0" marL="0" rtl="0" algn="l">
-              <a:spcBef>
-                <a:spcPts val="0"/>
-              </a:spcBef>
-              <a:spcAft>
-                <a:spcPts val="0"/>
-              </a:spcAft>
-              <a:buNone/>
-            </a:pPr>
-            <a:r>
-              <a:t/>
-            </a:r>
-            <a:endParaRPr/>
-          </a:p>
-        </p:txBody>
-      </p:sp>
-      <p:sp>
-        <p:nvSpPr>
-          <p:cNvPr id="119" name="Google Shape;119;p3:notes"/>
+          <p:cNvPr id="113" name="Google Shape;113;p3:notes"/>
           <p:cNvSpPr/>
           <p:nvPr>
             <p:ph idx="2" type="sldImg"/>
@@ -2686,12 +2487,12 @@
 </p:notes>
 </file>
 
-<file path=ppt/notesSlides/notesSlide5.xml><?xml version="1.0" encoding="utf-8"?>
+<file path=ppt/notesSlides/notesSlide4.xml><?xml version="1.0" encoding="utf-8"?>
 <p:notes xmlns:a="http://schemas.openxmlformats.org/drawingml/2006/main" xmlns:r="http://schemas.openxmlformats.org/officeDocument/2006/relationships" xmlns:mc="http://schemas.openxmlformats.org/markup-compatibility/2006" xmlns:mv="urn:schemas-microsoft-com:mac:vml" xmlns:p="http://schemas.openxmlformats.org/presentationml/2006/main" xmlns:c="http://schemas.openxmlformats.org/drawingml/2006/chart" xmlns:dgm="http://schemas.openxmlformats.org/drawingml/2006/diagram" xmlns:o="urn:schemas-microsoft-com:office:office" xmlns:v="urn:schemas-microsoft-com:vml" xmlns:pvml="urn:schemas-microsoft-com:office:powerpoint" xmlns:com="http://schemas.openxmlformats.org/drawingml/2006/compatibility" xmlns:p14="http://schemas.microsoft.com/office/powerpoint/2010/main" xmlns:p15="http://schemas.microsoft.com/office/powerpoint/2012/main" xmlns:ahyp="http://schemas.microsoft.com/office/drawing/2018/hyperlinkcolor" showMasterPhAnim="0" showMasterSp="0">
   <p:cSld>
     <p:spTree>
       <p:nvGrpSpPr>
-        <p:cNvPr id="123" name="Shape 123"/>
+        <p:cNvPr id="121" name="Shape 121"/>
         <p:cNvGrpSpPr/>
         <p:nvPr/>
       </p:nvGrpSpPr>
@@ -2705,7 +2506,7 @@
       </p:grpSpPr>
       <p:sp>
         <p:nvSpPr>
-          <p:cNvPr id="124" name="Google Shape;124;g2c4b658579b_3_1:notes"/>
+          <p:cNvPr id="122" name="Google Shape;122;g2c4b658579b_3_1:notes"/>
           <p:cNvSpPr txBox="1"/>
           <p:nvPr>
             <p:ph idx="1" type="body"/>
@@ -2744,7 +2545,7 @@
       </p:sp>
       <p:sp>
         <p:nvSpPr>
-          <p:cNvPr id="125" name="Google Shape;125;g2c4b658579b_3_1:notes"/>
+          <p:cNvPr id="123" name="Google Shape;123;g2c4b658579b_3_1:notes"/>
           <p:cNvSpPr/>
           <p:nvPr>
             <p:ph idx="2" type="sldImg"/>
@@ -2785,12 +2586,12 @@
 </p:notes>
 </file>
 
-<file path=ppt/notesSlides/notesSlide6.xml><?xml version="1.0" encoding="utf-8"?>
+<file path=ppt/notesSlides/notesSlide5.xml><?xml version="1.0" encoding="utf-8"?>
 <p:notes xmlns:a="http://schemas.openxmlformats.org/drawingml/2006/main" xmlns:r="http://schemas.openxmlformats.org/officeDocument/2006/relationships" xmlns:mc="http://schemas.openxmlformats.org/markup-compatibility/2006" xmlns:mv="urn:schemas-microsoft-com:mac:vml" xmlns:p="http://schemas.openxmlformats.org/presentationml/2006/main" xmlns:c="http://schemas.openxmlformats.org/drawingml/2006/chart" xmlns:dgm="http://schemas.openxmlformats.org/drawingml/2006/diagram" xmlns:o="urn:schemas-microsoft-com:office:office" xmlns:v="urn:schemas-microsoft-com:vml" xmlns:pvml="urn:schemas-microsoft-com:office:powerpoint" xmlns:com="http://schemas.openxmlformats.org/drawingml/2006/compatibility" xmlns:p14="http://schemas.microsoft.com/office/powerpoint/2010/main" xmlns:p15="http://schemas.microsoft.com/office/powerpoint/2012/main" xmlns:ahyp="http://schemas.microsoft.com/office/drawing/2018/hyperlinkcolor" showMasterPhAnim="0" showMasterSp="0">
   <p:cSld>
     <p:spTree>
       <p:nvGrpSpPr>
-        <p:cNvPr id="129" name="Shape 129"/>
+        <p:cNvPr id="127" name="Shape 127"/>
         <p:cNvGrpSpPr/>
         <p:nvPr/>
       </p:nvGrpSpPr>
@@ -2804,7 +2605,7 @@
       </p:grpSpPr>
       <p:sp>
         <p:nvSpPr>
-          <p:cNvPr id="130" name="Google Shape;130;p4:notes"/>
+          <p:cNvPr id="128" name="Google Shape;128;p4:notes"/>
           <p:cNvSpPr txBox="1"/>
           <p:nvPr>
             <p:ph idx="1" type="body"/>
@@ -2843,7 +2644,106 @@
       </p:sp>
       <p:sp>
         <p:nvSpPr>
-          <p:cNvPr id="131" name="Google Shape;131;p4:notes"/>
+          <p:cNvPr id="129" name="Google Shape;129;p4:notes"/>
+          <p:cNvSpPr/>
+          <p:nvPr>
+            <p:ph idx="2" type="sldImg"/>
+          </p:nvPr>
+        </p:nvSpPr>
+        <p:spPr>
+          <a:xfrm>
+            <a:off x="1143225" y="685800"/>
+            <a:ext cx="4572225" cy="3429000"/>
+          </a:xfrm>
+          <a:custGeom>
+            <a:rect b="b" l="l" r="r" t="t"/>
+            <a:pathLst>
+              <a:path extrusionOk="0" h="120000" w="120000">
+                <a:moveTo>
+                  <a:pt x="0" y="0"/>
+                </a:moveTo>
+                <a:lnTo>
+                  <a:pt x="120000" y="0"/>
+                </a:lnTo>
+                <a:lnTo>
+                  <a:pt x="120000" y="120000"/>
+                </a:lnTo>
+                <a:lnTo>
+                  <a:pt x="0" y="120000"/>
+                </a:lnTo>
+                <a:close/>
+              </a:path>
+            </a:pathLst>
+          </a:custGeom>
+        </p:spPr>
+      </p:sp>
+    </p:spTree>
+  </p:cSld>
+  <p:clrMapOvr>
+    <a:masterClrMapping/>
+  </p:clrMapOvr>
+</p:notes>
+</file>
+
+<file path=ppt/notesSlides/notesSlide6.xml><?xml version="1.0" encoding="utf-8"?>
+<p:notes xmlns:a="http://schemas.openxmlformats.org/drawingml/2006/main" xmlns:r="http://schemas.openxmlformats.org/officeDocument/2006/relationships" xmlns:mc="http://schemas.openxmlformats.org/markup-compatibility/2006" xmlns:mv="urn:schemas-microsoft-com:mac:vml" xmlns:p="http://schemas.openxmlformats.org/presentationml/2006/main" xmlns:c="http://schemas.openxmlformats.org/drawingml/2006/chart" xmlns:dgm="http://schemas.openxmlformats.org/drawingml/2006/diagram" xmlns:o="urn:schemas-microsoft-com:office:office" xmlns:v="urn:schemas-microsoft-com:vml" xmlns:pvml="urn:schemas-microsoft-com:office:powerpoint" xmlns:com="http://schemas.openxmlformats.org/drawingml/2006/compatibility" xmlns:p14="http://schemas.microsoft.com/office/powerpoint/2010/main" xmlns:p15="http://schemas.microsoft.com/office/powerpoint/2012/main" xmlns:ahyp="http://schemas.microsoft.com/office/drawing/2018/hyperlinkcolor" showMasterPhAnim="0" showMasterSp="0">
+  <p:cSld>
+    <p:spTree>
+      <p:nvGrpSpPr>
+        <p:cNvPr id="133" name="Shape 133"/>
+        <p:cNvGrpSpPr/>
+        <p:nvPr/>
+      </p:nvGrpSpPr>
+      <p:grpSpPr>
+        <a:xfrm>
+          <a:off x="0" y="0"/>
+          <a:ext cx="0" cy="0"/>
+          <a:chOff x="0" y="0"/>
+          <a:chExt cx="0" cy="0"/>
+        </a:xfrm>
+      </p:grpSpPr>
+      <p:sp>
+        <p:nvSpPr>
+          <p:cNvPr id="134" name="Google Shape;134;p5:notes"/>
+          <p:cNvSpPr txBox="1"/>
+          <p:nvPr>
+            <p:ph idx="1" type="body"/>
+          </p:nvPr>
+        </p:nvSpPr>
+        <p:spPr>
+          <a:xfrm>
+            <a:off x="685800" y="4343400"/>
+            <a:ext cx="5486400" cy="4114800"/>
+          </a:xfrm>
+          <a:prstGeom prst="rect">
+            <a:avLst/>
+          </a:prstGeom>
+        </p:spPr>
+        <p:txBody>
+          <a:bodyPr anchorCtr="0" anchor="t" bIns="91425" lIns="91425" spcFirstLastPara="1" rIns="91425" wrap="square" tIns="91425">
+            <a:noAutofit/>
+          </a:bodyPr>
+          <a:lstStyle/>
+          <a:p>
+            <a:pPr indent="0" lvl="0" marL="0" rtl="0" algn="l">
+              <a:spcBef>
+                <a:spcPts val="0"/>
+              </a:spcBef>
+              <a:spcAft>
+                <a:spcPts val="0"/>
+              </a:spcAft>
+              <a:buNone/>
+            </a:pPr>
+            <a:r>
+              <a:t/>
+            </a:r>
+            <a:endParaRPr/>
+          </a:p>
+        </p:txBody>
+      </p:sp>
+      <p:sp>
+        <p:nvSpPr>
+          <p:cNvPr id="135" name="Google Shape;135;p5:notes"/>
           <p:cNvSpPr/>
           <p:nvPr>
             <p:ph idx="2" type="sldImg"/>
@@ -2889,7 +2789,7 @@
   <p:cSld>
     <p:spTree>
       <p:nvGrpSpPr>
-        <p:cNvPr id="135" name="Shape 135"/>
+        <p:cNvPr id="139" name="Shape 139"/>
         <p:cNvGrpSpPr/>
         <p:nvPr/>
       </p:nvGrpSpPr>
@@ -2903,7 +2803,7 @@
       </p:grpSpPr>
       <p:sp>
         <p:nvSpPr>
-          <p:cNvPr id="136" name="Google Shape;136;p5:notes"/>
+          <p:cNvPr id="140" name="Google Shape;140;p6:notes"/>
           <p:cNvSpPr txBox="1"/>
           <p:nvPr>
             <p:ph idx="1" type="body"/>
@@ -2942,7 +2842,7 @@
       </p:sp>
       <p:sp>
         <p:nvSpPr>
-          <p:cNvPr id="137" name="Google Shape;137;p5:notes"/>
+          <p:cNvPr id="141" name="Google Shape;141;p6:notes"/>
           <p:cNvSpPr/>
           <p:nvPr>
             <p:ph idx="2" type="sldImg"/>
@@ -2988,7 +2888,7 @@
   <p:cSld>
     <p:spTree>
       <p:nvGrpSpPr>
-        <p:cNvPr id="141" name="Shape 141"/>
+        <p:cNvPr id="145" name="Shape 145"/>
         <p:cNvGrpSpPr/>
         <p:nvPr/>
       </p:nvGrpSpPr>
@@ -3002,7 +2902,7 @@
       </p:grpSpPr>
       <p:sp>
         <p:nvSpPr>
-          <p:cNvPr id="142" name="Google Shape;142;p6:notes"/>
+          <p:cNvPr id="146" name="Google Shape;146;p7:notes"/>
           <p:cNvSpPr txBox="1"/>
           <p:nvPr>
             <p:ph idx="1" type="body"/>
@@ -3041,7 +2941,7 @@
       </p:sp>
       <p:sp>
         <p:nvSpPr>
-          <p:cNvPr id="143" name="Google Shape;143;p6:notes"/>
+          <p:cNvPr id="147" name="Google Shape;147;p7:notes"/>
           <p:cNvSpPr/>
           <p:nvPr>
             <p:ph idx="2" type="sldImg"/>
@@ -3087,7 +2987,7 @@
   <p:cSld>
     <p:spTree>
       <p:nvGrpSpPr>
-        <p:cNvPr id="147" name="Shape 147"/>
+        <p:cNvPr id="152" name="Shape 152"/>
         <p:cNvGrpSpPr/>
         <p:nvPr/>
       </p:nvGrpSpPr>
@@ -3101,7 +3001,7 @@
       </p:grpSpPr>
       <p:sp>
         <p:nvSpPr>
-          <p:cNvPr id="148" name="Google Shape;148;p7:notes"/>
+          <p:cNvPr id="153" name="Google Shape;153;p8:notes"/>
           <p:cNvSpPr txBox="1"/>
           <p:nvPr>
             <p:ph idx="1" type="body"/>
@@ -3140,7 +3040,7 @@
       </p:sp>
       <p:sp>
         <p:nvSpPr>
-          <p:cNvPr id="149" name="Google Shape;149;p7:notes"/>
+          <p:cNvPr id="154" name="Google Shape;154;p8:notes"/>
           <p:cNvSpPr/>
           <p:nvPr>
             <p:ph idx="2" type="sldImg"/>
@@ -13844,7 +13744,7 @@
   <p:cSld>
     <p:spTree>
       <p:nvGrpSpPr>
-        <p:cNvPr id="157" name="Shape 157"/>
+        <p:cNvPr id="162" name="Shape 162"/>
         <p:cNvGrpSpPr/>
         <p:nvPr/>
       </p:nvGrpSpPr>
@@ -13858,143 +13758,7 @@
       </p:grpSpPr>
       <p:sp>
         <p:nvSpPr>
-          <p:cNvPr id="158" name="Google Shape;158;p8"/>
-          <p:cNvSpPr txBox="1"/>
-          <p:nvPr>
-            <p:ph type="title"/>
-          </p:nvPr>
-        </p:nvSpPr>
-        <p:spPr>
-          <a:xfrm>
-            <a:off x="581193" y="729658"/>
-            <a:ext cx="11029616" cy="988332"/>
-          </a:xfrm>
-          <a:prstGeom prst="rect">
-            <a:avLst/>
-          </a:prstGeom>
-          <a:noFill/>
-          <a:ln>
-            <a:noFill/>
-          </a:ln>
-        </p:spPr>
-        <p:txBody>
-          <a:bodyPr anchorCtr="0" anchor="b" bIns="45700" lIns="91425" spcFirstLastPara="1" rIns="91425" wrap="square" tIns="45700">
-            <a:normAutofit/>
-          </a:bodyPr>
-          <a:lstStyle/>
-          <a:p>
-            <a:pPr indent="0" lvl="0" marL="0" rtl="0" algn="l">
-              <a:spcBef>
-                <a:spcPts val="0"/>
-              </a:spcBef>
-              <a:spcAft>
-                <a:spcPts val="0"/>
-              </a:spcAft>
-              <a:buClr>
-                <a:schemeClr val="lt1"/>
-              </a:buClr>
-              <a:buSzPts val="2800"/>
-              <a:buFont typeface="Gill Sans"/>
-              <a:buNone/>
-            </a:pPr>
-            <a:r>
-              <a:rPr lang="en-US"/>
-              <a:t>HOW DOES THE STOCK PRICE CHANGE OVER TIME</a:t>
-            </a:r>
-            <a:r>
-              <a:rPr lang="en-US"/>
-              <a:t>?</a:t>
-            </a:r>
-            <a:endParaRPr/>
-          </a:p>
-        </p:txBody>
-      </p:sp>
-      <p:pic>
-        <p:nvPicPr>
-          <p:cNvPr id="159" name="Google Shape;159;p8"/>
-          <p:cNvPicPr preferRelativeResize="0"/>
-          <p:nvPr>
-            <p:ph idx="2" type="body"/>
-          </p:nvPr>
-        </p:nvPicPr>
-        <p:blipFill rotWithShape="1">
-          <a:blip r:embed="rId3">
-            <a:alphaModFix/>
-          </a:blip>
-          <a:srcRect b="0" l="0" r="0" t="0"/>
-          <a:stretch/>
-        </p:blipFill>
-        <p:spPr>
-          <a:xfrm>
-            <a:off x="6188075" y="2471454"/>
-            <a:ext cx="5422900" cy="3145405"/>
-          </a:xfrm>
-          <a:prstGeom prst="rect">
-            <a:avLst/>
-          </a:prstGeom>
-          <a:noFill/>
-          <a:ln>
-            <a:noFill/>
-          </a:ln>
-        </p:spPr>
-      </p:pic>
-      <p:pic>
-        <p:nvPicPr>
-          <p:cNvPr id="160" name="Google Shape;160;p8"/>
-          <p:cNvPicPr preferRelativeResize="0"/>
-          <p:nvPr>
-            <p:ph idx="1" type="body"/>
-          </p:nvPr>
-        </p:nvPicPr>
-        <p:blipFill rotWithShape="1">
-          <a:blip r:embed="rId4">
-            <a:alphaModFix/>
-          </a:blip>
-          <a:srcRect b="0" l="0" r="0" t="0"/>
-          <a:stretch/>
-        </p:blipFill>
-        <p:spPr>
-          <a:xfrm>
-            <a:off x="581025" y="2458097"/>
-            <a:ext cx="5422900" cy="3172118"/>
-          </a:xfrm>
-          <a:prstGeom prst="rect">
-            <a:avLst/>
-          </a:prstGeom>
-          <a:noFill/>
-          <a:ln>
-            <a:noFill/>
-          </a:ln>
-        </p:spPr>
-      </p:pic>
-    </p:spTree>
-  </p:cSld>
-  <p:clrMapOvr>
-    <a:masterClrMapping/>
-  </p:clrMapOvr>
-</p:sld>
-</file>
-
-<file path=ppt/slides/slide11.xml><?xml version="1.0" encoding="utf-8"?>
-<p:sld xmlns:a="http://schemas.openxmlformats.org/drawingml/2006/main" xmlns:r="http://schemas.openxmlformats.org/officeDocument/2006/relationships" xmlns:mc="http://schemas.openxmlformats.org/markup-compatibility/2006" xmlns:mv="urn:schemas-microsoft-com:mac:vml" xmlns:p="http://schemas.openxmlformats.org/presentationml/2006/main" xmlns:c="http://schemas.openxmlformats.org/drawingml/2006/chart" xmlns:dgm="http://schemas.openxmlformats.org/drawingml/2006/diagram" xmlns:o="urn:schemas-microsoft-com:office:office" xmlns:v="urn:schemas-microsoft-com:vml" xmlns:pvml="urn:schemas-microsoft-com:office:powerpoint" xmlns:com="http://schemas.openxmlformats.org/drawingml/2006/compatibility" xmlns:p14="http://schemas.microsoft.com/office/powerpoint/2010/main" xmlns:p15="http://schemas.microsoft.com/office/powerpoint/2012/main" xmlns:ahyp="http://schemas.microsoft.com/office/drawing/2018/hyperlinkcolor">
-  <p:cSld>
-    <p:spTree>
-      <p:nvGrpSpPr>
-        <p:cNvPr id="164" name="Shape 164"/>
-        <p:cNvGrpSpPr/>
-        <p:nvPr/>
-      </p:nvGrpSpPr>
-      <p:grpSpPr>
-        <a:xfrm>
-          <a:off x="0" y="0"/>
-          <a:ext cx="0" cy="0"/>
-          <a:chOff x="0" y="0"/>
-          <a:chExt cx="0" cy="0"/>
-        </a:xfrm>
-      </p:grpSpPr>
-      <p:sp>
-        <p:nvSpPr>
-          <p:cNvPr id="165" name="Google Shape;165;p9"/>
+          <p:cNvPr id="163" name="Google Shape;163;p9"/>
           <p:cNvSpPr txBox="1"/>
           <p:nvPr>
             <p:ph type="title"/>
@@ -14047,7 +13811,7 @@
       </p:sp>
       <p:sp>
         <p:nvSpPr>
-          <p:cNvPr id="166" name="Google Shape;166;p9"/>
+          <p:cNvPr id="164" name="Google Shape;164;p9"/>
           <p:cNvSpPr txBox="1"/>
           <p:nvPr/>
         </p:nvSpPr>
@@ -14105,7 +13869,7 @@
       </p:sp>
       <p:sp>
         <p:nvSpPr>
-          <p:cNvPr id="167" name="Google Shape;167;p9"/>
+          <p:cNvPr id="165" name="Google Shape;165;p9"/>
           <p:cNvSpPr/>
           <p:nvPr/>
         </p:nvSpPr>
@@ -14162,7 +13926,7 @@
       </p:sp>
       <p:pic>
         <p:nvPicPr>
-          <p:cNvPr id="168" name="Google Shape;168;p9"/>
+          <p:cNvPr id="166" name="Google Shape;166;p9"/>
           <p:cNvPicPr preferRelativeResize="0"/>
           <p:nvPr>
             <p:ph idx="1" type="body"/>
@@ -14197,12 +13961,12 @@
 </p:sld>
 </file>
 
-<file path=ppt/slides/slide12.xml><?xml version="1.0" encoding="utf-8"?>
+<file path=ppt/slides/slide11.xml><?xml version="1.0" encoding="utf-8"?>
 <p:sld xmlns:a="http://schemas.openxmlformats.org/drawingml/2006/main" xmlns:r="http://schemas.openxmlformats.org/officeDocument/2006/relationships" xmlns:mc="http://schemas.openxmlformats.org/markup-compatibility/2006" xmlns:mv="urn:schemas-microsoft-com:mac:vml" xmlns:p="http://schemas.openxmlformats.org/presentationml/2006/main" xmlns:c="http://schemas.openxmlformats.org/drawingml/2006/chart" xmlns:dgm="http://schemas.openxmlformats.org/drawingml/2006/diagram" xmlns:o="urn:schemas-microsoft-com:office:office" xmlns:v="urn:schemas-microsoft-com:vml" xmlns:pvml="urn:schemas-microsoft-com:office:powerpoint" xmlns:com="http://schemas.openxmlformats.org/drawingml/2006/compatibility" xmlns:p14="http://schemas.microsoft.com/office/powerpoint/2010/main" xmlns:p15="http://schemas.microsoft.com/office/powerpoint/2012/main" xmlns:ahyp="http://schemas.microsoft.com/office/drawing/2018/hyperlinkcolor">
   <p:cSld>
     <p:spTree>
       <p:nvGrpSpPr>
-        <p:cNvPr id="172" name="Shape 172"/>
+        <p:cNvPr id="170" name="Shape 170"/>
         <p:cNvGrpSpPr/>
         <p:nvPr/>
       </p:nvGrpSpPr>
@@ -14216,7 +13980,7 @@
       </p:grpSpPr>
       <p:sp>
         <p:nvSpPr>
-          <p:cNvPr id="173" name="Google Shape;173;p10"/>
+          <p:cNvPr id="171" name="Google Shape;171;p10"/>
           <p:cNvSpPr txBox="1"/>
           <p:nvPr>
             <p:ph type="title"/>
@@ -14269,7 +14033,7 @@
       </p:sp>
       <p:sp>
         <p:nvSpPr>
-          <p:cNvPr id="174" name="Google Shape;174;p10"/>
+          <p:cNvPr id="172" name="Google Shape;172;p10"/>
           <p:cNvSpPr/>
           <p:nvPr/>
         </p:nvSpPr>
@@ -14320,7 +14084,7 @@
       </p:sp>
       <p:sp>
         <p:nvSpPr>
-          <p:cNvPr id="175" name="Google Shape;175;p10"/>
+          <p:cNvPr id="173" name="Google Shape;173;p10"/>
           <p:cNvSpPr txBox="1"/>
           <p:nvPr/>
         </p:nvSpPr>
@@ -14472,7 +14236,7 @@
       </p:sp>
       <p:pic>
         <p:nvPicPr>
-          <p:cNvPr id="176" name="Google Shape;176;p10"/>
+          <p:cNvPr id="174" name="Google Shape;174;p10"/>
           <p:cNvPicPr preferRelativeResize="0"/>
           <p:nvPr/>
         </p:nvPicPr>
@@ -14505,12 +14269,12 @@
 </p:sld>
 </file>
 
-<file path=ppt/slides/slide13.xml><?xml version="1.0" encoding="utf-8"?>
+<file path=ppt/slides/slide12.xml><?xml version="1.0" encoding="utf-8"?>
 <p:sld xmlns:a="http://schemas.openxmlformats.org/drawingml/2006/main" xmlns:r="http://schemas.openxmlformats.org/officeDocument/2006/relationships" xmlns:mc="http://schemas.openxmlformats.org/markup-compatibility/2006" xmlns:mv="urn:schemas-microsoft-com:mac:vml" xmlns:p="http://schemas.openxmlformats.org/presentationml/2006/main" xmlns:c="http://schemas.openxmlformats.org/drawingml/2006/chart" xmlns:dgm="http://schemas.openxmlformats.org/drawingml/2006/diagram" xmlns:o="urn:schemas-microsoft-com:office:office" xmlns:v="urn:schemas-microsoft-com:vml" xmlns:pvml="urn:schemas-microsoft-com:office:powerpoint" xmlns:com="http://schemas.openxmlformats.org/drawingml/2006/compatibility" xmlns:p14="http://schemas.microsoft.com/office/powerpoint/2010/main" xmlns:p15="http://schemas.microsoft.com/office/powerpoint/2012/main" xmlns:ahyp="http://schemas.microsoft.com/office/drawing/2018/hyperlinkcolor">
   <p:cSld>
     <p:spTree>
       <p:nvGrpSpPr>
-        <p:cNvPr id="180" name="Shape 180"/>
+        <p:cNvPr id="178" name="Shape 178"/>
         <p:cNvGrpSpPr/>
         <p:nvPr/>
       </p:nvGrpSpPr>
@@ -14524,7 +14288,7 @@
       </p:grpSpPr>
       <p:sp>
         <p:nvSpPr>
-          <p:cNvPr id="181" name="Google Shape;181;p12"/>
+          <p:cNvPr id="179" name="Google Shape;179;p12"/>
           <p:cNvSpPr txBox="1"/>
           <p:nvPr>
             <p:ph type="title"/>
@@ -14573,7 +14337,7 @@
       </p:sp>
       <p:pic>
         <p:nvPicPr>
-          <p:cNvPr id="182" name="Google Shape;182;p12"/>
+          <p:cNvPr id="180" name="Google Shape;180;p12"/>
           <p:cNvPicPr preferRelativeResize="0"/>
           <p:nvPr>
             <p:ph idx="1" type="body"/>
@@ -14602,7 +14366,7 @@
       </p:pic>
       <p:sp>
         <p:nvSpPr>
-          <p:cNvPr id="183" name="Google Shape;183;p12"/>
+          <p:cNvPr id="181" name="Google Shape;181;p12"/>
           <p:cNvSpPr txBox="1"/>
           <p:nvPr/>
         </p:nvSpPr>
@@ -14807,12 +14571,12 @@
 </p:sld>
 </file>
 
-<file path=ppt/slides/slide14.xml><?xml version="1.0" encoding="utf-8"?>
+<file path=ppt/slides/slide13.xml><?xml version="1.0" encoding="utf-8"?>
 <p:sld xmlns:a="http://schemas.openxmlformats.org/drawingml/2006/main" xmlns:r="http://schemas.openxmlformats.org/officeDocument/2006/relationships" xmlns:mc="http://schemas.openxmlformats.org/markup-compatibility/2006" xmlns:mv="urn:schemas-microsoft-com:mac:vml" xmlns:p="http://schemas.openxmlformats.org/presentationml/2006/main" xmlns:c="http://schemas.openxmlformats.org/drawingml/2006/chart" xmlns:dgm="http://schemas.openxmlformats.org/drawingml/2006/diagram" xmlns:o="urn:schemas-microsoft-com:office:office" xmlns:v="urn:schemas-microsoft-com:vml" xmlns:pvml="urn:schemas-microsoft-com:office:powerpoint" xmlns:com="http://schemas.openxmlformats.org/drawingml/2006/compatibility" xmlns:p14="http://schemas.microsoft.com/office/powerpoint/2010/main" xmlns:p15="http://schemas.microsoft.com/office/powerpoint/2012/main" xmlns:ahyp="http://schemas.microsoft.com/office/drawing/2018/hyperlinkcolor">
   <p:cSld>
     <p:spTree>
       <p:nvGrpSpPr>
-        <p:cNvPr id="187" name="Shape 187"/>
+        <p:cNvPr id="185" name="Shape 185"/>
         <p:cNvGrpSpPr/>
         <p:nvPr/>
       </p:nvGrpSpPr>
@@ -14826,7 +14590,7 @@
       </p:grpSpPr>
       <p:sp>
         <p:nvSpPr>
-          <p:cNvPr id="188" name="Google Shape;188;g2c48598d1a9_3_0"/>
+          <p:cNvPr id="186" name="Google Shape;186;g2c48598d1a9_3_0"/>
           <p:cNvSpPr txBox="1"/>
           <p:nvPr>
             <p:ph type="title"/>
@@ -14886,7 +14650,7 @@
       </p:sp>
       <p:pic>
         <p:nvPicPr>
-          <p:cNvPr id="189" name="Google Shape;189;g2c48598d1a9_3_0"/>
+          <p:cNvPr id="187" name="Google Shape;187;g2c48598d1a9_3_0"/>
           <p:cNvPicPr preferRelativeResize="0"/>
           <p:nvPr/>
         </p:nvPicPr>
@@ -14920,12 +14684,12 @@
 </p:sld>
 </file>
 
-<file path=ppt/slides/slide15.xml><?xml version="1.0" encoding="utf-8"?>
+<file path=ppt/slides/slide14.xml><?xml version="1.0" encoding="utf-8"?>
 <p:sld xmlns:a="http://schemas.openxmlformats.org/drawingml/2006/main" xmlns:r="http://schemas.openxmlformats.org/officeDocument/2006/relationships" xmlns:mc="http://schemas.openxmlformats.org/markup-compatibility/2006" xmlns:mv="urn:schemas-microsoft-com:mac:vml" xmlns:p="http://schemas.openxmlformats.org/presentationml/2006/main" xmlns:c="http://schemas.openxmlformats.org/drawingml/2006/chart" xmlns:dgm="http://schemas.openxmlformats.org/drawingml/2006/diagram" xmlns:o="urn:schemas-microsoft-com:office:office" xmlns:v="urn:schemas-microsoft-com:vml" xmlns:pvml="urn:schemas-microsoft-com:office:powerpoint" xmlns:com="http://schemas.openxmlformats.org/drawingml/2006/compatibility" xmlns:p14="http://schemas.microsoft.com/office/powerpoint/2010/main" xmlns:p15="http://schemas.microsoft.com/office/powerpoint/2012/main" xmlns:ahyp="http://schemas.microsoft.com/office/drawing/2018/hyperlinkcolor">
   <p:cSld>
     <p:spTree>
       <p:nvGrpSpPr>
-        <p:cNvPr id="193" name="Shape 193"/>
+        <p:cNvPr id="191" name="Shape 191"/>
         <p:cNvGrpSpPr/>
         <p:nvPr/>
       </p:nvGrpSpPr>
@@ -14939,7 +14703,7 @@
       </p:grpSpPr>
       <p:sp>
         <p:nvSpPr>
-          <p:cNvPr id="194" name="Google Shape;194;p14"/>
+          <p:cNvPr id="192" name="Google Shape;192;p14"/>
           <p:cNvSpPr txBox="1"/>
           <p:nvPr>
             <p:ph type="title"/>
@@ -14988,7 +14752,7 @@
       </p:sp>
       <p:pic>
         <p:nvPicPr>
-          <p:cNvPr id="195" name="Google Shape;195;p14"/>
+          <p:cNvPr id="193" name="Google Shape;193;p14"/>
           <p:cNvPicPr preferRelativeResize="0"/>
           <p:nvPr/>
         </p:nvPicPr>
@@ -15022,12 +14786,12 @@
 </p:sld>
 </file>
 
-<file path=ppt/slides/slide16.xml><?xml version="1.0" encoding="utf-8"?>
+<file path=ppt/slides/slide15.xml><?xml version="1.0" encoding="utf-8"?>
 <p:sld xmlns:a="http://schemas.openxmlformats.org/drawingml/2006/main" xmlns:r="http://schemas.openxmlformats.org/officeDocument/2006/relationships" xmlns:mc="http://schemas.openxmlformats.org/markup-compatibility/2006" xmlns:mv="urn:schemas-microsoft-com:mac:vml" xmlns:p="http://schemas.openxmlformats.org/presentationml/2006/main" xmlns:c="http://schemas.openxmlformats.org/drawingml/2006/chart" xmlns:dgm="http://schemas.openxmlformats.org/drawingml/2006/diagram" xmlns:o="urn:schemas-microsoft-com:office:office" xmlns:v="urn:schemas-microsoft-com:vml" xmlns:pvml="urn:schemas-microsoft-com:office:powerpoint" xmlns:com="http://schemas.openxmlformats.org/drawingml/2006/compatibility" xmlns:p14="http://schemas.microsoft.com/office/powerpoint/2010/main" xmlns:p15="http://schemas.microsoft.com/office/powerpoint/2012/main" xmlns:ahyp="http://schemas.microsoft.com/office/drawing/2018/hyperlinkcolor">
   <p:cSld>
     <p:spTree>
       <p:nvGrpSpPr>
-        <p:cNvPr id="199" name="Shape 199"/>
+        <p:cNvPr id="197" name="Shape 197"/>
         <p:cNvGrpSpPr/>
         <p:nvPr/>
       </p:nvGrpSpPr>
@@ -15041,7 +14805,7 @@
       </p:grpSpPr>
       <p:sp>
         <p:nvSpPr>
-          <p:cNvPr id="200" name="Google Shape;200;p15"/>
+          <p:cNvPr id="198" name="Google Shape;198;p15"/>
           <p:cNvSpPr txBox="1"/>
           <p:nvPr>
             <p:ph type="title"/>
@@ -15090,7 +14854,7 @@
       </p:sp>
       <p:pic>
         <p:nvPicPr>
-          <p:cNvPr id="201" name="Google Shape;201;p15"/>
+          <p:cNvPr id="199" name="Google Shape;199;p15"/>
           <p:cNvPicPr preferRelativeResize="0"/>
           <p:nvPr/>
         </p:nvPicPr>
@@ -15123,12 +14887,12 @@
 </p:sld>
 </file>
 
-<file path=ppt/slides/slide17.xml><?xml version="1.0" encoding="utf-8"?>
+<file path=ppt/slides/slide16.xml><?xml version="1.0" encoding="utf-8"?>
 <p:sld xmlns:a="http://schemas.openxmlformats.org/drawingml/2006/main" xmlns:r="http://schemas.openxmlformats.org/officeDocument/2006/relationships" xmlns:mc="http://schemas.openxmlformats.org/markup-compatibility/2006" xmlns:mv="urn:schemas-microsoft-com:mac:vml" xmlns:p="http://schemas.openxmlformats.org/presentationml/2006/main" xmlns:c="http://schemas.openxmlformats.org/drawingml/2006/chart" xmlns:dgm="http://schemas.openxmlformats.org/drawingml/2006/diagram" xmlns:o="urn:schemas-microsoft-com:office:office" xmlns:v="urn:schemas-microsoft-com:vml" xmlns:pvml="urn:schemas-microsoft-com:office:powerpoint" xmlns:com="http://schemas.openxmlformats.org/drawingml/2006/compatibility" xmlns:p14="http://schemas.microsoft.com/office/powerpoint/2010/main" xmlns:p15="http://schemas.microsoft.com/office/powerpoint/2012/main" xmlns:ahyp="http://schemas.microsoft.com/office/drawing/2018/hyperlinkcolor">
   <p:cSld>
     <p:spTree>
       <p:nvGrpSpPr>
-        <p:cNvPr id="205" name="Shape 205"/>
+        <p:cNvPr id="203" name="Shape 203"/>
         <p:cNvGrpSpPr/>
         <p:nvPr/>
       </p:nvGrpSpPr>
@@ -15142,7 +14906,7 @@
       </p:grpSpPr>
       <p:sp>
         <p:nvSpPr>
-          <p:cNvPr id="206" name="Google Shape;206;p20"/>
+          <p:cNvPr id="204" name="Google Shape;204;p20"/>
           <p:cNvSpPr txBox="1"/>
           <p:nvPr>
             <p:ph type="title"/>
@@ -15191,7 +14955,7 @@
       </p:sp>
       <p:pic>
         <p:nvPicPr>
-          <p:cNvPr id="207" name="Google Shape;207;p20"/>
+          <p:cNvPr id="205" name="Google Shape;205;p20"/>
           <p:cNvPicPr preferRelativeResize="0"/>
           <p:nvPr>
             <p:ph idx="1" type="body"/>
@@ -15220,7 +14984,7 @@
       </p:pic>
       <p:sp>
         <p:nvSpPr>
-          <p:cNvPr id="208" name="Google Shape;208;p20"/>
+          <p:cNvPr id="206" name="Google Shape;206;p20"/>
           <p:cNvSpPr txBox="1"/>
           <p:nvPr/>
         </p:nvSpPr>
@@ -15425,12 +15189,12 @@
 </p:sld>
 </file>
 
-<file path=ppt/slides/slide18.xml><?xml version="1.0" encoding="utf-8"?>
+<file path=ppt/slides/slide17.xml><?xml version="1.0" encoding="utf-8"?>
 <p:sld xmlns:a="http://schemas.openxmlformats.org/drawingml/2006/main" xmlns:r="http://schemas.openxmlformats.org/officeDocument/2006/relationships" xmlns:mc="http://schemas.openxmlformats.org/markup-compatibility/2006" xmlns:mv="urn:schemas-microsoft-com:mac:vml" xmlns:p="http://schemas.openxmlformats.org/presentationml/2006/main" xmlns:c="http://schemas.openxmlformats.org/drawingml/2006/chart" xmlns:dgm="http://schemas.openxmlformats.org/drawingml/2006/diagram" xmlns:o="urn:schemas-microsoft-com:office:office" xmlns:v="urn:schemas-microsoft-com:vml" xmlns:pvml="urn:schemas-microsoft-com:office:powerpoint" xmlns:com="http://schemas.openxmlformats.org/drawingml/2006/compatibility" xmlns:p14="http://schemas.microsoft.com/office/powerpoint/2010/main" xmlns:p15="http://schemas.microsoft.com/office/powerpoint/2012/main" xmlns:ahyp="http://schemas.microsoft.com/office/drawing/2018/hyperlinkcolor">
   <p:cSld>
     <p:spTree>
       <p:nvGrpSpPr>
-        <p:cNvPr id="212" name="Shape 212"/>
+        <p:cNvPr id="210" name="Shape 210"/>
         <p:cNvGrpSpPr/>
         <p:nvPr/>
       </p:nvGrpSpPr>
@@ -15444,7 +15208,7 @@
       </p:grpSpPr>
       <p:sp>
         <p:nvSpPr>
-          <p:cNvPr id="213" name="Google Shape;213;g2c4b658579b_0_3"/>
+          <p:cNvPr id="211" name="Google Shape;211;g2c4b658579b_0_3"/>
           <p:cNvSpPr txBox="1"/>
           <p:nvPr>
             <p:ph type="title"/>
@@ -15489,7 +15253,7 @@
       </p:sp>
       <p:sp>
         <p:nvSpPr>
-          <p:cNvPr id="214" name="Google Shape;214;g2c4b658579b_0_3"/>
+          <p:cNvPr id="212" name="Google Shape;212;g2c4b658579b_0_3"/>
           <p:cNvSpPr txBox="1"/>
           <p:nvPr>
             <p:ph idx="1" type="body"/>
@@ -15528,7 +15292,7 @@
       </p:sp>
       <p:pic>
         <p:nvPicPr>
-          <p:cNvPr id="215" name="Google Shape;215;g2c4b658579b_0_3"/>
+          <p:cNvPr id="213" name="Google Shape;213;g2c4b658579b_0_3"/>
           <p:cNvPicPr preferRelativeResize="0"/>
           <p:nvPr/>
         </p:nvPicPr>
@@ -15562,12 +15326,12 @@
 </p:sld>
 </file>
 
-<file path=ppt/slides/slide19.xml><?xml version="1.0" encoding="utf-8"?>
+<file path=ppt/slides/slide18.xml><?xml version="1.0" encoding="utf-8"?>
 <p:sld xmlns:a="http://schemas.openxmlformats.org/drawingml/2006/main" xmlns:r="http://schemas.openxmlformats.org/officeDocument/2006/relationships" xmlns:mc="http://schemas.openxmlformats.org/markup-compatibility/2006" xmlns:mv="urn:schemas-microsoft-com:mac:vml" xmlns:p="http://schemas.openxmlformats.org/presentationml/2006/main" xmlns:c="http://schemas.openxmlformats.org/drawingml/2006/chart" xmlns:dgm="http://schemas.openxmlformats.org/drawingml/2006/diagram" xmlns:o="urn:schemas-microsoft-com:office:office" xmlns:v="urn:schemas-microsoft-com:vml" xmlns:pvml="urn:schemas-microsoft-com:office:powerpoint" xmlns:com="http://schemas.openxmlformats.org/drawingml/2006/compatibility" xmlns:p14="http://schemas.microsoft.com/office/powerpoint/2010/main" xmlns:p15="http://schemas.microsoft.com/office/powerpoint/2012/main" xmlns:ahyp="http://schemas.microsoft.com/office/drawing/2018/hyperlinkcolor">
   <p:cSld>
     <p:spTree>
       <p:nvGrpSpPr>
-        <p:cNvPr id="219" name="Shape 219"/>
+        <p:cNvPr id="217" name="Shape 217"/>
         <p:cNvGrpSpPr/>
         <p:nvPr/>
       </p:nvGrpSpPr>
@@ -15581,7 +15345,7 @@
       </p:grpSpPr>
       <p:sp>
         <p:nvSpPr>
-          <p:cNvPr id="220" name="Google Shape;220;p22"/>
+          <p:cNvPr id="218" name="Google Shape;218;p22"/>
           <p:cNvSpPr txBox="1"/>
           <p:nvPr>
             <p:ph type="title"/>
@@ -15630,7 +15394,7 @@
       </p:sp>
       <p:pic>
         <p:nvPicPr>
-          <p:cNvPr id="221" name="Google Shape;221;p22"/>
+          <p:cNvPr id="219" name="Google Shape;219;p22"/>
           <p:cNvPicPr preferRelativeResize="0"/>
           <p:nvPr>
             <p:ph idx="1" type="body"/>
@@ -15665,12 +15429,12 @@
 </p:sld>
 </file>
 
-<file path=ppt/slides/slide2.xml><?xml version="1.0" encoding="utf-8"?>
+<file path=ppt/slides/slide19.xml><?xml version="1.0" encoding="utf-8"?>
 <p:sld xmlns:a="http://schemas.openxmlformats.org/drawingml/2006/main" xmlns:r="http://schemas.openxmlformats.org/officeDocument/2006/relationships" xmlns:mc="http://schemas.openxmlformats.org/markup-compatibility/2006" xmlns:mv="urn:schemas-microsoft-com:mac:vml" xmlns:p="http://schemas.openxmlformats.org/presentationml/2006/main" xmlns:c="http://schemas.openxmlformats.org/drawingml/2006/chart" xmlns:dgm="http://schemas.openxmlformats.org/drawingml/2006/diagram" xmlns:o="urn:schemas-microsoft-com:office:office" xmlns:v="urn:schemas-microsoft-com:vml" xmlns:pvml="urn:schemas-microsoft-com:office:powerpoint" xmlns:com="http://schemas.openxmlformats.org/drawingml/2006/compatibility" xmlns:p14="http://schemas.microsoft.com/office/powerpoint/2010/main" xmlns:p15="http://schemas.microsoft.com/office/powerpoint/2012/main" xmlns:ahyp="http://schemas.microsoft.com/office/drawing/2018/hyperlinkcolor">
   <p:cSld>
     <p:spTree>
       <p:nvGrpSpPr>
-        <p:cNvPr id="103" name="Shape 103"/>
+        <p:cNvPr id="223" name="Shape 223"/>
         <p:cNvGrpSpPr/>
         <p:nvPr/>
       </p:nvGrpSpPr>
@@ -15684,225 +15448,7 @@
       </p:grpSpPr>
       <p:sp>
         <p:nvSpPr>
-          <p:cNvPr id="104" name="Google Shape;104;p2"/>
-          <p:cNvSpPr txBox="1"/>
-          <p:nvPr>
-            <p:ph type="title"/>
-          </p:nvPr>
-        </p:nvSpPr>
-        <p:spPr>
-          <a:xfrm>
-            <a:off x="581192" y="702156"/>
-            <a:ext cx="11029616" cy="1013800"/>
-          </a:xfrm>
-          <a:prstGeom prst="rect">
-            <a:avLst/>
-          </a:prstGeom>
-          <a:noFill/>
-          <a:ln>
-            <a:noFill/>
-          </a:ln>
-        </p:spPr>
-        <p:txBody>
-          <a:bodyPr anchorCtr="0" anchor="b" bIns="45700" lIns="91425" spcFirstLastPara="1" rIns="91425" wrap="square" tIns="45700">
-            <a:normAutofit/>
-          </a:bodyPr>
-          <a:lstStyle/>
-          <a:p>
-            <a:pPr indent="0" lvl="0" marL="0" rtl="0" algn="l">
-              <a:spcBef>
-                <a:spcPts val="0"/>
-              </a:spcBef>
-              <a:spcAft>
-                <a:spcPts val="0"/>
-              </a:spcAft>
-              <a:buClr>
-                <a:schemeClr val="lt1"/>
-              </a:buClr>
-              <a:buSzPts val="2800"/>
-              <a:buFont typeface="Gill Sans"/>
-              <a:buNone/>
-            </a:pPr>
-            <a:r>
-              <a:rPr lang="en-US"/>
-              <a:t>WHAT INFORMS INVESTMENT DECISIONS?</a:t>
-            </a:r>
-            <a:endParaRPr/>
-          </a:p>
-        </p:txBody>
-      </p:sp>
-      <p:sp>
-        <p:nvSpPr>
-          <p:cNvPr id="105" name="Google Shape;105;p2"/>
-          <p:cNvSpPr txBox="1"/>
-          <p:nvPr>
-            <p:ph idx="1" type="body"/>
-          </p:nvPr>
-        </p:nvSpPr>
-        <p:spPr>
-          <a:xfrm>
-            <a:off x="581192" y="2180496"/>
-            <a:ext cx="11029615" cy="3678303"/>
-          </a:xfrm>
-          <a:prstGeom prst="rect">
-            <a:avLst/>
-          </a:prstGeom>
-          <a:noFill/>
-          <a:ln>
-            <a:noFill/>
-          </a:ln>
-        </p:spPr>
-        <p:txBody>
-          <a:bodyPr anchorCtr="0" anchor="ctr" bIns="45700" lIns="91425" spcFirstLastPara="1" rIns="91425" wrap="square" tIns="45700">
-            <a:normAutofit/>
-          </a:bodyPr>
-          <a:lstStyle/>
-          <a:p>
-            <a:pPr indent="0" lvl="0" marL="0" rtl="0" algn="l">
-              <a:spcBef>
-                <a:spcPts val="0"/>
-              </a:spcBef>
-              <a:spcAft>
-                <a:spcPts val="0"/>
-              </a:spcAft>
-              <a:buSzPts val="1656"/>
-              <a:buNone/>
-            </a:pPr>
-            <a:r>
-              <a:rPr lang="en-US"/>
-              <a:t>We are a group of investors who want to buy stock in one of the four big U.S. supermarket groups – which one should we put out money in?</a:t>
-            </a:r>
-            <a:endParaRPr/>
-          </a:p>
-          <a:p>
-            <a:pPr indent="0" lvl="0" marL="0" rtl="0" algn="l">
-              <a:spcBef>
-                <a:spcPts val="960"/>
-              </a:spcBef>
-              <a:spcAft>
-                <a:spcPts val="0"/>
-              </a:spcAft>
-              <a:buSzPts val="1656"/>
-              <a:buNone/>
-            </a:pPr>
-            <a:r>
-              <a:t/>
-            </a:r>
-            <a:endParaRPr/>
-          </a:p>
-          <a:p>
-            <a:pPr indent="0" lvl="0" marL="0" rtl="0" algn="l">
-              <a:spcBef>
-                <a:spcPts val="960"/>
-              </a:spcBef>
-              <a:spcAft>
-                <a:spcPts val="0"/>
-              </a:spcAft>
-              <a:buSzPts val="1656"/>
-              <a:buNone/>
-            </a:pPr>
-            <a:r>
-              <a:rPr lang="en-US"/>
-              <a:t>What informs our decision?</a:t>
-            </a:r>
-            <a:endParaRPr/>
-          </a:p>
-          <a:p>
-            <a:pPr indent="0" lvl="0" marL="0" rtl="0" algn="l">
-              <a:spcBef>
-                <a:spcPts val="960"/>
-              </a:spcBef>
-              <a:spcAft>
-                <a:spcPts val="0"/>
-              </a:spcAft>
-              <a:buSzPts val="1656"/>
-              <a:buNone/>
-            </a:pPr>
-            <a:r>
-              <a:t/>
-            </a:r>
-            <a:endParaRPr/>
-          </a:p>
-          <a:p>
-            <a:pPr indent="0" lvl="0" marL="0" rtl="0" algn="l">
-              <a:spcBef>
-                <a:spcPts val="960"/>
-              </a:spcBef>
-              <a:spcAft>
-                <a:spcPts val="0"/>
-              </a:spcAft>
-              <a:buSzPts val="1656"/>
-              <a:buNone/>
-            </a:pPr>
-            <a:r>
-              <a:rPr lang="en-US"/>
-              <a:t>What information can we use?</a:t>
-            </a:r>
-            <a:endParaRPr/>
-          </a:p>
-          <a:p>
-            <a:pPr indent="0" lvl="0" marL="0" rtl="0" algn="l">
-              <a:spcBef>
-                <a:spcPts val="960"/>
-              </a:spcBef>
-              <a:spcAft>
-                <a:spcPts val="0"/>
-              </a:spcAft>
-              <a:buSzPts val="1656"/>
-              <a:buNone/>
-            </a:pPr>
-            <a:r>
-              <a:t/>
-            </a:r>
-            <a:endParaRPr/>
-          </a:p>
-          <a:p>
-            <a:pPr indent="0" lvl="0" marL="0" rtl="0" algn="l">
-              <a:spcBef>
-                <a:spcPts val="960"/>
-              </a:spcBef>
-              <a:spcAft>
-                <a:spcPts val="0"/>
-              </a:spcAft>
-              <a:buSzPts val="1656"/>
-              <a:buNone/>
-            </a:pPr>
-            <a:r>
-              <a:rPr lang="en-US"/>
-              <a:t>What other factors do we need to consider?</a:t>
-            </a:r>
-            <a:endParaRPr/>
-          </a:p>
-        </p:txBody>
-      </p:sp>
-    </p:spTree>
-  </p:cSld>
-  <p:clrMapOvr>
-    <a:masterClrMapping/>
-  </p:clrMapOvr>
-</p:sld>
-</file>
-
-<file path=ppt/slides/slide20.xml><?xml version="1.0" encoding="utf-8"?>
-<p:sld xmlns:a="http://schemas.openxmlformats.org/drawingml/2006/main" xmlns:r="http://schemas.openxmlformats.org/officeDocument/2006/relationships" xmlns:mc="http://schemas.openxmlformats.org/markup-compatibility/2006" xmlns:mv="urn:schemas-microsoft-com:mac:vml" xmlns:p="http://schemas.openxmlformats.org/presentationml/2006/main" xmlns:c="http://schemas.openxmlformats.org/drawingml/2006/chart" xmlns:dgm="http://schemas.openxmlformats.org/drawingml/2006/diagram" xmlns:o="urn:schemas-microsoft-com:office:office" xmlns:v="urn:schemas-microsoft-com:vml" xmlns:pvml="urn:schemas-microsoft-com:office:powerpoint" xmlns:com="http://schemas.openxmlformats.org/drawingml/2006/compatibility" xmlns:p14="http://schemas.microsoft.com/office/powerpoint/2010/main" xmlns:p15="http://schemas.microsoft.com/office/powerpoint/2012/main" xmlns:ahyp="http://schemas.microsoft.com/office/drawing/2018/hyperlinkcolor">
-  <p:cSld>
-    <p:spTree>
-      <p:nvGrpSpPr>
-        <p:cNvPr id="225" name="Shape 225"/>
-        <p:cNvGrpSpPr/>
-        <p:nvPr/>
-      </p:nvGrpSpPr>
-      <p:grpSpPr>
-        <a:xfrm>
-          <a:off x="0" y="0"/>
-          <a:ext cx="0" cy="0"/>
-          <a:chOff x="0" y="0"/>
-          <a:chExt cx="0" cy="0"/>
-        </a:xfrm>
-      </p:grpSpPr>
-      <p:sp>
-        <p:nvSpPr>
-          <p:cNvPr id="226" name="Google Shape;226;g2c48598d1a9_3_5"/>
+          <p:cNvPr id="224" name="Google Shape;224;g2c48598d1a9_3_5"/>
           <p:cNvSpPr txBox="1"/>
           <p:nvPr>
             <p:ph type="title"/>
@@ -15947,7 +15493,7 @@
       </p:sp>
       <p:pic>
         <p:nvPicPr>
-          <p:cNvPr id="227" name="Google Shape;227;g2c48598d1a9_3_5"/>
+          <p:cNvPr id="225" name="Google Shape;225;g2c48598d1a9_3_5"/>
           <p:cNvPicPr preferRelativeResize="0"/>
           <p:nvPr/>
         </p:nvPicPr>
@@ -15975,7 +15521,7 @@
       </p:pic>
       <p:sp>
         <p:nvSpPr>
-          <p:cNvPr id="228" name="Google Shape;228;g2c48598d1a9_3_5"/>
+          <p:cNvPr id="226" name="Google Shape;226;g2c48598d1a9_3_5"/>
           <p:cNvSpPr txBox="1"/>
           <p:nvPr/>
         </p:nvSpPr>
@@ -16149,12 +15695,12 @@
 </p:sld>
 </file>
 
-<file path=ppt/slides/slide21.xml><?xml version="1.0" encoding="utf-8"?>
+<file path=ppt/slides/slide2.xml><?xml version="1.0" encoding="utf-8"?>
 <p:sld xmlns:a="http://schemas.openxmlformats.org/drawingml/2006/main" xmlns:r="http://schemas.openxmlformats.org/officeDocument/2006/relationships" xmlns:mc="http://schemas.openxmlformats.org/markup-compatibility/2006" xmlns:mv="urn:schemas-microsoft-com:mac:vml" xmlns:p="http://schemas.openxmlformats.org/presentationml/2006/main" xmlns:c="http://schemas.openxmlformats.org/drawingml/2006/chart" xmlns:dgm="http://schemas.openxmlformats.org/drawingml/2006/diagram" xmlns:o="urn:schemas-microsoft-com:office:office" xmlns:v="urn:schemas-microsoft-com:vml" xmlns:pvml="urn:schemas-microsoft-com:office:powerpoint" xmlns:com="http://schemas.openxmlformats.org/drawingml/2006/compatibility" xmlns:p14="http://schemas.microsoft.com/office/powerpoint/2010/main" xmlns:p15="http://schemas.microsoft.com/office/powerpoint/2012/main" xmlns:ahyp="http://schemas.microsoft.com/office/drawing/2018/hyperlinkcolor">
   <p:cSld>
     <p:spTree>
       <p:nvGrpSpPr>
-        <p:cNvPr id="232" name="Shape 232"/>
+        <p:cNvPr id="103" name="Shape 103"/>
         <p:cNvGrpSpPr/>
         <p:nvPr/>
       </p:nvGrpSpPr>
@@ -16168,1189 +15714,7 @@
       </p:grpSpPr>
       <p:sp>
         <p:nvSpPr>
-          <p:cNvPr id="233" name="Google Shape;233;p17"/>
-          <p:cNvSpPr txBox="1"/>
-          <p:nvPr>
-            <p:ph type="title"/>
-          </p:nvPr>
-        </p:nvSpPr>
-        <p:spPr>
-          <a:xfrm>
-            <a:off x="581192" y="702156"/>
-            <a:ext cx="11029616" cy="1013800"/>
-          </a:xfrm>
-          <a:prstGeom prst="rect">
-            <a:avLst/>
-          </a:prstGeom>
-          <a:noFill/>
-          <a:ln>
-            <a:noFill/>
-          </a:ln>
-        </p:spPr>
-        <p:txBody>
-          <a:bodyPr anchorCtr="0" anchor="b" bIns="45700" lIns="91425" spcFirstLastPara="1" rIns="91425" wrap="square" tIns="45700">
-            <a:normAutofit/>
-          </a:bodyPr>
-          <a:lstStyle/>
-          <a:p>
-            <a:pPr indent="0" lvl="0" marL="0" rtl="0" algn="l">
-              <a:spcBef>
-                <a:spcPts val="0"/>
-              </a:spcBef>
-              <a:spcAft>
-                <a:spcPts val="0"/>
-              </a:spcAft>
-              <a:buClr>
-                <a:schemeClr val="lt1"/>
-              </a:buClr>
-              <a:buSzPts val="2800"/>
-              <a:buFont typeface="Gill Sans"/>
-              <a:buNone/>
-            </a:pPr>
-            <a:r>
-              <a:rPr lang="en-US"/>
-              <a:t>ARE THERE ANY OTHER FACTORS THAT CAN INFLUENCE OUR DECISION?</a:t>
-            </a:r>
-            <a:endParaRPr/>
-          </a:p>
-        </p:txBody>
-      </p:sp>
-      <p:pic>
-        <p:nvPicPr>
-          <p:cNvPr id="234" name="Google Shape;234;p17"/>
-          <p:cNvPicPr preferRelativeResize="0"/>
-          <p:nvPr>
-            <p:ph idx="1" type="body"/>
-          </p:nvPr>
-        </p:nvPicPr>
-        <p:blipFill rotWithShape="1">
-          <a:blip r:embed="rId3">
-            <a:alphaModFix/>
-          </a:blip>
-          <a:srcRect b="0" l="0" r="0" t="0"/>
-          <a:stretch/>
-        </p:blipFill>
-        <p:spPr>
-          <a:xfrm>
-            <a:off x="484255" y="1931041"/>
-            <a:ext cx="6108300" cy="4400100"/>
-          </a:xfrm>
-          <a:prstGeom prst="rect">
-            <a:avLst/>
-          </a:prstGeom>
-          <a:noFill/>
-          <a:ln>
-            <a:noFill/>
-          </a:ln>
-        </p:spPr>
-      </p:pic>
-      <p:pic>
-        <p:nvPicPr>
-          <p:cNvPr id="235" name="Google Shape;235;p17"/>
-          <p:cNvPicPr preferRelativeResize="0"/>
-          <p:nvPr/>
-        </p:nvPicPr>
-        <p:blipFill rotWithShape="1">
-          <a:blip r:embed="rId4">
-            <a:alphaModFix/>
-          </a:blip>
-          <a:srcRect b="0" l="0" r="0" t="0"/>
-          <a:stretch/>
-        </p:blipFill>
-        <p:spPr>
-          <a:xfrm>
-            <a:off x="6677614" y="1892466"/>
-            <a:ext cx="5862638" cy="4477257"/>
-          </a:xfrm>
-          <a:prstGeom prst="rect">
-            <a:avLst/>
-          </a:prstGeom>
-          <a:noFill/>
-          <a:ln>
-            <a:noFill/>
-          </a:ln>
-        </p:spPr>
-      </p:pic>
-    </p:spTree>
-  </p:cSld>
-  <p:clrMapOvr>
-    <a:masterClrMapping/>
-  </p:clrMapOvr>
-</p:sld>
-</file>
-
-<file path=ppt/slides/slide22.xml><?xml version="1.0" encoding="utf-8"?>
-<p:sld xmlns:a="http://schemas.openxmlformats.org/drawingml/2006/main" xmlns:r="http://schemas.openxmlformats.org/officeDocument/2006/relationships" xmlns:mc="http://schemas.openxmlformats.org/markup-compatibility/2006" xmlns:mv="urn:schemas-microsoft-com:mac:vml" xmlns:p="http://schemas.openxmlformats.org/presentationml/2006/main" xmlns:c="http://schemas.openxmlformats.org/drawingml/2006/chart" xmlns:dgm="http://schemas.openxmlformats.org/drawingml/2006/diagram" xmlns:o="urn:schemas-microsoft-com:office:office" xmlns:v="urn:schemas-microsoft-com:vml" xmlns:pvml="urn:schemas-microsoft-com:office:powerpoint" xmlns:com="http://schemas.openxmlformats.org/drawingml/2006/compatibility" xmlns:p14="http://schemas.microsoft.com/office/powerpoint/2010/main" xmlns:p15="http://schemas.microsoft.com/office/powerpoint/2012/main" xmlns:ahyp="http://schemas.microsoft.com/office/drawing/2018/hyperlinkcolor">
-  <p:cSld>
-    <p:spTree>
-      <p:nvGrpSpPr>
-        <p:cNvPr id="239" name="Shape 239"/>
-        <p:cNvGrpSpPr/>
-        <p:nvPr/>
-      </p:nvGrpSpPr>
-      <p:grpSpPr>
-        <a:xfrm>
-          <a:off x="0" y="0"/>
-          <a:ext cx="0" cy="0"/>
-          <a:chOff x="0" y="0"/>
-          <a:chExt cx="0" cy="0"/>
-        </a:xfrm>
-      </p:grpSpPr>
-      <p:sp>
-        <p:nvSpPr>
-          <p:cNvPr id="240" name="Google Shape;240;p18"/>
-          <p:cNvSpPr txBox="1"/>
-          <p:nvPr>
-            <p:ph type="title"/>
-          </p:nvPr>
-        </p:nvSpPr>
-        <p:spPr>
-          <a:xfrm>
-            <a:off x="581192" y="702156"/>
-            <a:ext cx="11029616" cy="1013800"/>
-          </a:xfrm>
-          <a:prstGeom prst="rect">
-            <a:avLst/>
-          </a:prstGeom>
-          <a:noFill/>
-          <a:ln>
-            <a:noFill/>
-          </a:ln>
-        </p:spPr>
-        <p:txBody>
-          <a:bodyPr anchorCtr="0" anchor="b" bIns="45700" lIns="91425" spcFirstLastPara="1" rIns="91425" wrap="square" tIns="45700">
-            <a:normAutofit/>
-          </a:bodyPr>
-          <a:lstStyle/>
-          <a:p>
-            <a:pPr indent="0" lvl="0" marL="0" rtl="0" algn="l">
-              <a:spcBef>
-                <a:spcPts val="0"/>
-              </a:spcBef>
-              <a:spcAft>
-                <a:spcPts val="0"/>
-              </a:spcAft>
-              <a:buClr>
-                <a:schemeClr val="lt1"/>
-              </a:buClr>
-              <a:buSzPts val="2800"/>
-              <a:buFont typeface="Gill Sans"/>
-              <a:buNone/>
-            </a:pPr>
-            <a:r>
-              <a:rPr lang="en-US"/>
-              <a:t>ARE THERE ANY OTHER FACTORS THAT CAN INFLUENCE OUR DECISION?</a:t>
-            </a:r>
-            <a:endParaRPr/>
-          </a:p>
-        </p:txBody>
-      </p:sp>
-      <p:pic>
-        <p:nvPicPr>
-          <p:cNvPr id="241" name="Google Shape;241;p18"/>
-          <p:cNvPicPr preferRelativeResize="0"/>
-          <p:nvPr/>
-        </p:nvPicPr>
-        <p:blipFill rotWithShape="1">
-          <a:blip r:embed="rId3">
-            <a:alphaModFix/>
-          </a:blip>
-          <a:srcRect b="0" l="0" r="0" t="0"/>
-          <a:stretch/>
-        </p:blipFill>
-        <p:spPr>
-          <a:xfrm>
-            <a:off x="473690" y="1900012"/>
-            <a:ext cx="7536220" cy="4778851"/>
-          </a:xfrm>
-          <a:prstGeom prst="rect">
-            <a:avLst/>
-          </a:prstGeom>
-          <a:noFill/>
-          <a:ln>
-            <a:noFill/>
-          </a:ln>
-        </p:spPr>
-      </p:pic>
-      <p:sp>
-        <p:nvSpPr>
-          <p:cNvPr id="242" name="Google Shape;242;p18"/>
-          <p:cNvSpPr txBox="1"/>
-          <p:nvPr/>
-        </p:nvSpPr>
-        <p:spPr>
-          <a:xfrm>
-            <a:off x="8009910" y="2120900"/>
-            <a:ext cx="2750700" cy="2586000"/>
-          </a:xfrm>
-          <a:prstGeom prst="rect">
-            <a:avLst/>
-          </a:prstGeom>
-          <a:noFill/>
-          <a:ln>
-            <a:noFill/>
-          </a:ln>
-        </p:spPr>
-        <p:txBody>
-          <a:bodyPr anchorCtr="0" anchor="t" bIns="45700" lIns="91425" spcFirstLastPara="1" rIns="91425" wrap="square" tIns="45700">
-            <a:spAutoFit/>
-          </a:bodyPr>
-          <a:lstStyle/>
-          <a:p>
-            <a:pPr indent="0" lvl="0" marL="0" marR="0" rtl="0" algn="l">
-              <a:spcBef>
-                <a:spcPts val="0"/>
-              </a:spcBef>
-              <a:spcAft>
-                <a:spcPts val="0"/>
-              </a:spcAft>
-              <a:buNone/>
-            </a:pPr>
-            <a:r>
-              <a:rPr lang="en-US" sz="1800">
-                <a:solidFill>
-                  <a:schemeClr val="dk1"/>
-                </a:solidFill>
-                <a:latin typeface="Gill Sans"/>
-                <a:ea typeface="Gill Sans"/>
-                <a:cs typeface="Gill Sans"/>
-                <a:sym typeface="Gill Sans"/>
-              </a:rPr>
-              <a:t>Correlation Co – efficients:</a:t>
-            </a:r>
-            <a:endParaRPr/>
-          </a:p>
-          <a:p>
-            <a:pPr indent="0" lvl="0" marL="0" marR="0" rtl="0" algn="l">
-              <a:spcBef>
-                <a:spcPts val="0"/>
-              </a:spcBef>
-              <a:spcAft>
-                <a:spcPts val="0"/>
-              </a:spcAft>
-              <a:buNone/>
-            </a:pPr>
-            <a:r>
-              <a:t/>
-            </a:r>
-            <a:endParaRPr sz="1800">
-              <a:solidFill>
-                <a:schemeClr val="dk1"/>
-              </a:solidFill>
-              <a:latin typeface="Gill Sans"/>
-              <a:ea typeface="Gill Sans"/>
-              <a:cs typeface="Gill Sans"/>
-              <a:sym typeface="Gill Sans"/>
-            </a:endParaRPr>
-          </a:p>
-          <a:p>
-            <a:pPr indent="0" lvl="0" marL="0" marR="0" rtl="0" algn="l">
-              <a:spcBef>
-                <a:spcPts val="0"/>
-              </a:spcBef>
-              <a:spcAft>
-                <a:spcPts val="0"/>
-              </a:spcAft>
-              <a:buNone/>
-            </a:pPr>
-            <a:r>
-              <a:rPr lang="en-US" sz="1800">
-                <a:solidFill>
-                  <a:schemeClr val="dk1"/>
-                </a:solidFill>
-                <a:latin typeface="Gill Sans"/>
-                <a:ea typeface="Gill Sans"/>
-                <a:cs typeface="Gill Sans"/>
-                <a:sym typeface="Gill Sans"/>
-              </a:rPr>
-              <a:t>Walmart: -0.077</a:t>
-            </a:r>
-            <a:endParaRPr/>
-          </a:p>
-          <a:p>
-            <a:pPr indent="0" lvl="0" marL="0" marR="0" rtl="0" algn="l">
-              <a:spcBef>
-                <a:spcPts val="0"/>
-              </a:spcBef>
-              <a:spcAft>
-                <a:spcPts val="0"/>
-              </a:spcAft>
-              <a:buNone/>
-            </a:pPr>
-            <a:r>
-              <a:t/>
-            </a:r>
-            <a:endParaRPr sz="1800">
-              <a:solidFill>
-                <a:schemeClr val="dk1"/>
-              </a:solidFill>
-              <a:latin typeface="Gill Sans"/>
-              <a:ea typeface="Gill Sans"/>
-              <a:cs typeface="Gill Sans"/>
-              <a:sym typeface="Gill Sans"/>
-            </a:endParaRPr>
-          </a:p>
-          <a:p>
-            <a:pPr indent="0" lvl="0" marL="0" marR="0" rtl="0" algn="l">
-              <a:spcBef>
-                <a:spcPts val="0"/>
-              </a:spcBef>
-              <a:spcAft>
-                <a:spcPts val="0"/>
-              </a:spcAft>
-              <a:buNone/>
-            </a:pPr>
-            <a:r>
-              <a:rPr lang="en-US" sz="1800">
-                <a:solidFill>
-                  <a:schemeClr val="dk1"/>
-                </a:solidFill>
-                <a:latin typeface="Gill Sans"/>
-                <a:ea typeface="Gill Sans"/>
-                <a:cs typeface="Gill Sans"/>
-                <a:sym typeface="Gill Sans"/>
-              </a:rPr>
-              <a:t>Costco:  -0.151</a:t>
-            </a:r>
-            <a:endParaRPr/>
-          </a:p>
-          <a:p>
-            <a:pPr indent="0" lvl="0" marL="0" marR="0" rtl="0" algn="l">
-              <a:spcBef>
-                <a:spcPts val="0"/>
-              </a:spcBef>
-              <a:spcAft>
-                <a:spcPts val="0"/>
-              </a:spcAft>
-              <a:buNone/>
-            </a:pPr>
-            <a:r>
-              <a:t/>
-            </a:r>
-            <a:endParaRPr sz="1800">
-              <a:solidFill>
-                <a:schemeClr val="dk1"/>
-              </a:solidFill>
-              <a:latin typeface="Gill Sans"/>
-              <a:ea typeface="Gill Sans"/>
-              <a:cs typeface="Gill Sans"/>
-              <a:sym typeface="Gill Sans"/>
-            </a:endParaRPr>
-          </a:p>
-          <a:p>
-            <a:pPr indent="0" lvl="0" marL="0" marR="0" rtl="0" algn="l">
-              <a:spcBef>
-                <a:spcPts val="0"/>
-              </a:spcBef>
-              <a:spcAft>
-                <a:spcPts val="0"/>
-              </a:spcAft>
-              <a:buNone/>
-            </a:pPr>
-            <a:r>
-              <a:rPr lang="en-US" sz="1800">
-                <a:solidFill>
-                  <a:schemeClr val="dk1"/>
-                </a:solidFill>
-                <a:latin typeface="Gill Sans"/>
-                <a:ea typeface="Gill Sans"/>
-                <a:cs typeface="Gill Sans"/>
-                <a:sym typeface="Gill Sans"/>
-              </a:rPr>
-              <a:t>Target: -0.272</a:t>
-            </a:r>
-            <a:endParaRPr/>
-          </a:p>
-          <a:p>
-            <a:pPr indent="0" lvl="0" marL="0" marR="0" rtl="0" algn="l">
-              <a:spcBef>
-                <a:spcPts val="0"/>
-              </a:spcBef>
-              <a:spcAft>
-                <a:spcPts val="0"/>
-              </a:spcAft>
-              <a:buNone/>
-            </a:pPr>
-            <a:r>
-              <a:t/>
-            </a:r>
-            <a:endParaRPr sz="1800">
-              <a:solidFill>
-                <a:schemeClr val="dk1"/>
-              </a:solidFill>
-              <a:latin typeface="Gill Sans"/>
-              <a:ea typeface="Gill Sans"/>
-              <a:cs typeface="Gill Sans"/>
-              <a:sym typeface="Gill Sans"/>
-            </a:endParaRPr>
-          </a:p>
-          <a:p>
-            <a:pPr indent="0" lvl="0" marL="0" marR="0" rtl="0" algn="l">
-              <a:spcBef>
-                <a:spcPts val="0"/>
-              </a:spcBef>
-              <a:spcAft>
-                <a:spcPts val="0"/>
-              </a:spcAft>
-              <a:buNone/>
-            </a:pPr>
-            <a:r>
-              <a:rPr lang="en-US" sz="1800">
-                <a:solidFill>
-                  <a:schemeClr val="dk1"/>
-                </a:solidFill>
-                <a:latin typeface="Gill Sans"/>
-                <a:ea typeface="Gill Sans"/>
-                <a:cs typeface="Gill Sans"/>
-                <a:sym typeface="Gill Sans"/>
-              </a:rPr>
-              <a:t>Albertsons:  -0.118</a:t>
-            </a:r>
-            <a:endParaRPr sz="1800">
-              <a:solidFill>
-                <a:schemeClr val="dk1"/>
-              </a:solidFill>
-              <a:latin typeface="Gill Sans"/>
-              <a:ea typeface="Gill Sans"/>
-              <a:cs typeface="Gill Sans"/>
-              <a:sym typeface="Gill Sans"/>
-            </a:endParaRPr>
-          </a:p>
-        </p:txBody>
-      </p:sp>
-    </p:spTree>
-  </p:cSld>
-  <p:clrMapOvr>
-    <a:masterClrMapping/>
-  </p:clrMapOvr>
-</p:sld>
-</file>
-
-<file path=ppt/slides/slide23.xml><?xml version="1.0" encoding="utf-8"?>
-<p:sld xmlns:a="http://schemas.openxmlformats.org/drawingml/2006/main" xmlns:r="http://schemas.openxmlformats.org/officeDocument/2006/relationships" xmlns:mc="http://schemas.openxmlformats.org/markup-compatibility/2006" xmlns:mv="urn:schemas-microsoft-com:mac:vml" xmlns:p="http://schemas.openxmlformats.org/presentationml/2006/main" xmlns:c="http://schemas.openxmlformats.org/drawingml/2006/chart" xmlns:dgm="http://schemas.openxmlformats.org/drawingml/2006/diagram" xmlns:o="urn:schemas-microsoft-com:office:office" xmlns:v="urn:schemas-microsoft-com:vml" xmlns:pvml="urn:schemas-microsoft-com:office:powerpoint" xmlns:com="http://schemas.openxmlformats.org/drawingml/2006/compatibility" xmlns:p14="http://schemas.microsoft.com/office/powerpoint/2010/main" xmlns:p15="http://schemas.microsoft.com/office/powerpoint/2012/main" xmlns:ahyp="http://schemas.microsoft.com/office/drawing/2018/hyperlinkcolor">
-  <p:cSld>
-    <p:spTree>
-      <p:nvGrpSpPr>
-        <p:cNvPr id="246" name="Shape 246"/>
-        <p:cNvGrpSpPr/>
-        <p:nvPr/>
-      </p:nvGrpSpPr>
-      <p:grpSpPr>
-        <a:xfrm>
-          <a:off x="0" y="0"/>
-          <a:ext cx="0" cy="0"/>
-          <a:chOff x="0" y="0"/>
-          <a:chExt cx="0" cy="0"/>
-        </a:xfrm>
-      </p:grpSpPr>
-      <p:sp>
-        <p:nvSpPr>
-          <p:cNvPr id="247" name="Google Shape;247;g2c4c75c3d89_0_1"/>
-          <p:cNvSpPr txBox="1"/>
-          <p:nvPr>
-            <p:ph type="title"/>
-          </p:nvPr>
-        </p:nvSpPr>
-        <p:spPr>
-          <a:xfrm>
-            <a:off x="581192" y="702156"/>
-            <a:ext cx="11029500" cy="1013700"/>
-          </a:xfrm>
-          <a:prstGeom prst="rect">
-            <a:avLst/>
-          </a:prstGeom>
-        </p:spPr>
-        <p:txBody>
-          <a:bodyPr anchorCtr="0" anchor="b" bIns="45700" lIns="91425" spcFirstLastPara="1" rIns="91425" wrap="square" tIns="45700">
-            <a:normAutofit/>
-          </a:bodyPr>
-          <a:lstStyle/>
-          <a:p>
-            <a:pPr indent="0" lvl="0" marL="0" rtl="0" algn="l">
-              <a:spcBef>
-                <a:spcPts val="0"/>
-              </a:spcBef>
-              <a:spcAft>
-                <a:spcPts val="0"/>
-              </a:spcAft>
-              <a:buClr>
-                <a:schemeClr val="lt1"/>
-              </a:buClr>
-              <a:buSzPts val="2800"/>
-              <a:buFont typeface="Gill Sans"/>
-              <a:buNone/>
-            </a:pPr>
-            <a:r>
-              <a:rPr lang="en-US"/>
-              <a:t>ARE THERE ANY OTHER FACTORS THAT CAN INFLUENCE OUR DECISION?</a:t>
-            </a:r>
-            <a:endParaRPr/>
-          </a:p>
-        </p:txBody>
-      </p:sp>
-      <p:sp>
-        <p:nvSpPr>
-          <p:cNvPr id="248" name="Google Shape;248;g2c4c75c3d89_0_1"/>
-          <p:cNvSpPr txBox="1"/>
-          <p:nvPr>
-            <p:ph idx="1" type="body"/>
-          </p:nvPr>
-        </p:nvSpPr>
-        <p:spPr>
-          <a:xfrm>
-            <a:off x="581192" y="2180496"/>
-            <a:ext cx="11029500" cy="3678300"/>
-          </a:xfrm>
-          <a:prstGeom prst="rect">
-            <a:avLst/>
-          </a:prstGeom>
-        </p:spPr>
-        <p:txBody>
-          <a:bodyPr anchorCtr="0" anchor="ctr" bIns="45700" lIns="91425" spcFirstLastPara="1" rIns="91425" wrap="square" tIns="45700">
-            <a:normAutofit/>
-          </a:bodyPr>
-          <a:lstStyle/>
-          <a:p>
-            <a:pPr indent="0" lvl="0" marL="0" rtl="0" algn="l">
-              <a:spcBef>
-                <a:spcPts val="360"/>
-              </a:spcBef>
-              <a:spcAft>
-                <a:spcPts val="0"/>
-              </a:spcAft>
-              <a:buNone/>
-            </a:pPr>
-            <a:r>
-              <a:rPr lang="en-US"/>
-              <a:t>Walmart - aggressive expansion plans - will it work?</a:t>
-            </a:r>
-            <a:endParaRPr/>
-          </a:p>
-          <a:p>
-            <a:pPr indent="0" lvl="0" marL="0" rtl="0" algn="l">
-              <a:spcBef>
-                <a:spcPts val="600"/>
-              </a:spcBef>
-              <a:spcAft>
-                <a:spcPts val="0"/>
-              </a:spcAft>
-              <a:buNone/>
-            </a:pPr>
-            <a:r>
-              <a:t/>
-            </a:r>
-            <a:endParaRPr/>
-          </a:p>
-          <a:p>
-            <a:pPr indent="0" lvl="0" marL="0" rtl="0" algn="l">
-              <a:spcBef>
-                <a:spcPts val="600"/>
-              </a:spcBef>
-              <a:spcAft>
-                <a:spcPts val="0"/>
-              </a:spcAft>
-              <a:buNone/>
-            </a:pPr>
-            <a:r>
-              <a:rPr lang="en-US"/>
-              <a:t>Albertson’s - implications of a blocked merger?</a:t>
-            </a:r>
-            <a:endParaRPr/>
-          </a:p>
-          <a:p>
-            <a:pPr indent="0" lvl="0" marL="0" rtl="0" algn="l">
-              <a:spcBef>
-                <a:spcPts val="600"/>
-              </a:spcBef>
-              <a:spcAft>
-                <a:spcPts val="0"/>
-              </a:spcAft>
-              <a:buNone/>
-            </a:pPr>
-            <a:r>
-              <a:t/>
-            </a:r>
-            <a:endParaRPr/>
-          </a:p>
-          <a:p>
-            <a:pPr indent="0" lvl="0" marL="0" rtl="0" algn="l">
-              <a:spcBef>
-                <a:spcPts val="600"/>
-              </a:spcBef>
-              <a:spcAft>
-                <a:spcPts val="600"/>
-              </a:spcAft>
-              <a:buNone/>
-            </a:pPr>
-            <a:r>
-              <a:rPr lang="en-US"/>
-              <a:t>Costco - an over - reliance on membership numbers? </a:t>
-            </a:r>
-            <a:endParaRPr/>
-          </a:p>
-        </p:txBody>
-      </p:sp>
-    </p:spTree>
-  </p:cSld>
-  <p:clrMapOvr>
-    <a:masterClrMapping/>
-  </p:clrMapOvr>
-</p:sld>
-</file>
-
-<file path=ppt/slides/slide24.xml><?xml version="1.0" encoding="utf-8"?>
-<p:sld xmlns:a="http://schemas.openxmlformats.org/drawingml/2006/main" xmlns:r="http://schemas.openxmlformats.org/officeDocument/2006/relationships" xmlns:mc="http://schemas.openxmlformats.org/markup-compatibility/2006" xmlns:mv="urn:schemas-microsoft-com:mac:vml" xmlns:p="http://schemas.openxmlformats.org/presentationml/2006/main" xmlns:c="http://schemas.openxmlformats.org/drawingml/2006/chart" xmlns:dgm="http://schemas.openxmlformats.org/drawingml/2006/diagram" xmlns:o="urn:schemas-microsoft-com:office:office" xmlns:v="urn:schemas-microsoft-com:vml" xmlns:pvml="urn:schemas-microsoft-com:office:powerpoint" xmlns:com="http://schemas.openxmlformats.org/drawingml/2006/compatibility" xmlns:p14="http://schemas.microsoft.com/office/powerpoint/2010/main" xmlns:p15="http://schemas.microsoft.com/office/powerpoint/2012/main" xmlns:ahyp="http://schemas.microsoft.com/office/drawing/2018/hyperlinkcolor">
-  <p:cSld>
-    <p:spTree>
-      <p:nvGrpSpPr>
-        <p:cNvPr id="252" name="Shape 252"/>
-        <p:cNvGrpSpPr/>
-        <p:nvPr/>
-      </p:nvGrpSpPr>
-      <p:grpSpPr>
-        <a:xfrm>
-          <a:off x="0" y="0"/>
-          <a:ext cx="0" cy="0"/>
-          <a:chOff x="0" y="0"/>
-          <a:chExt cx="0" cy="0"/>
-        </a:xfrm>
-      </p:grpSpPr>
-      <p:sp>
-        <p:nvSpPr>
-          <p:cNvPr id="253" name="Google Shape;253;p24"/>
-          <p:cNvSpPr txBox="1"/>
-          <p:nvPr>
-            <p:ph type="title"/>
-          </p:nvPr>
-        </p:nvSpPr>
-        <p:spPr>
-          <a:xfrm>
-            <a:off x="581192" y="702156"/>
-            <a:ext cx="11029616" cy="1013800"/>
-          </a:xfrm>
-          <a:prstGeom prst="rect">
-            <a:avLst/>
-          </a:prstGeom>
-          <a:noFill/>
-          <a:ln>
-            <a:noFill/>
-          </a:ln>
-        </p:spPr>
-        <p:txBody>
-          <a:bodyPr anchorCtr="0" anchor="b" bIns="45700" lIns="91425" spcFirstLastPara="1" rIns="91425" wrap="square" tIns="45700">
-            <a:normAutofit/>
-          </a:bodyPr>
-          <a:lstStyle/>
-          <a:p>
-            <a:pPr indent="0" lvl="0" marL="0" rtl="0" algn="l">
-              <a:spcBef>
-                <a:spcPts val="0"/>
-              </a:spcBef>
-              <a:spcAft>
-                <a:spcPts val="0"/>
-              </a:spcAft>
-              <a:buClr>
-                <a:schemeClr val="lt1"/>
-              </a:buClr>
-              <a:buSzPts val="2800"/>
-              <a:buFont typeface="Gill Sans"/>
-              <a:buNone/>
-            </a:pPr>
-            <a:r>
-              <a:rPr lang="en-US"/>
-              <a:t>SO WHO SHOULD WE INVEST IN BASED ON THIS DATA?</a:t>
-            </a:r>
-            <a:endParaRPr/>
-          </a:p>
-        </p:txBody>
-      </p:sp>
-      <p:sp>
-        <p:nvSpPr>
-          <p:cNvPr id="254" name="Google Shape;254;p24"/>
-          <p:cNvSpPr txBox="1"/>
-          <p:nvPr>
-            <p:ph idx="1" type="body"/>
-          </p:nvPr>
-        </p:nvSpPr>
-        <p:spPr>
-          <a:xfrm>
-            <a:off x="581192" y="2180496"/>
-            <a:ext cx="11029615" cy="3678303"/>
-          </a:xfrm>
-          <a:prstGeom prst="rect">
-            <a:avLst/>
-          </a:prstGeom>
-          <a:noFill/>
-          <a:ln>
-            <a:noFill/>
-          </a:ln>
-        </p:spPr>
-        <p:txBody>
-          <a:bodyPr anchorCtr="0" anchor="ctr" bIns="45700" lIns="91425" spcFirstLastPara="1" rIns="91425" wrap="square" tIns="45700">
-            <a:normAutofit lnSpcReduction="10000"/>
-          </a:bodyPr>
-          <a:lstStyle/>
-          <a:p>
-            <a:pPr indent="0" lvl="0" marL="304800" rtl="0" algn="l">
-              <a:lnSpc>
-                <a:spcPct val="115000"/>
-              </a:lnSpc>
-              <a:spcBef>
-                <a:spcPts val="0"/>
-              </a:spcBef>
-              <a:spcAft>
-                <a:spcPts val="0"/>
-              </a:spcAft>
-              <a:buSzPts val="1100"/>
-              <a:buNone/>
-            </a:pPr>
-            <a:r>
-              <a:rPr lang="en-US">
-                <a:solidFill>
-                  <a:srgbClr val="3D3D3D"/>
-                </a:solidFill>
-              </a:rPr>
-              <a:t>Based on total ROI, it is hard to look past Costco!</a:t>
-            </a:r>
-            <a:endParaRPr>
-              <a:solidFill>
-                <a:srgbClr val="3D3D3D"/>
-              </a:solidFill>
-            </a:endParaRPr>
-          </a:p>
-          <a:p>
-            <a:pPr indent="0" lvl="0" marL="304800" rtl="0" algn="l">
-              <a:lnSpc>
-                <a:spcPct val="115000"/>
-              </a:lnSpc>
-              <a:spcBef>
-                <a:spcPts val="0"/>
-              </a:spcBef>
-              <a:spcAft>
-                <a:spcPts val="0"/>
-              </a:spcAft>
-              <a:buClr>
-                <a:schemeClr val="dk1"/>
-              </a:buClr>
-              <a:buSzPts val="1100"/>
-              <a:buFont typeface="Arial"/>
-              <a:buNone/>
-            </a:pPr>
-            <a:r>
-              <a:t/>
-            </a:r>
-            <a:endParaRPr>
-              <a:solidFill>
-                <a:srgbClr val="3D3D3D"/>
-              </a:solidFill>
-            </a:endParaRPr>
-          </a:p>
-          <a:p>
-            <a:pPr indent="0" lvl="0" marL="304800" rtl="0" algn="l">
-              <a:lnSpc>
-                <a:spcPct val="115000"/>
-              </a:lnSpc>
-              <a:spcBef>
-                <a:spcPts val="0"/>
-              </a:spcBef>
-              <a:spcAft>
-                <a:spcPts val="0"/>
-              </a:spcAft>
-              <a:buClr>
-                <a:schemeClr val="dk1"/>
-              </a:buClr>
-              <a:buSzPts val="1100"/>
-              <a:buFont typeface="Arial"/>
-              <a:buNone/>
-            </a:pPr>
-            <a:r>
-              <a:rPr lang="en-US">
-                <a:solidFill>
-                  <a:srgbClr val="3D3D3D"/>
-                </a:solidFill>
-              </a:rPr>
-              <a:t>This is in spite of in one year ROI was 0 - but for the other years, ROI was consistently above the other chains.</a:t>
-            </a:r>
-            <a:endParaRPr>
-              <a:solidFill>
-                <a:srgbClr val="3D3D3D"/>
-              </a:solidFill>
-            </a:endParaRPr>
-          </a:p>
-          <a:p>
-            <a:pPr indent="0" lvl="0" marL="304800" rtl="0" algn="l">
-              <a:lnSpc>
-                <a:spcPct val="115000"/>
-              </a:lnSpc>
-              <a:spcBef>
-                <a:spcPts val="0"/>
-              </a:spcBef>
-              <a:spcAft>
-                <a:spcPts val="0"/>
-              </a:spcAft>
-              <a:buSzPts val="1100"/>
-              <a:buNone/>
-            </a:pPr>
-            <a:r>
-              <a:t/>
-            </a:r>
-            <a:endParaRPr>
-              <a:solidFill>
-                <a:srgbClr val="3D3D3D"/>
-              </a:solidFill>
-            </a:endParaRPr>
-          </a:p>
-          <a:p>
-            <a:pPr indent="0" lvl="0" marL="304800" rtl="0" algn="l">
-              <a:lnSpc>
-                <a:spcPct val="115000"/>
-              </a:lnSpc>
-              <a:spcBef>
-                <a:spcPts val="0"/>
-              </a:spcBef>
-              <a:spcAft>
-                <a:spcPts val="0"/>
-              </a:spcAft>
-              <a:buSzPts val="1100"/>
-              <a:buNone/>
-            </a:pPr>
-            <a:r>
-              <a:rPr lang="en-US">
-                <a:solidFill>
-                  <a:srgbClr val="3D3D3D"/>
-                </a:solidFill>
-              </a:rPr>
-              <a:t>However, over the last 3 months, its share price has declined - do we think this is a pattern of things to come?</a:t>
-            </a:r>
-            <a:endParaRPr>
-              <a:solidFill>
-                <a:srgbClr val="3D3D3D"/>
-              </a:solidFill>
-            </a:endParaRPr>
-          </a:p>
-          <a:p>
-            <a:pPr indent="0" lvl="0" marL="304800" rtl="0" algn="l">
-              <a:lnSpc>
-                <a:spcPct val="115000"/>
-              </a:lnSpc>
-              <a:spcBef>
-                <a:spcPts val="0"/>
-              </a:spcBef>
-              <a:spcAft>
-                <a:spcPts val="0"/>
-              </a:spcAft>
-              <a:buClr>
-                <a:schemeClr val="dk1"/>
-              </a:buClr>
-              <a:buSzPts val="1100"/>
-              <a:buFont typeface="Arial"/>
-              <a:buNone/>
-            </a:pPr>
-            <a:r>
-              <a:t/>
-            </a:r>
-            <a:endParaRPr>
-              <a:solidFill>
-                <a:srgbClr val="3D3D3D"/>
-              </a:solidFill>
-            </a:endParaRPr>
-          </a:p>
-          <a:p>
-            <a:pPr indent="0" lvl="0" marL="304800" rtl="0" algn="l">
-              <a:lnSpc>
-                <a:spcPct val="115000"/>
-              </a:lnSpc>
-              <a:spcBef>
-                <a:spcPts val="0"/>
-              </a:spcBef>
-              <a:spcAft>
-                <a:spcPts val="0"/>
-              </a:spcAft>
-              <a:buClr>
-                <a:schemeClr val="dk1"/>
-              </a:buClr>
-              <a:buSzPts val="1100"/>
-              <a:buFont typeface="Arial"/>
-              <a:buNone/>
-            </a:pPr>
-            <a:r>
-              <a:rPr lang="en-US">
-                <a:solidFill>
-                  <a:srgbClr val="3D3D3D"/>
-                </a:solidFill>
-              </a:rPr>
-              <a:t>Total dividend payments are less relevant for Costco - its share price is a lot higher than the others so $1000 buys relatively less shares compared to the others - so the vast majority of any return is generated by the share price increasing.</a:t>
-            </a:r>
-            <a:endParaRPr>
-              <a:solidFill>
-                <a:srgbClr val="3D3D3D"/>
-              </a:solidFill>
-            </a:endParaRPr>
-          </a:p>
-          <a:p>
-            <a:pPr indent="-200844" lvl="0" marL="306000" rtl="0" algn="l">
-              <a:spcBef>
-                <a:spcPts val="0"/>
-              </a:spcBef>
-              <a:spcAft>
-                <a:spcPts val="0"/>
-              </a:spcAft>
-              <a:buSzPts val="1656"/>
-              <a:buNone/>
-            </a:pPr>
-            <a:r>
-              <a:t/>
-            </a:r>
-            <a:endParaRPr/>
-          </a:p>
-          <a:p>
-            <a:pPr indent="-200844" lvl="0" marL="306000" rtl="0" algn="l">
-              <a:spcBef>
-                <a:spcPts val="0"/>
-              </a:spcBef>
-              <a:spcAft>
-                <a:spcPts val="0"/>
-              </a:spcAft>
-              <a:buSzPts val="1656"/>
-              <a:buNone/>
-            </a:pPr>
-            <a:r>
-              <a:t/>
-            </a:r>
-            <a:endParaRPr/>
-          </a:p>
-          <a:p>
-            <a:pPr indent="-200844" lvl="0" marL="306000" rtl="0" algn="l">
-              <a:spcBef>
-                <a:spcPts val="0"/>
-              </a:spcBef>
-              <a:spcAft>
-                <a:spcPts val="0"/>
-              </a:spcAft>
-              <a:buSzPts val="1656"/>
-              <a:buNone/>
-            </a:pPr>
-            <a:r>
-              <a:rPr lang="en-US"/>
-              <a:t> </a:t>
-            </a:r>
-            <a:endParaRPr/>
-          </a:p>
-        </p:txBody>
-      </p:sp>
-    </p:spTree>
-  </p:cSld>
-  <p:clrMapOvr>
-    <a:masterClrMapping/>
-  </p:clrMapOvr>
-</p:sld>
-</file>
-
-<file path=ppt/slides/slide25.xml><?xml version="1.0" encoding="utf-8"?>
-<p:sld xmlns:a="http://schemas.openxmlformats.org/drawingml/2006/main" xmlns:r="http://schemas.openxmlformats.org/officeDocument/2006/relationships" xmlns:mc="http://schemas.openxmlformats.org/markup-compatibility/2006" xmlns:mv="urn:schemas-microsoft-com:mac:vml" xmlns:p="http://schemas.openxmlformats.org/presentationml/2006/main" xmlns:c="http://schemas.openxmlformats.org/drawingml/2006/chart" xmlns:dgm="http://schemas.openxmlformats.org/drawingml/2006/diagram" xmlns:o="urn:schemas-microsoft-com:office:office" xmlns:v="urn:schemas-microsoft-com:vml" xmlns:pvml="urn:schemas-microsoft-com:office:powerpoint" xmlns:com="http://schemas.openxmlformats.org/drawingml/2006/compatibility" xmlns:p14="http://schemas.microsoft.com/office/powerpoint/2010/main" xmlns:p15="http://schemas.microsoft.com/office/powerpoint/2012/main" xmlns:ahyp="http://schemas.microsoft.com/office/drawing/2018/hyperlinkcolor">
-  <p:cSld>
-    <p:spTree>
-      <p:nvGrpSpPr>
-        <p:cNvPr id="258" name="Shape 258"/>
-        <p:cNvGrpSpPr/>
-        <p:nvPr/>
-      </p:nvGrpSpPr>
-      <p:grpSpPr>
-        <a:xfrm>
-          <a:off x="0" y="0"/>
-          <a:ext cx="0" cy="0"/>
-          <a:chOff x="0" y="0"/>
-          <a:chExt cx="0" cy="0"/>
-        </a:xfrm>
-      </p:grpSpPr>
-      <p:sp>
-        <p:nvSpPr>
-          <p:cNvPr id="259" name="Google Shape;259;p25"/>
-          <p:cNvSpPr txBox="1"/>
-          <p:nvPr>
-            <p:ph type="title"/>
-          </p:nvPr>
-        </p:nvSpPr>
-        <p:spPr>
-          <a:xfrm>
-            <a:off x="581192" y="702156"/>
-            <a:ext cx="11029616" cy="1013800"/>
-          </a:xfrm>
-          <a:prstGeom prst="rect">
-            <a:avLst/>
-          </a:prstGeom>
-          <a:noFill/>
-          <a:ln>
-            <a:noFill/>
-          </a:ln>
-        </p:spPr>
-        <p:txBody>
-          <a:bodyPr anchorCtr="0" anchor="b" bIns="45700" lIns="91425" spcFirstLastPara="1" rIns="91425" wrap="square" tIns="45700">
-            <a:normAutofit/>
-          </a:bodyPr>
-          <a:lstStyle/>
-          <a:p>
-            <a:pPr indent="0" lvl="0" marL="0" rtl="0" algn="l">
-              <a:spcBef>
-                <a:spcPts val="0"/>
-              </a:spcBef>
-              <a:spcAft>
-                <a:spcPts val="0"/>
-              </a:spcAft>
-              <a:buClr>
-                <a:schemeClr val="lt1"/>
-              </a:buClr>
-              <a:buSzPts val="2800"/>
-              <a:buFont typeface="Gill Sans"/>
-              <a:buNone/>
-            </a:pPr>
-            <a:r>
-              <a:rPr lang="en-US"/>
-              <a:t>FURTHER CONSIDERATIONS</a:t>
-            </a:r>
-            <a:endParaRPr/>
-          </a:p>
-        </p:txBody>
-      </p:sp>
-      <p:sp>
-        <p:nvSpPr>
-          <p:cNvPr id="260" name="Google Shape;260;p25"/>
-          <p:cNvSpPr txBox="1"/>
-          <p:nvPr>
-            <p:ph idx="1" type="body"/>
-          </p:nvPr>
-        </p:nvSpPr>
-        <p:spPr>
-          <a:xfrm>
-            <a:off x="581192" y="2180496"/>
-            <a:ext cx="11029615" cy="3678303"/>
-          </a:xfrm>
-          <a:prstGeom prst="rect">
-            <a:avLst/>
-          </a:prstGeom>
-          <a:noFill/>
-          <a:ln>
-            <a:noFill/>
-          </a:ln>
-        </p:spPr>
-        <p:txBody>
-          <a:bodyPr anchorCtr="0" anchor="ctr" bIns="45700" lIns="91425" spcFirstLastPara="1" rIns="91425" wrap="square" tIns="45700">
-            <a:normAutofit/>
-          </a:bodyPr>
-          <a:lstStyle/>
-          <a:p>
-            <a:pPr indent="-306000" lvl="0" marL="306000" rtl="0" algn="l">
-              <a:spcBef>
-                <a:spcPts val="0"/>
-              </a:spcBef>
-              <a:spcAft>
-                <a:spcPts val="0"/>
-              </a:spcAft>
-              <a:buSzPts val="1656"/>
-              <a:buChar char="◼"/>
-            </a:pPr>
-            <a:r>
-              <a:rPr lang="en-US"/>
-              <a:t>Before any decision is made, further scrutiny of the company would need to be done – for example, examining the Trading Profit and Loss Account and Balance Sheet and performing other statistical measures such as the “Acid Test”.</a:t>
-            </a:r>
-            <a:endParaRPr/>
-          </a:p>
-          <a:p>
-            <a:pPr indent="-200844" lvl="0" marL="306000" rtl="0" algn="l">
-              <a:spcBef>
-                <a:spcPts val="960"/>
-              </a:spcBef>
-              <a:spcAft>
-                <a:spcPts val="0"/>
-              </a:spcAft>
-              <a:buSzPts val="1656"/>
-              <a:buNone/>
-            </a:pPr>
-            <a:r>
-              <a:t/>
-            </a:r>
-            <a:endParaRPr/>
-          </a:p>
-          <a:p>
-            <a:pPr indent="-306000" lvl="0" marL="306000" rtl="0" algn="l">
-              <a:spcBef>
-                <a:spcPts val="960"/>
-              </a:spcBef>
-              <a:spcAft>
-                <a:spcPts val="0"/>
-              </a:spcAft>
-              <a:buSzPts val="1656"/>
-              <a:buChar char="◼"/>
-            </a:pPr>
-            <a:r>
-              <a:rPr lang="en-US"/>
-              <a:t>What is your investor / risk profile?  Are you a Pension Fund Manager or a day trader?  A Day trader may be prepared to absorb a higher level of risk than a Pension Fund Manager who has to ensure that any trades will cover their commitments no matter what.</a:t>
-            </a:r>
-            <a:endParaRPr/>
-          </a:p>
-          <a:p>
-            <a:pPr indent="-200844" lvl="0" marL="306000" rtl="0" algn="l">
-              <a:spcBef>
-                <a:spcPts val="960"/>
-              </a:spcBef>
-              <a:spcAft>
-                <a:spcPts val="0"/>
-              </a:spcAft>
-              <a:buSzPts val="1656"/>
-              <a:buNone/>
-            </a:pPr>
-            <a:r>
-              <a:t/>
-            </a:r>
-            <a:endParaRPr/>
-          </a:p>
-          <a:p>
-            <a:pPr indent="-306000" lvl="0" marL="306000" rtl="0" algn="l">
-              <a:spcBef>
-                <a:spcPts val="960"/>
-              </a:spcBef>
-              <a:spcAft>
-                <a:spcPts val="0"/>
-              </a:spcAft>
-              <a:buSzPts val="1656"/>
-              <a:buChar char="◼"/>
-            </a:pPr>
-            <a:r>
-              <a:rPr lang="en-US"/>
-              <a:t>Are there other sectors who are greatly outperforming this one – and would be a more attractive investment opportunity?</a:t>
-            </a:r>
-            <a:endParaRPr/>
-          </a:p>
-        </p:txBody>
-      </p:sp>
-    </p:spTree>
-  </p:cSld>
-  <p:clrMapOvr>
-    <a:masterClrMapping/>
-  </p:clrMapOvr>
-</p:sld>
-</file>
-
-<file path=ppt/slides/slide3.xml><?xml version="1.0" encoding="utf-8"?>
-<p:sld xmlns:a="http://schemas.openxmlformats.org/drawingml/2006/main" xmlns:r="http://schemas.openxmlformats.org/officeDocument/2006/relationships" xmlns:mc="http://schemas.openxmlformats.org/markup-compatibility/2006" xmlns:mv="urn:schemas-microsoft-com:mac:vml" xmlns:p="http://schemas.openxmlformats.org/presentationml/2006/main" xmlns:c="http://schemas.openxmlformats.org/drawingml/2006/chart" xmlns:dgm="http://schemas.openxmlformats.org/drawingml/2006/diagram" xmlns:o="urn:schemas-microsoft-com:office:office" xmlns:v="urn:schemas-microsoft-com:vml" xmlns:pvml="urn:schemas-microsoft-com:office:powerpoint" xmlns:com="http://schemas.openxmlformats.org/drawingml/2006/compatibility" xmlns:p14="http://schemas.microsoft.com/office/powerpoint/2010/main" xmlns:p15="http://schemas.microsoft.com/office/powerpoint/2012/main" xmlns:ahyp="http://schemas.microsoft.com/office/drawing/2018/hyperlinkcolor">
-  <p:cSld>
-    <p:spTree>
-      <p:nvGrpSpPr>
-        <p:cNvPr id="109" name="Shape 109"/>
-        <p:cNvGrpSpPr/>
-        <p:nvPr/>
-      </p:nvGrpSpPr>
-      <p:grpSpPr>
-        <a:xfrm>
-          <a:off x="0" y="0"/>
-          <a:ext cx="0" cy="0"/>
-          <a:chOff x="0" y="0"/>
-          <a:chExt cx="0" cy="0"/>
-        </a:xfrm>
-      </p:grpSpPr>
-      <p:sp>
-        <p:nvSpPr>
-          <p:cNvPr id="110" name="Google Shape;110;g2c48598d1a9_1_1"/>
+          <p:cNvPr id="104" name="Google Shape;104;g2c48598d1a9_1_1"/>
           <p:cNvSpPr txBox="1"/>
           <p:nvPr>
             <p:ph type="title"/>
@@ -17395,7 +15759,7 @@
       </p:sp>
       <p:sp>
         <p:nvSpPr>
-          <p:cNvPr id="111" name="Google Shape;111;g2c48598d1a9_1_1"/>
+          <p:cNvPr id="105" name="Google Shape;105;g2c48598d1a9_1_1"/>
           <p:cNvSpPr txBox="1"/>
           <p:nvPr>
             <p:ph idx="1" type="body"/>
@@ -17570,7 +15934,7 @@
       </p:sp>
       <p:sp>
         <p:nvSpPr>
-          <p:cNvPr id="112" name="Google Shape;112;g2c48598d1a9_1_1"/>
+          <p:cNvPr id="106" name="Google Shape;106;g2c48598d1a9_1_1"/>
           <p:cNvSpPr txBox="1"/>
           <p:nvPr>
             <p:ph idx="2" type="body"/>
@@ -17609,7 +15973,7 @@
       </p:sp>
       <p:pic>
         <p:nvPicPr>
-          <p:cNvPr id="113" name="Google Shape;113;g2c48598d1a9_1_1"/>
+          <p:cNvPr id="107" name="Google Shape;107;g2c48598d1a9_1_1"/>
           <p:cNvPicPr preferRelativeResize="0"/>
           <p:nvPr/>
         </p:nvPicPr>
@@ -17637,7 +16001,7 @@
       </p:pic>
       <p:pic>
         <p:nvPicPr>
-          <p:cNvPr id="114" name="Google Shape;114;g2c48598d1a9_1_1"/>
+          <p:cNvPr id="108" name="Google Shape;108;g2c48598d1a9_1_1"/>
           <p:cNvPicPr preferRelativeResize="0"/>
           <p:nvPr/>
         </p:nvPicPr>
@@ -17665,7 +16029,7 @@
       </p:pic>
       <p:pic>
         <p:nvPicPr>
-          <p:cNvPr id="115" name="Google Shape;115;g2c48598d1a9_1_1"/>
+          <p:cNvPr id="109" name="Google Shape;109;g2c48598d1a9_1_1"/>
           <p:cNvPicPr preferRelativeResize="0"/>
           <p:nvPr/>
         </p:nvPicPr>
@@ -17693,7 +16057,7 @@
       </p:pic>
       <p:pic>
         <p:nvPicPr>
-          <p:cNvPr id="116" name="Google Shape;116;g2c48598d1a9_1_1"/>
+          <p:cNvPr id="110" name="Google Shape;110;g2c48598d1a9_1_1"/>
           <p:cNvPicPr preferRelativeResize="0"/>
           <p:nvPr/>
         </p:nvPicPr>
@@ -17727,12 +16091,12 @@
 </p:sld>
 </file>
 
-<file path=ppt/slides/slide4.xml><?xml version="1.0" encoding="utf-8"?>
+<file path=ppt/slides/slide20.xml><?xml version="1.0" encoding="utf-8"?>
 <p:sld xmlns:a="http://schemas.openxmlformats.org/drawingml/2006/main" xmlns:r="http://schemas.openxmlformats.org/officeDocument/2006/relationships" xmlns:mc="http://schemas.openxmlformats.org/markup-compatibility/2006" xmlns:mv="urn:schemas-microsoft-com:mac:vml" xmlns:p="http://schemas.openxmlformats.org/presentationml/2006/main" xmlns:c="http://schemas.openxmlformats.org/drawingml/2006/chart" xmlns:dgm="http://schemas.openxmlformats.org/drawingml/2006/diagram" xmlns:o="urn:schemas-microsoft-com:office:office" xmlns:v="urn:schemas-microsoft-com:vml" xmlns:pvml="urn:schemas-microsoft-com:office:powerpoint" xmlns:com="http://schemas.openxmlformats.org/drawingml/2006/compatibility" xmlns:p14="http://schemas.microsoft.com/office/powerpoint/2010/main" xmlns:p15="http://schemas.microsoft.com/office/powerpoint/2012/main" xmlns:ahyp="http://schemas.microsoft.com/office/drawing/2018/hyperlinkcolor">
   <p:cSld>
     <p:spTree>
       <p:nvGrpSpPr>
-        <p:cNvPr id="120" name="Shape 120"/>
+        <p:cNvPr id="230" name="Shape 230"/>
         <p:cNvGrpSpPr/>
         <p:nvPr/>
       </p:nvGrpSpPr>
@@ -17746,7 +16110,7 @@
       </p:grpSpPr>
       <p:sp>
         <p:nvSpPr>
-          <p:cNvPr id="121" name="Google Shape;121;p3"/>
+          <p:cNvPr id="231" name="Google Shape;231;p17"/>
           <p:cNvSpPr txBox="1"/>
           <p:nvPr>
             <p:ph type="title"/>
@@ -17787,24 +16151,31 @@
             </a:pPr>
             <a:r>
               <a:rPr lang="en-US"/>
-              <a:t>METHODOLOGY</a:t>
+              <a:t>ARE THERE ANY OTHER FACTORS THAT CAN INFLUENCE OUR DECISION?</a:t>
             </a:r>
             <a:endParaRPr/>
           </a:p>
         </p:txBody>
       </p:sp>
-      <p:sp>
-        <p:nvSpPr>
-          <p:cNvPr id="122" name="Google Shape;122;p3"/>
-          <p:cNvSpPr txBox="1"/>
+      <p:pic>
+        <p:nvPicPr>
+          <p:cNvPr id="232" name="Google Shape;232;p17"/>
+          <p:cNvPicPr preferRelativeResize="0"/>
           <p:nvPr>
             <p:ph idx="1" type="body"/>
           </p:nvPr>
-        </p:nvSpPr>
+        </p:nvPicPr>
+        <p:blipFill rotWithShape="1">
+          <a:blip r:embed="rId3">
+            <a:alphaModFix/>
+          </a:blip>
+          <a:srcRect b="0" l="0" r="0" t="0"/>
+          <a:stretch/>
+        </p:blipFill>
         <p:spPr>
           <a:xfrm>
-            <a:off x="581192" y="2180496"/>
-            <a:ext cx="11029615" cy="4512404"/>
+            <a:off x="484255" y="1931041"/>
+            <a:ext cx="6108300" cy="4400100"/>
           </a:xfrm>
           <a:prstGeom prst="rect">
             <a:avLst/>
@@ -17814,227 +16185,34 @@
             <a:noFill/>
           </a:ln>
         </p:spPr>
-        <p:txBody>
-          <a:bodyPr anchorCtr="0" anchor="ctr" bIns="45700" lIns="91425" spcFirstLastPara="1" rIns="91425" wrap="square" tIns="45700">
-            <a:normAutofit fontScale="92500" lnSpcReduction="20000"/>
-          </a:bodyPr>
-          <a:lstStyle/>
-          <a:p>
-            <a:pPr indent="0" lvl="0" marL="0" rtl="0" algn="l">
-              <a:spcBef>
-                <a:spcPts val="0"/>
-              </a:spcBef>
-              <a:spcAft>
-                <a:spcPts val="0"/>
-              </a:spcAft>
-              <a:buNone/>
-            </a:pPr>
-            <a:r>
-              <a:t/>
-            </a:r>
-            <a:endParaRPr/>
-          </a:p>
-          <a:p>
-            <a:pPr indent="-208730" lvl="0" marL="306000" rtl="0" algn="l">
-              <a:spcBef>
-                <a:spcPts val="933"/>
-              </a:spcBef>
-              <a:spcAft>
-                <a:spcPts val="0"/>
-              </a:spcAft>
-              <a:buSzPct val="91999"/>
-              <a:buNone/>
-            </a:pPr>
-            <a:r>
-              <a:t/>
-            </a:r>
-            <a:endParaRPr/>
-          </a:p>
-          <a:p>
-            <a:pPr indent="-306000" lvl="0" marL="306000" rtl="0" algn="l">
-              <a:spcBef>
-                <a:spcPts val="933"/>
-              </a:spcBef>
-              <a:spcAft>
-                <a:spcPts val="0"/>
-              </a:spcAft>
-              <a:buSzPct val="91999"/>
-              <a:buChar char="◼"/>
-            </a:pPr>
-            <a:r>
-              <a:rPr lang="en-US"/>
-              <a:t>Data was sourced from Yahoo Finance.  Share price and dividend data was readily available – thank you Chace!</a:t>
-            </a:r>
-            <a:endParaRPr/>
-          </a:p>
-          <a:p>
-            <a:pPr indent="-208730" lvl="0" marL="306000" rtl="0" algn="l">
-              <a:spcBef>
-                <a:spcPts val="933"/>
-              </a:spcBef>
-              <a:spcAft>
-                <a:spcPts val="0"/>
-              </a:spcAft>
-              <a:buSzPct val="91999"/>
-              <a:buNone/>
-            </a:pPr>
-            <a:r>
-              <a:t/>
-            </a:r>
-            <a:endParaRPr/>
-          </a:p>
-          <a:p>
-            <a:pPr indent="-306000" lvl="0" marL="306000" rtl="0" algn="l">
-              <a:spcBef>
-                <a:spcPts val="933"/>
-              </a:spcBef>
-              <a:spcAft>
-                <a:spcPts val="0"/>
-              </a:spcAft>
-              <a:buSzPct val="91999"/>
-              <a:buChar char="◼"/>
-            </a:pPr>
-            <a:r>
-              <a:rPr lang="en-US"/>
-              <a:t>We did initially try to use the NASDAQ API key but found that we were limited to 14 lines of data –which we felt was not enough.</a:t>
-            </a:r>
-            <a:endParaRPr/>
-          </a:p>
-          <a:p>
-            <a:pPr indent="-208730" lvl="0" marL="306000" rtl="0" algn="l">
-              <a:spcBef>
-                <a:spcPts val="933"/>
-              </a:spcBef>
-              <a:spcAft>
-                <a:spcPts val="0"/>
-              </a:spcAft>
-              <a:buSzPct val="91999"/>
-              <a:buNone/>
-            </a:pPr>
-            <a:r>
-              <a:t/>
-            </a:r>
-            <a:endParaRPr/>
-          </a:p>
-          <a:p>
-            <a:pPr indent="-306000" lvl="0" marL="306000" rtl="0" algn="l">
-              <a:spcBef>
-                <a:spcPts val="933"/>
-              </a:spcBef>
-              <a:spcAft>
-                <a:spcPts val="0"/>
-              </a:spcAft>
-              <a:buSzPct val="91999"/>
-              <a:buChar char="◼"/>
-            </a:pPr>
-            <a:r>
-              <a:rPr lang="en-US"/>
-              <a:t>Information initially looked for:  Opening Stock Price</a:t>
-            </a:r>
-            <a:endParaRPr/>
-          </a:p>
-          <a:p>
-            <a:pPr indent="0" lvl="0" marL="0" rtl="0" algn="l">
-              <a:spcBef>
-                <a:spcPts val="933"/>
-              </a:spcBef>
-              <a:spcAft>
-                <a:spcPts val="0"/>
-              </a:spcAft>
-              <a:buSzPct val="91999"/>
-              <a:buNone/>
-            </a:pPr>
-            <a:r>
-              <a:rPr lang="en-US"/>
-              <a:t>						      Closing Stock Price</a:t>
-            </a:r>
-            <a:endParaRPr/>
-          </a:p>
-          <a:p>
-            <a:pPr indent="0" lvl="0" marL="0" rtl="0" algn="l">
-              <a:spcBef>
-                <a:spcPts val="933"/>
-              </a:spcBef>
-              <a:spcAft>
-                <a:spcPts val="0"/>
-              </a:spcAft>
-              <a:buSzPct val="91999"/>
-              <a:buNone/>
-            </a:pPr>
-            <a:r>
-              <a:rPr lang="en-US"/>
-              <a:t>						      Stock Volume Traded</a:t>
-            </a:r>
-            <a:endParaRPr/>
-          </a:p>
-          <a:p>
-            <a:pPr indent="0" lvl="0" marL="0" rtl="0" algn="l">
-              <a:spcBef>
-                <a:spcPts val="933"/>
-              </a:spcBef>
-              <a:spcAft>
-                <a:spcPts val="0"/>
-              </a:spcAft>
-              <a:buSzPct val="91999"/>
-              <a:buNone/>
-            </a:pPr>
-            <a:r>
-              <a:rPr lang="en-US"/>
-              <a:t>   						      Time</a:t>
-            </a:r>
-            <a:endParaRPr/>
-          </a:p>
-          <a:p>
-            <a:pPr indent="-208730" lvl="0" marL="306000" rtl="0" algn="l">
-              <a:spcBef>
-                <a:spcPts val="933"/>
-              </a:spcBef>
-              <a:spcAft>
-                <a:spcPts val="0"/>
-              </a:spcAft>
-              <a:buSzPct val="91999"/>
-              <a:buNone/>
-            </a:pPr>
-            <a:r>
-              <a:t/>
-            </a:r>
-            <a:endParaRPr/>
-          </a:p>
-          <a:p>
-            <a:pPr indent="-306000" lvl="0" marL="306000" rtl="0" algn="l">
-              <a:spcBef>
-                <a:spcPts val="933"/>
-              </a:spcBef>
-              <a:spcAft>
-                <a:spcPts val="0"/>
-              </a:spcAft>
-              <a:buSzPct val="91999"/>
-              <a:buChar char="◼"/>
-            </a:pPr>
-            <a:r>
-              <a:rPr lang="en-US"/>
-              <a:t>This then evolved into incorporating dividends.</a:t>
-            </a:r>
-            <a:endParaRPr/>
-          </a:p>
-          <a:p>
-            <a:pPr indent="-208730" lvl="0" marL="306000" rtl="0" algn="l">
-              <a:spcBef>
-                <a:spcPts val="933"/>
-              </a:spcBef>
-              <a:spcAft>
-                <a:spcPts val="0"/>
-              </a:spcAft>
-              <a:buSzPct val="91999"/>
-              <a:buNone/>
-            </a:pPr>
-            <a:r>
-              <a:t/>
-            </a:r>
-            <a:endParaRPr/>
-          </a:p>
-        </p:txBody>
-      </p:sp>
+      </p:pic>
+      <p:pic>
+        <p:nvPicPr>
+          <p:cNvPr id="233" name="Google Shape;233;p17"/>
+          <p:cNvPicPr preferRelativeResize="0"/>
+          <p:nvPr/>
+        </p:nvPicPr>
+        <p:blipFill rotWithShape="1">
+          <a:blip r:embed="rId4">
+            <a:alphaModFix/>
+          </a:blip>
+          <a:srcRect b="0" l="0" r="0" t="0"/>
+          <a:stretch/>
+        </p:blipFill>
+        <p:spPr>
+          <a:xfrm>
+            <a:off x="6677614" y="1892466"/>
+            <a:ext cx="5862638" cy="4477257"/>
+          </a:xfrm>
+          <a:prstGeom prst="rect">
+            <a:avLst/>
+          </a:prstGeom>
+          <a:noFill/>
+          <a:ln>
+            <a:noFill/>
+          </a:ln>
+        </p:spPr>
+      </p:pic>
     </p:spTree>
   </p:cSld>
   <p:clrMapOvr>
@@ -18043,12 +16221,12 @@
 </p:sld>
 </file>
 
-<file path=ppt/slides/slide5.xml><?xml version="1.0" encoding="utf-8"?>
+<file path=ppt/slides/slide21.xml><?xml version="1.0" encoding="utf-8"?>
 <p:sld xmlns:a="http://schemas.openxmlformats.org/drawingml/2006/main" xmlns:r="http://schemas.openxmlformats.org/officeDocument/2006/relationships" xmlns:mc="http://schemas.openxmlformats.org/markup-compatibility/2006" xmlns:mv="urn:schemas-microsoft-com:mac:vml" xmlns:p="http://schemas.openxmlformats.org/presentationml/2006/main" xmlns:c="http://schemas.openxmlformats.org/drawingml/2006/chart" xmlns:dgm="http://schemas.openxmlformats.org/drawingml/2006/diagram" xmlns:o="urn:schemas-microsoft-com:office:office" xmlns:v="urn:schemas-microsoft-com:vml" xmlns:pvml="urn:schemas-microsoft-com:office:powerpoint" xmlns:com="http://schemas.openxmlformats.org/drawingml/2006/compatibility" xmlns:p14="http://schemas.microsoft.com/office/powerpoint/2010/main" xmlns:p15="http://schemas.microsoft.com/office/powerpoint/2012/main" xmlns:ahyp="http://schemas.microsoft.com/office/drawing/2018/hyperlinkcolor">
   <p:cSld>
     <p:spTree>
       <p:nvGrpSpPr>
-        <p:cNvPr id="126" name="Shape 126"/>
+        <p:cNvPr id="237" name="Shape 237"/>
         <p:cNvGrpSpPr/>
         <p:nvPr/>
       </p:nvGrpSpPr>
@@ -18062,7 +16240,1389 @@
       </p:grpSpPr>
       <p:sp>
         <p:nvSpPr>
-          <p:cNvPr id="127" name="Google Shape;127;g2c4b658579b_3_1"/>
+          <p:cNvPr id="238" name="Google Shape;238;p18"/>
+          <p:cNvSpPr txBox="1"/>
+          <p:nvPr>
+            <p:ph type="title"/>
+          </p:nvPr>
+        </p:nvSpPr>
+        <p:spPr>
+          <a:xfrm>
+            <a:off x="581192" y="702156"/>
+            <a:ext cx="11029616" cy="1013800"/>
+          </a:xfrm>
+          <a:prstGeom prst="rect">
+            <a:avLst/>
+          </a:prstGeom>
+          <a:noFill/>
+          <a:ln>
+            <a:noFill/>
+          </a:ln>
+        </p:spPr>
+        <p:txBody>
+          <a:bodyPr anchorCtr="0" anchor="b" bIns="45700" lIns="91425" spcFirstLastPara="1" rIns="91425" wrap="square" tIns="45700">
+            <a:normAutofit/>
+          </a:bodyPr>
+          <a:lstStyle/>
+          <a:p>
+            <a:pPr indent="0" lvl="0" marL="0" rtl="0" algn="l">
+              <a:spcBef>
+                <a:spcPts val="0"/>
+              </a:spcBef>
+              <a:spcAft>
+                <a:spcPts val="0"/>
+              </a:spcAft>
+              <a:buClr>
+                <a:schemeClr val="lt1"/>
+              </a:buClr>
+              <a:buSzPts val="2800"/>
+              <a:buFont typeface="Gill Sans"/>
+              <a:buNone/>
+            </a:pPr>
+            <a:r>
+              <a:rPr lang="en-US"/>
+              <a:t>ARE THERE ANY OTHER FACTORS THAT CAN INFLUENCE OUR DECISION?</a:t>
+            </a:r>
+            <a:endParaRPr/>
+          </a:p>
+        </p:txBody>
+      </p:sp>
+      <p:pic>
+        <p:nvPicPr>
+          <p:cNvPr id="239" name="Google Shape;239;p18"/>
+          <p:cNvPicPr preferRelativeResize="0"/>
+          <p:nvPr/>
+        </p:nvPicPr>
+        <p:blipFill rotWithShape="1">
+          <a:blip r:embed="rId3">
+            <a:alphaModFix/>
+          </a:blip>
+          <a:srcRect b="0" l="0" r="0" t="0"/>
+          <a:stretch/>
+        </p:blipFill>
+        <p:spPr>
+          <a:xfrm>
+            <a:off x="473690" y="1900012"/>
+            <a:ext cx="7536220" cy="4778851"/>
+          </a:xfrm>
+          <a:prstGeom prst="rect">
+            <a:avLst/>
+          </a:prstGeom>
+          <a:noFill/>
+          <a:ln>
+            <a:noFill/>
+          </a:ln>
+        </p:spPr>
+      </p:pic>
+      <p:sp>
+        <p:nvSpPr>
+          <p:cNvPr id="240" name="Google Shape;240;p18"/>
+          <p:cNvSpPr txBox="1"/>
+          <p:nvPr/>
+        </p:nvSpPr>
+        <p:spPr>
+          <a:xfrm>
+            <a:off x="8009910" y="2120900"/>
+            <a:ext cx="2750700" cy="2586000"/>
+          </a:xfrm>
+          <a:prstGeom prst="rect">
+            <a:avLst/>
+          </a:prstGeom>
+          <a:noFill/>
+          <a:ln>
+            <a:noFill/>
+          </a:ln>
+        </p:spPr>
+        <p:txBody>
+          <a:bodyPr anchorCtr="0" anchor="t" bIns="45700" lIns="91425" spcFirstLastPara="1" rIns="91425" wrap="square" tIns="45700">
+            <a:spAutoFit/>
+          </a:bodyPr>
+          <a:lstStyle/>
+          <a:p>
+            <a:pPr indent="0" lvl="0" marL="0" marR="0" rtl="0" algn="l">
+              <a:spcBef>
+                <a:spcPts val="0"/>
+              </a:spcBef>
+              <a:spcAft>
+                <a:spcPts val="0"/>
+              </a:spcAft>
+              <a:buNone/>
+            </a:pPr>
+            <a:r>
+              <a:rPr lang="en-US" sz="1800">
+                <a:solidFill>
+                  <a:schemeClr val="dk1"/>
+                </a:solidFill>
+                <a:latin typeface="Gill Sans"/>
+                <a:ea typeface="Gill Sans"/>
+                <a:cs typeface="Gill Sans"/>
+                <a:sym typeface="Gill Sans"/>
+              </a:rPr>
+              <a:t>Correlation Co – efficients:</a:t>
+            </a:r>
+            <a:endParaRPr/>
+          </a:p>
+          <a:p>
+            <a:pPr indent="0" lvl="0" marL="0" marR="0" rtl="0" algn="l">
+              <a:spcBef>
+                <a:spcPts val="0"/>
+              </a:spcBef>
+              <a:spcAft>
+                <a:spcPts val="0"/>
+              </a:spcAft>
+              <a:buNone/>
+            </a:pPr>
+            <a:r>
+              <a:t/>
+            </a:r>
+            <a:endParaRPr sz="1800">
+              <a:solidFill>
+                <a:schemeClr val="dk1"/>
+              </a:solidFill>
+              <a:latin typeface="Gill Sans"/>
+              <a:ea typeface="Gill Sans"/>
+              <a:cs typeface="Gill Sans"/>
+              <a:sym typeface="Gill Sans"/>
+            </a:endParaRPr>
+          </a:p>
+          <a:p>
+            <a:pPr indent="0" lvl="0" marL="0" marR="0" rtl="0" algn="l">
+              <a:spcBef>
+                <a:spcPts val="0"/>
+              </a:spcBef>
+              <a:spcAft>
+                <a:spcPts val="0"/>
+              </a:spcAft>
+              <a:buNone/>
+            </a:pPr>
+            <a:r>
+              <a:rPr lang="en-US" sz="1800">
+                <a:solidFill>
+                  <a:schemeClr val="dk1"/>
+                </a:solidFill>
+                <a:latin typeface="Gill Sans"/>
+                <a:ea typeface="Gill Sans"/>
+                <a:cs typeface="Gill Sans"/>
+                <a:sym typeface="Gill Sans"/>
+              </a:rPr>
+              <a:t>Walmart: -0.077</a:t>
+            </a:r>
+            <a:endParaRPr/>
+          </a:p>
+          <a:p>
+            <a:pPr indent="0" lvl="0" marL="0" marR="0" rtl="0" algn="l">
+              <a:spcBef>
+                <a:spcPts val="0"/>
+              </a:spcBef>
+              <a:spcAft>
+                <a:spcPts val="0"/>
+              </a:spcAft>
+              <a:buNone/>
+            </a:pPr>
+            <a:r>
+              <a:t/>
+            </a:r>
+            <a:endParaRPr sz="1800">
+              <a:solidFill>
+                <a:schemeClr val="dk1"/>
+              </a:solidFill>
+              <a:latin typeface="Gill Sans"/>
+              <a:ea typeface="Gill Sans"/>
+              <a:cs typeface="Gill Sans"/>
+              <a:sym typeface="Gill Sans"/>
+            </a:endParaRPr>
+          </a:p>
+          <a:p>
+            <a:pPr indent="0" lvl="0" marL="0" marR="0" rtl="0" algn="l">
+              <a:spcBef>
+                <a:spcPts val="0"/>
+              </a:spcBef>
+              <a:spcAft>
+                <a:spcPts val="0"/>
+              </a:spcAft>
+              <a:buNone/>
+            </a:pPr>
+            <a:r>
+              <a:rPr lang="en-US" sz="1800">
+                <a:solidFill>
+                  <a:schemeClr val="dk1"/>
+                </a:solidFill>
+                <a:latin typeface="Gill Sans"/>
+                <a:ea typeface="Gill Sans"/>
+                <a:cs typeface="Gill Sans"/>
+                <a:sym typeface="Gill Sans"/>
+              </a:rPr>
+              <a:t>Costco:  -0.151</a:t>
+            </a:r>
+            <a:endParaRPr/>
+          </a:p>
+          <a:p>
+            <a:pPr indent="0" lvl="0" marL="0" marR="0" rtl="0" algn="l">
+              <a:spcBef>
+                <a:spcPts val="0"/>
+              </a:spcBef>
+              <a:spcAft>
+                <a:spcPts val="0"/>
+              </a:spcAft>
+              <a:buNone/>
+            </a:pPr>
+            <a:r>
+              <a:t/>
+            </a:r>
+            <a:endParaRPr sz="1800">
+              <a:solidFill>
+                <a:schemeClr val="dk1"/>
+              </a:solidFill>
+              <a:latin typeface="Gill Sans"/>
+              <a:ea typeface="Gill Sans"/>
+              <a:cs typeface="Gill Sans"/>
+              <a:sym typeface="Gill Sans"/>
+            </a:endParaRPr>
+          </a:p>
+          <a:p>
+            <a:pPr indent="0" lvl="0" marL="0" marR="0" rtl="0" algn="l">
+              <a:spcBef>
+                <a:spcPts val="0"/>
+              </a:spcBef>
+              <a:spcAft>
+                <a:spcPts val="0"/>
+              </a:spcAft>
+              <a:buNone/>
+            </a:pPr>
+            <a:r>
+              <a:rPr lang="en-US" sz="1800">
+                <a:solidFill>
+                  <a:schemeClr val="dk1"/>
+                </a:solidFill>
+                <a:latin typeface="Gill Sans"/>
+                <a:ea typeface="Gill Sans"/>
+                <a:cs typeface="Gill Sans"/>
+                <a:sym typeface="Gill Sans"/>
+              </a:rPr>
+              <a:t>Target: -0.272</a:t>
+            </a:r>
+            <a:endParaRPr/>
+          </a:p>
+          <a:p>
+            <a:pPr indent="0" lvl="0" marL="0" marR="0" rtl="0" algn="l">
+              <a:spcBef>
+                <a:spcPts val="0"/>
+              </a:spcBef>
+              <a:spcAft>
+                <a:spcPts val="0"/>
+              </a:spcAft>
+              <a:buNone/>
+            </a:pPr>
+            <a:r>
+              <a:t/>
+            </a:r>
+            <a:endParaRPr sz="1800">
+              <a:solidFill>
+                <a:schemeClr val="dk1"/>
+              </a:solidFill>
+              <a:latin typeface="Gill Sans"/>
+              <a:ea typeface="Gill Sans"/>
+              <a:cs typeface="Gill Sans"/>
+              <a:sym typeface="Gill Sans"/>
+            </a:endParaRPr>
+          </a:p>
+          <a:p>
+            <a:pPr indent="0" lvl="0" marL="0" marR="0" rtl="0" algn="l">
+              <a:spcBef>
+                <a:spcPts val="0"/>
+              </a:spcBef>
+              <a:spcAft>
+                <a:spcPts val="0"/>
+              </a:spcAft>
+              <a:buNone/>
+            </a:pPr>
+            <a:r>
+              <a:rPr lang="en-US" sz="1800">
+                <a:solidFill>
+                  <a:schemeClr val="dk1"/>
+                </a:solidFill>
+                <a:latin typeface="Gill Sans"/>
+                <a:ea typeface="Gill Sans"/>
+                <a:cs typeface="Gill Sans"/>
+                <a:sym typeface="Gill Sans"/>
+              </a:rPr>
+              <a:t>Albertsons:  -0.118</a:t>
+            </a:r>
+            <a:endParaRPr sz="1800">
+              <a:solidFill>
+                <a:schemeClr val="dk1"/>
+              </a:solidFill>
+              <a:latin typeface="Gill Sans"/>
+              <a:ea typeface="Gill Sans"/>
+              <a:cs typeface="Gill Sans"/>
+              <a:sym typeface="Gill Sans"/>
+            </a:endParaRPr>
+          </a:p>
+        </p:txBody>
+      </p:sp>
+    </p:spTree>
+  </p:cSld>
+  <p:clrMapOvr>
+    <a:masterClrMapping/>
+  </p:clrMapOvr>
+</p:sld>
+</file>
+
+<file path=ppt/slides/slide22.xml><?xml version="1.0" encoding="utf-8"?>
+<p:sld xmlns:a="http://schemas.openxmlformats.org/drawingml/2006/main" xmlns:r="http://schemas.openxmlformats.org/officeDocument/2006/relationships" xmlns:mc="http://schemas.openxmlformats.org/markup-compatibility/2006" xmlns:mv="urn:schemas-microsoft-com:mac:vml" xmlns:p="http://schemas.openxmlformats.org/presentationml/2006/main" xmlns:c="http://schemas.openxmlformats.org/drawingml/2006/chart" xmlns:dgm="http://schemas.openxmlformats.org/drawingml/2006/diagram" xmlns:o="urn:schemas-microsoft-com:office:office" xmlns:v="urn:schemas-microsoft-com:vml" xmlns:pvml="urn:schemas-microsoft-com:office:powerpoint" xmlns:com="http://schemas.openxmlformats.org/drawingml/2006/compatibility" xmlns:p14="http://schemas.microsoft.com/office/powerpoint/2010/main" xmlns:p15="http://schemas.microsoft.com/office/powerpoint/2012/main" xmlns:ahyp="http://schemas.microsoft.com/office/drawing/2018/hyperlinkcolor">
+  <p:cSld>
+    <p:spTree>
+      <p:nvGrpSpPr>
+        <p:cNvPr id="244" name="Shape 244"/>
+        <p:cNvGrpSpPr/>
+        <p:nvPr/>
+      </p:nvGrpSpPr>
+      <p:grpSpPr>
+        <a:xfrm>
+          <a:off x="0" y="0"/>
+          <a:ext cx="0" cy="0"/>
+          <a:chOff x="0" y="0"/>
+          <a:chExt cx="0" cy="0"/>
+        </a:xfrm>
+      </p:grpSpPr>
+      <p:sp>
+        <p:nvSpPr>
+          <p:cNvPr id="245" name="Google Shape;245;g2c4c75c3d89_0_1"/>
+          <p:cNvSpPr txBox="1"/>
+          <p:nvPr>
+            <p:ph type="title"/>
+          </p:nvPr>
+        </p:nvSpPr>
+        <p:spPr>
+          <a:xfrm>
+            <a:off x="581192" y="702156"/>
+            <a:ext cx="11029500" cy="1013700"/>
+          </a:xfrm>
+          <a:prstGeom prst="rect">
+            <a:avLst/>
+          </a:prstGeom>
+        </p:spPr>
+        <p:txBody>
+          <a:bodyPr anchorCtr="0" anchor="b" bIns="45700" lIns="91425" spcFirstLastPara="1" rIns="91425" wrap="square" tIns="45700">
+            <a:normAutofit/>
+          </a:bodyPr>
+          <a:lstStyle/>
+          <a:p>
+            <a:pPr indent="0" lvl="0" marL="0" rtl="0" algn="l">
+              <a:spcBef>
+                <a:spcPts val="0"/>
+              </a:spcBef>
+              <a:spcAft>
+                <a:spcPts val="0"/>
+              </a:spcAft>
+              <a:buClr>
+                <a:schemeClr val="lt1"/>
+              </a:buClr>
+              <a:buSzPts val="2800"/>
+              <a:buFont typeface="Gill Sans"/>
+              <a:buNone/>
+            </a:pPr>
+            <a:r>
+              <a:rPr lang="en-US"/>
+              <a:t>ARE THERE ANY OTHER FACTORS THAT CAN INFLUENCE OUR DECISION?</a:t>
+            </a:r>
+            <a:endParaRPr/>
+          </a:p>
+        </p:txBody>
+      </p:sp>
+      <p:sp>
+        <p:nvSpPr>
+          <p:cNvPr id="246" name="Google Shape;246;g2c4c75c3d89_0_1"/>
+          <p:cNvSpPr txBox="1"/>
+          <p:nvPr>
+            <p:ph idx="1" type="body"/>
+          </p:nvPr>
+        </p:nvSpPr>
+        <p:spPr>
+          <a:xfrm>
+            <a:off x="581192" y="2180496"/>
+            <a:ext cx="11029500" cy="3678300"/>
+          </a:xfrm>
+          <a:prstGeom prst="rect">
+            <a:avLst/>
+          </a:prstGeom>
+        </p:spPr>
+        <p:txBody>
+          <a:bodyPr anchorCtr="0" anchor="ctr" bIns="45700" lIns="91425" spcFirstLastPara="1" rIns="91425" wrap="square" tIns="45700">
+            <a:normAutofit/>
+          </a:bodyPr>
+          <a:lstStyle/>
+          <a:p>
+            <a:pPr indent="0" lvl="0" marL="0" rtl="0" algn="l">
+              <a:spcBef>
+                <a:spcPts val="360"/>
+              </a:spcBef>
+              <a:spcAft>
+                <a:spcPts val="0"/>
+              </a:spcAft>
+              <a:buNone/>
+            </a:pPr>
+            <a:r>
+              <a:rPr lang="en-US"/>
+              <a:t>Walmart - aggressive expansion plans - will it work?</a:t>
+            </a:r>
+            <a:endParaRPr/>
+          </a:p>
+          <a:p>
+            <a:pPr indent="0" lvl="0" marL="0" rtl="0" algn="l">
+              <a:spcBef>
+                <a:spcPts val="600"/>
+              </a:spcBef>
+              <a:spcAft>
+                <a:spcPts val="0"/>
+              </a:spcAft>
+              <a:buNone/>
+            </a:pPr>
+            <a:r>
+              <a:t/>
+            </a:r>
+            <a:endParaRPr/>
+          </a:p>
+          <a:p>
+            <a:pPr indent="0" lvl="0" marL="0" rtl="0" algn="l">
+              <a:spcBef>
+                <a:spcPts val="600"/>
+              </a:spcBef>
+              <a:spcAft>
+                <a:spcPts val="0"/>
+              </a:spcAft>
+              <a:buNone/>
+            </a:pPr>
+            <a:r>
+              <a:rPr lang="en-US"/>
+              <a:t>Albertson’s - implications of a blocked merger?</a:t>
+            </a:r>
+            <a:endParaRPr/>
+          </a:p>
+          <a:p>
+            <a:pPr indent="0" lvl="0" marL="0" rtl="0" algn="l">
+              <a:spcBef>
+                <a:spcPts val="600"/>
+              </a:spcBef>
+              <a:spcAft>
+                <a:spcPts val="0"/>
+              </a:spcAft>
+              <a:buNone/>
+            </a:pPr>
+            <a:r>
+              <a:t/>
+            </a:r>
+            <a:endParaRPr/>
+          </a:p>
+          <a:p>
+            <a:pPr indent="0" lvl="0" marL="0" rtl="0" algn="l">
+              <a:spcBef>
+                <a:spcPts val="600"/>
+              </a:spcBef>
+              <a:spcAft>
+                <a:spcPts val="600"/>
+              </a:spcAft>
+              <a:buNone/>
+            </a:pPr>
+            <a:r>
+              <a:rPr lang="en-US"/>
+              <a:t>Costco - an over - reliance on membership numbers? </a:t>
+            </a:r>
+            <a:endParaRPr/>
+          </a:p>
+        </p:txBody>
+      </p:sp>
+    </p:spTree>
+  </p:cSld>
+  <p:clrMapOvr>
+    <a:masterClrMapping/>
+  </p:clrMapOvr>
+</p:sld>
+</file>
+
+<file path=ppt/slides/slide23.xml><?xml version="1.0" encoding="utf-8"?>
+<p:sld xmlns:a="http://schemas.openxmlformats.org/drawingml/2006/main" xmlns:r="http://schemas.openxmlformats.org/officeDocument/2006/relationships" xmlns:mc="http://schemas.openxmlformats.org/markup-compatibility/2006" xmlns:mv="urn:schemas-microsoft-com:mac:vml" xmlns:p="http://schemas.openxmlformats.org/presentationml/2006/main" xmlns:c="http://schemas.openxmlformats.org/drawingml/2006/chart" xmlns:dgm="http://schemas.openxmlformats.org/drawingml/2006/diagram" xmlns:o="urn:schemas-microsoft-com:office:office" xmlns:v="urn:schemas-microsoft-com:vml" xmlns:pvml="urn:schemas-microsoft-com:office:powerpoint" xmlns:com="http://schemas.openxmlformats.org/drawingml/2006/compatibility" xmlns:p14="http://schemas.microsoft.com/office/powerpoint/2010/main" xmlns:p15="http://schemas.microsoft.com/office/powerpoint/2012/main" xmlns:ahyp="http://schemas.microsoft.com/office/drawing/2018/hyperlinkcolor">
+  <p:cSld>
+    <p:spTree>
+      <p:nvGrpSpPr>
+        <p:cNvPr id="250" name="Shape 250"/>
+        <p:cNvGrpSpPr/>
+        <p:nvPr/>
+      </p:nvGrpSpPr>
+      <p:grpSpPr>
+        <a:xfrm>
+          <a:off x="0" y="0"/>
+          <a:ext cx="0" cy="0"/>
+          <a:chOff x="0" y="0"/>
+          <a:chExt cx="0" cy="0"/>
+        </a:xfrm>
+      </p:grpSpPr>
+      <p:sp>
+        <p:nvSpPr>
+          <p:cNvPr id="251" name="Google Shape;251;p24"/>
+          <p:cNvSpPr txBox="1"/>
+          <p:nvPr>
+            <p:ph type="title"/>
+          </p:nvPr>
+        </p:nvSpPr>
+        <p:spPr>
+          <a:xfrm>
+            <a:off x="581192" y="702156"/>
+            <a:ext cx="11029616" cy="1013800"/>
+          </a:xfrm>
+          <a:prstGeom prst="rect">
+            <a:avLst/>
+          </a:prstGeom>
+          <a:noFill/>
+          <a:ln>
+            <a:noFill/>
+          </a:ln>
+        </p:spPr>
+        <p:txBody>
+          <a:bodyPr anchorCtr="0" anchor="b" bIns="45700" lIns="91425" spcFirstLastPara="1" rIns="91425" wrap="square" tIns="45700">
+            <a:normAutofit/>
+          </a:bodyPr>
+          <a:lstStyle/>
+          <a:p>
+            <a:pPr indent="0" lvl="0" marL="0" rtl="0" algn="l">
+              <a:spcBef>
+                <a:spcPts val="0"/>
+              </a:spcBef>
+              <a:spcAft>
+                <a:spcPts val="0"/>
+              </a:spcAft>
+              <a:buClr>
+                <a:schemeClr val="lt1"/>
+              </a:buClr>
+              <a:buSzPts val="2800"/>
+              <a:buFont typeface="Gill Sans"/>
+              <a:buNone/>
+            </a:pPr>
+            <a:r>
+              <a:rPr lang="en-US"/>
+              <a:t>SO WHO SHOULD WE INVEST IN BASED ON THIS DATA?</a:t>
+            </a:r>
+            <a:endParaRPr/>
+          </a:p>
+        </p:txBody>
+      </p:sp>
+      <p:sp>
+        <p:nvSpPr>
+          <p:cNvPr id="252" name="Google Shape;252;p24"/>
+          <p:cNvSpPr txBox="1"/>
+          <p:nvPr>
+            <p:ph idx="1" type="body"/>
+          </p:nvPr>
+        </p:nvSpPr>
+        <p:spPr>
+          <a:xfrm>
+            <a:off x="581192" y="2180496"/>
+            <a:ext cx="11029615" cy="3678303"/>
+          </a:xfrm>
+          <a:prstGeom prst="rect">
+            <a:avLst/>
+          </a:prstGeom>
+          <a:noFill/>
+          <a:ln>
+            <a:noFill/>
+          </a:ln>
+        </p:spPr>
+        <p:txBody>
+          <a:bodyPr anchorCtr="0" anchor="ctr" bIns="45700" lIns="91425" spcFirstLastPara="1" rIns="91425" wrap="square" tIns="45700">
+            <a:normAutofit lnSpcReduction="10000"/>
+          </a:bodyPr>
+          <a:lstStyle/>
+          <a:p>
+            <a:pPr indent="0" lvl="0" marL="304800" rtl="0" algn="l">
+              <a:lnSpc>
+                <a:spcPct val="115000"/>
+              </a:lnSpc>
+              <a:spcBef>
+                <a:spcPts val="0"/>
+              </a:spcBef>
+              <a:spcAft>
+                <a:spcPts val="0"/>
+              </a:spcAft>
+              <a:buSzPts val="1100"/>
+              <a:buNone/>
+            </a:pPr>
+            <a:r>
+              <a:rPr lang="en-US">
+                <a:solidFill>
+                  <a:srgbClr val="3D3D3D"/>
+                </a:solidFill>
+              </a:rPr>
+              <a:t>Based on total ROI, it is hard to look past Costco!</a:t>
+            </a:r>
+            <a:endParaRPr>
+              <a:solidFill>
+                <a:srgbClr val="3D3D3D"/>
+              </a:solidFill>
+            </a:endParaRPr>
+          </a:p>
+          <a:p>
+            <a:pPr indent="0" lvl="0" marL="304800" rtl="0" algn="l">
+              <a:lnSpc>
+                <a:spcPct val="115000"/>
+              </a:lnSpc>
+              <a:spcBef>
+                <a:spcPts val="0"/>
+              </a:spcBef>
+              <a:spcAft>
+                <a:spcPts val="0"/>
+              </a:spcAft>
+              <a:buClr>
+                <a:schemeClr val="dk1"/>
+              </a:buClr>
+              <a:buSzPts val="1100"/>
+              <a:buFont typeface="Arial"/>
+              <a:buNone/>
+            </a:pPr>
+            <a:r>
+              <a:t/>
+            </a:r>
+            <a:endParaRPr>
+              <a:solidFill>
+                <a:srgbClr val="3D3D3D"/>
+              </a:solidFill>
+            </a:endParaRPr>
+          </a:p>
+          <a:p>
+            <a:pPr indent="0" lvl="0" marL="304800" rtl="0" algn="l">
+              <a:lnSpc>
+                <a:spcPct val="115000"/>
+              </a:lnSpc>
+              <a:spcBef>
+                <a:spcPts val="0"/>
+              </a:spcBef>
+              <a:spcAft>
+                <a:spcPts val="0"/>
+              </a:spcAft>
+              <a:buClr>
+                <a:schemeClr val="dk1"/>
+              </a:buClr>
+              <a:buSzPts val="1100"/>
+              <a:buFont typeface="Arial"/>
+              <a:buNone/>
+            </a:pPr>
+            <a:r>
+              <a:rPr lang="en-US">
+                <a:solidFill>
+                  <a:srgbClr val="3D3D3D"/>
+                </a:solidFill>
+              </a:rPr>
+              <a:t>This is in spite of in one year ROI was 0 - but for the other years, ROI was consistently above the other chains.</a:t>
+            </a:r>
+            <a:endParaRPr>
+              <a:solidFill>
+                <a:srgbClr val="3D3D3D"/>
+              </a:solidFill>
+            </a:endParaRPr>
+          </a:p>
+          <a:p>
+            <a:pPr indent="0" lvl="0" marL="304800" rtl="0" algn="l">
+              <a:lnSpc>
+                <a:spcPct val="115000"/>
+              </a:lnSpc>
+              <a:spcBef>
+                <a:spcPts val="0"/>
+              </a:spcBef>
+              <a:spcAft>
+                <a:spcPts val="0"/>
+              </a:spcAft>
+              <a:buSzPts val="1100"/>
+              <a:buNone/>
+            </a:pPr>
+            <a:r>
+              <a:t/>
+            </a:r>
+            <a:endParaRPr>
+              <a:solidFill>
+                <a:srgbClr val="3D3D3D"/>
+              </a:solidFill>
+            </a:endParaRPr>
+          </a:p>
+          <a:p>
+            <a:pPr indent="0" lvl="0" marL="304800" rtl="0" algn="l">
+              <a:lnSpc>
+                <a:spcPct val="115000"/>
+              </a:lnSpc>
+              <a:spcBef>
+                <a:spcPts val="0"/>
+              </a:spcBef>
+              <a:spcAft>
+                <a:spcPts val="0"/>
+              </a:spcAft>
+              <a:buSzPts val="1100"/>
+              <a:buNone/>
+            </a:pPr>
+            <a:r>
+              <a:rPr lang="en-US">
+                <a:solidFill>
+                  <a:srgbClr val="3D3D3D"/>
+                </a:solidFill>
+              </a:rPr>
+              <a:t>However, over the last 3 months, its share price has declined - do we think this is a pattern of things to come?</a:t>
+            </a:r>
+            <a:endParaRPr>
+              <a:solidFill>
+                <a:srgbClr val="3D3D3D"/>
+              </a:solidFill>
+            </a:endParaRPr>
+          </a:p>
+          <a:p>
+            <a:pPr indent="0" lvl="0" marL="304800" rtl="0" algn="l">
+              <a:lnSpc>
+                <a:spcPct val="115000"/>
+              </a:lnSpc>
+              <a:spcBef>
+                <a:spcPts val="0"/>
+              </a:spcBef>
+              <a:spcAft>
+                <a:spcPts val="0"/>
+              </a:spcAft>
+              <a:buClr>
+                <a:schemeClr val="dk1"/>
+              </a:buClr>
+              <a:buSzPts val="1100"/>
+              <a:buFont typeface="Arial"/>
+              <a:buNone/>
+            </a:pPr>
+            <a:r>
+              <a:t/>
+            </a:r>
+            <a:endParaRPr>
+              <a:solidFill>
+                <a:srgbClr val="3D3D3D"/>
+              </a:solidFill>
+            </a:endParaRPr>
+          </a:p>
+          <a:p>
+            <a:pPr indent="0" lvl="0" marL="304800" rtl="0" algn="l">
+              <a:lnSpc>
+                <a:spcPct val="115000"/>
+              </a:lnSpc>
+              <a:spcBef>
+                <a:spcPts val="0"/>
+              </a:spcBef>
+              <a:spcAft>
+                <a:spcPts val="0"/>
+              </a:spcAft>
+              <a:buClr>
+                <a:schemeClr val="dk1"/>
+              </a:buClr>
+              <a:buSzPts val="1100"/>
+              <a:buFont typeface="Arial"/>
+              <a:buNone/>
+            </a:pPr>
+            <a:r>
+              <a:rPr lang="en-US">
+                <a:solidFill>
+                  <a:srgbClr val="3D3D3D"/>
+                </a:solidFill>
+              </a:rPr>
+              <a:t>Total dividend payments are less relevant for Costco - its share price is a lot higher than the others so $1000 buys relatively less shares compared to the others - so the vast majority of any return is generated by the share price increasing.</a:t>
+            </a:r>
+            <a:endParaRPr>
+              <a:solidFill>
+                <a:srgbClr val="3D3D3D"/>
+              </a:solidFill>
+            </a:endParaRPr>
+          </a:p>
+          <a:p>
+            <a:pPr indent="-200844" lvl="0" marL="306000" rtl="0" algn="l">
+              <a:spcBef>
+                <a:spcPts val="0"/>
+              </a:spcBef>
+              <a:spcAft>
+                <a:spcPts val="0"/>
+              </a:spcAft>
+              <a:buSzPts val="1656"/>
+              <a:buNone/>
+            </a:pPr>
+            <a:r>
+              <a:t/>
+            </a:r>
+            <a:endParaRPr/>
+          </a:p>
+          <a:p>
+            <a:pPr indent="-200844" lvl="0" marL="306000" rtl="0" algn="l">
+              <a:spcBef>
+                <a:spcPts val="0"/>
+              </a:spcBef>
+              <a:spcAft>
+                <a:spcPts val="0"/>
+              </a:spcAft>
+              <a:buSzPts val="1656"/>
+              <a:buNone/>
+            </a:pPr>
+            <a:r>
+              <a:t/>
+            </a:r>
+            <a:endParaRPr/>
+          </a:p>
+          <a:p>
+            <a:pPr indent="-200844" lvl="0" marL="306000" rtl="0" algn="l">
+              <a:spcBef>
+                <a:spcPts val="0"/>
+              </a:spcBef>
+              <a:spcAft>
+                <a:spcPts val="0"/>
+              </a:spcAft>
+              <a:buSzPts val="1656"/>
+              <a:buNone/>
+            </a:pPr>
+            <a:r>
+              <a:rPr lang="en-US"/>
+              <a:t> </a:t>
+            </a:r>
+            <a:endParaRPr/>
+          </a:p>
+        </p:txBody>
+      </p:sp>
+    </p:spTree>
+  </p:cSld>
+  <p:clrMapOvr>
+    <a:masterClrMapping/>
+  </p:clrMapOvr>
+</p:sld>
+</file>
+
+<file path=ppt/slides/slide24.xml><?xml version="1.0" encoding="utf-8"?>
+<p:sld xmlns:a="http://schemas.openxmlformats.org/drawingml/2006/main" xmlns:r="http://schemas.openxmlformats.org/officeDocument/2006/relationships" xmlns:mc="http://schemas.openxmlformats.org/markup-compatibility/2006" xmlns:mv="urn:schemas-microsoft-com:mac:vml" xmlns:p="http://schemas.openxmlformats.org/presentationml/2006/main" xmlns:c="http://schemas.openxmlformats.org/drawingml/2006/chart" xmlns:dgm="http://schemas.openxmlformats.org/drawingml/2006/diagram" xmlns:o="urn:schemas-microsoft-com:office:office" xmlns:v="urn:schemas-microsoft-com:vml" xmlns:pvml="urn:schemas-microsoft-com:office:powerpoint" xmlns:com="http://schemas.openxmlformats.org/drawingml/2006/compatibility" xmlns:p14="http://schemas.microsoft.com/office/powerpoint/2010/main" xmlns:p15="http://schemas.microsoft.com/office/powerpoint/2012/main" xmlns:ahyp="http://schemas.microsoft.com/office/drawing/2018/hyperlinkcolor">
+  <p:cSld>
+    <p:spTree>
+      <p:nvGrpSpPr>
+        <p:cNvPr id="256" name="Shape 256"/>
+        <p:cNvGrpSpPr/>
+        <p:nvPr/>
+      </p:nvGrpSpPr>
+      <p:grpSpPr>
+        <a:xfrm>
+          <a:off x="0" y="0"/>
+          <a:ext cx="0" cy="0"/>
+          <a:chOff x="0" y="0"/>
+          <a:chExt cx="0" cy="0"/>
+        </a:xfrm>
+      </p:grpSpPr>
+      <p:sp>
+        <p:nvSpPr>
+          <p:cNvPr id="257" name="Google Shape;257;p25"/>
+          <p:cNvSpPr txBox="1"/>
+          <p:nvPr>
+            <p:ph type="title"/>
+          </p:nvPr>
+        </p:nvSpPr>
+        <p:spPr>
+          <a:xfrm>
+            <a:off x="581192" y="702156"/>
+            <a:ext cx="11029616" cy="1013800"/>
+          </a:xfrm>
+          <a:prstGeom prst="rect">
+            <a:avLst/>
+          </a:prstGeom>
+          <a:noFill/>
+          <a:ln>
+            <a:noFill/>
+          </a:ln>
+        </p:spPr>
+        <p:txBody>
+          <a:bodyPr anchorCtr="0" anchor="b" bIns="45700" lIns="91425" spcFirstLastPara="1" rIns="91425" wrap="square" tIns="45700">
+            <a:normAutofit/>
+          </a:bodyPr>
+          <a:lstStyle/>
+          <a:p>
+            <a:pPr indent="0" lvl="0" marL="0" rtl="0" algn="l">
+              <a:spcBef>
+                <a:spcPts val="0"/>
+              </a:spcBef>
+              <a:spcAft>
+                <a:spcPts val="0"/>
+              </a:spcAft>
+              <a:buClr>
+                <a:schemeClr val="lt1"/>
+              </a:buClr>
+              <a:buSzPts val="2800"/>
+              <a:buFont typeface="Gill Sans"/>
+              <a:buNone/>
+            </a:pPr>
+            <a:r>
+              <a:rPr lang="en-US"/>
+              <a:t>FURTHER CONSIDERATIONS</a:t>
+            </a:r>
+            <a:endParaRPr/>
+          </a:p>
+        </p:txBody>
+      </p:sp>
+      <p:sp>
+        <p:nvSpPr>
+          <p:cNvPr id="258" name="Google Shape;258;p25"/>
+          <p:cNvSpPr txBox="1"/>
+          <p:nvPr>
+            <p:ph idx="1" type="body"/>
+          </p:nvPr>
+        </p:nvSpPr>
+        <p:spPr>
+          <a:xfrm>
+            <a:off x="581192" y="2180496"/>
+            <a:ext cx="11029615" cy="3678303"/>
+          </a:xfrm>
+          <a:prstGeom prst="rect">
+            <a:avLst/>
+          </a:prstGeom>
+          <a:noFill/>
+          <a:ln>
+            <a:noFill/>
+          </a:ln>
+        </p:spPr>
+        <p:txBody>
+          <a:bodyPr anchorCtr="0" anchor="ctr" bIns="45700" lIns="91425" spcFirstLastPara="1" rIns="91425" wrap="square" tIns="45700">
+            <a:normAutofit/>
+          </a:bodyPr>
+          <a:lstStyle/>
+          <a:p>
+            <a:pPr indent="-306000" lvl="0" marL="306000" rtl="0" algn="l">
+              <a:spcBef>
+                <a:spcPts val="0"/>
+              </a:spcBef>
+              <a:spcAft>
+                <a:spcPts val="0"/>
+              </a:spcAft>
+              <a:buSzPts val="1656"/>
+              <a:buChar char="◼"/>
+            </a:pPr>
+            <a:r>
+              <a:rPr lang="en-US"/>
+              <a:t>Before any decision is made, further scrutiny of the company would need to be done – for example, examining the Trading Profit and Loss Account and Balance Sheet and performing other statistical measures such as the “Acid Test”.</a:t>
+            </a:r>
+            <a:endParaRPr/>
+          </a:p>
+          <a:p>
+            <a:pPr indent="-200844" lvl="0" marL="306000" rtl="0" algn="l">
+              <a:spcBef>
+                <a:spcPts val="960"/>
+              </a:spcBef>
+              <a:spcAft>
+                <a:spcPts val="0"/>
+              </a:spcAft>
+              <a:buSzPts val="1656"/>
+              <a:buNone/>
+            </a:pPr>
+            <a:r>
+              <a:t/>
+            </a:r>
+            <a:endParaRPr/>
+          </a:p>
+          <a:p>
+            <a:pPr indent="-306000" lvl="0" marL="306000" rtl="0" algn="l">
+              <a:spcBef>
+                <a:spcPts val="960"/>
+              </a:spcBef>
+              <a:spcAft>
+                <a:spcPts val="0"/>
+              </a:spcAft>
+              <a:buSzPts val="1656"/>
+              <a:buChar char="◼"/>
+            </a:pPr>
+            <a:r>
+              <a:rPr lang="en-US"/>
+              <a:t>What is your investor / risk profile?  Are you a Pension Fund Manager or a day trader?  A Day trader may be prepared to absorb a higher level of risk than a Pension Fund Manager who has to ensure that any trades will cover their commitments no matter what.</a:t>
+            </a:r>
+            <a:endParaRPr/>
+          </a:p>
+          <a:p>
+            <a:pPr indent="-200844" lvl="0" marL="306000" rtl="0" algn="l">
+              <a:spcBef>
+                <a:spcPts val="960"/>
+              </a:spcBef>
+              <a:spcAft>
+                <a:spcPts val="0"/>
+              </a:spcAft>
+              <a:buSzPts val="1656"/>
+              <a:buNone/>
+            </a:pPr>
+            <a:r>
+              <a:t/>
+            </a:r>
+            <a:endParaRPr/>
+          </a:p>
+          <a:p>
+            <a:pPr indent="-306000" lvl="0" marL="306000" rtl="0" algn="l">
+              <a:spcBef>
+                <a:spcPts val="960"/>
+              </a:spcBef>
+              <a:spcAft>
+                <a:spcPts val="0"/>
+              </a:spcAft>
+              <a:buSzPts val="1656"/>
+              <a:buChar char="◼"/>
+            </a:pPr>
+            <a:r>
+              <a:rPr lang="en-US"/>
+              <a:t>Are there other sectors who are greatly outperforming this one – and would be a more attractive investment opportunity?</a:t>
+            </a:r>
+            <a:endParaRPr/>
+          </a:p>
+        </p:txBody>
+      </p:sp>
+    </p:spTree>
+  </p:cSld>
+  <p:clrMapOvr>
+    <a:masterClrMapping/>
+  </p:clrMapOvr>
+</p:sld>
+</file>
+
+<file path=ppt/slides/slide3.xml><?xml version="1.0" encoding="utf-8"?>
+<p:sld xmlns:a="http://schemas.openxmlformats.org/drawingml/2006/main" xmlns:r="http://schemas.openxmlformats.org/officeDocument/2006/relationships" xmlns:mc="http://schemas.openxmlformats.org/markup-compatibility/2006" xmlns:mv="urn:schemas-microsoft-com:mac:vml" xmlns:p="http://schemas.openxmlformats.org/presentationml/2006/main" xmlns:c="http://schemas.openxmlformats.org/drawingml/2006/chart" xmlns:dgm="http://schemas.openxmlformats.org/drawingml/2006/diagram" xmlns:o="urn:schemas-microsoft-com:office:office" xmlns:v="urn:schemas-microsoft-com:vml" xmlns:pvml="urn:schemas-microsoft-com:office:powerpoint" xmlns:com="http://schemas.openxmlformats.org/drawingml/2006/compatibility" xmlns:p14="http://schemas.microsoft.com/office/powerpoint/2010/main" xmlns:p15="http://schemas.microsoft.com/office/powerpoint/2012/main" xmlns:ahyp="http://schemas.microsoft.com/office/drawing/2018/hyperlinkcolor">
+  <p:cSld>
+    <p:spTree>
+      <p:nvGrpSpPr>
+        <p:cNvPr id="114" name="Shape 114"/>
+        <p:cNvGrpSpPr/>
+        <p:nvPr/>
+      </p:nvGrpSpPr>
+      <p:grpSpPr>
+        <a:xfrm>
+          <a:off x="0" y="0"/>
+          <a:ext cx="0" cy="0"/>
+          <a:chOff x="0" y="0"/>
+          <a:chExt cx="0" cy="0"/>
+        </a:xfrm>
+      </p:grpSpPr>
+      <p:sp>
+        <p:nvSpPr>
+          <p:cNvPr id="115" name="Google Shape;115;p3"/>
+          <p:cNvSpPr txBox="1"/>
+          <p:nvPr>
+            <p:ph type="title"/>
+          </p:nvPr>
+        </p:nvSpPr>
+        <p:spPr>
+          <a:xfrm>
+            <a:off x="581193" y="729658"/>
+            <a:ext cx="11029500" cy="988200"/>
+          </a:xfrm>
+          <a:prstGeom prst="rect">
+            <a:avLst/>
+          </a:prstGeom>
+          <a:noFill/>
+          <a:ln>
+            <a:noFill/>
+          </a:ln>
+        </p:spPr>
+        <p:txBody>
+          <a:bodyPr anchorCtr="0" anchor="b" bIns="45700" lIns="91425" spcFirstLastPara="1" rIns="91425" wrap="square" tIns="45700">
+            <a:normAutofit/>
+          </a:bodyPr>
+          <a:lstStyle/>
+          <a:p>
+            <a:pPr indent="0" lvl="0" marL="0" rtl="0" algn="l">
+              <a:spcBef>
+                <a:spcPts val="0"/>
+              </a:spcBef>
+              <a:spcAft>
+                <a:spcPts val="0"/>
+              </a:spcAft>
+              <a:buClr>
+                <a:schemeClr val="lt1"/>
+              </a:buClr>
+              <a:buSzPts val="2800"/>
+              <a:buFont typeface="Gill Sans"/>
+              <a:buNone/>
+            </a:pPr>
+            <a:r>
+              <a:rPr lang="en-US"/>
+              <a:t>METHODOLOGY</a:t>
+            </a:r>
+            <a:endParaRPr/>
+          </a:p>
+        </p:txBody>
+      </p:sp>
+      <p:sp>
+        <p:nvSpPr>
+          <p:cNvPr id="116" name="Google Shape;116;p3"/>
+          <p:cNvSpPr txBox="1"/>
+          <p:nvPr>
+            <p:ph idx="1" type="body"/>
+          </p:nvPr>
+        </p:nvSpPr>
+        <p:spPr>
+          <a:xfrm>
+            <a:off x="1182998" y="2259600"/>
+            <a:ext cx="3684900" cy="536100"/>
+          </a:xfrm>
+          <a:prstGeom prst="rect">
+            <a:avLst/>
+          </a:prstGeom>
+          <a:noFill/>
+          <a:ln>
+            <a:noFill/>
+          </a:ln>
+        </p:spPr>
+        <p:txBody>
+          <a:bodyPr anchorCtr="0" anchor="ctr" bIns="45700" lIns="91425" spcFirstLastPara="1" rIns="91425" wrap="square" tIns="45700">
+            <a:normAutofit/>
+          </a:bodyPr>
+          <a:lstStyle/>
+          <a:p>
+            <a:pPr indent="0" lvl="0" marL="0" rtl="0" algn="ctr">
+              <a:spcBef>
+                <a:spcPts val="933"/>
+              </a:spcBef>
+              <a:spcAft>
+                <a:spcPts val="0"/>
+              </a:spcAft>
+              <a:buSzPts val="1656"/>
+              <a:buNone/>
+            </a:pPr>
+            <a:r>
+              <a:rPr lang="en-US"/>
+              <a:t>Data Source</a:t>
+            </a:r>
+            <a:endParaRPr/>
+          </a:p>
+        </p:txBody>
+      </p:sp>
+      <p:sp>
+        <p:nvSpPr>
+          <p:cNvPr id="117" name="Google Shape;117;p3"/>
+          <p:cNvSpPr txBox="1"/>
+          <p:nvPr>
+            <p:ph idx="2" type="body"/>
+          </p:nvPr>
+        </p:nvSpPr>
+        <p:spPr>
+          <a:xfrm>
+            <a:off x="581200" y="2926050"/>
+            <a:ext cx="4888500" cy="2934900"/>
+          </a:xfrm>
+          <a:prstGeom prst="rect">
+            <a:avLst/>
+          </a:prstGeom>
+        </p:spPr>
+        <p:txBody>
+          <a:bodyPr anchorCtr="0" anchor="t" bIns="45700" lIns="91425" spcFirstLastPara="1" rIns="91425" wrap="square" tIns="45700">
+            <a:normAutofit/>
+          </a:bodyPr>
+          <a:lstStyle/>
+          <a:p>
+            <a:pPr indent="0" lvl="0" marL="0" rtl="0" algn="l">
+              <a:spcBef>
+                <a:spcPts val="360"/>
+              </a:spcBef>
+              <a:spcAft>
+                <a:spcPts val="600"/>
+              </a:spcAft>
+              <a:buNone/>
+            </a:pPr>
+            <a:r>
+              <a:t/>
+            </a:r>
+            <a:endParaRPr/>
+          </a:p>
+        </p:txBody>
+      </p:sp>
+      <p:sp>
+        <p:nvSpPr>
+          <p:cNvPr id="118" name="Google Shape;118;p3"/>
+          <p:cNvSpPr txBox="1"/>
+          <p:nvPr>
+            <p:ph idx="3" type="body"/>
+          </p:nvPr>
+        </p:nvSpPr>
+        <p:spPr>
+          <a:xfrm>
+            <a:off x="7321025" y="2250900"/>
+            <a:ext cx="3790200" cy="553500"/>
+          </a:xfrm>
+          <a:prstGeom prst="rect">
+            <a:avLst/>
+          </a:prstGeom>
+        </p:spPr>
+        <p:txBody>
+          <a:bodyPr anchorCtr="0" anchor="b" bIns="45700" lIns="91425" spcFirstLastPara="1" rIns="91425" wrap="square" tIns="45700">
+            <a:noAutofit/>
+          </a:bodyPr>
+          <a:lstStyle/>
+          <a:p>
+            <a:pPr indent="0" lvl="0" marL="0" rtl="0" algn="l">
+              <a:spcBef>
+                <a:spcPts val="440"/>
+              </a:spcBef>
+              <a:spcAft>
+                <a:spcPts val="600"/>
+              </a:spcAft>
+              <a:buNone/>
+            </a:pPr>
+            <a:r>
+              <a:rPr lang="en-US"/>
+              <a:t>Data Items</a:t>
+            </a:r>
+            <a:endParaRPr/>
+          </a:p>
+        </p:txBody>
+      </p:sp>
+      <p:sp>
+        <p:nvSpPr>
+          <p:cNvPr id="119" name="Google Shape;119;p3"/>
+          <p:cNvSpPr txBox="1"/>
+          <p:nvPr>
+            <p:ph idx="4" type="body"/>
+          </p:nvPr>
+        </p:nvSpPr>
+        <p:spPr>
+          <a:xfrm>
+            <a:off x="7321028" y="3086600"/>
+            <a:ext cx="3790200" cy="2934900"/>
+          </a:xfrm>
+          <a:prstGeom prst="rect">
+            <a:avLst/>
+          </a:prstGeom>
+        </p:spPr>
+        <p:txBody>
+          <a:bodyPr anchorCtr="0" anchor="t" bIns="45700" lIns="91425" spcFirstLastPara="1" rIns="91425" wrap="square" tIns="45700">
+            <a:normAutofit/>
+          </a:bodyPr>
+          <a:lstStyle/>
+          <a:p>
+            <a:pPr indent="0" lvl="0" marL="0" rtl="0" algn="l">
+              <a:spcBef>
+                <a:spcPts val="360"/>
+              </a:spcBef>
+              <a:spcAft>
+                <a:spcPts val="0"/>
+              </a:spcAft>
+              <a:buNone/>
+            </a:pPr>
+            <a:r>
+              <a:rPr lang="en-US"/>
+              <a:t>Date</a:t>
+            </a:r>
+            <a:endParaRPr/>
+          </a:p>
+          <a:p>
+            <a:pPr indent="0" lvl="0" marL="0" rtl="0" algn="l">
+              <a:spcBef>
+                <a:spcPts val="933"/>
+              </a:spcBef>
+              <a:spcAft>
+                <a:spcPts val="0"/>
+              </a:spcAft>
+              <a:buNone/>
+            </a:pPr>
+            <a:r>
+              <a:rPr lang="en-US"/>
+              <a:t>Opening Stock Price</a:t>
+            </a:r>
+            <a:endParaRPr/>
+          </a:p>
+          <a:p>
+            <a:pPr indent="0" lvl="0" marL="0" rtl="0" algn="l">
+              <a:spcBef>
+                <a:spcPts val="933"/>
+              </a:spcBef>
+              <a:spcAft>
+                <a:spcPts val="0"/>
+              </a:spcAft>
+              <a:buNone/>
+            </a:pPr>
+            <a:r>
+              <a:rPr lang="en-US"/>
+              <a:t>Closing Stock Price</a:t>
+            </a:r>
+            <a:endParaRPr/>
+          </a:p>
+          <a:p>
+            <a:pPr indent="0" lvl="0" marL="0" rtl="0" algn="l">
+              <a:spcBef>
+                <a:spcPts val="933"/>
+              </a:spcBef>
+              <a:spcAft>
+                <a:spcPts val="0"/>
+              </a:spcAft>
+              <a:buNone/>
+            </a:pPr>
+            <a:r>
+              <a:rPr lang="en-US"/>
+              <a:t>Stock Volume Traded</a:t>
+            </a:r>
+            <a:endParaRPr/>
+          </a:p>
+          <a:p>
+            <a:pPr indent="0" lvl="0" marL="0" rtl="0" algn="l">
+              <a:spcBef>
+                <a:spcPts val="933"/>
+              </a:spcBef>
+              <a:spcAft>
+                <a:spcPts val="0"/>
+              </a:spcAft>
+              <a:buNone/>
+            </a:pPr>
+            <a:r>
+              <a:rPr lang="en-US"/>
+              <a:t>Dividends</a:t>
+            </a:r>
+            <a:endParaRPr/>
+          </a:p>
+        </p:txBody>
+      </p:sp>
+      <p:pic>
+        <p:nvPicPr>
+          <p:cNvPr id="120" name="Google Shape;120;p3"/>
+          <p:cNvPicPr preferRelativeResize="0"/>
+          <p:nvPr/>
+        </p:nvPicPr>
+        <p:blipFill>
+          <a:blip r:embed="rId3">
+            <a:alphaModFix/>
+          </a:blip>
+          <a:stretch>
+            <a:fillRect/>
+          </a:stretch>
+        </p:blipFill>
+        <p:spPr>
+          <a:xfrm>
+            <a:off x="581200" y="2968350"/>
+            <a:ext cx="4888501" cy="2496258"/>
+          </a:xfrm>
+          <a:prstGeom prst="rect">
+            <a:avLst/>
+          </a:prstGeom>
+          <a:noFill/>
+          <a:ln>
+            <a:noFill/>
+          </a:ln>
+        </p:spPr>
+      </p:pic>
+    </p:spTree>
+  </p:cSld>
+  <p:clrMapOvr>
+    <a:masterClrMapping/>
+  </p:clrMapOvr>
+</p:sld>
+</file>
+
+<file path=ppt/slides/slide4.xml><?xml version="1.0" encoding="utf-8"?>
+<p:sld xmlns:a="http://schemas.openxmlformats.org/drawingml/2006/main" xmlns:r="http://schemas.openxmlformats.org/officeDocument/2006/relationships" xmlns:mc="http://schemas.openxmlformats.org/markup-compatibility/2006" xmlns:mv="urn:schemas-microsoft-com:mac:vml" xmlns:p="http://schemas.openxmlformats.org/presentationml/2006/main" xmlns:c="http://schemas.openxmlformats.org/drawingml/2006/chart" xmlns:dgm="http://schemas.openxmlformats.org/drawingml/2006/diagram" xmlns:o="urn:schemas-microsoft-com:office:office" xmlns:v="urn:schemas-microsoft-com:vml" xmlns:pvml="urn:schemas-microsoft-com:office:powerpoint" xmlns:com="http://schemas.openxmlformats.org/drawingml/2006/compatibility" xmlns:p14="http://schemas.microsoft.com/office/powerpoint/2010/main" xmlns:p15="http://schemas.microsoft.com/office/powerpoint/2012/main" xmlns:ahyp="http://schemas.microsoft.com/office/drawing/2018/hyperlinkcolor">
+  <p:cSld>
+    <p:spTree>
+      <p:nvGrpSpPr>
+        <p:cNvPr id="124" name="Shape 124"/>
+        <p:cNvGrpSpPr/>
+        <p:nvPr/>
+      </p:nvGrpSpPr>
+      <p:grpSpPr>
+        <a:xfrm>
+          <a:off x="0" y="0"/>
+          <a:ext cx="0" cy="0"/>
+          <a:chOff x="0" y="0"/>
+          <a:chExt cx="0" cy="0"/>
+        </a:xfrm>
+      </p:grpSpPr>
+      <p:sp>
+        <p:nvSpPr>
+          <p:cNvPr id="125" name="Google Shape;125;g2c4b658579b_3_1"/>
           <p:cNvSpPr txBox="1"/>
           <p:nvPr>
             <p:ph type="title"/>
@@ -18111,7 +17671,7 @@
       </p:sp>
       <p:sp>
         <p:nvSpPr>
-          <p:cNvPr id="128" name="Google Shape;128;g2c4b658579b_3_1"/>
+          <p:cNvPr id="126" name="Google Shape;126;g2c4b658579b_3_1"/>
           <p:cNvSpPr txBox="1"/>
           <p:nvPr>
             <p:ph idx="1" type="body"/>
@@ -18361,12 +17921,12 @@
 </p:sld>
 </file>
 
-<file path=ppt/slides/slide6.xml><?xml version="1.0" encoding="utf-8"?>
+<file path=ppt/slides/slide5.xml><?xml version="1.0" encoding="utf-8"?>
 <p:sld xmlns:a="http://schemas.openxmlformats.org/drawingml/2006/main" xmlns:r="http://schemas.openxmlformats.org/officeDocument/2006/relationships" xmlns:mc="http://schemas.openxmlformats.org/markup-compatibility/2006" xmlns:mv="urn:schemas-microsoft-com:mac:vml" xmlns:p="http://schemas.openxmlformats.org/presentationml/2006/main" xmlns:c="http://schemas.openxmlformats.org/drawingml/2006/chart" xmlns:dgm="http://schemas.openxmlformats.org/drawingml/2006/diagram" xmlns:o="urn:schemas-microsoft-com:office:office" xmlns:v="urn:schemas-microsoft-com:vml" xmlns:pvml="urn:schemas-microsoft-com:office:powerpoint" xmlns:com="http://schemas.openxmlformats.org/drawingml/2006/compatibility" xmlns:p14="http://schemas.microsoft.com/office/powerpoint/2010/main" xmlns:p15="http://schemas.microsoft.com/office/powerpoint/2012/main" xmlns:ahyp="http://schemas.microsoft.com/office/drawing/2018/hyperlinkcolor">
   <p:cSld>
     <p:spTree>
       <p:nvGrpSpPr>
-        <p:cNvPr id="132" name="Shape 132"/>
+        <p:cNvPr id="130" name="Shape 130"/>
         <p:cNvGrpSpPr/>
         <p:nvPr/>
       </p:nvGrpSpPr>
@@ -18380,7 +17940,7 @@
       </p:grpSpPr>
       <p:sp>
         <p:nvSpPr>
-          <p:cNvPr id="133" name="Google Shape;133;p4"/>
+          <p:cNvPr id="131" name="Google Shape;131;p4"/>
           <p:cNvSpPr txBox="1"/>
           <p:nvPr>
             <p:ph type="title"/>
@@ -18429,7 +17989,7 @@
       </p:sp>
       <p:sp>
         <p:nvSpPr>
-          <p:cNvPr id="134" name="Google Shape;134;p4"/>
+          <p:cNvPr id="132" name="Google Shape;132;p4"/>
           <p:cNvSpPr txBox="1"/>
           <p:nvPr>
             <p:ph idx="1" type="body"/>
@@ -18647,12 +18207,12 @@
 </p:sld>
 </file>
 
-<file path=ppt/slides/slide7.xml><?xml version="1.0" encoding="utf-8"?>
+<file path=ppt/slides/slide6.xml><?xml version="1.0" encoding="utf-8"?>
 <p:sld xmlns:a="http://schemas.openxmlformats.org/drawingml/2006/main" xmlns:r="http://schemas.openxmlformats.org/officeDocument/2006/relationships" xmlns:mc="http://schemas.openxmlformats.org/markup-compatibility/2006" xmlns:mv="urn:schemas-microsoft-com:mac:vml" xmlns:p="http://schemas.openxmlformats.org/presentationml/2006/main" xmlns:c="http://schemas.openxmlformats.org/drawingml/2006/chart" xmlns:dgm="http://schemas.openxmlformats.org/drawingml/2006/diagram" xmlns:o="urn:schemas-microsoft-com:office:office" xmlns:v="urn:schemas-microsoft-com:vml" xmlns:pvml="urn:schemas-microsoft-com:office:powerpoint" xmlns:com="http://schemas.openxmlformats.org/drawingml/2006/compatibility" xmlns:p14="http://schemas.microsoft.com/office/powerpoint/2010/main" xmlns:p15="http://schemas.microsoft.com/office/powerpoint/2012/main" xmlns:ahyp="http://schemas.microsoft.com/office/drawing/2018/hyperlinkcolor">
   <p:cSld>
     <p:spTree>
       <p:nvGrpSpPr>
-        <p:cNvPr id="138" name="Shape 138"/>
+        <p:cNvPr id="136" name="Shape 136"/>
         <p:cNvGrpSpPr/>
         <p:nvPr/>
       </p:nvGrpSpPr>
@@ -18666,7 +18226,7 @@
       </p:grpSpPr>
       <p:sp>
         <p:nvSpPr>
-          <p:cNvPr id="139" name="Google Shape;139;p5"/>
+          <p:cNvPr id="137" name="Google Shape;137;p5"/>
           <p:cNvSpPr txBox="1"/>
           <p:nvPr>
             <p:ph type="title"/>
@@ -18715,7 +18275,7 @@
       </p:sp>
       <p:sp>
         <p:nvSpPr>
-          <p:cNvPr id="140" name="Google Shape;140;p5"/>
+          <p:cNvPr id="138" name="Google Shape;138;p5"/>
           <p:cNvSpPr txBox="1"/>
           <p:nvPr>
             <p:ph idx="1" type="body"/>
@@ -18947,12 +18507,12 @@
 </p:sld>
 </file>
 
-<file path=ppt/slides/slide8.xml><?xml version="1.0" encoding="utf-8"?>
+<file path=ppt/slides/slide7.xml><?xml version="1.0" encoding="utf-8"?>
 <p:sld xmlns:a="http://schemas.openxmlformats.org/drawingml/2006/main" xmlns:r="http://schemas.openxmlformats.org/officeDocument/2006/relationships" xmlns:mc="http://schemas.openxmlformats.org/markup-compatibility/2006" xmlns:mv="urn:schemas-microsoft-com:mac:vml" xmlns:p="http://schemas.openxmlformats.org/presentationml/2006/main" xmlns:c="http://schemas.openxmlformats.org/drawingml/2006/chart" xmlns:dgm="http://schemas.openxmlformats.org/drawingml/2006/diagram" xmlns:o="urn:schemas-microsoft-com:office:office" xmlns:v="urn:schemas-microsoft-com:vml" xmlns:pvml="urn:schemas-microsoft-com:office:powerpoint" xmlns:com="http://schemas.openxmlformats.org/drawingml/2006/compatibility" xmlns:p14="http://schemas.microsoft.com/office/powerpoint/2010/main" xmlns:p15="http://schemas.microsoft.com/office/powerpoint/2012/main" xmlns:ahyp="http://schemas.microsoft.com/office/drawing/2018/hyperlinkcolor">
   <p:cSld>
     <p:spTree>
       <p:nvGrpSpPr>
-        <p:cNvPr id="144" name="Shape 144"/>
+        <p:cNvPr id="142" name="Shape 142"/>
         <p:cNvGrpSpPr/>
         <p:nvPr/>
       </p:nvGrpSpPr>
@@ -18966,7 +18526,7 @@
       </p:grpSpPr>
       <p:sp>
         <p:nvSpPr>
-          <p:cNvPr id="145" name="Google Shape;145;p6"/>
+          <p:cNvPr id="143" name="Google Shape;143;p6"/>
           <p:cNvSpPr txBox="1"/>
           <p:nvPr>
             <p:ph type="title"/>
@@ -19015,7 +18575,7 @@
       </p:sp>
       <p:sp>
         <p:nvSpPr>
-          <p:cNvPr id="146" name="Google Shape;146;p6"/>
+          <p:cNvPr id="144" name="Google Shape;144;p6"/>
           <p:cNvSpPr txBox="1"/>
           <p:nvPr>
             <p:ph idx="1" type="body"/>
@@ -19132,12 +18692,12 @@
 </p:sld>
 </file>
 
-<file path=ppt/slides/slide9.xml><?xml version="1.0" encoding="utf-8"?>
+<file path=ppt/slides/slide8.xml><?xml version="1.0" encoding="utf-8"?>
 <p:sld xmlns:a="http://schemas.openxmlformats.org/drawingml/2006/main" xmlns:r="http://schemas.openxmlformats.org/officeDocument/2006/relationships" xmlns:mc="http://schemas.openxmlformats.org/markup-compatibility/2006" xmlns:mv="urn:schemas-microsoft-com:mac:vml" xmlns:p="http://schemas.openxmlformats.org/presentationml/2006/main" xmlns:c="http://schemas.openxmlformats.org/drawingml/2006/chart" xmlns:dgm="http://schemas.openxmlformats.org/drawingml/2006/diagram" xmlns:o="urn:schemas-microsoft-com:office:office" xmlns:v="urn:schemas-microsoft-com:vml" xmlns:pvml="urn:schemas-microsoft-com:office:powerpoint" xmlns:com="http://schemas.openxmlformats.org/drawingml/2006/compatibility" xmlns:p14="http://schemas.microsoft.com/office/powerpoint/2010/main" xmlns:p15="http://schemas.microsoft.com/office/powerpoint/2012/main" xmlns:ahyp="http://schemas.microsoft.com/office/drawing/2018/hyperlinkcolor">
   <p:cSld>
     <p:spTree>
       <p:nvGrpSpPr>
-        <p:cNvPr id="150" name="Shape 150"/>
+        <p:cNvPr id="148" name="Shape 148"/>
         <p:cNvGrpSpPr/>
         <p:nvPr/>
       </p:nvGrpSpPr>
@@ -19151,7 +18711,7 @@
       </p:grpSpPr>
       <p:sp>
         <p:nvSpPr>
-          <p:cNvPr id="151" name="Google Shape;151;p7"/>
+          <p:cNvPr id="149" name="Google Shape;149;p7"/>
           <p:cNvSpPr txBox="1"/>
           <p:nvPr>
             <p:ph type="title"/>
@@ -19204,7 +18764,7 @@
       </p:sp>
       <p:pic>
         <p:nvPicPr>
-          <p:cNvPr id="152" name="Google Shape;152;p7"/>
+          <p:cNvPr id="150" name="Google Shape;150;p7"/>
           <p:cNvPicPr preferRelativeResize="0"/>
           <p:nvPr>
             <p:ph idx="1" type="body"/>
@@ -19233,7 +18793,7 @@
       </p:pic>
       <p:pic>
         <p:nvPicPr>
-          <p:cNvPr id="153" name="Google Shape;153;p7"/>
+          <p:cNvPr id="151" name="Google Shape;151;p7"/>
           <p:cNvPicPr preferRelativeResize="0"/>
           <p:nvPr>
             <p:ph idx="2" type="body"/>
@@ -19250,6 +18810,142 @@
           <a:xfrm>
             <a:off x="6188075" y="2443906"/>
             <a:ext cx="5422900" cy="3200501"/>
+          </a:xfrm>
+          <a:prstGeom prst="rect">
+            <a:avLst/>
+          </a:prstGeom>
+          <a:noFill/>
+          <a:ln>
+            <a:noFill/>
+          </a:ln>
+        </p:spPr>
+      </p:pic>
+    </p:spTree>
+  </p:cSld>
+  <p:clrMapOvr>
+    <a:masterClrMapping/>
+  </p:clrMapOvr>
+</p:sld>
+</file>
+
+<file path=ppt/slides/slide9.xml><?xml version="1.0" encoding="utf-8"?>
+<p:sld xmlns:a="http://schemas.openxmlformats.org/drawingml/2006/main" xmlns:r="http://schemas.openxmlformats.org/officeDocument/2006/relationships" xmlns:mc="http://schemas.openxmlformats.org/markup-compatibility/2006" xmlns:mv="urn:schemas-microsoft-com:mac:vml" xmlns:p="http://schemas.openxmlformats.org/presentationml/2006/main" xmlns:c="http://schemas.openxmlformats.org/drawingml/2006/chart" xmlns:dgm="http://schemas.openxmlformats.org/drawingml/2006/diagram" xmlns:o="urn:schemas-microsoft-com:office:office" xmlns:v="urn:schemas-microsoft-com:vml" xmlns:pvml="urn:schemas-microsoft-com:office:powerpoint" xmlns:com="http://schemas.openxmlformats.org/drawingml/2006/compatibility" xmlns:p14="http://schemas.microsoft.com/office/powerpoint/2010/main" xmlns:p15="http://schemas.microsoft.com/office/powerpoint/2012/main" xmlns:ahyp="http://schemas.microsoft.com/office/drawing/2018/hyperlinkcolor">
+  <p:cSld>
+    <p:spTree>
+      <p:nvGrpSpPr>
+        <p:cNvPr id="155" name="Shape 155"/>
+        <p:cNvGrpSpPr/>
+        <p:nvPr/>
+      </p:nvGrpSpPr>
+      <p:grpSpPr>
+        <a:xfrm>
+          <a:off x="0" y="0"/>
+          <a:ext cx="0" cy="0"/>
+          <a:chOff x="0" y="0"/>
+          <a:chExt cx="0" cy="0"/>
+        </a:xfrm>
+      </p:grpSpPr>
+      <p:sp>
+        <p:nvSpPr>
+          <p:cNvPr id="156" name="Google Shape;156;p8"/>
+          <p:cNvSpPr txBox="1"/>
+          <p:nvPr>
+            <p:ph type="title"/>
+          </p:nvPr>
+        </p:nvSpPr>
+        <p:spPr>
+          <a:xfrm>
+            <a:off x="581193" y="729658"/>
+            <a:ext cx="11029616" cy="988332"/>
+          </a:xfrm>
+          <a:prstGeom prst="rect">
+            <a:avLst/>
+          </a:prstGeom>
+          <a:noFill/>
+          <a:ln>
+            <a:noFill/>
+          </a:ln>
+        </p:spPr>
+        <p:txBody>
+          <a:bodyPr anchorCtr="0" anchor="b" bIns="45700" lIns="91425" spcFirstLastPara="1" rIns="91425" wrap="square" tIns="45700">
+            <a:normAutofit/>
+          </a:bodyPr>
+          <a:lstStyle/>
+          <a:p>
+            <a:pPr indent="0" lvl="0" marL="0" rtl="0" algn="l">
+              <a:spcBef>
+                <a:spcPts val="0"/>
+              </a:spcBef>
+              <a:spcAft>
+                <a:spcPts val="0"/>
+              </a:spcAft>
+              <a:buClr>
+                <a:schemeClr val="lt1"/>
+              </a:buClr>
+              <a:buSzPts val="2800"/>
+              <a:buFont typeface="Gill Sans"/>
+              <a:buNone/>
+            </a:pPr>
+            <a:r>
+              <a:rPr lang="en-US"/>
+              <a:t>HOW DOES THE STOCK PRICE CHANGE OVER TIME</a:t>
+            </a:r>
+            <a:r>
+              <a:rPr lang="en-US"/>
+              <a:t>?</a:t>
+            </a:r>
+            <a:endParaRPr/>
+          </a:p>
+        </p:txBody>
+      </p:sp>
+      <p:pic>
+        <p:nvPicPr>
+          <p:cNvPr id="157" name="Google Shape;157;p8"/>
+          <p:cNvPicPr preferRelativeResize="0"/>
+          <p:nvPr>
+            <p:ph idx="2" type="body"/>
+          </p:nvPr>
+        </p:nvPicPr>
+        <p:blipFill rotWithShape="1">
+          <a:blip r:embed="rId3">
+            <a:alphaModFix/>
+          </a:blip>
+          <a:srcRect b="0" l="0" r="0" t="0"/>
+          <a:stretch/>
+        </p:blipFill>
+        <p:spPr>
+          <a:xfrm>
+            <a:off x="6188075" y="2471454"/>
+            <a:ext cx="5422900" cy="3145405"/>
+          </a:xfrm>
+          <a:prstGeom prst="rect">
+            <a:avLst/>
+          </a:prstGeom>
+          <a:noFill/>
+          <a:ln>
+            <a:noFill/>
+          </a:ln>
+        </p:spPr>
+      </p:pic>
+      <p:pic>
+        <p:nvPicPr>
+          <p:cNvPr id="158" name="Google Shape;158;p8"/>
+          <p:cNvPicPr preferRelativeResize="0"/>
+          <p:nvPr>
+            <p:ph idx="1" type="body"/>
+          </p:nvPr>
+        </p:nvPicPr>
+        <p:blipFill rotWithShape="1">
+          <a:blip r:embed="rId4">
+            <a:alphaModFix/>
+          </a:blip>
+          <a:srcRect b="0" l="0" r="0" t="0"/>
+          <a:stretch/>
+        </p:blipFill>
+        <p:spPr>
+          <a:xfrm>
+            <a:off x="581025" y="2458097"/>
+            <a:ext cx="5422900" cy="3172118"/>
           </a:xfrm>
           <a:prstGeom prst="rect">
             <a:avLst/>

--- a/presentation/Group 3 – FINANCIAL ANALYSIS.pptx
+++ b/presentation/Group 3 – FINANCIAL ANALYSIS.pptx
@@ -30,16 +30,14 @@
     <p:sldId id="275" r:id="rId24"/>
     <p:sldId id="276" r:id="rId25"/>
     <p:sldId id="277" r:id="rId26"/>
-    <p:sldId id="278" r:id="rId27"/>
-    <p:sldId id="279" r:id="rId28"/>
   </p:sldIdLst>
   <p:sldSz cy="6858000" cx="12192000"/>
   <p:notesSz cx="6858000" cy="9144000"/>
   <p:embeddedFontLst>
     <p:embeddedFont>
       <p:font typeface="Gill Sans"/>
-      <p:regular r:id="rId29"/>
-      <p:bold r:id="rId30"/>
+      <p:regular r:id="rId27"/>
+      <p:bold r:id="rId28"/>
     </p:embeddedFont>
   </p:embeddedFontLst>
   <p:defaultTextStyle>
@@ -273,7 +271,7 @@
   </p:defaultTextStyle>
   <p:extLst>
     <p:ext uri="GoogleSlidesCustomDataVersion2">
-      <go:slidesCustomData xmlns:go="http://customooxmlschemas.google.com/" r:id="rId31" roundtripDataSignature="AMtx7mg65KaOljFjFn2Iwk8oarGRjpJVsA=="/>
+      <go:slidesCustomData xmlns:go="http://customooxmlschemas.google.com/" r:id="rId29" roundtripDataSignature="AMtx7mjW9TGhj7SviBeGD4pT2jEGQW8/1g=="/>
     </p:ext>
   </p:extLst>
 </p:presentation>
@@ -809,7 +807,7 @@
   <p:cSld>
     <p:spTree>
       <p:nvGrpSpPr>
-        <p:cNvPr id="159" name="Shape 159"/>
+        <p:cNvPr id="163" name="Shape 163"/>
         <p:cNvGrpSpPr/>
         <p:nvPr/>
       </p:nvGrpSpPr>
@@ -823,7 +821,7 @@
       </p:grpSpPr>
       <p:sp>
         <p:nvSpPr>
-          <p:cNvPr id="160" name="Google Shape;160;p9:notes"/>
+          <p:cNvPr id="164" name="Google Shape;164;p12:notes"/>
           <p:cNvSpPr txBox="1"/>
           <p:nvPr>
             <p:ph idx="1" type="body"/>
@@ -862,7 +860,7 @@
       </p:sp>
       <p:sp>
         <p:nvSpPr>
-          <p:cNvPr id="161" name="Google Shape;161;p9:notes"/>
+          <p:cNvPr id="165" name="Google Shape;165;p12:notes"/>
           <p:cNvSpPr/>
           <p:nvPr>
             <p:ph idx="2" type="sldImg"/>
@@ -908,7 +906,7 @@
   <p:cSld>
     <p:spTree>
       <p:nvGrpSpPr>
-        <p:cNvPr id="167" name="Shape 167"/>
+        <p:cNvPr id="170" name="Shape 170"/>
         <p:cNvGrpSpPr/>
         <p:nvPr/>
       </p:nvGrpSpPr>
@@ -922,46 +920,7 @@
       </p:grpSpPr>
       <p:sp>
         <p:nvSpPr>
-          <p:cNvPr id="168" name="Google Shape;168;p10:notes"/>
-          <p:cNvSpPr txBox="1"/>
-          <p:nvPr>
-            <p:ph idx="1" type="body"/>
-          </p:nvPr>
-        </p:nvSpPr>
-        <p:spPr>
-          <a:xfrm>
-            <a:off x="685800" y="4343400"/>
-            <a:ext cx="5486400" cy="4114800"/>
-          </a:xfrm>
-          <a:prstGeom prst="rect">
-            <a:avLst/>
-          </a:prstGeom>
-        </p:spPr>
-        <p:txBody>
-          <a:bodyPr anchorCtr="0" anchor="t" bIns="91425" lIns="91425" spcFirstLastPara="1" rIns="91425" wrap="square" tIns="91425">
-            <a:noAutofit/>
-          </a:bodyPr>
-          <a:lstStyle/>
-          <a:p>
-            <a:pPr indent="0" lvl="0" marL="0" rtl="0" algn="l">
-              <a:spcBef>
-                <a:spcPts val="0"/>
-              </a:spcBef>
-              <a:spcAft>
-                <a:spcPts val="0"/>
-              </a:spcAft>
-              <a:buNone/>
-            </a:pPr>
-            <a:r>
-              <a:t/>
-            </a:r>
-            <a:endParaRPr/>
-          </a:p>
-        </p:txBody>
-      </p:sp>
-      <p:sp>
-        <p:nvSpPr>
-          <p:cNvPr id="169" name="Google Shape;169;p10:notes"/>
+          <p:cNvPr id="171" name="Google Shape;171;g2c48598d1a9_3_0:notes"/>
           <p:cNvSpPr/>
           <p:nvPr>
             <p:ph idx="2" type="sldImg"/>
@@ -970,7 +929,7 @@
         <p:spPr>
           <a:xfrm>
             <a:off x="1143225" y="685800"/>
-            <a:ext cx="4572225" cy="3429000"/>
+            <a:ext cx="4572300" cy="3429000"/>
           </a:xfrm>
           <a:custGeom>
             <a:rect b="b" l="l" r="r" t="t"/>
@@ -994,34 +953,9 @@
           </a:custGeom>
         </p:spPr>
       </p:sp>
-    </p:spTree>
-  </p:cSld>
-  <p:clrMapOvr>
-    <a:masterClrMapping/>
-  </p:clrMapOvr>
-</p:notes>
-</file>
-
-<file path=ppt/notesSlides/notesSlide12.xml><?xml version="1.0" encoding="utf-8"?>
-<p:notes xmlns:a="http://schemas.openxmlformats.org/drawingml/2006/main" xmlns:r="http://schemas.openxmlformats.org/officeDocument/2006/relationships" xmlns:mc="http://schemas.openxmlformats.org/markup-compatibility/2006" xmlns:mv="urn:schemas-microsoft-com:mac:vml" xmlns:p="http://schemas.openxmlformats.org/presentationml/2006/main" xmlns:c="http://schemas.openxmlformats.org/drawingml/2006/chart" xmlns:dgm="http://schemas.openxmlformats.org/drawingml/2006/diagram" xmlns:o="urn:schemas-microsoft-com:office:office" xmlns:v="urn:schemas-microsoft-com:vml" xmlns:pvml="urn:schemas-microsoft-com:office:powerpoint" xmlns:com="http://schemas.openxmlformats.org/drawingml/2006/compatibility" xmlns:p14="http://schemas.microsoft.com/office/powerpoint/2010/main" xmlns:p15="http://schemas.microsoft.com/office/powerpoint/2012/main" xmlns:ahyp="http://schemas.microsoft.com/office/drawing/2018/hyperlinkcolor" showMasterPhAnim="0" showMasterSp="0">
-  <p:cSld>
-    <p:spTree>
-      <p:nvGrpSpPr>
-        <p:cNvPr id="175" name="Shape 175"/>
-        <p:cNvGrpSpPr/>
-        <p:nvPr/>
-      </p:nvGrpSpPr>
-      <p:grpSpPr>
-        <a:xfrm>
-          <a:off x="0" y="0"/>
-          <a:ext cx="0" cy="0"/>
-          <a:chOff x="0" y="0"/>
-          <a:chExt cx="0" cy="0"/>
-        </a:xfrm>
-      </p:grpSpPr>
       <p:sp>
         <p:nvSpPr>
-          <p:cNvPr id="176" name="Google Shape;176;p12:notes"/>
+          <p:cNvPr id="172" name="Google Shape;172;g2c48598d1a9_3_0:notes"/>
           <p:cNvSpPr txBox="1"/>
           <p:nvPr>
             <p:ph idx="1" type="body"/>
@@ -1058,9 +992,73 @@
           </a:p>
         </p:txBody>
       </p:sp>
+    </p:spTree>
+  </p:cSld>
+  <p:clrMapOvr>
+    <a:masterClrMapping/>
+  </p:clrMapOvr>
+</p:notes>
+</file>
+
+<file path=ppt/notesSlides/notesSlide12.xml><?xml version="1.0" encoding="utf-8"?>
+<p:notes xmlns:a="http://schemas.openxmlformats.org/drawingml/2006/main" xmlns:r="http://schemas.openxmlformats.org/officeDocument/2006/relationships" xmlns:mc="http://schemas.openxmlformats.org/markup-compatibility/2006" xmlns:mv="urn:schemas-microsoft-com:mac:vml" xmlns:p="http://schemas.openxmlformats.org/presentationml/2006/main" xmlns:c="http://schemas.openxmlformats.org/drawingml/2006/chart" xmlns:dgm="http://schemas.openxmlformats.org/drawingml/2006/diagram" xmlns:o="urn:schemas-microsoft-com:office:office" xmlns:v="urn:schemas-microsoft-com:vml" xmlns:pvml="urn:schemas-microsoft-com:office:powerpoint" xmlns:com="http://schemas.openxmlformats.org/drawingml/2006/compatibility" xmlns:p14="http://schemas.microsoft.com/office/powerpoint/2010/main" xmlns:p15="http://schemas.microsoft.com/office/powerpoint/2012/main" xmlns:ahyp="http://schemas.microsoft.com/office/drawing/2018/hyperlinkcolor" showMasterPhAnim="0" showMasterSp="0">
+  <p:cSld>
+    <p:spTree>
+      <p:nvGrpSpPr>
+        <p:cNvPr id="176" name="Shape 176"/>
+        <p:cNvGrpSpPr/>
+        <p:nvPr/>
+      </p:nvGrpSpPr>
+      <p:grpSpPr>
+        <a:xfrm>
+          <a:off x="0" y="0"/>
+          <a:ext cx="0" cy="0"/>
+          <a:chOff x="0" y="0"/>
+          <a:chExt cx="0" cy="0"/>
+        </a:xfrm>
+      </p:grpSpPr>
       <p:sp>
         <p:nvSpPr>
-          <p:cNvPr id="177" name="Google Shape;177;p12:notes"/>
+          <p:cNvPr id="177" name="Google Shape;177;p14:notes"/>
+          <p:cNvSpPr txBox="1"/>
+          <p:nvPr>
+            <p:ph idx="1" type="body"/>
+          </p:nvPr>
+        </p:nvSpPr>
+        <p:spPr>
+          <a:xfrm>
+            <a:off x="685800" y="4343400"/>
+            <a:ext cx="5486400" cy="4114800"/>
+          </a:xfrm>
+          <a:prstGeom prst="rect">
+            <a:avLst/>
+          </a:prstGeom>
+        </p:spPr>
+        <p:txBody>
+          <a:bodyPr anchorCtr="0" anchor="t" bIns="91425" lIns="91425" spcFirstLastPara="1" rIns="91425" wrap="square" tIns="91425">
+            <a:noAutofit/>
+          </a:bodyPr>
+          <a:lstStyle/>
+          <a:p>
+            <a:pPr indent="0" lvl="0" marL="0" rtl="0" algn="l">
+              <a:spcBef>
+                <a:spcPts val="0"/>
+              </a:spcBef>
+              <a:spcAft>
+                <a:spcPts val="0"/>
+              </a:spcAft>
+              <a:buNone/>
+            </a:pPr>
+            <a:r>
+              <a:t/>
+            </a:r>
+            <a:endParaRPr/>
+          </a:p>
+        </p:txBody>
+      </p:sp>
+      <p:sp>
+        <p:nvSpPr>
+          <p:cNvPr id="178" name="Google Shape;178;p14:notes"/>
           <p:cNvSpPr/>
           <p:nvPr>
             <p:ph idx="2" type="sldImg"/>
@@ -1120,7 +1118,46 @@
       </p:grpSpPr>
       <p:sp>
         <p:nvSpPr>
-          <p:cNvPr id="183" name="Google Shape;183;g2c48598d1a9_3_0:notes"/>
+          <p:cNvPr id="183" name="Google Shape;183;p15:notes"/>
+          <p:cNvSpPr txBox="1"/>
+          <p:nvPr>
+            <p:ph idx="1" type="body"/>
+          </p:nvPr>
+        </p:nvSpPr>
+        <p:spPr>
+          <a:xfrm>
+            <a:off x="685800" y="4343400"/>
+            <a:ext cx="5486400" cy="4114800"/>
+          </a:xfrm>
+          <a:prstGeom prst="rect">
+            <a:avLst/>
+          </a:prstGeom>
+        </p:spPr>
+        <p:txBody>
+          <a:bodyPr anchorCtr="0" anchor="t" bIns="91425" lIns="91425" spcFirstLastPara="1" rIns="91425" wrap="square" tIns="91425">
+            <a:noAutofit/>
+          </a:bodyPr>
+          <a:lstStyle/>
+          <a:p>
+            <a:pPr indent="0" lvl="0" marL="0" rtl="0" algn="l">
+              <a:spcBef>
+                <a:spcPts val="0"/>
+              </a:spcBef>
+              <a:spcAft>
+                <a:spcPts val="0"/>
+              </a:spcAft>
+              <a:buNone/>
+            </a:pPr>
+            <a:r>
+              <a:t/>
+            </a:r>
+            <a:endParaRPr/>
+          </a:p>
+        </p:txBody>
+      </p:sp>
+      <p:sp>
+        <p:nvSpPr>
+          <p:cNvPr id="184" name="Google Shape;184;p15:notes"/>
           <p:cNvSpPr/>
           <p:nvPr>
             <p:ph idx="2" type="sldImg"/>
@@ -1129,7 +1166,7 @@
         <p:spPr>
           <a:xfrm>
             <a:off x="1143225" y="685800"/>
-            <a:ext cx="4572300" cy="3429000"/>
+            <a:ext cx="4572225" cy="3429000"/>
           </a:xfrm>
           <a:custGeom>
             <a:rect b="b" l="l" r="r" t="t"/>
@@ -1152,45 +1189,6 @@
             </a:pathLst>
           </a:custGeom>
         </p:spPr>
-      </p:sp>
-      <p:sp>
-        <p:nvSpPr>
-          <p:cNvPr id="184" name="Google Shape;184;g2c48598d1a9_3_0:notes"/>
-          <p:cNvSpPr txBox="1"/>
-          <p:nvPr>
-            <p:ph idx="1" type="body"/>
-          </p:nvPr>
-        </p:nvSpPr>
-        <p:spPr>
-          <a:xfrm>
-            <a:off x="685800" y="4343400"/>
-            <a:ext cx="5486400" cy="4114800"/>
-          </a:xfrm>
-          <a:prstGeom prst="rect">
-            <a:avLst/>
-          </a:prstGeom>
-        </p:spPr>
-        <p:txBody>
-          <a:bodyPr anchorCtr="0" anchor="t" bIns="91425" lIns="91425" spcFirstLastPara="1" rIns="91425" wrap="square" tIns="91425">
-            <a:noAutofit/>
-          </a:bodyPr>
-          <a:lstStyle/>
-          <a:p>
-            <a:pPr indent="0" lvl="0" marL="0" rtl="0" algn="l">
-              <a:spcBef>
-                <a:spcPts val="0"/>
-              </a:spcBef>
-              <a:spcAft>
-                <a:spcPts val="0"/>
-              </a:spcAft>
-              <a:buNone/>
-            </a:pPr>
-            <a:r>
-              <a:t/>
-            </a:r>
-            <a:endParaRPr/>
-          </a:p>
-        </p:txBody>
       </p:sp>
     </p:spTree>
   </p:cSld>
@@ -1219,7 +1217,7 @@
       </p:grpSpPr>
       <p:sp>
         <p:nvSpPr>
-          <p:cNvPr id="189" name="Google Shape;189;p14:notes"/>
+          <p:cNvPr id="189" name="Google Shape;189;p20:notes"/>
           <p:cNvSpPr txBox="1"/>
           <p:nvPr>
             <p:ph idx="1" type="body"/>
@@ -1258,7 +1256,7 @@
       </p:sp>
       <p:sp>
         <p:nvSpPr>
-          <p:cNvPr id="190" name="Google Shape;190;p14:notes"/>
+          <p:cNvPr id="190" name="Google Shape;190;p20:notes"/>
           <p:cNvSpPr/>
           <p:nvPr>
             <p:ph idx="2" type="sldImg"/>
@@ -1304,7 +1302,7 @@
   <p:cSld>
     <p:spTree>
       <p:nvGrpSpPr>
-        <p:cNvPr id="194" name="Shape 194"/>
+        <p:cNvPr id="195" name="Shape 195"/>
         <p:cNvGrpSpPr/>
         <p:nvPr/>
       </p:nvGrpSpPr>
@@ -1318,46 +1316,7 @@
       </p:grpSpPr>
       <p:sp>
         <p:nvSpPr>
-          <p:cNvPr id="195" name="Google Shape;195;p15:notes"/>
-          <p:cNvSpPr txBox="1"/>
-          <p:nvPr>
-            <p:ph idx="1" type="body"/>
-          </p:nvPr>
-        </p:nvSpPr>
-        <p:spPr>
-          <a:xfrm>
-            <a:off x="685800" y="4343400"/>
-            <a:ext cx="5486400" cy="4114800"/>
-          </a:xfrm>
-          <a:prstGeom prst="rect">
-            <a:avLst/>
-          </a:prstGeom>
-        </p:spPr>
-        <p:txBody>
-          <a:bodyPr anchorCtr="0" anchor="t" bIns="91425" lIns="91425" spcFirstLastPara="1" rIns="91425" wrap="square" tIns="91425">
-            <a:noAutofit/>
-          </a:bodyPr>
-          <a:lstStyle/>
-          <a:p>
-            <a:pPr indent="0" lvl="0" marL="0" rtl="0" algn="l">
-              <a:spcBef>
-                <a:spcPts val="0"/>
-              </a:spcBef>
-              <a:spcAft>
-                <a:spcPts val="0"/>
-              </a:spcAft>
-              <a:buNone/>
-            </a:pPr>
-            <a:r>
-              <a:t/>
-            </a:r>
-            <a:endParaRPr/>
-          </a:p>
-        </p:txBody>
-      </p:sp>
-      <p:sp>
-        <p:nvSpPr>
-          <p:cNvPr id="196" name="Google Shape;196;p15:notes"/>
+          <p:cNvPr id="196" name="Google Shape;196;g2c4b658579b_0_3:notes"/>
           <p:cNvSpPr/>
           <p:nvPr>
             <p:ph idx="2" type="sldImg"/>
@@ -1366,7 +1325,7 @@
         <p:spPr>
           <a:xfrm>
             <a:off x="1143225" y="685800"/>
-            <a:ext cx="4572225" cy="3429000"/>
+            <a:ext cx="4572300" cy="3429000"/>
           </a:xfrm>
           <a:custGeom>
             <a:rect b="b" l="l" r="r" t="t"/>
@@ -1390,34 +1349,9 @@
           </a:custGeom>
         </p:spPr>
       </p:sp>
-    </p:spTree>
-  </p:cSld>
-  <p:clrMapOvr>
-    <a:masterClrMapping/>
-  </p:clrMapOvr>
-</p:notes>
-</file>
-
-<file path=ppt/notesSlides/notesSlide16.xml><?xml version="1.0" encoding="utf-8"?>
-<p:notes xmlns:a="http://schemas.openxmlformats.org/drawingml/2006/main" xmlns:r="http://schemas.openxmlformats.org/officeDocument/2006/relationships" xmlns:mc="http://schemas.openxmlformats.org/markup-compatibility/2006" xmlns:mv="urn:schemas-microsoft-com:mac:vml" xmlns:p="http://schemas.openxmlformats.org/presentationml/2006/main" xmlns:c="http://schemas.openxmlformats.org/drawingml/2006/chart" xmlns:dgm="http://schemas.openxmlformats.org/drawingml/2006/diagram" xmlns:o="urn:schemas-microsoft-com:office:office" xmlns:v="urn:schemas-microsoft-com:vml" xmlns:pvml="urn:schemas-microsoft-com:office:powerpoint" xmlns:com="http://schemas.openxmlformats.org/drawingml/2006/compatibility" xmlns:p14="http://schemas.microsoft.com/office/powerpoint/2010/main" xmlns:p15="http://schemas.microsoft.com/office/powerpoint/2012/main" xmlns:ahyp="http://schemas.microsoft.com/office/drawing/2018/hyperlinkcolor" showMasterPhAnim="0" showMasterSp="0">
-  <p:cSld>
-    <p:spTree>
-      <p:nvGrpSpPr>
-        <p:cNvPr id="200" name="Shape 200"/>
-        <p:cNvGrpSpPr/>
-        <p:nvPr/>
-      </p:nvGrpSpPr>
-      <p:grpSpPr>
-        <a:xfrm>
-          <a:off x="0" y="0"/>
-          <a:ext cx="0" cy="0"/>
-          <a:chOff x="0" y="0"/>
-          <a:chExt cx="0" cy="0"/>
-        </a:xfrm>
-      </p:grpSpPr>
       <p:sp>
         <p:nvSpPr>
-          <p:cNvPr id="201" name="Google Shape;201;p20:notes"/>
+          <p:cNvPr id="197" name="Google Shape;197;g2c4b658579b_0_3:notes"/>
           <p:cNvSpPr txBox="1"/>
           <p:nvPr>
             <p:ph idx="1" type="body"/>
@@ -1454,9 +1388,73 @@
           </a:p>
         </p:txBody>
       </p:sp>
+    </p:spTree>
+  </p:cSld>
+  <p:clrMapOvr>
+    <a:masterClrMapping/>
+  </p:clrMapOvr>
+</p:notes>
+</file>
+
+<file path=ppt/notesSlides/notesSlide16.xml><?xml version="1.0" encoding="utf-8"?>
+<p:notes xmlns:a="http://schemas.openxmlformats.org/drawingml/2006/main" xmlns:r="http://schemas.openxmlformats.org/officeDocument/2006/relationships" xmlns:mc="http://schemas.openxmlformats.org/markup-compatibility/2006" xmlns:mv="urn:schemas-microsoft-com:mac:vml" xmlns:p="http://schemas.openxmlformats.org/presentationml/2006/main" xmlns:c="http://schemas.openxmlformats.org/drawingml/2006/chart" xmlns:dgm="http://schemas.openxmlformats.org/drawingml/2006/diagram" xmlns:o="urn:schemas-microsoft-com:office:office" xmlns:v="urn:schemas-microsoft-com:vml" xmlns:pvml="urn:schemas-microsoft-com:office:powerpoint" xmlns:com="http://schemas.openxmlformats.org/drawingml/2006/compatibility" xmlns:p14="http://schemas.microsoft.com/office/powerpoint/2010/main" xmlns:p15="http://schemas.microsoft.com/office/powerpoint/2012/main" xmlns:ahyp="http://schemas.microsoft.com/office/drawing/2018/hyperlinkcolor" showMasterPhAnim="0" showMasterSp="0">
+  <p:cSld>
+    <p:spTree>
+      <p:nvGrpSpPr>
+        <p:cNvPr id="202" name="Shape 202"/>
+        <p:cNvGrpSpPr/>
+        <p:nvPr/>
+      </p:nvGrpSpPr>
+      <p:grpSpPr>
+        <a:xfrm>
+          <a:off x="0" y="0"/>
+          <a:ext cx="0" cy="0"/>
+          <a:chOff x="0" y="0"/>
+          <a:chExt cx="0" cy="0"/>
+        </a:xfrm>
+      </p:grpSpPr>
       <p:sp>
         <p:nvSpPr>
-          <p:cNvPr id="202" name="Google Shape;202;p20:notes"/>
+          <p:cNvPr id="203" name="Google Shape;203;p22:notes"/>
+          <p:cNvSpPr txBox="1"/>
+          <p:nvPr>
+            <p:ph idx="1" type="body"/>
+          </p:nvPr>
+        </p:nvSpPr>
+        <p:spPr>
+          <a:xfrm>
+            <a:off x="685800" y="4343400"/>
+            <a:ext cx="5486400" cy="4114800"/>
+          </a:xfrm>
+          <a:prstGeom prst="rect">
+            <a:avLst/>
+          </a:prstGeom>
+        </p:spPr>
+        <p:txBody>
+          <a:bodyPr anchorCtr="0" anchor="t" bIns="91425" lIns="91425" spcFirstLastPara="1" rIns="91425" wrap="square" tIns="91425">
+            <a:noAutofit/>
+          </a:bodyPr>
+          <a:lstStyle/>
+          <a:p>
+            <a:pPr indent="0" lvl="0" marL="0" rtl="0" algn="l">
+              <a:spcBef>
+                <a:spcPts val="0"/>
+              </a:spcBef>
+              <a:spcAft>
+                <a:spcPts val="0"/>
+              </a:spcAft>
+              <a:buNone/>
+            </a:pPr>
+            <a:r>
+              <a:t/>
+            </a:r>
+            <a:endParaRPr/>
+          </a:p>
+        </p:txBody>
+      </p:sp>
+      <p:sp>
+        <p:nvSpPr>
+          <p:cNvPr id="204" name="Google Shape;204;p22:notes"/>
           <p:cNvSpPr/>
           <p:nvPr>
             <p:ph idx="2" type="sldImg"/>
@@ -1502,7 +1500,7 @@
   <p:cSld>
     <p:spTree>
       <p:nvGrpSpPr>
-        <p:cNvPr id="207" name="Shape 207"/>
+        <p:cNvPr id="208" name="Shape 208"/>
         <p:cNvGrpSpPr/>
         <p:nvPr/>
       </p:nvGrpSpPr>
@@ -1516,7 +1514,7 @@
       </p:grpSpPr>
       <p:sp>
         <p:nvSpPr>
-          <p:cNvPr id="208" name="Google Shape;208;g2c4b658579b_0_3:notes"/>
+          <p:cNvPr id="209" name="Google Shape;209;g2c48598d1a9_3_5:notes"/>
           <p:cNvSpPr/>
           <p:nvPr>
             <p:ph idx="2" type="sldImg"/>
@@ -1551,7 +1549,7 @@
       </p:sp>
       <p:sp>
         <p:nvSpPr>
-          <p:cNvPr id="209" name="Google Shape;209;g2c4b658579b_0_3:notes"/>
+          <p:cNvPr id="210" name="Google Shape;210;g2c48598d1a9_3_5:notes"/>
           <p:cNvSpPr txBox="1"/>
           <p:nvPr>
             <p:ph idx="1" type="body"/>
@@ -1601,7 +1599,7 @@
   <p:cSld>
     <p:spTree>
       <p:nvGrpSpPr>
-        <p:cNvPr id="214" name="Shape 214"/>
+        <p:cNvPr id="215" name="Shape 215"/>
         <p:cNvGrpSpPr/>
         <p:nvPr/>
       </p:nvGrpSpPr>
@@ -1615,7 +1613,7 @@
       </p:grpSpPr>
       <p:sp>
         <p:nvSpPr>
-          <p:cNvPr id="215" name="Google Shape;215;p22:notes"/>
+          <p:cNvPr id="216" name="Google Shape;216;p17:notes"/>
           <p:cNvSpPr txBox="1"/>
           <p:nvPr>
             <p:ph idx="1" type="body"/>
@@ -1654,7 +1652,7 @@
       </p:sp>
       <p:sp>
         <p:nvSpPr>
-          <p:cNvPr id="216" name="Google Shape;216;p22:notes"/>
+          <p:cNvPr id="217" name="Google Shape;217;p17:notes"/>
           <p:cNvSpPr/>
           <p:nvPr>
             <p:ph idx="2" type="sldImg"/>
@@ -1700,7 +1698,7 @@
   <p:cSld>
     <p:spTree>
       <p:nvGrpSpPr>
-        <p:cNvPr id="220" name="Shape 220"/>
+        <p:cNvPr id="222" name="Shape 222"/>
         <p:cNvGrpSpPr/>
         <p:nvPr/>
       </p:nvGrpSpPr>
@@ -1714,7 +1712,46 @@
       </p:grpSpPr>
       <p:sp>
         <p:nvSpPr>
-          <p:cNvPr id="221" name="Google Shape;221;g2c48598d1a9_3_5:notes"/>
+          <p:cNvPr id="223" name="Google Shape;223;p18:notes"/>
+          <p:cNvSpPr txBox="1"/>
+          <p:nvPr>
+            <p:ph idx="1" type="body"/>
+          </p:nvPr>
+        </p:nvSpPr>
+        <p:spPr>
+          <a:xfrm>
+            <a:off x="685800" y="4343400"/>
+            <a:ext cx="5486400" cy="4114800"/>
+          </a:xfrm>
+          <a:prstGeom prst="rect">
+            <a:avLst/>
+          </a:prstGeom>
+        </p:spPr>
+        <p:txBody>
+          <a:bodyPr anchorCtr="0" anchor="t" bIns="91425" lIns="91425" spcFirstLastPara="1" rIns="91425" wrap="square" tIns="91425">
+            <a:noAutofit/>
+          </a:bodyPr>
+          <a:lstStyle/>
+          <a:p>
+            <a:pPr indent="0" lvl="0" marL="0" rtl="0" algn="l">
+              <a:spcBef>
+                <a:spcPts val="0"/>
+              </a:spcBef>
+              <a:spcAft>
+                <a:spcPts val="0"/>
+              </a:spcAft>
+              <a:buNone/>
+            </a:pPr>
+            <a:r>
+              <a:t/>
+            </a:r>
+            <a:endParaRPr/>
+          </a:p>
+        </p:txBody>
+      </p:sp>
+      <p:sp>
+        <p:nvSpPr>
+          <p:cNvPr id="224" name="Google Shape;224;p18:notes"/>
           <p:cNvSpPr/>
           <p:nvPr>
             <p:ph idx="2" type="sldImg"/>
@@ -1723,7 +1760,7 @@
         <p:spPr>
           <a:xfrm>
             <a:off x="1143225" y="685800"/>
-            <a:ext cx="4572300" cy="3429000"/>
+            <a:ext cx="4572225" cy="3429000"/>
           </a:xfrm>
           <a:custGeom>
             <a:rect b="b" l="l" r="r" t="t"/>
@@ -1746,45 +1783,6 @@
             </a:pathLst>
           </a:custGeom>
         </p:spPr>
-      </p:sp>
-      <p:sp>
-        <p:nvSpPr>
-          <p:cNvPr id="222" name="Google Shape;222;g2c48598d1a9_3_5:notes"/>
-          <p:cNvSpPr txBox="1"/>
-          <p:nvPr>
-            <p:ph idx="1" type="body"/>
-          </p:nvPr>
-        </p:nvSpPr>
-        <p:spPr>
-          <a:xfrm>
-            <a:off x="685800" y="4343400"/>
-            <a:ext cx="5486400" cy="4114800"/>
-          </a:xfrm>
-          <a:prstGeom prst="rect">
-            <a:avLst/>
-          </a:prstGeom>
-        </p:spPr>
-        <p:txBody>
-          <a:bodyPr anchorCtr="0" anchor="t" bIns="91425" lIns="91425" spcFirstLastPara="1" rIns="91425" wrap="square" tIns="91425">
-            <a:noAutofit/>
-          </a:bodyPr>
-          <a:lstStyle/>
-          <a:p>
-            <a:pPr indent="0" lvl="0" marL="0" rtl="0" algn="l">
-              <a:spcBef>
-                <a:spcPts val="0"/>
-              </a:spcBef>
-              <a:spcAft>
-                <a:spcPts val="0"/>
-              </a:spcAft>
-              <a:buNone/>
-            </a:pPr>
-            <a:r>
-              <a:t/>
-            </a:r>
-            <a:endParaRPr/>
-          </a:p>
-        </p:txBody>
       </p:sp>
     </p:spTree>
   </p:cSld>
@@ -1898,7 +1896,7 @@
   <p:cSld>
     <p:spTree>
       <p:nvGrpSpPr>
-        <p:cNvPr id="227" name="Shape 227"/>
+        <p:cNvPr id="229" name="Shape 229"/>
         <p:cNvGrpSpPr/>
         <p:nvPr/>
       </p:nvGrpSpPr>
@@ -1912,46 +1910,7 @@
       </p:grpSpPr>
       <p:sp>
         <p:nvSpPr>
-          <p:cNvPr id="228" name="Google Shape;228;p17:notes"/>
-          <p:cNvSpPr txBox="1"/>
-          <p:nvPr>
-            <p:ph idx="1" type="body"/>
-          </p:nvPr>
-        </p:nvSpPr>
-        <p:spPr>
-          <a:xfrm>
-            <a:off x="685800" y="4343400"/>
-            <a:ext cx="5486400" cy="4114800"/>
-          </a:xfrm>
-          <a:prstGeom prst="rect">
-            <a:avLst/>
-          </a:prstGeom>
-        </p:spPr>
-        <p:txBody>
-          <a:bodyPr anchorCtr="0" anchor="t" bIns="91425" lIns="91425" spcFirstLastPara="1" rIns="91425" wrap="square" tIns="91425">
-            <a:noAutofit/>
-          </a:bodyPr>
-          <a:lstStyle/>
-          <a:p>
-            <a:pPr indent="0" lvl="0" marL="0" rtl="0" algn="l">
-              <a:spcBef>
-                <a:spcPts val="0"/>
-              </a:spcBef>
-              <a:spcAft>
-                <a:spcPts val="0"/>
-              </a:spcAft>
-              <a:buNone/>
-            </a:pPr>
-            <a:r>
-              <a:t/>
-            </a:r>
-            <a:endParaRPr/>
-          </a:p>
-        </p:txBody>
-      </p:sp>
-      <p:sp>
-        <p:nvSpPr>
-          <p:cNvPr id="229" name="Google Shape;229;p17:notes"/>
+          <p:cNvPr id="230" name="Google Shape;230;g2c4c75c3d89_0_1:notes"/>
           <p:cNvSpPr/>
           <p:nvPr>
             <p:ph idx="2" type="sldImg"/>
@@ -1960,7 +1919,7 @@
         <p:spPr>
           <a:xfrm>
             <a:off x="1143225" y="685800"/>
-            <a:ext cx="4572225" cy="3429000"/>
+            <a:ext cx="4572300" cy="3429000"/>
           </a:xfrm>
           <a:custGeom>
             <a:rect b="b" l="l" r="r" t="t"/>
@@ -1984,34 +1943,9 @@
           </a:custGeom>
         </p:spPr>
       </p:sp>
-    </p:spTree>
-  </p:cSld>
-  <p:clrMapOvr>
-    <a:masterClrMapping/>
-  </p:clrMapOvr>
-</p:notes>
-</file>
-
-<file path=ppt/notesSlides/notesSlide21.xml><?xml version="1.0" encoding="utf-8"?>
-<p:notes xmlns:a="http://schemas.openxmlformats.org/drawingml/2006/main" xmlns:r="http://schemas.openxmlformats.org/officeDocument/2006/relationships" xmlns:mc="http://schemas.openxmlformats.org/markup-compatibility/2006" xmlns:mv="urn:schemas-microsoft-com:mac:vml" xmlns:p="http://schemas.openxmlformats.org/presentationml/2006/main" xmlns:c="http://schemas.openxmlformats.org/drawingml/2006/chart" xmlns:dgm="http://schemas.openxmlformats.org/drawingml/2006/diagram" xmlns:o="urn:schemas-microsoft-com:office:office" xmlns:v="urn:schemas-microsoft-com:vml" xmlns:pvml="urn:schemas-microsoft-com:office:powerpoint" xmlns:com="http://schemas.openxmlformats.org/drawingml/2006/compatibility" xmlns:p14="http://schemas.microsoft.com/office/powerpoint/2010/main" xmlns:p15="http://schemas.microsoft.com/office/powerpoint/2012/main" xmlns:ahyp="http://schemas.microsoft.com/office/drawing/2018/hyperlinkcolor" showMasterPhAnim="0" showMasterSp="0">
-  <p:cSld>
-    <p:spTree>
-      <p:nvGrpSpPr>
-        <p:cNvPr id="234" name="Shape 234"/>
-        <p:cNvGrpSpPr/>
-        <p:nvPr/>
-      </p:nvGrpSpPr>
-      <p:grpSpPr>
-        <a:xfrm>
-          <a:off x="0" y="0"/>
-          <a:ext cx="0" cy="0"/>
-          <a:chOff x="0" y="0"/>
-          <a:chExt cx="0" cy="0"/>
-        </a:xfrm>
-      </p:grpSpPr>
       <p:sp>
         <p:nvSpPr>
-          <p:cNvPr id="235" name="Google Shape;235;p18:notes"/>
+          <p:cNvPr id="231" name="Google Shape;231;g2c4c75c3d89_0_1:notes"/>
           <p:cNvSpPr txBox="1"/>
           <p:nvPr>
             <p:ph idx="1" type="body"/>
@@ -2048,9 +1982,73 @@
           </a:p>
         </p:txBody>
       </p:sp>
+    </p:spTree>
+  </p:cSld>
+  <p:clrMapOvr>
+    <a:masterClrMapping/>
+  </p:clrMapOvr>
+</p:notes>
+</file>
+
+<file path=ppt/notesSlides/notesSlide21.xml><?xml version="1.0" encoding="utf-8"?>
+<p:notes xmlns:a="http://schemas.openxmlformats.org/drawingml/2006/main" xmlns:r="http://schemas.openxmlformats.org/officeDocument/2006/relationships" xmlns:mc="http://schemas.openxmlformats.org/markup-compatibility/2006" xmlns:mv="urn:schemas-microsoft-com:mac:vml" xmlns:p="http://schemas.openxmlformats.org/presentationml/2006/main" xmlns:c="http://schemas.openxmlformats.org/drawingml/2006/chart" xmlns:dgm="http://schemas.openxmlformats.org/drawingml/2006/diagram" xmlns:o="urn:schemas-microsoft-com:office:office" xmlns:v="urn:schemas-microsoft-com:vml" xmlns:pvml="urn:schemas-microsoft-com:office:powerpoint" xmlns:com="http://schemas.openxmlformats.org/drawingml/2006/compatibility" xmlns:p14="http://schemas.microsoft.com/office/powerpoint/2010/main" xmlns:p15="http://schemas.microsoft.com/office/powerpoint/2012/main" xmlns:ahyp="http://schemas.microsoft.com/office/drawing/2018/hyperlinkcolor" showMasterPhAnim="0" showMasterSp="0">
+  <p:cSld>
+    <p:spTree>
+      <p:nvGrpSpPr>
+        <p:cNvPr id="235" name="Shape 235"/>
+        <p:cNvGrpSpPr/>
+        <p:nvPr/>
+      </p:nvGrpSpPr>
+      <p:grpSpPr>
+        <a:xfrm>
+          <a:off x="0" y="0"/>
+          <a:ext cx="0" cy="0"/>
+          <a:chOff x="0" y="0"/>
+          <a:chExt cx="0" cy="0"/>
+        </a:xfrm>
+      </p:grpSpPr>
       <p:sp>
         <p:nvSpPr>
-          <p:cNvPr id="236" name="Google Shape;236;p18:notes"/>
+          <p:cNvPr id="236" name="Google Shape;236;p24:notes"/>
+          <p:cNvSpPr txBox="1"/>
+          <p:nvPr>
+            <p:ph idx="1" type="body"/>
+          </p:nvPr>
+        </p:nvSpPr>
+        <p:spPr>
+          <a:xfrm>
+            <a:off x="685800" y="4343400"/>
+            <a:ext cx="5486400" cy="4114800"/>
+          </a:xfrm>
+          <a:prstGeom prst="rect">
+            <a:avLst/>
+          </a:prstGeom>
+        </p:spPr>
+        <p:txBody>
+          <a:bodyPr anchorCtr="0" anchor="t" bIns="91425" lIns="91425" spcFirstLastPara="1" rIns="91425" wrap="square" tIns="91425">
+            <a:noAutofit/>
+          </a:bodyPr>
+          <a:lstStyle/>
+          <a:p>
+            <a:pPr indent="0" lvl="0" marL="0" rtl="0" algn="l">
+              <a:spcBef>
+                <a:spcPts val="0"/>
+              </a:spcBef>
+              <a:spcAft>
+                <a:spcPts val="0"/>
+              </a:spcAft>
+              <a:buNone/>
+            </a:pPr>
+            <a:r>
+              <a:t/>
+            </a:r>
+            <a:endParaRPr/>
+          </a:p>
+        </p:txBody>
+      </p:sp>
+      <p:sp>
+        <p:nvSpPr>
+          <p:cNvPr id="237" name="Google Shape;237;p24:notes"/>
           <p:cNvSpPr/>
           <p:nvPr>
             <p:ph idx="2" type="sldImg"/>
@@ -2110,42 +2108,7 @@
       </p:grpSpPr>
       <p:sp>
         <p:nvSpPr>
-          <p:cNvPr id="242" name="Google Shape;242;g2c4c75c3d89_0_1:notes"/>
-          <p:cNvSpPr/>
-          <p:nvPr>
-            <p:ph idx="2" type="sldImg"/>
-          </p:nvPr>
-        </p:nvSpPr>
-        <p:spPr>
-          <a:xfrm>
-            <a:off x="1143225" y="685800"/>
-            <a:ext cx="4572300" cy="3429000"/>
-          </a:xfrm>
-          <a:custGeom>
-            <a:rect b="b" l="l" r="r" t="t"/>
-            <a:pathLst>
-              <a:path extrusionOk="0" h="120000" w="120000">
-                <a:moveTo>
-                  <a:pt x="0" y="0"/>
-                </a:moveTo>
-                <a:lnTo>
-                  <a:pt x="120000" y="0"/>
-                </a:lnTo>
-                <a:lnTo>
-                  <a:pt x="120000" y="120000"/>
-                </a:lnTo>
-                <a:lnTo>
-                  <a:pt x="0" y="120000"/>
-                </a:lnTo>
-                <a:close/>
-              </a:path>
-            </a:pathLst>
-          </a:custGeom>
-        </p:spPr>
-      </p:sp>
-      <p:sp>
-        <p:nvSpPr>
-          <p:cNvPr id="243" name="Google Shape;243;g2c4c75c3d89_0_1:notes"/>
+          <p:cNvPr id="242" name="Google Shape;242;p25:notes"/>
           <p:cNvSpPr txBox="1"/>
           <p:nvPr>
             <p:ph idx="1" type="body"/>
@@ -2182,172 +2145,9 @@
           </a:p>
         </p:txBody>
       </p:sp>
-    </p:spTree>
-  </p:cSld>
-  <p:clrMapOvr>
-    <a:masterClrMapping/>
-  </p:clrMapOvr>
-</p:notes>
-</file>
-
-<file path=ppt/notesSlides/notesSlide23.xml><?xml version="1.0" encoding="utf-8"?>
-<p:notes xmlns:a="http://schemas.openxmlformats.org/drawingml/2006/main" xmlns:r="http://schemas.openxmlformats.org/officeDocument/2006/relationships" xmlns:mc="http://schemas.openxmlformats.org/markup-compatibility/2006" xmlns:mv="urn:schemas-microsoft-com:mac:vml" xmlns:p="http://schemas.openxmlformats.org/presentationml/2006/main" xmlns:c="http://schemas.openxmlformats.org/drawingml/2006/chart" xmlns:dgm="http://schemas.openxmlformats.org/drawingml/2006/diagram" xmlns:o="urn:schemas-microsoft-com:office:office" xmlns:v="urn:schemas-microsoft-com:vml" xmlns:pvml="urn:schemas-microsoft-com:office:powerpoint" xmlns:com="http://schemas.openxmlformats.org/drawingml/2006/compatibility" xmlns:p14="http://schemas.microsoft.com/office/powerpoint/2010/main" xmlns:p15="http://schemas.microsoft.com/office/powerpoint/2012/main" xmlns:ahyp="http://schemas.microsoft.com/office/drawing/2018/hyperlinkcolor" showMasterPhAnim="0" showMasterSp="0">
-  <p:cSld>
-    <p:spTree>
-      <p:nvGrpSpPr>
-        <p:cNvPr id="247" name="Shape 247"/>
-        <p:cNvGrpSpPr/>
-        <p:nvPr/>
-      </p:nvGrpSpPr>
-      <p:grpSpPr>
-        <a:xfrm>
-          <a:off x="0" y="0"/>
-          <a:ext cx="0" cy="0"/>
-          <a:chOff x="0" y="0"/>
-          <a:chExt cx="0" cy="0"/>
-        </a:xfrm>
-      </p:grpSpPr>
       <p:sp>
         <p:nvSpPr>
-          <p:cNvPr id="248" name="Google Shape;248;p24:notes"/>
-          <p:cNvSpPr txBox="1"/>
-          <p:nvPr>
-            <p:ph idx="1" type="body"/>
-          </p:nvPr>
-        </p:nvSpPr>
-        <p:spPr>
-          <a:xfrm>
-            <a:off x="685800" y="4343400"/>
-            <a:ext cx="5486400" cy="4114800"/>
-          </a:xfrm>
-          <a:prstGeom prst="rect">
-            <a:avLst/>
-          </a:prstGeom>
-        </p:spPr>
-        <p:txBody>
-          <a:bodyPr anchorCtr="0" anchor="t" bIns="91425" lIns="91425" spcFirstLastPara="1" rIns="91425" wrap="square" tIns="91425">
-            <a:noAutofit/>
-          </a:bodyPr>
-          <a:lstStyle/>
-          <a:p>
-            <a:pPr indent="0" lvl="0" marL="0" rtl="0" algn="l">
-              <a:spcBef>
-                <a:spcPts val="0"/>
-              </a:spcBef>
-              <a:spcAft>
-                <a:spcPts val="0"/>
-              </a:spcAft>
-              <a:buNone/>
-            </a:pPr>
-            <a:r>
-              <a:t/>
-            </a:r>
-            <a:endParaRPr/>
-          </a:p>
-        </p:txBody>
-      </p:sp>
-      <p:sp>
-        <p:nvSpPr>
-          <p:cNvPr id="249" name="Google Shape;249;p24:notes"/>
-          <p:cNvSpPr/>
-          <p:nvPr>
-            <p:ph idx="2" type="sldImg"/>
-          </p:nvPr>
-        </p:nvSpPr>
-        <p:spPr>
-          <a:xfrm>
-            <a:off x="1143225" y="685800"/>
-            <a:ext cx="4572225" cy="3429000"/>
-          </a:xfrm>
-          <a:custGeom>
-            <a:rect b="b" l="l" r="r" t="t"/>
-            <a:pathLst>
-              <a:path extrusionOk="0" h="120000" w="120000">
-                <a:moveTo>
-                  <a:pt x="0" y="0"/>
-                </a:moveTo>
-                <a:lnTo>
-                  <a:pt x="120000" y="0"/>
-                </a:lnTo>
-                <a:lnTo>
-                  <a:pt x="120000" y="120000"/>
-                </a:lnTo>
-                <a:lnTo>
-                  <a:pt x="0" y="120000"/>
-                </a:lnTo>
-                <a:close/>
-              </a:path>
-            </a:pathLst>
-          </a:custGeom>
-        </p:spPr>
-      </p:sp>
-    </p:spTree>
-  </p:cSld>
-  <p:clrMapOvr>
-    <a:masterClrMapping/>
-  </p:clrMapOvr>
-</p:notes>
-</file>
-
-<file path=ppt/notesSlides/notesSlide24.xml><?xml version="1.0" encoding="utf-8"?>
-<p:notes xmlns:a="http://schemas.openxmlformats.org/drawingml/2006/main" xmlns:r="http://schemas.openxmlformats.org/officeDocument/2006/relationships" xmlns:mc="http://schemas.openxmlformats.org/markup-compatibility/2006" xmlns:mv="urn:schemas-microsoft-com:mac:vml" xmlns:p="http://schemas.openxmlformats.org/presentationml/2006/main" xmlns:c="http://schemas.openxmlformats.org/drawingml/2006/chart" xmlns:dgm="http://schemas.openxmlformats.org/drawingml/2006/diagram" xmlns:o="urn:schemas-microsoft-com:office:office" xmlns:v="urn:schemas-microsoft-com:vml" xmlns:pvml="urn:schemas-microsoft-com:office:powerpoint" xmlns:com="http://schemas.openxmlformats.org/drawingml/2006/compatibility" xmlns:p14="http://schemas.microsoft.com/office/powerpoint/2010/main" xmlns:p15="http://schemas.microsoft.com/office/powerpoint/2012/main" xmlns:ahyp="http://schemas.microsoft.com/office/drawing/2018/hyperlinkcolor" showMasterPhAnim="0" showMasterSp="0">
-  <p:cSld>
-    <p:spTree>
-      <p:nvGrpSpPr>
-        <p:cNvPr id="253" name="Shape 253"/>
-        <p:cNvGrpSpPr/>
-        <p:nvPr/>
-      </p:nvGrpSpPr>
-      <p:grpSpPr>
-        <a:xfrm>
-          <a:off x="0" y="0"/>
-          <a:ext cx="0" cy="0"/>
-          <a:chOff x="0" y="0"/>
-          <a:chExt cx="0" cy="0"/>
-        </a:xfrm>
-      </p:grpSpPr>
-      <p:sp>
-        <p:nvSpPr>
-          <p:cNvPr id="254" name="Google Shape;254;p25:notes"/>
-          <p:cNvSpPr txBox="1"/>
-          <p:nvPr>
-            <p:ph idx="1" type="body"/>
-          </p:nvPr>
-        </p:nvSpPr>
-        <p:spPr>
-          <a:xfrm>
-            <a:off x="685800" y="4343400"/>
-            <a:ext cx="5486400" cy="4114800"/>
-          </a:xfrm>
-          <a:prstGeom prst="rect">
-            <a:avLst/>
-          </a:prstGeom>
-        </p:spPr>
-        <p:txBody>
-          <a:bodyPr anchorCtr="0" anchor="t" bIns="91425" lIns="91425" spcFirstLastPara="1" rIns="91425" wrap="square" tIns="91425">
-            <a:noAutofit/>
-          </a:bodyPr>
-          <a:lstStyle/>
-          <a:p>
-            <a:pPr indent="0" lvl="0" marL="0" rtl="0" algn="l">
-              <a:spcBef>
-                <a:spcPts val="0"/>
-              </a:spcBef>
-              <a:spcAft>
-                <a:spcPts val="0"/>
-              </a:spcAft>
-              <a:buNone/>
-            </a:pPr>
-            <a:r>
-              <a:t/>
-            </a:r>
-            <a:endParaRPr/>
-          </a:p>
-        </p:txBody>
-      </p:sp>
-      <p:sp>
-        <p:nvSpPr>
-          <p:cNvPr id="255" name="Google Shape;255;p25:notes"/>
+          <p:cNvPr id="243" name="Google Shape;243;p25:notes"/>
           <p:cNvSpPr/>
           <p:nvPr>
             <p:ph idx="2" type="sldImg"/>
@@ -2506,7 +2306,7 @@
       </p:grpSpPr>
       <p:sp>
         <p:nvSpPr>
-          <p:cNvPr id="122" name="Google Shape;122;g2c4b658579b_3_1:notes"/>
+          <p:cNvPr id="122" name="Google Shape;122;p5:notes"/>
           <p:cNvSpPr txBox="1"/>
           <p:nvPr>
             <p:ph idx="1" type="body"/>
@@ -2545,7 +2345,7 @@
       </p:sp>
       <p:sp>
         <p:nvSpPr>
-          <p:cNvPr id="123" name="Google Shape;123;g2c4b658579b_3_1:notes"/>
+          <p:cNvPr id="123" name="Google Shape;123;p5:notes"/>
           <p:cNvSpPr/>
           <p:nvPr>
             <p:ph idx="2" type="sldImg"/>
@@ -2554,7 +2354,7 @@
         <p:spPr>
           <a:xfrm>
             <a:off x="1143225" y="685800"/>
-            <a:ext cx="4572300" cy="3429000"/>
+            <a:ext cx="4572225" cy="3429000"/>
           </a:xfrm>
           <a:custGeom>
             <a:rect b="b" l="l" r="r" t="t"/>
@@ -2605,7 +2405,7 @@
       </p:grpSpPr>
       <p:sp>
         <p:nvSpPr>
-          <p:cNvPr id="128" name="Google Shape;128;p4:notes"/>
+          <p:cNvPr id="128" name="Google Shape;128;p6:notes"/>
           <p:cNvSpPr txBox="1"/>
           <p:nvPr>
             <p:ph idx="1" type="body"/>
@@ -2644,7 +2444,7 @@
       </p:sp>
       <p:sp>
         <p:nvSpPr>
-          <p:cNvPr id="129" name="Google Shape;129;p4:notes"/>
+          <p:cNvPr id="129" name="Google Shape;129;p6:notes"/>
           <p:cNvSpPr/>
           <p:nvPr>
             <p:ph idx="2" type="sldImg"/>
@@ -2704,7 +2504,7 @@
       </p:grpSpPr>
       <p:sp>
         <p:nvSpPr>
-          <p:cNvPr id="134" name="Google Shape;134;p5:notes"/>
+          <p:cNvPr id="134" name="Google Shape;134;p7:notes"/>
           <p:cNvSpPr txBox="1"/>
           <p:nvPr>
             <p:ph idx="1" type="body"/>
@@ -2743,7 +2543,7 @@
       </p:sp>
       <p:sp>
         <p:nvSpPr>
-          <p:cNvPr id="135" name="Google Shape;135;p5:notes"/>
+          <p:cNvPr id="135" name="Google Shape;135;p7:notes"/>
           <p:cNvSpPr/>
           <p:nvPr>
             <p:ph idx="2" type="sldImg"/>
@@ -2789,7 +2589,7 @@
   <p:cSld>
     <p:spTree>
       <p:nvGrpSpPr>
-        <p:cNvPr id="139" name="Shape 139"/>
+        <p:cNvPr id="140" name="Shape 140"/>
         <p:cNvGrpSpPr/>
         <p:nvPr/>
       </p:nvGrpSpPr>
@@ -2803,7 +2603,7 @@
       </p:grpSpPr>
       <p:sp>
         <p:nvSpPr>
-          <p:cNvPr id="140" name="Google Shape;140;p6:notes"/>
+          <p:cNvPr id="141" name="Google Shape;141;p8:notes"/>
           <p:cNvSpPr txBox="1"/>
           <p:nvPr>
             <p:ph idx="1" type="body"/>
@@ -2842,7 +2642,7 @@
       </p:sp>
       <p:sp>
         <p:nvSpPr>
-          <p:cNvPr id="141" name="Google Shape;141;p6:notes"/>
+          <p:cNvPr id="142" name="Google Shape;142;p8:notes"/>
           <p:cNvSpPr/>
           <p:nvPr>
             <p:ph idx="2" type="sldImg"/>
@@ -2888,7 +2688,7 @@
   <p:cSld>
     <p:spTree>
       <p:nvGrpSpPr>
-        <p:cNvPr id="145" name="Shape 145"/>
+        <p:cNvPr id="147" name="Shape 147"/>
         <p:cNvGrpSpPr/>
         <p:nvPr/>
       </p:nvGrpSpPr>
@@ -2902,7 +2702,7 @@
       </p:grpSpPr>
       <p:sp>
         <p:nvSpPr>
-          <p:cNvPr id="146" name="Google Shape;146;p7:notes"/>
+          <p:cNvPr id="148" name="Google Shape;148;p9:notes"/>
           <p:cNvSpPr txBox="1"/>
           <p:nvPr>
             <p:ph idx="1" type="body"/>
@@ -2941,7 +2741,7 @@
       </p:sp>
       <p:sp>
         <p:nvSpPr>
-          <p:cNvPr id="147" name="Google Shape;147;p7:notes"/>
+          <p:cNvPr id="149" name="Google Shape;149;p9:notes"/>
           <p:cNvSpPr/>
           <p:nvPr>
             <p:ph idx="2" type="sldImg"/>
@@ -2987,7 +2787,7 @@
   <p:cSld>
     <p:spTree>
       <p:nvGrpSpPr>
-        <p:cNvPr id="152" name="Shape 152"/>
+        <p:cNvPr id="155" name="Shape 155"/>
         <p:cNvGrpSpPr/>
         <p:nvPr/>
       </p:nvGrpSpPr>
@@ -3001,7 +2801,7 @@
       </p:grpSpPr>
       <p:sp>
         <p:nvSpPr>
-          <p:cNvPr id="153" name="Google Shape;153;p8:notes"/>
+          <p:cNvPr id="156" name="Google Shape;156;p10:notes"/>
           <p:cNvSpPr txBox="1"/>
           <p:nvPr>
             <p:ph idx="1" type="body"/>
@@ -3040,7 +2840,7 @@
       </p:sp>
       <p:sp>
         <p:nvSpPr>
-          <p:cNvPr id="154" name="Google Shape;154;p8:notes"/>
+          <p:cNvPr id="157" name="Google Shape;157;p10:notes"/>
           <p:cNvSpPr/>
           <p:nvPr>
             <p:ph idx="2" type="sldImg"/>
@@ -13744,7 +13544,7 @@
   <p:cSld>
     <p:spTree>
       <p:nvGrpSpPr>
-        <p:cNvPr id="162" name="Shape 162"/>
+        <p:cNvPr id="166" name="Shape 166"/>
         <p:cNvGrpSpPr/>
         <p:nvPr/>
       </p:nvGrpSpPr>
@@ -13758,537 +13558,7 @@
       </p:grpSpPr>
       <p:sp>
         <p:nvSpPr>
-          <p:cNvPr id="163" name="Google Shape;163;p9"/>
-          <p:cNvSpPr txBox="1"/>
-          <p:nvPr>
-            <p:ph type="title"/>
-          </p:nvPr>
-        </p:nvSpPr>
-        <p:spPr>
-          <a:xfrm>
-            <a:off x="448844" y="590385"/>
-            <a:ext cx="11029616" cy="567844"/>
-          </a:xfrm>
-          <a:prstGeom prst="rect">
-            <a:avLst/>
-          </a:prstGeom>
-          <a:noFill/>
-          <a:ln>
-            <a:noFill/>
-          </a:ln>
-        </p:spPr>
-        <p:txBody>
-          <a:bodyPr anchorCtr="0" anchor="b" bIns="45700" lIns="91425" spcFirstLastPara="1" rIns="91425" wrap="square" tIns="45700">
-            <a:normAutofit/>
-          </a:bodyPr>
-          <a:lstStyle/>
-          <a:p>
-            <a:pPr indent="0" lvl="0" marL="0" rtl="0" algn="l">
-              <a:spcBef>
-                <a:spcPts val="0"/>
-              </a:spcBef>
-              <a:spcAft>
-                <a:spcPts val="0"/>
-              </a:spcAft>
-              <a:buClr>
-                <a:schemeClr val="lt1"/>
-              </a:buClr>
-              <a:buSzPts val="2800"/>
-              <a:buFont typeface="Gill Sans"/>
-              <a:buNone/>
-            </a:pPr>
-            <a:r>
-              <a:rPr lang="en-US"/>
-              <a:t>HOW DOES THE STOCK PRICE CHANGE OVER TIME</a:t>
-            </a:r>
-            <a:r>
-              <a:rPr lang="en-US"/>
-              <a:t>?</a:t>
-            </a:r>
-            <a:endParaRPr/>
-          </a:p>
-        </p:txBody>
-      </p:sp>
-      <p:sp>
-        <p:nvSpPr>
-          <p:cNvPr id="164" name="Google Shape;164;p9"/>
-          <p:cNvSpPr txBox="1"/>
-          <p:nvPr/>
-        </p:nvSpPr>
-        <p:spPr>
-          <a:xfrm>
-            <a:off x="581192" y="6096000"/>
-            <a:ext cx="7041351" cy="369332"/>
-          </a:xfrm>
-          <a:prstGeom prst="rect">
-            <a:avLst/>
-          </a:prstGeom>
-          <a:noFill/>
-          <a:ln>
-            <a:noFill/>
-          </a:ln>
-        </p:spPr>
-        <p:txBody>
-          <a:bodyPr anchorCtr="0" anchor="t" bIns="45700" lIns="91425" spcFirstLastPara="1" rIns="91425" wrap="square" tIns="45700">
-            <a:spAutoFit/>
-          </a:bodyPr>
-          <a:lstStyle/>
-          <a:p>
-            <a:pPr indent="0" lvl="0" marL="0" marR="0" rtl="0" algn="l">
-              <a:spcBef>
-                <a:spcPts val="0"/>
-              </a:spcBef>
-              <a:spcAft>
-                <a:spcPts val="0"/>
-              </a:spcAft>
-              <a:buNone/>
-            </a:pPr>
-            <a:r>
-              <a:rPr lang="en-US" sz="1800">
-                <a:solidFill>
-                  <a:schemeClr val="dk1"/>
-                </a:solidFill>
-                <a:latin typeface="Gill Sans"/>
-                <a:ea typeface="Gill Sans"/>
-                <a:cs typeface="Gill Sans"/>
-                <a:sym typeface="Gill Sans"/>
-              </a:rPr>
-              <a:t>NB – Albertsons has only been trading in its current form since Mid 2020</a:t>
-            </a:r>
-            <a:endParaRPr sz="1800">
-              <a:solidFill>
-                <a:schemeClr val="dk1"/>
-              </a:solidFill>
-              <a:latin typeface="Gill Sans"/>
-              <a:ea typeface="Gill Sans"/>
-              <a:cs typeface="Gill Sans"/>
-              <a:sym typeface="Gill Sans"/>
-            </a:endParaRPr>
-          </a:p>
-        </p:txBody>
-      </p:sp>
-      <p:sp>
-        <p:nvSpPr>
-          <p:cNvPr id="165" name="Google Shape;165;p9"/>
-          <p:cNvSpPr/>
-          <p:nvPr/>
-        </p:nvSpPr>
-        <p:spPr>
-          <a:xfrm>
-            <a:off x="336884" y="1158229"/>
-            <a:ext cx="11598442" cy="730729"/>
-          </a:xfrm>
-          <a:prstGeom prst="rect">
-            <a:avLst/>
-          </a:prstGeom>
-          <a:solidFill>
-            <a:schemeClr val="lt1"/>
-          </a:solidFill>
-          <a:ln cap="rnd" cmpd="sng" w="22225">
-            <a:solidFill>
-              <a:schemeClr val="lt1"/>
-            </a:solidFill>
-            <a:prstDash val="solid"/>
-            <a:round/>
-            <a:headEnd len="sm" w="sm" type="none"/>
-            <a:tailEnd len="sm" w="sm" type="none"/>
-          </a:ln>
-        </p:spPr>
-        <p:txBody>
-          <a:bodyPr anchorCtr="0" anchor="ctr" bIns="45700" lIns="91425" spcFirstLastPara="1" rIns="91425" wrap="square" tIns="45700">
-            <a:noAutofit/>
-          </a:bodyPr>
-          <a:lstStyle/>
-          <a:p>
-            <a:pPr indent="0" lvl="0" marL="0" marR="0" rtl="0" algn="ctr">
-              <a:spcBef>
-                <a:spcPts val="0"/>
-              </a:spcBef>
-              <a:spcAft>
-                <a:spcPts val="0"/>
-              </a:spcAft>
-              <a:buNone/>
-            </a:pPr>
-            <a:r>
-              <a:t/>
-            </a:r>
-            <a:endParaRPr sz="1800">
-              <a:solidFill>
-                <a:schemeClr val="lt1"/>
-              </a:solidFill>
-              <a:latin typeface="Gill Sans"/>
-              <a:ea typeface="Gill Sans"/>
-              <a:cs typeface="Gill Sans"/>
-              <a:sym typeface="Gill Sans"/>
-            </a:endParaRPr>
-          </a:p>
-        </p:txBody>
-      </p:sp>
-      <p:pic>
-        <p:nvPicPr>
-          <p:cNvPr id="166" name="Google Shape;166;p9"/>
-          <p:cNvPicPr preferRelativeResize="0"/>
-          <p:nvPr>
-            <p:ph idx="1" type="body"/>
-          </p:nvPr>
-        </p:nvPicPr>
-        <p:blipFill rotWithShape="1">
-          <a:blip r:embed="rId3">
-            <a:alphaModFix/>
-          </a:blip>
-          <a:srcRect b="0" l="0" r="0" t="0"/>
-          <a:stretch/>
-        </p:blipFill>
-        <p:spPr>
-          <a:xfrm>
-            <a:off x="77202" y="1243639"/>
-            <a:ext cx="11772900" cy="4852361"/>
-          </a:xfrm>
-          <a:prstGeom prst="rect">
-            <a:avLst/>
-          </a:prstGeom>
-          <a:noFill/>
-          <a:ln>
-            <a:noFill/>
-          </a:ln>
-        </p:spPr>
-      </p:pic>
-    </p:spTree>
-  </p:cSld>
-  <p:clrMapOvr>
-    <a:masterClrMapping/>
-  </p:clrMapOvr>
-</p:sld>
-</file>
-
-<file path=ppt/slides/slide11.xml><?xml version="1.0" encoding="utf-8"?>
-<p:sld xmlns:a="http://schemas.openxmlformats.org/drawingml/2006/main" xmlns:r="http://schemas.openxmlformats.org/officeDocument/2006/relationships" xmlns:mc="http://schemas.openxmlformats.org/markup-compatibility/2006" xmlns:mv="urn:schemas-microsoft-com:mac:vml" xmlns:p="http://schemas.openxmlformats.org/presentationml/2006/main" xmlns:c="http://schemas.openxmlformats.org/drawingml/2006/chart" xmlns:dgm="http://schemas.openxmlformats.org/drawingml/2006/diagram" xmlns:o="urn:schemas-microsoft-com:office:office" xmlns:v="urn:schemas-microsoft-com:vml" xmlns:pvml="urn:schemas-microsoft-com:office:powerpoint" xmlns:com="http://schemas.openxmlformats.org/drawingml/2006/compatibility" xmlns:p14="http://schemas.microsoft.com/office/powerpoint/2010/main" xmlns:p15="http://schemas.microsoft.com/office/powerpoint/2012/main" xmlns:ahyp="http://schemas.microsoft.com/office/drawing/2018/hyperlinkcolor">
-  <p:cSld>
-    <p:spTree>
-      <p:nvGrpSpPr>
-        <p:cNvPr id="170" name="Shape 170"/>
-        <p:cNvGrpSpPr/>
-        <p:nvPr/>
-      </p:nvGrpSpPr>
-      <p:grpSpPr>
-        <a:xfrm>
-          <a:off x="0" y="0"/>
-          <a:ext cx="0" cy="0"/>
-          <a:chOff x="0" y="0"/>
-          <a:chExt cx="0" cy="0"/>
-        </a:xfrm>
-      </p:grpSpPr>
-      <p:sp>
-        <p:nvSpPr>
-          <p:cNvPr id="171" name="Google Shape;171;p10"/>
-          <p:cNvSpPr txBox="1"/>
-          <p:nvPr>
-            <p:ph type="title"/>
-          </p:nvPr>
-        </p:nvSpPr>
-        <p:spPr>
-          <a:xfrm>
-            <a:off x="581192" y="702156"/>
-            <a:ext cx="11029616" cy="464907"/>
-          </a:xfrm>
-          <a:prstGeom prst="rect">
-            <a:avLst/>
-          </a:prstGeom>
-          <a:noFill/>
-          <a:ln>
-            <a:noFill/>
-          </a:ln>
-        </p:spPr>
-        <p:txBody>
-          <a:bodyPr anchorCtr="0" anchor="b" bIns="45700" lIns="91425" spcFirstLastPara="1" rIns="91425" wrap="square" tIns="45700">
-            <a:normAutofit fontScale="90000"/>
-          </a:bodyPr>
-          <a:lstStyle/>
-          <a:p>
-            <a:pPr indent="0" lvl="0" marL="0" rtl="0" algn="l">
-              <a:spcBef>
-                <a:spcPts val="0"/>
-              </a:spcBef>
-              <a:spcAft>
-                <a:spcPts val="0"/>
-              </a:spcAft>
-              <a:buClr>
-                <a:schemeClr val="lt1"/>
-              </a:buClr>
-              <a:buSzPct val="100000"/>
-              <a:buFont typeface="Gill Sans"/>
-              <a:buNone/>
-            </a:pPr>
-            <a:r>
-              <a:rPr lang="en-US"/>
-              <a:t>HOW DOES THE STOCK PRICE CHANGE OVER TIME</a:t>
-            </a:r>
-            <a:r>
-              <a:rPr lang="en-US"/>
-              <a:t>?</a:t>
-            </a:r>
-            <a:endParaRPr/>
-          </a:p>
-        </p:txBody>
-      </p:sp>
-      <p:sp>
-        <p:nvSpPr>
-          <p:cNvPr id="172" name="Google Shape;172;p10"/>
-          <p:cNvSpPr/>
-          <p:nvPr/>
-        </p:nvSpPr>
-        <p:spPr>
-          <a:xfrm>
-            <a:off x="397042" y="1167063"/>
-            <a:ext cx="11478126" cy="709863"/>
-          </a:xfrm>
-          <a:prstGeom prst="rect">
-            <a:avLst/>
-          </a:prstGeom>
-          <a:solidFill>
-            <a:schemeClr val="lt1"/>
-          </a:solidFill>
-          <a:ln>
-            <a:noFill/>
-          </a:ln>
-        </p:spPr>
-        <p:txBody>
-          <a:bodyPr anchorCtr="0" anchor="ctr" bIns="45700" lIns="91425" spcFirstLastPara="1" rIns="91425" wrap="square" tIns="45700">
-            <a:noAutofit/>
-          </a:bodyPr>
-          <a:lstStyle/>
-          <a:p>
-            <a:pPr indent="0" lvl="0" marL="0" marR="0" rtl="0" algn="ctr">
-              <a:spcBef>
-                <a:spcPts val="0"/>
-              </a:spcBef>
-              <a:spcAft>
-                <a:spcPts val="0"/>
-              </a:spcAft>
-              <a:buNone/>
-            </a:pPr>
-            <a:r>
-              <a:t/>
-            </a:r>
-            <a:endParaRPr sz="1800">
-              <a:solidFill>
-                <a:schemeClr val="lt1"/>
-              </a:solidFill>
-              <a:latin typeface="Gill Sans"/>
-              <a:ea typeface="Gill Sans"/>
-              <a:cs typeface="Gill Sans"/>
-              <a:sym typeface="Gill Sans"/>
-            </a:endParaRPr>
-          </a:p>
-        </p:txBody>
-      </p:sp>
-      <p:sp>
-        <p:nvSpPr>
-          <p:cNvPr id="173" name="Google Shape;173;p10"/>
-          <p:cNvSpPr txBox="1"/>
-          <p:nvPr/>
-        </p:nvSpPr>
-        <p:spPr>
-          <a:xfrm>
-            <a:off x="9271001" y="1418503"/>
-            <a:ext cx="2684378" cy="3139321"/>
-          </a:xfrm>
-          <a:prstGeom prst="rect">
-            <a:avLst/>
-          </a:prstGeom>
-          <a:noFill/>
-          <a:ln>
-            <a:noFill/>
-          </a:ln>
-        </p:spPr>
-        <p:txBody>
-          <a:bodyPr anchorCtr="0" anchor="t" bIns="45700" lIns="91425" spcFirstLastPara="1" rIns="91425" wrap="square" tIns="45700">
-            <a:spAutoFit/>
-          </a:bodyPr>
-          <a:lstStyle/>
-          <a:p>
-            <a:pPr indent="0" lvl="0" marL="0" marR="0" rtl="0" algn="l">
-              <a:spcBef>
-                <a:spcPts val="0"/>
-              </a:spcBef>
-              <a:spcAft>
-                <a:spcPts val="0"/>
-              </a:spcAft>
-              <a:buNone/>
-            </a:pPr>
-            <a:r>
-              <a:rPr lang="en-US" sz="1800" u="sng">
-                <a:solidFill>
-                  <a:schemeClr val="dk1"/>
-                </a:solidFill>
-                <a:latin typeface="Gill Sans"/>
-                <a:ea typeface="Gill Sans"/>
-                <a:cs typeface="Gill Sans"/>
-                <a:sym typeface="Gill Sans"/>
-              </a:rPr>
-              <a:t>Assumptions:</a:t>
-            </a:r>
-            <a:endParaRPr/>
-          </a:p>
-          <a:p>
-            <a:pPr indent="0" lvl="0" marL="0" marR="0" rtl="0" algn="l">
-              <a:spcBef>
-                <a:spcPts val="0"/>
-              </a:spcBef>
-              <a:spcAft>
-                <a:spcPts val="0"/>
-              </a:spcAft>
-              <a:buNone/>
-            </a:pPr>
-            <a:r>
-              <a:t/>
-            </a:r>
-            <a:endParaRPr sz="1800" u="sng">
-              <a:solidFill>
-                <a:schemeClr val="dk1"/>
-              </a:solidFill>
-              <a:latin typeface="Gill Sans"/>
-              <a:ea typeface="Gill Sans"/>
-              <a:cs typeface="Gill Sans"/>
-              <a:sym typeface="Gill Sans"/>
-            </a:endParaRPr>
-          </a:p>
-          <a:p>
-            <a:pPr indent="0" lvl="0" marL="0" marR="0" rtl="0" algn="l">
-              <a:spcBef>
-                <a:spcPts val="0"/>
-              </a:spcBef>
-              <a:spcAft>
-                <a:spcPts val="0"/>
-              </a:spcAft>
-              <a:buNone/>
-            </a:pPr>
-            <a:r>
-              <a:rPr lang="en-US" sz="1800">
-                <a:solidFill>
-                  <a:schemeClr val="dk1"/>
-                </a:solidFill>
-                <a:latin typeface="Gill Sans"/>
-                <a:ea typeface="Gill Sans"/>
-                <a:cs typeface="Gill Sans"/>
-                <a:sym typeface="Gill Sans"/>
-              </a:rPr>
-              <a:t>The original opening price was found and then compared to the closing price 12, 24, 36, 48 and 60 months later.</a:t>
-            </a:r>
-            <a:endParaRPr/>
-          </a:p>
-          <a:p>
-            <a:pPr indent="0" lvl="0" marL="0" marR="0" rtl="0" algn="l">
-              <a:spcBef>
-                <a:spcPts val="0"/>
-              </a:spcBef>
-              <a:spcAft>
-                <a:spcPts val="0"/>
-              </a:spcAft>
-              <a:buNone/>
-            </a:pPr>
-            <a:r>
-              <a:t/>
-            </a:r>
-            <a:endParaRPr sz="1800">
-              <a:solidFill>
-                <a:schemeClr val="dk1"/>
-              </a:solidFill>
-              <a:latin typeface="Gill Sans"/>
-              <a:ea typeface="Gill Sans"/>
-              <a:cs typeface="Gill Sans"/>
-              <a:sym typeface="Gill Sans"/>
-            </a:endParaRPr>
-          </a:p>
-          <a:p>
-            <a:pPr indent="0" lvl="0" marL="0" marR="0" rtl="0" algn="l">
-              <a:spcBef>
-                <a:spcPts val="0"/>
-              </a:spcBef>
-              <a:spcAft>
-                <a:spcPts val="0"/>
-              </a:spcAft>
-              <a:buNone/>
-            </a:pPr>
-            <a:r>
-              <a:rPr lang="en-US" sz="1800">
-                <a:solidFill>
-                  <a:schemeClr val="dk1"/>
-                </a:solidFill>
-                <a:latin typeface="Gill Sans"/>
-                <a:ea typeface="Gill Sans"/>
-                <a:cs typeface="Gill Sans"/>
-                <a:sym typeface="Gill Sans"/>
-              </a:rPr>
-              <a:t>NB - ACI has not been traded in it’s current form for 60 months.</a:t>
-            </a:r>
-            <a:endParaRPr sz="1800">
-              <a:solidFill>
-                <a:schemeClr val="dk1"/>
-              </a:solidFill>
-              <a:latin typeface="Gill Sans"/>
-              <a:ea typeface="Gill Sans"/>
-              <a:cs typeface="Gill Sans"/>
-              <a:sym typeface="Gill Sans"/>
-            </a:endParaRPr>
-          </a:p>
-        </p:txBody>
-      </p:sp>
-      <p:pic>
-        <p:nvPicPr>
-          <p:cNvPr id="174" name="Google Shape;174;p10"/>
-          <p:cNvPicPr preferRelativeResize="0"/>
-          <p:nvPr/>
-        </p:nvPicPr>
-        <p:blipFill rotWithShape="1">
-          <a:blip r:embed="rId3">
-            <a:alphaModFix/>
-          </a:blip>
-          <a:srcRect b="0" l="0" r="0" t="0"/>
-          <a:stretch/>
-        </p:blipFill>
-        <p:spPr>
-          <a:xfrm>
-            <a:off x="397042" y="1236174"/>
-            <a:ext cx="8764801" cy="5113825"/>
-          </a:xfrm>
-          <a:prstGeom prst="rect">
-            <a:avLst/>
-          </a:prstGeom>
-          <a:noFill/>
-          <a:ln>
-            <a:noFill/>
-          </a:ln>
-        </p:spPr>
-      </p:pic>
-    </p:spTree>
-  </p:cSld>
-  <p:clrMapOvr>
-    <a:masterClrMapping/>
-  </p:clrMapOvr>
-</p:sld>
-</file>
-
-<file path=ppt/slides/slide12.xml><?xml version="1.0" encoding="utf-8"?>
-<p:sld xmlns:a="http://schemas.openxmlformats.org/drawingml/2006/main" xmlns:r="http://schemas.openxmlformats.org/officeDocument/2006/relationships" xmlns:mc="http://schemas.openxmlformats.org/markup-compatibility/2006" xmlns:mv="urn:schemas-microsoft-com:mac:vml" xmlns:p="http://schemas.openxmlformats.org/presentationml/2006/main" xmlns:c="http://schemas.openxmlformats.org/drawingml/2006/chart" xmlns:dgm="http://schemas.openxmlformats.org/drawingml/2006/diagram" xmlns:o="urn:schemas-microsoft-com:office:office" xmlns:v="urn:schemas-microsoft-com:vml" xmlns:pvml="urn:schemas-microsoft-com:office:powerpoint" xmlns:com="http://schemas.openxmlformats.org/drawingml/2006/compatibility" xmlns:p14="http://schemas.microsoft.com/office/powerpoint/2010/main" xmlns:p15="http://schemas.microsoft.com/office/powerpoint/2012/main" xmlns:ahyp="http://schemas.microsoft.com/office/drawing/2018/hyperlinkcolor">
-  <p:cSld>
-    <p:spTree>
-      <p:nvGrpSpPr>
-        <p:cNvPr id="178" name="Shape 178"/>
-        <p:cNvGrpSpPr/>
-        <p:nvPr/>
-      </p:nvGrpSpPr>
-      <p:grpSpPr>
-        <a:xfrm>
-          <a:off x="0" y="0"/>
-          <a:ext cx="0" cy="0"/>
-          <a:chOff x="0" y="0"/>
-          <a:chExt cx="0" cy="0"/>
-        </a:xfrm>
-      </p:grpSpPr>
-      <p:sp>
-        <p:nvSpPr>
-          <p:cNvPr id="179" name="Google Shape;179;p12"/>
+          <p:cNvPr id="167" name="Google Shape;167;p12"/>
           <p:cNvSpPr txBox="1"/>
           <p:nvPr>
             <p:ph type="title"/>
@@ -14337,7 +13607,7 @@
       </p:sp>
       <p:pic>
         <p:nvPicPr>
-          <p:cNvPr id="180" name="Google Shape;180;p12"/>
+          <p:cNvPr id="168" name="Google Shape;168;p12"/>
           <p:cNvPicPr preferRelativeResize="0"/>
           <p:nvPr>
             <p:ph idx="1" type="body"/>
@@ -14366,7 +13636,7 @@
       </p:pic>
       <p:sp>
         <p:nvSpPr>
-          <p:cNvPr id="181" name="Google Shape;181;p12"/>
+          <p:cNvPr id="169" name="Google Shape;169;p12"/>
           <p:cNvSpPr txBox="1"/>
           <p:nvPr/>
         </p:nvSpPr>
@@ -14571,12 +13841,12 @@
 </p:sld>
 </file>
 
-<file path=ppt/slides/slide13.xml><?xml version="1.0" encoding="utf-8"?>
+<file path=ppt/slides/slide11.xml><?xml version="1.0" encoding="utf-8"?>
 <p:sld xmlns:a="http://schemas.openxmlformats.org/drawingml/2006/main" xmlns:r="http://schemas.openxmlformats.org/officeDocument/2006/relationships" xmlns:mc="http://schemas.openxmlformats.org/markup-compatibility/2006" xmlns:mv="urn:schemas-microsoft-com:mac:vml" xmlns:p="http://schemas.openxmlformats.org/presentationml/2006/main" xmlns:c="http://schemas.openxmlformats.org/drawingml/2006/chart" xmlns:dgm="http://schemas.openxmlformats.org/drawingml/2006/diagram" xmlns:o="urn:schemas-microsoft-com:office:office" xmlns:v="urn:schemas-microsoft-com:vml" xmlns:pvml="urn:schemas-microsoft-com:office:powerpoint" xmlns:com="http://schemas.openxmlformats.org/drawingml/2006/compatibility" xmlns:p14="http://schemas.microsoft.com/office/powerpoint/2010/main" xmlns:p15="http://schemas.microsoft.com/office/powerpoint/2012/main" xmlns:ahyp="http://schemas.microsoft.com/office/drawing/2018/hyperlinkcolor">
   <p:cSld>
     <p:spTree>
       <p:nvGrpSpPr>
-        <p:cNvPr id="185" name="Shape 185"/>
+        <p:cNvPr id="173" name="Shape 173"/>
         <p:cNvGrpSpPr/>
         <p:nvPr/>
       </p:nvGrpSpPr>
@@ -14590,7 +13860,7 @@
       </p:grpSpPr>
       <p:sp>
         <p:nvSpPr>
-          <p:cNvPr id="186" name="Google Shape;186;g2c48598d1a9_3_0"/>
+          <p:cNvPr id="174" name="Google Shape;174;g2c48598d1a9_3_0"/>
           <p:cNvSpPr txBox="1"/>
           <p:nvPr>
             <p:ph type="title"/>
@@ -14650,7 +13920,7 @@
       </p:sp>
       <p:pic>
         <p:nvPicPr>
-          <p:cNvPr id="187" name="Google Shape;187;g2c48598d1a9_3_0"/>
+          <p:cNvPr id="175" name="Google Shape;175;g2c48598d1a9_3_0"/>
           <p:cNvPicPr preferRelativeResize="0"/>
           <p:nvPr/>
         </p:nvPicPr>
@@ -14666,6 +13936,209 @@
           <a:xfrm>
             <a:off x="2450000" y="1864006"/>
             <a:ext cx="6548450" cy="4837343"/>
+          </a:xfrm>
+          <a:prstGeom prst="rect">
+            <a:avLst/>
+          </a:prstGeom>
+          <a:noFill/>
+          <a:ln>
+            <a:noFill/>
+          </a:ln>
+        </p:spPr>
+      </p:pic>
+    </p:spTree>
+  </p:cSld>
+  <p:clrMapOvr>
+    <a:masterClrMapping/>
+  </p:clrMapOvr>
+</p:sld>
+</file>
+
+<file path=ppt/slides/slide12.xml><?xml version="1.0" encoding="utf-8"?>
+<p:sld xmlns:a="http://schemas.openxmlformats.org/drawingml/2006/main" xmlns:r="http://schemas.openxmlformats.org/officeDocument/2006/relationships" xmlns:mc="http://schemas.openxmlformats.org/markup-compatibility/2006" xmlns:mv="urn:schemas-microsoft-com:mac:vml" xmlns:p="http://schemas.openxmlformats.org/presentationml/2006/main" xmlns:c="http://schemas.openxmlformats.org/drawingml/2006/chart" xmlns:dgm="http://schemas.openxmlformats.org/drawingml/2006/diagram" xmlns:o="urn:schemas-microsoft-com:office:office" xmlns:v="urn:schemas-microsoft-com:vml" xmlns:pvml="urn:schemas-microsoft-com:office:powerpoint" xmlns:com="http://schemas.openxmlformats.org/drawingml/2006/compatibility" xmlns:p14="http://schemas.microsoft.com/office/powerpoint/2010/main" xmlns:p15="http://schemas.microsoft.com/office/powerpoint/2012/main" xmlns:ahyp="http://schemas.microsoft.com/office/drawing/2018/hyperlinkcolor">
+  <p:cSld>
+    <p:spTree>
+      <p:nvGrpSpPr>
+        <p:cNvPr id="179" name="Shape 179"/>
+        <p:cNvGrpSpPr/>
+        <p:nvPr/>
+      </p:nvGrpSpPr>
+      <p:grpSpPr>
+        <a:xfrm>
+          <a:off x="0" y="0"/>
+          <a:ext cx="0" cy="0"/>
+          <a:chOff x="0" y="0"/>
+          <a:chExt cx="0" cy="0"/>
+        </a:xfrm>
+      </p:grpSpPr>
+      <p:sp>
+        <p:nvSpPr>
+          <p:cNvPr id="180" name="Google Shape;180;p14"/>
+          <p:cNvSpPr txBox="1"/>
+          <p:nvPr>
+            <p:ph type="title"/>
+          </p:nvPr>
+        </p:nvSpPr>
+        <p:spPr>
+          <a:xfrm>
+            <a:off x="581192" y="702156"/>
+            <a:ext cx="11029616" cy="1013800"/>
+          </a:xfrm>
+          <a:prstGeom prst="rect">
+            <a:avLst/>
+          </a:prstGeom>
+          <a:noFill/>
+          <a:ln>
+            <a:noFill/>
+          </a:ln>
+        </p:spPr>
+        <p:txBody>
+          <a:bodyPr anchorCtr="0" anchor="b" bIns="45700" lIns="91425" spcFirstLastPara="1" rIns="91425" wrap="square" tIns="45700">
+            <a:normAutofit/>
+          </a:bodyPr>
+          <a:lstStyle/>
+          <a:p>
+            <a:pPr indent="0" lvl="0" marL="0" rtl="0" algn="l">
+              <a:spcBef>
+                <a:spcPts val="0"/>
+              </a:spcBef>
+              <a:spcAft>
+                <a:spcPts val="0"/>
+              </a:spcAft>
+              <a:buClr>
+                <a:schemeClr val="lt1"/>
+              </a:buClr>
+              <a:buSzPts val="2800"/>
+              <a:buFont typeface="Gill Sans"/>
+              <a:buNone/>
+            </a:pPr>
+            <a:r>
+              <a:rPr lang="en-US"/>
+              <a:t>HOW VOLATILE IS THE STOCK?</a:t>
+            </a:r>
+            <a:endParaRPr/>
+          </a:p>
+        </p:txBody>
+      </p:sp>
+      <p:pic>
+        <p:nvPicPr>
+          <p:cNvPr id="181" name="Google Shape;181;p14"/>
+          <p:cNvPicPr preferRelativeResize="0"/>
+          <p:nvPr/>
+        </p:nvPicPr>
+        <p:blipFill>
+          <a:blip r:embed="rId3">
+            <a:alphaModFix/>
+          </a:blip>
+          <a:stretch>
+            <a:fillRect/>
+          </a:stretch>
+        </p:blipFill>
+        <p:spPr>
+          <a:xfrm>
+            <a:off x="2188900" y="1885781"/>
+            <a:ext cx="8071235" cy="4837244"/>
+          </a:xfrm>
+          <a:prstGeom prst="rect">
+            <a:avLst/>
+          </a:prstGeom>
+          <a:noFill/>
+          <a:ln>
+            <a:noFill/>
+          </a:ln>
+        </p:spPr>
+      </p:pic>
+    </p:spTree>
+  </p:cSld>
+  <p:clrMapOvr>
+    <a:masterClrMapping/>
+  </p:clrMapOvr>
+</p:sld>
+</file>
+
+<file path=ppt/slides/slide13.xml><?xml version="1.0" encoding="utf-8"?>
+<p:sld xmlns:a="http://schemas.openxmlformats.org/drawingml/2006/main" xmlns:r="http://schemas.openxmlformats.org/officeDocument/2006/relationships" xmlns:mc="http://schemas.openxmlformats.org/markup-compatibility/2006" xmlns:mv="urn:schemas-microsoft-com:mac:vml" xmlns:p="http://schemas.openxmlformats.org/presentationml/2006/main" xmlns:c="http://schemas.openxmlformats.org/drawingml/2006/chart" xmlns:dgm="http://schemas.openxmlformats.org/drawingml/2006/diagram" xmlns:o="urn:schemas-microsoft-com:office:office" xmlns:v="urn:schemas-microsoft-com:vml" xmlns:pvml="urn:schemas-microsoft-com:office:powerpoint" xmlns:com="http://schemas.openxmlformats.org/drawingml/2006/compatibility" xmlns:p14="http://schemas.microsoft.com/office/powerpoint/2010/main" xmlns:p15="http://schemas.microsoft.com/office/powerpoint/2012/main" xmlns:ahyp="http://schemas.microsoft.com/office/drawing/2018/hyperlinkcolor">
+  <p:cSld>
+    <p:spTree>
+      <p:nvGrpSpPr>
+        <p:cNvPr id="185" name="Shape 185"/>
+        <p:cNvGrpSpPr/>
+        <p:nvPr/>
+      </p:nvGrpSpPr>
+      <p:grpSpPr>
+        <a:xfrm>
+          <a:off x="0" y="0"/>
+          <a:ext cx="0" cy="0"/>
+          <a:chOff x="0" y="0"/>
+          <a:chExt cx="0" cy="0"/>
+        </a:xfrm>
+      </p:grpSpPr>
+      <p:sp>
+        <p:nvSpPr>
+          <p:cNvPr id="186" name="Google Shape;186;p15"/>
+          <p:cNvSpPr txBox="1"/>
+          <p:nvPr>
+            <p:ph type="title"/>
+          </p:nvPr>
+        </p:nvSpPr>
+        <p:spPr>
+          <a:xfrm>
+            <a:off x="581192" y="702156"/>
+            <a:ext cx="11029616" cy="1013800"/>
+          </a:xfrm>
+          <a:prstGeom prst="rect">
+            <a:avLst/>
+          </a:prstGeom>
+          <a:noFill/>
+          <a:ln>
+            <a:noFill/>
+          </a:ln>
+        </p:spPr>
+        <p:txBody>
+          <a:bodyPr anchorCtr="0" anchor="b" bIns="45700" lIns="91425" spcFirstLastPara="1" rIns="91425" wrap="square" tIns="45700">
+            <a:normAutofit/>
+          </a:bodyPr>
+          <a:lstStyle/>
+          <a:p>
+            <a:pPr indent="0" lvl="0" marL="0" rtl="0" algn="l">
+              <a:spcBef>
+                <a:spcPts val="0"/>
+              </a:spcBef>
+              <a:spcAft>
+                <a:spcPts val="0"/>
+              </a:spcAft>
+              <a:buClr>
+                <a:schemeClr val="lt1"/>
+              </a:buClr>
+              <a:buSzPts val="2800"/>
+              <a:buFont typeface="Gill Sans"/>
+              <a:buNone/>
+            </a:pPr>
+            <a:r>
+              <a:rPr lang="en-US"/>
+              <a:t>HOW VOLATILE IS THE STOCK?</a:t>
+            </a:r>
+            <a:endParaRPr/>
+          </a:p>
+        </p:txBody>
+      </p:sp>
+      <p:pic>
+        <p:nvPicPr>
+          <p:cNvPr id="187" name="Google Shape;187;p15"/>
+          <p:cNvPicPr preferRelativeResize="0"/>
+          <p:nvPr/>
+        </p:nvPicPr>
+        <p:blipFill rotWithShape="1">
+          <a:blip r:embed="rId3">
+            <a:alphaModFix/>
+          </a:blip>
+          <a:srcRect b="0" l="0" r="0" t="0"/>
+          <a:stretch/>
+        </p:blipFill>
+        <p:spPr>
+          <a:xfrm>
+            <a:off x="998537" y="1878012"/>
+            <a:ext cx="9560438" cy="4764088"/>
           </a:xfrm>
           <a:prstGeom prst="rect">
             <a:avLst/>
@@ -14703,7 +14176,7 @@
       </p:grpSpPr>
       <p:sp>
         <p:nvSpPr>
-          <p:cNvPr id="192" name="Google Shape;192;p14"/>
+          <p:cNvPr id="192" name="Google Shape;192;p20"/>
           <p:cNvSpPr txBox="1"/>
           <p:nvPr>
             <p:ph type="title"/>
@@ -14744,209 +14217,6 @@
             </a:pPr>
             <a:r>
               <a:rPr lang="en-US"/>
-              <a:t>HOW VOLATILE IS THE STOCK?</a:t>
-            </a:r>
-            <a:endParaRPr/>
-          </a:p>
-        </p:txBody>
-      </p:sp>
-      <p:pic>
-        <p:nvPicPr>
-          <p:cNvPr id="193" name="Google Shape;193;p14"/>
-          <p:cNvPicPr preferRelativeResize="0"/>
-          <p:nvPr/>
-        </p:nvPicPr>
-        <p:blipFill>
-          <a:blip r:embed="rId3">
-            <a:alphaModFix/>
-          </a:blip>
-          <a:stretch>
-            <a:fillRect/>
-          </a:stretch>
-        </p:blipFill>
-        <p:spPr>
-          <a:xfrm>
-            <a:off x="2188900" y="1885781"/>
-            <a:ext cx="8071235" cy="4837244"/>
-          </a:xfrm>
-          <a:prstGeom prst="rect">
-            <a:avLst/>
-          </a:prstGeom>
-          <a:noFill/>
-          <a:ln>
-            <a:noFill/>
-          </a:ln>
-        </p:spPr>
-      </p:pic>
-    </p:spTree>
-  </p:cSld>
-  <p:clrMapOvr>
-    <a:masterClrMapping/>
-  </p:clrMapOvr>
-</p:sld>
-</file>
-
-<file path=ppt/slides/slide15.xml><?xml version="1.0" encoding="utf-8"?>
-<p:sld xmlns:a="http://schemas.openxmlformats.org/drawingml/2006/main" xmlns:r="http://schemas.openxmlformats.org/officeDocument/2006/relationships" xmlns:mc="http://schemas.openxmlformats.org/markup-compatibility/2006" xmlns:mv="urn:schemas-microsoft-com:mac:vml" xmlns:p="http://schemas.openxmlformats.org/presentationml/2006/main" xmlns:c="http://schemas.openxmlformats.org/drawingml/2006/chart" xmlns:dgm="http://schemas.openxmlformats.org/drawingml/2006/diagram" xmlns:o="urn:schemas-microsoft-com:office:office" xmlns:v="urn:schemas-microsoft-com:vml" xmlns:pvml="urn:schemas-microsoft-com:office:powerpoint" xmlns:com="http://schemas.openxmlformats.org/drawingml/2006/compatibility" xmlns:p14="http://schemas.microsoft.com/office/powerpoint/2010/main" xmlns:p15="http://schemas.microsoft.com/office/powerpoint/2012/main" xmlns:ahyp="http://schemas.microsoft.com/office/drawing/2018/hyperlinkcolor">
-  <p:cSld>
-    <p:spTree>
-      <p:nvGrpSpPr>
-        <p:cNvPr id="197" name="Shape 197"/>
-        <p:cNvGrpSpPr/>
-        <p:nvPr/>
-      </p:nvGrpSpPr>
-      <p:grpSpPr>
-        <a:xfrm>
-          <a:off x="0" y="0"/>
-          <a:ext cx="0" cy="0"/>
-          <a:chOff x="0" y="0"/>
-          <a:chExt cx="0" cy="0"/>
-        </a:xfrm>
-      </p:grpSpPr>
-      <p:sp>
-        <p:nvSpPr>
-          <p:cNvPr id="198" name="Google Shape;198;p15"/>
-          <p:cNvSpPr txBox="1"/>
-          <p:nvPr>
-            <p:ph type="title"/>
-          </p:nvPr>
-        </p:nvSpPr>
-        <p:spPr>
-          <a:xfrm>
-            <a:off x="581192" y="702156"/>
-            <a:ext cx="11029616" cy="1013800"/>
-          </a:xfrm>
-          <a:prstGeom prst="rect">
-            <a:avLst/>
-          </a:prstGeom>
-          <a:noFill/>
-          <a:ln>
-            <a:noFill/>
-          </a:ln>
-        </p:spPr>
-        <p:txBody>
-          <a:bodyPr anchorCtr="0" anchor="b" bIns="45700" lIns="91425" spcFirstLastPara="1" rIns="91425" wrap="square" tIns="45700">
-            <a:normAutofit/>
-          </a:bodyPr>
-          <a:lstStyle/>
-          <a:p>
-            <a:pPr indent="0" lvl="0" marL="0" rtl="0" algn="l">
-              <a:spcBef>
-                <a:spcPts val="0"/>
-              </a:spcBef>
-              <a:spcAft>
-                <a:spcPts val="0"/>
-              </a:spcAft>
-              <a:buClr>
-                <a:schemeClr val="lt1"/>
-              </a:buClr>
-              <a:buSzPts val="2800"/>
-              <a:buFont typeface="Gill Sans"/>
-              <a:buNone/>
-            </a:pPr>
-            <a:r>
-              <a:rPr lang="en-US"/>
-              <a:t>HOW VOLATILE IS THE STOCK?</a:t>
-            </a:r>
-            <a:endParaRPr/>
-          </a:p>
-        </p:txBody>
-      </p:sp>
-      <p:pic>
-        <p:nvPicPr>
-          <p:cNvPr id="199" name="Google Shape;199;p15"/>
-          <p:cNvPicPr preferRelativeResize="0"/>
-          <p:nvPr/>
-        </p:nvPicPr>
-        <p:blipFill rotWithShape="1">
-          <a:blip r:embed="rId3">
-            <a:alphaModFix/>
-          </a:blip>
-          <a:srcRect b="0" l="0" r="0" t="0"/>
-          <a:stretch/>
-        </p:blipFill>
-        <p:spPr>
-          <a:xfrm>
-            <a:off x="998537" y="1878012"/>
-            <a:ext cx="9560438" cy="4764088"/>
-          </a:xfrm>
-          <a:prstGeom prst="rect">
-            <a:avLst/>
-          </a:prstGeom>
-          <a:noFill/>
-          <a:ln>
-            <a:noFill/>
-          </a:ln>
-        </p:spPr>
-      </p:pic>
-    </p:spTree>
-  </p:cSld>
-  <p:clrMapOvr>
-    <a:masterClrMapping/>
-  </p:clrMapOvr>
-</p:sld>
-</file>
-
-<file path=ppt/slides/slide16.xml><?xml version="1.0" encoding="utf-8"?>
-<p:sld xmlns:a="http://schemas.openxmlformats.org/drawingml/2006/main" xmlns:r="http://schemas.openxmlformats.org/officeDocument/2006/relationships" xmlns:mc="http://schemas.openxmlformats.org/markup-compatibility/2006" xmlns:mv="urn:schemas-microsoft-com:mac:vml" xmlns:p="http://schemas.openxmlformats.org/presentationml/2006/main" xmlns:c="http://schemas.openxmlformats.org/drawingml/2006/chart" xmlns:dgm="http://schemas.openxmlformats.org/drawingml/2006/diagram" xmlns:o="urn:schemas-microsoft-com:office:office" xmlns:v="urn:schemas-microsoft-com:vml" xmlns:pvml="urn:schemas-microsoft-com:office:powerpoint" xmlns:com="http://schemas.openxmlformats.org/drawingml/2006/compatibility" xmlns:p14="http://schemas.microsoft.com/office/powerpoint/2010/main" xmlns:p15="http://schemas.microsoft.com/office/powerpoint/2012/main" xmlns:ahyp="http://schemas.microsoft.com/office/drawing/2018/hyperlinkcolor">
-  <p:cSld>
-    <p:spTree>
-      <p:nvGrpSpPr>
-        <p:cNvPr id="203" name="Shape 203"/>
-        <p:cNvGrpSpPr/>
-        <p:nvPr/>
-      </p:nvGrpSpPr>
-      <p:grpSpPr>
-        <a:xfrm>
-          <a:off x="0" y="0"/>
-          <a:ext cx="0" cy="0"/>
-          <a:chOff x="0" y="0"/>
-          <a:chExt cx="0" cy="0"/>
-        </a:xfrm>
-      </p:grpSpPr>
-      <p:sp>
-        <p:nvSpPr>
-          <p:cNvPr id="204" name="Google Shape;204;p20"/>
-          <p:cNvSpPr txBox="1"/>
-          <p:nvPr>
-            <p:ph type="title"/>
-          </p:nvPr>
-        </p:nvSpPr>
-        <p:spPr>
-          <a:xfrm>
-            <a:off x="581192" y="702156"/>
-            <a:ext cx="11029616" cy="1013800"/>
-          </a:xfrm>
-          <a:prstGeom prst="rect">
-            <a:avLst/>
-          </a:prstGeom>
-          <a:noFill/>
-          <a:ln>
-            <a:noFill/>
-          </a:ln>
-        </p:spPr>
-        <p:txBody>
-          <a:bodyPr anchorCtr="0" anchor="b" bIns="45700" lIns="91425" spcFirstLastPara="1" rIns="91425" wrap="square" tIns="45700">
-            <a:normAutofit/>
-          </a:bodyPr>
-          <a:lstStyle/>
-          <a:p>
-            <a:pPr indent="0" lvl="0" marL="0" rtl="0" algn="l">
-              <a:spcBef>
-                <a:spcPts val="0"/>
-              </a:spcBef>
-              <a:spcAft>
-                <a:spcPts val="0"/>
-              </a:spcAft>
-              <a:buClr>
-                <a:schemeClr val="lt1"/>
-              </a:buClr>
-              <a:buSzPts val="2800"/>
-              <a:buFont typeface="Gill Sans"/>
-              <a:buNone/>
-            </a:pPr>
-            <a:r>
-              <a:rPr lang="en-US"/>
               <a:t>WHAT IS THE RETURN ON INVESTMENT?</a:t>
             </a:r>
             <a:endParaRPr/>
@@ -14955,7 +14225,7 @@
       </p:sp>
       <p:pic>
         <p:nvPicPr>
-          <p:cNvPr id="205" name="Google Shape;205;p20"/>
+          <p:cNvPr id="193" name="Google Shape;193;p20"/>
           <p:cNvPicPr preferRelativeResize="0"/>
           <p:nvPr>
             <p:ph idx="1" type="body"/>
@@ -14984,7 +14254,7 @@
       </p:pic>
       <p:sp>
         <p:nvSpPr>
-          <p:cNvPr id="206" name="Google Shape;206;p20"/>
+          <p:cNvPr id="194" name="Google Shape;194;p20"/>
           <p:cNvSpPr txBox="1"/>
           <p:nvPr/>
         </p:nvSpPr>
@@ -15189,12 +14459,12 @@
 </p:sld>
 </file>
 
-<file path=ppt/slides/slide17.xml><?xml version="1.0" encoding="utf-8"?>
+<file path=ppt/slides/slide15.xml><?xml version="1.0" encoding="utf-8"?>
 <p:sld xmlns:a="http://schemas.openxmlformats.org/drawingml/2006/main" xmlns:r="http://schemas.openxmlformats.org/officeDocument/2006/relationships" xmlns:mc="http://schemas.openxmlformats.org/markup-compatibility/2006" xmlns:mv="urn:schemas-microsoft-com:mac:vml" xmlns:p="http://schemas.openxmlformats.org/presentationml/2006/main" xmlns:c="http://schemas.openxmlformats.org/drawingml/2006/chart" xmlns:dgm="http://schemas.openxmlformats.org/drawingml/2006/diagram" xmlns:o="urn:schemas-microsoft-com:office:office" xmlns:v="urn:schemas-microsoft-com:vml" xmlns:pvml="urn:schemas-microsoft-com:office:powerpoint" xmlns:com="http://schemas.openxmlformats.org/drawingml/2006/compatibility" xmlns:p14="http://schemas.microsoft.com/office/powerpoint/2010/main" xmlns:p15="http://schemas.microsoft.com/office/powerpoint/2012/main" xmlns:ahyp="http://schemas.microsoft.com/office/drawing/2018/hyperlinkcolor">
   <p:cSld>
     <p:spTree>
       <p:nvGrpSpPr>
-        <p:cNvPr id="210" name="Shape 210"/>
+        <p:cNvPr id="198" name="Shape 198"/>
         <p:cNvGrpSpPr/>
         <p:nvPr/>
       </p:nvGrpSpPr>
@@ -15208,7 +14478,7 @@
       </p:grpSpPr>
       <p:sp>
         <p:nvSpPr>
-          <p:cNvPr id="211" name="Google Shape;211;g2c4b658579b_0_3"/>
+          <p:cNvPr id="199" name="Google Shape;199;g2c4b658579b_0_3"/>
           <p:cNvSpPr txBox="1"/>
           <p:nvPr>
             <p:ph type="title"/>
@@ -15253,7 +14523,7 @@
       </p:sp>
       <p:sp>
         <p:nvSpPr>
-          <p:cNvPr id="212" name="Google Shape;212;g2c4b658579b_0_3"/>
+          <p:cNvPr id="200" name="Google Shape;200;g2c4b658579b_0_3"/>
           <p:cNvSpPr txBox="1"/>
           <p:nvPr>
             <p:ph idx="1" type="body"/>
@@ -15292,7 +14562,7 @@
       </p:sp>
       <p:pic>
         <p:nvPicPr>
-          <p:cNvPr id="213" name="Google Shape;213;g2c4b658579b_0_3"/>
+          <p:cNvPr id="201" name="Google Shape;201;g2c4b658579b_0_3"/>
           <p:cNvPicPr preferRelativeResize="0"/>
           <p:nvPr/>
         </p:nvPicPr>
@@ -15326,12 +14596,12 @@
 </p:sld>
 </file>
 
-<file path=ppt/slides/slide18.xml><?xml version="1.0" encoding="utf-8"?>
+<file path=ppt/slides/slide16.xml><?xml version="1.0" encoding="utf-8"?>
 <p:sld xmlns:a="http://schemas.openxmlformats.org/drawingml/2006/main" xmlns:r="http://schemas.openxmlformats.org/officeDocument/2006/relationships" xmlns:mc="http://schemas.openxmlformats.org/markup-compatibility/2006" xmlns:mv="urn:schemas-microsoft-com:mac:vml" xmlns:p="http://schemas.openxmlformats.org/presentationml/2006/main" xmlns:c="http://schemas.openxmlformats.org/drawingml/2006/chart" xmlns:dgm="http://schemas.openxmlformats.org/drawingml/2006/diagram" xmlns:o="urn:schemas-microsoft-com:office:office" xmlns:v="urn:schemas-microsoft-com:vml" xmlns:pvml="urn:schemas-microsoft-com:office:powerpoint" xmlns:com="http://schemas.openxmlformats.org/drawingml/2006/compatibility" xmlns:p14="http://schemas.microsoft.com/office/powerpoint/2010/main" xmlns:p15="http://schemas.microsoft.com/office/powerpoint/2012/main" xmlns:ahyp="http://schemas.microsoft.com/office/drawing/2018/hyperlinkcolor">
   <p:cSld>
     <p:spTree>
       <p:nvGrpSpPr>
-        <p:cNvPr id="217" name="Shape 217"/>
+        <p:cNvPr id="205" name="Shape 205"/>
         <p:cNvGrpSpPr/>
         <p:nvPr/>
       </p:nvGrpSpPr>
@@ -15345,7 +14615,7 @@
       </p:grpSpPr>
       <p:sp>
         <p:nvSpPr>
-          <p:cNvPr id="218" name="Google Shape;218;p22"/>
+          <p:cNvPr id="206" name="Google Shape;206;p22"/>
           <p:cNvSpPr txBox="1"/>
           <p:nvPr>
             <p:ph type="title"/>
@@ -15394,7 +14664,7 @@
       </p:sp>
       <p:pic>
         <p:nvPicPr>
-          <p:cNvPr id="219" name="Google Shape;219;p22"/>
+          <p:cNvPr id="207" name="Google Shape;207;p22"/>
           <p:cNvPicPr preferRelativeResize="0"/>
           <p:nvPr>
             <p:ph idx="1" type="body"/>
@@ -15429,12 +14699,12 @@
 </p:sld>
 </file>
 
-<file path=ppt/slides/slide19.xml><?xml version="1.0" encoding="utf-8"?>
+<file path=ppt/slides/slide17.xml><?xml version="1.0" encoding="utf-8"?>
 <p:sld xmlns:a="http://schemas.openxmlformats.org/drawingml/2006/main" xmlns:r="http://schemas.openxmlformats.org/officeDocument/2006/relationships" xmlns:mc="http://schemas.openxmlformats.org/markup-compatibility/2006" xmlns:mv="urn:schemas-microsoft-com:mac:vml" xmlns:p="http://schemas.openxmlformats.org/presentationml/2006/main" xmlns:c="http://schemas.openxmlformats.org/drawingml/2006/chart" xmlns:dgm="http://schemas.openxmlformats.org/drawingml/2006/diagram" xmlns:o="urn:schemas-microsoft-com:office:office" xmlns:v="urn:schemas-microsoft-com:vml" xmlns:pvml="urn:schemas-microsoft-com:office:powerpoint" xmlns:com="http://schemas.openxmlformats.org/drawingml/2006/compatibility" xmlns:p14="http://schemas.microsoft.com/office/powerpoint/2010/main" xmlns:p15="http://schemas.microsoft.com/office/powerpoint/2012/main" xmlns:ahyp="http://schemas.microsoft.com/office/drawing/2018/hyperlinkcolor">
   <p:cSld>
     <p:spTree>
       <p:nvGrpSpPr>
-        <p:cNvPr id="223" name="Shape 223"/>
+        <p:cNvPr id="211" name="Shape 211"/>
         <p:cNvGrpSpPr/>
         <p:nvPr/>
       </p:nvGrpSpPr>
@@ -15448,7 +14718,7 @@
       </p:grpSpPr>
       <p:sp>
         <p:nvSpPr>
-          <p:cNvPr id="224" name="Google Shape;224;g2c48598d1a9_3_5"/>
+          <p:cNvPr id="212" name="Google Shape;212;g2c48598d1a9_3_5"/>
           <p:cNvSpPr txBox="1"/>
           <p:nvPr>
             <p:ph type="title"/>
@@ -15493,7 +14763,7 @@
       </p:sp>
       <p:pic>
         <p:nvPicPr>
-          <p:cNvPr id="225" name="Google Shape;225;g2c48598d1a9_3_5"/>
+          <p:cNvPr id="213" name="Google Shape;213;g2c48598d1a9_3_5"/>
           <p:cNvPicPr preferRelativeResize="0"/>
           <p:nvPr/>
         </p:nvPicPr>
@@ -15521,7 +14791,7 @@
       </p:pic>
       <p:sp>
         <p:nvSpPr>
-          <p:cNvPr id="226" name="Google Shape;226;g2c48598d1a9_3_5"/>
+          <p:cNvPr id="214" name="Google Shape;214;g2c48598d1a9_3_5"/>
           <p:cNvSpPr txBox="1"/>
           <p:nvPr/>
         </p:nvSpPr>
@@ -15678,6 +14948,483 @@
             <a:endParaRPr sz="1800">
               <a:solidFill>
                 <a:schemeClr val="dk2"/>
+              </a:solidFill>
+              <a:latin typeface="Gill Sans"/>
+              <a:ea typeface="Gill Sans"/>
+              <a:cs typeface="Gill Sans"/>
+              <a:sym typeface="Gill Sans"/>
+            </a:endParaRPr>
+          </a:p>
+        </p:txBody>
+      </p:sp>
+    </p:spTree>
+  </p:cSld>
+  <p:clrMapOvr>
+    <a:masterClrMapping/>
+  </p:clrMapOvr>
+</p:sld>
+</file>
+
+<file path=ppt/slides/slide18.xml><?xml version="1.0" encoding="utf-8"?>
+<p:sld xmlns:a="http://schemas.openxmlformats.org/drawingml/2006/main" xmlns:r="http://schemas.openxmlformats.org/officeDocument/2006/relationships" xmlns:mc="http://schemas.openxmlformats.org/markup-compatibility/2006" xmlns:mv="urn:schemas-microsoft-com:mac:vml" xmlns:p="http://schemas.openxmlformats.org/presentationml/2006/main" xmlns:c="http://schemas.openxmlformats.org/drawingml/2006/chart" xmlns:dgm="http://schemas.openxmlformats.org/drawingml/2006/diagram" xmlns:o="urn:schemas-microsoft-com:office:office" xmlns:v="urn:schemas-microsoft-com:vml" xmlns:pvml="urn:schemas-microsoft-com:office:powerpoint" xmlns:com="http://schemas.openxmlformats.org/drawingml/2006/compatibility" xmlns:p14="http://schemas.microsoft.com/office/powerpoint/2010/main" xmlns:p15="http://schemas.microsoft.com/office/powerpoint/2012/main" xmlns:ahyp="http://schemas.microsoft.com/office/drawing/2018/hyperlinkcolor">
+  <p:cSld>
+    <p:spTree>
+      <p:nvGrpSpPr>
+        <p:cNvPr id="218" name="Shape 218"/>
+        <p:cNvGrpSpPr/>
+        <p:nvPr/>
+      </p:nvGrpSpPr>
+      <p:grpSpPr>
+        <a:xfrm>
+          <a:off x="0" y="0"/>
+          <a:ext cx="0" cy="0"/>
+          <a:chOff x="0" y="0"/>
+          <a:chExt cx="0" cy="0"/>
+        </a:xfrm>
+      </p:grpSpPr>
+      <p:sp>
+        <p:nvSpPr>
+          <p:cNvPr id="219" name="Google Shape;219;p17"/>
+          <p:cNvSpPr txBox="1"/>
+          <p:nvPr>
+            <p:ph type="title"/>
+          </p:nvPr>
+        </p:nvSpPr>
+        <p:spPr>
+          <a:xfrm>
+            <a:off x="581192" y="702156"/>
+            <a:ext cx="11029616" cy="1013800"/>
+          </a:xfrm>
+          <a:prstGeom prst="rect">
+            <a:avLst/>
+          </a:prstGeom>
+          <a:noFill/>
+          <a:ln>
+            <a:noFill/>
+          </a:ln>
+        </p:spPr>
+        <p:txBody>
+          <a:bodyPr anchorCtr="0" anchor="b" bIns="45700" lIns="91425" spcFirstLastPara="1" rIns="91425" wrap="square" tIns="45700">
+            <a:normAutofit/>
+          </a:bodyPr>
+          <a:lstStyle/>
+          <a:p>
+            <a:pPr indent="0" lvl="0" marL="0" rtl="0" algn="l">
+              <a:spcBef>
+                <a:spcPts val="0"/>
+              </a:spcBef>
+              <a:spcAft>
+                <a:spcPts val="0"/>
+              </a:spcAft>
+              <a:buClr>
+                <a:schemeClr val="lt1"/>
+              </a:buClr>
+              <a:buSzPts val="2800"/>
+              <a:buFont typeface="Gill Sans"/>
+              <a:buNone/>
+            </a:pPr>
+            <a:r>
+              <a:rPr lang="en-US"/>
+              <a:t>ARE THERE ANY OTHER FACTORS THAT CAN INFLUENCE OUR DECISION?</a:t>
+            </a:r>
+            <a:endParaRPr/>
+          </a:p>
+        </p:txBody>
+      </p:sp>
+      <p:pic>
+        <p:nvPicPr>
+          <p:cNvPr id="220" name="Google Shape;220;p17"/>
+          <p:cNvPicPr preferRelativeResize="0"/>
+          <p:nvPr>
+            <p:ph idx="1" type="body"/>
+          </p:nvPr>
+        </p:nvPicPr>
+        <p:blipFill rotWithShape="1">
+          <a:blip r:embed="rId3">
+            <a:alphaModFix/>
+          </a:blip>
+          <a:srcRect b="0" l="0" r="0" t="0"/>
+          <a:stretch/>
+        </p:blipFill>
+        <p:spPr>
+          <a:xfrm>
+            <a:off x="484255" y="1931041"/>
+            <a:ext cx="6108300" cy="4400100"/>
+          </a:xfrm>
+          <a:prstGeom prst="rect">
+            <a:avLst/>
+          </a:prstGeom>
+          <a:noFill/>
+          <a:ln>
+            <a:noFill/>
+          </a:ln>
+        </p:spPr>
+      </p:pic>
+      <p:pic>
+        <p:nvPicPr>
+          <p:cNvPr id="221" name="Google Shape;221;p17"/>
+          <p:cNvPicPr preferRelativeResize="0"/>
+          <p:nvPr/>
+        </p:nvPicPr>
+        <p:blipFill rotWithShape="1">
+          <a:blip r:embed="rId4">
+            <a:alphaModFix/>
+          </a:blip>
+          <a:srcRect b="0" l="0" r="0" t="0"/>
+          <a:stretch/>
+        </p:blipFill>
+        <p:spPr>
+          <a:xfrm>
+            <a:off x="6677614" y="1892466"/>
+            <a:ext cx="5862638" cy="4477257"/>
+          </a:xfrm>
+          <a:prstGeom prst="rect">
+            <a:avLst/>
+          </a:prstGeom>
+          <a:noFill/>
+          <a:ln>
+            <a:noFill/>
+          </a:ln>
+        </p:spPr>
+      </p:pic>
+    </p:spTree>
+  </p:cSld>
+  <p:clrMapOvr>
+    <a:masterClrMapping/>
+  </p:clrMapOvr>
+</p:sld>
+</file>
+
+<file path=ppt/slides/slide19.xml><?xml version="1.0" encoding="utf-8"?>
+<p:sld xmlns:a="http://schemas.openxmlformats.org/drawingml/2006/main" xmlns:r="http://schemas.openxmlformats.org/officeDocument/2006/relationships" xmlns:mc="http://schemas.openxmlformats.org/markup-compatibility/2006" xmlns:mv="urn:schemas-microsoft-com:mac:vml" xmlns:p="http://schemas.openxmlformats.org/presentationml/2006/main" xmlns:c="http://schemas.openxmlformats.org/drawingml/2006/chart" xmlns:dgm="http://schemas.openxmlformats.org/drawingml/2006/diagram" xmlns:o="urn:schemas-microsoft-com:office:office" xmlns:v="urn:schemas-microsoft-com:vml" xmlns:pvml="urn:schemas-microsoft-com:office:powerpoint" xmlns:com="http://schemas.openxmlformats.org/drawingml/2006/compatibility" xmlns:p14="http://schemas.microsoft.com/office/powerpoint/2010/main" xmlns:p15="http://schemas.microsoft.com/office/powerpoint/2012/main" xmlns:ahyp="http://schemas.microsoft.com/office/drawing/2018/hyperlinkcolor">
+  <p:cSld>
+    <p:spTree>
+      <p:nvGrpSpPr>
+        <p:cNvPr id="225" name="Shape 225"/>
+        <p:cNvGrpSpPr/>
+        <p:nvPr/>
+      </p:nvGrpSpPr>
+      <p:grpSpPr>
+        <a:xfrm>
+          <a:off x="0" y="0"/>
+          <a:ext cx="0" cy="0"/>
+          <a:chOff x="0" y="0"/>
+          <a:chExt cx="0" cy="0"/>
+        </a:xfrm>
+      </p:grpSpPr>
+      <p:sp>
+        <p:nvSpPr>
+          <p:cNvPr id="226" name="Google Shape;226;p18"/>
+          <p:cNvSpPr txBox="1"/>
+          <p:nvPr>
+            <p:ph type="title"/>
+          </p:nvPr>
+        </p:nvSpPr>
+        <p:spPr>
+          <a:xfrm>
+            <a:off x="581192" y="702156"/>
+            <a:ext cx="11029616" cy="1013800"/>
+          </a:xfrm>
+          <a:prstGeom prst="rect">
+            <a:avLst/>
+          </a:prstGeom>
+          <a:noFill/>
+          <a:ln>
+            <a:noFill/>
+          </a:ln>
+        </p:spPr>
+        <p:txBody>
+          <a:bodyPr anchorCtr="0" anchor="b" bIns="45700" lIns="91425" spcFirstLastPara="1" rIns="91425" wrap="square" tIns="45700">
+            <a:normAutofit/>
+          </a:bodyPr>
+          <a:lstStyle/>
+          <a:p>
+            <a:pPr indent="0" lvl="0" marL="0" rtl="0" algn="l">
+              <a:spcBef>
+                <a:spcPts val="0"/>
+              </a:spcBef>
+              <a:spcAft>
+                <a:spcPts val="0"/>
+              </a:spcAft>
+              <a:buClr>
+                <a:schemeClr val="lt1"/>
+              </a:buClr>
+              <a:buSzPts val="2800"/>
+              <a:buFont typeface="Gill Sans"/>
+              <a:buNone/>
+            </a:pPr>
+            <a:r>
+              <a:rPr lang="en-US"/>
+              <a:t>ARE THERE ANY OTHER FACTORS THAT CAN INFLUENCE OUR DECISION?</a:t>
+            </a:r>
+            <a:endParaRPr/>
+          </a:p>
+        </p:txBody>
+      </p:sp>
+      <p:pic>
+        <p:nvPicPr>
+          <p:cNvPr id="227" name="Google Shape;227;p18"/>
+          <p:cNvPicPr preferRelativeResize="0"/>
+          <p:nvPr/>
+        </p:nvPicPr>
+        <p:blipFill rotWithShape="1">
+          <a:blip r:embed="rId3">
+            <a:alphaModFix/>
+          </a:blip>
+          <a:srcRect b="0" l="0" r="0" t="0"/>
+          <a:stretch/>
+        </p:blipFill>
+        <p:spPr>
+          <a:xfrm>
+            <a:off x="473690" y="1900012"/>
+            <a:ext cx="7536220" cy="4778851"/>
+          </a:xfrm>
+          <a:prstGeom prst="rect">
+            <a:avLst/>
+          </a:prstGeom>
+          <a:noFill/>
+          <a:ln>
+            <a:noFill/>
+          </a:ln>
+        </p:spPr>
+      </p:pic>
+      <p:sp>
+        <p:nvSpPr>
+          <p:cNvPr id="228" name="Google Shape;228;p18"/>
+          <p:cNvSpPr txBox="1"/>
+          <p:nvPr/>
+        </p:nvSpPr>
+        <p:spPr>
+          <a:xfrm>
+            <a:off x="8009910" y="2120900"/>
+            <a:ext cx="2750700" cy="2586000"/>
+          </a:xfrm>
+          <a:prstGeom prst="rect">
+            <a:avLst/>
+          </a:prstGeom>
+          <a:noFill/>
+          <a:ln>
+            <a:noFill/>
+          </a:ln>
+        </p:spPr>
+        <p:txBody>
+          <a:bodyPr anchorCtr="0" anchor="t" bIns="45700" lIns="91425" spcFirstLastPara="1" rIns="91425" wrap="square" tIns="45700">
+            <a:spAutoFit/>
+          </a:bodyPr>
+          <a:lstStyle/>
+          <a:p>
+            <a:pPr indent="0" lvl="0" marL="0" marR="0" rtl="0" algn="l">
+              <a:spcBef>
+                <a:spcPts val="0"/>
+              </a:spcBef>
+              <a:spcAft>
+                <a:spcPts val="0"/>
+              </a:spcAft>
+              <a:buNone/>
+            </a:pPr>
+            <a:r>
+              <a:rPr lang="en-US" sz="1800">
+                <a:solidFill>
+                  <a:schemeClr val="dk1"/>
+                </a:solidFill>
+                <a:latin typeface="Gill Sans"/>
+                <a:ea typeface="Gill Sans"/>
+                <a:cs typeface="Gill Sans"/>
+                <a:sym typeface="Gill Sans"/>
+              </a:rPr>
+              <a:t>Correlation Co – efficients:</a:t>
+            </a:r>
+            <a:endParaRPr/>
+          </a:p>
+          <a:p>
+            <a:pPr indent="0" lvl="0" marL="0" marR="0" rtl="0" algn="l">
+              <a:spcBef>
+                <a:spcPts val="0"/>
+              </a:spcBef>
+              <a:spcAft>
+                <a:spcPts val="0"/>
+              </a:spcAft>
+              <a:buNone/>
+            </a:pPr>
+            <a:r>
+              <a:t/>
+            </a:r>
+            <a:endParaRPr sz="1800">
+              <a:solidFill>
+                <a:schemeClr val="dk1"/>
+              </a:solidFill>
+              <a:latin typeface="Gill Sans"/>
+              <a:ea typeface="Gill Sans"/>
+              <a:cs typeface="Gill Sans"/>
+              <a:sym typeface="Gill Sans"/>
+            </a:endParaRPr>
+          </a:p>
+          <a:p>
+            <a:pPr indent="0" lvl="0" marL="0" marR="0" rtl="0" algn="l">
+              <a:spcBef>
+                <a:spcPts val="0"/>
+              </a:spcBef>
+              <a:spcAft>
+                <a:spcPts val="0"/>
+              </a:spcAft>
+              <a:buNone/>
+            </a:pPr>
+            <a:r>
+              <a:rPr lang="en-US" sz="1800">
+                <a:solidFill>
+                  <a:schemeClr val="dk1"/>
+                </a:solidFill>
+                <a:latin typeface="Gill Sans"/>
+                <a:ea typeface="Gill Sans"/>
+                <a:cs typeface="Gill Sans"/>
+                <a:sym typeface="Gill Sans"/>
+              </a:rPr>
+              <a:t>Walmart: -0.077</a:t>
+            </a:r>
+            <a:endParaRPr/>
+          </a:p>
+          <a:p>
+            <a:pPr indent="0" lvl="0" marL="0" marR="0" rtl="0" algn="l">
+              <a:spcBef>
+                <a:spcPts val="0"/>
+              </a:spcBef>
+              <a:spcAft>
+                <a:spcPts val="0"/>
+              </a:spcAft>
+              <a:buNone/>
+            </a:pPr>
+            <a:r>
+              <a:t/>
+            </a:r>
+            <a:endParaRPr sz="1800">
+              <a:solidFill>
+                <a:schemeClr val="dk1"/>
+              </a:solidFill>
+              <a:latin typeface="Gill Sans"/>
+              <a:ea typeface="Gill Sans"/>
+              <a:cs typeface="Gill Sans"/>
+              <a:sym typeface="Gill Sans"/>
+            </a:endParaRPr>
+          </a:p>
+          <a:p>
+            <a:pPr indent="0" lvl="0" marL="0" marR="0" rtl="0" algn="l">
+              <a:spcBef>
+                <a:spcPts val="0"/>
+              </a:spcBef>
+              <a:spcAft>
+                <a:spcPts val="0"/>
+              </a:spcAft>
+              <a:buNone/>
+            </a:pPr>
+            <a:r>
+              <a:rPr lang="en-US" sz="1800">
+                <a:solidFill>
+                  <a:schemeClr val="dk1"/>
+                </a:solidFill>
+                <a:latin typeface="Gill Sans"/>
+                <a:ea typeface="Gill Sans"/>
+                <a:cs typeface="Gill Sans"/>
+                <a:sym typeface="Gill Sans"/>
+              </a:rPr>
+              <a:t>Costco:  -0.151</a:t>
+            </a:r>
+            <a:endParaRPr/>
+          </a:p>
+          <a:p>
+            <a:pPr indent="0" lvl="0" marL="0" marR="0" rtl="0" algn="l">
+              <a:spcBef>
+                <a:spcPts val="0"/>
+              </a:spcBef>
+              <a:spcAft>
+                <a:spcPts val="0"/>
+              </a:spcAft>
+              <a:buNone/>
+            </a:pPr>
+            <a:r>
+              <a:t/>
+            </a:r>
+            <a:endParaRPr sz="1800">
+              <a:solidFill>
+                <a:schemeClr val="dk1"/>
+              </a:solidFill>
+              <a:latin typeface="Gill Sans"/>
+              <a:ea typeface="Gill Sans"/>
+              <a:cs typeface="Gill Sans"/>
+              <a:sym typeface="Gill Sans"/>
+            </a:endParaRPr>
+          </a:p>
+          <a:p>
+            <a:pPr indent="0" lvl="0" marL="0" marR="0" rtl="0" algn="l">
+              <a:spcBef>
+                <a:spcPts val="0"/>
+              </a:spcBef>
+              <a:spcAft>
+                <a:spcPts val="0"/>
+              </a:spcAft>
+              <a:buNone/>
+            </a:pPr>
+            <a:r>
+              <a:rPr lang="en-US" sz="1800">
+                <a:solidFill>
+                  <a:schemeClr val="dk1"/>
+                </a:solidFill>
+                <a:latin typeface="Gill Sans"/>
+                <a:ea typeface="Gill Sans"/>
+                <a:cs typeface="Gill Sans"/>
+                <a:sym typeface="Gill Sans"/>
+              </a:rPr>
+              <a:t>Target: -0.272</a:t>
+            </a:r>
+            <a:endParaRPr/>
+          </a:p>
+          <a:p>
+            <a:pPr indent="0" lvl="0" marL="0" marR="0" rtl="0" algn="l">
+              <a:spcBef>
+                <a:spcPts val="0"/>
+              </a:spcBef>
+              <a:spcAft>
+                <a:spcPts val="0"/>
+              </a:spcAft>
+              <a:buNone/>
+            </a:pPr>
+            <a:r>
+              <a:t/>
+            </a:r>
+            <a:endParaRPr sz="1800">
+              <a:solidFill>
+                <a:schemeClr val="dk1"/>
+              </a:solidFill>
+              <a:latin typeface="Gill Sans"/>
+              <a:ea typeface="Gill Sans"/>
+              <a:cs typeface="Gill Sans"/>
+              <a:sym typeface="Gill Sans"/>
+            </a:endParaRPr>
+          </a:p>
+          <a:p>
+            <a:pPr indent="0" lvl="0" marL="0" marR="0" rtl="0" algn="l">
+              <a:spcBef>
+                <a:spcPts val="0"/>
+              </a:spcBef>
+              <a:spcAft>
+                <a:spcPts val="0"/>
+              </a:spcAft>
+              <a:buNone/>
+            </a:pPr>
+            <a:r>
+              <a:rPr lang="en-US" sz="1800">
+                <a:solidFill>
+                  <a:schemeClr val="dk1"/>
+                </a:solidFill>
+                <a:latin typeface="Gill Sans"/>
+                <a:ea typeface="Gill Sans"/>
+                <a:cs typeface="Gill Sans"/>
+                <a:sym typeface="Gill Sans"/>
+              </a:rPr>
+              <a:t>Albertsons:  -0.118</a:t>
+            </a:r>
+            <a:endParaRPr sz="1800">
+              <a:solidFill>
+                <a:schemeClr val="dk1"/>
               </a:solidFill>
               <a:latin typeface="Gill Sans"/>
               <a:ea typeface="Gill Sans"/>
@@ -15839,7 +15586,7 @@
                   <a:schemeClr val="dk1"/>
                 </a:solidFill>
               </a:rPr>
-              <a:t>Increase in Dividends </a:t>
+              <a:t>Dividend Amount </a:t>
             </a:r>
             <a:r>
               <a:rPr lang="en-US">
@@ -15848,6 +15595,38 @@
                 </a:solidFill>
               </a:rPr>
               <a:t>⬆</a:t>
+            </a:r>
+            <a:endParaRPr>
+              <a:solidFill>
+                <a:srgbClr val="6AA84F"/>
+              </a:solidFill>
+            </a:endParaRPr>
+          </a:p>
+          <a:p>
+            <a:pPr indent="457200" lvl="0" marL="0" rtl="0" algn="l">
+              <a:spcBef>
+                <a:spcPts val="600"/>
+              </a:spcBef>
+              <a:spcAft>
+                <a:spcPts val="0"/>
+              </a:spcAft>
+              <a:buNone/>
+            </a:pPr>
+            <a:r>
+              <a:rPr lang="en-US">
+                <a:solidFill>
+                  <a:schemeClr val="dk1"/>
+                </a:solidFill>
+              </a:rPr>
+              <a:t>Dividend Frequency</a:t>
+            </a:r>
+            <a:r>
+              <a:rPr lang="en-US">
+                <a:solidFill>
+                  <a:srgbClr val="6AA84F"/>
+                </a:solidFill>
+              </a:rPr>
+              <a:t> ⬆</a:t>
             </a:r>
             <a:endParaRPr>
               <a:solidFill>
@@ -16096,7 +15875,7 @@
   <p:cSld>
     <p:spTree>
       <p:nvGrpSpPr>
-        <p:cNvPr id="230" name="Shape 230"/>
+        <p:cNvPr id="232" name="Shape 232"/>
         <p:cNvGrpSpPr/>
         <p:nvPr/>
       </p:nvGrpSpPr>
@@ -16110,7 +15889,179 @@
       </p:grpSpPr>
       <p:sp>
         <p:nvSpPr>
-          <p:cNvPr id="231" name="Google Shape;231;p17"/>
+          <p:cNvPr id="233" name="Google Shape;233;g2c4c75c3d89_0_1"/>
+          <p:cNvSpPr txBox="1"/>
+          <p:nvPr>
+            <p:ph type="title"/>
+          </p:nvPr>
+        </p:nvSpPr>
+        <p:spPr>
+          <a:xfrm>
+            <a:off x="581192" y="702156"/>
+            <a:ext cx="11029500" cy="1013700"/>
+          </a:xfrm>
+          <a:prstGeom prst="rect">
+            <a:avLst/>
+          </a:prstGeom>
+        </p:spPr>
+        <p:txBody>
+          <a:bodyPr anchorCtr="0" anchor="b" bIns="45700" lIns="91425" spcFirstLastPara="1" rIns="91425" wrap="square" tIns="45700">
+            <a:normAutofit/>
+          </a:bodyPr>
+          <a:lstStyle/>
+          <a:p>
+            <a:pPr indent="0" lvl="0" marL="0" rtl="0" algn="l">
+              <a:spcBef>
+                <a:spcPts val="0"/>
+              </a:spcBef>
+              <a:spcAft>
+                <a:spcPts val="0"/>
+              </a:spcAft>
+              <a:buClr>
+                <a:schemeClr val="lt1"/>
+              </a:buClr>
+              <a:buSzPts val="2800"/>
+              <a:buFont typeface="Gill Sans"/>
+              <a:buNone/>
+            </a:pPr>
+            <a:r>
+              <a:rPr lang="en-US"/>
+              <a:t>ARE THERE ANY OTHER FACTORS THAT CAN INFLUENCE OUR DECISION?</a:t>
+            </a:r>
+            <a:endParaRPr/>
+          </a:p>
+        </p:txBody>
+      </p:sp>
+      <p:sp>
+        <p:nvSpPr>
+          <p:cNvPr id="234" name="Google Shape;234;g2c4c75c3d89_0_1"/>
+          <p:cNvSpPr txBox="1"/>
+          <p:nvPr>
+            <p:ph idx="1" type="body"/>
+          </p:nvPr>
+        </p:nvSpPr>
+        <p:spPr>
+          <a:xfrm>
+            <a:off x="581192" y="2180496"/>
+            <a:ext cx="11029500" cy="3678300"/>
+          </a:xfrm>
+          <a:prstGeom prst="rect">
+            <a:avLst/>
+          </a:prstGeom>
+        </p:spPr>
+        <p:txBody>
+          <a:bodyPr anchorCtr="0" anchor="ctr" bIns="45700" lIns="91425" spcFirstLastPara="1" rIns="91425" wrap="square" tIns="45700">
+            <a:normAutofit/>
+          </a:bodyPr>
+          <a:lstStyle/>
+          <a:p>
+            <a:pPr indent="0" lvl="0" marL="0" rtl="0" algn="l">
+              <a:spcBef>
+                <a:spcPts val="360"/>
+              </a:spcBef>
+              <a:spcAft>
+                <a:spcPts val="0"/>
+              </a:spcAft>
+              <a:buNone/>
+            </a:pPr>
+            <a:r>
+              <a:rPr lang="en-US"/>
+              <a:t>Walmart - aggressive expansion plans - will it work?</a:t>
+            </a:r>
+            <a:endParaRPr/>
+          </a:p>
+          <a:p>
+            <a:pPr indent="0" lvl="0" marL="0" rtl="0" algn="l">
+              <a:spcBef>
+                <a:spcPts val="600"/>
+              </a:spcBef>
+              <a:spcAft>
+                <a:spcPts val="0"/>
+              </a:spcAft>
+              <a:buNone/>
+            </a:pPr>
+            <a:r>
+              <a:t/>
+            </a:r>
+            <a:endParaRPr/>
+          </a:p>
+          <a:p>
+            <a:pPr indent="0" lvl="0" marL="0" rtl="0" algn="l">
+              <a:spcBef>
+                <a:spcPts val="600"/>
+              </a:spcBef>
+              <a:spcAft>
+                <a:spcPts val="0"/>
+              </a:spcAft>
+              <a:buNone/>
+            </a:pPr>
+            <a:r>
+              <a:rPr lang="en-US"/>
+              <a:t>Albertson’s - implications of a blocked merger?</a:t>
+            </a:r>
+            <a:endParaRPr/>
+          </a:p>
+          <a:p>
+            <a:pPr indent="0" lvl="0" marL="0" rtl="0" algn="l">
+              <a:spcBef>
+                <a:spcPts val="600"/>
+              </a:spcBef>
+              <a:spcAft>
+                <a:spcPts val="0"/>
+              </a:spcAft>
+              <a:buNone/>
+            </a:pPr>
+            <a:r>
+              <a:t/>
+            </a:r>
+            <a:endParaRPr/>
+          </a:p>
+          <a:p>
+            <a:pPr indent="0" lvl="0" marL="0" rtl="0" algn="l">
+              <a:spcBef>
+                <a:spcPts val="600"/>
+              </a:spcBef>
+              <a:spcAft>
+                <a:spcPts val="600"/>
+              </a:spcAft>
+              <a:buNone/>
+            </a:pPr>
+            <a:r>
+              <a:rPr lang="en-US"/>
+              <a:t>Costco - an over - reliance on membership numbers? </a:t>
+            </a:r>
+            <a:endParaRPr/>
+          </a:p>
+        </p:txBody>
+      </p:sp>
+    </p:spTree>
+  </p:cSld>
+  <p:clrMapOvr>
+    <a:masterClrMapping/>
+  </p:clrMapOvr>
+</p:sld>
+</file>
+
+<file path=ppt/slides/slide21.xml><?xml version="1.0" encoding="utf-8"?>
+<p:sld xmlns:a="http://schemas.openxmlformats.org/drawingml/2006/main" xmlns:r="http://schemas.openxmlformats.org/officeDocument/2006/relationships" xmlns:mc="http://schemas.openxmlformats.org/markup-compatibility/2006" xmlns:mv="urn:schemas-microsoft-com:mac:vml" xmlns:p="http://schemas.openxmlformats.org/presentationml/2006/main" xmlns:c="http://schemas.openxmlformats.org/drawingml/2006/chart" xmlns:dgm="http://schemas.openxmlformats.org/drawingml/2006/diagram" xmlns:o="urn:schemas-microsoft-com:office:office" xmlns:v="urn:schemas-microsoft-com:vml" xmlns:pvml="urn:schemas-microsoft-com:office:powerpoint" xmlns:com="http://schemas.openxmlformats.org/drawingml/2006/compatibility" xmlns:p14="http://schemas.microsoft.com/office/powerpoint/2010/main" xmlns:p15="http://schemas.microsoft.com/office/powerpoint/2012/main" xmlns:ahyp="http://schemas.microsoft.com/office/drawing/2018/hyperlinkcolor">
+  <p:cSld>
+    <p:spTree>
+      <p:nvGrpSpPr>
+        <p:cNvPr id="238" name="Shape 238"/>
+        <p:cNvGrpSpPr/>
+        <p:nvPr/>
+      </p:nvGrpSpPr>
+      <p:grpSpPr>
+        <a:xfrm>
+          <a:off x="0" y="0"/>
+          <a:ext cx="0" cy="0"/>
+          <a:chOff x="0" y="0"/>
+          <a:chExt cx="0" cy="0"/>
+        </a:xfrm>
+      </p:grpSpPr>
+      <p:sp>
+        <p:nvSpPr>
+          <p:cNvPr id="239" name="Google Shape;239;p24"/>
           <p:cNvSpPr txBox="1"/>
           <p:nvPr>
             <p:ph type="title"/>
@@ -16151,105 +16102,24 @@
             </a:pPr>
             <a:r>
               <a:rPr lang="en-US"/>
-              <a:t>ARE THERE ANY OTHER FACTORS THAT CAN INFLUENCE OUR DECISION?</a:t>
+              <a:t>SO WHO SHOULD WE INVEST IN BASED ON THIS DATA?</a:t>
             </a:r>
             <a:endParaRPr/>
           </a:p>
         </p:txBody>
       </p:sp>
-      <p:pic>
-        <p:nvPicPr>
-          <p:cNvPr id="232" name="Google Shape;232;p17"/>
-          <p:cNvPicPr preferRelativeResize="0"/>
+      <p:sp>
+        <p:nvSpPr>
+          <p:cNvPr id="240" name="Google Shape;240;p24"/>
+          <p:cNvSpPr txBox="1"/>
           <p:nvPr>
             <p:ph idx="1" type="body"/>
-          </p:nvPr>
-        </p:nvPicPr>
-        <p:blipFill rotWithShape="1">
-          <a:blip r:embed="rId3">
-            <a:alphaModFix/>
-          </a:blip>
-          <a:srcRect b="0" l="0" r="0" t="0"/>
-          <a:stretch/>
-        </p:blipFill>
-        <p:spPr>
-          <a:xfrm>
-            <a:off x="484255" y="1931041"/>
-            <a:ext cx="6108300" cy="4400100"/>
-          </a:xfrm>
-          <a:prstGeom prst="rect">
-            <a:avLst/>
-          </a:prstGeom>
-          <a:noFill/>
-          <a:ln>
-            <a:noFill/>
-          </a:ln>
-        </p:spPr>
-      </p:pic>
-      <p:pic>
-        <p:nvPicPr>
-          <p:cNvPr id="233" name="Google Shape;233;p17"/>
-          <p:cNvPicPr preferRelativeResize="0"/>
-          <p:nvPr/>
-        </p:nvPicPr>
-        <p:blipFill rotWithShape="1">
-          <a:blip r:embed="rId4">
-            <a:alphaModFix/>
-          </a:blip>
-          <a:srcRect b="0" l="0" r="0" t="0"/>
-          <a:stretch/>
-        </p:blipFill>
-        <p:spPr>
-          <a:xfrm>
-            <a:off x="6677614" y="1892466"/>
-            <a:ext cx="5862638" cy="4477257"/>
-          </a:xfrm>
-          <a:prstGeom prst="rect">
-            <a:avLst/>
-          </a:prstGeom>
-          <a:noFill/>
-          <a:ln>
-            <a:noFill/>
-          </a:ln>
-        </p:spPr>
-      </p:pic>
-    </p:spTree>
-  </p:cSld>
-  <p:clrMapOvr>
-    <a:masterClrMapping/>
-  </p:clrMapOvr>
-</p:sld>
-</file>
-
-<file path=ppt/slides/slide21.xml><?xml version="1.0" encoding="utf-8"?>
-<p:sld xmlns:a="http://schemas.openxmlformats.org/drawingml/2006/main" xmlns:r="http://schemas.openxmlformats.org/officeDocument/2006/relationships" xmlns:mc="http://schemas.openxmlformats.org/markup-compatibility/2006" xmlns:mv="urn:schemas-microsoft-com:mac:vml" xmlns:p="http://schemas.openxmlformats.org/presentationml/2006/main" xmlns:c="http://schemas.openxmlformats.org/drawingml/2006/chart" xmlns:dgm="http://schemas.openxmlformats.org/drawingml/2006/diagram" xmlns:o="urn:schemas-microsoft-com:office:office" xmlns:v="urn:schemas-microsoft-com:vml" xmlns:pvml="urn:schemas-microsoft-com:office:powerpoint" xmlns:com="http://schemas.openxmlformats.org/drawingml/2006/compatibility" xmlns:p14="http://schemas.microsoft.com/office/powerpoint/2010/main" xmlns:p15="http://schemas.microsoft.com/office/powerpoint/2012/main" xmlns:ahyp="http://schemas.microsoft.com/office/drawing/2018/hyperlinkcolor">
-  <p:cSld>
-    <p:spTree>
-      <p:nvGrpSpPr>
-        <p:cNvPr id="237" name="Shape 237"/>
-        <p:cNvGrpSpPr/>
-        <p:nvPr/>
-      </p:nvGrpSpPr>
-      <p:grpSpPr>
-        <a:xfrm>
-          <a:off x="0" y="0"/>
-          <a:ext cx="0" cy="0"/>
-          <a:chOff x="0" y="0"/>
-          <a:chExt cx="0" cy="0"/>
-        </a:xfrm>
-      </p:grpSpPr>
-      <p:sp>
-        <p:nvSpPr>
-          <p:cNvPr id="238" name="Google Shape;238;p18"/>
-          <p:cNvSpPr txBox="1"/>
-          <p:nvPr>
-            <p:ph type="title"/>
           </p:nvPr>
         </p:nvSpPr>
         <p:spPr>
           <a:xfrm>
-            <a:off x="581192" y="702156"/>
-            <a:ext cx="11029616" cy="1013800"/>
+            <a:off x="581192" y="2180496"/>
+            <a:ext cx="11029615" cy="3678303"/>
           </a:xfrm>
           <a:prstGeom prst="rect">
             <a:avLst/>
@@ -16260,303 +16130,255 @@
           </a:ln>
         </p:spPr>
         <p:txBody>
-          <a:bodyPr anchorCtr="0" anchor="b" bIns="45700" lIns="91425" spcFirstLastPara="1" rIns="91425" wrap="square" tIns="45700">
-            <a:normAutofit/>
+          <a:bodyPr anchorCtr="0" anchor="ctr" bIns="45700" lIns="91425" spcFirstLastPara="1" rIns="91425" wrap="square" tIns="45700">
+            <a:normAutofit lnSpcReduction="10000"/>
           </a:bodyPr>
           <a:lstStyle/>
           <a:p>
-            <a:pPr indent="0" lvl="0" marL="0" rtl="0" algn="l">
-              <a:spcBef>
-                <a:spcPts val="0"/>
-              </a:spcBef>
-              <a:spcAft>
-                <a:spcPts val="0"/>
-              </a:spcAft>
-              <a:buClr>
-                <a:schemeClr val="lt1"/>
-              </a:buClr>
-              <a:buSzPts val="2800"/>
-              <a:buFont typeface="Gill Sans"/>
+            <a:pPr indent="0" lvl="0" marL="304800" rtl="0" algn="l">
+              <a:lnSpc>
+                <a:spcPct val="115000"/>
+              </a:lnSpc>
+              <a:spcBef>
+                <a:spcPts val="0"/>
+              </a:spcBef>
+              <a:spcAft>
+                <a:spcPts val="0"/>
+              </a:spcAft>
+              <a:buSzPts val="1100"/>
               <a:buNone/>
             </a:pPr>
             <a:r>
-              <a:rPr lang="en-US"/>
-              <a:t>ARE THERE ANY OTHER FACTORS THAT CAN INFLUENCE OUR DECISION?</a:t>
+              <a:rPr lang="en-US">
+                <a:solidFill>
+                  <a:srgbClr val="3D3D3D"/>
+                </a:solidFill>
+              </a:rPr>
+              <a:t>Based on total ROI, it is hard to look past Costco!</a:t>
             </a:r>
-            <a:endParaRPr/>
+            <a:endParaRPr>
+              <a:solidFill>
+                <a:srgbClr val="3D3D3D"/>
+              </a:solidFill>
+            </a:endParaRPr>
           </a:p>
-        </p:txBody>
-      </p:sp>
-      <p:pic>
-        <p:nvPicPr>
-          <p:cNvPr id="239" name="Google Shape;239;p18"/>
-          <p:cNvPicPr preferRelativeResize="0"/>
-          <p:nvPr/>
-        </p:nvPicPr>
-        <p:blipFill rotWithShape="1">
-          <a:blip r:embed="rId3">
-            <a:alphaModFix/>
-          </a:blip>
-          <a:srcRect b="0" l="0" r="0" t="0"/>
-          <a:stretch/>
-        </p:blipFill>
-        <p:spPr>
-          <a:xfrm>
-            <a:off x="473690" y="1900012"/>
-            <a:ext cx="7536220" cy="4778851"/>
-          </a:xfrm>
-          <a:prstGeom prst="rect">
-            <a:avLst/>
-          </a:prstGeom>
-          <a:noFill/>
-          <a:ln>
-            <a:noFill/>
-          </a:ln>
-        </p:spPr>
-      </p:pic>
-      <p:sp>
-        <p:nvSpPr>
-          <p:cNvPr id="240" name="Google Shape;240;p18"/>
-          <p:cNvSpPr txBox="1"/>
-          <p:nvPr/>
-        </p:nvSpPr>
-        <p:spPr>
-          <a:xfrm>
-            <a:off x="8009910" y="2120900"/>
-            <a:ext cx="2750700" cy="2586000"/>
-          </a:xfrm>
-          <a:prstGeom prst="rect">
-            <a:avLst/>
-          </a:prstGeom>
-          <a:noFill/>
-          <a:ln>
-            <a:noFill/>
-          </a:ln>
-        </p:spPr>
-        <p:txBody>
-          <a:bodyPr anchorCtr="0" anchor="t" bIns="45700" lIns="91425" spcFirstLastPara="1" rIns="91425" wrap="square" tIns="45700">
-            <a:spAutoFit/>
-          </a:bodyPr>
-          <a:lstStyle/>
           <a:p>
-            <a:pPr indent="0" lvl="0" marL="0" marR="0" rtl="0" algn="l">
-              <a:spcBef>
-                <a:spcPts val="0"/>
-              </a:spcBef>
-              <a:spcAft>
-                <a:spcPts val="0"/>
-              </a:spcAft>
+            <a:pPr indent="0" lvl="0" marL="304800" rtl="0" algn="l">
+              <a:lnSpc>
+                <a:spcPct val="115000"/>
+              </a:lnSpc>
+              <a:spcBef>
+                <a:spcPts val="0"/>
+              </a:spcBef>
+              <a:spcAft>
+                <a:spcPts val="0"/>
+              </a:spcAft>
+              <a:buClr>
+                <a:schemeClr val="dk1"/>
+              </a:buClr>
+              <a:buSzPts val="1100"/>
+              <a:buFont typeface="Arial"/>
               <a:buNone/>
             </a:pPr>
             <a:r>
-              <a:rPr lang="en-US" sz="1800">
+              <a:t/>
+            </a:r>
+            <a:endParaRPr>
+              <a:solidFill>
+                <a:srgbClr val="3D3D3D"/>
+              </a:solidFill>
+            </a:endParaRPr>
+          </a:p>
+          <a:p>
+            <a:pPr indent="0" lvl="0" marL="304800" rtl="0" algn="l">
+              <a:lnSpc>
+                <a:spcPct val="115000"/>
+              </a:lnSpc>
+              <a:spcBef>
+                <a:spcPts val="0"/>
+              </a:spcBef>
+              <a:spcAft>
+                <a:spcPts val="0"/>
+              </a:spcAft>
+              <a:buClr>
+                <a:schemeClr val="dk1"/>
+              </a:buClr>
+              <a:buSzPts val="1100"/>
+              <a:buFont typeface="Arial"/>
+              <a:buNone/>
+            </a:pPr>
+            <a:r>
+              <a:rPr lang="en-US">
                 <a:solidFill>
-                  <a:schemeClr val="dk1"/>
+                  <a:srgbClr val="3D3D3D"/>
                 </a:solidFill>
-                <a:latin typeface="Gill Sans"/>
-                <a:ea typeface="Gill Sans"/>
-                <a:cs typeface="Gill Sans"/>
-                <a:sym typeface="Gill Sans"/>
               </a:rPr>
-              <a:t>Correlation Co – efficients:</a:t>
+              <a:t>This is in spite of in one year ROI was 0 - but for the other years, ROI was consistently above the other chains.</a:t>
+            </a:r>
+            <a:endParaRPr>
+              <a:solidFill>
+                <a:srgbClr val="3D3D3D"/>
+              </a:solidFill>
+            </a:endParaRPr>
+          </a:p>
+          <a:p>
+            <a:pPr indent="0" lvl="0" marL="304800" rtl="0" algn="l">
+              <a:lnSpc>
+                <a:spcPct val="115000"/>
+              </a:lnSpc>
+              <a:spcBef>
+                <a:spcPts val="0"/>
+              </a:spcBef>
+              <a:spcAft>
+                <a:spcPts val="0"/>
+              </a:spcAft>
+              <a:buSzPts val="1100"/>
+              <a:buNone/>
+            </a:pPr>
+            <a:r>
+              <a:t/>
+            </a:r>
+            <a:endParaRPr>
+              <a:solidFill>
+                <a:srgbClr val="3D3D3D"/>
+              </a:solidFill>
+            </a:endParaRPr>
+          </a:p>
+          <a:p>
+            <a:pPr indent="0" lvl="0" marL="304800" rtl="0" algn="l">
+              <a:lnSpc>
+                <a:spcPct val="115000"/>
+              </a:lnSpc>
+              <a:spcBef>
+                <a:spcPts val="0"/>
+              </a:spcBef>
+              <a:spcAft>
+                <a:spcPts val="0"/>
+              </a:spcAft>
+              <a:buSzPts val="1100"/>
+              <a:buNone/>
+            </a:pPr>
+            <a:r>
+              <a:rPr lang="en-US">
+                <a:solidFill>
+                  <a:srgbClr val="3D3D3D"/>
+                </a:solidFill>
+              </a:rPr>
+              <a:t>However, over the last 3 months, its share price has declined - do we think this is a pattern of things to come?</a:t>
+            </a:r>
+            <a:endParaRPr>
+              <a:solidFill>
+                <a:srgbClr val="3D3D3D"/>
+              </a:solidFill>
+            </a:endParaRPr>
+          </a:p>
+          <a:p>
+            <a:pPr indent="0" lvl="0" marL="304800" rtl="0" algn="l">
+              <a:lnSpc>
+                <a:spcPct val="115000"/>
+              </a:lnSpc>
+              <a:spcBef>
+                <a:spcPts val="0"/>
+              </a:spcBef>
+              <a:spcAft>
+                <a:spcPts val="0"/>
+              </a:spcAft>
+              <a:buClr>
+                <a:schemeClr val="dk1"/>
+              </a:buClr>
+              <a:buSzPts val="1100"/>
+              <a:buFont typeface="Arial"/>
+              <a:buNone/>
+            </a:pPr>
+            <a:r>
+              <a:t/>
+            </a:r>
+            <a:endParaRPr>
+              <a:solidFill>
+                <a:srgbClr val="3D3D3D"/>
+              </a:solidFill>
+            </a:endParaRPr>
+          </a:p>
+          <a:p>
+            <a:pPr indent="0" lvl="0" marL="304800" rtl="0" algn="l">
+              <a:lnSpc>
+                <a:spcPct val="115000"/>
+              </a:lnSpc>
+              <a:spcBef>
+                <a:spcPts val="0"/>
+              </a:spcBef>
+              <a:spcAft>
+                <a:spcPts val="0"/>
+              </a:spcAft>
+              <a:buClr>
+                <a:schemeClr val="dk1"/>
+              </a:buClr>
+              <a:buSzPts val="1100"/>
+              <a:buFont typeface="Arial"/>
+              <a:buNone/>
+            </a:pPr>
+            <a:r>
+              <a:rPr lang="en-US">
+                <a:solidFill>
+                  <a:srgbClr val="3D3D3D"/>
+                </a:solidFill>
+              </a:rPr>
+              <a:t>Total dividend payments are less relevant for Costco - its share price is a lot higher than the others so $1000 buys relatively less shares compared to the others - so the vast majority of any return is generated by the share price increasing.</a:t>
+            </a:r>
+            <a:endParaRPr>
+              <a:solidFill>
+                <a:srgbClr val="3D3D3D"/>
+              </a:solidFill>
+            </a:endParaRPr>
+          </a:p>
+          <a:p>
+            <a:pPr indent="-200844" lvl="0" marL="306000" rtl="0" algn="l">
+              <a:spcBef>
+                <a:spcPts val="0"/>
+              </a:spcBef>
+              <a:spcAft>
+                <a:spcPts val="0"/>
+              </a:spcAft>
+              <a:buSzPts val="1656"/>
+              <a:buNone/>
+            </a:pPr>
+            <a:r>
+              <a:t/>
             </a:r>
             <a:endParaRPr/>
           </a:p>
           <a:p>
-            <a:pPr indent="0" lvl="0" marL="0" marR="0" rtl="0" algn="l">
-              <a:spcBef>
-                <a:spcPts val="0"/>
-              </a:spcBef>
-              <a:spcAft>
-                <a:spcPts val="0"/>
-              </a:spcAft>
+            <a:pPr indent="-200844" lvl="0" marL="306000" rtl="0" algn="l">
+              <a:spcBef>
+                <a:spcPts val="0"/>
+              </a:spcBef>
+              <a:spcAft>
+                <a:spcPts val="0"/>
+              </a:spcAft>
+              <a:buSzPts val="1656"/>
               <a:buNone/>
             </a:pPr>
             <a:r>
               <a:t/>
             </a:r>
-            <a:endParaRPr sz="1800">
-              <a:solidFill>
-                <a:schemeClr val="dk1"/>
-              </a:solidFill>
-              <a:latin typeface="Gill Sans"/>
-              <a:ea typeface="Gill Sans"/>
-              <a:cs typeface="Gill Sans"/>
-              <a:sym typeface="Gill Sans"/>
-            </a:endParaRPr>
-          </a:p>
-          <a:p>
-            <a:pPr indent="0" lvl="0" marL="0" marR="0" rtl="0" algn="l">
-              <a:spcBef>
-                <a:spcPts val="0"/>
-              </a:spcBef>
-              <a:spcAft>
-                <a:spcPts val="0"/>
-              </a:spcAft>
-              <a:buNone/>
-            </a:pPr>
-            <a:r>
-              <a:rPr lang="en-US" sz="1800">
-                <a:solidFill>
-                  <a:schemeClr val="dk1"/>
-                </a:solidFill>
-                <a:latin typeface="Gill Sans"/>
-                <a:ea typeface="Gill Sans"/>
-                <a:cs typeface="Gill Sans"/>
-                <a:sym typeface="Gill Sans"/>
-              </a:rPr>
-              <a:t>Walmart: -0.077</a:t>
-            </a:r>
             <a:endParaRPr/>
           </a:p>
           <a:p>
-            <a:pPr indent="0" lvl="0" marL="0" marR="0" rtl="0" algn="l">
-              <a:spcBef>
-                <a:spcPts val="0"/>
-              </a:spcBef>
-              <a:spcAft>
-                <a:spcPts val="0"/>
-              </a:spcAft>
+            <a:pPr indent="-200844" lvl="0" marL="306000" rtl="0" algn="l">
+              <a:spcBef>
+                <a:spcPts val="0"/>
+              </a:spcBef>
+              <a:spcAft>
+                <a:spcPts val="0"/>
+              </a:spcAft>
+              <a:buSzPts val="1656"/>
               <a:buNone/>
             </a:pPr>
             <a:r>
-              <a:t/>
-            </a:r>
-            <a:endParaRPr sz="1800">
-              <a:solidFill>
-                <a:schemeClr val="dk1"/>
-              </a:solidFill>
-              <a:latin typeface="Gill Sans"/>
-              <a:ea typeface="Gill Sans"/>
-              <a:cs typeface="Gill Sans"/>
-              <a:sym typeface="Gill Sans"/>
-            </a:endParaRPr>
-          </a:p>
-          <a:p>
-            <a:pPr indent="0" lvl="0" marL="0" marR="0" rtl="0" algn="l">
-              <a:spcBef>
-                <a:spcPts val="0"/>
-              </a:spcBef>
-              <a:spcAft>
-                <a:spcPts val="0"/>
-              </a:spcAft>
-              <a:buNone/>
-            </a:pPr>
-            <a:r>
-              <a:rPr lang="en-US" sz="1800">
-                <a:solidFill>
-                  <a:schemeClr val="dk1"/>
-                </a:solidFill>
-                <a:latin typeface="Gill Sans"/>
-                <a:ea typeface="Gill Sans"/>
-                <a:cs typeface="Gill Sans"/>
-                <a:sym typeface="Gill Sans"/>
-              </a:rPr>
-              <a:t>Costco:  -0.151</a:t>
+              <a:rPr lang="en-US"/>
+              <a:t> </a:t>
             </a:r>
             <a:endParaRPr/>
-          </a:p>
-          <a:p>
-            <a:pPr indent="0" lvl="0" marL="0" marR="0" rtl="0" algn="l">
-              <a:spcBef>
-                <a:spcPts val="0"/>
-              </a:spcBef>
-              <a:spcAft>
-                <a:spcPts val="0"/>
-              </a:spcAft>
-              <a:buNone/>
-            </a:pPr>
-            <a:r>
-              <a:t/>
-            </a:r>
-            <a:endParaRPr sz="1800">
-              <a:solidFill>
-                <a:schemeClr val="dk1"/>
-              </a:solidFill>
-              <a:latin typeface="Gill Sans"/>
-              <a:ea typeface="Gill Sans"/>
-              <a:cs typeface="Gill Sans"/>
-              <a:sym typeface="Gill Sans"/>
-            </a:endParaRPr>
-          </a:p>
-          <a:p>
-            <a:pPr indent="0" lvl="0" marL="0" marR="0" rtl="0" algn="l">
-              <a:spcBef>
-                <a:spcPts val="0"/>
-              </a:spcBef>
-              <a:spcAft>
-                <a:spcPts val="0"/>
-              </a:spcAft>
-              <a:buNone/>
-            </a:pPr>
-            <a:r>
-              <a:rPr lang="en-US" sz="1800">
-                <a:solidFill>
-                  <a:schemeClr val="dk1"/>
-                </a:solidFill>
-                <a:latin typeface="Gill Sans"/>
-                <a:ea typeface="Gill Sans"/>
-                <a:cs typeface="Gill Sans"/>
-                <a:sym typeface="Gill Sans"/>
-              </a:rPr>
-              <a:t>Target: -0.272</a:t>
-            </a:r>
-            <a:endParaRPr/>
-          </a:p>
-          <a:p>
-            <a:pPr indent="0" lvl="0" marL="0" marR="0" rtl="0" algn="l">
-              <a:spcBef>
-                <a:spcPts val="0"/>
-              </a:spcBef>
-              <a:spcAft>
-                <a:spcPts val="0"/>
-              </a:spcAft>
-              <a:buNone/>
-            </a:pPr>
-            <a:r>
-              <a:t/>
-            </a:r>
-            <a:endParaRPr sz="1800">
-              <a:solidFill>
-                <a:schemeClr val="dk1"/>
-              </a:solidFill>
-              <a:latin typeface="Gill Sans"/>
-              <a:ea typeface="Gill Sans"/>
-              <a:cs typeface="Gill Sans"/>
-              <a:sym typeface="Gill Sans"/>
-            </a:endParaRPr>
-          </a:p>
-          <a:p>
-            <a:pPr indent="0" lvl="0" marL="0" marR="0" rtl="0" algn="l">
-              <a:spcBef>
-                <a:spcPts val="0"/>
-              </a:spcBef>
-              <a:spcAft>
-                <a:spcPts val="0"/>
-              </a:spcAft>
-              <a:buNone/>
-            </a:pPr>
-            <a:r>
-              <a:rPr lang="en-US" sz="1800">
-                <a:solidFill>
-                  <a:schemeClr val="dk1"/>
-                </a:solidFill>
-                <a:latin typeface="Gill Sans"/>
-                <a:ea typeface="Gill Sans"/>
-                <a:cs typeface="Gill Sans"/>
-                <a:sym typeface="Gill Sans"/>
-              </a:rPr>
-              <a:t>Albertsons:  -0.118</a:t>
-            </a:r>
-            <a:endParaRPr sz="1800">
-              <a:solidFill>
-                <a:schemeClr val="dk1"/>
-              </a:solidFill>
-              <a:latin typeface="Gill Sans"/>
-              <a:ea typeface="Gill Sans"/>
-              <a:cs typeface="Gill Sans"/>
-              <a:sym typeface="Gill Sans"/>
-            </a:endParaRPr>
           </a:p>
         </p:txBody>
       </p:sp>
@@ -16587,179 +16409,7 @@
       </p:grpSpPr>
       <p:sp>
         <p:nvSpPr>
-          <p:cNvPr id="245" name="Google Shape;245;g2c4c75c3d89_0_1"/>
-          <p:cNvSpPr txBox="1"/>
-          <p:nvPr>
-            <p:ph type="title"/>
-          </p:nvPr>
-        </p:nvSpPr>
-        <p:spPr>
-          <a:xfrm>
-            <a:off x="581192" y="702156"/>
-            <a:ext cx="11029500" cy="1013700"/>
-          </a:xfrm>
-          <a:prstGeom prst="rect">
-            <a:avLst/>
-          </a:prstGeom>
-        </p:spPr>
-        <p:txBody>
-          <a:bodyPr anchorCtr="0" anchor="b" bIns="45700" lIns="91425" spcFirstLastPara="1" rIns="91425" wrap="square" tIns="45700">
-            <a:normAutofit/>
-          </a:bodyPr>
-          <a:lstStyle/>
-          <a:p>
-            <a:pPr indent="0" lvl="0" marL="0" rtl="0" algn="l">
-              <a:spcBef>
-                <a:spcPts val="0"/>
-              </a:spcBef>
-              <a:spcAft>
-                <a:spcPts val="0"/>
-              </a:spcAft>
-              <a:buClr>
-                <a:schemeClr val="lt1"/>
-              </a:buClr>
-              <a:buSzPts val="2800"/>
-              <a:buFont typeface="Gill Sans"/>
-              <a:buNone/>
-            </a:pPr>
-            <a:r>
-              <a:rPr lang="en-US"/>
-              <a:t>ARE THERE ANY OTHER FACTORS THAT CAN INFLUENCE OUR DECISION?</a:t>
-            </a:r>
-            <a:endParaRPr/>
-          </a:p>
-        </p:txBody>
-      </p:sp>
-      <p:sp>
-        <p:nvSpPr>
-          <p:cNvPr id="246" name="Google Shape;246;g2c4c75c3d89_0_1"/>
-          <p:cNvSpPr txBox="1"/>
-          <p:nvPr>
-            <p:ph idx="1" type="body"/>
-          </p:nvPr>
-        </p:nvSpPr>
-        <p:spPr>
-          <a:xfrm>
-            <a:off x="581192" y="2180496"/>
-            <a:ext cx="11029500" cy="3678300"/>
-          </a:xfrm>
-          <a:prstGeom prst="rect">
-            <a:avLst/>
-          </a:prstGeom>
-        </p:spPr>
-        <p:txBody>
-          <a:bodyPr anchorCtr="0" anchor="ctr" bIns="45700" lIns="91425" spcFirstLastPara="1" rIns="91425" wrap="square" tIns="45700">
-            <a:normAutofit/>
-          </a:bodyPr>
-          <a:lstStyle/>
-          <a:p>
-            <a:pPr indent="0" lvl="0" marL="0" rtl="0" algn="l">
-              <a:spcBef>
-                <a:spcPts val="360"/>
-              </a:spcBef>
-              <a:spcAft>
-                <a:spcPts val="0"/>
-              </a:spcAft>
-              <a:buNone/>
-            </a:pPr>
-            <a:r>
-              <a:rPr lang="en-US"/>
-              <a:t>Walmart - aggressive expansion plans - will it work?</a:t>
-            </a:r>
-            <a:endParaRPr/>
-          </a:p>
-          <a:p>
-            <a:pPr indent="0" lvl="0" marL="0" rtl="0" algn="l">
-              <a:spcBef>
-                <a:spcPts val="600"/>
-              </a:spcBef>
-              <a:spcAft>
-                <a:spcPts val="0"/>
-              </a:spcAft>
-              <a:buNone/>
-            </a:pPr>
-            <a:r>
-              <a:t/>
-            </a:r>
-            <a:endParaRPr/>
-          </a:p>
-          <a:p>
-            <a:pPr indent="0" lvl="0" marL="0" rtl="0" algn="l">
-              <a:spcBef>
-                <a:spcPts val="600"/>
-              </a:spcBef>
-              <a:spcAft>
-                <a:spcPts val="0"/>
-              </a:spcAft>
-              <a:buNone/>
-            </a:pPr>
-            <a:r>
-              <a:rPr lang="en-US"/>
-              <a:t>Albertson’s - implications of a blocked merger?</a:t>
-            </a:r>
-            <a:endParaRPr/>
-          </a:p>
-          <a:p>
-            <a:pPr indent="0" lvl="0" marL="0" rtl="0" algn="l">
-              <a:spcBef>
-                <a:spcPts val="600"/>
-              </a:spcBef>
-              <a:spcAft>
-                <a:spcPts val="0"/>
-              </a:spcAft>
-              <a:buNone/>
-            </a:pPr>
-            <a:r>
-              <a:t/>
-            </a:r>
-            <a:endParaRPr/>
-          </a:p>
-          <a:p>
-            <a:pPr indent="0" lvl="0" marL="0" rtl="0" algn="l">
-              <a:spcBef>
-                <a:spcPts val="600"/>
-              </a:spcBef>
-              <a:spcAft>
-                <a:spcPts val="600"/>
-              </a:spcAft>
-              <a:buNone/>
-            </a:pPr>
-            <a:r>
-              <a:rPr lang="en-US"/>
-              <a:t>Costco - an over - reliance on membership numbers? </a:t>
-            </a:r>
-            <a:endParaRPr/>
-          </a:p>
-        </p:txBody>
-      </p:sp>
-    </p:spTree>
-  </p:cSld>
-  <p:clrMapOvr>
-    <a:masterClrMapping/>
-  </p:clrMapOvr>
-</p:sld>
-</file>
-
-<file path=ppt/slides/slide23.xml><?xml version="1.0" encoding="utf-8"?>
-<p:sld xmlns:a="http://schemas.openxmlformats.org/drawingml/2006/main" xmlns:r="http://schemas.openxmlformats.org/officeDocument/2006/relationships" xmlns:mc="http://schemas.openxmlformats.org/markup-compatibility/2006" xmlns:mv="urn:schemas-microsoft-com:mac:vml" xmlns:p="http://schemas.openxmlformats.org/presentationml/2006/main" xmlns:c="http://schemas.openxmlformats.org/drawingml/2006/chart" xmlns:dgm="http://schemas.openxmlformats.org/drawingml/2006/diagram" xmlns:o="urn:schemas-microsoft-com:office:office" xmlns:v="urn:schemas-microsoft-com:vml" xmlns:pvml="urn:schemas-microsoft-com:office:powerpoint" xmlns:com="http://schemas.openxmlformats.org/drawingml/2006/compatibility" xmlns:p14="http://schemas.microsoft.com/office/powerpoint/2010/main" xmlns:p15="http://schemas.microsoft.com/office/powerpoint/2012/main" xmlns:ahyp="http://schemas.microsoft.com/office/drawing/2018/hyperlinkcolor">
-  <p:cSld>
-    <p:spTree>
-      <p:nvGrpSpPr>
-        <p:cNvPr id="250" name="Shape 250"/>
-        <p:cNvGrpSpPr/>
-        <p:nvPr/>
-      </p:nvGrpSpPr>
-      <p:grpSpPr>
-        <a:xfrm>
-          <a:off x="0" y="0"/>
-          <a:ext cx="0" cy="0"/>
-          <a:chOff x="0" y="0"/>
-          <a:chExt cx="0" cy="0"/>
-        </a:xfrm>
-      </p:grpSpPr>
-      <p:sp>
-        <p:nvSpPr>
-          <p:cNvPr id="251" name="Google Shape;251;p24"/>
+          <p:cNvPr id="245" name="Google Shape;245;p25"/>
           <p:cNvSpPr txBox="1"/>
           <p:nvPr>
             <p:ph type="title"/>
@@ -16800,354 +16450,6 @@
             </a:pPr>
             <a:r>
               <a:rPr lang="en-US"/>
-              <a:t>SO WHO SHOULD WE INVEST IN BASED ON THIS DATA?</a:t>
-            </a:r>
-            <a:endParaRPr/>
-          </a:p>
-        </p:txBody>
-      </p:sp>
-      <p:sp>
-        <p:nvSpPr>
-          <p:cNvPr id="252" name="Google Shape;252;p24"/>
-          <p:cNvSpPr txBox="1"/>
-          <p:nvPr>
-            <p:ph idx="1" type="body"/>
-          </p:nvPr>
-        </p:nvSpPr>
-        <p:spPr>
-          <a:xfrm>
-            <a:off x="581192" y="2180496"/>
-            <a:ext cx="11029615" cy="3678303"/>
-          </a:xfrm>
-          <a:prstGeom prst="rect">
-            <a:avLst/>
-          </a:prstGeom>
-          <a:noFill/>
-          <a:ln>
-            <a:noFill/>
-          </a:ln>
-        </p:spPr>
-        <p:txBody>
-          <a:bodyPr anchorCtr="0" anchor="ctr" bIns="45700" lIns="91425" spcFirstLastPara="1" rIns="91425" wrap="square" tIns="45700">
-            <a:normAutofit lnSpcReduction="10000"/>
-          </a:bodyPr>
-          <a:lstStyle/>
-          <a:p>
-            <a:pPr indent="0" lvl="0" marL="304800" rtl="0" algn="l">
-              <a:lnSpc>
-                <a:spcPct val="115000"/>
-              </a:lnSpc>
-              <a:spcBef>
-                <a:spcPts val="0"/>
-              </a:spcBef>
-              <a:spcAft>
-                <a:spcPts val="0"/>
-              </a:spcAft>
-              <a:buSzPts val="1100"/>
-              <a:buNone/>
-            </a:pPr>
-            <a:r>
-              <a:rPr lang="en-US">
-                <a:solidFill>
-                  <a:srgbClr val="3D3D3D"/>
-                </a:solidFill>
-              </a:rPr>
-              <a:t>Based on total ROI, it is hard to look past Costco!</a:t>
-            </a:r>
-            <a:endParaRPr>
-              <a:solidFill>
-                <a:srgbClr val="3D3D3D"/>
-              </a:solidFill>
-            </a:endParaRPr>
-          </a:p>
-          <a:p>
-            <a:pPr indent="0" lvl="0" marL="304800" rtl="0" algn="l">
-              <a:lnSpc>
-                <a:spcPct val="115000"/>
-              </a:lnSpc>
-              <a:spcBef>
-                <a:spcPts val="0"/>
-              </a:spcBef>
-              <a:spcAft>
-                <a:spcPts val="0"/>
-              </a:spcAft>
-              <a:buClr>
-                <a:schemeClr val="dk1"/>
-              </a:buClr>
-              <a:buSzPts val="1100"/>
-              <a:buFont typeface="Arial"/>
-              <a:buNone/>
-            </a:pPr>
-            <a:r>
-              <a:t/>
-            </a:r>
-            <a:endParaRPr>
-              <a:solidFill>
-                <a:srgbClr val="3D3D3D"/>
-              </a:solidFill>
-            </a:endParaRPr>
-          </a:p>
-          <a:p>
-            <a:pPr indent="0" lvl="0" marL="304800" rtl="0" algn="l">
-              <a:lnSpc>
-                <a:spcPct val="115000"/>
-              </a:lnSpc>
-              <a:spcBef>
-                <a:spcPts val="0"/>
-              </a:spcBef>
-              <a:spcAft>
-                <a:spcPts val="0"/>
-              </a:spcAft>
-              <a:buClr>
-                <a:schemeClr val="dk1"/>
-              </a:buClr>
-              <a:buSzPts val="1100"/>
-              <a:buFont typeface="Arial"/>
-              <a:buNone/>
-            </a:pPr>
-            <a:r>
-              <a:rPr lang="en-US">
-                <a:solidFill>
-                  <a:srgbClr val="3D3D3D"/>
-                </a:solidFill>
-              </a:rPr>
-              <a:t>This is in spite of in one year ROI was 0 - but for the other years, ROI was consistently above the other chains.</a:t>
-            </a:r>
-            <a:endParaRPr>
-              <a:solidFill>
-                <a:srgbClr val="3D3D3D"/>
-              </a:solidFill>
-            </a:endParaRPr>
-          </a:p>
-          <a:p>
-            <a:pPr indent="0" lvl="0" marL="304800" rtl="0" algn="l">
-              <a:lnSpc>
-                <a:spcPct val="115000"/>
-              </a:lnSpc>
-              <a:spcBef>
-                <a:spcPts val="0"/>
-              </a:spcBef>
-              <a:spcAft>
-                <a:spcPts val="0"/>
-              </a:spcAft>
-              <a:buSzPts val="1100"/>
-              <a:buNone/>
-            </a:pPr>
-            <a:r>
-              <a:t/>
-            </a:r>
-            <a:endParaRPr>
-              <a:solidFill>
-                <a:srgbClr val="3D3D3D"/>
-              </a:solidFill>
-            </a:endParaRPr>
-          </a:p>
-          <a:p>
-            <a:pPr indent="0" lvl="0" marL="304800" rtl="0" algn="l">
-              <a:lnSpc>
-                <a:spcPct val="115000"/>
-              </a:lnSpc>
-              <a:spcBef>
-                <a:spcPts val="0"/>
-              </a:spcBef>
-              <a:spcAft>
-                <a:spcPts val="0"/>
-              </a:spcAft>
-              <a:buSzPts val="1100"/>
-              <a:buNone/>
-            </a:pPr>
-            <a:r>
-              <a:rPr lang="en-US">
-                <a:solidFill>
-                  <a:srgbClr val="3D3D3D"/>
-                </a:solidFill>
-              </a:rPr>
-              <a:t>However, over the last 3 months, its share price has declined - do we think this is a pattern of things to come?</a:t>
-            </a:r>
-            <a:endParaRPr>
-              <a:solidFill>
-                <a:srgbClr val="3D3D3D"/>
-              </a:solidFill>
-            </a:endParaRPr>
-          </a:p>
-          <a:p>
-            <a:pPr indent="0" lvl="0" marL="304800" rtl="0" algn="l">
-              <a:lnSpc>
-                <a:spcPct val="115000"/>
-              </a:lnSpc>
-              <a:spcBef>
-                <a:spcPts val="0"/>
-              </a:spcBef>
-              <a:spcAft>
-                <a:spcPts val="0"/>
-              </a:spcAft>
-              <a:buClr>
-                <a:schemeClr val="dk1"/>
-              </a:buClr>
-              <a:buSzPts val="1100"/>
-              <a:buFont typeface="Arial"/>
-              <a:buNone/>
-            </a:pPr>
-            <a:r>
-              <a:t/>
-            </a:r>
-            <a:endParaRPr>
-              <a:solidFill>
-                <a:srgbClr val="3D3D3D"/>
-              </a:solidFill>
-            </a:endParaRPr>
-          </a:p>
-          <a:p>
-            <a:pPr indent="0" lvl="0" marL="304800" rtl="0" algn="l">
-              <a:lnSpc>
-                <a:spcPct val="115000"/>
-              </a:lnSpc>
-              <a:spcBef>
-                <a:spcPts val="0"/>
-              </a:spcBef>
-              <a:spcAft>
-                <a:spcPts val="0"/>
-              </a:spcAft>
-              <a:buClr>
-                <a:schemeClr val="dk1"/>
-              </a:buClr>
-              <a:buSzPts val="1100"/>
-              <a:buFont typeface="Arial"/>
-              <a:buNone/>
-            </a:pPr>
-            <a:r>
-              <a:rPr lang="en-US">
-                <a:solidFill>
-                  <a:srgbClr val="3D3D3D"/>
-                </a:solidFill>
-              </a:rPr>
-              <a:t>Total dividend payments are less relevant for Costco - its share price is a lot higher than the others so $1000 buys relatively less shares compared to the others - so the vast majority of any return is generated by the share price increasing.</a:t>
-            </a:r>
-            <a:endParaRPr>
-              <a:solidFill>
-                <a:srgbClr val="3D3D3D"/>
-              </a:solidFill>
-            </a:endParaRPr>
-          </a:p>
-          <a:p>
-            <a:pPr indent="-200844" lvl="0" marL="306000" rtl="0" algn="l">
-              <a:spcBef>
-                <a:spcPts val="0"/>
-              </a:spcBef>
-              <a:spcAft>
-                <a:spcPts val="0"/>
-              </a:spcAft>
-              <a:buSzPts val="1656"/>
-              <a:buNone/>
-            </a:pPr>
-            <a:r>
-              <a:t/>
-            </a:r>
-            <a:endParaRPr/>
-          </a:p>
-          <a:p>
-            <a:pPr indent="-200844" lvl="0" marL="306000" rtl="0" algn="l">
-              <a:spcBef>
-                <a:spcPts val="0"/>
-              </a:spcBef>
-              <a:spcAft>
-                <a:spcPts val="0"/>
-              </a:spcAft>
-              <a:buSzPts val="1656"/>
-              <a:buNone/>
-            </a:pPr>
-            <a:r>
-              <a:t/>
-            </a:r>
-            <a:endParaRPr/>
-          </a:p>
-          <a:p>
-            <a:pPr indent="-200844" lvl="0" marL="306000" rtl="0" algn="l">
-              <a:spcBef>
-                <a:spcPts val="0"/>
-              </a:spcBef>
-              <a:spcAft>
-                <a:spcPts val="0"/>
-              </a:spcAft>
-              <a:buSzPts val="1656"/>
-              <a:buNone/>
-            </a:pPr>
-            <a:r>
-              <a:rPr lang="en-US"/>
-              <a:t> </a:t>
-            </a:r>
-            <a:endParaRPr/>
-          </a:p>
-        </p:txBody>
-      </p:sp>
-    </p:spTree>
-  </p:cSld>
-  <p:clrMapOvr>
-    <a:masterClrMapping/>
-  </p:clrMapOvr>
-</p:sld>
-</file>
-
-<file path=ppt/slides/slide24.xml><?xml version="1.0" encoding="utf-8"?>
-<p:sld xmlns:a="http://schemas.openxmlformats.org/drawingml/2006/main" xmlns:r="http://schemas.openxmlformats.org/officeDocument/2006/relationships" xmlns:mc="http://schemas.openxmlformats.org/markup-compatibility/2006" xmlns:mv="urn:schemas-microsoft-com:mac:vml" xmlns:p="http://schemas.openxmlformats.org/presentationml/2006/main" xmlns:c="http://schemas.openxmlformats.org/drawingml/2006/chart" xmlns:dgm="http://schemas.openxmlformats.org/drawingml/2006/diagram" xmlns:o="urn:schemas-microsoft-com:office:office" xmlns:v="urn:schemas-microsoft-com:vml" xmlns:pvml="urn:schemas-microsoft-com:office:powerpoint" xmlns:com="http://schemas.openxmlformats.org/drawingml/2006/compatibility" xmlns:p14="http://schemas.microsoft.com/office/powerpoint/2010/main" xmlns:p15="http://schemas.microsoft.com/office/powerpoint/2012/main" xmlns:ahyp="http://schemas.microsoft.com/office/drawing/2018/hyperlinkcolor">
-  <p:cSld>
-    <p:spTree>
-      <p:nvGrpSpPr>
-        <p:cNvPr id="256" name="Shape 256"/>
-        <p:cNvGrpSpPr/>
-        <p:nvPr/>
-      </p:nvGrpSpPr>
-      <p:grpSpPr>
-        <a:xfrm>
-          <a:off x="0" y="0"/>
-          <a:ext cx="0" cy="0"/>
-          <a:chOff x="0" y="0"/>
-          <a:chExt cx="0" cy="0"/>
-        </a:xfrm>
-      </p:grpSpPr>
-      <p:sp>
-        <p:nvSpPr>
-          <p:cNvPr id="257" name="Google Shape;257;p25"/>
-          <p:cNvSpPr txBox="1"/>
-          <p:nvPr>
-            <p:ph type="title"/>
-          </p:nvPr>
-        </p:nvSpPr>
-        <p:spPr>
-          <a:xfrm>
-            <a:off x="581192" y="702156"/>
-            <a:ext cx="11029616" cy="1013800"/>
-          </a:xfrm>
-          <a:prstGeom prst="rect">
-            <a:avLst/>
-          </a:prstGeom>
-          <a:noFill/>
-          <a:ln>
-            <a:noFill/>
-          </a:ln>
-        </p:spPr>
-        <p:txBody>
-          <a:bodyPr anchorCtr="0" anchor="b" bIns="45700" lIns="91425" spcFirstLastPara="1" rIns="91425" wrap="square" tIns="45700">
-            <a:normAutofit/>
-          </a:bodyPr>
-          <a:lstStyle/>
-          <a:p>
-            <a:pPr indent="0" lvl="0" marL="0" rtl="0" algn="l">
-              <a:spcBef>
-                <a:spcPts val="0"/>
-              </a:spcBef>
-              <a:spcAft>
-                <a:spcPts val="0"/>
-              </a:spcAft>
-              <a:buClr>
-                <a:schemeClr val="lt1"/>
-              </a:buClr>
-              <a:buSzPts val="2800"/>
-              <a:buFont typeface="Gill Sans"/>
-              <a:buNone/>
-            </a:pPr>
-            <a:r>
-              <a:rPr lang="en-US"/>
               <a:t>FURTHER CONSIDERATIONS</a:t>
             </a:r>
             <a:endParaRPr/>
@@ -17156,7 +16458,7 @@
       </p:sp>
       <p:sp>
         <p:nvSpPr>
-          <p:cNvPr id="258" name="Google Shape;258;p25"/>
+          <p:cNvPr id="246" name="Google Shape;246;p25"/>
           <p:cNvSpPr txBox="1"/>
           <p:nvPr>
             <p:ph idx="1" type="body"/>
@@ -17622,7 +16924,7 @@
       </p:grpSpPr>
       <p:sp>
         <p:nvSpPr>
-          <p:cNvPr id="125" name="Google Shape;125;g2c4b658579b_3_1"/>
+          <p:cNvPr id="125" name="Google Shape;125;p5"/>
           <p:cNvSpPr txBox="1"/>
           <p:nvPr>
             <p:ph type="title"/>
@@ -17631,7 +16933,7 @@
         <p:spPr>
           <a:xfrm>
             <a:off x="581192" y="702156"/>
-            <a:ext cx="11029500" cy="1013700"/>
+            <a:ext cx="11029616" cy="1013800"/>
           </a:xfrm>
           <a:prstGeom prst="rect">
             <a:avLst/>
@@ -17663,7 +16965,7 @@
             </a:pPr>
             <a:r>
               <a:rPr lang="en-US"/>
-              <a:t>METHODOLOGY</a:t>
+              <a:t>6 KEY QUESTIONS</a:t>
             </a:r>
             <a:endParaRPr/>
           </a:p>
@@ -17671,7 +16973,7 @@
       </p:sp>
       <p:sp>
         <p:nvSpPr>
-          <p:cNvPr id="126" name="Google Shape;126;g2c4b658579b_3_1"/>
+          <p:cNvPr id="126" name="Google Shape;126;p5"/>
           <p:cNvSpPr txBox="1"/>
           <p:nvPr>
             <p:ph idx="1" type="body"/>
@@ -17680,7 +16982,7 @@
         <p:spPr>
           <a:xfrm>
             <a:off x="581192" y="2180496"/>
-            <a:ext cx="11029500" cy="4512300"/>
+            <a:ext cx="11029615" cy="3678303"/>
           </a:xfrm>
           <a:prstGeom prst="rect">
             <a:avLst/>
@@ -17692,7 +16994,7 @@
         </p:spPr>
         <p:txBody>
           <a:bodyPr anchorCtr="0" anchor="ctr" bIns="45700" lIns="91425" spcFirstLastPara="1" rIns="91425" wrap="square" tIns="45700">
-            <a:normAutofit fontScale="92500" lnSpcReduction="20000"/>
+            <a:normAutofit fontScale="85000" lnSpcReduction="20000"/>
           </a:bodyPr>
           <a:lstStyle/>
           <a:p>
@@ -17708,14 +17010,14 @@
             </a:pPr>
             <a:r>
               <a:rPr lang="en-US"/>
-              <a:t>The four big supermarkets in the U.S. are Walmart, Costco, Target and Albertsons.</a:t>
+              <a:t>How does the stock price change over time?</a:t>
             </a:r>
             <a:endParaRPr/>
           </a:p>
           <a:p>
-            <a:pPr indent="-208730" lvl="0" marL="306000" rtl="0" algn="l">
-              <a:spcBef>
-                <a:spcPts val="933"/>
+            <a:pPr indent="-216617" lvl="0" marL="306000" rtl="0" algn="l">
+              <a:spcBef>
+                <a:spcPts val="906"/>
               </a:spcBef>
               <a:spcAft>
                 <a:spcPts val="0"/>
@@ -17731,7 +17033,7 @@
           <a:p>
             <a:pPr indent="-306000" lvl="0" marL="306000" rtl="0" algn="l">
               <a:spcBef>
-                <a:spcPts val="933"/>
+                <a:spcPts val="906"/>
               </a:spcBef>
               <a:spcAft>
                 <a:spcPts val="0"/>
@@ -17741,14 +17043,14 @@
             </a:pPr>
             <a:r>
               <a:rPr lang="en-US"/>
-              <a:t>Data was sourced from Yahoo Finance.  Share price and dividend data was readily available – thank you Chace!</a:t>
+              <a:t>How are dividends treated by the company?</a:t>
             </a:r>
             <a:endParaRPr/>
           </a:p>
           <a:p>
-            <a:pPr indent="-208730" lvl="0" marL="306000" rtl="0" algn="l">
-              <a:spcBef>
-                <a:spcPts val="933"/>
+            <a:pPr indent="-216617" lvl="0" marL="306000" rtl="0" algn="l">
+              <a:spcBef>
+                <a:spcPts val="906"/>
               </a:spcBef>
               <a:spcAft>
                 <a:spcPts val="0"/>
@@ -17764,7 +17066,7 @@
           <a:p>
             <a:pPr indent="-306000" lvl="0" marL="306000" rtl="0" algn="l">
               <a:spcBef>
-                <a:spcPts val="933"/>
+                <a:spcPts val="906"/>
               </a:spcBef>
               <a:spcAft>
                 <a:spcPts val="0"/>
@@ -17774,14 +17076,14 @@
             </a:pPr>
             <a:r>
               <a:rPr lang="en-US"/>
-              <a:t>We did initially try to use the NASDAQ API key but found that we were limited to 14 lines of data –which we felt was not enough.</a:t>
+              <a:t>Does any of the stock have a greater degree of risk associated with it than the others?</a:t>
             </a:r>
             <a:endParaRPr/>
           </a:p>
           <a:p>
-            <a:pPr indent="-208730" lvl="0" marL="306000" rtl="0" algn="l">
-              <a:spcBef>
-                <a:spcPts val="933"/>
+            <a:pPr indent="0" lvl="0" marL="0" rtl="0" algn="l">
+              <a:spcBef>
+                <a:spcPts val="906"/>
               </a:spcBef>
               <a:spcAft>
                 <a:spcPts val="0"/>
@@ -17797,7 +17099,7 @@
           <a:p>
             <a:pPr indent="-306000" lvl="0" marL="306000" rtl="0" algn="l">
               <a:spcBef>
-                <a:spcPts val="933"/>
+                <a:spcPts val="906"/>
               </a:spcBef>
               <a:spcAft>
                 <a:spcPts val="0"/>
@@ -17807,65 +17109,14 @@
             </a:pPr>
             <a:r>
               <a:rPr lang="en-US"/>
-              <a:t>Information initially looked for:  Opening Stock Price</a:t>
+              <a:t>Which stock gives us the greatest return on investment?</a:t>
             </a:r>
             <a:endParaRPr/>
           </a:p>
           <a:p>
-            <a:pPr indent="0" lvl="0" marL="0" rtl="0" algn="l">
-              <a:spcBef>
-                <a:spcPts val="933"/>
-              </a:spcBef>
-              <a:spcAft>
-                <a:spcPts val="0"/>
-              </a:spcAft>
-              <a:buSzPct val="91999"/>
-              <a:buNone/>
-            </a:pPr>
-            <a:r>
-              <a:rPr lang="en-US"/>
-              <a:t>						      Closing Stock Price</a:t>
-            </a:r>
-            <a:endParaRPr/>
-          </a:p>
-          <a:p>
-            <a:pPr indent="0" lvl="0" marL="0" rtl="0" algn="l">
-              <a:spcBef>
-                <a:spcPts val="933"/>
-              </a:spcBef>
-              <a:spcAft>
-                <a:spcPts val="0"/>
-              </a:spcAft>
-              <a:buSzPct val="91999"/>
-              <a:buNone/>
-            </a:pPr>
-            <a:r>
-              <a:rPr lang="en-US"/>
-              <a:t>						      Stock Volume Traded</a:t>
-            </a:r>
-            <a:endParaRPr/>
-          </a:p>
-          <a:p>
-            <a:pPr indent="0" lvl="0" marL="0" rtl="0" algn="l">
-              <a:spcBef>
-                <a:spcPts val="933"/>
-              </a:spcBef>
-              <a:spcAft>
-                <a:spcPts val="0"/>
-              </a:spcAft>
-              <a:buSzPct val="91999"/>
-              <a:buNone/>
-            </a:pPr>
-            <a:r>
-              <a:rPr lang="en-US"/>
-              <a:t>   						      Time</a:t>
-            </a:r>
-            <a:endParaRPr/>
-          </a:p>
-          <a:p>
-            <a:pPr indent="-208730" lvl="0" marL="306000" rtl="0" algn="l">
-              <a:spcBef>
-                <a:spcPts val="933"/>
+            <a:pPr indent="-216617" lvl="0" marL="306000" rtl="0" algn="l">
+              <a:spcBef>
+                <a:spcPts val="906"/>
               </a:spcBef>
               <a:spcAft>
                 <a:spcPts val="0"/>
@@ -17881,7 +17132,7 @@
           <a:p>
             <a:pPr indent="-306000" lvl="0" marL="306000" rtl="0" algn="l">
               <a:spcBef>
-                <a:spcPts val="933"/>
+                <a:spcPts val="906"/>
               </a:spcBef>
               <a:spcAft>
                 <a:spcPts val="0"/>
@@ -17891,14 +17142,47 @@
             </a:pPr>
             <a:r>
               <a:rPr lang="en-US"/>
-              <a:t>This then evolved into incorporating dividends.</a:t>
+              <a:t>Is past financial performance a true indicator or future financial performance?</a:t>
             </a:r>
             <a:endParaRPr/>
           </a:p>
           <a:p>
-            <a:pPr indent="-208730" lvl="0" marL="306000" rtl="0" algn="l">
-              <a:spcBef>
-                <a:spcPts val="933"/>
+            <a:pPr indent="-216617" lvl="0" marL="306000" rtl="0" algn="l">
+              <a:spcBef>
+                <a:spcPts val="906"/>
+              </a:spcBef>
+              <a:spcAft>
+                <a:spcPts val="0"/>
+              </a:spcAft>
+              <a:buSzPct val="91999"/>
+              <a:buNone/>
+            </a:pPr>
+            <a:r>
+              <a:t/>
+            </a:r>
+            <a:endParaRPr/>
+          </a:p>
+          <a:p>
+            <a:pPr indent="-306000" lvl="0" marL="306000" rtl="0" algn="l">
+              <a:spcBef>
+                <a:spcPts val="906"/>
+              </a:spcBef>
+              <a:spcAft>
+                <a:spcPts val="0"/>
+              </a:spcAft>
+              <a:buSzPct val="91999"/>
+              <a:buChar char="◼"/>
+            </a:pPr>
+            <a:r>
+              <a:rPr lang="en-US"/>
+              <a:t>Are there any other factors that could influence our investment decision?</a:t>
+            </a:r>
+            <a:endParaRPr/>
+          </a:p>
+          <a:p>
+            <a:pPr indent="-216617" lvl="0" marL="306000" rtl="0" algn="l">
+              <a:spcBef>
+                <a:spcPts val="906"/>
               </a:spcBef>
               <a:spcAft>
                 <a:spcPts val="0"/>
@@ -17940,7 +17224,7 @@
       </p:grpSpPr>
       <p:sp>
         <p:nvSpPr>
-          <p:cNvPr id="131" name="Google Shape;131;p4"/>
+          <p:cNvPr id="131" name="Google Shape;131;p6"/>
           <p:cNvSpPr txBox="1"/>
           <p:nvPr>
             <p:ph type="title"/>
@@ -17981,7 +17265,7 @@
             </a:pPr>
             <a:r>
               <a:rPr lang="en-US"/>
-              <a:t>WHAT DO INVESTORS LOOK FOR?</a:t>
+              <a:t>HOW DOES THE STOCK PRICE CHANGE OVER TIME?</a:t>
             </a:r>
             <a:endParaRPr/>
           </a:p>
@@ -17989,7 +17273,7 @@
       </p:sp>
       <p:sp>
         <p:nvSpPr>
-          <p:cNvPr id="132" name="Google Shape;132;p4"/>
+          <p:cNvPr id="132" name="Google Shape;132;p6"/>
           <p:cNvSpPr txBox="1"/>
           <p:nvPr>
             <p:ph idx="1" type="body"/>
@@ -18010,7 +17294,7 @@
         </p:spPr>
         <p:txBody>
           <a:bodyPr anchorCtr="0" anchor="ctr" bIns="45700" lIns="91425" spcFirstLastPara="1" rIns="91425" wrap="square" tIns="45700">
-            <a:normAutofit fontScale="77500" lnSpcReduction="20000"/>
+            <a:normAutofit/>
           </a:bodyPr>
           <a:lstStyle/>
           <a:p>
@@ -18021,24 +17305,24 @@
               <a:spcAft>
                 <a:spcPts val="0"/>
               </a:spcAft>
-              <a:buSzPct val="91999"/>
+              <a:buSzPts val="1656"/>
               <a:buChar char="◼"/>
             </a:pPr>
             <a:r>
               <a:rPr lang="en-US"/>
-              <a:t>Simple – a return on their investment!</a:t>
+              <a:t>To compare this, the increase of stock price was looked at in percentage terms over the last 5 years.</a:t>
             </a:r>
             <a:endParaRPr/>
           </a:p>
           <a:p>
-            <a:pPr indent="-224504" lvl="0" marL="306000" rtl="0" algn="l">
-              <a:spcBef>
-                <a:spcPts val="879"/>
-              </a:spcBef>
-              <a:spcAft>
-                <a:spcPts val="0"/>
-              </a:spcAft>
-              <a:buSzPct val="91999"/>
+            <a:pPr indent="-200844" lvl="0" marL="306000" rtl="0" algn="l">
+              <a:spcBef>
+                <a:spcPts val="960"/>
+              </a:spcBef>
+              <a:spcAft>
+                <a:spcPts val="0"/>
+              </a:spcAft>
+              <a:buSzPts val="1656"/>
               <a:buNone/>
             </a:pPr>
             <a:r>
@@ -18049,29 +17333,29 @@
           <a:p>
             <a:pPr indent="-306000" lvl="0" marL="306000" rtl="0" algn="l">
               <a:spcBef>
-                <a:spcPts val="879"/>
-              </a:spcBef>
-              <a:spcAft>
-                <a:spcPts val="0"/>
-              </a:spcAft>
-              <a:buSzPct val="91999"/>
+                <a:spcPts val="960"/>
+              </a:spcBef>
+              <a:spcAft>
+                <a:spcPts val="0"/>
+              </a:spcAft>
+              <a:buSzPts val="1656"/>
               <a:buChar char="◼"/>
             </a:pPr>
             <a:r>
               <a:rPr lang="en-US"/>
-              <a:t>Investors make money by a combination of dividend payments and (theoretically) selling their stock at a higher price than what they brought it for.</a:t>
+              <a:t>We took the view that a longer time frame theoretically would allow us to make more concrete conclusions as specific events could be “evened out” and not skew the data as much. </a:t>
             </a:r>
             <a:endParaRPr/>
           </a:p>
           <a:p>
-            <a:pPr indent="-224504" lvl="0" marL="306000" rtl="0" algn="l">
-              <a:spcBef>
-                <a:spcPts val="879"/>
-              </a:spcBef>
-              <a:spcAft>
-                <a:spcPts val="0"/>
-              </a:spcAft>
-              <a:buSzPct val="91999"/>
+            <a:pPr indent="-200844" lvl="0" marL="306000" rtl="0" algn="l">
+              <a:spcBef>
+                <a:spcPts val="960"/>
+              </a:spcBef>
+              <a:spcAft>
+                <a:spcPts val="0"/>
+              </a:spcAft>
+              <a:buSzPts val="1656"/>
               <a:buNone/>
             </a:pPr>
             <a:r>
@@ -18082,118 +17366,17 @@
           <a:p>
             <a:pPr indent="-306000" lvl="0" marL="306000" rtl="0" algn="l">
               <a:spcBef>
-                <a:spcPts val="879"/>
-              </a:spcBef>
-              <a:spcAft>
-                <a:spcPts val="0"/>
-              </a:spcAft>
-              <a:buSzPct val="91999"/>
+                <a:spcPts val="960"/>
+              </a:spcBef>
+              <a:spcAft>
+                <a:spcPts val="0"/>
+              </a:spcAft>
+              <a:buSzPts val="1656"/>
               <a:buChar char="◼"/>
             </a:pPr>
             <a:r>
               <a:rPr lang="en-US"/>
-              <a:t>Factors to consider:  Overall increase in stock price</a:t>
-            </a:r>
-            <a:endParaRPr/>
-          </a:p>
-          <a:p>
-            <a:pPr indent="0" lvl="0" marL="0" rtl="0" algn="l">
-              <a:spcBef>
-                <a:spcPts val="879"/>
-              </a:spcBef>
-              <a:spcAft>
-                <a:spcPts val="0"/>
-              </a:spcAft>
-              <a:buSzPct val="91999"/>
-              <a:buNone/>
-            </a:pPr>
-            <a:r>
-              <a:rPr lang="en-US"/>
-              <a:t>				Amount and frequency of dividend payouts</a:t>
-            </a:r>
-            <a:endParaRPr/>
-          </a:p>
-          <a:p>
-            <a:pPr indent="0" lvl="0" marL="0" rtl="0" algn="l">
-              <a:spcBef>
-                <a:spcPts val="879"/>
-              </a:spcBef>
-              <a:spcAft>
-                <a:spcPts val="0"/>
-              </a:spcAft>
-              <a:buSzPct val="91999"/>
-              <a:buNone/>
-            </a:pPr>
-            <a:r>
-              <a:rPr lang="en-US"/>
-              <a:t>				Volatility</a:t>
-            </a:r>
-            <a:endParaRPr/>
-          </a:p>
-          <a:p>
-            <a:pPr indent="0" lvl="0" marL="0" rtl="0" algn="l">
-              <a:spcBef>
-                <a:spcPts val="879"/>
-              </a:spcBef>
-              <a:spcAft>
-                <a:spcPts val="0"/>
-              </a:spcAft>
-              <a:buSzPct val="91999"/>
-              <a:buNone/>
-            </a:pPr>
-            <a:r>
-              <a:rPr lang="en-US"/>
-              <a:t>				Company specific factors</a:t>
-            </a:r>
-            <a:endParaRPr/>
-          </a:p>
-          <a:p>
-            <a:pPr indent="0" lvl="0" marL="0" rtl="0" algn="l">
-              <a:spcBef>
-                <a:spcPts val="879"/>
-              </a:spcBef>
-              <a:spcAft>
-                <a:spcPts val="0"/>
-              </a:spcAft>
-              <a:buSzPct val="91999"/>
-              <a:buNone/>
-            </a:pPr>
-            <a:r>
-              <a:rPr lang="en-US"/>
-              <a:t>				Industry / legislative factors.</a:t>
-            </a:r>
-            <a:endParaRPr/>
-          </a:p>
-          <a:p>
-            <a:pPr indent="0" lvl="0" marL="0" rtl="0" algn="l">
-              <a:spcBef>
-                <a:spcPts val="879"/>
-              </a:spcBef>
-              <a:spcAft>
-                <a:spcPts val="0"/>
-              </a:spcAft>
-              <a:buSzPct val="91999"/>
-              <a:buNone/>
-            </a:pPr>
-            <a:r>
-              <a:t/>
-            </a:r>
-            <a:endParaRPr/>
-          </a:p>
-          <a:p>
-            <a:pPr indent="0" lvl="0" marL="0" rtl="0" algn="l">
-              <a:spcBef>
-                <a:spcPts val="879"/>
-              </a:spcBef>
-              <a:spcAft>
-                <a:spcPts val="0"/>
-              </a:spcAft>
-              <a:buSzPct val="91999"/>
-              <a:buNone/>
-            </a:pPr>
-            <a:r>
-              <a:rPr lang="en-US"/>
-              <a:t>For the purposes of this project company specific,  industry and legislative factors were not considered.  No qualitative analysis was done primarily because none of us are terribly knowledgeable of the U.S. supermarket sector!</a:t>
+              <a:t>Actual price was not considered – the actual stock price is more a barrier to entry rather than a measure of performance.</a:t>
             </a:r>
             <a:endParaRPr/>
           </a:p>
@@ -18226,492 +17409,7 @@
       </p:grpSpPr>
       <p:sp>
         <p:nvSpPr>
-          <p:cNvPr id="137" name="Google Shape;137;p5"/>
-          <p:cNvSpPr txBox="1"/>
-          <p:nvPr>
-            <p:ph type="title"/>
-          </p:nvPr>
-        </p:nvSpPr>
-        <p:spPr>
-          <a:xfrm>
-            <a:off x="581192" y="702156"/>
-            <a:ext cx="11029616" cy="1013800"/>
-          </a:xfrm>
-          <a:prstGeom prst="rect">
-            <a:avLst/>
-          </a:prstGeom>
-          <a:noFill/>
-          <a:ln>
-            <a:noFill/>
-          </a:ln>
-        </p:spPr>
-        <p:txBody>
-          <a:bodyPr anchorCtr="0" anchor="b" bIns="45700" lIns="91425" spcFirstLastPara="1" rIns="91425" wrap="square" tIns="45700">
-            <a:normAutofit/>
-          </a:bodyPr>
-          <a:lstStyle/>
-          <a:p>
-            <a:pPr indent="0" lvl="0" marL="0" rtl="0" algn="l">
-              <a:spcBef>
-                <a:spcPts val="0"/>
-              </a:spcBef>
-              <a:spcAft>
-                <a:spcPts val="0"/>
-              </a:spcAft>
-              <a:buClr>
-                <a:schemeClr val="lt1"/>
-              </a:buClr>
-              <a:buSzPts val="2800"/>
-              <a:buFont typeface="Gill Sans"/>
-              <a:buNone/>
-            </a:pPr>
-            <a:r>
-              <a:rPr lang="en-US"/>
-              <a:t>6 KEY QUESTIONS</a:t>
-            </a:r>
-            <a:endParaRPr/>
-          </a:p>
-        </p:txBody>
-      </p:sp>
-      <p:sp>
-        <p:nvSpPr>
-          <p:cNvPr id="138" name="Google Shape;138;p5"/>
-          <p:cNvSpPr txBox="1"/>
-          <p:nvPr>
-            <p:ph idx="1" type="body"/>
-          </p:nvPr>
-        </p:nvSpPr>
-        <p:spPr>
-          <a:xfrm>
-            <a:off x="581192" y="2180496"/>
-            <a:ext cx="11029615" cy="3678303"/>
-          </a:xfrm>
-          <a:prstGeom prst="rect">
-            <a:avLst/>
-          </a:prstGeom>
-          <a:noFill/>
-          <a:ln>
-            <a:noFill/>
-          </a:ln>
-        </p:spPr>
-        <p:txBody>
-          <a:bodyPr anchorCtr="0" anchor="ctr" bIns="45700" lIns="91425" spcFirstLastPara="1" rIns="91425" wrap="square" tIns="45700">
-            <a:normAutofit fontScale="85000" lnSpcReduction="20000"/>
-          </a:bodyPr>
-          <a:lstStyle/>
-          <a:p>
-            <a:pPr indent="-306000" lvl="0" marL="306000" rtl="0" algn="l">
-              <a:spcBef>
-                <a:spcPts val="0"/>
-              </a:spcBef>
-              <a:spcAft>
-                <a:spcPts val="0"/>
-              </a:spcAft>
-              <a:buSzPct val="91999"/>
-              <a:buChar char="◼"/>
-            </a:pPr>
-            <a:r>
-              <a:rPr lang="en-US"/>
-              <a:t>How does the stock price change over time?</a:t>
-            </a:r>
-            <a:endParaRPr/>
-          </a:p>
-          <a:p>
-            <a:pPr indent="-216617" lvl="0" marL="306000" rtl="0" algn="l">
-              <a:spcBef>
-                <a:spcPts val="906"/>
-              </a:spcBef>
-              <a:spcAft>
-                <a:spcPts val="0"/>
-              </a:spcAft>
-              <a:buSzPct val="91999"/>
-              <a:buNone/>
-            </a:pPr>
-            <a:r>
-              <a:t/>
-            </a:r>
-            <a:endParaRPr/>
-          </a:p>
-          <a:p>
-            <a:pPr indent="-306000" lvl="0" marL="306000" rtl="0" algn="l">
-              <a:spcBef>
-                <a:spcPts val="906"/>
-              </a:spcBef>
-              <a:spcAft>
-                <a:spcPts val="0"/>
-              </a:spcAft>
-              <a:buSzPct val="91999"/>
-              <a:buChar char="◼"/>
-            </a:pPr>
-            <a:r>
-              <a:rPr lang="en-US"/>
-              <a:t>How are dividends treated by the company?</a:t>
-            </a:r>
-            <a:endParaRPr/>
-          </a:p>
-          <a:p>
-            <a:pPr indent="-216617" lvl="0" marL="306000" rtl="0" algn="l">
-              <a:spcBef>
-                <a:spcPts val="906"/>
-              </a:spcBef>
-              <a:spcAft>
-                <a:spcPts val="0"/>
-              </a:spcAft>
-              <a:buSzPct val="91999"/>
-              <a:buNone/>
-            </a:pPr>
-            <a:r>
-              <a:t/>
-            </a:r>
-            <a:endParaRPr/>
-          </a:p>
-          <a:p>
-            <a:pPr indent="-306000" lvl="0" marL="306000" rtl="0" algn="l">
-              <a:spcBef>
-                <a:spcPts val="906"/>
-              </a:spcBef>
-              <a:spcAft>
-                <a:spcPts val="0"/>
-              </a:spcAft>
-              <a:buSzPct val="91999"/>
-              <a:buChar char="◼"/>
-            </a:pPr>
-            <a:r>
-              <a:rPr lang="en-US"/>
-              <a:t>Does any of the stock have a greater degree of risk associated with it than the others?</a:t>
-            </a:r>
-            <a:endParaRPr/>
-          </a:p>
-          <a:p>
-            <a:pPr indent="0" lvl="0" marL="0" rtl="0" algn="l">
-              <a:spcBef>
-                <a:spcPts val="906"/>
-              </a:spcBef>
-              <a:spcAft>
-                <a:spcPts val="0"/>
-              </a:spcAft>
-              <a:buSzPct val="91999"/>
-              <a:buNone/>
-            </a:pPr>
-            <a:r>
-              <a:t/>
-            </a:r>
-            <a:endParaRPr/>
-          </a:p>
-          <a:p>
-            <a:pPr indent="-306000" lvl="0" marL="306000" rtl="0" algn="l">
-              <a:spcBef>
-                <a:spcPts val="906"/>
-              </a:spcBef>
-              <a:spcAft>
-                <a:spcPts val="0"/>
-              </a:spcAft>
-              <a:buSzPct val="91999"/>
-              <a:buChar char="◼"/>
-            </a:pPr>
-            <a:r>
-              <a:rPr lang="en-US"/>
-              <a:t>Which stock gives us the greatest return on investment?</a:t>
-            </a:r>
-            <a:endParaRPr/>
-          </a:p>
-          <a:p>
-            <a:pPr indent="-216617" lvl="0" marL="306000" rtl="0" algn="l">
-              <a:spcBef>
-                <a:spcPts val="906"/>
-              </a:spcBef>
-              <a:spcAft>
-                <a:spcPts val="0"/>
-              </a:spcAft>
-              <a:buSzPct val="91999"/>
-              <a:buNone/>
-            </a:pPr>
-            <a:r>
-              <a:t/>
-            </a:r>
-            <a:endParaRPr/>
-          </a:p>
-          <a:p>
-            <a:pPr indent="-306000" lvl="0" marL="306000" rtl="0" algn="l">
-              <a:spcBef>
-                <a:spcPts val="906"/>
-              </a:spcBef>
-              <a:spcAft>
-                <a:spcPts val="0"/>
-              </a:spcAft>
-              <a:buSzPct val="91999"/>
-              <a:buChar char="◼"/>
-            </a:pPr>
-            <a:r>
-              <a:rPr lang="en-US"/>
-              <a:t>Is past financial performance a true indicator or future financial performance?</a:t>
-            </a:r>
-            <a:endParaRPr/>
-          </a:p>
-          <a:p>
-            <a:pPr indent="-216617" lvl="0" marL="306000" rtl="0" algn="l">
-              <a:spcBef>
-                <a:spcPts val="906"/>
-              </a:spcBef>
-              <a:spcAft>
-                <a:spcPts val="0"/>
-              </a:spcAft>
-              <a:buSzPct val="91999"/>
-              <a:buNone/>
-            </a:pPr>
-            <a:r>
-              <a:t/>
-            </a:r>
-            <a:endParaRPr/>
-          </a:p>
-          <a:p>
-            <a:pPr indent="-306000" lvl="0" marL="306000" rtl="0" algn="l">
-              <a:spcBef>
-                <a:spcPts val="906"/>
-              </a:spcBef>
-              <a:spcAft>
-                <a:spcPts val="0"/>
-              </a:spcAft>
-              <a:buSzPct val="91999"/>
-              <a:buChar char="◼"/>
-            </a:pPr>
-            <a:r>
-              <a:rPr lang="en-US"/>
-              <a:t>Are there any other factors that could influence our investment decision?</a:t>
-            </a:r>
-            <a:endParaRPr/>
-          </a:p>
-          <a:p>
-            <a:pPr indent="-216617" lvl="0" marL="306000" rtl="0" algn="l">
-              <a:spcBef>
-                <a:spcPts val="906"/>
-              </a:spcBef>
-              <a:spcAft>
-                <a:spcPts val="0"/>
-              </a:spcAft>
-              <a:buSzPct val="91999"/>
-              <a:buNone/>
-            </a:pPr>
-            <a:r>
-              <a:t/>
-            </a:r>
-            <a:endParaRPr/>
-          </a:p>
-        </p:txBody>
-      </p:sp>
-    </p:spTree>
-  </p:cSld>
-  <p:clrMapOvr>
-    <a:masterClrMapping/>
-  </p:clrMapOvr>
-</p:sld>
-</file>
-
-<file path=ppt/slides/slide7.xml><?xml version="1.0" encoding="utf-8"?>
-<p:sld xmlns:a="http://schemas.openxmlformats.org/drawingml/2006/main" xmlns:r="http://schemas.openxmlformats.org/officeDocument/2006/relationships" xmlns:mc="http://schemas.openxmlformats.org/markup-compatibility/2006" xmlns:mv="urn:schemas-microsoft-com:mac:vml" xmlns:p="http://schemas.openxmlformats.org/presentationml/2006/main" xmlns:c="http://schemas.openxmlformats.org/drawingml/2006/chart" xmlns:dgm="http://schemas.openxmlformats.org/drawingml/2006/diagram" xmlns:o="urn:schemas-microsoft-com:office:office" xmlns:v="urn:schemas-microsoft-com:vml" xmlns:pvml="urn:schemas-microsoft-com:office:powerpoint" xmlns:com="http://schemas.openxmlformats.org/drawingml/2006/compatibility" xmlns:p14="http://schemas.microsoft.com/office/powerpoint/2010/main" xmlns:p15="http://schemas.microsoft.com/office/powerpoint/2012/main" xmlns:ahyp="http://schemas.microsoft.com/office/drawing/2018/hyperlinkcolor">
-  <p:cSld>
-    <p:spTree>
-      <p:nvGrpSpPr>
-        <p:cNvPr id="142" name="Shape 142"/>
-        <p:cNvGrpSpPr/>
-        <p:nvPr/>
-      </p:nvGrpSpPr>
-      <p:grpSpPr>
-        <a:xfrm>
-          <a:off x="0" y="0"/>
-          <a:ext cx="0" cy="0"/>
-          <a:chOff x="0" y="0"/>
-          <a:chExt cx="0" cy="0"/>
-        </a:xfrm>
-      </p:grpSpPr>
-      <p:sp>
-        <p:nvSpPr>
-          <p:cNvPr id="143" name="Google Shape;143;p6"/>
-          <p:cNvSpPr txBox="1"/>
-          <p:nvPr>
-            <p:ph type="title"/>
-          </p:nvPr>
-        </p:nvSpPr>
-        <p:spPr>
-          <a:xfrm>
-            <a:off x="581192" y="702156"/>
-            <a:ext cx="11029616" cy="1013800"/>
-          </a:xfrm>
-          <a:prstGeom prst="rect">
-            <a:avLst/>
-          </a:prstGeom>
-          <a:noFill/>
-          <a:ln>
-            <a:noFill/>
-          </a:ln>
-        </p:spPr>
-        <p:txBody>
-          <a:bodyPr anchorCtr="0" anchor="b" bIns="45700" lIns="91425" spcFirstLastPara="1" rIns="91425" wrap="square" tIns="45700">
-            <a:normAutofit/>
-          </a:bodyPr>
-          <a:lstStyle/>
-          <a:p>
-            <a:pPr indent="0" lvl="0" marL="0" rtl="0" algn="l">
-              <a:spcBef>
-                <a:spcPts val="0"/>
-              </a:spcBef>
-              <a:spcAft>
-                <a:spcPts val="0"/>
-              </a:spcAft>
-              <a:buClr>
-                <a:schemeClr val="lt1"/>
-              </a:buClr>
-              <a:buSzPts val="2800"/>
-              <a:buFont typeface="Gill Sans"/>
-              <a:buNone/>
-            </a:pPr>
-            <a:r>
-              <a:rPr lang="en-US"/>
-              <a:t>HOW DOES THE STOCK PRICE CHANGE OVER TIME?</a:t>
-            </a:r>
-            <a:endParaRPr/>
-          </a:p>
-        </p:txBody>
-      </p:sp>
-      <p:sp>
-        <p:nvSpPr>
-          <p:cNvPr id="144" name="Google Shape;144;p6"/>
-          <p:cNvSpPr txBox="1"/>
-          <p:nvPr>
-            <p:ph idx="1" type="body"/>
-          </p:nvPr>
-        </p:nvSpPr>
-        <p:spPr>
-          <a:xfrm>
-            <a:off x="581192" y="2180496"/>
-            <a:ext cx="11029615" cy="3678303"/>
-          </a:xfrm>
-          <a:prstGeom prst="rect">
-            <a:avLst/>
-          </a:prstGeom>
-          <a:noFill/>
-          <a:ln>
-            <a:noFill/>
-          </a:ln>
-        </p:spPr>
-        <p:txBody>
-          <a:bodyPr anchorCtr="0" anchor="ctr" bIns="45700" lIns="91425" spcFirstLastPara="1" rIns="91425" wrap="square" tIns="45700">
-            <a:normAutofit/>
-          </a:bodyPr>
-          <a:lstStyle/>
-          <a:p>
-            <a:pPr indent="-306000" lvl="0" marL="306000" rtl="0" algn="l">
-              <a:spcBef>
-                <a:spcPts val="0"/>
-              </a:spcBef>
-              <a:spcAft>
-                <a:spcPts val="0"/>
-              </a:spcAft>
-              <a:buSzPts val="1656"/>
-              <a:buChar char="◼"/>
-            </a:pPr>
-            <a:r>
-              <a:rPr lang="en-US"/>
-              <a:t>To compare this, the increase of stock price was looked at in percentage terms over the last 5 years.</a:t>
-            </a:r>
-            <a:endParaRPr/>
-          </a:p>
-          <a:p>
-            <a:pPr indent="-200844" lvl="0" marL="306000" rtl="0" algn="l">
-              <a:spcBef>
-                <a:spcPts val="960"/>
-              </a:spcBef>
-              <a:spcAft>
-                <a:spcPts val="0"/>
-              </a:spcAft>
-              <a:buSzPts val="1656"/>
-              <a:buNone/>
-            </a:pPr>
-            <a:r>
-              <a:t/>
-            </a:r>
-            <a:endParaRPr/>
-          </a:p>
-          <a:p>
-            <a:pPr indent="-306000" lvl="0" marL="306000" rtl="0" algn="l">
-              <a:spcBef>
-                <a:spcPts val="960"/>
-              </a:spcBef>
-              <a:spcAft>
-                <a:spcPts val="0"/>
-              </a:spcAft>
-              <a:buSzPts val="1656"/>
-              <a:buChar char="◼"/>
-            </a:pPr>
-            <a:r>
-              <a:rPr lang="en-US"/>
-              <a:t>We took the view that a longer time frame theoretically would allow us to make more concrete conclusions as specific events could be “evened out” and not skew the data as much. </a:t>
-            </a:r>
-            <a:endParaRPr/>
-          </a:p>
-          <a:p>
-            <a:pPr indent="-200844" lvl="0" marL="306000" rtl="0" algn="l">
-              <a:spcBef>
-                <a:spcPts val="960"/>
-              </a:spcBef>
-              <a:spcAft>
-                <a:spcPts val="0"/>
-              </a:spcAft>
-              <a:buSzPts val="1656"/>
-              <a:buNone/>
-            </a:pPr>
-            <a:r>
-              <a:t/>
-            </a:r>
-            <a:endParaRPr/>
-          </a:p>
-          <a:p>
-            <a:pPr indent="-306000" lvl="0" marL="306000" rtl="0" algn="l">
-              <a:spcBef>
-                <a:spcPts val="960"/>
-              </a:spcBef>
-              <a:spcAft>
-                <a:spcPts val="0"/>
-              </a:spcAft>
-              <a:buSzPts val="1656"/>
-              <a:buChar char="◼"/>
-            </a:pPr>
-            <a:r>
-              <a:rPr lang="en-US"/>
-              <a:t>Actual price was not considered – the actual stock price is more a barrier to entry rather than a measure of performance.</a:t>
-            </a:r>
-            <a:endParaRPr/>
-          </a:p>
-        </p:txBody>
-      </p:sp>
-    </p:spTree>
-  </p:cSld>
-  <p:clrMapOvr>
-    <a:masterClrMapping/>
-  </p:clrMapOvr>
-</p:sld>
-</file>
-
-<file path=ppt/slides/slide8.xml><?xml version="1.0" encoding="utf-8"?>
-<p:sld xmlns:a="http://schemas.openxmlformats.org/drawingml/2006/main" xmlns:r="http://schemas.openxmlformats.org/officeDocument/2006/relationships" xmlns:mc="http://schemas.openxmlformats.org/markup-compatibility/2006" xmlns:mv="urn:schemas-microsoft-com:mac:vml" xmlns:p="http://schemas.openxmlformats.org/presentationml/2006/main" xmlns:c="http://schemas.openxmlformats.org/drawingml/2006/chart" xmlns:dgm="http://schemas.openxmlformats.org/drawingml/2006/diagram" xmlns:o="urn:schemas-microsoft-com:office:office" xmlns:v="urn:schemas-microsoft-com:vml" xmlns:pvml="urn:schemas-microsoft-com:office:powerpoint" xmlns:com="http://schemas.openxmlformats.org/drawingml/2006/compatibility" xmlns:p14="http://schemas.microsoft.com/office/powerpoint/2010/main" xmlns:p15="http://schemas.microsoft.com/office/powerpoint/2012/main" xmlns:ahyp="http://schemas.microsoft.com/office/drawing/2018/hyperlinkcolor">
-  <p:cSld>
-    <p:spTree>
-      <p:nvGrpSpPr>
-        <p:cNvPr id="148" name="Shape 148"/>
-        <p:cNvGrpSpPr/>
-        <p:nvPr/>
-      </p:nvGrpSpPr>
-      <p:grpSpPr>
-        <a:xfrm>
-          <a:off x="0" y="0"/>
-          <a:ext cx="0" cy="0"/>
-          <a:chOff x="0" y="0"/>
-          <a:chExt cx="0" cy="0"/>
-        </a:xfrm>
-      </p:grpSpPr>
-      <p:sp>
-        <p:nvSpPr>
-          <p:cNvPr id="149" name="Google Shape;149;p7"/>
+          <p:cNvPr id="137" name="Google Shape;137;p7"/>
           <p:cNvSpPr txBox="1"/>
           <p:nvPr>
             <p:ph type="title"/>
@@ -18764,7 +17462,7 @@
       </p:sp>
       <p:pic>
         <p:nvPicPr>
-          <p:cNvPr id="150" name="Google Shape;150;p7"/>
+          <p:cNvPr id="138" name="Google Shape;138;p7"/>
           <p:cNvPicPr preferRelativeResize="0"/>
           <p:nvPr>
             <p:ph idx="1" type="body"/>
@@ -18793,7 +17491,7 @@
       </p:pic>
       <p:pic>
         <p:nvPicPr>
-          <p:cNvPr id="151" name="Google Shape;151;p7"/>
+          <p:cNvPr id="139" name="Google Shape;139;p7"/>
           <p:cNvPicPr preferRelativeResize="0"/>
           <p:nvPr>
             <p:ph idx="2" type="body"/>
@@ -18828,12 +17526,12 @@
 </p:sld>
 </file>
 
-<file path=ppt/slides/slide9.xml><?xml version="1.0" encoding="utf-8"?>
+<file path=ppt/slides/slide7.xml><?xml version="1.0" encoding="utf-8"?>
 <p:sld xmlns:a="http://schemas.openxmlformats.org/drawingml/2006/main" xmlns:r="http://schemas.openxmlformats.org/officeDocument/2006/relationships" xmlns:mc="http://schemas.openxmlformats.org/markup-compatibility/2006" xmlns:mv="urn:schemas-microsoft-com:mac:vml" xmlns:p="http://schemas.openxmlformats.org/presentationml/2006/main" xmlns:c="http://schemas.openxmlformats.org/drawingml/2006/chart" xmlns:dgm="http://schemas.openxmlformats.org/drawingml/2006/diagram" xmlns:o="urn:schemas-microsoft-com:office:office" xmlns:v="urn:schemas-microsoft-com:vml" xmlns:pvml="urn:schemas-microsoft-com:office:powerpoint" xmlns:com="http://schemas.openxmlformats.org/drawingml/2006/compatibility" xmlns:p14="http://schemas.microsoft.com/office/powerpoint/2010/main" xmlns:p15="http://schemas.microsoft.com/office/powerpoint/2012/main" xmlns:ahyp="http://schemas.microsoft.com/office/drawing/2018/hyperlinkcolor">
   <p:cSld>
     <p:spTree>
       <p:nvGrpSpPr>
-        <p:cNvPr id="155" name="Shape 155"/>
+        <p:cNvPr id="143" name="Shape 143"/>
         <p:cNvGrpSpPr/>
         <p:nvPr/>
       </p:nvGrpSpPr>
@@ -18847,7 +17545,7 @@
       </p:grpSpPr>
       <p:sp>
         <p:nvSpPr>
-          <p:cNvPr id="156" name="Google Shape;156;p8"/>
+          <p:cNvPr id="144" name="Google Shape;144;p8"/>
           <p:cNvSpPr txBox="1"/>
           <p:nvPr>
             <p:ph type="title"/>
@@ -18900,7 +17598,7 @@
       </p:sp>
       <p:pic>
         <p:nvPicPr>
-          <p:cNvPr id="157" name="Google Shape;157;p8"/>
+          <p:cNvPr id="145" name="Google Shape;145;p8"/>
           <p:cNvPicPr preferRelativeResize="0"/>
           <p:nvPr>
             <p:ph idx="2" type="body"/>
@@ -18929,7 +17627,7 @@
       </p:pic>
       <p:pic>
         <p:nvPicPr>
-          <p:cNvPr id="158" name="Google Shape;158;p8"/>
+          <p:cNvPr id="146" name="Google Shape;146;p8"/>
           <p:cNvPicPr preferRelativeResize="0"/>
           <p:nvPr>
             <p:ph idx="1" type="body"/>
@@ -18964,7 +17662,816 @@
 </p:sld>
 </file>
 
+<file path=ppt/slides/slide8.xml><?xml version="1.0" encoding="utf-8"?>
+<p:sld xmlns:a="http://schemas.openxmlformats.org/drawingml/2006/main" xmlns:r="http://schemas.openxmlformats.org/officeDocument/2006/relationships" xmlns:mc="http://schemas.openxmlformats.org/markup-compatibility/2006" xmlns:mv="urn:schemas-microsoft-com:mac:vml" xmlns:p="http://schemas.openxmlformats.org/presentationml/2006/main" xmlns:c="http://schemas.openxmlformats.org/drawingml/2006/chart" xmlns:dgm="http://schemas.openxmlformats.org/drawingml/2006/diagram" xmlns:o="urn:schemas-microsoft-com:office:office" xmlns:v="urn:schemas-microsoft-com:vml" xmlns:pvml="urn:schemas-microsoft-com:office:powerpoint" xmlns:com="http://schemas.openxmlformats.org/drawingml/2006/compatibility" xmlns:p14="http://schemas.microsoft.com/office/powerpoint/2010/main" xmlns:p15="http://schemas.microsoft.com/office/powerpoint/2012/main" xmlns:ahyp="http://schemas.microsoft.com/office/drawing/2018/hyperlinkcolor">
+  <p:cSld>
+    <p:spTree>
+      <p:nvGrpSpPr>
+        <p:cNvPr id="150" name="Shape 150"/>
+        <p:cNvGrpSpPr/>
+        <p:nvPr/>
+      </p:nvGrpSpPr>
+      <p:grpSpPr>
+        <a:xfrm>
+          <a:off x="0" y="0"/>
+          <a:ext cx="0" cy="0"/>
+          <a:chOff x="0" y="0"/>
+          <a:chExt cx="0" cy="0"/>
+        </a:xfrm>
+      </p:grpSpPr>
+      <p:sp>
+        <p:nvSpPr>
+          <p:cNvPr id="151" name="Google Shape;151;p9"/>
+          <p:cNvSpPr txBox="1"/>
+          <p:nvPr>
+            <p:ph type="title"/>
+          </p:nvPr>
+        </p:nvSpPr>
+        <p:spPr>
+          <a:xfrm>
+            <a:off x="448844" y="590385"/>
+            <a:ext cx="11029616" cy="567844"/>
+          </a:xfrm>
+          <a:prstGeom prst="rect">
+            <a:avLst/>
+          </a:prstGeom>
+          <a:noFill/>
+          <a:ln>
+            <a:noFill/>
+          </a:ln>
+        </p:spPr>
+        <p:txBody>
+          <a:bodyPr anchorCtr="0" anchor="b" bIns="45700" lIns="91425" spcFirstLastPara="1" rIns="91425" wrap="square" tIns="45700">
+            <a:normAutofit/>
+          </a:bodyPr>
+          <a:lstStyle/>
+          <a:p>
+            <a:pPr indent="0" lvl="0" marL="0" rtl="0" algn="l">
+              <a:spcBef>
+                <a:spcPts val="0"/>
+              </a:spcBef>
+              <a:spcAft>
+                <a:spcPts val="0"/>
+              </a:spcAft>
+              <a:buClr>
+                <a:schemeClr val="lt1"/>
+              </a:buClr>
+              <a:buSzPts val="2800"/>
+              <a:buFont typeface="Gill Sans"/>
+              <a:buNone/>
+            </a:pPr>
+            <a:r>
+              <a:rPr lang="en-US"/>
+              <a:t>HOW DOES THE STOCK PRICE CHANGE OVER TIME</a:t>
+            </a:r>
+            <a:r>
+              <a:rPr lang="en-US"/>
+              <a:t>?</a:t>
+            </a:r>
+            <a:endParaRPr/>
+          </a:p>
+        </p:txBody>
+      </p:sp>
+      <p:sp>
+        <p:nvSpPr>
+          <p:cNvPr id="152" name="Google Shape;152;p9"/>
+          <p:cNvSpPr txBox="1"/>
+          <p:nvPr/>
+        </p:nvSpPr>
+        <p:spPr>
+          <a:xfrm>
+            <a:off x="581192" y="6096000"/>
+            <a:ext cx="7041351" cy="369332"/>
+          </a:xfrm>
+          <a:prstGeom prst="rect">
+            <a:avLst/>
+          </a:prstGeom>
+          <a:noFill/>
+          <a:ln>
+            <a:noFill/>
+          </a:ln>
+        </p:spPr>
+        <p:txBody>
+          <a:bodyPr anchorCtr="0" anchor="t" bIns="45700" lIns="91425" spcFirstLastPara="1" rIns="91425" wrap="square" tIns="45700">
+            <a:spAutoFit/>
+          </a:bodyPr>
+          <a:lstStyle/>
+          <a:p>
+            <a:pPr indent="0" lvl="0" marL="0" marR="0" rtl="0" algn="l">
+              <a:spcBef>
+                <a:spcPts val="0"/>
+              </a:spcBef>
+              <a:spcAft>
+                <a:spcPts val="0"/>
+              </a:spcAft>
+              <a:buNone/>
+            </a:pPr>
+            <a:r>
+              <a:rPr lang="en-US" sz="1800">
+                <a:solidFill>
+                  <a:schemeClr val="dk1"/>
+                </a:solidFill>
+                <a:latin typeface="Gill Sans"/>
+                <a:ea typeface="Gill Sans"/>
+                <a:cs typeface="Gill Sans"/>
+                <a:sym typeface="Gill Sans"/>
+              </a:rPr>
+              <a:t>NB – Albertsons has only been trading in its current form since Mid 2020</a:t>
+            </a:r>
+            <a:endParaRPr sz="1800">
+              <a:solidFill>
+                <a:schemeClr val="dk1"/>
+              </a:solidFill>
+              <a:latin typeface="Gill Sans"/>
+              <a:ea typeface="Gill Sans"/>
+              <a:cs typeface="Gill Sans"/>
+              <a:sym typeface="Gill Sans"/>
+            </a:endParaRPr>
+          </a:p>
+        </p:txBody>
+      </p:sp>
+      <p:sp>
+        <p:nvSpPr>
+          <p:cNvPr id="153" name="Google Shape;153;p9"/>
+          <p:cNvSpPr/>
+          <p:nvPr/>
+        </p:nvSpPr>
+        <p:spPr>
+          <a:xfrm>
+            <a:off x="336884" y="1158229"/>
+            <a:ext cx="11598442" cy="730729"/>
+          </a:xfrm>
+          <a:prstGeom prst="rect">
+            <a:avLst/>
+          </a:prstGeom>
+          <a:solidFill>
+            <a:schemeClr val="lt1"/>
+          </a:solidFill>
+          <a:ln cap="rnd" cmpd="sng" w="22225">
+            <a:solidFill>
+              <a:schemeClr val="lt1"/>
+            </a:solidFill>
+            <a:prstDash val="solid"/>
+            <a:round/>
+            <a:headEnd len="sm" w="sm" type="none"/>
+            <a:tailEnd len="sm" w="sm" type="none"/>
+          </a:ln>
+        </p:spPr>
+        <p:txBody>
+          <a:bodyPr anchorCtr="0" anchor="ctr" bIns="45700" lIns="91425" spcFirstLastPara="1" rIns="91425" wrap="square" tIns="45700">
+            <a:noAutofit/>
+          </a:bodyPr>
+          <a:lstStyle/>
+          <a:p>
+            <a:pPr indent="0" lvl="0" marL="0" marR="0" rtl="0" algn="ctr">
+              <a:spcBef>
+                <a:spcPts val="0"/>
+              </a:spcBef>
+              <a:spcAft>
+                <a:spcPts val="0"/>
+              </a:spcAft>
+              <a:buNone/>
+            </a:pPr>
+            <a:r>
+              <a:t/>
+            </a:r>
+            <a:endParaRPr sz="1800">
+              <a:solidFill>
+                <a:schemeClr val="lt1"/>
+              </a:solidFill>
+              <a:latin typeface="Gill Sans"/>
+              <a:ea typeface="Gill Sans"/>
+              <a:cs typeface="Gill Sans"/>
+              <a:sym typeface="Gill Sans"/>
+            </a:endParaRPr>
+          </a:p>
+        </p:txBody>
+      </p:sp>
+      <p:pic>
+        <p:nvPicPr>
+          <p:cNvPr id="154" name="Google Shape;154;p9"/>
+          <p:cNvPicPr preferRelativeResize="0"/>
+          <p:nvPr>
+            <p:ph idx="1" type="body"/>
+          </p:nvPr>
+        </p:nvPicPr>
+        <p:blipFill rotWithShape="1">
+          <a:blip r:embed="rId3">
+            <a:alphaModFix/>
+          </a:blip>
+          <a:srcRect b="0" l="0" r="0" t="0"/>
+          <a:stretch/>
+        </p:blipFill>
+        <p:spPr>
+          <a:xfrm>
+            <a:off x="77202" y="1243639"/>
+            <a:ext cx="11772900" cy="4852361"/>
+          </a:xfrm>
+          <a:prstGeom prst="rect">
+            <a:avLst/>
+          </a:prstGeom>
+          <a:noFill/>
+          <a:ln>
+            <a:noFill/>
+          </a:ln>
+        </p:spPr>
+      </p:pic>
+    </p:spTree>
+  </p:cSld>
+  <p:clrMapOvr>
+    <a:masterClrMapping/>
+  </p:clrMapOvr>
+</p:sld>
+</file>
+
+<file path=ppt/slides/slide9.xml><?xml version="1.0" encoding="utf-8"?>
+<p:sld xmlns:a="http://schemas.openxmlformats.org/drawingml/2006/main" xmlns:r="http://schemas.openxmlformats.org/officeDocument/2006/relationships" xmlns:mc="http://schemas.openxmlformats.org/markup-compatibility/2006" xmlns:mv="urn:schemas-microsoft-com:mac:vml" xmlns:p="http://schemas.openxmlformats.org/presentationml/2006/main" xmlns:c="http://schemas.openxmlformats.org/drawingml/2006/chart" xmlns:dgm="http://schemas.openxmlformats.org/drawingml/2006/diagram" xmlns:o="urn:schemas-microsoft-com:office:office" xmlns:v="urn:schemas-microsoft-com:vml" xmlns:pvml="urn:schemas-microsoft-com:office:powerpoint" xmlns:com="http://schemas.openxmlformats.org/drawingml/2006/compatibility" xmlns:p14="http://schemas.microsoft.com/office/powerpoint/2010/main" xmlns:p15="http://schemas.microsoft.com/office/powerpoint/2012/main" xmlns:ahyp="http://schemas.microsoft.com/office/drawing/2018/hyperlinkcolor">
+  <p:cSld>
+    <p:spTree>
+      <p:nvGrpSpPr>
+        <p:cNvPr id="158" name="Shape 158"/>
+        <p:cNvGrpSpPr/>
+        <p:nvPr/>
+      </p:nvGrpSpPr>
+      <p:grpSpPr>
+        <a:xfrm>
+          <a:off x="0" y="0"/>
+          <a:ext cx="0" cy="0"/>
+          <a:chOff x="0" y="0"/>
+          <a:chExt cx="0" cy="0"/>
+        </a:xfrm>
+      </p:grpSpPr>
+      <p:sp>
+        <p:nvSpPr>
+          <p:cNvPr id="159" name="Google Shape;159;p10"/>
+          <p:cNvSpPr txBox="1"/>
+          <p:nvPr>
+            <p:ph type="title"/>
+          </p:nvPr>
+        </p:nvSpPr>
+        <p:spPr>
+          <a:xfrm>
+            <a:off x="581192" y="702156"/>
+            <a:ext cx="11029616" cy="464907"/>
+          </a:xfrm>
+          <a:prstGeom prst="rect">
+            <a:avLst/>
+          </a:prstGeom>
+          <a:noFill/>
+          <a:ln>
+            <a:noFill/>
+          </a:ln>
+        </p:spPr>
+        <p:txBody>
+          <a:bodyPr anchorCtr="0" anchor="b" bIns="45700" lIns="91425" spcFirstLastPara="1" rIns="91425" wrap="square" tIns="45700">
+            <a:normAutofit fontScale="90000"/>
+          </a:bodyPr>
+          <a:lstStyle/>
+          <a:p>
+            <a:pPr indent="0" lvl="0" marL="0" rtl="0" algn="l">
+              <a:spcBef>
+                <a:spcPts val="0"/>
+              </a:spcBef>
+              <a:spcAft>
+                <a:spcPts val="0"/>
+              </a:spcAft>
+              <a:buClr>
+                <a:schemeClr val="lt1"/>
+              </a:buClr>
+              <a:buSzPct val="100000"/>
+              <a:buFont typeface="Gill Sans"/>
+              <a:buNone/>
+            </a:pPr>
+            <a:r>
+              <a:rPr lang="en-US"/>
+              <a:t>HOW DOES THE STOCK PRICE CHANGE OVER TIME</a:t>
+            </a:r>
+            <a:r>
+              <a:rPr lang="en-US"/>
+              <a:t>?</a:t>
+            </a:r>
+            <a:endParaRPr/>
+          </a:p>
+        </p:txBody>
+      </p:sp>
+      <p:sp>
+        <p:nvSpPr>
+          <p:cNvPr id="160" name="Google Shape;160;p10"/>
+          <p:cNvSpPr/>
+          <p:nvPr/>
+        </p:nvSpPr>
+        <p:spPr>
+          <a:xfrm>
+            <a:off x="397042" y="1167063"/>
+            <a:ext cx="11478126" cy="709863"/>
+          </a:xfrm>
+          <a:prstGeom prst="rect">
+            <a:avLst/>
+          </a:prstGeom>
+          <a:solidFill>
+            <a:schemeClr val="lt1"/>
+          </a:solidFill>
+          <a:ln>
+            <a:noFill/>
+          </a:ln>
+        </p:spPr>
+        <p:txBody>
+          <a:bodyPr anchorCtr="0" anchor="ctr" bIns="45700" lIns="91425" spcFirstLastPara="1" rIns="91425" wrap="square" tIns="45700">
+            <a:noAutofit/>
+          </a:bodyPr>
+          <a:lstStyle/>
+          <a:p>
+            <a:pPr indent="0" lvl="0" marL="0" marR="0" rtl="0" algn="ctr">
+              <a:spcBef>
+                <a:spcPts val="0"/>
+              </a:spcBef>
+              <a:spcAft>
+                <a:spcPts val="0"/>
+              </a:spcAft>
+              <a:buNone/>
+            </a:pPr>
+            <a:r>
+              <a:t/>
+            </a:r>
+            <a:endParaRPr sz="1800">
+              <a:solidFill>
+                <a:schemeClr val="lt1"/>
+              </a:solidFill>
+              <a:latin typeface="Gill Sans"/>
+              <a:ea typeface="Gill Sans"/>
+              <a:cs typeface="Gill Sans"/>
+              <a:sym typeface="Gill Sans"/>
+            </a:endParaRPr>
+          </a:p>
+        </p:txBody>
+      </p:sp>
+      <p:sp>
+        <p:nvSpPr>
+          <p:cNvPr id="161" name="Google Shape;161;p10"/>
+          <p:cNvSpPr txBox="1"/>
+          <p:nvPr/>
+        </p:nvSpPr>
+        <p:spPr>
+          <a:xfrm>
+            <a:off x="9271001" y="1418503"/>
+            <a:ext cx="2684378" cy="3139321"/>
+          </a:xfrm>
+          <a:prstGeom prst="rect">
+            <a:avLst/>
+          </a:prstGeom>
+          <a:noFill/>
+          <a:ln>
+            <a:noFill/>
+          </a:ln>
+        </p:spPr>
+        <p:txBody>
+          <a:bodyPr anchorCtr="0" anchor="t" bIns="45700" lIns="91425" spcFirstLastPara="1" rIns="91425" wrap="square" tIns="45700">
+            <a:spAutoFit/>
+          </a:bodyPr>
+          <a:lstStyle/>
+          <a:p>
+            <a:pPr indent="0" lvl="0" marL="0" marR="0" rtl="0" algn="l">
+              <a:spcBef>
+                <a:spcPts val="0"/>
+              </a:spcBef>
+              <a:spcAft>
+                <a:spcPts val="0"/>
+              </a:spcAft>
+              <a:buNone/>
+            </a:pPr>
+            <a:r>
+              <a:rPr lang="en-US" sz="1800" u="sng">
+                <a:solidFill>
+                  <a:schemeClr val="dk1"/>
+                </a:solidFill>
+                <a:latin typeface="Gill Sans"/>
+                <a:ea typeface="Gill Sans"/>
+                <a:cs typeface="Gill Sans"/>
+                <a:sym typeface="Gill Sans"/>
+              </a:rPr>
+              <a:t>Assumptions:</a:t>
+            </a:r>
+            <a:endParaRPr/>
+          </a:p>
+          <a:p>
+            <a:pPr indent="0" lvl="0" marL="0" marR="0" rtl="0" algn="l">
+              <a:spcBef>
+                <a:spcPts val="0"/>
+              </a:spcBef>
+              <a:spcAft>
+                <a:spcPts val="0"/>
+              </a:spcAft>
+              <a:buNone/>
+            </a:pPr>
+            <a:r>
+              <a:t/>
+            </a:r>
+            <a:endParaRPr sz="1800" u="sng">
+              <a:solidFill>
+                <a:schemeClr val="dk1"/>
+              </a:solidFill>
+              <a:latin typeface="Gill Sans"/>
+              <a:ea typeface="Gill Sans"/>
+              <a:cs typeface="Gill Sans"/>
+              <a:sym typeface="Gill Sans"/>
+            </a:endParaRPr>
+          </a:p>
+          <a:p>
+            <a:pPr indent="0" lvl="0" marL="0" marR="0" rtl="0" algn="l">
+              <a:spcBef>
+                <a:spcPts val="0"/>
+              </a:spcBef>
+              <a:spcAft>
+                <a:spcPts val="0"/>
+              </a:spcAft>
+              <a:buNone/>
+            </a:pPr>
+            <a:r>
+              <a:rPr lang="en-US" sz="1800">
+                <a:solidFill>
+                  <a:schemeClr val="dk1"/>
+                </a:solidFill>
+                <a:latin typeface="Gill Sans"/>
+                <a:ea typeface="Gill Sans"/>
+                <a:cs typeface="Gill Sans"/>
+                <a:sym typeface="Gill Sans"/>
+              </a:rPr>
+              <a:t>The original opening price was found and then compared to the closing price 12, 24, 36, 48 and 60 months later.</a:t>
+            </a:r>
+            <a:endParaRPr/>
+          </a:p>
+          <a:p>
+            <a:pPr indent="0" lvl="0" marL="0" marR="0" rtl="0" algn="l">
+              <a:spcBef>
+                <a:spcPts val="0"/>
+              </a:spcBef>
+              <a:spcAft>
+                <a:spcPts val="0"/>
+              </a:spcAft>
+              <a:buNone/>
+            </a:pPr>
+            <a:r>
+              <a:t/>
+            </a:r>
+            <a:endParaRPr sz="1800">
+              <a:solidFill>
+                <a:schemeClr val="dk1"/>
+              </a:solidFill>
+              <a:latin typeface="Gill Sans"/>
+              <a:ea typeface="Gill Sans"/>
+              <a:cs typeface="Gill Sans"/>
+              <a:sym typeface="Gill Sans"/>
+            </a:endParaRPr>
+          </a:p>
+          <a:p>
+            <a:pPr indent="0" lvl="0" marL="0" marR="0" rtl="0" algn="l">
+              <a:spcBef>
+                <a:spcPts val="0"/>
+              </a:spcBef>
+              <a:spcAft>
+                <a:spcPts val="0"/>
+              </a:spcAft>
+              <a:buNone/>
+            </a:pPr>
+            <a:r>
+              <a:rPr lang="en-US" sz="1800">
+                <a:solidFill>
+                  <a:schemeClr val="dk1"/>
+                </a:solidFill>
+                <a:latin typeface="Gill Sans"/>
+                <a:ea typeface="Gill Sans"/>
+                <a:cs typeface="Gill Sans"/>
+                <a:sym typeface="Gill Sans"/>
+              </a:rPr>
+              <a:t>NB - ACI has not been traded in it’s current form for 60 months.</a:t>
+            </a:r>
+            <a:endParaRPr sz="1800">
+              <a:solidFill>
+                <a:schemeClr val="dk1"/>
+              </a:solidFill>
+              <a:latin typeface="Gill Sans"/>
+              <a:ea typeface="Gill Sans"/>
+              <a:cs typeface="Gill Sans"/>
+              <a:sym typeface="Gill Sans"/>
+            </a:endParaRPr>
+          </a:p>
+        </p:txBody>
+      </p:sp>
+      <p:pic>
+        <p:nvPicPr>
+          <p:cNvPr id="162" name="Google Shape;162;p10"/>
+          <p:cNvPicPr preferRelativeResize="0"/>
+          <p:nvPr/>
+        </p:nvPicPr>
+        <p:blipFill rotWithShape="1">
+          <a:blip r:embed="rId3">
+            <a:alphaModFix/>
+          </a:blip>
+          <a:srcRect b="0" l="0" r="0" t="0"/>
+          <a:stretch/>
+        </p:blipFill>
+        <p:spPr>
+          <a:xfrm>
+            <a:off x="397042" y="1236174"/>
+            <a:ext cx="8764801" cy="5113825"/>
+          </a:xfrm>
+          <a:prstGeom prst="rect">
+            <a:avLst/>
+          </a:prstGeom>
+          <a:noFill/>
+          <a:ln>
+            <a:noFill/>
+          </a:ln>
+        </p:spPr>
+      </p:pic>
+    </p:spTree>
+  </p:cSld>
+  <p:clrMapOvr>
+    <a:masterClrMapping/>
+  </p:clrMapOvr>
+</p:sld>
+</file>
+
 <file path=ppt/theme/theme1.xml><?xml version="1.0" encoding="utf-8"?>
+<a:theme xmlns:a="http://schemas.openxmlformats.org/drawingml/2006/main" xmlns:r="http://schemas.openxmlformats.org/officeDocument/2006/relationships" name="Dividend">
+  <a:themeElements>
+    <a:clrScheme name="Dividend">
+      <a:dk1>
+        <a:srgbClr val="000000"/>
+      </a:dk1>
+      <a:lt1>
+        <a:srgbClr val="FFFFFF"/>
+      </a:lt1>
+      <a:dk2>
+        <a:srgbClr val="3D3D3D"/>
+      </a:dk2>
+      <a:lt2>
+        <a:srgbClr val="EBEBEB"/>
+      </a:lt2>
+      <a:accent1>
+        <a:srgbClr val="4D1434"/>
+      </a:accent1>
+      <a:accent2>
+        <a:srgbClr val="903163"/>
+      </a:accent2>
+      <a:accent3>
+        <a:srgbClr val="B2324B"/>
+      </a:accent3>
+      <a:accent4>
+        <a:srgbClr val="969FA7"/>
+      </a:accent4>
+      <a:accent5>
+        <a:srgbClr val="66B1CE"/>
+      </a:accent5>
+      <a:accent6>
+        <a:srgbClr val="40619D"/>
+      </a:accent6>
+      <a:hlink>
+        <a:srgbClr val="828282"/>
+      </a:hlink>
+      <a:folHlink>
+        <a:srgbClr val="A5A5A5"/>
+      </a:folHlink>
+    </a:clrScheme>
+    <a:fontScheme name="Office">
+      <a:majorFont>
+        <a:latin typeface="Arial"/>
+        <a:ea typeface=""/>
+        <a:cs typeface=""/>
+        <a:font script="Jpan" typeface="ＭＳ Ｐゴシック"/>
+        <a:font script="Hang" typeface="맑은 고딕"/>
+        <a:font script="Hans" typeface="宋体"/>
+        <a:font script="Hant" typeface="新細明體"/>
+        <a:font script="Arab" typeface="Times New Roman"/>
+        <a:font script="Hebr" typeface="Times New Roman"/>
+        <a:font script="Thai" typeface="Angsana New"/>
+        <a:font script="Ethi" typeface="Nyala"/>
+        <a:font script="Beng" typeface="Vrinda"/>
+        <a:font script="Gujr" typeface="Shruti"/>
+        <a:font script="Khmr" typeface="MoolBoran"/>
+        <a:font script="Knda" typeface="Tunga"/>
+        <a:font script="Guru" typeface="Raavi"/>
+        <a:font script="Cans" typeface="Euphemia"/>
+        <a:font script="Cher" typeface="Plantagenet Cherokee"/>
+        <a:font script="Yiii" typeface="Microsoft Yi Baiti"/>
+        <a:font script="Tibt" typeface="Microsoft Himalaya"/>
+        <a:font script="Thaa" typeface="MV Boli"/>
+        <a:font script="Deva" typeface="Mangal"/>
+        <a:font script="Telu" typeface="Gautami"/>
+        <a:font script="Taml" typeface="Latha"/>
+        <a:font script="Syrc" typeface="Estrangelo Edessa"/>
+        <a:font script="Orya" typeface="Kalinga"/>
+        <a:font script="Mlym" typeface="Kartika"/>
+        <a:font script="Laoo" typeface="DokChampa"/>
+        <a:font script="Sinh" typeface="Iskoola Pota"/>
+        <a:font script="Mong" typeface="Mongolian Baiti"/>
+        <a:font script="Viet" typeface="Times New Roman"/>
+        <a:font script="Uigh" typeface="Microsoft Uighur"/>
+        <a:font script="Geor" typeface="Sylfaen"/>
+      </a:majorFont>
+      <a:minorFont>
+        <a:latin typeface="Arial"/>
+        <a:ea typeface=""/>
+        <a:cs typeface=""/>
+        <a:font script="Jpan" typeface="ＭＳ Ｐゴシック"/>
+        <a:font script="Hang" typeface="맑은 고딕"/>
+        <a:font script="Hans" typeface="宋体"/>
+        <a:font script="Hant" typeface="新細明體"/>
+        <a:font script="Arab" typeface="Arial"/>
+        <a:font script="Hebr" typeface="Arial"/>
+        <a:font script="Thai" typeface="Cordia New"/>
+        <a:font script="Ethi" typeface="Nyala"/>
+        <a:font script="Beng" typeface="Vrinda"/>
+        <a:font script="Gujr" typeface="Shruti"/>
+        <a:font script="Khmr" typeface="DaunPenh"/>
+        <a:font script="Knda" typeface="Tunga"/>
+        <a:font script="Guru" typeface="Raavi"/>
+        <a:font script="Cans" typeface="Euphemia"/>
+        <a:font script="Cher" typeface="Plantagenet Cherokee"/>
+        <a:font script="Yiii" typeface="Microsoft Yi Baiti"/>
+        <a:font script="Tibt" typeface="Microsoft Himalaya"/>
+        <a:font script="Thaa" typeface="MV Boli"/>
+        <a:font script="Deva" typeface="Mangal"/>
+        <a:font script="Telu" typeface="Gautami"/>
+        <a:font script="Taml" typeface="Latha"/>
+        <a:font script="Syrc" typeface="Estrangelo Edessa"/>
+        <a:font script="Orya" typeface="Kalinga"/>
+        <a:font script="Mlym" typeface="Kartika"/>
+        <a:font script="Laoo" typeface="DokChampa"/>
+        <a:font script="Sinh" typeface="Iskoola Pota"/>
+        <a:font script="Mong" typeface="Mongolian Baiti"/>
+        <a:font script="Viet" typeface="Arial"/>
+        <a:font script="Uigh" typeface="Microsoft Uighur"/>
+        <a:font script="Geor" typeface="Sylfaen"/>
+      </a:minorFont>
+    </a:fontScheme>
+    <a:fmtScheme name="Office">
+      <a:fillStyleLst>
+        <a:solidFill>
+          <a:schemeClr val="phClr"/>
+        </a:solidFill>
+        <a:gradFill rotWithShape="1">
+          <a:gsLst>
+            <a:gs pos="0">
+              <a:schemeClr val="phClr">
+                <a:tint val="50000"/>
+                <a:satMod val="300000"/>
+              </a:schemeClr>
+            </a:gs>
+            <a:gs pos="35000">
+              <a:schemeClr val="phClr">
+                <a:tint val="37000"/>
+                <a:satMod val="300000"/>
+              </a:schemeClr>
+            </a:gs>
+            <a:gs pos="100000">
+              <a:schemeClr val="phClr">
+                <a:tint val="15000"/>
+                <a:satMod val="350000"/>
+              </a:schemeClr>
+            </a:gs>
+          </a:gsLst>
+          <a:lin ang="16200000" scaled="1"/>
+        </a:gradFill>
+        <a:gradFill rotWithShape="1">
+          <a:gsLst>
+            <a:gs pos="0">
+              <a:schemeClr val="phClr">
+                <a:tint val="100000"/>
+                <a:shade val="100000"/>
+                <a:satMod val="130000"/>
+              </a:schemeClr>
+            </a:gs>
+            <a:gs pos="100000">
+              <a:schemeClr val="phClr">
+                <a:tint val="50000"/>
+                <a:shade val="100000"/>
+                <a:satMod val="350000"/>
+              </a:schemeClr>
+            </a:gs>
+          </a:gsLst>
+          <a:lin ang="16200000" scaled="0"/>
+        </a:gradFill>
+      </a:fillStyleLst>
+      <a:lnStyleLst>
+        <a:ln w="9525" cap="flat" cmpd="sng" algn="ctr">
+          <a:solidFill>
+            <a:schemeClr val="phClr">
+              <a:shade val="95000"/>
+              <a:satMod val="105000"/>
+            </a:schemeClr>
+          </a:solidFill>
+          <a:prstDash val="solid"/>
+        </a:ln>
+        <a:ln w="25400" cap="flat" cmpd="sng" algn="ctr">
+          <a:solidFill>
+            <a:schemeClr val="phClr"/>
+          </a:solidFill>
+          <a:prstDash val="solid"/>
+        </a:ln>
+        <a:ln w="38100" cap="flat" cmpd="sng" algn="ctr">
+          <a:solidFill>
+            <a:schemeClr val="phClr"/>
+          </a:solidFill>
+          <a:prstDash val="solid"/>
+        </a:ln>
+      </a:lnStyleLst>
+      <a:effectStyleLst>
+        <a:effectStyle>
+          <a:effectLst>
+            <a:outerShdw blurRad="40000" dist="20000" dir="5400000" rotWithShape="0">
+              <a:srgbClr val="000000">
+                <a:alpha val="38000"/>
+              </a:srgbClr>
+            </a:outerShdw>
+          </a:effectLst>
+        </a:effectStyle>
+        <a:effectStyle>
+          <a:effectLst>
+            <a:outerShdw blurRad="40000" dist="23000" dir="5400000" rotWithShape="0">
+              <a:srgbClr val="000000">
+                <a:alpha val="35000"/>
+              </a:srgbClr>
+            </a:outerShdw>
+          </a:effectLst>
+        </a:effectStyle>
+        <a:effectStyle>
+          <a:effectLst>
+            <a:outerShdw blurRad="40000" dist="23000" dir="5400000" rotWithShape="0">
+              <a:srgbClr val="000000">
+                <a:alpha val="35000"/>
+              </a:srgbClr>
+            </a:outerShdw>
+          </a:effectLst>
+          <a:scene3d>
+            <a:camera prst="orthographicFront">
+              <a:rot lat="0" lon="0" rev="0"/>
+            </a:camera>
+            <a:lightRig rig="threePt" dir="t">
+              <a:rot lat="0" lon="0" rev="1200000"/>
+            </a:lightRig>
+          </a:scene3d>
+          <a:sp3d>
+            <a:bevelT w="63500" h="25400"/>
+          </a:sp3d>
+        </a:effectStyle>
+      </a:effectStyleLst>
+      <a:bgFillStyleLst>
+        <a:solidFill>
+          <a:schemeClr val="phClr"/>
+        </a:solidFill>
+        <a:gradFill rotWithShape="1">
+          <a:gsLst>
+            <a:gs pos="0">
+              <a:schemeClr val="phClr">
+                <a:tint val="40000"/>
+                <a:satMod val="350000"/>
+              </a:schemeClr>
+            </a:gs>
+            <a:gs pos="40000">
+              <a:schemeClr val="phClr">
+                <a:tint val="45000"/>
+                <a:shade val="99000"/>
+                <a:satMod val="350000"/>
+              </a:schemeClr>
+            </a:gs>
+            <a:gs pos="100000">
+              <a:schemeClr val="phClr">
+                <a:shade val="20000"/>
+                <a:satMod val="255000"/>
+              </a:schemeClr>
+            </a:gs>
+          </a:gsLst>
+          <a:path path="circle">
+            <a:fillToRect l="50000" t="-80000" r="50000" b="180000"/>
+          </a:path>
+        </a:gradFill>
+        <a:gradFill rotWithShape="1">
+          <a:gsLst>
+            <a:gs pos="0">
+              <a:schemeClr val="phClr">
+                <a:tint val="80000"/>
+                <a:satMod val="300000"/>
+              </a:schemeClr>
+            </a:gs>
+            <a:gs pos="100000">
+              <a:schemeClr val="phClr">
+                <a:shade val="30000"/>
+                <a:satMod val="200000"/>
+              </a:schemeClr>
+            </a:gs>
+          </a:gsLst>
+          <a:path path="circle">
+            <a:fillToRect l="50000" t="50000" r="50000" b="50000"/>
+          </a:path>
+        </a:gradFill>
+      </a:bgFillStyleLst>
+    </a:fmtScheme>
+  </a:themeElements>
+</a:theme>
+</file>
+
+<file path=ppt/theme/theme2.xml><?xml version="1.0" encoding="utf-8"?>
 <a:theme xmlns:a="http://schemas.openxmlformats.org/drawingml/2006/main" xmlns:r="http://schemas.openxmlformats.org/officeDocument/2006/relationships">
   <a:themeElements>
     <a:clrScheme name="Default">
@@ -19241,283 +18748,4 @@
     </a:fmtScheme>
   </a:themeElements>
 </a:theme>
-</file>
-
-<file path=ppt/theme/theme2.xml><?xml version="1.0" encoding="utf-8"?>
-<a:theme xmlns:a="http://schemas.openxmlformats.org/drawingml/2006/main" xmlns:r="http://schemas.openxmlformats.org/officeDocument/2006/relationships" name="Dividend">
-  <a:themeElements>
-    <a:clrScheme name="Dividend">
-      <a:dk1>
-        <a:srgbClr val="000000"/>
-      </a:dk1>
-      <a:lt1>
-        <a:srgbClr val="FFFFFF"/>
-      </a:lt1>
-      <a:dk2>
-        <a:srgbClr val="3D3D3D"/>
-      </a:dk2>
-      <a:lt2>
-        <a:srgbClr val="EBEBEB"/>
-      </a:lt2>
-      <a:accent1>
-        <a:srgbClr val="4D1434"/>
-      </a:accent1>
-      <a:accent2>
-        <a:srgbClr val="903163"/>
-      </a:accent2>
-      <a:accent3>
-        <a:srgbClr val="B2324B"/>
-      </a:accent3>
-      <a:accent4>
-        <a:srgbClr val="969FA7"/>
-      </a:accent4>
-      <a:accent5>
-        <a:srgbClr val="66B1CE"/>
-      </a:accent5>
-      <a:accent6>
-        <a:srgbClr val="40619D"/>
-      </a:accent6>
-      <a:hlink>
-        <a:srgbClr val="828282"/>
-      </a:hlink>
-      <a:folHlink>
-        <a:srgbClr val="A5A5A5"/>
-      </a:folHlink>
-    </a:clrScheme>
-    <a:fontScheme name="Office">
-      <a:majorFont>
-        <a:latin typeface="Arial"/>
-        <a:ea typeface=""/>
-        <a:cs typeface=""/>
-        <a:font script="Jpan" typeface="ＭＳ Ｐゴシック"/>
-        <a:font script="Hang" typeface="맑은 고딕"/>
-        <a:font script="Hans" typeface="宋体"/>
-        <a:font script="Hant" typeface="新細明體"/>
-        <a:font script="Arab" typeface="Times New Roman"/>
-        <a:font script="Hebr" typeface="Times New Roman"/>
-        <a:font script="Thai" typeface="Angsana New"/>
-        <a:font script="Ethi" typeface="Nyala"/>
-        <a:font script="Beng" typeface="Vrinda"/>
-        <a:font script="Gujr" typeface="Shruti"/>
-        <a:font script="Khmr" typeface="MoolBoran"/>
-        <a:font script="Knda" typeface="Tunga"/>
-        <a:font script="Guru" typeface="Raavi"/>
-        <a:font script="Cans" typeface="Euphemia"/>
-        <a:font script="Cher" typeface="Plantagenet Cherokee"/>
-        <a:font script="Yiii" typeface="Microsoft Yi Baiti"/>
-        <a:font script="Tibt" typeface="Microsoft Himalaya"/>
-        <a:font script="Thaa" typeface="MV Boli"/>
-        <a:font script="Deva" typeface="Mangal"/>
-        <a:font script="Telu" typeface="Gautami"/>
-        <a:font script="Taml" typeface="Latha"/>
-        <a:font script="Syrc" typeface="Estrangelo Edessa"/>
-        <a:font script="Orya" typeface="Kalinga"/>
-        <a:font script="Mlym" typeface="Kartika"/>
-        <a:font script="Laoo" typeface="DokChampa"/>
-        <a:font script="Sinh" typeface="Iskoola Pota"/>
-        <a:font script="Mong" typeface="Mongolian Baiti"/>
-        <a:font script="Viet" typeface="Times New Roman"/>
-        <a:font script="Uigh" typeface="Microsoft Uighur"/>
-        <a:font script="Geor" typeface="Sylfaen"/>
-      </a:majorFont>
-      <a:minorFont>
-        <a:latin typeface="Arial"/>
-        <a:ea typeface=""/>
-        <a:cs typeface=""/>
-        <a:font script="Jpan" typeface="ＭＳ Ｐゴシック"/>
-        <a:font script="Hang" typeface="맑은 고딕"/>
-        <a:font script="Hans" typeface="宋体"/>
-        <a:font script="Hant" typeface="新細明體"/>
-        <a:font script="Arab" typeface="Arial"/>
-        <a:font script="Hebr" typeface="Arial"/>
-        <a:font script="Thai" typeface="Cordia New"/>
-        <a:font script="Ethi" typeface="Nyala"/>
-        <a:font script="Beng" typeface="Vrinda"/>
-        <a:font script="Gujr" typeface="Shruti"/>
-        <a:font script="Khmr" typeface="DaunPenh"/>
-        <a:font script="Knda" typeface="Tunga"/>
-        <a:font script="Guru" typeface="Raavi"/>
-        <a:font script="Cans" typeface="Euphemia"/>
-        <a:font script="Cher" typeface="Plantagenet Cherokee"/>
-        <a:font script="Yiii" typeface="Microsoft Yi Baiti"/>
-        <a:font script="Tibt" typeface="Microsoft Himalaya"/>
-        <a:font script="Thaa" typeface="MV Boli"/>
-        <a:font script="Deva" typeface="Mangal"/>
-        <a:font script="Telu" typeface="Gautami"/>
-        <a:font script="Taml" typeface="Latha"/>
-        <a:font script="Syrc" typeface="Estrangelo Edessa"/>
-        <a:font script="Orya" typeface="Kalinga"/>
-        <a:font script="Mlym" typeface="Kartika"/>
-        <a:font script="Laoo" typeface="DokChampa"/>
-        <a:font script="Sinh" typeface="Iskoola Pota"/>
-        <a:font script="Mong" typeface="Mongolian Baiti"/>
-        <a:font script="Viet" typeface="Arial"/>
-        <a:font script="Uigh" typeface="Microsoft Uighur"/>
-        <a:font script="Geor" typeface="Sylfaen"/>
-      </a:minorFont>
-    </a:fontScheme>
-    <a:fmtScheme name="Office">
-      <a:fillStyleLst>
-        <a:solidFill>
-          <a:schemeClr val="phClr"/>
-        </a:solidFill>
-        <a:gradFill rotWithShape="1">
-          <a:gsLst>
-            <a:gs pos="0">
-              <a:schemeClr val="phClr">
-                <a:tint val="50000"/>
-                <a:satMod val="300000"/>
-              </a:schemeClr>
-            </a:gs>
-            <a:gs pos="35000">
-              <a:schemeClr val="phClr">
-                <a:tint val="37000"/>
-                <a:satMod val="300000"/>
-              </a:schemeClr>
-            </a:gs>
-            <a:gs pos="100000">
-              <a:schemeClr val="phClr">
-                <a:tint val="15000"/>
-                <a:satMod val="350000"/>
-              </a:schemeClr>
-            </a:gs>
-          </a:gsLst>
-          <a:lin ang="16200000" scaled="1"/>
-        </a:gradFill>
-        <a:gradFill rotWithShape="1">
-          <a:gsLst>
-            <a:gs pos="0">
-              <a:schemeClr val="phClr">
-                <a:tint val="100000"/>
-                <a:shade val="100000"/>
-                <a:satMod val="130000"/>
-              </a:schemeClr>
-            </a:gs>
-            <a:gs pos="100000">
-              <a:schemeClr val="phClr">
-                <a:tint val="50000"/>
-                <a:shade val="100000"/>
-                <a:satMod val="350000"/>
-              </a:schemeClr>
-            </a:gs>
-          </a:gsLst>
-          <a:lin ang="16200000" scaled="0"/>
-        </a:gradFill>
-      </a:fillStyleLst>
-      <a:lnStyleLst>
-        <a:ln w="9525" cap="flat" cmpd="sng" algn="ctr">
-          <a:solidFill>
-            <a:schemeClr val="phClr">
-              <a:shade val="95000"/>
-              <a:satMod val="105000"/>
-            </a:schemeClr>
-          </a:solidFill>
-          <a:prstDash val="solid"/>
-        </a:ln>
-        <a:ln w="25400" cap="flat" cmpd="sng" algn="ctr">
-          <a:solidFill>
-            <a:schemeClr val="phClr"/>
-          </a:solidFill>
-          <a:prstDash val="solid"/>
-        </a:ln>
-        <a:ln w="38100" cap="flat" cmpd="sng" algn="ctr">
-          <a:solidFill>
-            <a:schemeClr val="phClr"/>
-          </a:solidFill>
-          <a:prstDash val="solid"/>
-        </a:ln>
-      </a:lnStyleLst>
-      <a:effectStyleLst>
-        <a:effectStyle>
-          <a:effectLst>
-            <a:outerShdw blurRad="40000" dist="20000" dir="5400000" rotWithShape="0">
-              <a:srgbClr val="000000">
-                <a:alpha val="38000"/>
-              </a:srgbClr>
-            </a:outerShdw>
-          </a:effectLst>
-        </a:effectStyle>
-        <a:effectStyle>
-          <a:effectLst>
-            <a:outerShdw blurRad="40000" dist="23000" dir="5400000" rotWithShape="0">
-              <a:srgbClr val="000000">
-                <a:alpha val="35000"/>
-              </a:srgbClr>
-            </a:outerShdw>
-          </a:effectLst>
-        </a:effectStyle>
-        <a:effectStyle>
-          <a:effectLst>
-            <a:outerShdw blurRad="40000" dist="23000" dir="5400000" rotWithShape="0">
-              <a:srgbClr val="000000">
-                <a:alpha val="35000"/>
-              </a:srgbClr>
-            </a:outerShdw>
-          </a:effectLst>
-          <a:scene3d>
-            <a:camera prst="orthographicFront">
-              <a:rot lat="0" lon="0" rev="0"/>
-            </a:camera>
-            <a:lightRig rig="threePt" dir="t">
-              <a:rot lat="0" lon="0" rev="1200000"/>
-            </a:lightRig>
-          </a:scene3d>
-          <a:sp3d>
-            <a:bevelT w="63500" h="25400"/>
-          </a:sp3d>
-        </a:effectStyle>
-      </a:effectStyleLst>
-      <a:bgFillStyleLst>
-        <a:solidFill>
-          <a:schemeClr val="phClr"/>
-        </a:solidFill>
-        <a:gradFill rotWithShape="1">
-          <a:gsLst>
-            <a:gs pos="0">
-              <a:schemeClr val="phClr">
-                <a:tint val="40000"/>
-                <a:satMod val="350000"/>
-              </a:schemeClr>
-            </a:gs>
-            <a:gs pos="40000">
-              <a:schemeClr val="phClr">
-                <a:tint val="45000"/>
-                <a:shade val="99000"/>
-                <a:satMod val="350000"/>
-              </a:schemeClr>
-            </a:gs>
-            <a:gs pos="100000">
-              <a:schemeClr val="phClr">
-                <a:shade val="20000"/>
-                <a:satMod val="255000"/>
-              </a:schemeClr>
-            </a:gs>
-          </a:gsLst>
-          <a:path path="circle">
-            <a:fillToRect l="50000" t="-80000" r="50000" b="180000"/>
-          </a:path>
-        </a:gradFill>
-        <a:gradFill rotWithShape="1">
-          <a:gsLst>
-            <a:gs pos="0">
-              <a:schemeClr val="phClr">
-                <a:tint val="80000"/>
-                <a:satMod val="300000"/>
-              </a:schemeClr>
-            </a:gs>
-            <a:gs pos="100000">
-              <a:schemeClr val="phClr">
-                <a:shade val="30000"/>
-                <a:satMod val="200000"/>
-              </a:schemeClr>
-            </a:gs>
-          </a:gsLst>
-          <a:path path="circle">
-            <a:fillToRect l="50000" t="50000" r="50000" b="50000"/>
-          </a:path>
-        </a:gradFill>
-      </a:bgFillStyleLst>
-    </a:fmtScheme>
-  </a:themeElements>
-</a:theme>
 </file>
--- a/presentation/Group 3 – FINANCIAL ANALYSIS.pptx
+++ b/presentation/Group 3 – FINANCIAL ANALYSIS.pptx
@@ -271,7 +271,7 @@
   </p:defaultTextStyle>
   <p:extLst>
     <p:ext uri="GoogleSlidesCustomDataVersion2">
-      <go:slidesCustomData xmlns:go="http://customooxmlschemas.google.com/" r:id="rId29" roundtripDataSignature="AMtx7mjW9TGhj7SviBeGD4pT2jEGQW8/1g=="/>
+      <go:slidesCustomData xmlns:go="http://customooxmlschemas.google.com/" r:id="rId29" roundtripDataSignature="AMtx7mgBHbKe5EKh9+Ig2ZrOaTJ36cA9uA=="/>
     </p:ext>
   </p:extLst>
 </p:presentation>
@@ -1217,106 +1217,7 @@
       </p:grpSpPr>
       <p:sp>
         <p:nvSpPr>
-          <p:cNvPr id="189" name="Google Shape;189;p20:notes"/>
-          <p:cNvSpPr txBox="1"/>
-          <p:nvPr>
-            <p:ph idx="1" type="body"/>
-          </p:nvPr>
-        </p:nvSpPr>
-        <p:spPr>
-          <a:xfrm>
-            <a:off x="685800" y="4343400"/>
-            <a:ext cx="5486400" cy="4114800"/>
-          </a:xfrm>
-          <a:prstGeom prst="rect">
-            <a:avLst/>
-          </a:prstGeom>
-        </p:spPr>
-        <p:txBody>
-          <a:bodyPr anchorCtr="0" anchor="t" bIns="91425" lIns="91425" spcFirstLastPara="1" rIns="91425" wrap="square" tIns="91425">
-            <a:noAutofit/>
-          </a:bodyPr>
-          <a:lstStyle/>
-          <a:p>
-            <a:pPr indent="0" lvl="0" marL="0" rtl="0" algn="l">
-              <a:spcBef>
-                <a:spcPts val="0"/>
-              </a:spcBef>
-              <a:spcAft>
-                <a:spcPts val="0"/>
-              </a:spcAft>
-              <a:buNone/>
-            </a:pPr>
-            <a:r>
-              <a:t/>
-            </a:r>
-            <a:endParaRPr/>
-          </a:p>
-        </p:txBody>
-      </p:sp>
-      <p:sp>
-        <p:nvSpPr>
-          <p:cNvPr id="190" name="Google Shape;190;p20:notes"/>
-          <p:cNvSpPr/>
-          <p:nvPr>
-            <p:ph idx="2" type="sldImg"/>
-          </p:nvPr>
-        </p:nvSpPr>
-        <p:spPr>
-          <a:xfrm>
-            <a:off x="1143225" y="685800"/>
-            <a:ext cx="4572225" cy="3429000"/>
-          </a:xfrm>
-          <a:custGeom>
-            <a:rect b="b" l="l" r="r" t="t"/>
-            <a:pathLst>
-              <a:path extrusionOk="0" h="120000" w="120000">
-                <a:moveTo>
-                  <a:pt x="0" y="0"/>
-                </a:moveTo>
-                <a:lnTo>
-                  <a:pt x="120000" y="0"/>
-                </a:lnTo>
-                <a:lnTo>
-                  <a:pt x="120000" y="120000"/>
-                </a:lnTo>
-                <a:lnTo>
-                  <a:pt x="0" y="120000"/>
-                </a:lnTo>
-                <a:close/>
-              </a:path>
-            </a:pathLst>
-          </a:custGeom>
-        </p:spPr>
-      </p:sp>
-    </p:spTree>
-  </p:cSld>
-  <p:clrMapOvr>
-    <a:masterClrMapping/>
-  </p:clrMapOvr>
-</p:notes>
-</file>
-
-<file path=ppt/notesSlides/notesSlide15.xml><?xml version="1.0" encoding="utf-8"?>
-<p:notes xmlns:a="http://schemas.openxmlformats.org/drawingml/2006/main" xmlns:r="http://schemas.openxmlformats.org/officeDocument/2006/relationships" xmlns:mc="http://schemas.openxmlformats.org/markup-compatibility/2006" xmlns:mv="urn:schemas-microsoft-com:mac:vml" xmlns:p="http://schemas.openxmlformats.org/presentationml/2006/main" xmlns:c="http://schemas.openxmlformats.org/drawingml/2006/chart" xmlns:dgm="http://schemas.openxmlformats.org/drawingml/2006/diagram" xmlns:o="urn:schemas-microsoft-com:office:office" xmlns:v="urn:schemas-microsoft-com:vml" xmlns:pvml="urn:schemas-microsoft-com:office:powerpoint" xmlns:com="http://schemas.openxmlformats.org/drawingml/2006/compatibility" xmlns:p14="http://schemas.microsoft.com/office/powerpoint/2010/main" xmlns:p15="http://schemas.microsoft.com/office/powerpoint/2012/main" xmlns:ahyp="http://schemas.microsoft.com/office/drawing/2018/hyperlinkcolor" showMasterPhAnim="0" showMasterSp="0">
-  <p:cSld>
-    <p:spTree>
-      <p:nvGrpSpPr>
-        <p:cNvPr id="195" name="Shape 195"/>
-        <p:cNvGrpSpPr/>
-        <p:nvPr/>
-      </p:nvGrpSpPr>
-      <p:grpSpPr>
-        <a:xfrm>
-          <a:off x="0" y="0"/>
-          <a:ext cx="0" cy="0"/>
-          <a:chOff x="0" y="0"/>
-          <a:chExt cx="0" cy="0"/>
-        </a:xfrm>
-      </p:grpSpPr>
-      <p:sp>
-        <p:nvSpPr>
-          <p:cNvPr id="196" name="Google Shape;196;g2c4b658579b_0_3:notes"/>
+          <p:cNvPr id="189" name="Google Shape;189;g2c4b658579b_0_3:notes"/>
           <p:cNvSpPr/>
           <p:nvPr>
             <p:ph idx="2" type="sldImg"/>
@@ -1351,7 +1252,7 @@
       </p:sp>
       <p:sp>
         <p:nvSpPr>
-          <p:cNvPr id="197" name="Google Shape;197;g2c4b658579b_0_3:notes"/>
+          <p:cNvPr id="190" name="Google Shape;190;g2c4b658579b_0_3:notes"/>
           <p:cNvSpPr txBox="1"/>
           <p:nvPr>
             <p:ph idx="1" type="body"/>
@@ -1387,6 +1288,105 @@
             <a:endParaRPr/>
           </a:p>
         </p:txBody>
+      </p:sp>
+    </p:spTree>
+  </p:cSld>
+  <p:clrMapOvr>
+    <a:masterClrMapping/>
+  </p:clrMapOvr>
+</p:notes>
+</file>
+
+<file path=ppt/notesSlides/notesSlide15.xml><?xml version="1.0" encoding="utf-8"?>
+<p:notes xmlns:a="http://schemas.openxmlformats.org/drawingml/2006/main" xmlns:r="http://schemas.openxmlformats.org/officeDocument/2006/relationships" xmlns:mc="http://schemas.openxmlformats.org/markup-compatibility/2006" xmlns:mv="urn:schemas-microsoft-com:mac:vml" xmlns:p="http://schemas.openxmlformats.org/presentationml/2006/main" xmlns:c="http://schemas.openxmlformats.org/drawingml/2006/chart" xmlns:dgm="http://schemas.openxmlformats.org/drawingml/2006/diagram" xmlns:o="urn:schemas-microsoft-com:office:office" xmlns:v="urn:schemas-microsoft-com:vml" xmlns:pvml="urn:schemas-microsoft-com:office:powerpoint" xmlns:com="http://schemas.openxmlformats.org/drawingml/2006/compatibility" xmlns:p14="http://schemas.microsoft.com/office/powerpoint/2010/main" xmlns:p15="http://schemas.microsoft.com/office/powerpoint/2012/main" xmlns:ahyp="http://schemas.microsoft.com/office/drawing/2018/hyperlinkcolor" showMasterPhAnim="0" showMasterSp="0">
+  <p:cSld>
+    <p:spTree>
+      <p:nvGrpSpPr>
+        <p:cNvPr id="195" name="Shape 195"/>
+        <p:cNvGrpSpPr/>
+        <p:nvPr/>
+      </p:nvGrpSpPr>
+      <p:grpSpPr>
+        <a:xfrm>
+          <a:off x="0" y="0"/>
+          <a:ext cx="0" cy="0"/>
+          <a:chOff x="0" y="0"/>
+          <a:chExt cx="0" cy="0"/>
+        </a:xfrm>
+      </p:grpSpPr>
+      <p:sp>
+        <p:nvSpPr>
+          <p:cNvPr id="196" name="Google Shape;196;p20:notes"/>
+          <p:cNvSpPr txBox="1"/>
+          <p:nvPr>
+            <p:ph idx="1" type="body"/>
+          </p:nvPr>
+        </p:nvSpPr>
+        <p:spPr>
+          <a:xfrm>
+            <a:off x="685800" y="4343400"/>
+            <a:ext cx="5486400" cy="4114800"/>
+          </a:xfrm>
+          <a:prstGeom prst="rect">
+            <a:avLst/>
+          </a:prstGeom>
+        </p:spPr>
+        <p:txBody>
+          <a:bodyPr anchorCtr="0" anchor="t" bIns="91425" lIns="91425" spcFirstLastPara="1" rIns="91425" wrap="square" tIns="91425">
+            <a:noAutofit/>
+          </a:bodyPr>
+          <a:lstStyle/>
+          <a:p>
+            <a:pPr indent="0" lvl="0" marL="0" rtl="0" algn="l">
+              <a:spcBef>
+                <a:spcPts val="0"/>
+              </a:spcBef>
+              <a:spcAft>
+                <a:spcPts val="0"/>
+              </a:spcAft>
+              <a:buNone/>
+            </a:pPr>
+            <a:r>
+              <a:t/>
+            </a:r>
+            <a:endParaRPr/>
+          </a:p>
+        </p:txBody>
+      </p:sp>
+      <p:sp>
+        <p:nvSpPr>
+          <p:cNvPr id="197" name="Google Shape;197;p20:notes"/>
+          <p:cNvSpPr/>
+          <p:nvPr>
+            <p:ph idx="2" type="sldImg"/>
+          </p:nvPr>
+        </p:nvSpPr>
+        <p:spPr>
+          <a:xfrm>
+            <a:off x="1143225" y="685800"/>
+            <a:ext cx="4572225" cy="3429000"/>
+          </a:xfrm>
+          <a:custGeom>
+            <a:rect b="b" l="l" r="r" t="t"/>
+            <a:pathLst>
+              <a:path extrusionOk="0" h="120000" w="120000">
+                <a:moveTo>
+                  <a:pt x="0" y="0"/>
+                </a:moveTo>
+                <a:lnTo>
+                  <a:pt x="120000" y="0"/>
+                </a:lnTo>
+                <a:lnTo>
+                  <a:pt x="120000" y="120000"/>
+                </a:lnTo>
+                <a:lnTo>
+                  <a:pt x="0" y="120000"/>
+                </a:lnTo>
+                <a:close/>
+              </a:path>
+            </a:pathLst>
+          </a:custGeom>
+        </p:spPr>
       </p:sp>
     </p:spTree>
   </p:cSld>
@@ -1446,7 +1446,16 @@
               <a:buNone/>
             </a:pPr>
             <a:r>
-              <a:t/>
+              <a:rPr lang="en-US"/>
+              <a:t>When we look at </a:t>
+            </a:r>
+            <a:r>
+              <a:rPr lang="en-US"/>
+              <a:t>percentage</a:t>
+            </a:r>
+            <a:r>
+              <a:rPr lang="en-US"/>
+              <a:t> change over the last 12 weeks TGT is the only </a:t>
             </a:r>
             <a:endParaRPr/>
           </a:p>
@@ -1580,7 +1589,8 @@
               <a:buNone/>
             </a:pPr>
             <a:r>
-              <a:t/>
+              <a:rPr lang="en-US"/>
+              <a:t>Costco is at it’s lowest for dividend earnings from may till November it only get to its peak in January which is not a true indicator </a:t>
             </a:r>
             <a:endParaRPr/>
           </a:p>
@@ -14176,7 +14186,144 @@
       </p:grpSpPr>
       <p:sp>
         <p:nvSpPr>
-          <p:cNvPr id="192" name="Google Shape;192;p20"/>
+          <p:cNvPr id="192" name="Google Shape;192;g2c4b658579b_0_3"/>
+          <p:cNvSpPr txBox="1"/>
+          <p:nvPr>
+            <p:ph type="title"/>
+          </p:nvPr>
+        </p:nvSpPr>
+        <p:spPr>
+          <a:xfrm>
+            <a:off x="581200" y="702153"/>
+            <a:ext cx="11029500" cy="533700"/>
+          </a:xfrm>
+          <a:prstGeom prst="rect">
+            <a:avLst/>
+          </a:prstGeom>
+        </p:spPr>
+        <p:txBody>
+          <a:bodyPr anchorCtr="0" anchor="b" bIns="45700" lIns="91425" spcFirstLastPara="1" rIns="91425" wrap="square" tIns="45700">
+            <a:normAutofit/>
+          </a:bodyPr>
+          <a:lstStyle/>
+          <a:p>
+            <a:pPr indent="0" lvl="0" marL="0" rtl="0" algn="l">
+              <a:spcBef>
+                <a:spcPts val="0"/>
+              </a:spcBef>
+              <a:spcAft>
+                <a:spcPts val="0"/>
+              </a:spcAft>
+              <a:buClr>
+                <a:schemeClr val="lt1"/>
+              </a:buClr>
+              <a:buSzPts val="2800"/>
+              <a:buFont typeface="Gill Sans"/>
+              <a:buNone/>
+            </a:pPr>
+            <a:r>
+              <a:rPr lang="en-US"/>
+              <a:t>WHAT IS THE RETURN ON INVESTMENT?</a:t>
+            </a:r>
+            <a:endParaRPr/>
+          </a:p>
+        </p:txBody>
+      </p:sp>
+      <p:sp>
+        <p:nvSpPr>
+          <p:cNvPr id="193" name="Google Shape;193;g2c4b658579b_0_3"/>
+          <p:cNvSpPr txBox="1"/>
+          <p:nvPr>
+            <p:ph idx="1" type="body"/>
+          </p:nvPr>
+        </p:nvSpPr>
+        <p:spPr>
+          <a:xfrm>
+            <a:off x="581192" y="2180496"/>
+            <a:ext cx="11029500" cy="3678300"/>
+          </a:xfrm>
+          <a:prstGeom prst="rect">
+            <a:avLst/>
+          </a:prstGeom>
+        </p:spPr>
+        <p:txBody>
+          <a:bodyPr anchorCtr="0" anchor="ctr" bIns="45700" lIns="91425" spcFirstLastPara="1" rIns="91425" wrap="square" tIns="45700">
+            <a:normAutofit/>
+          </a:bodyPr>
+          <a:lstStyle/>
+          <a:p>
+            <a:pPr indent="0" lvl="0" marL="0" rtl="0" algn="l">
+              <a:spcBef>
+                <a:spcPts val="360"/>
+              </a:spcBef>
+              <a:spcAft>
+                <a:spcPts val="600"/>
+              </a:spcAft>
+              <a:buNone/>
+            </a:pPr>
+            <a:r>
+              <a:t/>
+            </a:r>
+            <a:endParaRPr/>
+          </a:p>
+        </p:txBody>
+      </p:sp>
+      <p:pic>
+        <p:nvPicPr>
+          <p:cNvPr id="194" name="Google Shape;194;g2c4b658579b_0_3"/>
+          <p:cNvPicPr preferRelativeResize="0"/>
+          <p:nvPr/>
+        </p:nvPicPr>
+        <p:blipFill>
+          <a:blip r:embed="rId3">
+            <a:alphaModFix/>
+          </a:blip>
+          <a:stretch>
+            <a:fillRect/>
+          </a:stretch>
+        </p:blipFill>
+        <p:spPr>
+          <a:xfrm>
+            <a:off x="433988" y="1345859"/>
+            <a:ext cx="11323925" cy="5858900"/>
+          </a:xfrm>
+          <a:prstGeom prst="rect">
+            <a:avLst/>
+          </a:prstGeom>
+          <a:noFill/>
+          <a:ln>
+            <a:noFill/>
+          </a:ln>
+        </p:spPr>
+      </p:pic>
+    </p:spTree>
+  </p:cSld>
+  <p:clrMapOvr>
+    <a:masterClrMapping/>
+  </p:clrMapOvr>
+</p:sld>
+</file>
+
+<file path=ppt/slides/slide15.xml><?xml version="1.0" encoding="utf-8"?>
+<p:sld xmlns:a="http://schemas.openxmlformats.org/drawingml/2006/main" xmlns:r="http://schemas.openxmlformats.org/officeDocument/2006/relationships" xmlns:mc="http://schemas.openxmlformats.org/markup-compatibility/2006" xmlns:mv="urn:schemas-microsoft-com:mac:vml" xmlns:p="http://schemas.openxmlformats.org/presentationml/2006/main" xmlns:c="http://schemas.openxmlformats.org/drawingml/2006/chart" xmlns:dgm="http://schemas.openxmlformats.org/drawingml/2006/diagram" xmlns:o="urn:schemas-microsoft-com:office:office" xmlns:v="urn:schemas-microsoft-com:vml" xmlns:pvml="urn:schemas-microsoft-com:office:powerpoint" xmlns:com="http://schemas.openxmlformats.org/drawingml/2006/compatibility" xmlns:p14="http://schemas.microsoft.com/office/powerpoint/2010/main" xmlns:p15="http://schemas.microsoft.com/office/powerpoint/2012/main" xmlns:ahyp="http://schemas.microsoft.com/office/drawing/2018/hyperlinkcolor">
+  <p:cSld>
+    <p:spTree>
+      <p:nvGrpSpPr>
+        <p:cNvPr id="198" name="Shape 198"/>
+        <p:cNvGrpSpPr/>
+        <p:nvPr/>
+      </p:nvGrpSpPr>
+      <p:grpSpPr>
+        <a:xfrm>
+          <a:off x="0" y="0"/>
+          <a:ext cx="0" cy="0"/>
+          <a:chOff x="0" y="0"/>
+          <a:chExt cx="0" cy="0"/>
+        </a:xfrm>
+      </p:grpSpPr>
+      <p:sp>
+        <p:nvSpPr>
+          <p:cNvPr id="199" name="Google Shape;199;p20"/>
           <p:cNvSpPr txBox="1"/>
           <p:nvPr>
             <p:ph type="title"/>
@@ -14225,7 +14372,7 @@
       </p:sp>
       <p:pic>
         <p:nvPicPr>
-          <p:cNvPr id="193" name="Google Shape;193;p20"/>
+          <p:cNvPr id="200" name="Google Shape;200;p20"/>
           <p:cNvPicPr preferRelativeResize="0"/>
           <p:nvPr>
             <p:ph idx="1" type="body"/>
@@ -14254,7 +14401,7 @@
       </p:pic>
       <p:sp>
         <p:nvSpPr>
-          <p:cNvPr id="194" name="Google Shape;194;p20"/>
+          <p:cNvPr id="201" name="Google Shape;201;p20"/>
           <p:cNvSpPr txBox="1"/>
           <p:nvPr/>
         </p:nvSpPr>
@@ -14451,143 +14598,6 @@
           </a:p>
         </p:txBody>
       </p:sp>
-    </p:spTree>
-  </p:cSld>
-  <p:clrMapOvr>
-    <a:masterClrMapping/>
-  </p:clrMapOvr>
-</p:sld>
-</file>
-
-<file path=ppt/slides/slide15.xml><?xml version="1.0" encoding="utf-8"?>
-<p:sld xmlns:a="http://schemas.openxmlformats.org/drawingml/2006/main" xmlns:r="http://schemas.openxmlformats.org/officeDocument/2006/relationships" xmlns:mc="http://schemas.openxmlformats.org/markup-compatibility/2006" xmlns:mv="urn:schemas-microsoft-com:mac:vml" xmlns:p="http://schemas.openxmlformats.org/presentationml/2006/main" xmlns:c="http://schemas.openxmlformats.org/drawingml/2006/chart" xmlns:dgm="http://schemas.openxmlformats.org/drawingml/2006/diagram" xmlns:o="urn:schemas-microsoft-com:office:office" xmlns:v="urn:schemas-microsoft-com:vml" xmlns:pvml="urn:schemas-microsoft-com:office:powerpoint" xmlns:com="http://schemas.openxmlformats.org/drawingml/2006/compatibility" xmlns:p14="http://schemas.microsoft.com/office/powerpoint/2010/main" xmlns:p15="http://schemas.microsoft.com/office/powerpoint/2012/main" xmlns:ahyp="http://schemas.microsoft.com/office/drawing/2018/hyperlinkcolor">
-  <p:cSld>
-    <p:spTree>
-      <p:nvGrpSpPr>
-        <p:cNvPr id="198" name="Shape 198"/>
-        <p:cNvGrpSpPr/>
-        <p:nvPr/>
-      </p:nvGrpSpPr>
-      <p:grpSpPr>
-        <a:xfrm>
-          <a:off x="0" y="0"/>
-          <a:ext cx="0" cy="0"/>
-          <a:chOff x="0" y="0"/>
-          <a:chExt cx="0" cy="0"/>
-        </a:xfrm>
-      </p:grpSpPr>
-      <p:sp>
-        <p:nvSpPr>
-          <p:cNvPr id="199" name="Google Shape;199;g2c4b658579b_0_3"/>
-          <p:cNvSpPr txBox="1"/>
-          <p:nvPr>
-            <p:ph type="title"/>
-          </p:nvPr>
-        </p:nvSpPr>
-        <p:spPr>
-          <a:xfrm>
-            <a:off x="581200" y="702153"/>
-            <a:ext cx="11029500" cy="533700"/>
-          </a:xfrm>
-          <a:prstGeom prst="rect">
-            <a:avLst/>
-          </a:prstGeom>
-        </p:spPr>
-        <p:txBody>
-          <a:bodyPr anchorCtr="0" anchor="b" bIns="45700" lIns="91425" spcFirstLastPara="1" rIns="91425" wrap="square" tIns="45700">
-            <a:normAutofit/>
-          </a:bodyPr>
-          <a:lstStyle/>
-          <a:p>
-            <a:pPr indent="0" lvl="0" marL="0" rtl="0" algn="l">
-              <a:spcBef>
-                <a:spcPts val="0"/>
-              </a:spcBef>
-              <a:spcAft>
-                <a:spcPts val="0"/>
-              </a:spcAft>
-              <a:buClr>
-                <a:schemeClr val="lt1"/>
-              </a:buClr>
-              <a:buSzPts val="2800"/>
-              <a:buFont typeface="Gill Sans"/>
-              <a:buNone/>
-            </a:pPr>
-            <a:r>
-              <a:rPr lang="en-US"/>
-              <a:t>WHAT IS THE RETURN ON INVESTMENT?</a:t>
-            </a:r>
-            <a:endParaRPr/>
-          </a:p>
-        </p:txBody>
-      </p:sp>
-      <p:sp>
-        <p:nvSpPr>
-          <p:cNvPr id="200" name="Google Shape;200;g2c4b658579b_0_3"/>
-          <p:cNvSpPr txBox="1"/>
-          <p:nvPr>
-            <p:ph idx="1" type="body"/>
-          </p:nvPr>
-        </p:nvSpPr>
-        <p:spPr>
-          <a:xfrm>
-            <a:off x="581192" y="2180496"/>
-            <a:ext cx="11029500" cy="3678300"/>
-          </a:xfrm>
-          <a:prstGeom prst="rect">
-            <a:avLst/>
-          </a:prstGeom>
-        </p:spPr>
-        <p:txBody>
-          <a:bodyPr anchorCtr="0" anchor="ctr" bIns="45700" lIns="91425" spcFirstLastPara="1" rIns="91425" wrap="square" tIns="45700">
-            <a:normAutofit/>
-          </a:bodyPr>
-          <a:lstStyle/>
-          <a:p>
-            <a:pPr indent="0" lvl="0" marL="0" rtl="0" algn="l">
-              <a:spcBef>
-                <a:spcPts val="360"/>
-              </a:spcBef>
-              <a:spcAft>
-                <a:spcPts val="600"/>
-              </a:spcAft>
-              <a:buNone/>
-            </a:pPr>
-            <a:r>
-              <a:t/>
-            </a:r>
-            <a:endParaRPr/>
-          </a:p>
-        </p:txBody>
-      </p:sp>
-      <p:pic>
-        <p:nvPicPr>
-          <p:cNvPr id="201" name="Google Shape;201;g2c4b658579b_0_3"/>
-          <p:cNvPicPr preferRelativeResize="0"/>
-          <p:nvPr/>
-        </p:nvPicPr>
-        <p:blipFill>
-          <a:blip r:embed="rId3">
-            <a:alphaModFix/>
-          </a:blip>
-          <a:stretch>
-            <a:fillRect/>
-          </a:stretch>
-        </p:blipFill>
-        <p:spPr>
-          <a:xfrm>
-            <a:off x="433988" y="1345859"/>
-            <a:ext cx="11323925" cy="5858900"/>
-          </a:xfrm>
-          <a:prstGeom prst="rect">
-            <a:avLst/>
-          </a:prstGeom>
-          <a:noFill/>
-          <a:ln>
-            <a:noFill/>
-          </a:ln>
-        </p:spPr>
-      </p:pic>
     </p:spTree>
   </p:cSld>
   <p:clrMapOvr>
@@ -16323,7 +16333,7 @@
                   <a:srgbClr val="3D3D3D"/>
                 </a:solidFill>
               </a:rPr>
-              <a:t>Total dividend payments are less relevant for Costco - its share price is a lot higher than the others so $1000 buys relatively less shares compared to the others - so the vast majority of any return is generated by the share price increasing.</a:t>
+              <a:t>Total dividend payments are less relevant for Costco - its share price is a lot higher than the others so $1000 buys less shares compared to the others - so the vast majority of any return is generated by the share price increasing.</a:t>
             </a:r>
             <a:endParaRPr>
               <a:solidFill>
@@ -17477,8 +17487,8 @@
         </p:blipFill>
         <p:spPr>
           <a:xfrm>
-            <a:off x="263525" y="2443906"/>
-            <a:ext cx="5422900" cy="3151397"/>
+            <a:off x="581200" y="2443906"/>
+            <a:ext cx="5422800" cy="3151500"/>
           </a:xfrm>
           <a:prstGeom prst="rect">
             <a:avLst/>
@@ -17494,7 +17504,7 @@
           <p:cNvPr id="139" name="Google Shape;139;p7"/>
           <p:cNvPicPr preferRelativeResize="0"/>
           <p:nvPr>
-            <p:ph idx="2" type="body"/>
+            <p:ph idx="1" type="body"/>
           </p:nvPr>
         </p:nvPicPr>
         <p:blipFill rotWithShape="1">
@@ -17506,8 +17516,8 @@
         </p:blipFill>
         <p:spPr>
           <a:xfrm>
-            <a:off x="6188075" y="2443906"/>
-            <a:ext cx="5422900" cy="3200501"/>
+            <a:off x="6188000" y="2433497"/>
+            <a:ext cx="5422800" cy="3172200"/>
           </a:xfrm>
           <a:prstGeom prst="rect">
             <a:avLst/>
@@ -17613,8 +17623,8 @@
         </p:blipFill>
         <p:spPr>
           <a:xfrm>
-            <a:off x="6188075" y="2471454"/>
-            <a:ext cx="5422900" cy="3145405"/>
+            <a:off x="6187900" y="2471454"/>
+            <a:ext cx="5422800" cy="3145500"/>
           </a:xfrm>
           <a:prstGeom prst="rect">
             <a:avLst/>
@@ -17630,7 +17640,7 @@
           <p:cNvPr id="146" name="Google Shape;146;p8"/>
           <p:cNvPicPr preferRelativeResize="0"/>
           <p:nvPr>
-            <p:ph idx="1" type="body"/>
+            <p:ph idx="2" type="body"/>
           </p:nvPr>
         </p:nvPicPr>
         <p:blipFill rotWithShape="1">
@@ -17642,8 +17652,8 @@
         </p:blipFill>
         <p:spPr>
           <a:xfrm>
-            <a:off x="581025" y="2458097"/>
-            <a:ext cx="5422900" cy="3172118"/>
+            <a:off x="581200" y="2443956"/>
+            <a:ext cx="5422800" cy="3200400"/>
           </a:xfrm>
           <a:prstGeom prst="rect">
             <a:avLst/>
